--- a/notes/07_owl/07OWL.pptx
+++ b/notes/07_owl/07OWL.pptx
@@ -655,10 +655,10 @@
           </a:ln>
           <a:extLst>
             <a:ext uri="{FAA26D3D-D897-4be2-8F04-BA451C77F1D7}">
-              <ma14:placeholderFlag xmlns="" xmlns:ma14="http://schemas.microsoft.com/office/mac/drawingml/2011/main" val="1"/>
+              <ma14:placeholderFlag xmlns:ma14="http://schemas.microsoft.com/office/mac/drawingml/2011/main" xmlns="" val="1"/>
             </a:ext>
             <a:ext uri="{909E8E84-426E-40dd-AFC4-6F175D3DCCD1}">
-              <a14:hiddenFill xmlns="" xmlns:a14="http://schemas.microsoft.com/office/drawing/2010/main">
+              <a14:hiddenFill xmlns:a14="http://schemas.microsoft.com/office/drawing/2010/main" xmlns="">
                 <a:solidFill>
                   <a:srgbClr val="FFFFFF"/>
                 </a:solidFill>
@@ -1006,14 +1006,14 @@
           <a:ln/>
           <a:extLst>
             <a:ext uri="{909E8E84-426E-40dd-AFC4-6F175D3DCCD1}">
-              <a14:hiddenFill xmlns="" xmlns:a14="http://schemas.microsoft.com/office/drawing/2010/main">
+              <a14:hiddenFill xmlns:a14="http://schemas.microsoft.com/office/drawing/2010/main" xmlns="">
                 <a:solidFill>
                   <a:srgbClr val="FFFFFF"/>
                 </a:solidFill>
               </a14:hiddenFill>
             </a:ext>
             <a:ext uri="{91240B29-F687-4f45-9708-019B960494DF}">
-              <a14:hiddenLine xmlns="" xmlns:a14="http://schemas.microsoft.com/office/drawing/2010/main" w="9525">
+              <a14:hiddenLine xmlns:a14="http://schemas.microsoft.com/office/drawing/2010/main" xmlns="" w="9525">
                 <a:solidFill>
                   <a:srgbClr val="000000"/>
                 </a:solidFill>
@@ -1178,17 +1178,17 @@
           <a:ln/>
           <a:extLst>
             <a:ext uri="{FAA26D3D-D897-4be2-8F04-BA451C77F1D7}">
-              <ma14:placeholderFlag xmlns="" xmlns:ma14="http://schemas.microsoft.com/office/mac/drawingml/2011/main" val="1"/>
+              <ma14:placeholderFlag xmlns:ma14="http://schemas.microsoft.com/office/mac/drawingml/2011/main" xmlns="" val="1"/>
             </a:ext>
             <a:ext uri="{909E8E84-426E-40dd-AFC4-6F175D3DCCD1}">
-              <a14:hiddenFill xmlns="" xmlns:a14="http://schemas.microsoft.com/office/drawing/2010/main">
+              <a14:hiddenFill xmlns:a14="http://schemas.microsoft.com/office/drawing/2010/main" xmlns="">
                 <a:solidFill>
                   <a:srgbClr val="FFFFFF"/>
                 </a:solidFill>
               </a14:hiddenFill>
             </a:ext>
             <a:ext uri="{91240B29-F687-4f45-9708-019B960494DF}">
-              <a14:hiddenLine xmlns="" xmlns:a14="http://schemas.microsoft.com/office/drawing/2010/main" w="9525">
+              <a14:hiddenLine xmlns:a14="http://schemas.microsoft.com/office/drawing/2010/main" xmlns="" w="9525">
                 <a:solidFill>
                   <a:srgbClr val="000000"/>
                 </a:solidFill>
@@ -1251,14 +1251,14 @@
           <a:ln/>
           <a:extLst>
             <a:ext uri="{909E8E84-426E-40dd-AFC4-6F175D3DCCD1}">
-              <a14:hiddenFill xmlns="" xmlns:a14="http://schemas.microsoft.com/office/drawing/2010/main">
+              <a14:hiddenFill xmlns:a14="http://schemas.microsoft.com/office/drawing/2010/main" xmlns="">
                 <a:solidFill>
                   <a:srgbClr val="FFFFFF"/>
                 </a:solidFill>
               </a14:hiddenFill>
             </a:ext>
             <a:ext uri="{91240B29-F687-4f45-9708-019B960494DF}">
-              <a14:hiddenLine xmlns="" xmlns:a14="http://schemas.microsoft.com/office/drawing/2010/main" w="9525">
+              <a14:hiddenLine xmlns:a14="http://schemas.microsoft.com/office/drawing/2010/main" xmlns="" w="9525">
                 <a:solidFill>
                   <a:srgbClr val="000000"/>
                 </a:solidFill>
@@ -1423,17 +1423,17 @@
           <a:ln/>
           <a:extLst>
             <a:ext uri="{FAA26D3D-D897-4be2-8F04-BA451C77F1D7}">
-              <ma14:placeholderFlag xmlns="" xmlns:ma14="http://schemas.microsoft.com/office/mac/drawingml/2011/main" val="1"/>
+              <ma14:placeholderFlag xmlns:ma14="http://schemas.microsoft.com/office/mac/drawingml/2011/main" xmlns="" val="1"/>
             </a:ext>
             <a:ext uri="{909E8E84-426E-40dd-AFC4-6F175D3DCCD1}">
-              <a14:hiddenFill xmlns="" xmlns:a14="http://schemas.microsoft.com/office/drawing/2010/main">
+              <a14:hiddenFill xmlns:a14="http://schemas.microsoft.com/office/drawing/2010/main" xmlns="">
                 <a:solidFill>
                   <a:srgbClr val="FFFFFF"/>
                 </a:solidFill>
               </a14:hiddenFill>
             </a:ext>
             <a:ext uri="{91240B29-F687-4f45-9708-019B960494DF}">
-              <a14:hiddenLine xmlns="" xmlns:a14="http://schemas.microsoft.com/office/drawing/2010/main" w="9525">
+              <a14:hiddenLine xmlns:a14="http://schemas.microsoft.com/office/drawing/2010/main" xmlns="" w="9525">
                 <a:solidFill>
                   <a:srgbClr val="000000"/>
                 </a:solidFill>
@@ -1496,14 +1496,14 @@
           <a:ln/>
           <a:extLst>
             <a:ext uri="{909E8E84-426E-40dd-AFC4-6F175D3DCCD1}">
-              <a14:hiddenFill xmlns="" xmlns:a14="http://schemas.microsoft.com/office/drawing/2010/main">
+              <a14:hiddenFill xmlns:a14="http://schemas.microsoft.com/office/drawing/2010/main" xmlns="">
                 <a:solidFill>
                   <a:srgbClr val="FFFFFF"/>
                 </a:solidFill>
               </a14:hiddenFill>
             </a:ext>
             <a:ext uri="{91240B29-F687-4f45-9708-019B960494DF}">
-              <a14:hiddenLine xmlns="" xmlns:a14="http://schemas.microsoft.com/office/drawing/2010/main" w="9525">
+              <a14:hiddenLine xmlns:a14="http://schemas.microsoft.com/office/drawing/2010/main" xmlns="" w="9525">
                 <a:solidFill>
                   <a:srgbClr val="000000"/>
                 </a:solidFill>
@@ -1668,17 +1668,17 @@
           <a:ln/>
           <a:extLst>
             <a:ext uri="{FAA26D3D-D897-4be2-8F04-BA451C77F1D7}">
-              <ma14:placeholderFlag xmlns="" xmlns:ma14="http://schemas.microsoft.com/office/mac/drawingml/2011/main" val="1"/>
+              <ma14:placeholderFlag xmlns:ma14="http://schemas.microsoft.com/office/mac/drawingml/2011/main" xmlns="" val="1"/>
             </a:ext>
             <a:ext uri="{909E8E84-426E-40dd-AFC4-6F175D3DCCD1}">
-              <a14:hiddenFill xmlns="" xmlns:a14="http://schemas.microsoft.com/office/drawing/2010/main">
+              <a14:hiddenFill xmlns:a14="http://schemas.microsoft.com/office/drawing/2010/main" xmlns="">
                 <a:solidFill>
                   <a:srgbClr val="FFFFFF"/>
                 </a:solidFill>
               </a14:hiddenFill>
             </a:ext>
             <a:ext uri="{91240B29-F687-4f45-9708-019B960494DF}">
-              <a14:hiddenLine xmlns="" xmlns:a14="http://schemas.microsoft.com/office/drawing/2010/main" w="9525">
+              <a14:hiddenLine xmlns:a14="http://schemas.microsoft.com/office/drawing/2010/main" xmlns="" w="9525">
                 <a:solidFill>
                   <a:srgbClr val="000000"/>
                 </a:solidFill>
@@ -1741,14 +1741,14 @@
           <a:ln/>
           <a:extLst>
             <a:ext uri="{909E8E84-426E-40dd-AFC4-6F175D3DCCD1}">
-              <a14:hiddenFill xmlns="" xmlns:a14="http://schemas.microsoft.com/office/drawing/2010/main">
+              <a14:hiddenFill xmlns:a14="http://schemas.microsoft.com/office/drawing/2010/main" xmlns="">
                 <a:solidFill>
                   <a:srgbClr val="FFFFFF"/>
                 </a:solidFill>
               </a14:hiddenFill>
             </a:ext>
             <a:ext uri="{91240B29-F687-4f45-9708-019B960494DF}">
-              <a14:hiddenLine xmlns="" xmlns:a14="http://schemas.microsoft.com/office/drawing/2010/main" w="9525">
+              <a14:hiddenLine xmlns:a14="http://schemas.microsoft.com/office/drawing/2010/main" xmlns="" w="9525">
                 <a:solidFill>
                   <a:srgbClr val="000000"/>
                 </a:solidFill>
@@ -1913,17 +1913,17 @@
           <a:ln/>
           <a:extLst>
             <a:ext uri="{FAA26D3D-D897-4be2-8F04-BA451C77F1D7}">
-              <ma14:placeholderFlag xmlns="" xmlns:ma14="http://schemas.microsoft.com/office/mac/drawingml/2011/main" val="1"/>
+              <ma14:placeholderFlag xmlns:ma14="http://schemas.microsoft.com/office/mac/drawingml/2011/main" xmlns="" val="1"/>
             </a:ext>
             <a:ext uri="{909E8E84-426E-40dd-AFC4-6F175D3DCCD1}">
-              <a14:hiddenFill xmlns="" xmlns:a14="http://schemas.microsoft.com/office/drawing/2010/main">
+              <a14:hiddenFill xmlns:a14="http://schemas.microsoft.com/office/drawing/2010/main" xmlns="">
                 <a:solidFill>
                   <a:srgbClr val="FFFFFF"/>
                 </a:solidFill>
               </a14:hiddenFill>
             </a:ext>
             <a:ext uri="{91240B29-F687-4f45-9708-019B960494DF}">
-              <a14:hiddenLine xmlns="" xmlns:a14="http://schemas.microsoft.com/office/drawing/2010/main" w="9525">
+              <a14:hiddenLine xmlns:a14="http://schemas.microsoft.com/office/drawing/2010/main" xmlns="" w="9525">
                 <a:solidFill>
                   <a:srgbClr val="000000"/>
                 </a:solidFill>
@@ -1986,14 +1986,14 @@
           <a:ln/>
           <a:extLst>
             <a:ext uri="{909E8E84-426E-40dd-AFC4-6F175D3DCCD1}">
-              <a14:hiddenFill xmlns="" xmlns:a14="http://schemas.microsoft.com/office/drawing/2010/main">
+              <a14:hiddenFill xmlns:a14="http://schemas.microsoft.com/office/drawing/2010/main" xmlns="">
                 <a:solidFill>
                   <a:srgbClr val="FFFFFF"/>
                 </a:solidFill>
               </a14:hiddenFill>
             </a:ext>
             <a:ext uri="{91240B29-F687-4f45-9708-019B960494DF}">
-              <a14:hiddenLine xmlns="" xmlns:a14="http://schemas.microsoft.com/office/drawing/2010/main" w="9525">
+              <a14:hiddenLine xmlns:a14="http://schemas.microsoft.com/office/drawing/2010/main" xmlns="" w="9525">
                 <a:solidFill>
                   <a:srgbClr val="000000"/>
                 </a:solidFill>
@@ -2158,17 +2158,17 @@
           <a:ln/>
           <a:extLst>
             <a:ext uri="{FAA26D3D-D897-4be2-8F04-BA451C77F1D7}">
-              <ma14:placeholderFlag xmlns="" xmlns:ma14="http://schemas.microsoft.com/office/mac/drawingml/2011/main" val="1"/>
+              <ma14:placeholderFlag xmlns:ma14="http://schemas.microsoft.com/office/mac/drawingml/2011/main" xmlns="" val="1"/>
             </a:ext>
             <a:ext uri="{909E8E84-426E-40dd-AFC4-6F175D3DCCD1}">
-              <a14:hiddenFill xmlns="" xmlns:a14="http://schemas.microsoft.com/office/drawing/2010/main">
+              <a14:hiddenFill xmlns:a14="http://schemas.microsoft.com/office/drawing/2010/main" xmlns="">
                 <a:solidFill>
                   <a:srgbClr val="FFFFFF"/>
                 </a:solidFill>
               </a14:hiddenFill>
             </a:ext>
             <a:ext uri="{91240B29-F687-4f45-9708-019B960494DF}">
-              <a14:hiddenLine xmlns="" xmlns:a14="http://schemas.microsoft.com/office/drawing/2010/main" w="9525">
+              <a14:hiddenLine xmlns:a14="http://schemas.microsoft.com/office/drawing/2010/main" xmlns="" w="9525">
                 <a:solidFill>
                   <a:srgbClr val="000000"/>
                 </a:solidFill>
@@ -2231,14 +2231,14 @@
           <a:ln/>
           <a:extLst>
             <a:ext uri="{909E8E84-426E-40dd-AFC4-6F175D3DCCD1}">
-              <a14:hiddenFill xmlns="" xmlns:a14="http://schemas.microsoft.com/office/drawing/2010/main">
+              <a14:hiddenFill xmlns:a14="http://schemas.microsoft.com/office/drawing/2010/main" xmlns="">
                 <a:solidFill>
                   <a:srgbClr val="FFFFFF"/>
                 </a:solidFill>
               </a14:hiddenFill>
             </a:ext>
             <a:ext uri="{91240B29-F687-4f45-9708-019B960494DF}">
-              <a14:hiddenLine xmlns="" xmlns:a14="http://schemas.microsoft.com/office/drawing/2010/main" w="9525">
+              <a14:hiddenLine xmlns:a14="http://schemas.microsoft.com/office/drawing/2010/main" xmlns="" w="9525">
                 <a:solidFill>
                   <a:srgbClr val="000000"/>
                 </a:solidFill>
@@ -2403,17 +2403,17 @@
           <a:ln/>
           <a:extLst>
             <a:ext uri="{FAA26D3D-D897-4be2-8F04-BA451C77F1D7}">
-              <ma14:placeholderFlag xmlns="" xmlns:ma14="http://schemas.microsoft.com/office/mac/drawingml/2011/main" val="1"/>
+              <ma14:placeholderFlag xmlns:ma14="http://schemas.microsoft.com/office/mac/drawingml/2011/main" xmlns="" val="1"/>
             </a:ext>
             <a:ext uri="{909E8E84-426E-40dd-AFC4-6F175D3DCCD1}">
-              <a14:hiddenFill xmlns="" xmlns:a14="http://schemas.microsoft.com/office/drawing/2010/main">
+              <a14:hiddenFill xmlns:a14="http://schemas.microsoft.com/office/drawing/2010/main" xmlns="">
                 <a:solidFill>
                   <a:srgbClr val="FFFFFF"/>
                 </a:solidFill>
               </a14:hiddenFill>
             </a:ext>
             <a:ext uri="{91240B29-F687-4f45-9708-019B960494DF}">
-              <a14:hiddenLine xmlns="" xmlns:a14="http://schemas.microsoft.com/office/drawing/2010/main" w="9525">
+              <a14:hiddenLine xmlns:a14="http://schemas.microsoft.com/office/drawing/2010/main" xmlns="" w="9525">
                 <a:solidFill>
                   <a:srgbClr val="000000"/>
                 </a:solidFill>
@@ -2476,14 +2476,14 @@
           <a:ln/>
           <a:extLst>
             <a:ext uri="{909E8E84-426E-40dd-AFC4-6F175D3DCCD1}">
-              <a14:hiddenFill xmlns="" xmlns:a14="http://schemas.microsoft.com/office/drawing/2010/main">
+              <a14:hiddenFill xmlns:a14="http://schemas.microsoft.com/office/drawing/2010/main" xmlns="">
                 <a:solidFill>
                   <a:srgbClr val="FFFFFF"/>
                 </a:solidFill>
               </a14:hiddenFill>
             </a:ext>
             <a:ext uri="{91240B29-F687-4f45-9708-019B960494DF}">
-              <a14:hiddenLine xmlns="" xmlns:a14="http://schemas.microsoft.com/office/drawing/2010/main" w="9525">
+              <a14:hiddenLine xmlns:a14="http://schemas.microsoft.com/office/drawing/2010/main" xmlns="" w="9525">
                 <a:solidFill>
                   <a:srgbClr val="000000"/>
                 </a:solidFill>
@@ -2648,17 +2648,17 @@
           <a:ln/>
           <a:extLst>
             <a:ext uri="{FAA26D3D-D897-4be2-8F04-BA451C77F1D7}">
-              <ma14:placeholderFlag xmlns="" xmlns:ma14="http://schemas.microsoft.com/office/mac/drawingml/2011/main" val="1"/>
+              <ma14:placeholderFlag xmlns:ma14="http://schemas.microsoft.com/office/mac/drawingml/2011/main" xmlns="" val="1"/>
             </a:ext>
             <a:ext uri="{909E8E84-426E-40dd-AFC4-6F175D3DCCD1}">
-              <a14:hiddenFill xmlns="" xmlns:a14="http://schemas.microsoft.com/office/drawing/2010/main">
+              <a14:hiddenFill xmlns:a14="http://schemas.microsoft.com/office/drawing/2010/main" xmlns="">
                 <a:solidFill>
                   <a:srgbClr val="FFFFFF"/>
                 </a:solidFill>
               </a14:hiddenFill>
             </a:ext>
             <a:ext uri="{91240B29-F687-4f45-9708-019B960494DF}">
-              <a14:hiddenLine xmlns="" xmlns:a14="http://schemas.microsoft.com/office/drawing/2010/main" w="9525">
+              <a14:hiddenLine xmlns:a14="http://schemas.microsoft.com/office/drawing/2010/main" xmlns="" w="9525">
                 <a:solidFill>
                   <a:srgbClr val="000000"/>
                 </a:solidFill>
@@ -2721,14 +2721,14 @@
           <a:ln/>
           <a:extLst>
             <a:ext uri="{909E8E84-426E-40dd-AFC4-6F175D3DCCD1}">
-              <a14:hiddenFill xmlns="" xmlns:a14="http://schemas.microsoft.com/office/drawing/2010/main">
+              <a14:hiddenFill xmlns:a14="http://schemas.microsoft.com/office/drawing/2010/main" xmlns="">
                 <a:solidFill>
                   <a:srgbClr val="FFFFFF"/>
                 </a:solidFill>
               </a14:hiddenFill>
             </a:ext>
             <a:ext uri="{91240B29-F687-4f45-9708-019B960494DF}">
-              <a14:hiddenLine xmlns="" xmlns:a14="http://schemas.microsoft.com/office/drawing/2010/main" w="9525">
+              <a14:hiddenLine xmlns:a14="http://schemas.microsoft.com/office/drawing/2010/main" xmlns="" w="9525">
                 <a:solidFill>
                   <a:srgbClr val="000000"/>
                 </a:solidFill>
@@ -2893,17 +2893,17 @@
           <a:ln/>
           <a:extLst>
             <a:ext uri="{FAA26D3D-D897-4be2-8F04-BA451C77F1D7}">
-              <ma14:placeholderFlag xmlns="" xmlns:ma14="http://schemas.microsoft.com/office/mac/drawingml/2011/main" val="1"/>
+              <ma14:placeholderFlag xmlns:ma14="http://schemas.microsoft.com/office/mac/drawingml/2011/main" xmlns="" val="1"/>
             </a:ext>
             <a:ext uri="{909E8E84-426E-40dd-AFC4-6F175D3DCCD1}">
-              <a14:hiddenFill xmlns="" xmlns:a14="http://schemas.microsoft.com/office/drawing/2010/main">
+              <a14:hiddenFill xmlns:a14="http://schemas.microsoft.com/office/drawing/2010/main" xmlns="">
                 <a:solidFill>
                   <a:srgbClr val="FFFFFF"/>
                 </a:solidFill>
               </a14:hiddenFill>
             </a:ext>
             <a:ext uri="{91240B29-F687-4f45-9708-019B960494DF}">
-              <a14:hiddenLine xmlns="" xmlns:a14="http://schemas.microsoft.com/office/drawing/2010/main" w="9525">
+              <a14:hiddenLine xmlns:a14="http://schemas.microsoft.com/office/drawing/2010/main" xmlns="" w="9525">
                 <a:solidFill>
                   <a:srgbClr val="000000"/>
                 </a:solidFill>
@@ -2966,14 +2966,14 @@
           <a:ln/>
           <a:extLst>
             <a:ext uri="{909E8E84-426E-40dd-AFC4-6F175D3DCCD1}">
-              <a14:hiddenFill xmlns="" xmlns:a14="http://schemas.microsoft.com/office/drawing/2010/main">
+              <a14:hiddenFill xmlns:a14="http://schemas.microsoft.com/office/drawing/2010/main" xmlns="">
                 <a:solidFill>
                   <a:srgbClr val="FFFFFF"/>
                 </a:solidFill>
               </a14:hiddenFill>
             </a:ext>
             <a:ext uri="{91240B29-F687-4f45-9708-019B960494DF}">
-              <a14:hiddenLine xmlns="" xmlns:a14="http://schemas.microsoft.com/office/drawing/2010/main" w="9525">
+              <a14:hiddenLine xmlns:a14="http://schemas.microsoft.com/office/drawing/2010/main" xmlns="" w="9525">
                 <a:solidFill>
                   <a:srgbClr val="000000"/>
                 </a:solidFill>
@@ -3138,17 +3138,17 @@
           <a:ln/>
           <a:extLst>
             <a:ext uri="{FAA26D3D-D897-4be2-8F04-BA451C77F1D7}">
-              <ma14:placeholderFlag xmlns="" xmlns:ma14="http://schemas.microsoft.com/office/mac/drawingml/2011/main" val="1"/>
+              <ma14:placeholderFlag xmlns:ma14="http://schemas.microsoft.com/office/mac/drawingml/2011/main" xmlns="" val="1"/>
             </a:ext>
             <a:ext uri="{909E8E84-426E-40dd-AFC4-6F175D3DCCD1}">
-              <a14:hiddenFill xmlns="" xmlns:a14="http://schemas.microsoft.com/office/drawing/2010/main">
+              <a14:hiddenFill xmlns:a14="http://schemas.microsoft.com/office/drawing/2010/main" xmlns="">
                 <a:solidFill>
                   <a:srgbClr val="FFFFFF"/>
                 </a:solidFill>
               </a14:hiddenFill>
             </a:ext>
             <a:ext uri="{91240B29-F687-4f45-9708-019B960494DF}">
-              <a14:hiddenLine xmlns="" xmlns:a14="http://schemas.microsoft.com/office/drawing/2010/main" w="9525">
+              <a14:hiddenLine xmlns:a14="http://schemas.microsoft.com/office/drawing/2010/main" xmlns="" w="9525">
                 <a:solidFill>
                   <a:srgbClr val="000000"/>
                 </a:solidFill>
@@ -3211,14 +3211,14 @@
           <a:ln/>
           <a:extLst>
             <a:ext uri="{909E8E84-426E-40dd-AFC4-6F175D3DCCD1}">
-              <a14:hiddenFill xmlns="" xmlns:a14="http://schemas.microsoft.com/office/drawing/2010/main">
+              <a14:hiddenFill xmlns:a14="http://schemas.microsoft.com/office/drawing/2010/main" xmlns="">
                 <a:solidFill>
                   <a:srgbClr val="FFFFFF"/>
                 </a:solidFill>
               </a14:hiddenFill>
             </a:ext>
             <a:ext uri="{91240B29-F687-4f45-9708-019B960494DF}">
-              <a14:hiddenLine xmlns="" xmlns:a14="http://schemas.microsoft.com/office/drawing/2010/main" w="9525">
+              <a14:hiddenLine xmlns:a14="http://schemas.microsoft.com/office/drawing/2010/main" xmlns="" w="9525">
                 <a:solidFill>
                   <a:srgbClr val="000000"/>
                 </a:solidFill>
@@ -3383,17 +3383,17 @@
           <a:ln/>
           <a:extLst>
             <a:ext uri="{FAA26D3D-D897-4be2-8F04-BA451C77F1D7}">
-              <ma14:placeholderFlag xmlns="" xmlns:ma14="http://schemas.microsoft.com/office/mac/drawingml/2011/main" val="1"/>
+              <ma14:placeholderFlag xmlns:ma14="http://schemas.microsoft.com/office/mac/drawingml/2011/main" xmlns="" val="1"/>
             </a:ext>
             <a:ext uri="{909E8E84-426E-40dd-AFC4-6F175D3DCCD1}">
-              <a14:hiddenFill xmlns="" xmlns:a14="http://schemas.microsoft.com/office/drawing/2010/main">
+              <a14:hiddenFill xmlns:a14="http://schemas.microsoft.com/office/drawing/2010/main" xmlns="">
                 <a:solidFill>
                   <a:srgbClr val="FFFFFF"/>
                 </a:solidFill>
               </a14:hiddenFill>
             </a:ext>
             <a:ext uri="{91240B29-F687-4f45-9708-019B960494DF}">
-              <a14:hiddenLine xmlns="" xmlns:a14="http://schemas.microsoft.com/office/drawing/2010/main" w="9525">
+              <a14:hiddenLine xmlns:a14="http://schemas.microsoft.com/office/drawing/2010/main" xmlns="" w="9525">
                 <a:solidFill>
                   <a:srgbClr val="000000"/>
                 </a:solidFill>
@@ -3456,14 +3456,14 @@
           <a:ln/>
           <a:extLst>
             <a:ext uri="{909E8E84-426E-40dd-AFC4-6F175D3DCCD1}">
-              <a14:hiddenFill xmlns="" xmlns:a14="http://schemas.microsoft.com/office/drawing/2010/main">
+              <a14:hiddenFill xmlns:a14="http://schemas.microsoft.com/office/drawing/2010/main" xmlns="">
                 <a:solidFill>
                   <a:srgbClr val="FFFFFF"/>
                 </a:solidFill>
               </a14:hiddenFill>
             </a:ext>
             <a:ext uri="{91240B29-F687-4f45-9708-019B960494DF}">
-              <a14:hiddenLine xmlns="" xmlns:a14="http://schemas.microsoft.com/office/drawing/2010/main" w="9525">
+              <a14:hiddenLine xmlns:a14="http://schemas.microsoft.com/office/drawing/2010/main" xmlns="" w="9525">
                 <a:solidFill>
                   <a:srgbClr val="000000"/>
                 </a:solidFill>
@@ -3628,17 +3628,17 @@
           <a:ln/>
           <a:extLst>
             <a:ext uri="{FAA26D3D-D897-4be2-8F04-BA451C77F1D7}">
-              <ma14:placeholderFlag xmlns="" xmlns:ma14="http://schemas.microsoft.com/office/mac/drawingml/2011/main" val="1"/>
+              <ma14:placeholderFlag xmlns:ma14="http://schemas.microsoft.com/office/mac/drawingml/2011/main" xmlns="" val="1"/>
             </a:ext>
             <a:ext uri="{909E8E84-426E-40dd-AFC4-6F175D3DCCD1}">
-              <a14:hiddenFill xmlns="" xmlns:a14="http://schemas.microsoft.com/office/drawing/2010/main">
+              <a14:hiddenFill xmlns:a14="http://schemas.microsoft.com/office/drawing/2010/main" xmlns="">
                 <a:solidFill>
                   <a:srgbClr val="FFFFFF"/>
                 </a:solidFill>
               </a14:hiddenFill>
             </a:ext>
             <a:ext uri="{91240B29-F687-4f45-9708-019B960494DF}">
-              <a14:hiddenLine xmlns="" xmlns:a14="http://schemas.microsoft.com/office/drawing/2010/main" w="9525">
+              <a14:hiddenLine xmlns:a14="http://schemas.microsoft.com/office/drawing/2010/main" xmlns="" w="9525">
                 <a:solidFill>
                   <a:srgbClr val="000000"/>
                 </a:solidFill>
@@ -3701,14 +3701,14 @@
           <a:ln/>
           <a:extLst>
             <a:ext uri="{909E8E84-426E-40dd-AFC4-6F175D3DCCD1}">
-              <a14:hiddenFill xmlns="" xmlns:a14="http://schemas.microsoft.com/office/drawing/2010/main">
+              <a14:hiddenFill xmlns:a14="http://schemas.microsoft.com/office/drawing/2010/main" xmlns="">
                 <a:solidFill>
                   <a:srgbClr val="FFFFFF"/>
                 </a:solidFill>
               </a14:hiddenFill>
             </a:ext>
             <a:ext uri="{91240B29-F687-4f45-9708-019B960494DF}">
-              <a14:hiddenLine xmlns="" xmlns:a14="http://schemas.microsoft.com/office/drawing/2010/main" w="9525">
+              <a14:hiddenLine xmlns:a14="http://schemas.microsoft.com/office/drawing/2010/main" xmlns="" w="9525">
                 <a:solidFill>
                   <a:srgbClr val="000000"/>
                 </a:solidFill>
@@ -3873,17 +3873,17 @@
           <a:ln/>
           <a:extLst>
             <a:ext uri="{FAA26D3D-D897-4be2-8F04-BA451C77F1D7}">
-              <ma14:placeholderFlag xmlns="" xmlns:ma14="http://schemas.microsoft.com/office/mac/drawingml/2011/main" val="1"/>
+              <ma14:placeholderFlag xmlns:ma14="http://schemas.microsoft.com/office/mac/drawingml/2011/main" xmlns="" val="1"/>
             </a:ext>
             <a:ext uri="{909E8E84-426E-40dd-AFC4-6F175D3DCCD1}">
-              <a14:hiddenFill xmlns="" xmlns:a14="http://schemas.microsoft.com/office/drawing/2010/main">
+              <a14:hiddenFill xmlns:a14="http://schemas.microsoft.com/office/drawing/2010/main" xmlns="">
                 <a:solidFill>
                   <a:srgbClr val="FFFFFF"/>
                 </a:solidFill>
               </a14:hiddenFill>
             </a:ext>
             <a:ext uri="{91240B29-F687-4f45-9708-019B960494DF}">
-              <a14:hiddenLine xmlns="" xmlns:a14="http://schemas.microsoft.com/office/drawing/2010/main" w="9525">
+              <a14:hiddenLine xmlns:a14="http://schemas.microsoft.com/office/drawing/2010/main" xmlns="" w="9525">
                 <a:solidFill>
                   <a:srgbClr val="000000"/>
                 </a:solidFill>
@@ -3946,14 +3946,14 @@
           <a:ln/>
           <a:extLst>
             <a:ext uri="{909E8E84-426E-40dd-AFC4-6F175D3DCCD1}">
-              <a14:hiddenFill xmlns="" xmlns:a14="http://schemas.microsoft.com/office/drawing/2010/main">
+              <a14:hiddenFill xmlns:a14="http://schemas.microsoft.com/office/drawing/2010/main" xmlns="">
                 <a:solidFill>
                   <a:srgbClr val="FFFFFF"/>
                 </a:solidFill>
               </a14:hiddenFill>
             </a:ext>
             <a:ext uri="{91240B29-F687-4f45-9708-019B960494DF}">
-              <a14:hiddenLine xmlns="" xmlns:a14="http://schemas.microsoft.com/office/drawing/2010/main" w="9525">
+              <a14:hiddenLine xmlns:a14="http://schemas.microsoft.com/office/drawing/2010/main" xmlns="" w="9525">
                 <a:solidFill>
                   <a:srgbClr val="000000"/>
                 </a:solidFill>
@@ -4118,17 +4118,17 @@
           <a:ln/>
           <a:extLst>
             <a:ext uri="{FAA26D3D-D897-4be2-8F04-BA451C77F1D7}">
-              <ma14:placeholderFlag xmlns="" xmlns:ma14="http://schemas.microsoft.com/office/mac/drawingml/2011/main" val="1"/>
+              <ma14:placeholderFlag xmlns:ma14="http://schemas.microsoft.com/office/mac/drawingml/2011/main" xmlns="" val="1"/>
             </a:ext>
             <a:ext uri="{909E8E84-426E-40dd-AFC4-6F175D3DCCD1}">
-              <a14:hiddenFill xmlns="" xmlns:a14="http://schemas.microsoft.com/office/drawing/2010/main">
+              <a14:hiddenFill xmlns:a14="http://schemas.microsoft.com/office/drawing/2010/main" xmlns="">
                 <a:solidFill>
                   <a:srgbClr val="FFFFFF"/>
                 </a:solidFill>
               </a14:hiddenFill>
             </a:ext>
             <a:ext uri="{91240B29-F687-4f45-9708-019B960494DF}">
-              <a14:hiddenLine xmlns="" xmlns:a14="http://schemas.microsoft.com/office/drawing/2010/main" w="9525">
+              <a14:hiddenLine xmlns:a14="http://schemas.microsoft.com/office/drawing/2010/main" xmlns="" w="9525">
                 <a:solidFill>
                   <a:srgbClr val="000000"/>
                 </a:solidFill>
@@ -4191,14 +4191,14 @@
           <a:ln/>
           <a:extLst>
             <a:ext uri="{909E8E84-426E-40dd-AFC4-6F175D3DCCD1}">
-              <a14:hiddenFill xmlns="" xmlns:a14="http://schemas.microsoft.com/office/drawing/2010/main">
+              <a14:hiddenFill xmlns:a14="http://schemas.microsoft.com/office/drawing/2010/main" xmlns="">
                 <a:solidFill>
                   <a:srgbClr val="FFFFFF"/>
                 </a:solidFill>
               </a14:hiddenFill>
             </a:ext>
             <a:ext uri="{91240B29-F687-4f45-9708-019B960494DF}">
-              <a14:hiddenLine xmlns="" xmlns:a14="http://schemas.microsoft.com/office/drawing/2010/main" w="9525">
+              <a14:hiddenLine xmlns:a14="http://schemas.microsoft.com/office/drawing/2010/main" xmlns="" w="9525">
                 <a:solidFill>
                   <a:srgbClr val="000000"/>
                 </a:solidFill>
@@ -4363,17 +4363,17 @@
           <a:ln/>
           <a:extLst>
             <a:ext uri="{FAA26D3D-D897-4be2-8F04-BA451C77F1D7}">
-              <ma14:placeholderFlag xmlns="" xmlns:ma14="http://schemas.microsoft.com/office/mac/drawingml/2011/main" val="1"/>
+              <ma14:placeholderFlag xmlns:ma14="http://schemas.microsoft.com/office/mac/drawingml/2011/main" xmlns="" val="1"/>
             </a:ext>
             <a:ext uri="{909E8E84-426E-40dd-AFC4-6F175D3DCCD1}">
-              <a14:hiddenFill xmlns="" xmlns:a14="http://schemas.microsoft.com/office/drawing/2010/main">
+              <a14:hiddenFill xmlns:a14="http://schemas.microsoft.com/office/drawing/2010/main" xmlns="">
                 <a:solidFill>
                   <a:srgbClr val="FFFFFF"/>
                 </a:solidFill>
               </a14:hiddenFill>
             </a:ext>
             <a:ext uri="{91240B29-F687-4f45-9708-019B960494DF}">
-              <a14:hiddenLine xmlns="" xmlns:a14="http://schemas.microsoft.com/office/drawing/2010/main" w="9525">
+              <a14:hiddenLine xmlns:a14="http://schemas.microsoft.com/office/drawing/2010/main" xmlns="" w="9525">
                 <a:solidFill>
                   <a:srgbClr val="000000"/>
                 </a:solidFill>
@@ -4436,14 +4436,14 @@
           <a:ln/>
           <a:extLst>
             <a:ext uri="{909E8E84-426E-40dd-AFC4-6F175D3DCCD1}">
-              <a14:hiddenFill xmlns="" xmlns:a14="http://schemas.microsoft.com/office/drawing/2010/main">
+              <a14:hiddenFill xmlns:a14="http://schemas.microsoft.com/office/drawing/2010/main" xmlns="">
                 <a:solidFill>
                   <a:srgbClr val="FFFFFF"/>
                 </a:solidFill>
               </a14:hiddenFill>
             </a:ext>
             <a:ext uri="{91240B29-F687-4f45-9708-019B960494DF}">
-              <a14:hiddenLine xmlns="" xmlns:a14="http://schemas.microsoft.com/office/drawing/2010/main" w="9525">
+              <a14:hiddenLine xmlns:a14="http://schemas.microsoft.com/office/drawing/2010/main" xmlns="" w="9525">
                 <a:solidFill>
                   <a:srgbClr val="000000"/>
                 </a:solidFill>
@@ -4608,17 +4608,17 @@
           <a:ln/>
           <a:extLst>
             <a:ext uri="{FAA26D3D-D897-4be2-8F04-BA451C77F1D7}">
-              <ma14:placeholderFlag xmlns="" xmlns:ma14="http://schemas.microsoft.com/office/mac/drawingml/2011/main" val="1"/>
+              <ma14:placeholderFlag xmlns:ma14="http://schemas.microsoft.com/office/mac/drawingml/2011/main" xmlns="" val="1"/>
             </a:ext>
             <a:ext uri="{909E8E84-426E-40dd-AFC4-6F175D3DCCD1}">
-              <a14:hiddenFill xmlns="" xmlns:a14="http://schemas.microsoft.com/office/drawing/2010/main">
+              <a14:hiddenFill xmlns:a14="http://schemas.microsoft.com/office/drawing/2010/main" xmlns="">
                 <a:solidFill>
                   <a:srgbClr val="FFFFFF"/>
                 </a:solidFill>
               </a14:hiddenFill>
             </a:ext>
             <a:ext uri="{91240B29-F687-4f45-9708-019B960494DF}">
-              <a14:hiddenLine xmlns="" xmlns:a14="http://schemas.microsoft.com/office/drawing/2010/main" w="9525">
+              <a14:hiddenLine xmlns:a14="http://schemas.microsoft.com/office/drawing/2010/main" xmlns="" w="9525">
                 <a:solidFill>
                   <a:srgbClr val="000000"/>
                 </a:solidFill>
@@ -4681,14 +4681,14 @@
           <a:ln/>
           <a:extLst>
             <a:ext uri="{909E8E84-426E-40dd-AFC4-6F175D3DCCD1}">
-              <a14:hiddenFill xmlns="" xmlns:a14="http://schemas.microsoft.com/office/drawing/2010/main">
+              <a14:hiddenFill xmlns:a14="http://schemas.microsoft.com/office/drawing/2010/main" xmlns="">
                 <a:solidFill>
                   <a:srgbClr val="FFFFFF"/>
                 </a:solidFill>
               </a14:hiddenFill>
             </a:ext>
             <a:ext uri="{91240B29-F687-4f45-9708-019B960494DF}">
-              <a14:hiddenLine xmlns="" xmlns:a14="http://schemas.microsoft.com/office/drawing/2010/main" w="9525">
+              <a14:hiddenLine xmlns:a14="http://schemas.microsoft.com/office/drawing/2010/main" xmlns="" w="9525">
                 <a:solidFill>
                   <a:srgbClr val="000000"/>
                 </a:solidFill>
@@ -4853,17 +4853,17 @@
           <a:ln/>
           <a:extLst>
             <a:ext uri="{FAA26D3D-D897-4be2-8F04-BA451C77F1D7}">
-              <ma14:placeholderFlag xmlns="" xmlns:ma14="http://schemas.microsoft.com/office/mac/drawingml/2011/main" val="1"/>
+              <ma14:placeholderFlag xmlns:ma14="http://schemas.microsoft.com/office/mac/drawingml/2011/main" xmlns="" val="1"/>
             </a:ext>
             <a:ext uri="{909E8E84-426E-40dd-AFC4-6F175D3DCCD1}">
-              <a14:hiddenFill xmlns="" xmlns:a14="http://schemas.microsoft.com/office/drawing/2010/main">
+              <a14:hiddenFill xmlns:a14="http://schemas.microsoft.com/office/drawing/2010/main" xmlns="">
                 <a:solidFill>
                   <a:srgbClr val="FFFFFF"/>
                 </a:solidFill>
               </a14:hiddenFill>
             </a:ext>
             <a:ext uri="{91240B29-F687-4f45-9708-019B960494DF}">
-              <a14:hiddenLine xmlns="" xmlns:a14="http://schemas.microsoft.com/office/drawing/2010/main" w="9525">
+              <a14:hiddenLine xmlns:a14="http://schemas.microsoft.com/office/drawing/2010/main" xmlns="" w="9525">
                 <a:solidFill>
                   <a:srgbClr val="000000"/>
                 </a:solidFill>
@@ -4926,14 +4926,14 @@
           <a:ln/>
           <a:extLst>
             <a:ext uri="{909E8E84-426E-40dd-AFC4-6F175D3DCCD1}">
-              <a14:hiddenFill xmlns="" xmlns:a14="http://schemas.microsoft.com/office/drawing/2010/main">
+              <a14:hiddenFill xmlns:a14="http://schemas.microsoft.com/office/drawing/2010/main" xmlns="">
                 <a:solidFill>
                   <a:srgbClr val="FFFFFF"/>
                 </a:solidFill>
               </a14:hiddenFill>
             </a:ext>
             <a:ext uri="{91240B29-F687-4f45-9708-019B960494DF}">
-              <a14:hiddenLine xmlns="" xmlns:a14="http://schemas.microsoft.com/office/drawing/2010/main" w="9525">
+              <a14:hiddenLine xmlns:a14="http://schemas.microsoft.com/office/drawing/2010/main" xmlns="" w="9525">
                 <a:solidFill>
                   <a:srgbClr val="000000"/>
                 </a:solidFill>
@@ -5098,17 +5098,17 @@
           <a:ln/>
           <a:extLst>
             <a:ext uri="{FAA26D3D-D897-4be2-8F04-BA451C77F1D7}">
-              <ma14:placeholderFlag xmlns="" xmlns:ma14="http://schemas.microsoft.com/office/mac/drawingml/2011/main" val="1"/>
+              <ma14:placeholderFlag xmlns:ma14="http://schemas.microsoft.com/office/mac/drawingml/2011/main" xmlns="" val="1"/>
             </a:ext>
             <a:ext uri="{909E8E84-426E-40dd-AFC4-6F175D3DCCD1}">
-              <a14:hiddenFill xmlns="" xmlns:a14="http://schemas.microsoft.com/office/drawing/2010/main">
+              <a14:hiddenFill xmlns:a14="http://schemas.microsoft.com/office/drawing/2010/main" xmlns="">
                 <a:solidFill>
                   <a:srgbClr val="FFFFFF"/>
                 </a:solidFill>
               </a14:hiddenFill>
             </a:ext>
             <a:ext uri="{91240B29-F687-4f45-9708-019B960494DF}">
-              <a14:hiddenLine xmlns="" xmlns:a14="http://schemas.microsoft.com/office/drawing/2010/main" w="9525">
+              <a14:hiddenLine xmlns:a14="http://schemas.microsoft.com/office/drawing/2010/main" xmlns="" w="9525">
                 <a:solidFill>
                   <a:srgbClr val="000000"/>
                 </a:solidFill>
@@ -5465,14 +5465,14 @@
           <a:ln/>
           <a:extLst>
             <a:ext uri="{909E8E84-426E-40dd-AFC4-6F175D3DCCD1}">
-              <a14:hiddenFill xmlns="" xmlns:a14="http://schemas.microsoft.com/office/drawing/2010/main">
+              <a14:hiddenFill xmlns:a14="http://schemas.microsoft.com/office/drawing/2010/main" xmlns="">
                 <a:solidFill>
                   <a:srgbClr val="FFFFFF"/>
                 </a:solidFill>
               </a14:hiddenFill>
             </a:ext>
             <a:ext uri="{91240B29-F687-4f45-9708-019B960494DF}">
-              <a14:hiddenLine xmlns="" xmlns:a14="http://schemas.microsoft.com/office/drawing/2010/main" w="9525">
+              <a14:hiddenLine xmlns:a14="http://schemas.microsoft.com/office/drawing/2010/main" xmlns="" w="9525">
                 <a:solidFill>
                   <a:srgbClr val="000000"/>
                 </a:solidFill>
@@ -5637,17 +5637,17 @@
           <a:ln/>
           <a:extLst>
             <a:ext uri="{FAA26D3D-D897-4be2-8F04-BA451C77F1D7}">
-              <ma14:placeholderFlag xmlns="" xmlns:ma14="http://schemas.microsoft.com/office/mac/drawingml/2011/main" val="1"/>
+              <ma14:placeholderFlag xmlns:ma14="http://schemas.microsoft.com/office/mac/drawingml/2011/main" xmlns="" val="1"/>
             </a:ext>
             <a:ext uri="{909E8E84-426E-40dd-AFC4-6F175D3DCCD1}">
-              <a14:hiddenFill xmlns="" xmlns:a14="http://schemas.microsoft.com/office/drawing/2010/main">
+              <a14:hiddenFill xmlns:a14="http://schemas.microsoft.com/office/drawing/2010/main" xmlns="">
                 <a:solidFill>
                   <a:srgbClr val="FFFFFF"/>
                 </a:solidFill>
               </a14:hiddenFill>
             </a:ext>
             <a:ext uri="{91240B29-F687-4f45-9708-019B960494DF}">
-              <a14:hiddenLine xmlns="" xmlns:a14="http://schemas.microsoft.com/office/drawing/2010/main" w="9525">
+              <a14:hiddenLine xmlns:a14="http://schemas.microsoft.com/office/drawing/2010/main" xmlns="" w="9525">
                 <a:solidFill>
                   <a:srgbClr val="000000"/>
                 </a:solidFill>
@@ -5710,14 +5710,14 @@
           <a:ln/>
           <a:extLst>
             <a:ext uri="{909E8E84-426E-40dd-AFC4-6F175D3DCCD1}">
-              <a14:hiddenFill xmlns="" xmlns:a14="http://schemas.microsoft.com/office/drawing/2010/main">
+              <a14:hiddenFill xmlns:a14="http://schemas.microsoft.com/office/drawing/2010/main" xmlns="">
                 <a:solidFill>
                   <a:srgbClr val="FFFFFF"/>
                 </a:solidFill>
               </a14:hiddenFill>
             </a:ext>
             <a:ext uri="{91240B29-F687-4f45-9708-019B960494DF}">
-              <a14:hiddenLine xmlns="" xmlns:a14="http://schemas.microsoft.com/office/drawing/2010/main" w="9525">
+              <a14:hiddenLine xmlns:a14="http://schemas.microsoft.com/office/drawing/2010/main" xmlns="" w="9525">
                 <a:solidFill>
                   <a:srgbClr val="000000"/>
                 </a:solidFill>
@@ -5882,17 +5882,17 @@
           <a:ln/>
           <a:extLst>
             <a:ext uri="{FAA26D3D-D897-4be2-8F04-BA451C77F1D7}">
-              <ma14:placeholderFlag xmlns="" xmlns:ma14="http://schemas.microsoft.com/office/mac/drawingml/2011/main" val="1"/>
+              <ma14:placeholderFlag xmlns:ma14="http://schemas.microsoft.com/office/mac/drawingml/2011/main" xmlns="" val="1"/>
             </a:ext>
             <a:ext uri="{909E8E84-426E-40dd-AFC4-6F175D3DCCD1}">
-              <a14:hiddenFill xmlns="" xmlns:a14="http://schemas.microsoft.com/office/drawing/2010/main">
+              <a14:hiddenFill xmlns:a14="http://schemas.microsoft.com/office/drawing/2010/main" xmlns="">
                 <a:solidFill>
                   <a:srgbClr val="FFFFFF"/>
                 </a:solidFill>
               </a14:hiddenFill>
             </a:ext>
             <a:ext uri="{91240B29-F687-4f45-9708-019B960494DF}">
-              <a14:hiddenLine xmlns="" xmlns:a14="http://schemas.microsoft.com/office/drawing/2010/main" w="9525">
+              <a14:hiddenLine xmlns:a14="http://schemas.microsoft.com/office/drawing/2010/main" xmlns="" w="9525">
                 <a:solidFill>
                   <a:srgbClr val="000000"/>
                 </a:solidFill>
@@ -5955,14 +5955,14 @@
           <a:ln/>
           <a:extLst>
             <a:ext uri="{909E8E84-426E-40dd-AFC4-6F175D3DCCD1}">
-              <a14:hiddenFill xmlns="" xmlns:a14="http://schemas.microsoft.com/office/drawing/2010/main">
+              <a14:hiddenFill xmlns:a14="http://schemas.microsoft.com/office/drawing/2010/main" xmlns="">
                 <a:solidFill>
                   <a:srgbClr val="FFFFFF"/>
                 </a:solidFill>
               </a14:hiddenFill>
             </a:ext>
             <a:ext uri="{91240B29-F687-4f45-9708-019B960494DF}">
-              <a14:hiddenLine xmlns="" xmlns:a14="http://schemas.microsoft.com/office/drawing/2010/main" w="9525">
+              <a14:hiddenLine xmlns:a14="http://schemas.microsoft.com/office/drawing/2010/main" xmlns="" w="9525">
                 <a:solidFill>
                   <a:srgbClr val="000000"/>
                 </a:solidFill>
@@ -6135,17 +6135,17 @@
           <a:ln/>
           <a:extLst>
             <a:ext uri="{FAA26D3D-D897-4be2-8F04-BA451C77F1D7}">
-              <ma14:placeholderFlag xmlns="" xmlns:ma14="http://schemas.microsoft.com/office/mac/drawingml/2011/main" val="1"/>
+              <ma14:placeholderFlag xmlns:ma14="http://schemas.microsoft.com/office/mac/drawingml/2011/main" xmlns="" val="1"/>
             </a:ext>
             <a:ext uri="{909E8E84-426E-40dd-AFC4-6F175D3DCCD1}">
-              <a14:hiddenFill xmlns="" xmlns:a14="http://schemas.microsoft.com/office/drawing/2010/main">
+              <a14:hiddenFill xmlns:a14="http://schemas.microsoft.com/office/drawing/2010/main" xmlns="">
                 <a:solidFill>
                   <a:srgbClr val="FFFFFF"/>
                 </a:solidFill>
               </a14:hiddenFill>
             </a:ext>
             <a:ext uri="{91240B29-F687-4f45-9708-019B960494DF}">
-              <a14:hiddenLine xmlns="" xmlns:a14="http://schemas.microsoft.com/office/drawing/2010/main" w="9525">
+              <a14:hiddenLine xmlns:a14="http://schemas.microsoft.com/office/drawing/2010/main" xmlns="" w="9525">
                 <a:solidFill>
                   <a:srgbClr val="000000"/>
                 </a:solidFill>
@@ -6208,14 +6208,14 @@
           <a:ln/>
           <a:extLst>
             <a:ext uri="{909E8E84-426E-40dd-AFC4-6F175D3DCCD1}">
-              <a14:hiddenFill xmlns="" xmlns:a14="http://schemas.microsoft.com/office/drawing/2010/main">
+              <a14:hiddenFill xmlns:a14="http://schemas.microsoft.com/office/drawing/2010/main" xmlns="">
                 <a:solidFill>
                   <a:srgbClr val="FFFFFF"/>
                 </a:solidFill>
               </a14:hiddenFill>
             </a:ext>
             <a:ext uri="{91240B29-F687-4f45-9708-019B960494DF}">
-              <a14:hiddenLine xmlns="" xmlns:a14="http://schemas.microsoft.com/office/drawing/2010/main" w="9525">
+              <a14:hiddenLine xmlns:a14="http://schemas.microsoft.com/office/drawing/2010/main" xmlns="" w="9525">
                 <a:solidFill>
                   <a:srgbClr val="000000"/>
                 </a:solidFill>
@@ -6380,17 +6380,17 @@
           <a:ln/>
           <a:extLst>
             <a:ext uri="{FAA26D3D-D897-4be2-8F04-BA451C77F1D7}">
-              <ma14:placeholderFlag xmlns="" xmlns:ma14="http://schemas.microsoft.com/office/mac/drawingml/2011/main" val="1"/>
+              <ma14:placeholderFlag xmlns:ma14="http://schemas.microsoft.com/office/mac/drawingml/2011/main" xmlns="" val="1"/>
             </a:ext>
             <a:ext uri="{909E8E84-426E-40dd-AFC4-6F175D3DCCD1}">
-              <a14:hiddenFill xmlns="" xmlns:a14="http://schemas.microsoft.com/office/drawing/2010/main">
+              <a14:hiddenFill xmlns:a14="http://schemas.microsoft.com/office/drawing/2010/main" xmlns="">
                 <a:solidFill>
                   <a:srgbClr val="FFFFFF"/>
                 </a:solidFill>
               </a14:hiddenFill>
             </a:ext>
             <a:ext uri="{91240B29-F687-4f45-9708-019B960494DF}">
-              <a14:hiddenLine xmlns="" xmlns:a14="http://schemas.microsoft.com/office/drawing/2010/main" w="9525">
+              <a14:hiddenLine xmlns:a14="http://schemas.microsoft.com/office/drawing/2010/main" xmlns="" w="9525">
                 <a:solidFill>
                   <a:srgbClr val="000000"/>
                 </a:solidFill>
@@ -6453,14 +6453,14 @@
           <a:ln/>
           <a:extLst>
             <a:ext uri="{909E8E84-426E-40dd-AFC4-6F175D3DCCD1}">
-              <a14:hiddenFill xmlns="" xmlns:a14="http://schemas.microsoft.com/office/drawing/2010/main">
+              <a14:hiddenFill xmlns:a14="http://schemas.microsoft.com/office/drawing/2010/main" xmlns="">
                 <a:solidFill>
                   <a:srgbClr val="FFFFFF"/>
                 </a:solidFill>
               </a14:hiddenFill>
             </a:ext>
             <a:ext uri="{91240B29-F687-4f45-9708-019B960494DF}">
-              <a14:hiddenLine xmlns="" xmlns:a14="http://schemas.microsoft.com/office/drawing/2010/main" w="9525">
+              <a14:hiddenLine xmlns:a14="http://schemas.microsoft.com/office/drawing/2010/main" xmlns="" w="9525">
                 <a:solidFill>
                   <a:srgbClr val="000000"/>
                 </a:solidFill>
@@ -6625,17 +6625,17 @@
           <a:ln/>
           <a:extLst>
             <a:ext uri="{FAA26D3D-D897-4be2-8F04-BA451C77F1D7}">
-              <ma14:placeholderFlag xmlns="" xmlns:ma14="http://schemas.microsoft.com/office/mac/drawingml/2011/main" val="1"/>
+              <ma14:placeholderFlag xmlns:ma14="http://schemas.microsoft.com/office/mac/drawingml/2011/main" xmlns="" val="1"/>
             </a:ext>
             <a:ext uri="{909E8E84-426E-40dd-AFC4-6F175D3DCCD1}">
-              <a14:hiddenFill xmlns="" xmlns:a14="http://schemas.microsoft.com/office/drawing/2010/main">
+              <a14:hiddenFill xmlns:a14="http://schemas.microsoft.com/office/drawing/2010/main" xmlns="">
                 <a:solidFill>
                   <a:srgbClr val="FFFFFF"/>
                 </a:solidFill>
               </a14:hiddenFill>
             </a:ext>
             <a:ext uri="{91240B29-F687-4f45-9708-019B960494DF}">
-              <a14:hiddenLine xmlns="" xmlns:a14="http://schemas.microsoft.com/office/drawing/2010/main" w="9525">
+              <a14:hiddenLine xmlns:a14="http://schemas.microsoft.com/office/drawing/2010/main" xmlns="" w="9525">
                 <a:solidFill>
                   <a:srgbClr val="000000"/>
                 </a:solidFill>
@@ -6698,14 +6698,14 @@
           <a:ln/>
           <a:extLst>
             <a:ext uri="{909E8E84-426E-40dd-AFC4-6F175D3DCCD1}">
-              <a14:hiddenFill xmlns="" xmlns:a14="http://schemas.microsoft.com/office/drawing/2010/main">
+              <a14:hiddenFill xmlns:a14="http://schemas.microsoft.com/office/drawing/2010/main" xmlns="">
                 <a:solidFill>
                   <a:srgbClr val="FFFFFF"/>
                 </a:solidFill>
               </a14:hiddenFill>
             </a:ext>
             <a:ext uri="{91240B29-F687-4f45-9708-019B960494DF}">
-              <a14:hiddenLine xmlns="" xmlns:a14="http://schemas.microsoft.com/office/drawing/2010/main" w="9525">
+              <a14:hiddenLine xmlns:a14="http://schemas.microsoft.com/office/drawing/2010/main" xmlns="" w="9525">
                 <a:solidFill>
                   <a:srgbClr val="000000"/>
                 </a:solidFill>
@@ -6870,17 +6870,17 @@
           <a:ln/>
           <a:extLst>
             <a:ext uri="{FAA26D3D-D897-4be2-8F04-BA451C77F1D7}">
-              <ma14:placeholderFlag xmlns="" xmlns:ma14="http://schemas.microsoft.com/office/mac/drawingml/2011/main" val="1"/>
+              <ma14:placeholderFlag xmlns:ma14="http://schemas.microsoft.com/office/mac/drawingml/2011/main" xmlns="" val="1"/>
             </a:ext>
             <a:ext uri="{909E8E84-426E-40dd-AFC4-6F175D3DCCD1}">
-              <a14:hiddenFill xmlns="" xmlns:a14="http://schemas.microsoft.com/office/drawing/2010/main">
+              <a14:hiddenFill xmlns:a14="http://schemas.microsoft.com/office/drawing/2010/main" xmlns="">
                 <a:solidFill>
                   <a:srgbClr val="FFFFFF"/>
                 </a:solidFill>
               </a14:hiddenFill>
             </a:ext>
             <a:ext uri="{91240B29-F687-4f45-9708-019B960494DF}">
-              <a14:hiddenLine xmlns="" xmlns:a14="http://schemas.microsoft.com/office/drawing/2010/main" w="9525">
+              <a14:hiddenLine xmlns:a14="http://schemas.microsoft.com/office/drawing/2010/main" xmlns="" w="9525">
                 <a:solidFill>
                   <a:srgbClr val="000000"/>
                 </a:solidFill>
@@ -6943,14 +6943,14 @@
           <a:ln/>
           <a:extLst>
             <a:ext uri="{909E8E84-426E-40dd-AFC4-6F175D3DCCD1}">
-              <a14:hiddenFill xmlns="" xmlns:a14="http://schemas.microsoft.com/office/drawing/2010/main">
+              <a14:hiddenFill xmlns:a14="http://schemas.microsoft.com/office/drawing/2010/main" xmlns="">
                 <a:solidFill>
                   <a:srgbClr val="FFFFFF"/>
                 </a:solidFill>
               </a14:hiddenFill>
             </a:ext>
             <a:ext uri="{91240B29-F687-4f45-9708-019B960494DF}">
-              <a14:hiddenLine xmlns="" xmlns:a14="http://schemas.microsoft.com/office/drawing/2010/main" w="9525">
+              <a14:hiddenLine xmlns:a14="http://schemas.microsoft.com/office/drawing/2010/main" xmlns="" w="9525">
                 <a:solidFill>
                   <a:srgbClr val="000000"/>
                 </a:solidFill>
@@ -7115,17 +7115,17 @@
           <a:ln/>
           <a:extLst>
             <a:ext uri="{FAA26D3D-D897-4be2-8F04-BA451C77F1D7}">
-              <ma14:placeholderFlag xmlns="" xmlns:ma14="http://schemas.microsoft.com/office/mac/drawingml/2011/main" val="1"/>
+              <ma14:placeholderFlag xmlns:ma14="http://schemas.microsoft.com/office/mac/drawingml/2011/main" xmlns="" val="1"/>
             </a:ext>
             <a:ext uri="{909E8E84-426E-40dd-AFC4-6F175D3DCCD1}">
-              <a14:hiddenFill xmlns="" xmlns:a14="http://schemas.microsoft.com/office/drawing/2010/main">
+              <a14:hiddenFill xmlns:a14="http://schemas.microsoft.com/office/drawing/2010/main" xmlns="">
                 <a:solidFill>
                   <a:srgbClr val="FFFFFF"/>
                 </a:solidFill>
               </a14:hiddenFill>
             </a:ext>
             <a:ext uri="{91240B29-F687-4f45-9708-019B960494DF}">
-              <a14:hiddenLine xmlns="" xmlns:a14="http://schemas.microsoft.com/office/drawing/2010/main" w="9525">
+              <a14:hiddenLine xmlns:a14="http://schemas.microsoft.com/office/drawing/2010/main" xmlns="" w="9525">
                 <a:solidFill>
                   <a:srgbClr val="000000"/>
                 </a:solidFill>
@@ -7188,14 +7188,14 @@
           <a:ln/>
           <a:extLst>
             <a:ext uri="{909E8E84-426E-40dd-AFC4-6F175D3DCCD1}">
-              <a14:hiddenFill xmlns="" xmlns:a14="http://schemas.microsoft.com/office/drawing/2010/main">
+              <a14:hiddenFill xmlns:a14="http://schemas.microsoft.com/office/drawing/2010/main" xmlns="">
                 <a:solidFill>
                   <a:srgbClr val="FFFFFF"/>
                 </a:solidFill>
               </a14:hiddenFill>
             </a:ext>
             <a:ext uri="{91240B29-F687-4f45-9708-019B960494DF}">
-              <a14:hiddenLine xmlns="" xmlns:a14="http://schemas.microsoft.com/office/drawing/2010/main" w="9525">
+              <a14:hiddenLine xmlns:a14="http://schemas.microsoft.com/office/drawing/2010/main" xmlns="" w="9525">
                 <a:solidFill>
                   <a:srgbClr val="000000"/>
                 </a:solidFill>
@@ -7360,17 +7360,17 @@
           <a:ln/>
           <a:extLst>
             <a:ext uri="{FAA26D3D-D897-4be2-8F04-BA451C77F1D7}">
-              <ma14:placeholderFlag xmlns="" xmlns:ma14="http://schemas.microsoft.com/office/mac/drawingml/2011/main" val="1"/>
+              <ma14:placeholderFlag xmlns:ma14="http://schemas.microsoft.com/office/mac/drawingml/2011/main" xmlns="" val="1"/>
             </a:ext>
             <a:ext uri="{909E8E84-426E-40dd-AFC4-6F175D3DCCD1}">
-              <a14:hiddenFill xmlns="" xmlns:a14="http://schemas.microsoft.com/office/drawing/2010/main">
+              <a14:hiddenFill xmlns:a14="http://schemas.microsoft.com/office/drawing/2010/main" xmlns="">
                 <a:solidFill>
                   <a:srgbClr val="FFFFFF"/>
                 </a:solidFill>
               </a14:hiddenFill>
             </a:ext>
             <a:ext uri="{91240B29-F687-4f45-9708-019B960494DF}">
-              <a14:hiddenLine xmlns="" xmlns:a14="http://schemas.microsoft.com/office/drawing/2010/main" w="9525">
+              <a14:hiddenLine xmlns:a14="http://schemas.microsoft.com/office/drawing/2010/main" xmlns="" w="9525">
                 <a:solidFill>
                   <a:srgbClr val="000000"/>
                 </a:solidFill>
@@ -7433,14 +7433,14 @@
           <a:ln/>
           <a:extLst>
             <a:ext uri="{909E8E84-426E-40dd-AFC4-6F175D3DCCD1}">
-              <a14:hiddenFill xmlns="" xmlns:a14="http://schemas.microsoft.com/office/drawing/2010/main">
+              <a14:hiddenFill xmlns:a14="http://schemas.microsoft.com/office/drawing/2010/main" xmlns="">
                 <a:solidFill>
                   <a:srgbClr val="FFFFFF"/>
                 </a:solidFill>
               </a14:hiddenFill>
             </a:ext>
             <a:ext uri="{91240B29-F687-4f45-9708-019B960494DF}">
-              <a14:hiddenLine xmlns="" xmlns:a14="http://schemas.microsoft.com/office/drawing/2010/main" w="9525">
+              <a14:hiddenLine xmlns:a14="http://schemas.microsoft.com/office/drawing/2010/main" xmlns="" w="9525">
                 <a:solidFill>
                   <a:srgbClr val="000000"/>
                 </a:solidFill>
@@ -7605,17 +7605,17 @@
           <a:ln/>
           <a:extLst>
             <a:ext uri="{FAA26D3D-D897-4be2-8F04-BA451C77F1D7}">
-              <ma14:placeholderFlag xmlns="" xmlns:ma14="http://schemas.microsoft.com/office/mac/drawingml/2011/main" val="1"/>
+              <ma14:placeholderFlag xmlns:ma14="http://schemas.microsoft.com/office/mac/drawingml/2011/main" xmlns="" val="1"/>
             </a:ext>
             <a:ext uri="{909E8E84-426E-40dd-AFC4-6F175D3DCCD1}">
-              <a14:hiddenFill xmlns="" xmlns:a14="http://schemas.microsoft.com/office/drawing/2010/main">
+              <a14:hiddenFill xmlns:a14="http://schemas.microsoft.com/office/drawing/2010/main" xmlns="">
                 <a:solidFill>
                   <a:srgbClr val="FFFFFF"/>
                 </a:solidFill>
               </a14:hiddenFill>
             </a:ext>
             <a:ext uri="{91240B29-F687-4f45-9708-019B960494DF}">
-              <a14:hiddenLine xmlns="" xmlns:a14="http://schemas.microsoft.com/office/drawing/2010/main" w="9525">
+              <a14:hiddenLine xmlns:a14="http://schemas.microsoft.com/office/drawing/2010/main" xmlns="" w="9525">
                 <a:solidFill>
                   <a:srgbClr val="000000"/>
                 </a:solidFill>
@@ -7678,14 +7678,14 @@
           <a:ln/>
           <a:extLst>
             <a:ext uri="{909E8E84-426E-40dd-AFC4-6F175D3DCCD1}">
-              <a14:hiddenFill xmlns="" xmlns:a14="http://schemas.microsoft.com/office/drawing/2010/main">
+              <a14:hiddenFill xmlns:a14="http://schemas.microsoft.com/office/drawing/2010/main" xmlns="">
                 <a:solidFill>
                   <a:srgbClr val="FFFFFF"/>
                 </a:solidFill>
               </a14:hiddenFill>
             </a:ext>
             <a:ext uri="{91240B29-F687-4f45-9708-019B960494DF}">
-              <a14:hiddenLine xmlns="" xmlns:a14="http://schemas.microsoft.com/office/drawing/2010/main" w="9525">
+              <a14:hiddenLine xmlns:a14="http://schemas.microsoft.com/office/drawing/2010/main" xmlns="" w="9525">
                 <a:solidFill>
                   <a:srgbClr val="000000"/>
                 </a:solidFill>
@@ -7850,17 +7850,17 @@
           <a:ln/>
           <a:extLst>
             <a:ext uri="{FAA26D3D-D897-4be2-8F04-BA451C77F1D7}">
-              <ma14:placeholderFlag xmlns="" xmlns:ma14="http://schemas.microsoft.com/office/mac/drawingml/2011/main" val="1"/>
+              <ma14:placeholderFlag xmlns:ma14="http://schemas.microsoft.com/office/mac/drawingml/2011/main" xmlns="" val="1"/>
             </a:ext>
             <a:ext uri="{909E8E84-426E-40dd-AFC4-6F175D3DCCD1}">
-              <a14:hiddenFill xmlns="" xmlns:a14="http://schemas.microsoft.com/office/drawing/2010/main">
+              <a14:hiddenFill xmlns:a14="http://schemas.microsoft.com/office/drawing/2010/main" xmlns="">
                 <a:solidFill>
                   <a:srgbClr val="FFFFFF"/>
                 </a:solidFill>
               </a14:hiddenFill>
             </a:ext>
             <a:ext uri="{91240B29-F687-4f45-9708-019B960494DF}">
-              <a14:hiddenLine xmlns="" xmlns:a14="http://schemas.microsoft.com/office/drawing/2010/main" w="9525">
+              <a14:hiddenLine xmlns:a14="http://schemas.microsoft.com/office/drawing/2010/main" xmlns="" w="9525">
                 <a:solidFill>
                   <a:srgbClr val="000000"/>
                 </a:solidFill>
@@ -7923,14 +7923,14 @@
           <a:ln/>
           <a:extLst>
             <a:ext uri="{909E8E84-426E-40dd-AFC4-6F175D3DCCD1}">
-              <a14:hiddenFill xmlns="" xmlns:a14="http://schemas.microsoft.com/office/drawing/2010/main">
+              <a14:hiddenFill xmlns:a14="http://schemas.microsoft.com/office/drawing/2010/main" xmlns="">
                 <a:solidFill>
                   <a:srgbClr val="FFFFFF"/>
                 </a:solidFill>
               </a14:hiddenFill>
             </a:ext>
             <a:ext uri="{91240B29-F687-4f45-9708-019B960494DF}">
-              <a14:hiddenLine xmlns="" xmlns:a14="http://schemas.microsoft.com/office/drawing/2010/main" w="9525">
+              <a14:hiddenLine xmlns:a14="http://schemas.microsoft.com/office/drawing/2010/main" xmlns="" w="9525">
                 <a:solidFill>
                   <a:srgbClr val="000000"/>
                 </a:solidFill>
@@ -8095,17 +8095,17 @@
           <a:ln/>
           <a:extLst>
             <a:ext uri="{FAA26D3D-D897-4be2-8F04-BA451C77F1D7}">
-              <ma14:placeholderFlag xmlns="" xmlns:ma14="http://schemas.microsoft.com/office/mac/drawingml/2011/main" val="1"/>
+              <ma14:placeholderFlag xmlns:ma14="http://schemas.microsoft.com/office/mac/drawingml/2011/main" xmlns="" val="1"/>
             </a:ext>
             <a:ext uri="{909E8E84-426E-40dd-AFC4-6F175D3DCCD1}">
-              <a14:hiddenFill xmlns="" xmlns:a14="http://schemas.microsoft.com/office/drawing/2010/main">
+              <a14:hiddenFill xmlns:a14="http://schemas.microsoft.com/office/drawing/2010/main" xmlns="">
                 <a:solidFill>
                   <a:srgbClr val="FFFFFF"/>
                 </a:solidFill>
               </a14:hiddenFill>
             </a:ext>
             <a:ext uri="{91240B29-F687-4f45-9708-019B960494DF}">
-              <a14:hiddenLine xmlns="" xmlns:a14="http://schemas.microsoft.com/office/drawing/2010/main" w="9525">
+              <a14:hiddenLine xmlns:a14="http://schemas.microsoft.com/office/drawing/2010/main" xmlns="" w="9525">
                 <a:solidFill>
                   <a:srgbClr val="000000"/>
                 </a:solidFill>
@@ -8168,14 +8168,14 @@
           <a:ln/>
           <a:extLst>
             <a:ext uri="{909E8E84-426E-40dd-AFC4-6F175D3DCCD1}">
-              <a14:hiddenFill xmlns="" xmlns:a14="http://schemas.microsoft.com/office/drawing/2010/main">
+              <a14:hiddenFill xmlns:a14="http://schemas.microsoft.com/office/drawing/2010/main" xmlns="">
                 <a:solidFill>
                   <a:srgbClr val="FFFFFF"/>
                 </a:solidFill>
               </a14:hiddenFill>
             </a:ext>
             <a:ext uri="{91240B29-F687-4f45-9708-019B960494DF}">
-              <a14:hiddenLine xmlns="" xmlns:a14="http://schemas.microsoft.com/office/drawing/2010/main" w="9525">
+              <a14:hiddenLine xmlns:a14="http://schemas.microsoft.com/office/drawing/2010/main" xmlns="" w="9525">
                 <a:solidFill>
                   <a:srgbClr val="000000"/>
                 </a:solidFill>
@@ -8340,17 +8340,17 @@
           <a:ln/>
           <a:extLst>
             <a:ext uri="{FAA26D3D-D897-4be2-8F04-BA451C77F1D7}">
-              <ma14:placeholderFlag xmlns="" xmlns:ma14="http://schemas.microsoft.com/office/mac/drawingml/2011/main" val="1"/>
+              <ma14:placeholderFlag xmlns:ma14="http://schemas.microsoft.com/office/mac/drawingml/2011/main" xmlns="" val="1"/>
             </a:ext>
             <a:ext uri="{909E8E84-426E-40dd-AFC4-6F175D3DCCD1}">
-              <a14:hiddenFill xmlns="" xmlns:a14="http://schemas.microsoft.com/office/drawing/2010/main">
+              <a14:hiddenFill xmlns:a14="http://schemas.microsoft.com/office/drawing/2010/main" xmlns="">
                 <a:solidFill>
                   <a:srgbClr val="FFFFFF"/>
                 </a:solidFill>
               </a14:hiddenFill>
             </a:ext>
             <a:ext uri="{91240B29-F687-4f45-9708-019B960494DF}">
-              <a14:hiddenLine xmlns="" xmlns:a14="http://schemas.microsoft.com/office/drawing/2010/main" w="9525">
+              <a14:hiddenLine xmlns:a14="http://schemas.microsoft.com/office/drawing/2010/main" xmlns="" w="9525">
                 <a:solidFill>
                   <a:srgbClr val="000000"/>
                 </a:solidFill>
@@ -8503,14 +8503,14 @@
           <a:ln/>
           <a:extLst>
             <a:ext uri="{909E8E84-426E-40dd-AFC4-6F175D3DCCD1}">
-              <a14:hiddenFill xmlns="" xmlns:a14="http://schemas.microsoft.com/office/drawing/2010/main">
+              <a14:hiddenFill xmlns:a14="http://schemas.microsoft.com/office/drawing/2010/main" xmlns="">
                 <a:solidFill>
                   <a:srgbClr val="FFFFFF"/>
                 </a:solidFill>
               </a14:hiddenFill>
             </a:ext>
             <a:ext uri="{91240B29-F687-4f45-9708-019B960494DF}">
-              <a14:hiddenLine xmlns="" xmlns:a14="http://schemas.microsoft.com/office/drawing/2010/main" w="9525">
+              <a14:hiddenLine xmlns:a14="http://schemas.microsoft.com/office/drawing/2010/main" xmlns="" w="9525">
                 <a:solidFill>
                   <a:srgbClr val="000000"/>
                 </a:solidFill>
@@ -8683,17 +8683,17 @@
           <a:ln/>
           <a:extLst>
             <a:ext uri="{FAA26D3D-D897-4be2-8F04-BA451C77F1D7}">
-              <ma14:placeholderFlag xmlns="" xmlns:ma14="http://schemas.microsoft.com/office/mac/drawingml/2011/main" val="1"/>
+              <ma14:placeholderFlag xmlns:ma14="http://schemas.microsoft.com/office/mac/drawingml/2011/main" xmlns="" val="1"/>
             </a:ext>
             <a:ext uri="{909E8E84-426E-40dd-AFC4-6F175D3DCCD1}">
-              <a14:hiddenFill xmlns="" xmlns:a14="http://schemas.microsoft.com/office/drawing/2010/main">
+              <a14:hiddenFill xmlns:a14="http://schemas.microsoft.com/office/drawing/2010/main" xmlns="">
                 <a:solidFill>
                   <a:srgbClr val="FFFFFF"/>
                 </a:solidFill>
               </a14:hiddenFill>
             </a:ext>
             <a:ext uri="{91240B29-F687-4f45-9708-019B960494DF}">
-              <a14:hiddenLine xmlns="" xmlns:a14="http://schemas.microsoft.com/office/drawing/2010/main" w="9525">
+              <a14:hiddenLine xmlns:a14="http://schemas.microsoft.com/office/drawing/2010/main" xmlns="" w="9525">
                 <a:solidFill>
                   <a:srgbClr val="000000"/>
                 </a:solidFill>
@@ -9166,14 +9166,14 @@
           <a:ln/>
           <a:extLst>
             <a:ext uri="{909E8E84-426E-40dd-AFC4-6F175D3DCCD1}">
-              <a14:hiddenFill xmlns="" xmlns:a14="http://schemas.microsoft.com/office/drawing/2010/main">
+              <a14:hiddenFill xmlns:a14="http://schemas.microsoft.com/office/drawing/2010/main" xmlns="">
                 <a:solidFill>
                   <a:srgbClr val="FFFFFF"/>
                 </a:solidFill>
               </a14:hiddenFill>
             </a:ext>
             <a:ext uri="{91240B29-F687-4f45-9708-019B960494DF}">
-              <a14:hiddenLine xmlns="" xmlns:a14="http://schemas.microsoft.com/office/drawing/2010/main" w="9525">
+              <a14:hiddenLine xmlns:a14="http://schemas.microsoft.com/office/drawing/2010/main" xmlns="" w="9525">
                 <a:solidFill>
                   <a:srgbClr val="000000"/>
                 </a:solidFill>
@@ -9338,17 +9338,17 @@
           <a:ln/>
           <a:extLst>
             <a:ext uri="{FAA26D3D-D897-4be2-8F04-BA451C77F1D7}">
-              <ma14:placeholderFlag xmlns="" xmlns:ma14="http://schemas.microsoft.com/office/mac/drawingml/2011/main" val="1"/>
+              <ma14:placeholderFlag xmlns:ma14="http://schemas.microsoft.com/office/mac/drawingml/2011/main" xmlns="" val="1"/>
             </a:ext>
             <a:ext uri="{909E8E84-426E-40dd-AFC4-6F175D3DCCD1}">
-              <a14:hiddenFill xmlns="" xmlns:a14="http://schemas.microsoft.com/office/drawing/2010/main">
+              <a14:hiddenFill xmlns:a14="http://schemas.microsoft.com/office/drawing/2010/main" xmlns="">
                 <a:solidFill>
                   <a:srgbClr val="FFFFFF"/>
                 </a:solidFill>
               </a14:hiddenFill>
             </a:ext>
             <a:ext uri="{91240B29-F687-4f45-9708-019B960494DF}">
-              <a14:hiddenLine xmlns="" xmlns:a14="http://schemas.microsoft.com/office/drawing/2010/main" w="9525">
+              <a14:hiddenLine xmlns:a14="http://schemas.microsoft.com/office/drawing/2010/main" xmlns="" w="9525">
                 <a:solidFill>
                   <a:srgbClr val="000000"/>
                 </a:solidFill>
@@ -9696,14 +9696,14 @@
           <a:ln/>
           <a:extLst>
             <a:ext uri="{909E8E84-426E-40dd-AFC4-6F175D3DCCD1}">
-              <a14:hiddenFill xmlns="" xmlns:a14="http://schemas.microsoft.com/office/drawing/2010/main">
+              <a14:hiddenFill xmlns:a14="http://schemas.microsoft.com/office/drawing/2010/main" xmlns="">
                 <a:solidFill>
                   <a:srgbClr val="FFFFFF"/>
                 </a:solidFill>
               </a14:hiddenFill>
             </a:ext>
             <a:ext uri="{91240B29-F687-4f45-9708-019B960494DF}">
-              <a14:hiddenLine xmlns="" xmlns:a14="http://schemas.microsoft.com/office/drawing/2010/main" w="9525">
+              <a14:hiddenLine xmlns:a14="http://schemas.microsoft.com/office/drawing/2010/main" xmlns="" w="9525">
                 <a:solidFill>
                   <a:srgbClr val="000000"/>
                 </a:solidFill>
@@ -9868,17 +9868,17 @@
           <a:ln/>
           <a:extLst>
             <a:ext uri="{FAA26D3D-D897-4be2-8F04-BA451C77F1D7}">
-              <ma14:placeholderFlag xmlns="" xmlns:ma14="http://schemas.microsoft.com/office/mac/drawingml/2011/main" val="1"/>
+              <ma14:placeholderFlag xmlns:ma14="http://schemas.microsoft.com/office/mac/drawingml/2011/main" xmlns="" val="1"/>
             </a:ext>
             <a:ext uri="{909E8E84-426E-40dd-AFC4-6F175D3DCCD1}">
-              <a14:hiddenFill xmlns="" xmlns:a14="http://schemas.microsoft.com/office/drawing/2010/main">
+              <a14:hiddenFill xmlns:a14="http://schemas.microsoft.com/office/drawing/2010/main" xmlns="">
                 <a:solidFill>
                   <a:srgbClr val="FFFFFF"/>
                 </a:solidFill>
               </a14:hiddenFill>
             </a:ext>
             <a:ext uri="{91240B29-F687-4f45-9708-019B960494DF}">
-              <a14:hiddenLine xmlns="" xmlns:a14="http://schemas.microsoft.com/office/drawing/2010/main" w="9525">
+              <a14:hiddenLine xmlns:a14="http://schemas.microsoft.com/office/drawing/2010/main" xmlns="" w="9525">
                 <a:solidFill>
                   <a:srgbClr val="000000"/>
                 </a:solidFill>
@@ -9972,14 +9972,14 @@
           <a:ln/>
           <a:extLst>
             <a:ext uri="{909E8E84-426E-40dd-AFC4-6F175D3DCCD1}">
-              <a14:hiddenFill xmlns="" xmlns:a14="http://schemas.microsoft.com/office/drawing/2010/main">
+              <a14:hiddenFill xmlns:a14="http://schemas.microsoft.com/office/drawing/2010/main" xmlns="">
                 <a:solidFill>
                   <a:srgbClr val="FFFFFF"/>
                 </a:solidFill>
               </a14:hiddenFill>
             </a:ext>
             <a:ext uri="{91240B29-F687-4f45-9708-019B960494DF}">
-              <a14:hiddenLine xmlns="" xmlns:a14="http://schemas.microsoft.com/office/drawing/2010/main" w="9525">
+              <a14:hiddenLine xmlns:a14="http://schemas.microsoft.com/office/drawing/2010/main" xmlns="" w="9525">
                 <a:solidFill>
                   <a:srgbClr val="000000"/>
                 </a:solidFill>
@@ -10144,17 +10144,17 @@
           <a:ln/>
           <a:extLst>
             <a:ext uri="{FAA26D3D-D897-4be2-8F04-BA451C77F1D7}">
-              <ma14:placeholderFlag xmlns="" xmlns:ma14="http://schemas.microsoft.com/office/mac/drawingml/2011/main" val="1"/>
+              <ma14:placeholderFlag xmlns:ma14="http://schemas.microsoft.com/office/mac/drawingml/2011/main" xmlns="" val="1"/>
             </a:ext>
             <a:ext uri="{909E8E84-426E-40dd-AFC4-6F175D3DCCD1}">
-              <a14:hiddenFill xmlns="" xmlns:a14="http://schemas.microsoft.com/office/drawing/2010/main">
+              <a14:hiddenFill xmlns:a14="http://schemas.microsoft.com/office/drawing/2010/main" xmlns="">
                 <a:solidFill>
                   <a:srgbClr val="FFFFFF"/>
                 </a:solidFill>
               </a14:hiddenFill>
             </a:ext>
             <a:ext uri="{91240B29-F687-4f45-9708-019B960494DF}">
-              <a14:hiddenLine xmlns="" xmlns:a14="http://schemas.microsoft.com/office/drawing/2010/main" w="9525">
+              <a14:hiddenLine xmlns:a14="http://schemas.microsoft.com/office/drawing/2010/main" xmlns="" w="9525">
                 <a:solidFill>
                   <a:srgbClr val="000000"/>
                 </a:solidFill>
@@ -10217,14 +10217,14 @@
           <a:ln/>
           <a:extLst>
             <a:ext uri="{909E8E84-426E-40dd-AFC4-6F175D3DCCD1}">
-              <a14:hiddenFill xmlns="" xmlns:a14="http://schemas.microsoft.com/office/drawing/2010/main">
+              <a14:hiddenFill xmlns:a14="http://schemas.microsoft.com/office/drawing/2010/main" xmlns="">
                 <a:solidFill>
                   <a:srgbClr val="FFFFFF"/>
                 </a:solidFill>
               </a14:hiddenFill>
             </a:ext>
             <a:ext uri="{91240B29-F687-4f45-9708-019B960494DF}">
-              <a14:hiddenLine xmlns="" xmlns:a14="http://schemas.microsoft.com/office/drawing/2010/main" w="9525">
+              <a14:hiddenLine xmlns:a14="http://schemas.microsoft.com/office/drawing/2010/main" xmlns="" w="9525">
                 <a:solidFill>
                   <a:srgbClr val="000000"/>
                 </a:solidFill>
@@ -10389,17 +10389,17 @@
           <a:ln/>
           <a:extLst>
             <a:ext uri="{FAA26D3D-D897-4be2-8F04-BA451C77F1D7}">
-              <ma14:placeholderFlag xmlns="" xmlns:ma14="http://schemas.microsoft.com/office/mac/drawingml/2011/main" val="1"/>
+              <ma14:placeholderFlag xmlns:ma14="http://schemas.microsoft.com/office/mac/drawingml/2011/main" xmlns="" val="1"/>
             </a:ext>
             <a:ext uri="{909E8E84-426E-40dd-AFC4-6F175D3DCCD1}">
-              <a14:hiddenFill xmlns="" xmlns:a14="http://schemas.microsoft.com/office/drawing/2010/main">
+              <a14:hiddenFill xmlns:a14="http://schemas.microsoft.com/office/drawing/2010/main" xmlns="">
                 <a:solidFill>
                   <a:srgbClr val="FFFFFF"/>
                 </a:solidFill>
               </a14:hiddenFill>
             </a:ext>
             <a:ext uri="{91240B29-F687-4f45-9708-019B960494DF}">
-              <a14:hiddenLine xmlns="" xmlns:a14="http://schemas.microsoft.com/office/drawing/2010/main" w="9525">
+              <a14:hiddenLine xmlns:a14="http://schemas.microsoft.com/office/drawing/2010/main" xmlns="" w="9525">
                 <a:solidFill>
                   <a:srgbClr val="000000"/>
                 </a:solidFill>
@@ -10462,14 +10462,14 @@
           <a:ln/>
           <a:extLst>
             <a:ext uri="{909E8E84-426E-40dd-AFC4-6F175D3DCCD1}">
-              <a14:hiddenFill xmlns="" xmlns:a14="http://schemas.microsoft.com/office/drawing/2010/main">
+              <a14:hiddenFill xmlns:a14="http://schemas.microsoft.com/office/drawing/2010/main" xmlns="">
                 <a:solidFill>
                   <a:srgbClr val="FFFFFF"/>
                 </a:solidFill>
               </a14:hiddenFill>
             </a:ext>
             <a:ext uri="{91240B29-F687-4f45-9708-019B960494DF}">
-              <a14:hiddenLine xmlns="" xmlns:a14="http://schemas.microsoft.com/office/drawing/2010/main" w="9525">
+              <a14:hiddenLine xmlns:a14="http://schemas.microsoft.com/office/drawing/2010/main" xmlns="" w="9525">
                 <a:solidFill>
                   <a:srgbClr val="000000"/>
                 </a:solidFill>
@@ -10634,17 +10634,17 @@
           <a:ln/>
           <a:extLst>
             <a:ext uri="{FAA26D3D-D897-4be2-8F04-BA451C77F1D7}">
-              <ma14:placeholderFlag xmlns="" xmlns:ma14="http://schemas.microsoft.com/office/mac/drawingml/2011/main" val="1"/>
+              <ma14:placeholderFlag xmlns:ma14="http://schemas.microsoft.com/office/mac/drawingml/2011/main" xmlns="" val="1"/>
             </a:ext>
             <a:ext uri="{909E8E84-426E-40dd-AFC4-6F175D3DCCD1}">
-              <a14:hiddenFill xmlns="" xmlns:a14="http://schemas.microsoft.com/office/drawing/2010/main">
+              <a14:hiddenFill xmlns:a14="http://schemas.microsoft.com/office/drawing/2010/main" xmlns="">
                 <a:solidFill>
                   <a:srgbClr val="FFFFFF"/>
                 </a:solidFill>
               </a14:hiddenFill>
             </a:ext>
             <a:ext uri="{91240B29-F687-4f45-9708-019B960494DF}">
-              <a14:hiddenLine xmlns="" xmlns:a14="http://schemas.microsoft.com/office/drawing/2010/main" w="9525">
+              <a14:hiddenLine xmlns:a14="http://schemas.microsoft.com/office/drawing/2010/main" xmlns="" w="9525">
                 <a:solidFill>
                   <a:srgbClr val="000000"/>
                 </a:solidFill>
@@ -10707,14 +10707,14 @@
           <a:ln/>
           <a:extLst>
             <a:ext uri="{909E8E84-426E-40dd-AFC4-6F175D3DCCD1}">
-              <a14:hiddenFill xmlns="" xmlns:a14="http://schemas.microsoft.com/office/drawing/2010/main">
+              <a14:hiddenFill xmlns:a14="http://schemas.microsoft.com/office/drawing/2010/main" xmlns="">
                 <a:solidFill>
                   <a:srgbClr val="FFFFFF"/>
                 </a:solidFill>
               </a14:hiddenFill>
             </a:ext>
             <a:ext uri="{91240B29-F687-4f45-9708-019B960494DF}">
-              <a14:hiddenLine xmlns="" xmlns:a14="http://schemas.microsoft.com/office/drawing/2010/main" w="9525">
+              <a14:hiddenLine xmlns:a14="http://schemas.microsoft.com/office/drawing/2010/main" xmlns="" w="9525">
                 <a:solidFill>
                   <a:srgbClr val="000000"/>
                 </a:solidFill>
@@ -10879,17 +10879,17 @@
           <a:ln/>
           <a:extLst>
             <a:ext uri="{FAA26D3D-D897-4be2-8F04-BA451C77F1D7}">
-              <ma14:placeholderFlag xmlns="" xmlns:ma14="http://schemas.microsoft.com/office/mac/drawingml/2011/main" val="1"/>
+              <ma14:placeholderFlag xmlns:ma14="http://schemas.microsoft.com/office/mac/drawingml/2011/main" xmlns="" val="1"/>
             </a:ext>
             <a:ext uri="{909E8E84-426E-40dd-AFC4-6F175D3DCCD1}">
-              <a14:hiddenFill xmlns="" xmlns:a14="http://schemas.microsoft.com/office/drawing/2010/main">
+              <a14:hiddenFill xmlns:a14="http://schemas.microsoft.com/office/drawing/2010/main" xmlns="">
                 <a:solidFill>
                   <a:srgbClr val="FFFFFF"/>
                 </a:solidFill>
               </a14:hiddenFill>
             </a:ext>
             <a:ext uri="{91240B29-F687-4f45-9708-019B960494DF}">
-              <a14:hiddenLine xmlns="" xmlns:a14="http://schemas.microsoft.com/office/drawing/2010/main" w="9525">
+              <a14:hiddenLine xmlns:a14="http://schemas.microsoft.com/office/drawing/2010/main" xmlns="" w="9525">
                 <a:solidFill>
                   <a:srgbClr val="000000"/>
                 </a:solidFill>
@@ -10952,14 +10952,14 @@
           <a:ln/>
           <a:extLst>
             <a:ext uri="{909E8E84-426E-40dd-AFC4-6F175D3DCCD1}">
-              <a14:hiddenFill xmlns="" xmlns:a14="http://schemas.microsoft.com/office/drawing/2010/main">
+              <a14:hiddenFill xmlns:a14="http://schemas.microsoft.com/office/drawing/2010/main" xmlns="">
                 <a:solidFill>
                   <a:srgbClr val="FFFFFF"/>
                 </a:solidFill>
               </a14:hiddenFill>
             </a:ext>
             <a:ext uri="{91240B29-F687-4f45-9708-019B960494DF}">
-              <a14:hiddenLine xmlns="" xmlns:a14="http://schemas.microsoft.com/office/drawing/2010/main" w="9525">
+              <a14:hiddenLine xmlns:a14="http://schemas.microsoft.com/office/drawing/2010/main" xmlns="" w="9525">
                 <a:solidFill>
                   <a:srgbClr val="000000"/>
                 </a:solidFill>
@@ -11124,17 +11124,17 @@
           <a:ln/>
           <a:extLst>
             <a:ext uri="{FAA26D3D-D897-4be2-8F04-BA451C77F1D7}">
-              <ma14:placeholderFlag xmlns="" xmlns:ma14="http://schemas.microsoft.com/office/mac/drawingml/2011/main" val="1"/>
+              <ma14:placeholderFlag xmlns:ma14="http://schemas.microsoft.com/office/mac/drawingml/2011/main" xmlns="" val="1"/>
             </a:ext>
             <a:ext uri="{909E8E84-426E-40dd-AFC4-6F175D3DCCD1}">
-              <a14:hiddenFill xmlns="" xmlns:a14="http://schemas.microsoft.com/office/drawing/2010/main">
+              <a14:hiddenFill xmlns:a14="http://schemas.microsoft.com/office/drawing/2010/main" xmlns="">
                 <a:solidFill>
                   <a:srgbClr val="FFFFFF"/>
                 </a:solidFill>
               </a14:hiddenFill>
             </a:ext>
             <a:ext uri="{91240B29-F687-4f45-9708-019B960494DF}">
-              <a14:hiddenLine xmlns="" xmlns:a14="http://schemas.microsoft.com/office/drawing/2010/main" w="9525">
+              <a14:hiddenLine xmlns:a14="http://schemas.microsoft.com/office/drawing/2010/main" xmlns="" w="9525">
                 <a:solidFill>
                   <a:srgbClr val="000000"/>
                 </a:solidFill>
@@ -11197,14 +11197,14 @@
           <a:ln/>
           <a:extLst>
             <a:ext uri="{909E8E84-426E-40dd-AFC4-6F175D3DCCD1}">
-              <a14:hiddenFill xmlns="" xmlns:a14="http://schemas.microsoft.com/office/drawing/2010/main">
+              <a14:hiddenFill xmlns:a14="http://schemas.microsoft.com/office/drawing/2010/main" xmlns="">
                 <a:solidFill>
                   <a:srgbClr val="FFFFFF"/>
                 </a:solidFill>
               </a14:hiddenFill>
             </a:ext>
             <a:ext uri="{91240B29-F687-4f45-9708-019B960494DF}">
-              <a14:hiddenLine xmlns="" xmlns:a14="http://schemas.microsoft.com/office/drawing/2010/main" w="9525">
+              <a14:hiddenLine xmlns:a14="http://schemas.microsoft.com/office/drawing/2010/main" xmlns="" w="9525">
                 <a:solidFill>
                   <a:srgbClr val="000000"/>
                 </a:solidFill>
@@ -11369,17 +11369,17 @@
           <a:ln/>
           <a:extLst>
             <a:ext uri="{FAA26D3D-D897-4be2-8F04-BA451C77F1D7}">
-              <ma14:placeholderFlag xmlns="" xmlns:ma14="http://schemas.microsoft.com/office/mac/drawingml/2011/main" val="1"/>
+              <ma14:placeholderFlag xmlns:ma14="http://schemas.microsoft.com/office/mac/drawingml/2011/main" xmlns="" val="1"/>
             </a:ext>
             <a:ext uri="{909E8E84-426E-40dd-AFC4-6F175D3DCCD1}">
-              <a14:hiddenFill xmlns="" xmlns:a14="http://schemas.microsoft.com/office/drawing/2010/main">
+              <a14:hiddenFill xmlns:a14="http://schemas.microsoft.com/office/drawing/2010/main" xmlns="">
                 <a:solidFill>
                   <a:srgbClr val="FFFFFF"/>
                 </a:solidFill>
               </a14:hiddenFill>
             </a:ext>
             <a:ext uri="{91240B29-F687-4f45-9708-019B960494DF}">
-              <a14:hiddenLine xmlns="" xmlns:a14="http://schemas.microsoft.com/office/drawing/2010/main" w="9525">
+              <a14:hiddenLine xmlns:a14="http://schemas.microsoft.com/office/drawing/2010/main" xmlns="" w="9525">
                 <a:solidFill>
                   <a:srgbClr val="000000"/>
                 </a:solidFill>
@@ -11442,14 +11442,14 @@
           <a:ln/>
           <a:extLst>
             <a:ext uri="{909E8E84-426E-40dd-AFC4-6F175D3DCCD1}">
-              <a14:hiddenFill xmlns="" xmlns:a14="http://schemas.microsoft.com/office/drawing/2010/main">
+              <a14:hiddenFill xmlns:a14="http://schemas.microsoft.com/office/drawing/2010/main" xmlns="">
                 <a:solidFill>
                   <a:srgbClr val="FFFFFF"/>
                 </a:solidFill>
               </a14:hiddenFill>
             </a:ext>
             <a:ext uri="{91240B29-F687-4f45-9708-019B960494DF}">
-              <a14:hiddenLine xmlns="" xmlns:a14="http://schemas.microsoft.com/office/drawing/2010/main" w="9525">
+              <a14:hiddenLine xmlns:a14="http://schemas.microsoft.com/office/drawing/2010/main" xmlns="" w="9525">
                 <a:solidFill>
                   <a:srgbClr val="000000"/>
                 </a:solidFill>
@@ -11614,17 +11614,17 @@
           <a:ln/>
           <a:extLst>
             <a:ext uri="{FAA26D3D-D897-4be2-8F04-BA451C77F1D7}">
-              <ma14:placeholderFlag xmlns="" xmlns:ma14="http://schemas.microsoft.com/office/mac/drawingml/2011/main" val="1"/>
+              <ma14:placeholderFlag xmlns:ma14="http://schemas.microsoft.com/office/mac/drawingml/2011/main" xmlns="" val="1"/>
             </a:ext>
             <a:ext uri="{909E8E84-426E-40dd-AFC4-6F175D3DCCD1}">
-              <a14:hiddenFill xmlns="" xmlns:a14="http://schemas.microsoft.com/office/drawing/2010/main">
+              <a14:hiddenFill xmlns:a14="http://schemas.microsoft.com/office/drawing/2010/main" xmlns="">
                 <a:solidFill>
                   <a:srgbClr val="FFFFFF"/>
                 </a:solidFill>
               </a14:hiddenFill>
             </a:ext>
             <a:ext uri="{91240B29-F687-4f45-9708-019B960494DF}">
-              <a14:hiddenLine xmlns="" xmlns:a14="http://schemas.microsoft.com/office/drawing/2010/main" w="9525">
+              <a14:hiddenLine xmlns:a14="http://schemas.microsoft.com/office/drawing/2010/main" xmlns="" w="9525">
                 <a:solidFill>
                   <a:srgbClr val="000000"/>
                 </a:solidFill>
@@ -11687,14 +11687,14 @@
           <a:ln/>
           <a:extLst>
             <a:ext uri="{909E8E84-426E-40dd-AFC4-6F175D3DCCD1}">
-              <a14:hiddenFill xmlns="" xmlns:a14="http://schemas.microsoft.com/office/drawing/2010/main">
+              <a14:hiddenFill xmlns:a14="http://schemas.microsoft.com/office/drawing/2010/main" xmlns="">
                 <a:solidFill>
                   <a:srgbClr val="FFFFFF"/>
                 </a:solidFill>
               </a14:hiddenFill>
             </a:ext>
             <a:ext uri="{91240B29-F687-4f45-9708-019B960494DF}">
-              <a14:hiddenLine xmlns="" xmlns:a14="http://schemas.microsoft.com/office/drawing/2010/main" w="9525">
+              <a14:hiddenLine xmlns:a14="http://schemas.microsoft.com/office/drawing/2010/main" xmlns="" w="9525">
                 <a:solidFill>
                   <a:srgbClr val="000000"/>
                 </a:solidFill>
@@ -11859,17 +11859,17 @@
           <a:ln/>
           <a:extLst>
             <a:ext uri="{FAA26D3D-D897-4be2-8F04-BA451C77F1D7}">
-              <ma14:placeholderFlag xmlns="" xmlns:ma14="http://schemas.microsoft.com/office/mac/drawingml/2011/main" val="1"/>
+              <ma14:placeholderFlag xmlns:ma14="http://schemas.microsoft.com/office/mac/drawingml/2011/main" xmlns="" val="1"/>
             </a:ext>
             <a:ext uri="{909E8E84-426E-40dd-AFC4-6F175D3DCCD1}">
-              <a14:hiddenFill xmlns="" xmlns:a14="http://schemas.microsoft.com/office/drawing/2010/main">
+              <a14:hiddenFill xmlns:a14="http://schemas.microsoft.com/office/drawing/2010/main" xmlns="">
                 <a:solidFill>
                   <a:srgbClr val="FFFFFF"/>
                 </a:solidFill>
               </a14:hiddenFill>
             </a:ext>
             <a:ext uri="{91240B29-F687-4f45-9708-019B960494DF}">
-              <a14:hiddenLine xmlns="" xmlns:a14="http://schemas.microsoft.com/office/drawing/2010/main" w="9525">
+              <a14:hiddenLine xmlns:a14="http://schemas.microsoft.com/office/drawing/2010/main" xmlns="" w="9525">
                 <a:solidFill>
                   <a:srgbClr val="000000"/>
                 </a:solidFill>
@@ -11932,14 +11932,14 @@
           <a:ln/>
           <a:extLst>
             <a:ext uri="{909E8E84-426E-40dd-AFC4-6F175D3DCCD1}">
-              <a14:hiddenFill xmlns="" xmlns:a14="http://schemas.microsoft.com/office/drawing/2010/main">
+              <a14:hiddenFill xmlns:a14="http://schemas.microsoft.com/office/drawing/2010/main" xmlns="">
                 <a:solidFill>
                   <a:srgbClr val="FFFFFF"/>
                 </a:solidFill>
               </a14:hiddenFill>
             </a:ext>
             <a:ext uri="{91240B29-F687-4f45-9708-019B960494DF}">
-              <a14:hiddenLine xmlns="" xmlns:a14="http://schemas.microsoft.com/office/drawing/2010/main" w="9525">
+              <a14:hiddenLine xmlns:a14="http://schemas.microsoft.com/office/drawing/2010/main" xmlns="" w="9525">
                 <a:solidFill>
                   <a:srgbClr val="000000"/>
                 </a:solidFill>
@@ -12104,17 +12104,17 @@
           <a:ln/>
           <a:extLst>
             <a:ext uri="{FAA26D3D-D897-4be2-8F04-BA451C77F1D7}">
-              <ma14:placeholderFlag xmlns="" xmlns:ma14="http://schemas.microsoft.com/office/mac/drawingml/2011/main" val="1"/>
+              <ma14:placeholderFlag xmlns:ma14="http://schemas.microsoft.com/office/mac/drawingml/2011/main" xmlns="" val="1"/>
             </a:ext>
             <a:ext uri="{909E8E84-426E-40dd-AFC4-6F175D3DCCD1}">
-              <a14:hiddenFill xmlns="" xmlns:a14="http://schemas.microsoft.com/office/drawing/2010/main">
+              <a14:hiddenFill xmlns:a14="http://schemas.microsoft.com/office/drawing/2010/main" xmlns="">
                 <a:solidFill>
                   <a:srgbClr val="FFFFFF"/>
                 </a:solidFill>
               </a14:hiddenFill>
             </a:ext>
             <a:ext uri="{91240B29-F687-4f45-9708-019B960494DF}">
-              <a14:hiddenLine xmlns="" xmlns:a14="http://schemas.microsoft.com/office/drawing/2010/main" w="9525">
+              <a14:hiddenLine xmlns:a14="http://schemas.microsoft.com/office/drawing/2010/main" xmlns="" w="9525">
                 <a:solidFill>
                   <a:srgbClr val="000000"/>
                 </a:solidFill>
@@ -12177,14 +12177,14 @@
           <a:ln/>
           <a:extLst>
             <a:ext uri="{909E8E84-426E-40dd-AFC4-6F175D3DCCD1}">
-              <a14:hiddenFill xmlns="" xmlns:a14="http://schemas.microsoft.com/office/drawing/2010/main">
+              <a14:hiddenFill xmlns:a14="http://schemas.microsoft.com/office/drawing/2010/main" xmlns="">
                 <a:solidFill>
                   <a:srgbClr val="FFFFFF"/>
                 </a:solidFill>
               </a14:hiddenFill>
             </a:ext>
             <a:ext uri="{91240B29-F687-4f45-9708-019B960494DF}">
-              <a14:hiddenLine xmlns="" xmlns:a14="http://schemas.microsoft.com/office/drawing/2010/main" w="9525">
+              <a14:hiddenLine xmlns:a14="http://schemas.microsoft.com/office/drawing/2010/main" xmlns="" w="9525">
                 <a:solidFill>
                   <a:srgbClr val="000000"/>
                 </a:solidFill>
@@ -12349,17 +12349,17 @@
           <a:ln/>
           <a:extLst>
             <a:ext uri="{FAA26D3D-D897-4be2-8F04-BA451C77F1D7}">
-              <ma14:placeholderFlag xmlns="" xmlns:ma14="http://schemas.microsoft.com/office/mac/drawingml/2011/main" val="1"/>
+              <ma14:placeholderFlag xmlns:ma14="http://schemas.microsoft.com/office/mac/drawingml/2011/main" xmlns="" val="1"/>
             </a:ext>
             <a:ext uri="{909E8E84-426E-40dd-AFC4-6F175D3DCCD1}">
-              <a14:hiddenFill xmlns="" xmlns:a14="http://schemas.microsoft.com/office/drawing/2010/main">
+              <a14:hiddenFill xmlns:a14="http://schemas.microsoft.com/office/drawing/2010/main" xmlns="">
                 <a:solidFill>
                   <a:srgbClr val="FFFFFF"/>
                 </a:solidFill>
               </a14:hiddenFill>
             </a:ext>
             <a:ext uri="{91240B29-F687-4f45-9708-019B960494DF}">
-              <a14:hiddenLine xmlns="" xmlns:a14="http://schemas.microsoft.com/office/drawing/2010/main" w="9525">
+              <a14:hiddenLine xmlns:a14="http://schemas.microsoft.com/office/drawing/2010/main" xmlns="" w="9525">
                 <a:solidFill>
                   <a:srgbClr val="000000"/>
                 </a:solidFill>
@@ -12422,14 +12422,14 @@
           <a:ln/>
           <a:extLst>
             <a:ext uri="{909E8E84-426E-40dd-AFC4-6F175D3DCCD1}">
-              <a14:hiddenFill xmlns="" xmlns:a14="http://schemas.microsoft.com/office/drawing/2010/main">
+              <a14:hiddenFill xmlns:a14="http://schemas.microsoft.com/office/drawing/2010/main" xmlns="">
                 <a:solidFill>
                   <a:srgbClr val="FFFFFF"/>
                 </a:solidFill>
               </a14:hiddenFill>
             </a:ext>
             <a:ext uri="{91240B29-F687-4f45-9708-019B960494DF}">
-              <a14:hiddenLine xmlns="" xmlns:a14="http://schemas.microsoft.com/office/drawing/2010/main" w="9525">
+              <a14:hiddenLine xmlns:a14="http://schemas.microsoft.com/office/drawing/2010/main" xmlns="" w="9525">
                 <a:solidFill>
                   <a:srgbClr val="000000"/>
                 </a:solidFill>
@@ -12594,17 +12594,17 @@
           <a:ln/>
           <a:extLst>
             <a:ext uri="{FAA26D3D-D897-4be2-8F04-BA451C77F1D7}">
-              <ma14:placeholderFlag xmlns="" xmlns:ma14="http://schemas.microsoft.com/office/mac/drawingml/2011/main" val="1"/>
+              <ma14:placeholderFlag xmlns:ma14="http://schemas.microsoft.com/office/mac/drawingml/2011/main" xmlns="" val="1"/>
             </a:ext>
             <a:ext uri="{909E8E84-426E-40dd-AFC4-6F175D3DCCD1}">
-              <a14:hiddenFill xmlns="" xmlns:a14="http://schemas.microsoft.com/office/drawing/2010/main">
+              <a14:hiddenFill xmlns:a14="http://schemas.microsoft.com/office/drawing/2010/main" xmlns="">
                 <a:solidFill>
                   <a:srgbClr val="FFFFFF"/>
                 </a:solidFill>
               </a14:hiddenFill>
             </a:ext>
             <a:ext uri="{91240B29-F687-4f45-9708-019B960494DF}">
-              <a14:hiddenLine xmlns="" xmlns:a14="http://schemas.microsoft.com/office/drawing/2010/main" w="9525">
+              <a14:hiddenLine xmlns:a14="http://schemas.microsoft.com/office/drawing/2010/main" xmlns="" w="9525">
                 <a:solidFill>
                   <a:srgbClr val="000000"/>
                 </a:solidFill>
@@ -12667,14 +12667,14 @@
           <a:ln/>
           <a:extLst>
             <a:ext uri="{909E8E84-426E-40dd-AFC4-6F175D3DCCD1}">
-              <a14:hiddenFill xmlns="" xmlns:a14="http://schemas.microsoft.com/office/drawing/2010/main">
+              <a14:hiddenFill xmlns:a14="http://schemas.microsoft.com/office/drawing/2010/main" xmlns="">
                 <a:solidFill>
                   <a:srgbClr val="FFFFFF"/>
                 </a:solidFill>
               </a14:hiddenFill>
             </a:ext>
             <a:ext uri="{91240B29-F687-4f45-9708-019B960494DF}">
-              <a14:hiddenLine xmlns="" xmlns:a14="http://schemas.microsoft.com/office/drawing/2010/main" w="9525">
+              <a14:hiddenLine xmlns:a14="http://schemas.microsoft.com/office/drawing/2010/main" xmlns="" w="9525">
                 <a:solidFill>
                   <a:srgbClr val="000000"/>
                 </a:solidFill>
@@ -12839,17 +12839,17 @@
           <a:ln/>
           <a:extLst>
             <a:ext uri="{FAA26D3D-D897-4be2-8F04-BA451C77F1D7}">
-              <ma14:placeholderFlag xmlns="" xmlns:ma14="http://schemas.microsoft.com/office/mac/drawingml/2011/main" val="1"/>
+              <ma14:placeholderFlag xmlns:ma14="http://schemas.microsoft.com/office/mac/drawingml/2011/main" xmlns="" val="1"/>
             </a:ext>
             <a:ext uri="{909E8E84-426E-40dd-AFC4-6F175D3DCCD1}">
-              <a14:hiddenFill xmlns="" xmlns:a14="http://schemas.microsoft.com/office/drawing/2010/main">
+              <a14:hiddenFill xmlns:a14="http://schemas.microsoft.com/office/drawing/2010/main" xmlns="">
                 <a:solidFill>
                   <a:srgbClr val="FFFFFF"/>
                 </a:solidFill>
               </a14:hiddenFill>
             </a:ext>
             <a:ext uri="{91240B29-F687-4f45-9708-019B960494DF}">
-              <a14:hiddenLine xmlns="" xmlns:a14="http://schemas.microsoft.com/office/drawing/2010/main" w="9525">
+              <a14:hiddenLine xmlns:a14="http://schemas.microsoft.com/office/drawing/2010/main" xmlns="" w="9525">
                 <a:solidFill>
                   <a:srgbClr val="000000"/>
                 </a:solidFill>
@@ -12912,14 +12912,14 @@
           <a:ln/>
           <a:extLst>
             <a:ext uri="{909E8E84-426E-40dd-AFC4-6F175D3DCCD1}">
-              <a14:hiddenFill xmlns="" xmlns:a14="http://schemas.microsoft.com/office/drawing/2010/main">
+              <a14:hiddenFill xmlns:a14="http://schemas.microsoft.com/office/drawing/2010/main" xmlns="">
                 <a:solidFill>
                   <a:srgbClr val="FFFFFF"/>
                 </a:solidFill>
               </a14:hiddenFill>
             </a:ext>
             <a:ext uri="{91240B29-F687-4f45-9708-019B960494DF}">
-              <a14:hiddenLine xmlns="" xmlns:a14="http://schemas.microsoft.com/office/drawing/2010/main" w="9525">
+              <a14:hiddenLine xmlns:a14="http://schemas.microsoft.com/office/drawing/2010/main" xmlns="" w="9525">
                 <a:solidFill>
                   <a:srgbClr val="000000"/>
                 </a:solidFill>
@@ -13084,17 +13084,17 @@
           <a:ln/>
           <a:extLst>
             <a:ext uri="{FAA26D3D-D897-4be2-8F04-BA451C77F1D7}">
-              <ma14:placeholderFlag xmlns="" xmlns:ma14="http://schemas.microsoft.com/office/mac/drawingml/2011/main" val="1"/>
+              <ma14:placeholderFlag xmlns:ma14="http://schemas.microsoft.com/office/mac/drawingml/2011/main" xmlns="" val="1"/>
             </a:ext>
             <a:ext uri="{909E8E84-426E-40dd-AFC4-6F175D3DCCD1}">
-              <a14:hiddenFill xmlns="" xmlns:a14="http://schemas.microsoft.com/office/drawing/2010/main">
+              <a14:hiddenFill xmlns:a14="http://schemas.microsoft.com/office/drawing/2010/main" xmlns="">
                 <a:solidFill>
                   <a:srgbClr val="FFFFFF"/>
                 </a:solidFill>
               </a14:hiddenFill>
             </a:ext>
             <a:ext uri="{91240B29-F687-4f45-9708-019B960494DF}">
-              <a14:hiddenLine xmlns="" xmlns:a14="http://schemas.microsoft.com/office/drawing/2010/main" w="9525">
+              <a14:hiddenLine xmlns:a14="http://schemas.microsoft.com/office/drawing/2010/main" xmlns="" w="9525">
                 <a:solidFill>
                   <a:srgbClr val="000000"/>
                 </a:solidFill>
@@ -13157,14 +13157,14 @@
           <a:ln/>
           <a:extLst>
             <a:ext uri="{909E8E84-426E-40dd-AFC4-6F175D3DCCD1}">
-              <a14:hiddenFill xmlns="" xmlns:a14="http://schemas.microsoft.com/office/drawing/2010/main">
+              <a14:hiddenFill xmlns:a14="http://schemas.microsoft.com/office/drawing/2010/main" xmlns="">
                 <a:solidFill>
                   <a:srgbClr val="FFFFFF"/>
                 </a:solidFill>
               </a14:hiddenFill>
             </a:ext>
             <a:ext uri="{91240B29-F687-4f45-9708-019B960494DF}">
-              <a14:hiddenLine xmlns="" xmlns:a14="http://schemas.microsoft.com/office/drawing/2010/main" w="9525">
+              <a14:hiddenLine xmlns:a14="http://schemas.microsoft.com/office/drawing/2010/main" xmlns="" w="9525">
                 <a:solidFill>
                   <a:srgbClr val="000000"/>
                 </a:solidFill>
@@ -13329,17 +13329,17 @@
           <a:ln/>
           <a:extLst>
             <a:ext uri="{FAA26D3D-D897-4be2-8F04-BA451C77F1D7}">
-              <ma14:placeholderFlag xmlns="" xmlns:ma14="http://schemas.microsoft.com/office/mac/drawingml/2011/main" val="1"/>
+              <ma14:placeholderFlag xmlns:ma14="http://schemas.microsoft.com/office/mac/drawingml/2011/main" xmlns="" val="1"/>
             </a:ext>
             <a:ext uri="{909E8E84-426E-40dd-AFC4-6F175D3DCCD1}">
-              <a14:hiddenFill xmlns="" xmlns:a14="http://schemas.microsoft.com/office/drawing/2010/main">
+              <a14:hiddenFill xmlns:a14="http://schemas.microsoft.com/office/drawing/2010/main" xmlns="">
                 <a:solidFill>
                   <a:srgbClr val="FFFFFF"/>
                 </a:solidFill>
               </a14:hiddenFill>
             </a:ext>
             <a:ext uri="{91240B29-F687-4f45-9708-019B960494DF}">
-              <a14:hiddenLine xmlns="" xmlns:a14="http://schemas.microsoft.com/office/drawing/2010/main" w="9525">
+              <a14:hiddenLine xmlns:a14="http://schemas.microsoft.com/office/drawing/2010/main" xmlns="" w="9525">
                 <a:solidFill>
                   <a:srgbClr val="000000"/>
                 </a:solidFill>
@@ -13402,14 +13402,14 @@
           <a:ln/>
           <a:extLst>
             <a:ext uri="{909E8E84-426E-40dd-AFC4-6F175D3DCCD1}">
-              <a14:hiddenFill xmlns="" xmlns:a14="http://schemas.microsoft.com/office/drawing/2010/main">
+              <a14:hiddenFill xmlns:a14="http://schemas.microsoft.com/office/drawing/2010/main" xmlns="">
                 <a:solidFill>
                   <a:srgbClr val="FFFFFF"/>
                 </a:solidFill>
               </a14:hiddenFill>
             </a:ext>
             <a:ext uri="{91240B29-F687-4f45-9708-019B960494DF}">
-              <a14:hiddenLine xmlns="" xmlns:a14="http://schemas.microsoft.com/office/drawing/2010/main" w="9525">
+              <a14:hiddenLine xmlns:a14="http://schemas.microsoft.com/office/drawing/2010/main" xmlns="" w="9525">
                 <a:solidFill>
                   <a:srgbClr val="000000"/>
                 </a:solidFill>
@@ -13574,17 +13574,17 @@
           <a:ln/>
           <a:extLst>
             <a:ext uri="{FAA26D3D-D897-4be2-8F04-BA451C77F1D7}">
-              <ma14:placeholderFlag xmlns="" xmlns:ma14="http://schemas.microsoft.com/office/mac/drawingml/2011/main" val="1"/>
+              <ma14:placeholderFlag xmlns:ma14="http://schemas.microsoft.com/office/mac/drawingml/2011/main" xmlns="" val="1"/>
             </a:ext>
             <a:ext uri="{909E8E84-426E-40dd-AFC4-6F175D3DCCD1}">
-              <a14:hiddenFill xmlns="" xmlns:a14="http://schemas.microsoft.com/office/drawing/2010/main">
+              <a14:hiddenFill xmlns:a14="http://schemas.microsoft.com/office/drawing/2010/main" xmlns="">
                 <a:solidFill>
                   <a:srgbClr val="FFFFFF"/>
                 </a:solidFill>
               </a14:hiddenFill>
             </a:ext>
             <a:ext uri="{91240B29-F687-4f45-9708-019B960494DF}">
-              <a14:hiddenLine xmlns="" xmlns:a14="http://schemas.microsoft.com/office/drawing/2010/main" w="9525">
+              <a14:hiddenLine xmlns:a14="http://schemas.microsoft.com/office/drawing/2010/main" xmlns="" w="9525">
                 <a:solidFill>
                   <a:srgbClr val="000000"/>
                 </a:solidFill>
@@ -13634,225 +13634,70 @@
       </p:grpSpPr>
       <p:sp>
         <p:nvSpPr>
-          <p:cNvPr id="134145" name="Rectangle 7"/>
-          <p:cNvSpPr>
-            <a:spLocks noGrp="1" noChangeArrowheads="1"/>
+          <p:cNvPr id="2" name="Slide Image Placeholder 1"/>
+          <p:cNvSpPr>
+            <a:spLocks noGrp="1" noRot="1" noChangeAspect="1"/>
+          </p:cNvSpPr>
+          <p:nvPr>
+            <p:ph type="sldImg"/>
+          </p:nvPr>
+        </p:nvSpPr>
+        <p:spPr/>
+      </p:sp>
+      <p:sp>
+        <p:nvSpPr>
+          <p:cNvPr id="3" name="Notes Placeholder 2"/>
+          <p:cNvSpPr>
+            <a:spLocks noGrp="1"/>
+          </p:cNvSpPr>
+          <p:nvPr>
+            <p:ph type="body" idx="1"/>
+          </p:nvPr>
+        </p:nvSpPr>
+        <p:spPr/>
+        <p:txBody>
+          <a:bodyPr/>
+          <a:lstStyle/>
+          <a:p>
+            <a:endParaRPr lang="en-US" dirty="0"/>
+          </a:p>
+        </p:txBody>
+      </p:sp>
+      <p:sp>
+        <p:nvSpPr>
+          <p:cNvPr id="4" name="Slide Number Placeholder 3"/>
+          <p:cNvSpPr>
+            <a:spLocks noGrp="1"/>
           </p:cNvSpPr>
           <p:nvPr>
             <p:ph type="sldNum" sz="quarter" idx="5"/>
           </p:nvPr>
         </p:nvSpPr>
-        <p:spPr>
-          <a:noFill/>
-          <a:ln/>
-          <a:extLst>
-            <a:ext uri="{909E8E84-426E-40dd-AFC4-6F175D3DCCD1}">
-              <a14:hiddenFill xmlns="" xmlns:a14="http://schemas.microsoft.com/office/drawing/2010/main">
-                <a:solidFill>
-                  <a:srgbClr val="FFFFFF"/>
-                </a:solidFill>
-              </a14:hiddenFill>
-            </a:ext>
-            <a:ext uri="{91240B29-F687-4f45-9708-019B960494DF}">
-              <a14:hiddenLine xmlns="" xmlns:a14="http://schemas.microsoft.com/office/drawing/2010/main" w="9525">
-                <a:solidFill>
-                  <a:srgbClr val="000000"/>
-                </a:solidFill>
-                <a:miter lim="800000"/>
-                <a:headEnd/>
-                <a:tailEnd/>
-              </a14:hiddenLine>
-            </a:ext>
-          </a:extLst>
-        </p:spPr>
-        <p:txBody>
-          <a:bodyPr/>
-          <a:lstStyle>
-            <a:lvl1pPr defTabSz="966788" eaLnBrk="0" hangingPunct="0">
-              <a:defRPr sz="2400">
-                <a:solidFill>
-                  <a:schemeClr val="tx1"/>
-                </a:solidFill>
-                <a:latin typeface="Arial" charset="0"/>
-                <a:ea typeface="ＭＳ Ｐゴシック" charset="0"/>
-                <a:cs typeface="ＭＳ Ｐゴシック" charset="0"/>
-              </a:defRPr>
-            </a:lvl1pPr>
-            <a:lvl2pPr marL="742950" indent="-285750" defTabSz="966788" eaLnBrk="0" hangingPunct="0">
-              <a:defRPr sz="2400">
-                <a:solidFill>
-                  <a:schemeClr val="tx1"/>
-                </a:solidFill>
-                <a:latin typeface="Arial" charset="0"/>
-                <a:ea typeface="ＭＳ Ｐゴシック" charset="0"/>
-              </a:defRPr>
-            </a:lvl2pPr>
-            <a:lvl3pPr marL="1143000" indent="-228600" defTabSz="966788" eaLnBrk="0" hangingPunct="0">
-              <a:defRPr sz="2400">
-                <a:solidFill>
-                  <a:schemeClr val="tx1"/>
-                </a:solidFill>
-                <a:latin typeface="Arial" charset="0"/>
-                <a:ea typeface="ＭＳ Ｐゴシック" charset="0"/>
-              </a:defRPr>
-            </a:lvl3pPr>
-            <a:lvl4pPr marL="1600200" indent="-228600" defTabSz="966788" eaLnBrk="0" hangingPunct="0">
-              <a:defRPr sz="2400">
-                <a:solidFill>
-                  <a:schemeClr val="tx1"/>
-                </a:solidFill>
-                <a:latin typeface="Arial" charset="0"/>
-                <a:ea typeface="ＭＳ Ｐゴシック" charset="0"/>
-              </a:defRPr>
-            </a:lvl4pPr>
-            <a:lvl5pPr marL="2057400" indent="-228600" defTabSz="966788" eaLnBrk="0" hangingPunct="0">
-              <a:defRPr sz="2400">
-                <a:solidFill>
-                  <a:schemeClr val="tx1"/>
-                </a:solidFill>
-                <a:latin typeface="Arial" charset="0"/>
-                <a:ea typeface="ＭＳ Ｐゴシック" charset="0"/>
-              </a:defRPr>
-            </a:lvl5pPr>
-            <a:lvl6pPr marL="2514600" indent="-228600" defTabSz="966788" eaLnBrk="0" fontAlgn="base" hangingPunct="0">
-              <a:spcBef>
-                <a:spcPct val="0"/>
-              </a:spcBef>
-              <a:spcAft>
-                <a:spcPct val="0"/>
-              </a:spcAft>
-              <a:defRPr sz="2400">
-                <a:solidFill>
-                  <a:schemeClr val="tx1"/>
-                </a:solidFill>
-                <a:latin typeface="Arial" charset="0"/>
-                <a:ea typeface="ＭＳ Ｐゴシック" charset="0"/>
-              </a:defRPr>
-            </a:lvl6pPr>
-            <a:lvl7pPr marL="2971800" indent="-228600" defTabSz="966788" eaLnBrk="0" fontAlgn="base" hangingPunct="0">
-              <a:spcBef>
-                <a:spcPct val="0"/>
-              </a:spcBef>
-              <a:spcAft>
-                <a:spcPct val="0"/>
-              </a:spcAft>
-              <a:defRPr sz="2400">
-                <a:solidFill>
-                  <a:schemeClr val="tx1"/>
-                </a:solidFill>
-                <a:latin typeface="Arial" charset="0"/>
-                <a:ea typeface="ＭＳ Ｐゴシック" charset="0"/>
-              </a:defRPr>
-            </a:lvl7pPr>
-            <a:lvl8pPr marL="3429000" indent="-228600" defTabSz="966788" eaLnBrk="0" fontAlgn="base" hangingPunct="0">
-              <a:spcBef>
-                <a:spcPct val="0"/>
-              </a:spcBef>
-              <a:spcAft>
-                <a:spcPct val="0"/>
-              </a:spcAft>
-              <a:defRPr sz="2400">
-                <a:solidFill>
-                  <a:schemeClr val="tx1"/>
-                </a:solidFill>
-                <a:latin typeface="Arial" charset="0"/>
-                <a:ea typeface="ＭＳ Ｐゴシック" charset="0"/>
-              </a:defRPr>
-            </a:lvl8pPr>
-            <a:lvl9pPr marL="3886200" indent="-228600" defTabSz="966788" eaLnBrk="0" fontAlgn="base" hangingPunct="0">
-              <a:spcBef>
-                <a:spcPct val="0"/>
-              </a:spcBef>
-              <a:spcAft>
-                <a:spcPct val="0"/>
-              </a:spcAft>
-              <a:defRPr sz="2400">
-                <a:solidFill>
-                  <a:schemeClr val="tx1"/>
-                </a:solidFill>
-                <a:latin typeface="Arial" charset="0"/>
-                <a:ea typeface="ＭＳ Ｐゴシック" charset="0"/>
-              </a:defRPr>
-            </a:lvl9pPr>
-          </a:lstStyle>
-          <a:p>
-            <a:pPr eaLnBrk="1" hangingPunct="1"/>
-            <a:fld id="{9A54A4E5-5421-7C45-A60B-751B0028D6D4}" type="slidenum">
-              <a:rPr lang="el-GR" sz="1400">
-                <a:latin typeface="Calibri"/>
-              </a:rPr>
-              <a:pPr eaLnBrk="1" hangingPunct="1"/>
-              <a:t>68</a:t>
-            </a:fld>
-            <a:endParaRPr lang="el-GR" sz="1400" dirty="0">
-              <a:latin typeface="Calibri"/>
-            </a:endParaRPr>
-          </a:p>
-        </p:txBody>
-      </p:sp>
-      <p:sp>
-        <p:nvSpPr>
-          <p:cNvPr id="134146" name="Rectangle 2"/>
-          <p:cNvSpPr>
-            <a:spLocks noGrp="1" noRot="1" noChangeAspect="1" noChangeArrowheads="1" noTextEdit="1"/>
-          </p:cNvSpPr>
-          <p:nvPr>
-            <p:ph type="sldImg"/>
-          </p:nvPr>
-        </p:nvSpPr>
-        <p:spPr>
-          <a:ln/>
-        </p:spPr>
-      </p:sp>
-      <p:sp>
-        <p:nvSpPr>
-          <p:cNvPr id="134147" name="Rectangle 3"/>
-          <p:cNvSpPr>
-            <a:spLocks noGrp="1" noChangeArrowheads="1"/>
-          </p:cNvSpPr>
-          <p:nvPr>
-            <p:ph type="body" idx="1"/>
-          </p:nvPr>
-        </p:nvSpPr>
-        <p:spPr>
-          <a:noFill/>
-          <a:ln/>
-          <a:extLst>
-            <a:ext uri="{FAA26D3D-D897-4be2-8F04-BA451C77F1D7}">
-              <ma14:placeholderFlag xmlns="" xmlns:ma14="http://schemas.microsoft.com/office/mac/drawingml/2011/main" val="1"/>
-            </a:ext>
-            <a:ext uri="{909E8E84-426E-40dd-AFC4-6F175D3DCCD1}">
-              <a14:hiddenFill xmlns="" xmlns:a14="http://schemas.microsoft.com/office/drawing/2010/main">
-                <a:solidFill>
-                  <a:srgbClr val="FFFFFF"/>
-                </a:solidFill>
-              </a14:hiddenFill>
-            </a:ext>
-            <a:ext uri="{91240B29-F687-4f45-9708-019B960494DF}">
-              <a14:hiddenLine xmlns="" xmlns:a14="http://schemas.microsoft.com/office/drawing/2010/main" w="9525">
-                <a:solidFill>
-                  <a:srgbClr val="000000"/>
-                </a:solidFill>
-                <a:miter lim="800000"/>
-                <a:headEnd/>
-                <a:tailEnd/>
-              </a14:hiddenLine>
-            </a:ext>
-          </a:extLst>
-        </p:spPr>
+        <p:spPr/>
         <p:txBody>
           <a:bodyPr/>
           <a:lstStyle/>
           <a:p>
-            <a:pPr eaLnBrk="1" hangingPunct="1"/>
-            <a:endParaRPr lang="en-US">
-              <a:ea typeface="ＭＳ Ｐゴシック" charset="0"/>
-              <a:cs typeface="ＭＳ Ｐゴシック" charset="0"/>
-            </a:endParaRPr>
+            <a:pPr>
+              <a:defRPr/>
+            </a:pPr>
+            <a:fld id="{C32BB8F8-AAB5-9F4F-8025-B87FB79EEA69}" type="slidenum">
+              <a:rPr lang="el-GR" smtClean="0"/>
+              <a:pPr>
+                <a:defRPr/>
+              </a:pPr>
+              <a:t>67</a:t>
+            </a:fld>
+            <a:endParaRPr lang="el-GR" dirty="0"/>
           </a:p>
         </p:txBody>
       </p:sp>
     </p:spTree>
+    <p:extLst>
+      <p:ext uri="{BB962C8B-B14F-4D97-AF65-F5344CB8AC3E}">
+        <p14:creationId xmlns:p14="http://schemas.microsoft.com/office/powerpoint/2010/main" val="589060520"/>
+      </p:ext>
+    </p:extLst>
   </p:cSld>
   <p:clrMapOvr>
     <a:masterClrMapping/>
@@ -13879,7 +13724,7 @@
       </p:grpSpPr>
       <p:sp>
         <p:nvSpPr>
-          <p:cNvPr id="136193" name="Rectangle 7"/>
+          <p:cNvPr id="134145" name="Rectangle 7"/>
           <p:cNvSpPr>
             <a:spLocks noGrp="1" noChangeArrowheads="1"/>
           </p:cNvSpPr>
@@ -13892,14 +13737,14 @@
           <a:ln/>
           <a:extLst>
             <a:ext uri="{909E8E84-426E-40dd-AFC4-6F175D3DCCD1}">
-              <a14:hiddenFill xmlns="" xmlns:a14="http://schemas.microsoft.com/office/drawing/2010/main">
+              <a14:hiddenFill xmlns:a14="http://schemas.microsoft.com/office/drawing/2010/main" xmlns="">
                 <a:solidFill>
                   <a:srgbClr val="FFFFFF"/>
                 </a:solidFill>
               </a14:hiddenFill>
             </a:ext>
             <a:ext uri="{91240B29-F687-4f45-9708-019B960494DF}">
-              <a14:hiddenLine xmlns="" xmlns:a14="http://schemas.microsoft.com/office/drawing/2010/main" w="9525">
+              <a14:hiddenLine xmlns:a14="http://schemas.microsoft.com/office/drawing/2010/main" xmlns="" w="9525">
                 <a:solidFill>
                   <a:srgbClr val="000000"/>
                 </a:solidFill>
@@ -14022,12 +13867,12 @@
           </a:lstStyle>
           <a:p>
             <a:pPr eaLnBrk="1" hangingPunct="1"/>
-            <a:fld id="{D61EF30E-4D1F-5C43-8A59-08D30FEBFA8D}" type="slidenum">
+            <a:fld id="{9A54A4E5-5421-7C45-A60B-751B0028D6D4}" type="slidenum">
               <a:rPr lang="el-GR" sz="1400">
                 <a:latin typeface="Calibri"/>
               </a:rPr>
               <a:pPr eaLnBrk="1" hangingPunct="1"/>
-              <a:t>69</a:t>
+              <a:t>68</a:t>
             </a:fld>
             <a:endParaRPr lang="el-GR" sz="1400" dirty="0">
               <a:latin typeface="Calibri"/>
@@ -14037,7 +13882,7 @@
       </p:sp>
       <p:sp>
         <p:nvSpPr>
-          <p:cNvPr id="136194" name="Rectangle 2"/>
+          <p:cNvPr id="134146" name="Rectangle 2"/>
           <p:cNvSpPr>
             <a:spLocks noGrp="1" noRot="1" noChangeAspect="1" noChangeArrowheads="1" noTextEdit="1"/>
           </p:cNvSpPr>
@@ -14051,7 +13896,7 @@
       </p:sp>
       <p:sp>
         <p:nvSpPr>
-          <p:cNvPr id="136195" name="Rectangle 3"/>
+          <p:cNvPr id="134147" name="Rectangle 3"/>
           <p:cNvSpPr>
             <a:spLocks noGrp="1" noChangeArrowheads="1"/>
           </p:cNvSpPr>
@@ -14064,17 +13909,17 @@
           <a:ln/>
           <a:extLst>
             <a:ext uri="{FAA26D3D-D897-4be2-8F04-BA451C77F1D7}">
-              <ma14:placeholderFlag xmlns="" xmlns:ma14="http://schemas.microsoft.com/office/mac/drawingml/2011/main" val="1"/>
+              <ma14:placeholderFlag xmlns:ma14="http://schemas.microsoft.com/office/mac/drawingml/2011/main" xmlns="" val="1"/>
             </a:ext>
             <a:ext uri="{909E8E84-426E-40dd-AFC4-6F175D3DCCD1}">
-              <a14:hiddenFill xmlns="" xmlns:a14="http://schemas.microsoft.com/office/drawing/2010/main">
+              <a14:hiddenFill xmlns:a14="http://schemas.microsoft.com/office/drawing/2010/main" xmlns="">
                 <a:solidFill>
                   <a:srgbClr val="FFFFFF"/>
                 </a:solidFill>
               </a14:hiddenFill>
             </a:ext>
             <a:ext uri="{91240B29-F687-4f45-9708-019B960494DF}">
-              <a14:hiddenLine xmlns="" xmlns:a14="http://schemas.microsoft.com/office/drawing/2010/main" w="9525">
+              <a14:hiddenLine xmlns:a14="http://schemas.microsoft.com/office/drawing/2010/main" xmlns="" w="9525">
                 <a:solidFill>
                   <a:srgbClr val="000000"/>
                 </a:solidFill>
@@ -14124,7 +13969,7 @@
       </p:grpSpPr>
       <p:sp>
         <p:nvSpPr>
-          <p:cNvPr id="138241" name="Rectangle 7"/>
+          <p:cNvPr id="136193" name="Rectangle 7"/>
           <p:cNvSpPr>
             <a:spLocks noGrp="1" noChangeArrowheads="1"/>
           </p:cNvSpPr>
@@ -14137,14 +13982,14 @@
           <a:ln/>
           <a:extLst>
             <a:ext uri="{909E8E84-426E-40dd-AFC4-6F175D3DCCD1}">
-              <a14:hiddenFill xmlns="" xmlns:a14="http://schemas.microsoft.com/office/drawing/2010/main">
+              <a14:hiddenFill xmlns:a14="http://schemas.microsoft.com/office/drawing/2010/main" xmlns="">
                 <a:solidFill>
                   <a:srgbClr val="FFFFFF"/>
                 </a:solidFill>
               </a14:hiddenFill>
             </a:ext>
             <a:ext uri="{91240B29-F687-4f45-9708-019B960494DF}">
-              <a14:hiddenLine xmlns="" xmlns:a14="http://schemas.microsoft.com/office/drawing/2010/main" w="9525">
+              <a14:hiddenLine xmlns:a14="http://schemas.microsoft.com/office/drawing/2010/main" xmlns="" w="9525">
                 <a:solidFill>
                   <a:srgbClr val="000000"/>
                 </a:solidFill>
@@ -14267,12 +14112,12 @@
           </a:lstStyle>
           <a:p>
             <a:pPr eaLnBrk="1" hangingPunct="1"/>
-            <a:fld id="{B0AFED75-418F-7646-9060-BCEF9845965B}" type="slidenum">
+            <a:fld id="{D61EF30E-4D1F-5C43-8A59-08D30FEBFA8D}" type="slidenum">
               <a:rPr lang="el-GR" sz="1400">
                 <a:latin typeface="Calibri"/>
               </a:rPr>
               <a:pPr eaLnBrk="1" hangingPunct="1"/>
-              <a:t>70</a:t>
+              <a:t>69</a:t>
             </a:fld>
             <a:endParaRPr lang="el-GR" sz="1400" dirty="0">
               <a:latin typeface="Calibri"/>
@@ -14282,7 +14127,7 @@
       </p:sp>
       <p:sp>
         <p:nvSpPr>
-          <p:cNvPr id="138242" name="Rectangle 2"/>
+          <p:cNvPr id="136194" name="Rectangle 2"/>
           <p:cNvSpPr>
             <a:spLocks noGrp="1" noRot="1" noChangeAspect="1" noChangeArrowheads="1" noTextEdit="1"/>
           </p:cNvSpPr>
@@ -14296,7 +14141,7 @@
       </p:sp>
       <p:sp>
         <p:nvSpPr>
-          <p:cNvPr id="138243" name="Rectangle 3"/>
+          <p:cNvPr id="136195" name="Rectangle 3"/>
           <p:cNvSpPr>
             <a:spLocks noGrp="1" noChangeArrowheads="1"/>
           </p:cNvSpPr>
@@ -14309,17 +14154,17 @@
           <a:ln/>
           <a:extLst>
             <a:ext uri="{FAA26D3D-D897-4be2-8F04-BA451C77F1D7}">
-              <ma14:placeholderFlag xmlns="" xmlns:ma14="http://schemas.microsoft.com/office/mac/drawingml/2011/main" val="1"/>
+              <ma14:placeholderFlag xmlns:ma14="http://schemas.microsoft.com/office/mac/drawingml/2011/main" xmlns="" val="1"/>
             </a:ext>
             <a:ext uri="{909E8E84-426E-40dd-AFC4-6F175D3DCCD1}">
-              <a14:hiddenFill xmlns="" xmlns:a14="http://schemas.microsoft.com/office/drawing/2010/main">
+              <a14:hiddenFill xmlns:a14="http://schemas.microsoft.com/office/drawing/2010/main" xmlns="">
                 <a:solidFill>
                   <a:srgbClr val="FFFFFF"/>
                 </a:solidFill>
               </a14:hiddenFill>
             </a:ext>
             <a:ext uri="{91240B29-F687-4f45-9708-019B960494DF}">
-              <a14:hiddenLine xmlns="" xmlns:a14="http://schemas.microsoft.com/office/drawing/2010/main" w="9525">
+              <a14:hiddenLine xmlns:a14="http://schemas.microsoft.com/office/drawing/2010/main" xmlns="" w="9525">
                 <a:solidFill>
                   <a:srgbClr val="000000"/>
                 </a:solidFill>
@@ -14369,7 +14214,7 @@
       </p:grpSpPr>
       <p:sp>
         <p:nvSpPr>
-          <p:cNvPr id="140289" name="Rectangle 7"/>
+          <p:cNvPr id="138241" name="Rectangle 7"/>
           <p:cNvSpPr>
             <a:spLocks noGrp="1" noChangeArrowheads="1"/>
           </p:cNvSpPr>
@@ -14382,14 +14227,14 @@
           <a:ln/>
           <a:extLst>
             <a:ext uri="{909E8E84-426E-40dd-AFC4-6F175D3DCCD1}">
-              <a14:hiddenFill xmlns="" xmlns:a14="http://schemas.microsoft.com/office/drawing/2010/main">
+              <a14:hiddenFill xmlns:a14="http://schemas.microsoft.com/office/drawing/2010/main" xmlns="">
                 <a:solidFill>
                   <a:srgbClr val="FFFFFF"/>
                 </a:solidFill>
               </a14:hiddenFill>
             </a:ext>
             <a:ext uri="{91240B29-F687-4f45-9708-019B960494DF}">
-              <a14:hiddenLine xmlns="" xmlns:a14="http://schemas.microsoft.com/office/drawing/2010/main" w="9525">
+              <a14:hiddenLine xmlns:a14="http://schemas.microsoft.com/office/drawing/2010/main" xmlns="" w="9525">
                 <a:solidFill>
                   <a:srgbClr val="000000"/>
                 </a:solidFill>
@@ -14512,12 +14357,12 @@
           </a:lstStyle>
           <a:p>
             <a:pPr eaLnBrk="1" hangingPunct="1"/>
-            <a:fld id="{9D89041D-640D-9D45-8474-5850EC8CD8FD}" type="slidenum">
+            <a:fld id="{B0AFED75-418F-7646-9060-BCEF9845965B}" type="slidenum">
               <a:rPr lang="el-GR" sz="1400">
                 <a:latin typeface="Calibri"/>
               </a:rPr>
               <a:pPr eaLnBrk="1" hangingPunct="1"/>
-              <a:t>71</a:t>
+              <a:t>70</a:t>
             </a:fld>
             <a:endParaRPr lang="el-GR" sz="1400" dirty="0">
               <a:latin typeface="Calibri"/>
@@ -14527,7 +14372,7 @@
       </p:sp>
       <p:sp>
         <p:nvSpPr>
-          <p:cNvPr id="140290" name="Rectangle 2"/>
+          <p:cNvPr id="138242" name="Rectangle 2"/>
           <p:cNvSpPr>
             <a:spLocks noGrp="1" noRot="1" noChangeAspect="1" noChangeArrowheads="1" noTextEdit="1"/>
           </p:cNvSpPr>
@@ -14541,7 +14386,7 @@
       </p:sp>
       <p:sp>
         <p:nvSpPr>
-          <p:cNvPr id="140291" name="Rectangle 3"/>
+          <p:cNvPr id="138243" name="Rectangle 3"/>
           <p:cNvSpPr>
             <a:spLocks noGrp="1" noChangeArrowheads="1"/>
           </p:cNvSpPr>
@@ -14554,17 +14399,17 @@
           <a:ln/>
           <a:extLst>
             <a:ext uri="{FAA26D3D-D897-4be2-8F04-BA451C77F1D7}">
-              <ma14:placeholderFlag xmlns="" xmlns:ma14="http://schemas.microsoft.com/office/mac/drawingml/2011/main" val="1"/>
+              <ma14:placeholderFlag xmlns:ma14="http://schemas.microsoft.com/office/mac/drawingml/2011/main" xmlns="" val="1"/>
             </a:ext>
             <a:ext uri="{909E8E84-426E-40dd-AFC4-6F175D3DCCD1}">
-              <a14:hiddenFill xmlns="" xmlns:a14="http://schemas.microsoft.com/office/drawing/2010/main">
+              <a14:hiddenFill xmlns:a14="http://schemas.microsoft.com/office/drawing/2010/main" xmlns="">
                 <a:solidFill>
                   <a:srgbClr val="FFFFFF"/>
                 </a:solidFill>
               </a14:hiddenFill>
             </a:ext>
             <a:ext uri="{91240B29-F687-4f45-9708-019B960494DF}">
-              <a14:hiddenLine xmlns="" xmlns:a14="http://schemas.microsoft.com/office/drawing/2010/main" w="9525">
+              <a14:hiddenLine xmlns:a14="http://schemas.microsoft.com/office/drawing/2010/main" xmlns="" w="9525">
                 <a:solidFill>
                   <a:srgbClr val="000000"/>
                 </a:solidFill>
@@ -14614,7 +14459,7 @@
       </p:grpSpPr>
       <p:sp>
         <p:nvSpPr>
-          <p:cNvPr id="142337" name="Rectangle 7"/>
+          <p:cNvPr id="140289" name="Rectangle 7"/>
           <p:cNvSpPr>
             <a:spLocks noGrp="1" noChangeArrowheads="1"/>
           </p:cNvSpPr>
@@ -14627,14 +14472,14 @@
           <a:ln/>
           <a:extLst>
             <a:ext uri="{909E8E84-426E-40dd-AFC4-6F175D3DCCD1}">
-              <a14:hiddenFill xmlns="" xmlns:a14="http://schemas.microsoft.com/office/drawing/2010/main">
+              <a14:hiddenFill xmlns:a14="http://schemas.microsoft.com/office/drawing/2010/main" xmlns="">
                 <a:solidFill>
                   <a:srgbClr val="FFFFFF"/>
                 </a:solidFill>
               </a14:hiddenFill>
             </a:ext>
             <a:ext uri="{91240B29-F687-4f45-9708-019B960494DF}">
-              <a14:hiddenLine xmlns="" xmlns:a14="http://schemas.microsoft.com/office/drawing/2010/main" w="9525">
+              <a14:hiddenLine xmlns:a14="http://schemas.microsoft.com/office/drawing/2010/main" xmlns="" w="9525">
                 <a:solidFill>
                   <a:srgbClr val="000000"/>
                 </a:solidFill>
@@ -14757,12 +14602,12 @@
           </a:lstStyle>
           <a:p>
             <a:pPr eaLnBrk="1" hangingPunct="1"/>
-            <a:fld id="{4471A42A-1A11-0A4C-83AF-5FD8FE59F4FD}" type="slidenum">
+            <a:fld id="{9D89041D-640D-9D45-8474-5850EC8CD8FD}" type="slidenum">
               <a:rPr lang="el-GR" sz="1400">
                 <a:latin typeface="Calibri"/>
               </a:rPr>
               <a:pPr eaLnBrk="1" hangingPunct="1"/>
-              <a:t>72</a:t>
+              <a:t>71</a:t>
             </a:fld>
             <a:endParaRPr lang="el-GR" sz="1400" dirty="0">
               <a:latin typeface="Calibri"/>
@@ -14772,7 +14617,7 @@
       </p:sp>
       <p:sp>
         <p:nvSpPr>
-          <p:cNvPr id="142338" name="Rectangle 2"/>
+          <p:cNvPr id="140290" name="Rectangle 2"/>
           <p:cNvSpPr>
             <a:spLocks noGrp="1" noRot="1" noChangeAspect="1" noChangeArrowheads="1" noTextEdit="1"/>
           </p:cNvSpPr>
@@ -14786,7 +14631,7 @@
       </p:sp>
       <p:sp>
         <p:nvSpPr>
-          <p:cNvPr id="142339" name="Rectangle 3"/>
+          <p:cNvPr id="140291" name="Rectangle 3"/>
           <p:cNvSpPr>
             <a:spLocks noGrp="1" noChangeArrowheads="1"/>
           </p:cNvSpPr>
@@ -14799,17 +14644,17 @@
           <a:ln/>
           <a:extLst>
             <a:ext uri="{FAA26D3D-D897-4be2-8F04-BA451C77F1D7}">
-              <ma14:placeholderFlag xmlns="" xmlns:ma14="http://schemas.microsoft.com/office/mac/drawingml/2011/main" val="1"/>
+              <ma14:placeholderFlag xmlns:ma14="http://schemas.microsoft.com/office/mac/drawingml/2011/main" xmlns="" val="1"/>
             </a:ext>
             <a:ext uri="{909E8E84-426E-40dd-AFC4-6F175D3DCCD1}">
-              <a14:hiddenFill xmlns="" xmlns:a14="http://schemas.microsoft.com/office/drawing/2010/main">
+              <a14:hiddenFill xmlns:a14="http://schemas.microsoft.com/office/drawing/2010/main" xmlns="">
                 <a:solidFill>
                   <a:srgbClr val="FFFFFF"/>
                 </a:solidFill>
               </a14:hiddenFill>
             </a:ext>
             <a:ext uri="{91240B29-F687-4f45-9708-019B960494DF}">
-              <a14:hiddenLine xmlns="" xmlns:a14="http://schemas.microsoft.com/office/drawing/2010/main" w="9525">
+              <a14:hiddenLine xmlns:a14="http://schemas.microsoft.com/office/drawing/2010/main" xmlns="" w="9525">
                 <a:solidFill>
                   <a:srgbClr val="000000"/>
                 </a:solidFill>
@@ -14859,7 +14704,7 @@
       </p:grpSpPr>
       <p:sp>
         <p:nvSpPr>
-          <p:cNvPr id="144385" name="Rectangle 7"/>
+          <p:cNvPr id="142337" name="Rectangle 7"/>
           <p:cNvSpPr>
             <a:spLocks noGrp="1" noChangeArrowheads="1"/>
           </p:cNvSpPr>
@@ -14872,14 +14717,14 @@
           <a:ln/>
           <a:extLst>
             <a:ext uri="{909E8E84-426E-40dd-AFC4-6F175D3DCCD1}">
-              <a14:hiddenFill xmlns="" xmlns:a14="http://schemas.microsoft.com/office/drawing/2010/main">
+              <a14:hiddenFill xmlns:a14="http://schemas.microsoft.com/office/drawing/2010/main" xmlns="">
                 <a:solidFill>
                   <a:srgbClr val="FFFFFF"/>
                 </a:solidFill>
               </a14:hiddenFill>
             </a:ext>
             <a:ext uri="{91240B29-F687-4f45-9708-019B960494DF}">
-              <a14:hiddenLine xmlns="" xmlns:a14="http://schemas.microsoft.com/office/drawing/2010/main" w="9525">
+              <a14:hiddenLine xmlns:a14="http://schemas.microsoft.com/office/drawing/2010/main" xmlns="" w="9525">
                 <a:solidFill>
                   <a:srgbClr val="000000"/>
                 </a:solidFill>
@@ -15002,12 +14847,12 @@
           </a:lstStyle>
           <a:p>
             <a:pPr eaLnBrk="1" hangingPunct="1"/>
-            <a:fld id="{08C97A8D-4CBF-6F4C-8CB0-E7F0A59F7F63}" type="slidenum">
+            <a:fld id="{4471A42A-1A11-0A4C-83AF-5FD8FE59F4FD}" type="slidenum">
               <a:rPr lang="el-GR" sz="1400">
                 <a:latin typeface="Calibri"/>
               </a:rPr>
               <a:pPr eaLnBrk="1" hangingPunct="1"/>
-              <a:t>73</a:t>
+              <a:t>72</a:t>
             </a:fld>
             <a:endParaRPr lang="el-GR" sz="1400" dirty="0">
               <a:latin typeface="Calibri"/>
@@ -15017,7 +14862,7 @@
       </p:sp>
       <p:sp>
         <p:nvSpPr>
-          <p:cNvPr id="144386" name="Rectangle 2"/>
+          <p:cNvPr id="142338" name="Rectangle 2"/>
           <p:cNvSpPr>
             <a:spLocks noGrp="1" noRot="1" noChangeAspect="1" noChangeArrowheads="1" noTextEdit="1"/>
           </p:cNvSpPr>
@@ -15031,7 +14876,7 @@
       </p:sp>
       <p:sp>
         <p:nvSpPr>
-          <p:cNvPr id="144387" name="Rectangle 3"/>
+          <p:cNvPr id="142339" name="Rectangle 3"/>
           <p:cNvSpPr>
             <a:spLocks noGrp="1" noChangeArrowheads="1"/>
           </p:cNvSpPr>
@@ -15044,17 +14889,17 @@
           <a:ln/>
           <a:extLst>
             <a:ext uri="{FAA26D3D-D897-4be2-8F04-BA451C77F1D7}">
-              <ma14:placeholderFlag xmlns="" xmlns:ma14="http://schemas.microsoft.com/office/mac/drawingml/2011/main" val="1"/>
+              <ma14:placeholderFlag xmlns:ma14="http://schemas.microsoft.com/office/mac/drawingml/2011/main" xmlns="" val="1"/>
             </a:ext>
             <a:ext uri="{909E8E84-426E-40dd-AFC4-6F175D3DCCD1}">
-              <a14:hiddenFill xmlns="" xmlns:a14="http://schemas.microsoft.com/office/drawing/2010/main">
+              <a14:hiddenFill xmlns:a14="http://schemas.microsoft.com/office/drawing/2010/main" xmlns="">
                 <a:solidFill>
                   <a:srgbClr val="FFFFFF"/>
                 </a:solidFill>
               </a14:hiddenFill>
             </a:ext>
             <a:ext uri="{91240B29-F687-4f45-9708-019B960494DF}">
-              <a14:hiddenLine xmlns="" xmlns:a14="http://schemas.microsoft.com/office/drawing/2010/main" w="9525">
+              <a14:hiddenLine xmlns:a14="http://schemas.microsoft.com/office/drawing/2010/main" xmlns="" w="9525">
                 <a:solidFill>
                   <a:srgbClr val="000000"/>
                 </a:solidFill>
@@ -15104,7 +14949,7 @@
       </p:grpSpPr>
       <p:sp>
         <p:nvSpPr>
-          <p:cNvPr id="146433" name="Rectangle 7"/>
+          <p:cNvPr id="144385" name="Rectangle 7"/>
           <p:cNvSpPr>
             <a:spLocks noGrp="1" noChangeArrowheads="1"/>
           </p:cNvSpPr>
@@ -15117,14 +14962,14 @@
           <a:ln/>
           <a:extLst>
             <a:ext uri="{909E8E84-426E-40dd-AFC4-6F175D3DCCD1}">
-              <a14:hiddenFill xmlns="" xmlns:a14="http://schemas.microsoft.com/office/drawing/2010/main">
+              <a14:hiddenFill xmlns:a14="http://schemas.microsoft.com/office/drawing/2010/main" xmlns="">
                 <a:solidFill>
                   <a:srgbClr val="FFFFFF"/>
                 </a:solidFill>
               </a14:hiddenFill>
             </a:ext>
             <a:ext uri="{91240B29-F687-4f45-9708-019B960494DF}">
-              <a14:hiddenLine xmlns="" xmlns:a14="http://schemas.microsoft.com/office/drawing/2010/main" w="9525">
+              <a14:hiddenLine xmlns:a14="http://schemas.microsoft.com/office/drawing/2010/main" xmlns="" w="9525">
                 <a:solidFill>
                   <a:srgbClr val="000000"/>
                 </a:solidFill>
@@ -15247,12 +15092,12 @@
           </a:lstStyle>
           <a:p>
             <a:pPr eaLnBrk="1" hangingPunct="1"/>
-            <a:fld id="{4DF9942F-6E59-E24D-A5A8-3DD6184C330A}" type="slidenum">
+            <a:fld id="{08C97A8D-4CBF-6F4C-8CB0-E7F0A59F7F63}" type="slidenum">
               <a:rPr lang="el-GR" sz="1400">
                 <a:latin typeface="Calibri"/>
               </a:rPr>
               <a:pPr eaLnBrk="1" hangingPunct="1"/>
-              <a:t>74</a:t>
+              <a:t>73</a:t>
             </a:fld>
             <a:endParaRPr lang="el-GR" sz="1400" dirty="0">
               <a:latin typeface="Calibri"/>
@@ -15262,7 +15107,7 @@
       </p:sp>
       <p:sp>
         <p:nvSpPr>
-          <p:cNvPr id="146434" name="Rectangle 2"/>
+          <p:cNvPr id="144386" name="Rectangle 2"/>
           <p:cNvSpPr>
             <a:spLocks noGrp="1" noRot="1" noChangeAspect="1" noChangeArrowheads="1" noTextEdit="1"/>
           </p:cNvSpPr>
@@ -15276,7 +15121,7 @@
       </p:sp>
       <p:sp>
         <p:nvSpPr>
-          <p:cNvPr id="146435" name="Rectangle 3"/>
+          <p:cNvPr id="144387" name="Rectangle 3"/>
           <p:cNvSpPr>
             <a:spLocks noGrp="1" noChangeArrowheads="1"/>
           </p:cNvSpPr>
@@ -15289,17 +15134,17 @@
           <a:ln/>
           <a:extLst>
             <a:ext uri="{FAA26D3D-D897-4be2-8F04-BA451C77F1D7}">
-              <ma14:placeholderFlag xmlns="" xmlns:ma14="http://schemas.microsoft.com/office/mac/drawingml/2011/main" val="1"/>
+              <ma14:placeholderFlag xmlns:ma14="http://schemas.microsoft.com/office/mac/drawingml/2011/main" xmlns="" val="1"/>
             </a:ext>
             <a:ext uri="{909E8E84-426E-40dd-AFC4-6F175D3DCCD1}">
-              <a14:hiddenFill xmlns="" xmlns:a14="http://schemas.microsoft.com/office/drawing/2010/main">
+              <a14:hiddenFill xmlns:a14="http://schemas.microsoft.com/office/drawing/2010/main" xmlns="">
                 <a:solidFill>
                   <a:srgbClr val="FFFFFF"/>
                 </a:solidFill>
               </a14:hiddenFill>
             </a:ext>
             <a:ext uri="{91240B29-F687-4f45-9708-019B960494DF}">
-              <a14:hiddenLine xmlns="" xmlns:a14="http://schemas.microsoft.com/office/drawing/2010/main" w="9525">
+              <a14:hiddenLine xmlns:a14="http://schemas.microsoft.com/office/drawing/2010/main" xmlns="" w="9525">
                 <a:solidFill>
                   <a:srgbClr val="000000"/>
                 </a:solidFill>
@@ -15349,7 +15194,7 @@
       </p:grpSpPr>
       <p:sp>
         <p:nvSpPr>
-          <p:cNvPr id="148481" name="Rectangle 7"/>
+          <p:cNvPr id="146433" name="Rectangle 7"/>
           <p:cNvSpPr>
             <a:spLocks noGrp="1" noChangeArrowheads="1"/>
           </p:cNvSpPr>
@@ -15362,14 +15207,14 @@
           <a:ln/>
           <a:extLst>
             <a:ext uri="{909E8E84-426E-40dd-AFC4-6F175D3DCCD1}">
-              <a14:hiddenFill xmlns="" xmlns:a14="http://schemas.microsoft.com/office/drawing/2010/main">
+              <a14:hiddenFill xmlns:a14="http://schemas.microsoft.com/office/drawing/2010/main" xmlns="">
                 <a:solidFill>
                   <a:srgbClr val="FFFFFF"/>
                 </a:solidFill>
               </a14:hiddenFill>
             </a:ext>
             <a:ext uri="{91240B29-F687-4f45-9708-019B960494DF}">
-              <a14:hiddenLine xmlns="" xmlns:a14="http://schemas.microsoft.com/office/drawing/2010/main" w="9525">
+              <a14:hiddenLine xmlns:a14="http://schemas.microsoft.com/office/drawing/2010/main" xmlns="" w="9525">
                 <a:solidFill>
                   <a:srgbClr val="000000"/>
                 </a:solidFill>
@@ -15492,12 +15337,12 @@
           </a:lstStyle>
           <a:p>
             <a:pPr eaLnBrk="1" hangingPunct="1"/>
-            <a:fld id="{E17306D9-C06C-4942-905F-B89B27EDAEE0}" type="slidenum">
+            <a:fld id="{4DF9942F-6E59-E24D-A5A8-3DD6184C330A}" type="slidenum">
               <a:rPr lang="el-GR" sz="1400">
                 <a:latin typeface="Calibri"/>
               </a:rPr>
               <a:pPr eaLnBrk="1" hangingPunct="1"/>
-              <a:t>75</a:t>
+              <a:t>74</a:t>
             </a:fld>
             <a:endParaRPr lang="el-GR" sz="1400" dirty="0">
               <a:latin typeface="Calibri"/>
@@ -15507,7 +15352,7 @@
       </p:sp>
       <p:sp>
         <p:nvSpPr>
-          <p:cNvPr id="148482" name="Rectangle 2"/>
+          <p:cNvPr id="146434" name="Rectangle 2"/>
           <p:cNvSpPr>
             <a:spLocks noGrp="1" noRot="1" noChangeAspect="1" noChangeArrowheads="1" noTextEdit="1"/>
           </p:cNvSpPr>
@@ -15521,7 +15366,7 @@
       </p:sp>
       <p:sp>
         <p:nvSpPr>
-          <p:cNvPr id="148483" name="Rectangle 3"/>
+          <p:cNvPr id="146435" name="Rectangle 3"/>
           <p:cNvSpPr>
             <a:spLocks noGrp="1" noChangeArrowheads="1"/>
           </p:cNvSpPr>
@@ -15534,17 +15379,17 @@
           <a:ln/>
           <a:extLst>
             <a:ext uri="{FAA26D3D-D897-4be2-8F04-BA451C77F1D7}">
-              <ma14:placeholderFlag xmlns="" xmlns:ma14="http://schemas.microsoft.com/office/mac/drawingml/2011/main" val="1"/>
+              <ma14:placeholderFlag xmlns:ma14="http://schemas.microsoft.com/office/mac/drawingml/2011/main" xmlns="" val="1"/>
             </a:ext>
             <a:ext uri="{909E8E84-426E-40dd-AFC4-6F175D3DCCD1}">
-              <a14:hiddenFill xmlns="" xmlns:a14="http://schemas.microsoft.com/office/drawing/2010/main">
+              <a14:hiddenFill xmlns:a14="http://schemas.microsoft.com/office/drawing/2010/main" xmlns="">
                 <a:solidFill>
                   <a:srgbClr val="FFFFFF"/>
                 </a:solidFill>
               </a14:hiddenFill>
             </a:ext>
             <a:ext uri="{91240B29-F687-4f45-9708-019B960494DF}">
-              <a14:hiddenLine xmlns="" xmlns:a14="http://schemas.microsoft.com/office/drawing/2010/main" w="9525">
+              <a14:hiddenLine xmlns:a14="http://schemas.microsoft.com/office/drawing/2010/main" xmlns="" w="9525">
                 <a:solidFill>
                   <a:srgbClr val="000000"/>
                 </a:solidFill>
@@ -15607,14 +15452,14 @@
           <a:ln/>
           <a:extLst>
             <a:ext uri="{909E8E84-426E-40dd-AFC4-6F175D3DCCD1}">
-              <a14:hiddenFill xmlns="" xmlns:a14="http://schemas.microsoft.com/office/drawing/2010/main">
+              <a14:hiddenFill xmlns:a14="http://schemas.microsoft.com/office/drawing/2010/main" xmlns="">
                 <a:solidFill>
                   <a:srgbClr val="FFFFFF"/>
                 </a:solidFill>
               </a14:hiddenFill>
             </a:ext>
             <a:ext uri="{91240B29-F687-4f45-9708-019B960494DF}">
-              <a14:hiddenLine xmlns="" xmlns:a14="http://schemas.microsoft.com/office/drawing/2010/main" w="9525">
+              <a14:hiddenLine xmlns:a14="http://schemas.microsoft.com/office/drawing/2010/main" xmlns="" w="9525">
                 <a:solidFill>
                   <a:srgbClr val="000000"/>
                 </a:solidFill>
@@ -15779,17 +15624,17 @@
           <a:ln/>
           <a:extLst>
             <a:ext uri="{FAA26D3D-D897-4be2-8F04-BA451C77F1D7}">
-              <ma14:placeholderFlag xmlns="" xmlns:ma14="http://schemas.microsoft.com/office/mac/drawingml/2011/main" val="1"/>
+              <ma14:placeholderFlag xmlns:ma14="http://schemas.microsoft.com/office/mac/drawingml/2011/main" xmlns="" val="1"/>
             </a:ext>
             <a:ext uri="{909E8E84-426E-40dd-AFC4-6F175D3DCCD1}">
-              <a14:hiddenFill xmlns="" xmlns:a14="http://schemas.microsoft.com/office/drawing/2010/main">
+              <a14:hiddenFill xmlns:a14="http://schemas.microsoft.com/office/drawing/2010/main" xmlns="">
                 <a:solidFill>
                   <a:srgbClr val="FFFFFF"/>
                 </a:solidFill>
               </a14:hiddenFill>
             </a:ext>
             <a:ext uri="{91240B29-F687-4f45-9708-019B960494DF}">
-              <a14:hiddenLine xmlns="" xmlns:a14="http://schemas.microsoft.com/office/drawing/2010/main" w="9525">
+              <a14:hiddenLine xmlns:a14="http://schemas.microsoft.com/office/drawing/2010/main" xmlns="" w="9525">
                 <a:solidFill>
                   <a:srgbClr val="000000"/>
                 </a:solidFill>
@@ -15839,7 +15684,7 @@
       </p:grpSpPr>
       <p:sp>
         <p:nvSpPr>
-          <p:cNvPr id="150529" name="Rectangle 7"/>
+          <p:cNvPr id="148481" name="Rectangle 7"/>
           <p:cNvSpPr>
             <a:spLocks noGrp="1" noChangeArrowheads="1"/>
           </p:cNvSpPr>
@@ -15852,14 +15697,14 @@
           <a:ln/>
           <a:extLst>
             <a:ext uri="{909E8E84-426E-40dd-AFC4-6F175D3DCCD1}">
-              <a14:hiddenFill xmlns="" xmlns:a14="http://schemas.microsoft.com/office/drawing/2010/main">
+              <a14:hiddenFill xmlns:a14="http://schemas.microsoft.com/office/drawing/2010/main" xmlns="">
                 <a:solidFill>
                   <a:srgbClr val="FFFFFF"/>
                 </a:solidFill>
               </a14:hiddenFill>
             </a:ext>
             <a:ext uri="{91240B29-F687-4f45-9708-019B960494DF}">
-              <a14:hiddenLine xmlns="" xmlns:a14="http://schemas.microsoft.com/office/drawing/2010/main" w="9525">
+              <a14:hiddenLine xmlns:a14="http://schemas.microsoft.com/office/drawing/2010/main" xmlns="" w="9525">
                 <a:solidFill>
                   <a:srgbClr val="000000"/>
                 </a:solidFill>
@@ -15982,12 +15827,12 @@
           </a:lstStyle>
           <a:p>
             <a:pPr eaLnBrk="1" hangingPunct="1"/>
-            <a:fld id="{98ED5574-A85F-D246-93B1-1BEACFE51A26}" type="slidenum">
+            <a:fld id="{E17306D9-C06C-4942-905F-B89B27EDAEE0}" type="slidenum">
               <a:rPr lang="el-GR" sz="1400">
                 <a:latin typeface="Calibri"/>
               </a:rPr>
               <a:pPr eaLnBrk="1" hangingPunct="1"/>
-              <a:t>76</a:t>
+              <a:t>75</a:t>
             </a:fld>
             <a:endParaRPr lang="el-GR" sz="1400" dirty="0">
               <a:latin typeface="Calibri"/>
@@ -15997,7 +15842,7 @@
       </p:sp>
       <p:sp>
         <p:nvSpPr>
-          <p:cNvPr id="150530" name="Rectangle 2"/>
+          <p:cNvPr id="148482" name="Rectangle 2"/>
           <p:cNvSpPr>
             <a:spLocks noGrp="1" noRot="1" noChangeAspect="1" noChangeArrowheads="1" noTextEdit="1"/>
           </p:cNvSpPr>
@@ -16011,7 +15856,7 @@
       </p:sp>
       <p:sp>
         <p:nvSpPr>
-          <p:cNvPr id="150531" name="Rectangle 3"/>
+          <p:cNvPr id="148483" name="Rectangle 3"/>
           <p:cNvSpPr>
             <a:spLocks noGrp="1" noChangeArrowheads="1"/>
           </p:cNvSpPr>
@@ -16024,17 +15869,17 @@
           <a:ln/>
           <a:extLst>
             <a:ext uri="{FAA26D3D-D897-4be2-8F04-BA451C77F1D7}">
-              <ma14:placeholderFlag xmlns="" xmlns:ma14="http://schemas.microsoft.com/office/mac/drawingml/2011/main" val="1"/>
+              <ma14:placeholderFlag xmlns:ma14="http://schemas.microsoft.com/office/mac/drawingml/2011/main" xmlns="" val="1"/>
             </a:ext>
             <a:ext uri="{909E8E84-426E-40dd-AFC4-6F175D3DCCD1}">
-              <a14:hiddenFill xmlns="" xmlns:a14="http://schemas.microsoft.com/office/drawing/2010/main">
+              <a14:hiddenFill xmlns:a14="http://schemas.microsoft.com/office/drawing/2010/main" xmlns="">
                 <a:solidFill>
                   <a:srgbClr val="FFFFFF"/>
                 </a:solidFill>
               </a14:hiddenFill>
             </a:ext>
             <a:ext uri="{91240B29-F687-4f45-9708-019B960494DF}">
-              <a14:hiddenLine xmlns="" xmlns:a14="http://schemas.microsoft.com/office/drawing/2010/main" w="9525">
+              <a14:hiddenLine xmlns:a14="http://schemas.microsoft.com/office/drawing/2010/main" xmlns="" w="9525">
                 <a:solidFill>
                   <a:srgbClr val="000000"/>
                 </a:solidFill>
@@ -16049,277 +15894,8 @@
           <a:bodyPr/>
           <a:lstStyle/>
           <a:p>
-            <a:pPr marL="342900" indent="-342900" eaLnBrk="1" hangingPunct="1">
-              <a:spcAft>
-                <a:spcPct val="50000"/>
-              </a:spcAft>
-              <a:buFont typeface="Wingdings" charset="0"/>
-              <a:buNone/>
-            </a:pPr>
-            <a:r>
-              <a:rPr lang="en-US" dirty="0">
-                <a:ea typeface="ＭＳ Ｐゴシック" charset="0"/>
-                <a:cs typeface="ＭＳ Ｐゴシック" charset="0"/>
-              </a:rPr>
-              <a:t>&lt;</a:t>
-            </a:r>
-            <a:r>
-              <a:rPr lang="en-US" dirty="0" err="1">
-                <a:ea typeface="ＭＳ Ｐゴシック" charset="0"/>
-                <a:cs typeface="ＭＳ Ｐゴシック" charset="0"/>
-              </a:rPr>
-              <a:t>owl:TransitiveProperty</a:t>
-            </a:r>
-            <a:r>
-              <a:rPr lang="en-US" dirty="0">
-                <a:ea typeface="ＭＳ Ｐゴシック" charset="0"/>
-                <a:cs typeface="ＭＳ Ｐゴシック" charset="0"/>
-              </a:rPr>
-              <a:t> </a:t>
-            </a:r>
-            <a:r>
-              <a:rPr lang="en-US" dirty="0" err="1">
-                <a:ea typeface="ＭＳ Ｐゴシック" charset="0"/>
-                <a:cs typeface="ＭＳ Ｐゴシック" charset="0"/>
-              </a:rPr>
-              <a:t>rdf:ID</a:t>
-            </a:r>
-            <a:r>
-              <a:rPr lang="en-US" dirty="0">
-                <a:ea typeface="ＭＳ Ｐゴシック" charset="0"/>
-                <a:cs typeface="ＭＳ Ｐゴシック" charset="0"/>
-              </a:rPr>
-              <a:t>="is-part-of"/&gt;</a:t>
-            </a:r>
-          </a:p>
-          <a:p>
-            <a:pPr marL="342900" indent="-342900" eaLnBrk="1" hangingPunct="1">
-              <a:buFont typeface="Wingdings" charset="0"/>
-              <a:buNone/>
-            </a:pPr>
-            <a:r>
-              <a:rPr lang="en-US" dirty="0">
-                <a:ea typeface="ＭＳ Ｐゴシック" charset="0"/>
-                <a:cs typeface="ＭＳ Ｐゴシック" charset="0"/>
-              </a:rPr>
-              <a:t>&lt;</a:t>
-            </a:r>
-            <a:r>
-              <a:rPr lang="en-US" dirty="0" err="1">
-                <a:ea typeface="ＭＳ Ｐゴシック" charset="0"/>
-                <a:cs typeface="ＭＳ Ｐゴシック" charset="0"/>
-              </a:rPr>
-              <a:t>owl:ObjectProperty</a:t>
-            </a:r>
-            <a:r>
-              <a:rPr lang="en-US" dirty="0">
-                <a:ea typeface="ＭＳ Ｐゴシック" charset="0"/>
-                <a:cs typeface="ＭＳ Ｐゴシック" charset="0"/>
-              </a:rPr>
-              <a:t> </a:t>
-            </a:r>
-            <a:r>
-              <a:rPr lang="en-US" dirty="0" err="1">
-                <a:ea typeface="ＭＳ Ｐゴシック" charset="0"/>
-                <a:cs typeface="ＭＳ Ｐゴシック" charset="0"/>
-              </a:rPr>
-              <a:t>rdf:ID</a:t>
-            </a:r>
-            <a:r>
-              <a:rPr lang="en-US" dirty="0">
-                <a:ea typeface="ＭＳ Ｐゴシック" charset="0"/>
-                <a:cs typeface="ＭＳ Ｐゴシック" charset="0"/>
-              </a:rPr>
-              <a:t>="eats"&gt;</a:t>
-            </a:r>
-          </a:p>
-          <a:p>
-            <a:pPr marL="342900" indent="-342900" eaLnBrk="1" hangingPunct="1">
-              <a:buFont typeface="Wingdings" charset="0"/>
-              <a:buNone/>
-            </a:pPr>
-            <a:r>
-              <a:rPr lang="en-US" dirty="0">
-                <a:ea typeface="ＭＳ Ｐゴシック" charset="0"/>
-                <a:cs typeface="ＭＳ Ｐゴシック" charset="0"/>
-              </a:rPr>
-              <a:t>	&lt;</a:t>
-            </a:r>
-            <a:r>
-              <a:rPr lang="en-US" dirty="0" err="1">
-                <a:ea typeface="ＭＳ Ｐゴシック" charset="0"/>
-                <a:cs typeface="ＭＳ Ｐゴシック" charset="0"/>
-              </a:rPr>
-              <a:t>rdfs:domain</a:t>
-            </a:r>
-            <a:r>
-              <a:rPr lang="en-US" dirty="0">
-                <a:ea typeface="ＭＳ Ｐゴシック" charset="0"/>
-                <a:cs typeface="ＭＳ Ｐゴシック" charset="0"/>
-              </a:rPr>
-              <a:t> </a:t>
-            </a:r>
-            <a:r>
-              <a:rPr lang="en-US" dirty="0" err="1">
-                <a:ea typeface="ＭＳ Ｐゴシック" charset="0"/>
-                <a:cs typeface="ＭＳ Ｐゴシック" charset="0"/>
-              </a:rPr>
-              <a:t>rdf:resource</a:t>
-            </a:r>
-            <a:r>
-              <a:rPr lang="en-US" dirty="0">
-                <a:ea typeface="ＭＳ Ｐゴシック" charset="0"/>
-                <a:cs typeface="ＭＳ Ｐゴシック" charset="0"/>
-              </a:rPr>
-              <a:t>="#animal"/&gt;</a:t>
-            </a:r>
-          </a:p>
-          <a:p>
-            <a:pPr marL="342900" indent="-342900" eaLnBrk="1" hangingPunct="1">
-              <a:spcAft>
-                <a:spcPct val="50000"/>
-              </a:spcAft>
-              <a:buFont typeface="Wingdings" charset="0"/>
-              <a:buNone/>
-            </a:pPr>
-            <a:r>
-              <a:rPr lang="en-US" dirty="0">
-                <a:ea typeface="ＭＳ Ｐゴシック" charset="0"/>
-                <a:cs typeface="ＭＳ Ｐゴシック" charset="0"/>
-              </a:rPr>
-              <a:t>&lt;/</a:t>
-            </a:r>
-            <a:r>
-              <a:rPr lang="en-US" dirty="0" err="1">
-                <a:ea typeface="ＭＳ Ｐゴシック" charset="0"/>
-                <a:cs typeface="ＭＳ Ｐゴシック" charset="0"/>
-              </a:rPr>
-              <a:t>owl:ObjectProperty</a:t>
-            </a:r>
-            <a:r>
-              <a:rPr lang="en-US" dirty="0">
-                <a:ea typeface="ＭＳ Ｐゴシック" charset="0"/>
-                <a:cs typeface="ＭＳ Ｐゴシック" charset="0"/>
-              </a:rPr>
-              <a:t>&gt;</a:t>
-            </a:r>
-          </a:p>
-          <a:p>
-            <a:pPr marL="342900" indent="-342900" eaLnBrk="1" hangingPunct="1">
-              <a:buFont typeface="Wingdings" charset="0"/>
-              <a:buNone/>
-            </a:pPr>
-            <a:r>
-              <a:rPr lang="en-US" dirty="0">
-                <a:ea typeface="ＭＳ Ｐゴシック" charset="0"/>
-                <a:cs typeface="ＭＳ Ｐゴシック" charset="0"/>
-              </a:rPr>
-              <a:t>&lt;</a:t>
-            </a:r>
-            <a:r>
-              <a:rPr lang="en-US" dirty="0" err="1">
-                <a:ea typeface="ＭＳ Ｐゴシック" charset="0"/>
-                <a:cs typeface="ＭＳ Ｐゴシック" charset="0"/>
-              </a:rPr>
-              <a:t>owl:ObjectProperty</a:t>
-            </a:r>
-            <a:r>
-              <a:rPr lang="en-US" dirty="0">
-                <a:ea typeface="ＭＳ Ｐゴシック" charset="0"/>
-                <a:cs typeface="ＭＳ Ｐゴシック" charset="0"/>
-              </a:rPr>
-              <a:t> </a:t>
-            </a:r>
-            <a:r>
-              <a:rPr lang="en-US" dirty="0" err="1">
-                <a:ea typeface="ＭＳ Ｐゴシック" charset="0"/>
-                <a:cs typeface="ＭＳ Ｐゴシック" charset="0"/>
-              </a:rPr>
-              <a:t>rdf:ID</a:t>
-            </a:r>
-            <a:r>
-              <a:rPr lang="en-US" dirty="0">
-                <a:ea typeface="ＭＳ Ｐゴシック" charset="0"/>
-                <a:cs typeface="ＭＳ Ｐゴシック" charset="0"/>
-              </a:rPr>
-              <a:t>="eaten-by"&gt;</a:t>
-            </a:r>
-          </a:p>
-          <a:p>
-            <a:pPr marL="342900" indent="-342900" eaLnBrk="1" hangingPunct="1">
-              <a:buFont typeface="Wingdings" charset="0"/>
-              <a:buNone/>
-            </a:pPr>
-            <a:r>
-              <a:rPr lang="en-US" dirty="0">
-                <a:ea typeface="ＭＳ Ｐゴシック" charset="0"/>
-                <a:cs typeface="ＭＳ Ｐゴシック" charset="0"/>
-              </a:rPr>
-              <a:t>	&lt;</a:t>
-            </a:r>
-            <a:r>
-              <a:rPr lang="en-US" dirty="0" err="1">
-                <a:ea typeface="ＭＳ Ｐゴシック" charset="0"/>
-                <a:cs typeface="ＭＳ Ｐゴシック" charset="0"/>
-              </a:rPr>
-              <a:t>owl:inverseOf</a:t>
-            </a:r>
-            <a:r>
-              <a:rPr lang="en-US" dirty="0">
-                <a:ea typeface="ＭＳ Ｐゴシック" charset="0"/>
-                <a:cs typeface="ＭＳ Ｐゴシック" charset="0"/>
-              </a:rPr>
-              <a:t> </a:t>
-            </a:r>
-            <a:r>
-              <a:rPr lang="en-US" dirty="0" err="1">
-                <a:ea typeface="ＭＳ Ｐゴシック" charset="0"/>
-                <a:cs typeface="ＭＳ Ｐゴシック" charset="0"/>
-              </a:rPr>
-              <a:t>rdf:resource</a:t>
-            </a:r>
-            <a:r>
-              <a:rPr lang="en-US" dirty="0">
-                <a:ea typeface="ＭＳ Ｐゴシック" charset="0"/>
-                <a:cs typeface="ＭＳ Ｐゴシック" charset="0"/>
-              </a:rPr>
-              <a:t>="#eats"/&gt;</a:t>
-            </a:r>
-          </a:p>
-          <a:p>
-            <a:pPr marL="342900" indent="-342900" eaLnBrk="1" hangingPunct="1">
-              <a:buFont typeface="Wingdings" charset="0"/>
-              <a:buNone/>
-            </a:pPr>
-            <a:r>
-              <a:rPr lang="en-US" dirty="0">
-                <a:ea typeface="ＭＳ Ｐゴシック" charset="0"/>
-                <a:cs typeface="ＭＳ Ｐゴシック" charset="0"/>
-              </a:rPr>
-              <a:t>&lt;/</a:t>
-            </a:r>
-            <a:r>
-              <a:rPr lang="en-US" dirty="0" err="1">
-                <a:ea typeface="ＭＳ Ｐゴシック" charset="0"/>
-                <a:cs typeface="ＭＳ Ｐゴシック" charset="0"/>
-              </a:rPr>
-              <a:t>owl:ObjectProperty</a:t>
-            </a:r>
-            <a:r>
-              <a:rPr lang="en-US" dirty="0">
-                <a:ea typeface="ＭＳ Ｐゴシック" charset="0"/>
-                <a:cs typeface="ＭＳ Ｐゴシック" charset="0"/>
-              </a:rPr>
-              <a:t>&gt;</a:t>
-            </a:r>
-            <a:endParaRPr lang="el-GR" dirty="0">
-              <a:ea typeface="ＭＳ Ｐゴシック" charset="0"/>
-              <a:cs typeface="ＭＳ Ｐゴシック" charset="0"/>
-            </a:endParaRPr>
-          </a:p>
-          <a:p>
             <a:pPr eaLnBrk="1" hangingPunct="1"/>
-            <a:endParaRPr lang="en-US" dirty="0">
+            <a:endParaRPr lang="en-US">
               <a:ea typeface="ＭＳ Ｐゴシック" charset="0"/>
               <a:cs typeface="ＭＳ Ｐゴシック" charset="0"/>
             </a:endParaRPr>
@@ -16353,7 +15929,7 @@
       </p:grpSpPr>
       <p:sp>
         <p:nvSpPr>
-          <p:cNvPr id="154625" name="Rectangle 7"/>
+          <p:cNvPr id="150529" name="Rectangle 7"/>
           <p:cNvSpPr>
             <a:spLocks noGrp="1" noChangeArrowheads="1"/>
           </p:cNvSpPr>
@@ -16366,14 +15942,14 @@
           <a:ln/>
           <a:extLst>
             <a:ext uri="{909E8E84-426E-40dd-AFC4-6F175D3DCCD1}">
-              <a14:hiddenFill xmlns="" xmlns:a14="http://schemas.microsoft.com/office/drawing/2010/main">
+              <a14:hiddenFill xmlns:a14="http://schemas.microsoft.com/office/drawing/2010/main" xmlns="">
                 <a:solidFill>
                   <a:srgbClr val="FFFFFF"/>
                 </a:solidFill>
               </a14:hiddenFill>
             </a:ext>
             <a:ext uri="{91240B29-F687-4f45-9708-019B960494DF}">
-              <a14:hiddenLine xmlns="" xmlns:a14="http://schemas.microsoft.com/office/drawing/2010/main" w="9525">
+              <a14:hiddenLine xmlns:a14="http://schemas.microsoft.com/office/drawing/2010/main" xmlns="" w="9525">
                 <a:solidFill>
                   <a:srgbClr val="000000"/>
                 </a:solidFill>
@@ -16496,12 +16072,12 @@
           </a:lstStyle>
           <a:p>
             <a:pPr eaLnBrk="1" hangingPunct="1"/>
-            <a:fld id="{06335719-7F4C-B64F-BE2F-23F91D63022E}" type="slidenum">
+            <a:fld id="{98ED5574-A85F-D246-93B1-1BEACFE51A26}" type="slidenum">
               <a:rPr lang="el-GR" sz="1400">
                 <a:latin typeface="Calibri"/>
               </a:rPr>
               <a:pPr eaLnBrk="1" hangingPunct="1"/>
-              <a:t>77</a:t>
+              <a:t>76</a:t>
             </a:fld>
             <a:endParaRPr lang="el-GR" sz="1400" dirty="0">
               <a:latin typeface="Calibri"/>
@@ -16511,7 +16087,7 @@
       </p:sp>
       <p:sp>
         <p:nvSpPr>
-          <p:cNvPr id="154626" name="Rectangle 2"/>
+          <p:cNvPr id="150530" name="Rectangle 2"/>
           <p:cNvSpPr>
             <a:spLocks noGrp="1" noRot="1" noChangeAspect="1" noChangeArrowheads="1" noTextEdit="1"/>
           </p:cNvSpPr>
@@ -16525,7 +16101,7 @@
       </p:sp>
       <p:sp>
         <p:nvSpPr>
-          <p:cNvPr id="154627" name="Rectangle 3"/>
+          <p:cNvPr id="150531" name="Rectangle 3"/>
           <p:cNvSpPr>
             <a:spLocks noGrp="1" noChangeArrowheads="1"/>
           </p:cNvSpPr>
@@ -16538,17 +16114,17 @@
           <a:ln/>
           <a:extLst>
             <a:ext uri="{FAA26D3D-D897-4be2-8F04-BA451C77F1D7}">
-              <ma14:placeholderFlag xmlns="" xmlns:ma14="http://schemas.microsoft.com/office/mac/drawingml/2011/main" val="1"/>
+              <ma14:placeholderFlag xmlns:ma14="http://schemas.microsoft.com/office/mac/drawingml/2011/main" xmlns="" val="1"/>
             </a:ext>
             <a:ext uri="{909E8E84-426E-40dd-AFC4-6F175D3DCCD1}">
-              <a14:hiddenFill xmlns="" xmlns:a14="http://schemas.microsoft.com/office/drawing/2010/main">
+              <a14:hiddenFill xmlns:a14="http://schemas.microsoft.com/office/drawing/2010/main" xmlns="">
                 <a:solidFill>
                   <a:srgbClr val="FFFFFF"/>
                 </a:solidFill>
               </a14:hiddenFill>
             </a:ext>
             <a:ext uri="{91240B29-F687-4f45-9708-019B960494DF}">
-              <a14:hiddenLine xmlns="" xmlns:a14="http://schemas.microsoft.com/office/drawing/2010/main" w="9525">
+              <a14:hiddenLine xmlns:a14="http://schemas.microsoft.com/office/drawing/2010/main" xmlns="" w="9525">
                 <a:solidFill>
                   <a:srgbClr val="000000"/>
                 </a:solidFill>
@@ -16563,334 +16139,270 @@
           <a:bodyPr/>
           <a:lstStyle/>
           <a:p>
-            <a:pPr eaLnBrk="1" hangingPunct="1"/>
-            <a:endParaRPr lang="en-US" dirty="0">
-              <a:ea typeface="ＭＳ Ｐゴシック" charset="0"/>
-              <a:cs typeface="ＭＳ Ｐゴシック" charset="0"/>
-            </a:endParaRPr>
-          </a:p>
-          <a:p>
-            <a:pPr eaLnBrk="1" hangingPunct="1"/>
-            <a:endParaRPr lang="en-US" dirty="0">
-              <a:ea typeface="ＭＳ Ｐゴシック" charset="0"/>
-              <a:cs typeface="ＭＳ Ｐゴシック" charset="0"/>
-            </a:endParaRPr>
-          </a:p>
-          <a:p>
-            <a:pPr marL="533400" indent="-533400" eaLnBrk="1" hangingPunct="1">
+            <a:pPr marL="342900" indent="-342900" eaLnBrk="1" hangingPunct="1">
+              <a:spcAft>
+                <a:spcPct val="50000"/>
+              </a:spcAft>
               <a:buFont typeface="Wingdings" charset="0"/>
               <a:buNone/>
             </a:pPr>
             <a:r>
-              <a:rPr lang="en-US" sz="1200" dirty="0">
+              <a:rPr lang="en-US" dirty="0">
                 <a:ea typeface="ＭＳ Ｐゴシック" charset="0"/>
                 <a:cs typeface="ＭＳ Ｐゴシック" charset="0"/>
               </a:rPr>
               <a:t>&lt;</a:t>
             </a:r>
             <a:r>
-              <a:rPr lang="en-US" sz="1200" dirty="0" err="1">
-                <a:ea typeface="ＭＳ Ｐゴシック" charset="0"/>
-                <a:cs typeface="ＭＳ Ｐゴシック" charset="0"/>
-              </a:rPr>
-              <a:t>owl:Class</a:t>
-            </a:r>
-            <a:r>
-              <a:rPr lang="en-US" sz="1200" dirty="0">
+              <a:rPr lang="en-US" dirty="0" err="1">
+                <a:ea typeface="ＭＳ Ｐゴシック" charset="0"/>
+                <a:cs typeface="ＭＳ Ｐゴシック" charset="0"/>
+              </a:rPr>
+              <a:t>owl:TransitiveProperty</a:t>
+            </a:r>
+            <a:r>
+              <a:rPr lang="en-US" dirty="0">
                 <a:ea typeface="ＭＳ Ｐゴシック" charset="0"/>
                 <a:cs typeface="ＭＳ Ｐゴシック" charset="0"/>
               </a:rPr>
               <a:t> </a:t>
             </a:r>
             <a:r>
-              <a:rPr lang="en-US" sz="1200" dirty="0" err="1">
+              <a:rPr lang="en-US" dirty="0" err="1">
                 <a:ea typeface="ＭＳ Ｐゴシック" charset="0"/>
                 <a:cs typeface="ＭＳ Ｐゴシック" charset="0"/>
               </a:rPr>
               <a:t>rdf:ID</a:t>
             </a:r>
             <a:r>
-              <a:rPr lang="en-US" sz="1200" dirty="0">
-                <a:ea typeface="ＭＳ Ｐゴシック" charset="0"/>
-                <a:cs typeface="ＭＳ Ｐゴシック" charset="0"/>
-              </a:rPr>
-              <a:t>="branch"&gt;</a:t>
-            </a:r>
-            <a:endParaRPr lang="el-GR" sz="1200" dirty="0">
-              <a:ea typeface="ＭＳ Ｐゴシック" charset="0"/>
-              <a:cs typeface="ＭＳ Ｐゴシック" charset="0"/>
-            </a:endParaRPr>
-          </a:p>
-          <a:p>
-            <a:pPr marL="533400" indent="-533400" eaLnBrk="1" hangingPunct="1">
+              <a:rPr lang="en-US" dirty="0">
+                <a:ea typeface="ＭＳ Ｐゴシック" charset="0"/>
+                <a:cs typeface="ＭＳ Ｐゴシック" charset="0"/>
+              </a:rPr>
+              <a:t>="is-part-of"/&gt;</a:t>
+            </a:r>
+          </a:p>
+          <a:p>
+            <a:pPr marL="342900" indent="-342900" eaLnBrk="1" hangingPunct="1">
               <a:buFont typeface="Wingdings" charset="0"/>
               <a:buNone/>
             </a:pPr>
             <a:r>
-              <a:rPr lang="en-US" sz="1200" dirty="0">
-                <a:ea typeface="ＭＳ Ｐゴシック" charset="0"/>
-                <a:cs typeface="ＭＳ Ｐゴシック" charset="0"/>
-              </a:rPr>
-              <a:t>  &lt;</a:t>
-            </a:r>
-            <a:r>
-              <a:rPr lang="en-US" sz="1200" dirty="0" err="1">
-                <a:ea typeface="ＭＳ Ｐゴシック" charset="0"/>
-                <a:cs typeface="ＭＳ Ｐゴシック" charset="0"/>
-              </a:rPr>
-              <a:t>rdfs:comment</a:t>
-            </a:r>
-            <a:r>
-              <a:rPr lang="en-US" sz="1200" dirty="0">
-                <a:ea typeface="ＭＳ Ｐゴシック" charset="0"/>
-                <a:cs typeface="ＭＳ Ｐゴシック" charset="0"/>
-              </a:rPr>
-              <a:t>&gt;Branches are parts of trees. &lt;/</a:t>
-            </a:r>
-            <a:r>
-              <a:rPr lang="en-US" sz="1200" dirty="0" err="1">
-                <a:ea typeface="ＭＳ Ｐゴシック" charset="0"/>
-                <a:cs typeface="ＭＳ Ｐゴシック" charset="0"/>
-              </a:rPr>
-              <a:t>rdfs:comment</a:t>
-            </a:r>
-            <a:r>
-              <a:rPr lang="en-US" sz="1200" dirty="0">
-                <a:ea typeface="ＭＳ Ｐゴシック" charset="0"/>
-                <a:cs typeface="ＭＳ Ｐゴシック" charset="0"/>
-              </a:rPr>
-              <a:t>&gt;</a:t>
-            </a:r>
-            <a:endParaRPr lang="el-GR" sz="1200" dirty="0">
-              <a:ea typeface="ＭＳ Ｐゴシック" charset="0"/>
-              <a:cs typeface="ＭＳ Ｐゴシック" charset="0"/>
-            </a:endParaRPr>
-          </a:p>
-          <a:p>
-            <a:pPr marL="533400" indent="-533400" eaLnBrk="1" hangingPunct="1">
+              <a:rPr lang="en-US" dirty="0">
+                <a:ea typeface="ＭＳ Ｐゴシック" charset="0"/>
+                <a:cs typeface="ＭＳ Ｐゴシック" charset="0"/>
+              </a:rPr>
+              <a:t>&lt;</a:t>
+            </a:r>
+            <a:r>
+              <a:rPr lang="en-US" dirty="0" err="1">
+                <a:ea typeface="ＭＳ Ｐゴシック" charset="0"/>
+                <a:cs typeface="ＭＳ Ｐゴシック" charset="0"/>
+              </a:rPr>
+              <a:t>owl:ObjectProperty</a:t>
+            </a:r>
+            <a:r>
+              <a:rPr lang="en-US" dirty="0">
+                <a:ea typeface="ＭＳ Ｐゴシック" charset="0"/>
+                <a:cs typeface="ＭＳ Ｐゴシック" charset="0"/>
+              </a:rPr>
+              <a:t> </a:t>
+            </a:r>
+            <a:r>
+              <a:rPr lang="en-US" dirty="0" err="1">
+                <a:ea typeface="ＭＳ Ｐゴシック" charset="0"/>
+                <a:cs typeface="ＭＳ Ｐゴシック" charset="0"/>
+              </a:rPr>
+              <a:t>rdf:ID</a:t>
+            </a:r>
+            <a:r>
+              <a:rPr lang="en-US" dirty="0">
+                <a:ea typeface="ＭＳ Ｐゴシック" charset="0"/>
+                <a:cs typeface="ＭＳ Ｐゴシック" charset="0"/>
+              </a:rPr>
+              <a:t>="eats"&gt;</a:t>
+            </a:r>
+          </a:p>
+          <a:p>
+            <a:pPr marL="342900" indent="-342900" eaLnBrk="1" hangingPunct="1">
               <a:buFont typeface="Wingdings" charset="0"/>
               <a:buNone/>
             </a:pPr>
             <a:r>
-              <a:rPr lang="en-US" sz="1200" dirty="0">
-                <a:ea typeface="ＭＳ Ｐゴシック" charset="0"/>
-                <a:cs typeface="ＭＳ Ｐゴシック" charset="0"/>
-              </a:rPr>
-              <a:t>  &lt;</a:t>
-            </a:r>
-            <a:r>
-              <a:rPr lang="en-US" sz="1200" dirty="0" err="1">
-                <a:ea typeface="ＭＳ Ｐゴシック" charset="0"/>
-                <a:cs typeface="ＭＳ Ｐゴシック" charset="0"/>
-              </a:rPr>
-              <a:t>rdfs:subClassOf</a:t>
-            </a:r>
-            <a:r>
-              <a:rPr lang="en-US" sz="1200" dirty="0">
-                <a:ea typeface="ＭＳ Ｐゴシック" charset="0"/>
-                <a:cs typeface="ＭＳ Ｐゴシック" charset="0"/>
-              </a:rPr>
-              <a:t>&gt;</a:t>
-            </a:r>
-            <a:endParaRPr lang="el-GR" sz="1200" dirty="0">
-              <a:ea typeface="ＭＳ Ｐゴシック" charset="0"/>
-              <a:cs typeface="ＭＳ Ｐゴシック" charset="0"/>
-            </a:endParaRPr>
-          </a:p>
-          <a:p>
-            <a:pPr marL="533400" indent="-533400" eaLnBrk="1" hangingPunct="1">
+              <a:rPr lang="en-US" dirty="0">
+                <a:ea typeface="ＭＳ Ｐゴシック" charset="0"/>
+                <a:cs typeface="ＭＳ Ｐゴシック" charset="0"/>
+              </a:rPr>
+              <a:t>	&lt;</a:t>
+            </a:r>
+            <a:r>
+              <a:rPr lang="en-US" dirty="0" err="1">
+                <a:ea typeface="ＭＳ Ｐゴシック" charset="0"/>
+                <a:cs typeface="ＭＳ Ｐゴシック" charset="0"/>
+              </a:rPr>
+              <a:t>rdfs:domain</a:t>
+            </a:r>
+            <a:r>
+              <a:rPr lang="en-US" dirty="0">
+                <a:ea typeface="ＭＳ Ｐゴシック" charset="0"/>
+                <a:cs typeface="ＭＳ Ｐゴシック" charset="0"/>
+              </a:rPr>
+              <a:t> </a:t>
+            </a:r>
+            <a:r>
+              <a:rPr lang="en-US" dirty="0" err="1">
+                <a:ea typeface="ＭＳ Ｐゴシック" charset="0"/>
+                <a:cs typeface="ＭＳ Ｐゴシック" charset="0"/>
+              </a:rPr>
+              <a:t>rdf:resource</a:t>
+            </a:r>
+            <a:r>
+              <a:rPr lang="en-US" dirty="0">
+                <a:ea typeface="ＭＳ Ｐゴシック" charset="0"/>
+                <a:cs typeface="ＭＳ Ｐゴシック" charset="0"/>
+              </a:rPr>
+              <a:t>="#animal"/&gt;</a:t>
+            </a:r>
+          </a:p>
+          <a:p>
+            <a:pPr marL="342900" indent="-342900" eaLnBrk="1" hangingPunct="1">
+              <a:spcAft>
+                <a:spcPct val="50000"/>
+              </a:spcAft>
               <a:buFont typeface="Wingdings" charset="0"/>
               <a:buNone/>
             </a:pPr>
             <a:r>
-              <a:rPr lang="en-US" sz="1200" dirty="0">
-                <a:ea typeface="ＭＳ Ｐゴシック" charset="0"/>
-                <a:cs typeface="ＭＳ Ｐゴシック" charset="0"/>
-              </a:rPr>
-              <a:t>    &lt;</a:t>
-            </a:r>
-            <a:r>
-              <a:rPr lang="en-US" sz="1200" dirty="0" err="1">
-                <a:ea typeface="ＭＳ Ｐゴシック" charset="0"/>
-                <a:cs typeface="ＭＳ Ｐゴシック" charset="0"/>
-              </a:rPr>
-              <a:t>owl:Restriction</a:t>
-            </a:r>
-            <a:r>
-              <a:rPr lang="en-US" sz="1200" dirty="0">
+              <a:rPr lang="en-US" dirty="0">
+                <a:ea typeface="ＭＳ Ｐゴシック" charset="0"/>
+                <a:cs typeface="ＭＳ Ｐゴシック" charset="0"/>
+              </a:rPr>
+              <a:t>&lt;/</a:t>
+            </a:r>
+            <a:r>
+              <a:rPr lang="en-US" dirty="0" err="1">
+                <a:ea typeface="ＭＳ Ｐゴシック" charset="0"/>
+                <a:cs typeface="ＭＳ Ｐゴシック" charset="0"/>
+              </a:rPr>
+              <a:t>owl:ObjectProperty</a:t>
+            </a:r>
+            <a:r>
+              <a:rPr lang="en-US" dirty="0">
                 <a:ea typeface="ＭＳ Ｐゴシック" charset="0"/>
                 <a:cs typeface="ＭＳ Ｐゴシック" charset="0"/>
               </a:rPr>
               <a:t>&gt;</a:t>
             </a:r>
-            <a:endParaRPr lang="el-GR" sz="1200" dirty="0">
-              <a:ea typeface="ＭＳ Ｐゴシック" charset="0"/>
-              <a:cs typeface="ＭＳ Ｐゴシック" charset="0"/>
-            </a:endParaRPr>
-          </a:p>
-          <a:p>
-            <a:pPr marL="533400" indent="-533400" eaLnBrk="1" hangingPunct="1">
+          </a:p>
+          <a:p>
+            <a:pPr marL="342900" indent="-342900" eaLnBrk="1" hangingPunct="1">
               <a:buFont typeface="Wingdings" charset="0"/>
               <a:buNone/>
             </a:pPr>
             <a:r>
-              <a:rPr lang="en-US" sz="1200" dirty="0">
-                <a:ea typeface="ＭＳ Ｐゴシック" charset="0"/>
-                <a:cs typeface="ＭＳ Ｐゴシック" charset="0"/>
-              </a:rPr>
-              <a:t>      &lt;</a:t>
-            </a:r>
-            <a:r>
-              <a:rPr lang="en-US" sz="1200" dirty="0" err="1">
-                <a:ea typeface="ＭＳ Ｐゴシック" charset="0"/>
-                <a:cs typeface="ＭＳ Ｐゴシック" charset="0"/>
-              </a:rPr>
-              <a:t>owl:onProperty</a:t>
-            </a:r>
-            <a:r>
-              <a:rPr lang="en-US" sz="1200" dirty="0">
+              <a:rPr lang="en-US" dirty="0">
+                <a:ea typeface="ＭＳ Ｐゴシック" charset="0"/>
+                <a:cs typeface="ＭＳ Ｐゴシック" charset="0"/>
+              </a:rPr>
+              <a:t>&lt;</a:t>
+            </a:r>
+            <a:r>
+              <a:rPr lang="en-US" dirty="0" err="1">
+                <a:ea typeface="ＭＳ Ｐゴシック" charset="0"/>
+                <a:cs typeface="ＭＳ Ｐゴシック" charset="0"/>
+              </a:rPr>
+              <a:t>owl:ObjectProperty</a:t>
+            </a:r>
+            <a:r>
+              <a:rPr lang="en-US" dirty="0">
                 <a:ea typeface="ＭＳ Ｐゴシック" charset="0"/>
                 <a:cs typeface="ＭＳ Ｐゴシック" charset="0"/>
               </a:rPr>
               <a:t> </a:t>
             </a:r>
             <a:r>
-              <a:rPr lang="en-US" sz="1200" dirty="0" err="1">
-                <a:ea typeface="ＭＳ Ｐゴシック" charset="0"/>
-                <a:cs typeface="ＭＳ Ｐゴシック" charset="0"/>
-              </a:rPr>
-              <a:t>rdf:resource</a:t>
-            </a:r>
-            <a:r>
-              <a:rPr lang="en-US" sz="1200" dirty="0">
-                <a:ea typeface="ＭＳ Ｐゴシック" charset="0"/>
-                <a:cs typeface="ＭＳ Ｐゴシック" charset="0"/>
-              </a:rPr>
-              <a:t>="#is-part-of"/&gt;</a:t>
-            </a:r>
-          </a:p>
-          <a:p>
-            <a:pPr marL="533400" indent="-533400" eaLnBrk="1" hangingPunct="1">
+              <a:rPr lang="en-US" dirty="0" err="1">
+                <a:ea typeface="ＭＳ Ｐゴシック" charset="0"/>
+                <a:cs typeface="ＭＳ Ｐゴシック" charset="0"/>
+              </a:rPr>
+              <a:t>rdf:ID</a:t>
+            </a:r>
+            <a:r>
+              <a:rPr lang="en-US" dirty="0">
+                <a:ea typeface="ＭＳ Ｐゴシック" charset="0"/>
+                <a:cs typeface="ＭＳ Ｐゴシック" charset="0"/>
+              </a:rPr>
+              <a:t>="eaten-by"&gt;</a:t>
+            </a:r>
+          </a:p>
+          <a:p>
+            <a:pPr marL="342900" indent="-342900" eaLnBrk="1" hangingPunct="1">
               <a:buFont typeface="Wingdings" charset="0"/>
               <a:buNone/>
             </a:pPr>
             <a:r>
-              <a:rPr lang="en-US" sz="1200" dirty="0">
-                <a:ea typeface="ＭＳ Ｐゴシック" charset="0"/>
-                <a:cs typeface="ＭＳ Ｐゴシック" charset="0"/>
-              </a:rPr>
-              <a:t>      &lt;</a:t>
-            </a:r>
-            <a:r>
-              <a:rPr lang="en-US" sz="1200" dirty="0" err="1">
-                <a:ea typeface="ＭＳ Ｐゴシック" charset="0"/>
-                <a:cs typeface="ＭＳ Ｐゴシック" charset="0"/>
-              </a:rPr>
-              <a:t>owl:allValuesFrom</a:t>
-            </a:r>
-            <a:r>
-              <a:rPr lang="en-US" sz="1200" dirty="0">
+              <a:rPr lang="en-US" dirty="0">
+                <a:ea typeface="ＭＳ Ｐゴシック" charset="0"/>
+                <a:cs typeface="ＭＳ Ｐゴシック" charset="0"/>
+              </a:rPr>
+              <a:t>	&lt;</a:t>
+            </a:r>
+            <a:r>
+              <a:rPr lang="en-US" dirty="0" err="1">
+                <a:ea typeface="ＭＳ Ｐゴシック" charset="0"/>
+                <a:cs typeface="ＭＳ Ｐゴシック" charset="0"/>
+              </a:rPr>
+              <a:t>owl:inverseOf</a:t>
+            </a:r>
+            <a:r>
+              <a:rPr lang="en-US" dirty="0">
                 <a:ea typeface="ＭＳ Ｐゴシック" charset="0"/>
                 <a:cs typeface="ＭＳ Ｐゴシック" charset="0"/>
               </a:rPr>
               <a:t> </a:t>
             </a:r>
             <a:r>
-              <a:rPr lang="en-US" sz="1200" dirty="0" err="1">
+              <a:rPr lang="en-US" dirty="0" err="1">
                 <a:ea typeface="ＭＳ Ｐゴシック" charset="0"/>
                 <a:cs typeface="ＭＳ Ｐゴシック" charset="0"/>
               </a:rPr>
               <a:t>rdf:resource</a:t>
             </a:r>
             <a:r>
-              <a:rPr lang="en-US" sz="1200" dirty="0">
-                <a:ea typeface="ＭＳ Ｐゴシック" charset="0"/>
-                <a:cs typeface="ＭＳ Ｐゴシック" charset="0"/>
-              </a:rPr>
-              <a:t>="#tree"/&gt;</a:t>
-            </a:r>
-          </a:p>
-          <a:p>
-            <a:pPr marL="533400" indent="-533400" eaLnBrk="1" hangingPunct="1">
+              <a:rPr lang="en-US" dirty="0">
+                <a:ea typeface="ＭＳ Ｐゴシック" charset="0"/>
+                <a:cs typeface="ＭＳ Ｐゴシック" charset="0"/>
+              </a:rPr>
+              <a:t>="#eats"/&gt;</a:t>
+            </a:r>
+          </a:p>
+          <a:p>
+            <a:pPr marL="342900" indent="-342900" eaLnBrk="1" hangingPunct="1">
               <a:buFont typeface="Wingdings" charset="0"/>
               <a:buNone/>
             </a:pPr>
             <a:r>
-              <a:rPr lang="en-US" sz="1200" dirty="0">
-                <a:ea typeface="ＭＳ Ｐゴシック" charset="0"/>
-                <a:cs typeface="ＭＳ Ｐゴシック" charset="0"/>
-              </a:rPr>
-              <a:t>		&lt;/</a:t>
-            </a:r>
-            <a:r>
-              <a:rPr lang="en-US" sz="1200" dirty="0" err="1">
-                <a:ea typeface="ＭＳ Ｐゴシック" charset="0"/>
-                <a:cs typeface="ＭＳ Ｐゴシック" charset="0"/>
-              </a:rPr>
-              <a:t>owl:Restriction</a:t>
-            </a:r>
-            <a:r>
-              <a:rPr lang="en-US" sz="1200" dirty="0">
+              <a:rPr lang="en-US" dirty="0">
+                <a:ea typeface="ＭＳ Ｐゴシック" charset="0"/>
+                <a:cs typeface="ＭＳ Ｐゴシック" charset="0"/>
+              </a:rPr>
+              <a:t>&lt;/</a:t>
+            </a:r>
+            <a:r>
+              <a:rPr lang="en-US" dirty="0" err="1">
+                <a:ea typeface="ＭＳ Ｐゴシック" charset="0"/>
+                <a:cs typeface="ＭＳ Ｐゴシック" charset="0"/>
+              </a:rPr>
+              <a:t>owl:ObjectProperty</a:t>
+            </a:r>
+            <a:r>
+              <a:rPr lang="en-US" dirty="0">
                 <a:ea typeface="ＭＳ Ｐゴシック" charset="0"/>
                 <a:cs typeface="ＭＳ Ｐゴシック" charset="0"/>
               </a:rPr>
               <a:t>&gt;</a:t>
             </a:r>
-          </a:p>
-          <a:p>
-            <a:pPr marL="533400" indent="-533400" eaLnBrk="1" hangingPunct="1">
-              <a:buFont typeface="Wingdings" charset="0"/>
-              <a:buNone/>
-            </a:pPr>
-            <a:r>
-              <a:rPr lang="en-US" sz="1200" dirty="0">
-                <a:ea typeface="ＭＳ Ｐゴシック" charset="0"/>
-                <a:cs typeface="ＭＳ Ｐゴシック" charset="0"/>
-              </a:rPr>
-              <a:t>  &lt;/</a:t>
-            </a:r>
-            <a:r>
-              <a:rPr lang="en-US" sz="1200" dirty="0" err="1">
-                <a:ea typeface="ＭＳ Ｐゴシック" charset="0"/>
-                <a:cs typeface="ＭＳ Ｐゴシック" charset="0"/>
-              </a:rPr>
-              <a:t>rdfs:subClassOf</a:t>
-            </a:r>
-            <a:r>
-              <a:rPr lang="en-US" sz="1200" dirty="0">
-                <a:ea typeface="ＭＳ Ｐゴシック" charset="0"/>
-                <a:cs typeface="ＭＳ Ｐゴシック" charset="0"/>
-              </a:rPr>
-              <a:t>&gt;</a:t>
-            </a:r>
-          </a:p>
-          <a:p>
-            <a:pPr marL="533400" indent="-533400" eaLnBrk="1" hangingPunct="1">
-              <a:buFont typeface="Wingdings" charset="0"/>
-              <a:buNone/>
-            </a:pPr>
-            <a:r>
-              <a:rPr lang="en-US" sz="1200" dirty="0">
-                <a:ea typeface="ＭＳ Ｐゴシック" charset="0"/>
-                <a:cs typeface="ＭＳ Ｐゴシック" charset="0"/>
-              </a:rPr>
-              <a:t>&lt;/</a:t>
-            </a:r>
-            <a:r>
-              <a:rPr lang="en-US" sz="1200" dirty="0" err="1">
-                <a:ea typeface="ＭＳ Ｐゴシック" charset="0"/>
-                <a:cs typeface="ＭＳ Ｐゴシック" charset="0"/>
-              </a:rPr>
-              <a:t>owl:Class</a:t>
-            </a:r>
-            <a:r>
-              <a:rPr lang="en-US" sz="1200" dirty="0">
-                <a:ea typeface="ＭＳ Ｐゴシック" charset="0"/>
-                <a:cs typeface="ＭＳ Ｐゴシック" charset="0"/>
-              </a:rPr>
-              <a:t>&gt;</a:t>
-            </a:r>
-            <a:endParaRPr lang="el-GR" sz="1200" dirty="0">
+            <a:endParaRPr lang="el-GR" dirty="0">
               <a:ea typeface="ＭＳ Ｐゴシック" charset="0"/>
               <a:cs typeface="ＭＳ Ｐゴシック" charset="0"/>
             </a:endParaRPr>
@@ -16931,7 +16443,7 @@
       </p:grpSpPr>
       <p:sp>
         <p:nvSpPr>
-          <p:cNvPr id="156673" name="Rectangle 7"/>
+          <p:cNvPr id="154625" name="Rectangle 7"/>
           <p:cNvSpPr>
             <a:spLocks noGrp="1" noChangeArrowheads="1"/>
           </p:cNvSpPr>
@@ -16944,14 +16456,14 @@
           <a:ln/>
           <a:extLst>
             <a:ext uri="{909E8E84-426E-40dd-AFC4-6F175D3DCCD1}">
-              <a14:hiddenFill xmlns="" xmlns:a14="http://schemas.microsoft.com/office/drawing/2010/main">
+              <a14:hiddenFill xmlns:a14="http://schemas.microsoft.com/office/drawing/2010/main" xmlns="">
                 <a:solidFill>
                   <a:srgbClr val="FFFFFF"/>
                 </a:solidFill>
               </a14:hiddenFill>
             </a:ext>
             <a:ext uri="{91240B29-F687-4f45-9708-019B960494DF}">
-              <a14:hiddenLine xmlns="" xmlns:a14="http://schemas.microsoft.com/office/drawing/2010/main" w="9525">
+              <a14:hiddenLine xmlns:a14="http://schemas.microsoft.com/office/drawing/2010/main" xmlns="" w="9525">
                 <a:solidFill>
                   <a:srgbClr val="000000"/>
                 </a:solidFill>
@@ -17074,12 +16586,12 @@
           </a:lstStyle>
           <a:p>
             <a:pPr eaLnBrk="1" hangingPunct="1"/>
-            <a:fld id="{A6339275-1473-A04C-BB84-F7560DA0A569}" type="slidenum">
+            <a:fld id="{06335719-7F4C-B64F-BE2F-23F91D63022E}" type="slidenum">
               <a:rPr lang="el-GR" sz="1400">
                 <a:latin typeface="Calibri"/>
               </a:rPr>
               <a:pPr eaLnBrk="1" hangingPunct="1"/>
-              <a:t>78</a:t>
+              <a:t>77</a:t>
             </a:fld>
             <a:endParaRPr lang="el-GR" sz="1400" dirty="0">
               <a:latin typeface="Calibri"/>
@@ -17089,7 +16601,7 @@
       </p:sp>
       <p:sp>
         <p:nvSpPr>
-          <p:cNvPr id="156674" name="Rectangle 2"/>
+          <p:cNvPr id="154626" name="Rectangle 2"/>
           <p:cNvSpPr>
             <a:spLocks noGrp="1" noRot="1" noChangeAspect="1" noChangeArrowheads="1" noTextEdit="1"/>
           </p:cNvSpPr>
@@ -17103,7 +16615,7 @@
       </p:sp>
       <p:sp>
         <p:nvSpPr>
-          <p:cNvPr id="156675" name="Rectangle 3"/>
+          <p:cNvPr id="154627" name="Rectangle 3"/>
           <p:cNvSpPr>
             <a:spLocks noGrp="1" noChangeArrowheads="1"/>
           </p:cNvSpPr>
@@ -17116,17 +16628,17 @@
           <a:ln/>
           <a:extLst>
             <a:ext uri="{FAA26D3D-D897-4be2-8F04-BA451C77F1D7}">
-              <ma14:placeholderFlag xmlns="" xmlns:ma14="http://schemas.microsoft.com/office/mac/drawingml/2011/main" val="1"/>
+              <ma14:placeholderFlag xmlns:ma14="http://schemas.microsoft.com/office/mac/drawingml/2011/main" xmlns="" val="1"/>
             </a:ext>
             <a:ext uri="{909E8E84-426E-40dd-AFC4-6F175D3DCCD1}">
-              <a14:hiddenFill xmlns="" xmlns:a14="http://schemas.microsoft.com/office/drawing/2010/main">
+              <a14:hiddenFill xmlns:a14="http://schemas.microsoft.com/office/drawing/2010/main" xmlns="">
                 <a:solidFill>
                   <a:srgbClr val="FFFFFF"/>
                 </a:solidFill>
               </a14:hiddenFill>
             </a:ext>
             <a:ext uri="{91240B29-F687-4f45-9708-019B960494DF}">
-              <a14:hiddenLine xmlns="" xmlns:a14="http://schemas.microsoft.com/office/drawing/2010/main" w="9525">
+              <a14:hiddenLine xmlns:a14="http://schemas.microsoft.com/office/drawing/2010/main" xmlns="" w="9525">
                 <a:solidFill>
                   <a:srgbClr val="000000"/>
                 </a:solidFill>
@@ -17192,8 +16704,12 @@
                 <a:ea typeface="ＭＳ Ｐゴシック" charset="0"/>
                 <a:cs typeface="ＭＳ Ｐゴシック" charset="0"/>
               </a:rPr>
-              <a:t>="leaf"&gt;</a:t>
-            </a:r>
+              <a:t>="branch"&gt;</a:t>
+            </a:r>
+            <a:endParaRPr lang="el-GR" sz="1200" dirty="0">
+              <a:ea typeface="ＭＳ Ｐゴシック" charset="0"/>
+              <a:cs typeface="ＭＳ Ｐゴシック" charset="0"/>
+            </a:endParaRPr>
           </a:p>
           <a:p>
             <a:pPr marL="533400" indent="-533400" eaLnBrk="1" hangingPunct="1">
@@ -17219,7 +16735,7 @@
                 <a:ea typeface="ＭＳ Ｐゴシック" charset="0"/>
                 <a:cs typeface="ＭＳ Ｐゴシック" charset="0"/>
               </a:rPr>
-              <a:t>&gt;Leaves are parts of branches. &lt;/</a:t>
+              <a:t>&gt;Branches are parts of trees. &lt;/</a:t>
             </a:r>
             <a:r>
               <a:rPr lang="en-US" sz="1200" dirty="0" err="1">
@@ -17235,6 +16751,10 @@
               </a:rPr>
               <a:t>&gt;</a:t>
             </a:r>
+            <a:endParaRPr lang="el-GR" sz="1200" dirty="0">
+              <a:ea typeface="ＭＳ Ｐゴシック" charset="0"/>
+              <a:cs typeface="ＭＳ Ｐゴシック" charset="0"/>
+            </a:endParaRPr>
           </a:p>
           <a:p>
             <a:pPr marL="533400" indent="-533400" eaLnBrk="1" hangingPunct="1">
@@ -17262,6 +16782,10 @@
               </a:rPr>
               <a:t>&gt;</a:t>
             </a:r>
+            <a:endParaRPr lang="el-GR" sz="1200" dirty="0">
+              <a:ea typeface="ＭＳ Ｐゴシック" charset="0"/>
+              <a:cs typeface="ＭＳ Ｐゴシック" charset="0"/>
+            </a:endParaRPr>
           </a:p>
           <a:p>
             <a:pPr marL="533400" indent="-533400" eaLnBrk="1" hangingPunct="1">
@@ -17289,6 +16813,10 @@
               </a:rPr>
               <a:t>&gt;</a:t>
             </a:r>
+            <a:endParaRPr lang="el-GR" sz="1200" dirty="0">
+              <a:ea typeface="ＭＳ Ｐゴシック" charset="0"/>
+              <a:cs typeface="ＭＳ Ｐゴシック" charset="0"/>
+            </a:endParaRPr>
           </a:p>
           <a:p>
             <a:pPr marL="533400" indent="-533400" eaLnBrk="1" hangingPunct="1">
@@ -17369,7 +16897,7 @@
                 <a:ea typeface="ＭＳ Ｐゴシック" charset="0"/>
                 <a:cs typeface="ＭＳ Ｐゴシック" charset="0"/>
               </a:rPr>
-              <a:t>="#branch"/&gt;</a:t>
+              <a:t>="#tree"/&gt;</a:t>
             </a:r>
           </a:p>
           <a:p>
@@ -17493,7 +17021,7 @@
       </p:grpSpPr>
       <p:sp>
         <p:nvSpPr>
-          <p:cNvPr id="158721" name="Rectangle 7"/>
+          <p:cNvPr id="156673" name="Rectangle 7"/>
           <p:cNvSpPr>
             <a:spLocks noGrp="1" noChangeArrowheads="1"/>
           </p:cNvSpPr>
@@ -17506,14 +17034,14 @@
           <a:ln/>
           <a:extLst>
             <a:ext uri="{909E8E84-426E-40dd-AFC4-6F175D3DCCD1}">
-              <a14:hiddenFill xmlns="" xmlns:a14="http://schemas.microsoft.com/office/drawing/2010/main">
+              <a14:hiddenFill xmlns:a14="http://schemas.microsoft.com/office/drawing/2010/main" xmlns="">
                 <a:solidFill>
                   <a:srgbClr val="FFFFFF"/>
                 </a:solidFill>
               </a14:hiddenFill>
             </a:ext>
             <a:ext uri="{91240B29-F687-4f45-9708-019B960494DF}">
-              <a14:hiddenLine xmlns="" xmlns:a14="http://schemas.microsoft.com/office/drawing/2010/main" w="9525">
+              <a14:hiddenLine xmlns:a14="http://schemas.microsoft.com/office/drawing/2010/main" xmlns="" w="9525">
                 <a:solidFill>
                   <a:srgbClr val="000000"/>
                 </a:solidFill>
@@ -17636,12 +17164,12 @@
           </a:lstStyle>
           <a:p>
             <a:pPr eaLnBrk="1" hangingPunct="1"/>
-            <a:fld id="{39D5C717-C7C0-FF48-9A34-3A8FD3C536C2}" type="slidenum">
+            <a:fld id="{A6339275-1473-A04C-BB84-F7560DA0A569}" type="slidenum">
               <a:rPr lang="el-GR" sz="1400">
                 <a:latin typeface="Calibri"/>
               </a:rPr>
               <a:pPr eaLnBrk="1" hangingPunct="1"/>
-              <a:t>79</a:t>
+              <a:t>78</a:t>
             </a:fld>
             <a:endParaRPr lang="el-GR" sz="1400" dirty="0">
               <a:latin typeface="Calibri"/>
@@ -17651,7 +17179,7 @@
       </p:sp>
       <p:sp>
         <p:nvSpPr>
-          <p:cNvPr id="158722" name="Rectangle 2"/>
+          <p:cNvPr id="156674" name="Rectangle 2"/>
           <p:cNvSpPr>
             <a:spLocks noGrp="1" noRot="1" noChangeAspect="1" noChangeArrowheads="1" noTextEdit="1"/>
           </p:cNvSpPr>
@@ -17665,7 +17193,7 @@
       </p:sp>
       <p:sp>
         <p:nvSpPr>
-          <p:cNvPr id="158723" name="Rectangle 3"/>
+          <p:cNvPr id="156675" name="Rectangle 3"/>
           <p:cNvSpPr>
             <a:spLocks noGrp="1" noChangeArrowheads="1"/>
           </p:cNvSpPr>
@@ -17678,17 +17206,17 @@
           <a:ln/>
           <a:extLst>
             <a:ext uri="{FAA26D3D-D897-4be2-8F04-BA451C77F1D7}">
-              <ma14:placeholderFlag xmlns="" xmlns:ma14="http://schemas.microsoft.com/office/mac/drawingml/2011/main" val="1"/>
+              <ma14:placeholderFlag xmlns:ma14="http://schemas.microsoft.com/office/mac/drawingml/2011/main" xmlns="" val="1"/>
             </a:ext>
             <a:ext uri="{909E8E84-426E-40dd-AFC4-6F175D3DCCD1}">
-              <a14:hiddenFill xmlns="" xmlns:a14="http://schemas.microsoft.com/office/drawing/2010/main">
+              <a14:hiddenFill xmlns:a14="http://schemas.microsoft.com/office/drawing/2010/main" xmlns="">
                 <a:solidFill>
                   <a:srgbClr val="FFFFFF"/>
                 </a:solidFill>
               </a14:hiddenFill>
             </a:ext>
             <a:ext uri="{91240B29-F687-4f45-9708-019B960494DF}">
-              <a14:hiddenLine xmlns="" xmlns:a14="http://schemas.microsoft.com/office/drawing/2010/main" w="9525">
+              <a14:hiddenLine xmlns:a14="http://schemas.microsoft.com/office/drawing/2010/main" xmlns="" w="9525">
                 <a:solidFill>
                   <a:srgbClr val="000000"/>
                 </a:solidFill>
@@ -17703,17 +17231,23 @@
           <a:bodyPr/>
           <a:lstStyle/>
           <a:p>
+            <a:pPr eaLnBrk="1" hangingPunct="1"/>
+            <a:endParaRPr lang="en-US" dirty="0">
+              <a:ea typeface="ＭＳ Ｐゴシック" charset="0"/>
+              <a:cs typeface="ＭＳ Ｐゴシック" charset="0"/>
+            </a:endParaRPr>
+          </a:p>
+          <a:p>
+            <a:pPr eaLnBrk="1" hangingPunct="1"/>
+            <a:endParaRPr lang="en-US" dirty="0">
+              <a:ea typeface="ＭＳ Ｐゴシック" charset="0"/>
+              <a:cs typeface="ＭＳ Ｐゴシック" charset="0"/>
+            </a:endParaRPr>
+          </a:p>
+          <a:p>
             <a:pPr marL="533400" indent="-533400" eaLnBrk="1" hangingPunct="1">
-              <a:lnSpc>
-                <a:spcPct val="90000"/>
-              </a:lnSpc>
               <a:buFont typeface="Wingdings" charset="0"/>
               <a:buNone/>
-              <a:tabLst>
-                <a:tab pos="1079500" algn="l"/>
-                <a:tab pos="1612900" algn="l"/>
-                <a:tab pos="2057400" algn="l"/>
-              </a:tabLst>
             </a:pPr>
             <a:r>
               <a:rPr lang="en-US" sz="1200" dirty="0">
@@ -17748,21 +17282,13 @@
                 <a:ea typeface="ＭＳ Ｐゴシック" charset="0"/>
                 <a:cs typeface="ＭＳ Ｐゴシック" charset="0"/>
               </a:rPr>
-              <a:t>="carnivore"&gt;</a:t>
+              <a:t>="leaf"&gt;</a:t>
             </a:r>
           </a:p>
           <a:p>
             <a:pPr marL="533400" indent="-533400" eaLnBrk="1" hangingPunct="1">
-              <a:lnSpc>
-                <a:spcPct val="90000"/>
-              </a:lnSpc>
               <a:buFont typeface="Wingdings" charset="0"/>
               <a:buNone/>
-              <a:tabLst>
-                <a:tab pos="1079500" algn="l"/>
-                <a:tab pos="1612900" algn="l"/>
-                <a:tab pos="2057400" algn="l"/>
-              </a:tabLst>
             </a:pPr>
             <a:r>
               <a:rPr lang="en-US" sz="1200" dirty="0">
@@ -17783,7 +17309,7 @@
                 <a:ea typeface="ＭＳ Ｐゴシック" charset="0"/>
                 <a:cs typeface="ＭＳ Ｐゴシック" charset="0"/>
               </a:rPr>
-              <a:t>&gt;Carnivores are exactly those animals that eat also animals.&lt;/</a:t>
+              <a:t>&gt;Leaves are parts of branches. &lt;/</a:t>
             </a:r>
             <a:r>
               <a:rPr lang="en-US" sz="1200" dirty="0" err="1">
@@ -17802,16 +17328,8 @@
           </a:p>
           <a:p>
             <a:pPr marL="533400" indent="-533400" eaLnBrk="1" hangingPunct="1">
-              <a:lnSpc>
-                <a:spcPct val="90000"/>
-              </a:lnSpc>
               <a:buFont typeface="Wingdings" charset="0"/>
               <a:buNone/>
-              <a:tabLst>
-                <a:tab pos="1079500" algn="l"/>
-                <a:tab pos="1612900" algn="l"/>
-                <a:tab pos="2057400" algn="l"/>
-              </a:tabLst>
             </a:pPr>
             <a:r>
               <a:rPr lang="en-US" sz="1200" dirty="0">
@@ -17825,42 +17343,20 @@
                 <a:ea typeface="ＭＳ Ｐゴシック" charset="0"/>
                 <a:cs typeface="ＭＳ Ｐゴシック" charset="0"/>
               </a:rPr>
-              <a:t>owl:intersectionOf</a:t>
+              <a:t>rdfs:subClassOf</a:t>
             </a:r>
             <a:r>
               <a:rPr lang="en-US" sz="1200" dirty="0">
                 <a:ea typeface="ＭＳ Ｐゴシック" charset="0"/>
                 <a:cs typeface="ＭＳ Ｐゴシック" charset="0"/>
               </a:rPr>
-              <a:t> </a:t>
-            </a:r>
-            <a:r>
-              <a:rPr lang="en-US" sz="1200" dirty="0" err="1">
-                <a:ea typeface="ＭＳ Ｐゴシック" charset="0"/>
-                <a:cs typeface="ＭＳ Ｐゴシック" charset="0"/>
-              </a:rPr>
-              <a:t>rdf:parsetype</a:t>
-            </a:r>
-            <a:r>
-              <a:rPr lang="en-US" sz="1200" dirty="0">
-                <a:ea typeface="ＭＳ Ｐゴシック" charset="0"/>
-                <a:cs typeface="ＭＳ Ｐゴシック" charset="0"/>
-              </a:rPr>
-              <a:t>="Collection"&gt;</a:t>
+              <a:t>&gt;</a:t>
             </a:r>
           </a:p>
           <a:p>
             <a:pPr marL="533400" indent="-533400" eaLnBrk="1" hangingPunct="1">
-              <a:lnSpc>
-                <a:spcPct val="90000"/>
-              </a:lnSpc>
               <a:buFont typeface="Wingdings" charset="0"/>
               <a:buNone/>
-              <a:tabLst>
-                <a:tab pos="1079500" algn="l"/>
-                <a:tab pos="1612900" algn="l"/>
-                <a:tab pos="2057400" algn="l"/>
-              </a:tabLst>
             </a:pPr>
             <a:r>
               <a:rPr lang="en-US" sz="1200" dirty="0">
@@ -17874,77 +17370,61 @@
                 <a:ea typeface="ＭＳ Ｐゴシック" charset="0"/>
                 <a:cs typeface="ＭＳ Ｐゴシック" charset="0"/>
               </a:rPr>
-              <a:t>owl:Class</a:t>
+              <a:t>owl:Restriction</a:t>
             </a:r>
             <a:r>
               <a:rPr lang="en-US" sz="1200" dirty="0">
                 <a:ea typeface="ＭＳ Ｐゴシック" charset="0"/>
                 <a:cs typeface="ＭＳ Ｐゴシック" charset="0"/>
               </a:rPr>
-              <a:t> </a:t>
-            </a:r>
-            <a:r>
-              <a:rPr lang="en-US" sz="1200" dirty="0" err="1">
-                <a:ea typeface="ＭＳ Ｐゴシック" charset="0"/>
-                <a:cs typeface="ＭＳ Ｐゴシック" charset="0"/>
-              </a:rPr>
-              <a:t>rdf:about</a:t>
-            </a:r>
-            <a:r>
-              <a:rPr lang="en-US" sz="1200" dirty="0">
-                <a:ea typeface="ＭＳ Ｐゴシック" charset="0"/>
-                <a:cs typeface="ＭＳ Ｐゴシック" charset="0"/>
-              </a:rPr>
-              <a:t>="#animal"/&gt;</a:t>
+              <a:t>&gt;</a:t>
             </a:r>
           </a:p>
           <a:p>
             <a:pPr marL="533400" indent="-533400" eaLnBrk="1" hangingPunct="1">
-              <a:lnSpc>
-                <a:spcPct val="90000"/>
-              </a:lnSpc>
               <a:buFont typeface="Wingdings" charset="0"/>
               <a:buNone/>
-              <a:tabLst>
-                <a:tab pos="1079500" algn="l"/>
-                <a:tab pos="1612900" algn="l"/>
-                <a:tab pos="2057400" algn="l"/>
-              </a:tabLst>
             </a:pPr>
             <a:r>
               <a:rPr lang="en-US" sz="1200" dirty="0">
                 <a:ea typeface="ＭＳ Ｐゴシック" charset="0"/>
                 <a:cs typeface="ＭＳ Ｐゴシック" charset="0"/>
               </a:rPr>
-              <a:t>    &lt;</a:t>
+              <a:t>      &lt;</a:t>
             </a:r>
             <a:r>
               <a:rPr lang="en-US" sz="1200" dirty="0" err="1">
                 <a:ea typeface="ＭＳ Ｐゴシック" charset="0"/>
                 <a:cs typeface="ＭＳ Ｐゴシック" charset="0"/>
               </a:rPr>
-              <a:t>owl:Restriction</a:t>
+              <a:t>owl:onProperty</a:t>
             </a:r>
             <a:r>
               <a:rPr lang="en-US" sz="1200" dirty="0">
                 <a:ea typeface="ＭＳ Ｐゴシック" charset="0"/>
                 <a:cs typeface="ＭＳ Ｐゴシック" charset="0"/>
               </a:rPr>
-              <a:t>&gt;</a:t>
+              <a:t> </a:t>
+            </a:r>
+            <a:r>
+              <a:rPr lang="en-US" sz="1200" dirty="0" err="1">
+                <a:ea typeface="ＭＳ Ｐゴシック" charset="0"/>
+                <a:cs typeface="ＭＳ Ｐゴシック" charset="0"/>
+              </a:rPr>
+              <a:t>rdf:resource</a:t>
+            </a:r>
+            <a:r>
+              <a:rPr lang="en-US" sz="1200" dirty="0">
+                <a:ea typeface="ＭＳ Ｐゴシック" charset="0"/>
+                <a:cs typeface="ＭＳ Ｐゴシック" charset="0"/>
+              </a:rPr>
+              <a:t>="#is-part-of"/&gt;</a:t>
             </a:r>
           </a:p>
           <a:p>
             <a:pPr marL="533400" indent="-533400" eaLnBrk="1" hangingPunct="1">
-              <a:lnSpc>
-                <a:spcPct val="90000"/>
-              </a:lnSpc>
               <a:buFont typeface="Wingdings" charset="0"/>
               <a:buNone/>
-              <a:tabLst>
-                <a:tab pos="1079500" algn="l"/>
-                <a:tab pos="1612900" algn="l"/>
-                <a:tab pos="2057400" algn="l"/>
-              </a:tabLst>
             </a:pPr>
             <a:r>
               <a:rPr lang="en-US" sz="1200" dirty="0">
@@ -17958,7 +17438,7 @@
                 <a:ea typeface="ＭＳ Ｐゴシック" charset="0"/>
                 <a:cs typeface="ＭＳ Ｐゴシック" charset="0"/>
               </a:rPr>
-              <a:t>owl:onProperty</a:t>
+              <a:t>owl:allValuesFrom</a:t>
             </a:r>
             <a:r>
               <a:rPr lang="en-US" sz="1200" dirty="0">
@@ -17979,84 +17459,54 @@
                 <a:ea typeface="ＭＳ Ｐゴシック" charset="0"/>
                 <a:cs typeface="ＭＳ Ｐゴシック" charset="0"/>
               </a:rPr>
-              <a:t>="#eats"/&gt;</a:t>
+              <a:t>="#branch"/&gt;</a:t>
             </a:r>
           </a:p>
           <a:p>
             <a:pPr marL="533400" indent="-533400" eaLnBrk="1" hangingPunct="1">
-              <a:lnSpc>
-                <a:spcPct val="90000"/>
-              </a:lnSpc>
               <a:buFont typeface="Wingdings" charset="0"/>
               <a:buNone/>
-              <a:tabLst>
-                <a:tab pos="1079500" algn="l"/>
-                <a:tab pos="1612900" algn="l"/>
-                <a:tab pos="2057400" algn="l"/>
-              </a:tabLst>
             </a:pPr>
             <a:r>
               <a:rPr lang="en-US" sz="1200" dirty="0">
                 <a:ea typeface="ＭＳ Ｐゴシック" charset="0"/>
                 <a:cs typeface="ＭＳ Ｐゴシック" charset="0"/>
               </a:rPr>
-              <a:t>      &lt;</a:t>
+              <a:t>		&lt;/</a:t>
             </a:r>
             <a:r>
               <a:rPr lang="en-US" sz="1200" dirty="0" err="1">
                 <a:ea typeface="ＭＳ Ｐゴシック" charset="0"/>
                 <a:cs typeface="ＭＳ Ｐゴシック" charset="0"/>
               </a:rPr>
-              <a:t>owl:someValuesFrom</a:t>
+              <a:t>owl:Restriction</a:t>
             </a:r>
             <a:r>
               <a:rPr lang="en-US" sz="1200" dirty="0">
                 <a:ea typeface="ＭＳ Ｐゴシック" charset="0"/>
                 <a:cs typeface="ＭＳ Ｐゴシック" charset="0"/>
               </a:rPr>
-              <a:t> </a:t>
-            </a:r>
-            <a:r>
-              <a:rPr lang="en-US" sz="1200" dirty="0" err="1">
-                <a:ea typeface="ＭＳ Ｐゴシック" charset="0"/>
-                <a:cs typeface="ＭＳ Ｐゴシック" charset="0"/>
-              </a:rPr>
-              <a:t>rdf:resource</a:t>
-            </a:r>
-            <a:r>
-              <a:rPr lang="en-US" sz="1200" dirty="0">
-                <a:ea typeface="ＭＳ Ｐゴシック" charset="0"/>
-                <a:cs typeface="ＭＳ Ｐゴシック" charset="0"/>
-              </a:rPr>
-              <a:t>="#animal"/&gt;</a:t>
+              <a:t>&gt;</a:t>
             </a:r>
           </a:p>
           <a:p>
             <a:pPr marL="533400" indent="-533400" eaLnBrk="1" hangingPunct="1">
-              <a:lnSpc>
-                <a:spcPct val="90000"/>
-              </a:lnSpc>
               <a:buFont typeface="Wingdings" charset="0"/>
               <a:buNone/>
-              <a:tabLst>
-                <a:tab pos="1079500" algn="l"/>
-                <a:tab pos="1612900" algn="l"/>
-                <a:tab pos="2057400" algn="l"/>
-              </a:tabLst>
             </a:pPr>
             <a:r>
               <a:rPr lang="en-US" sz="1200" dirty="0">
                 <a:ea typeface="ＭＳ Ｐゴシック" charset="0"/>
                 <a:cs typeface="ＭＳ Ｐゴシック" charset="0"/>
               </a:rPr>
-              <a:t>    &lt;/</a:t>
+              <a:t>  &lt;/</a:t>
             </a:r>
             <a:r>
               <a:rPr lang="en-US" sz="1200" dirty="0" err="1">
                 <a:ea typeface="ＭＳ Ｐゴシック" charset="0"/>
                 <a:cs typeface="ＭＳ Ｐゴシック" charset="0"/>
               </a:rPr>
-              <a:t>owl:Restriction</a:t>
+              <a:t>rdfs:subClassOf</a:t>
             </a:r>
             <a:r>
               <a:rPr lang="en-US" sz="1200" dirty="0">
@@ -18068,51 +17518,8 @@
           </a:p>
           <a:p>
             <a:pPr marL="533400" indent="-533400" eaLnBrk="1" hangingPunct="1">
-              <a:lnSpc>
-                <a:spcPct val="90000"/>
-              </a:lnSpc>
               <a:buFont typeface="Wingdings" charset="0"/>
               <a:buNone/>
-              <a:tabLst>
-                <a:tab pos="1079500" algn="l"/>
-                <a:tab pos="1612900" algn="l"/>
-                <a:tab pos="2057400" algn="l"/>
-              </a:tabLst>
-            </a:pPr>
-            <a:r>
-              <a:rPr lang="en-US" sz="1200" dirty="0">
-                <a:ea typeface="ＭＳ Ｐゴシック" charset="0"/>
-                <a:cs typeface="ＭＳ Ｐゴシック" charset="0"/>
-              </a:rPr>
-              <a:t>  &lt;/</a:t>
-            </a:r>
-            <a:r>
-              <a:rPr lang="en-US" sz="1200" dirty="0" err="1">
-                <a:ea typeface="ＭＳ Ｐゴシック" charset="0"/>
-                <a:cs typeface="ＭＳ Ｐゴシック" charset="0"/>
-              </a:rPr>
-              <a:t>owl:intersectionOf</a:t>
-            </a:r>
-            <a:r>
-              <a:rPr lang="en-US" sz="1200" dirty="0">
-                <a:ea typeface="ＭＳ Ｐゴシック" charset="0"/>
-                <a:cs typeface="ＭＳ Ｐゴシック" charset="0"/>
-              </a:rPr>
-              <a:t>&gt;</a:t>
-            </a:r>
-          </a:p>
-          <a:p>
-            <a:pPr marL="533400" indent="-533400" eaLnBrk="1" hangingPunct="1">
-              <a:lnSpc>
-                <a:spcPct val="90000"/>
-              </a:lnSpc>
-              <a:buFont typeface="Wingdings" charset="0"/>
-              <a:buNone/>
-              <a:tabLst>
-                <a:tab pos="1079500" algn="l"/>
-                <a:tab pos="1612900" algn="l"/>
-                <a:tab pos="2057400" algn="l"/>
-              </a:tabLst>
             </a:pPr>
             <a:r>
               <a:rPr lang="en-US" sz="1200" dirty="0">
@@ -18176,7 +17583,7 @@
       </p:grpSpPr>
       <p:sp>
         <p:nvSpPr>
-          <p:cNvPr id="160769" name="Rectangle 7"/>
+          <p:cNvPr id="158721" name="Rectangle 7"/>
           <p:cNvSpPr>
             <a:spLocks noGrp="1" noChangeArrowheads="1"/>
           </p:cNvSpPr>
@@ -18189,14 +17596,14 @@
           <a:ln/>
           <a:extLst>
             <a:ext uri="{909E8E84-426E-40dd-AFC4-6F175D3DCCD1}">
-              <a14:hiddenFill xmlns="" xmlns:a14="http://schemas.microsoft.com/office/drawing/2010/main">
+              <a14:hiddenFill xmlns:a14="http://schemas.microsoft.com/office/drawing/2010/main" xmlns="">
                 <a:solidFill>
                   <a:srgbClr val="FFFFFF"/>
                 </a:solidFill>
               </a14:hiddenFill>
             </a:ext>
             <a:ext uri="{91240B29-F687-4f45-9708-019B960494DF}">
-              <a14:hiddenLine xmlns="" xmlns:a14="http://schemas.microsoft.com/office/drawing/2010/main" w="9525">
+              <a14:hiddenLine xmlns:a14="http://schemas.microsoft.com/office/drawing/2010/main" xmlns="" w="9525">
                 <a:solidFill>
                   <a:srgbClr val="000000"/>
                 </a:solidFill>
@@ -18319,12 +17726,12 @@
           </a:lstStyle>
           <a:p>
             <a:pPr eaLnBrk="1" hangingPunct="1"/>
-            <a:fld id="{F5C877B2-823F-394F-9332-8C967BE0A2E8}" type="slidenum">
+            <a:fld id="{39D5C717-C7C0-FF48-9A34-3A8FD3C536C2}" type="slidenum">
               <a:rPr lang="el-GR" sz="1400">
                 <a:latin typeface="Calibri"/>
               </a:rPr>
               <a:pPr eaLnBrk="1" hangingPunct="1"/>
-              <a:t>80</a:t>
+              <a:t>79</a:t>
             </a:fld>
             <a:endParaRPr lang="el-GR" sz="1400" dirty="0">
               <a:latin typeface="Calibri"/>
@@ -18334,7 +17741,7 @@
       </p:sp>
       <p:sp>
         <p:nvSpPr>
-          <p:cNvPr id="160770" name="Rectangle 2"/>
+          <p:cNvPr id="158722" name="Rectangle 2"/>
           <p:cNvSpPr>
             <a:spLocks noGrp="1" noRot="1" noChangeAspect="1" noChangeArrowheads="1" noTextEdit="1"/>
           </p:cNvSpPr>
@@ -18348,7 +17755,7 @@
       </p:sp>
       <p:sp>
         <p:nvSpPr>
-          <p:cNvPr id="160771" name="Rectangle 3"/>
+          <p:cNvPr id="158723" name="Rectangle 3"/>
           <p:cNvSpPr>
             <a:spLocks noGrp="1" noChangeArrowheads="1"/>
           </p:cNvSpPr>
@@ -18361,17 +17768,17 @@
           <a:ln/>
           <a:extLst>
             <a:ext uri="{FAA26D3D-D897-4be2-8F04-BA451C77F1D7}">
-              <ma14:placeholderFlag xmlns="" xmlns:ma14="http://schemas.microsoft.com/office/mac/drawingml/2011/main" val="1"/>
+              <ma14:placeholderFlag xmlns:ma14="http://schemas.microsoft.com/office/mac/drawingml/2011/main" xmlns="" val="1"/>
             </a:ext>
             <a:ext uri="{909E8E84-426E-40dd-AFC4-6F175D3DCCD1}">
-              <a14:hiddenFill xmlns="" xmlns:a14="http://schemas.microsoft.com/office/drawing/2010/main">
+              <a14:hiddenFill xmlns:a14="http://schemas.microsoft.com/office/drawing/2010/main" xmlns="">
                 <a:solidFill>
                   <a:srgbClr val="FFFFFF"/>
                 </a:solidFill>
               </a14:hiddenFill>
             </a:ext>
             <a:ext uri="{91240B29-F687-4f45-9708-019B960494DF}">
-              <a14:hiddenLine xmlns="" xmlns:a14="http://schemas.microsoft.com/office/drawing/2010/main" w="9525">
+              <a14:hiddenLine xmlns:a14="http://schemas.microsoft.com/office/drawing/2010/main" xmlns="" w="9525">
                 <a:solidFill>
                   <a:srgbClr val="000000"/>
                 </a:solidFill>
@@ -18386,8 +17793,446 @@
           <a:bodyPr/>
           <a:lstStyle/>
           <a:p>
+            <a:pPr marL="533400" indent="-533400" eaLnBrk="1" hangingPunct="1">
+              <a:lnSpc>
+                <a:spcPct val="90000"/>
+              </a:lnSpc>
+              <a:buFont typeface="Wingdings" charset="0"/>
+              <a:buNone/>
+              <a:tabLst>
+                <a:tab pos="1079500" algn="l"/>
+                <a:tab pos="1612900" algn="l"/>
+                <a:tab pos="2057400" algn="l"/>
+              </a:tabLst>
+            </a:pPr>
+            <a:r>
+              <a:rPr lang="en-US" sz="1200" dirty="0">
+                <a:ea typeface="ＭＳ Ｐゴシック" charset="0"/>
+                <a:cs typeface="ＭＳ Ｐゴシック" charset="0"/>
+              </a:rPr>
+              <a:t>&lt;</a:t>
+            </a:r>
+            <a:r>
+              <a:rPr lang="en-US" sz="1200" dirty="0" err="1">
+                <a:ea typeface="ＭＳ Ｐゴシック" charset="0"/>
+                <a:cs typeface="ＭＳ Ｐゴシック" charset="0"/>
+              </a:rPr>
+              <a:t>owl:Class</a:t>
+            </a:r>
+            <a:r>
+              <a:rPr lang="en-US" sz="1200" dirty="0">
+                <a:ea typeface="ＭＳ Ｐゴシック" charset="0"/>
+                <a:cs typeface="ＭＳ Ｐゴシック" charset="0"/>
+              </a:rPr>
+              <a:t> </a:t>
+            </a:r>
+            <a:r>
+              <a:rPr lang="en-US" sz="1200" dirty="0" err="1">
+                <a:ea typeface="ＭＳ Ｐゴシック" charset="0"/>
+                <a:cs typeface="ＭＳ Ｐゴシック" charset="0"/>
+              </a:rPr>
+              <a:t>rdf:ID</a:t>
+            </a:r>
+            <a:r>
+              <a:rPr lang="en-US" sz="1200" dirty="0">
+                <a:ea typeface="ＭＳ Ｐゴシック" charset="0"/>
+                <a:cs typeface="ＭＳ Ｐゴシック" charset="0"/>
+              </a:rPr>
+              <a:t>="carnivore"&gt;</a:t>
+            </a:r>
+          </a:p>
+          <a:p>
+            <a:pPr marL="533400" indent="-533400" eaLnBrk="1" hangingPunct="1">
+              <a:lnSpc>
+                <a:spcPct val="90000"/>
+              </a:lnSpc>
+              <a:buFont typeface="Wingdings" charset="0"/>
+              <a:buNone/>
+              <a:tabLst>
+                <a:tab pos="1079500" algn="l"/>
+                <a:tab pos="1612900" algn="l"/>
+                <a:tab pos="2057400" algn="l"/>
+              </a:tabLst>
+            </a:pPr>
+            <a:r>
+              <a:rPr lang="en-US" sz="1200" dirty="0">
+                <a:ea typeface="ＭＳ Ｐゴシック" charset="0"/>
+                <a:cs typeface="ＭＳ Ｐゴシック" charset="0"/>
+              </a:rPr>
+              <a:t>  &lt;</a:t>
+            </a:r>
+            <a:r>
+              <a:rPr lang="en-US" sz="1200" dirty="0" err="1">
+                <a:ea typeface="ＭＳ Ｐゴシック" charset="0"/>
+                <a:cs typeface="ＭＳ Ｐゴシック" charset="0"/>
+              </a:rPr>
+              <a:t>rdfs:comment</a:t>
+            </a:r>
+            <a:r>
+              <a:rPr lang="en-US" sz="1200" dirty="0">
+                <a:ea typeface="ＭＳ Ｐゴシック" charset="0"/>
+                <a:cs typeface="ＭＳ Ｐゴシック" charset="0"/>
+              </a:rPr>
+              <a:t>&gt;Carnivores are exactly those animals that eat also animals.&lt;/</a:t>
+            </a:r>
+            <a:r>
+              <a:rPr lang="en-US" sz="1200" dirty="0" err="1">
+                <a:ea typeface="ＭＳ Ｐゴシック" charset="0"/>
+                <a:cs typeface="ＭＳ Ｐゴシック" charset="0"/>
+              </a:rPr>
+              <a:t>rdfs:comment</a:t>
+            </a:r>
+            <a:r>
+              <a:rPr lang="en-US" sz="1200" dirty="0">
+                <a:ea typeface="ＭＳ Ｐゴシック" charset="0"/>
+                <a:cs typeface="ＭＳ Ｐゴシック" charset="0"/>
+              </a:rPr>
+              <a:t>&gt;</a:t>
+            </a:r>
+          </a:p>
+          <a:p>
+            <a:pPr marL="533400" indent="-533400" eaLnBrk="1" hangingPunct="1">
+              <a:lnSpc>
+                <a:spcPct val="90000"/>
+              </a:lnSpc>
+              <a:buFont typeface="Wingdings" charset="0"/>
+              <a:buNone/>
+              <a:tabLst>
+                <a:tab pos="1079500" algn="l"/>
+                <a:tab pos="1612900" algn="l"/>
+                <a:tab pos="2057400" algn="l"/>
+              </a:tabLst>
+            </a:pPr>
+            <a:r>
+              <a:rPr lang="en-US" sz="1200" dirty="0">
+                <a:ea typeface="ＭＳ Ｐゴシック" charset="0"/>
+                <a:cs typeface="ＭＳ Ｐゴシック" charset="0"/>
+              </a:rPr>
+              <a:t>  &lt;</a:t>
+            </a:r>
+            <a:r>
+              <a:rPr lang="en-US" sz="1200" dirty="0" err="1">
+                <a:ea typeface="ＭＳ Ｐゴシック" charset="0"/>
+                <a:cs typeface="ＭＳ Ｐゴシック" charset="0"/>
+              </a:rPr>
+              <a:t>owl:intersectionOf</a:t>
+            </a:r>
+            <a:r>
+              <a:rPr lang="en-US" sz="1200" dirty="0">
+                <a:ea typeface="ＭＳ Ｐゴシック" charset="0"/>
+                <a:cs typeface="ＭＳ Ｐゴシック" charset="0"/>
+              </a:rPr>
+              <a:t> </a:t>
+            </a:r>
+            <a:r>
+              <a:rPr lang="en-US" sz="1200" dirty="0" err="1">
+                <a:ea typeface="ＭＳ Ｐゴシック" charset="0"/>
+                <a:cs typeface="ＭＳ Ｐゴシック" charset="0"/>
+              </a:rPr>
+              <a:t>rdf:parsetype</a:t>
+            </a:r>
+            <a:r>
+              <a:rPr lang="en-US" sz="1200" dirty="0">
+                <a:ea typeface="ＭＳ Ｐゴシック" charset="0"/>
+                <a:cs typeface="ＭＳ Ｐゴシック" charset="0"/>
+              </a:rPr>
+              <a:t>="Collection"&gt;</a:t>
+            </a:r>
+          </a:p>
+          <a:p>
+            <a:pPr marL="533400" indent="-533400" eaLnBrk="1" hangingPunct="1">
+              <a:lnSpc>
+                <a:spcPct val="90000"/>
+              </a:lnSpc>
+              <a:buFont typeface="Wingdings" charset="0"/>
+              <a:buNone/>
+              <a:tabLst>
+                <a:tab pos="1079500" algn="l"/>
+                <a:tab pos="1612900" algn="l"/>
+                <a:tab pos="2057400" algn="l"/>
+              </a:tabLst>
+            </a:pPr>
+            <a:r>
+              <a:rPr lang="en-US" sz="1200" dirty="0">
+                <a:ea typeface="ＭＳ Ｐゴシック" charset="0"/>
+                <a:cs typeface="ＭＳ Ｐゴシック" charset="0"/>
+              </a:rPr>
+              <a:t>    &lt;</a:t>
+            </a:r>
+            <a:r>
+              <a:rPr lang="en-US" sz="1200" dirty="0" err="1">
+                <a:ea typeface="ＭＳ Ｐゴシック" charset="0"/>
+                <a:cs typeface="ＭＳ Ｐゴシック" charset="0"/>
+              </a:rPr>
+              <a:t>owl:Class</a:t>
+            </a:r>
+            <a:r>
+              <a:rPr lang="en-US" sz="1200" dirty="0">
+                <a:ea typeface="ＭＳ Ｐゴシック" charset="0"/>
+                <a:cs typeface="ＭＳ Ｐゴシック" charset="0"/>
+              </a:rPr>
+              <a:t> </a:t>
+            </a:r>
+            <a:r>
+              <a:rPr lang="en-US" sz="1200" dirty="0" err="1">
+                <a:ea typeface="ＭＳ Ｐゴシック" charset="0"/>
+                <a:cs typeface="ＭＳ Ｐゴシック" charset="0"/>
+              </a:rPr>
+              <a:t>rdf:about</a:t>
+            </a:r>
+            <a:r>
+              <a:rPr lang="en-US" sz="1200" dirty="0">
+                <a:ea typeface="ＭＳ Ｐゴシック" charset="0"/>
+                <a:cs typeface="ＭＳ Ｐゴシック" charset="0"/>
+              </a:rPr>
+              <a:t>="#animal"/&gt;</a:t>
+            </a:r>
+          </a:p>
+          <a:p>
+            <a:pPr marL="533400" indent="-533400" eaLnBrk="1" hangingPunct="1">
+              <a:lnSpc>
+                <a:spcPct val="90000"/>
+              </a:lnSpc>
+              <a:buFont typeface="Wingdings" charset="0"/>
+              <a:buNone/>
+              <a:tabLst>
+                <a:tab pos="1079500" algn="l"/>
+                <a:tab pos="1612900" algn="l"/>
+                <a:tab pos="2057400" algn="l"/>
+              </a:tabLst>
+            </a:pPr>
+            <a:r>
+              <a:rPr lang="en-US" sz="1200" dirty="0">
+                <a:ea typeface="ＭＳ Ｐゴシック" charset="0"/>
+                <a:cs typeface="ＭＳ Ｐゴシック" charset="0"/>
+              </a:rPr>
+              <a:t>    &lt;</a:t>
+            </a:r>
+            <a:r>
+              <a:rPr lang="en-US" sz="1200" dirty="0" err="1">
+                <a:ea typeface="ＭＳ Ｐゴシック" charset="0"/>
+                <a:cs typeface="ＭＳ Ｐゴシック" charset="0"/>
+              </a:rPr>
+              <a:t>owl:Restriction</a:t>
+            </a:r>
+            <a:r>
+              <a:rPr lang="en-US" sz="1200" dirty="0">
+                <a:ea typeface="ＭＳ Ｐゴシック" charset="0"/>
+                <a:cs typeface="ＭＳ Ｐゴシック" charset="0"/>
+              </a:rPr>
+              <a:t>&gt;</a:t>
+            </a:r>
+          </a:p>
+          <a:p>
+            <a:pPr marL="533400" indent="-533400" eaLnBrk="1" hangingPunct="1">
+              <a:lnSpc>
+                <a:spcPct val="90000"/>
+              </a:lnSpc>
+              <a:buFont typeface="Wingdings" charset="0"/>
+              <a:buNone/>
+              <a:tabLst>
+                <a:tab pos="1079500" algn="l"/>
+                <a:tab pos="1612900" algn="l"/>
+                <a:tab pos="2057400" algn="l"/>
+              </a:tabLst>
+            </a:pPr>
+            <a:r>
+              <a:rPr lang="en-US" sz="1200" dirty="0">
+                <a:ea typeface="ＭＳ Ｐゴシック" charset="0"/>
+                <a:cs typeface="ＭＳ Ｐゴシック" charset="0"/>
+              </a:rPr>
+              <a:t>      &lt;</a:t>
+            </a:r>
+            <a:r>
+              <a:rPr lang="en-US" sz="1200" dirty="0" err="1">
+                <a:ea typeface="ＭＳ Ｐゴシック" charset="0"/>
+                <a:cs typeface="ＭＳ Ｐゴシック" charset="0"/>
+              </a:rPr>
+              <a:t>owl:onProperty</a:t>
+            </a:r>
+            <a:r>
+              <a:rPr lang="en-US" sz="1200" dirty="0">
+                <a:ea typeface="ＭＳ Ｐゴシック" charset="0"/>
+                <a:cs typeface="ＭＳ Ｐゴシック" charset="0"/>
+              </a:rPr>
+              <a:t> </a:t>
+            </a:r>
+            <a:r>
+              <a:rPr lang="en-US" sz="1200" dirty="0" err="1">
+                <a:ea typeface="ＭＳ Ｐゴシック" charset="0"/>
+                <a:cs typeface="ＭＳ Ｐゴシック" charset="0"/>
+              </a:rPr>
+              <a:t>rdf:resource</a:t>
+            </a:r>
+            <a:r>
+              <a:rPr lang="en-US" sz="1200" dirty="0">
+                <a:ea typeface="ＭＳ Ｐゴシック" charset="0"/>
+                <a:cs typeface="ＭＳ Ｐゴシック" charset="0"/>
+              </a:rPr>
+              <a:t>="#eats"/&gt;</a:t>
+            </a:r>
+          </a:p>
+          <a:p>
+            <a:pPr marL="533400" indent="-533400" eaLnBrk="1" hangingPunct="1">
+              <a:lnSpc>
+                <a:spcPct val="90000"/>
+              </a:lnSpc>
+              <a:buFont typeface="Wingdings" charset="0"/>
+              <a:buNone/>
+              <a:tabLst>
+                <a:tab pos="1079500" algn="l"/>
+                <a:tab pos="1612900" algn="l"/>
+                <a:tab pos="2057400" algn="l"/>
+              </a:tabLst>
+            </a:pPr>
+            <a:r>
+              <a:rPr lang="en-US" sz="1200" dirty="0">
+                <a:ea typeface="ＭＳ Ｐゴシック" charset="0"/>
+                <a:cs typeface="ＭＳ Ｐゴシック" charset="0"/>
+              </a:rPr>
+              <a:t>      &lt;</a:t>
+            </a:r>
+            <a:r>
+              <a:rPr lang="en-US" sz="1200" dirty="0" err="1">
+                <a:ea typeface="ＭＳ Ｐゴシック" charset="0"/>
+                <a:cs typeface="ＭＳ Ｐゴシック" charset="0"/>
+              </a:rPr>
+              <a:t>owl:someValuesFrom</a:t>
+            </a:r>
+            <a:r>
+              <a:rPr lang="en-US" sz="1200" dirty="0">
+                <a:ea typeface="ＭＳ Ｐゴシック" charset="0"/>
+                <a:cs typeface="ＭＳ Ｐゴシック" charset="0"/>
+              </a:rPr>
+              <a:t> </a:t>
+            </a:r>
+            <a:r>
+              <a:rPr lang="en-US" sz="1200" dirty="0" err="1">
+                <a:ea typeface="ＭＳ Ｐゴシック" charset="0"/>
+                <a:cs typeface="ＭＳ Ｐゴシック" charset="0"/>
+              </a:rPr>
+              <a:t>rdf:resource</a:t>
+            </a:r>
+            <a:r>
+              <a:rPr lang="en-US" sz="1200" dirty="0">
+                <a:ea typeface="ＭＳ Ｐゴシック" charset="0"/>
+                <a:cs typeface="ＭＳ Ｐゴシック" charset="0"/>
+              </a:rPr>
+              <a:t>="#animal"/&gt;</a:t>
+            </a:r>
+          </a:p>
+          <a:p>
+            <a:pPr marL="533400" indent="-533400" eaLnBrk="1" hangingPunct="1">
+              <a:lnSpc>
+                <a:spcPct val="90000"/>
+              </a:lnSpc>
+              <a:buFont typeface="Wingdings" charset="0"/>
+              <a:buNone/>
+              <a:tabLst>
+                <a:tab pos="1079500" algn="l"/>
+                <a:tab pos="1612900" algn="l"/>
+                <a:tab pos="2057400" algn="l"/>
+              </a:tabLst>
+            </a:pPr>
+            <a:r>
+              <a:rPr lang="en-US" sz="1200" dirty="0">
+                <a:ea typeface="ＭＳ Ｐゴシック" charset="0"/>
+                <a:cs typeface="ＭＳ Ｐゴシック" charset="0"/>
+              </a:rPr>
+              <a:t>    &lt;/</a:t>
+            </a:r>
+            <a:r>
+              <a:rPr lang="en-US" sz="1200" dirty="0" err="1">
+                <a:ea typeface="ＭＳ Ｐゴシック" charset="0"/>
+                <a:cs typeface="ＭＳ Ｐゴシック" charset="0"/>
+              </a:rPr>
+              <a:t>owl:Restriction</a:t>
+            </a:r>
+            <a:r>
+              <a:rPr lang="en-US" sz="1200" dirty="0">
+                <a:ea typeface="ＭＳ Ｐゴシック" charset="0"/>
+                <a:cs typeface="ＭＳ Ｐゴシック" charset="0"/>
+              </a:rPr>
+              <a:t>&gt;</a:t>
+            </a:r>
+          </a:p>
+          <a:p>
+            <a:pPr marL="533400" indent="-533400" eaLnBrk="1" hangingPunct="1">
+              <a:lnSpc>
+                <a:spcPct val="90000"/>
+              </a:lnSpc>
+              <a:buFont typeface="Wingdings" charset="0"/>
+              <a:buNone/>
+              <a:tabLst>
+                <a:tab pos="1079500" algn="l"/>
+                <a:tab pos="1612900" algn="l"/>
+                <a:tab pos="2057400" algn="l"/>
+              </a:tabLst>
+            </a:pPr>
+            <a:r>
+              <a:rPr lang="en-US" sz="1200" dirty="0">
+                <a:ea typeface="ＭＳ Ｐゴシック" charset="0"/>
+                <a:cs typeface="ＭＳ Ｐゴシック" charset="0"/>
+              </a:rPr>
+              <a:t>  &lt;/</a:t>
+            </a:r>
+            <a:r>
+              <a:rPr lang="en-US" sz="1200" dirty="0" err="1">
+                <a:ea typeface="ＭＳ Ｐゴシック" charset="0"/>
+                <a:cs typeface="ＭＳ Ｐゴシック" charset="0"/>
+              </a:rPr>
+              <a:t>owl:intersectionOf</a:t>
+            </a:r>
+            <a:r>
+              <a:rPr lang="en-US" sz="1200" dirty="0">
+                <a:ea typeface="ＭＳ Ｐゴシック" charset="0"/>
+                <a:cs typeface="ＭＳ Ｐゴシック" charset="0"/>
+              </a:rPr>
+              <a:t>&gt;</a:t>
+            </a:r>
+          </a:p>
+          <a:p>
+            <a:pPr marL="533400" indent="-533400" eaLnBrk="1" hangingPunct="1">
+              <a:lnSpc>
+                <a:spcPct val="90000"/>
+              </a:lnSpc>
+              <a:buFont typeface="Wingdings" charset="0"/>
+              <a:buNone/>
+              <a:tabLst>
+                <a:tab pos="1079500" algn="l"/>
+                <a:tab pos="1612900" algn="l"/>
+                <a:tab pos="2057400" algn="l"/>
+              </a:tabLst>
+            </a:pPr>
+            <a:r>
+              <a:rPr lang="en-US" sz="1200" dirty="0">
+                <a:ea typeface="ＭＳ Ｐゴシック" charset="0"/>
+                <a:cs typeface="ＭＳ Ｐゴシック" charset="0"/>
+              </a:rPr>
+              <a:t>&lt;/</a:t>
+            </a:r>
+            <a:r>
+              <a:rPr lang="en-US" sz="1200" dirty="0" err="1">
+                <a:ea typeface="ＭＳ Ｐゴシック" charset="0"/>
+                <a:cs typeface="ＭＳ Ｐゴシック" charset="0"/>
+              </a:rPr>
+              <a:t>owl:Class</a:t>
+            </a:r>
+            <a:r>
+              <a:rPr lang="en-US" sz="1200" dirty="0">
+                <a:ea typeface="ＭＳ Ｐゴシック" charset="0"/>
+                <a:cs typeface="ＭＳ Ｐゴシック" charset="0"/>
+              </a:rPr>
+              <a:t>&gt;</a:t>
+            </a:r>
+            <a:endParaRPr lang="el-GR" sz="1200" dirty="0">
+              <a:ea typeface="ＭＳ Ｐゴシック" charset="0"/>
+              <a:cs typeface="ＭＳ Ｐゴシック" charset="0"/>
+            </a:endParaRPr>
+          </a:p>
+          <a:p>
             <a:pPr eaLnBrk="1" hangingPunct="1"/>
-            <a:endParaRPr lang="en-US">
+            <a:endParaRPr lang="en-US" dirty="0">
               <a:ea typeface="ＭＳ Ｐゴシック" charset="0"/>
               <a:cs typeface="ＭＳ Ｐゴシック" charset="0"/>
             </a:endParaRPr>
@@ -18434,14 +18279,14 @@
           <a:ln/>
           <a:extLst>
             <a:ext uri="{909E8E84-426E-40dd-AFC4-6F175D3DCCD1}">
-              <a14:hiddenFill xmlns="" xmlns:a14="http://schemas.microsoft.com/office/drawing/2010/main">
+              <a14:hiddenFill xmlns:a14="http://schemas.microsoft.com/office/drawing/2010/main" xmlns="">
                 <a:solidFill>
                   <a:srgbClr val="FFFFFF"/>
                 </a:solidFill>
               </a14:hiddenFill>
             </a:ext>
             <a:ext uri="{91240B29-F687-4f45-9708-019B960494DF}">
-              <a14:hiddenLine xmlns="" xmlns:a14="http://schemas.microsoft.com/office/drawing/2010/main" w="9525">
+              <a14:hiddenLine xmlns:a14="http://schemas.microsoft.com/office/drawing/2010/main" xmlns="" w="9525">
                 <a:solidFill>
                   <a:srgbClr val="000000"/>
                 </a:solidFill>
@@ -18569,7 +18414,7 @@
                 <a:latin typeface="Calibri"/>
               </a:rPr>
               <a:pPr eaLnBrk="1" hangingPunct="1"/>
-              <a:t>81</a:t>
+              <a:t>80</a:t>
             </a:fld>
             <a:endParaRPr lang="el-GR" sz="1400" dirty="0">
               <a:latin typeface="Calibri"/>
@@ -18606,17 +18451,17 @@
           <a:ln/>
           <a:extLst>
             <a:ext uri="{FAA26D3D-D897-4be2-8F04-BA451C77F1D7}">
-              <ma14:placeholderFlag xmlns="" xmlns:ma14="http://schemas.microsoft.com/office/mac/drawingml/2011/main" val="1"/>
+              <ma14:placeholderFlag xmlns:ma14="http://schemas.microsoft.com/office/mac/drawingml/2011/main" xmlns="" val="1"/>
             </a:ext>
             <a:ext uri="{909E8E84-426E-40dd-AFC4-6F175D3DCCD1}">
-              <a14:hiddenFill xmlns="" xmlns:a14="http://schemas.microsoft.com/office/drawing/2010/main">
+              <a14:hiddenFill xmlns:a14="http://schemas.microsoft.com/office/drawing/2010/main" xmlns="">
                 <a:solidFill>
                   <a:srgbClr val="FFFFFF"/>
                 </a:solidFill>
               </a14:hiddenFill>
             </a:ext>
             <a:ext uri="{91240B29-F687-4f45-9708-019B960494DF}">
-              <a14:hiddenLine xmlns="" xmlns:a14="http://schemas.microsoft.com/office/drawing/2010/main" w="9525">
+              <a14:hiddenLine xmlns:a14="http://schemas.microsoft.com/office/drawing/2010/main" xmlns="" w="9525">
                 <a:solidFill>
                   <a:srgbClr val="000000"/>
                 </a:solidFill>
@@ -18632,7 +18477,7 @@
           <a:lstStyle/>
           <a:p>
             <a:pPr eaLnBrk="1" hangingPunct="1"/>
-            <a:endParaRPr lang="en-US" dirty="0">
+            <a:endParaRPr lang="en-US">
               <a:ea typeface="ＭＳ Ｐゴシック" charset="0"/>
               <a:cs typeface="ＭＳ Ｐゴシック" charset="0"/>
             </a:endParaRPr>
@@ -18679,14 +18524,14 @@
           <a:ln/>
           <a:extLst>
             <a:ext uri="{909E8E84-426E-40dd-AFC4-6F175D3DCCD1}">
-              <a14:hiddenFill xmlns="" xmlns:a14="http://schemas.microsoft.com/office/drawing/2010/main">
+              <a14:hiddenFill xmlns:a14="http://schemas.microsoft.com/office/drawing/2010/main" xmlns="">
                 <a:solidFill>
                   <a:srgbClr val="FFFFFF"/>
                 </a:solidFill>
               </a14:hiddenFill>
             </a:ext>
             <a:ext uri="{91240B29-F687-4f45-9708-019B960494DF}">
-              <a14:hiddenLine xmlns="" xmlns:a14="http://schemas.microsoft.com/office/drawing/2010/main" w="9525">
+              <a14:hiddenLine xmlns:a14="http://schemas.microsoft.com/office/drawing/2010/main" xmlns="" w="9525">
                 <a:solidFill>
                   <a:srgbClr val="000000"/>
                 </a:solidFill>
@@ -18814,7 +18659,7 @@
                 <a:latin typeface="Calibri"/>
               </a:rPr>
               <a:pPr eaLnBrk="1" hangingPunct="1"/>
-              <a:t>82</a:t>
+              <a:t>81</a:t>
             </a:fld>
             <a:endParaRPr lang="el-GR" sz="1400" dirty="0">
               <a:latin typeface="Calibri"/>
@@ -18851,17 +18696,17 @@
           <a:ln/>
           <a:extLst>
             <a:ext uri="{FAA26D3D-D897-4be2-8F04-BA451C77F1D7}">
-              <ma14:placeholderFlag xmlns="" xmlns:ma14="http://schemas.microsoft.com/office/mac/drawingml/2011/main" val="1"/>
+              <ma14:placeholderFlag xmlns:ma14="http://schemas.microsoft.com/office/mac/drawingml/2011/main" xmlns="" val="1"/>
             </a:ext>
             <a:ext uri="{909E8E84-426E-40dd-AFC4-6F175D3DCCD1}">
-              <a14:hiddenFill xmlns="" xmlns:a14="http://schemas.microsoft.com/office/drawing/2010/main">
+              <a14:hiddenFill xmlns:a14="http://schemas.microsoft.com/office/drawing/2010/main" xmlns="">
                 <a:solidFill>
                   <a:srgbClr val="FFFFFF"/>
                 </a:solidFill>
               </a14:hiddenFill>
             </a:ext>
             <a:ext uri="{91240B29-F687-4f45-9708-019B960494DF}">
-              <a14:hiddenLine xmlns="" xmlns:a14="http://schemas.microsoft.com/office/drawing/2010/main" w="9525">
+              <a14:hiddenLine xmlns:a14="http://schemas.microsoft.com/office/drawing/2010/main" xmlns="" w="9525">
                 <a:solidFill>
                   <a:srgbClr val="000000"/>
                 </a:solidFill>
@@ -18877,7 +18722,7 @@
           <a:lstStyle/>
           <a:p>
             <a:pPr eaLnBrk="1" hangingPunct="1"/>
-            <a:endParaRPr lang="en-US">
+            <a:endParaRPr lang="en-US" dirty="0">
               <a:ea typeface="ＭＳ Ｐゴシック" charset="0"/>
               <a:cs typeface="ＭＳ Ｐゴシック" charset="0"/>
             </a:endParaRPr>
@@ -18911,7 +18756,7 @@
       </p:grpSpPr>
       <p:sp>
         <p:nvSpPr>
-          <p:cNvPr id="164865" name="Rectangle 7"/>
+          <p:cNvPr id="160769" name="Rectangle 7"/>
           <p:cNvSpPr>
             <a:spLocks noGrp="1" noChangeArrowheads="1"/>
           </p:cNvSpPr>
@@ -18924,14 +18769,14 @@
           <a:ln/>
           <a:extLst>
             <a:ext uri="{909E8E84-426E-40dd-AFC4-6F175D3DCCD1}">
-              <a14:hiddenFill xmlns="" xmlns:a14="http://schemas.microsoft.com/office/drawing/2010/main">
+              <a14:hiddenFill xmlns:a14="http://schemas.microsoft.com/office/drawing/2010/main" xmlns="">
                 <a:solidFill>
                   <a:srgbClr val="FFFFFF"/>
                 </a:solidFill>
               </a14:hiddenFill>
             </a:ext>
             <a:ext uri="{91240B29-F687-4f45-9708-019B960494DF}">
-              <a14:hiddenLine xmlns="" xmlns:a14="http://schemas.microsoft.com/office/drawing/2010/main" w="9525">
+              <a14:hiddenLine xmlns:a14="http://schemas.microsoft.com/office/drawing/2010/main" xmlns="" w="9525">
                 <a:solidFill>
                   <a:srgbClr val="000000"/>
                 </a:solidFill>
@@ -19054,12 +18899,12 @@
           </a:lstStyle>
           <a:p>
             <a:pPr eaLnBrk="1" hangingPunct="1"/>
-            <a:fld id="{B2B4E22B-21C3-1442-9B64-9B96461AD68F}" type="slidenum">
+            <a:fld id="{F5C877B2-823F-394F-9332-8C967BE0A2E8}" type="slidenum">
               <a:rPr lang="el-GR" sz="1400">
                 <a:latin typeface="Calibri"/>
               </a:rPr>
               <a:pPr eaLnBrk="1" hangingPunct="1"/>
-              <a:t>83</a:t>
+              <a:t>82</a:t>
             </a:fld>
             <a:endParaRPr lang="el-GR" sz="1400" dirty="0">
               <a:latin typeface="Calibri"/>
@@ -19069,7 +18914,7 @@
       </p:sp>
       <p:sp>
         <p:nvSpPr>
-          <p:cNvPr id="164866" name="Rectangle 2"/>
+          <p:cNvPr id="160770" name="Rectangle 2"/>
           <p:cNvSpPr>
             <a:spLocks noGrp="1" noRot="1" noChangeAspect="1" noChangeArrowheads="1" noTextEdit="1"/>
           </p:cNvSpPr>
@@ -19083,7 +18928,7 @@
       </p:sp>
       <p:sp>
         <p:nvSpPr>
-          <p:cNvPr id="164867" name="Rectangle 3"/>
+          <p:cNvPr id="160771" name="Rectangle 3"/>
           <p:cNvSpPr>
             <a:spLocks noGrp="1" noChangeArrowheads="1"/>
           </p:cNvSpPr>
@@ -19096,17 +18941,17 @@
           <a:ln/>
           <a:extLst>
             <a:ext uri="{FAA26D3D-D897-4be2-8F04-BA451C77F1D7}">
-              <ma14:placeholderFlag xmlns="" xmlns:ma14="http://schemas.microsoft.com/office/mac/drawingml/2011/main" val="1"/>
+              <ma14:placeholderFlag xmlns:ma14="http://schemas.microsoft.com/office/mac/drawingml/2011/main" xmlns="" val="1"/>
             </a:ext>
             <a:ext uri="{909E8E84-426E-40dd-AFC4-6F175D3DCCD1}">
-              <a14:hiddenFill xmlns="" xmlns:a14="http://schemas.microsoft.com/office/drawing/2010/main">
+              <a14:hiddenFill xmlns:a14="http://schemas.microsoft.com/office/drawing/2010/main" xmlns="">
                 <a:solidFill>
                   <a:srgbClr val="FFFFFF"/>
                 </a:solidFill>
               </a14:hiddenFill>
             </a:ext>
             <a:ext uri="{91240B29-F687-4f45-9708-019B960494DF}">
-              <a14:hiddenLine xmlns="" xmlns:a14="http://schemas.microsoft.com/office/drawing/2010/main" w="9525">
+              <a14:hiddenLine xmlns:a14="http://schemas.microsoft.com/office/drawing/2010/main" xmlns="" w="9525">
                 <a:solidFill>
                   <a:srgbClr val="000000"/>
                 </a:solidFill>
@@ -19122,385 +18967,7 @@
           <a:lstStyle/>
           <a:p>
             <a:pPr eaLnBrk="1" hangingPunct="1"/>
-            <a:endParaRPr lang="en-US" dirty="0">
-              <a:ea typeface="ＭＳ Ｐゴシック" charset="0"/>
-              <a:cs typeface="ＭＳ Ｐゴシック" charset="0"/>
-            </a:endParaRPr>
-          </a:p>
-          <a:p>
-            <a:pPr eaLnBrk="1" hangingPunct="1"/>
-            <a:endParaRPr lang="en-US" dirty="0">
-              <a:ea typeface="ＭＳ Ｐゴシック" charset="0"/>
-              <a:cs typeface="ＭＳ Ｐゴシック" charset="0"/>
-            </a:endParaRPr>
-          </a:p>
-          <a:p>
-            <a:pPr eaLnBrk="1" hangingPunct="1"/>
-            <a:endParaRPr lang="en-US" dirty="0">
-              <a:ea typeface="ＭＳ Ｐゴシック" charset="0"/>
-              <a:cs typeface="ＭＳ Ｐゴシック" charset="0"/>
-            </a:endParaRPr>
-          </a:p>
-          <a:p>
-            <a:pPr marL="533400" indent="-533400" eaLnBrk="1" hangingPunct="1">
-              <a:buFont typeface="Wingdings" charset="0"/>
-              <a:buNone/>
-            </a:pPr>
-            <a:r>
-              <a:rPr lang="en-US" sz="1200" dirty="0">
-                <a:ea typeface="ＭＳ Ｐゴシック" charset="0"/>
-                <a:cs typeface="ＭＳ Ｐゴシック" charset="0"/>
-              </a:rPr>
-              <a:t>&lt;</a:t>
-            </a:r>
-            <a:r>
-              <a:rPr lang="en-US" sz="1200" dirty="0" err="1">
-                <a:ea typeface="ＭＳ Ｐゴシック" charset="0"/>
-                <a:cs typeface="ＭＳ Ｐゴシック" charset="0"/>
-              </a:rPr>
-              <a:t>owl:Class</a:t>
-            </a:r>
-            <a:r>
-              <a:rPr lang="en-US" sz="1200" dirty="0">
-                <a:ea typeface="ＭＳ Ｐゴシック" charset="0"/>
-                <a:cs typeface="ＭＳ Ｐゴシック" charset="0"/>
-              </a:rPr>
-              <a:t> </a:t>
-            </a:r>
-            <a:r>
-              <a:rPr lang="en-US" sz="1200" dirty="0" err="1">
-                <a:ea typeface="ＭＳ Ｐゴシック" charset="0"/>
-                <a:cs typeface="ＭＳ Ｐゴシック" charset="0"/>
-              </a:rPr>
-              <a:t>rdf:ID</a:t>
-            </a:r>
-            <a:r>
-              <a:rPr lang="en-US" sz="1200" dirty="0">
-                <a:ea typeface="ＭＳ Ｐゴシック" charset="0"/>
-                <a:cs typeface="ＭＳ Ｐゴシック" charset="0"/>
-              </a:rPr>
-              <a:t>="giraffe"&gt;</a:t>
-            </a:r>
-          </a:p>
-          <a:p>
-            <a:pPr marL="533400" indent="-533400" eaLnBrk="1" hangingPunct="1">
-              <a:buFont typeface="Wingdings" charset="0"/>
-              <a:buNone/>
-            </a:pPr>
-            <a:r>
-              <a:rPr lang="en-US" sz="1200" dirty="0">
-                <a:ea typeface="ＭＳ Ｐゴシック" charset="0"/>
-                <a:cs typeface="ＭＳ Ｐゴシック" charset="0"/>
-              </a:rPr>
-              <a:t>	&lt;</a:t>
-            </a:r>
-            <a:r>
-              <a:rPr lang="en-US" sz="1200" dirty="0" err="1">
-                <a:ea typeface="ＭＳ Ｐゴシック" charset="0"/>
-                <a:cs typeface="ＭＳ Ｐゴシック" charset="0"/>
-              </a:rPr>
-              <a:t>rdfs:comment</a:t>
-            </a:r>
-            <a:r>
-              <a:rPr lang="en-US" sz="1200" dirty="0">
-                <a:ea typeface="ＭＳ Ｐゴシック" charset="0"/>
-                <a:cs typeface="ＭＳ Ｐゴシック" charset="0"/>
-              </a:rPr>
-              <a:t>&gt;Giraffes are herbivores, and they</a:t>
-            </a:r>
-          </a:p>
-          <a:p>
-            <a:pPr marL="533400" indent="-533400" eaLnBrk="1" hangingPunct="1">
-              <a:buFont typeface="Wingdings" charset="0"/>
-              <a:buNone/>
-            </a:pPr>
-            <a:r>
-              <a:rPr lang="en-US" sz="1200" dirty="0">
-                <a:ea typeface="ＭＳ Ｐゴシック" charset="0"/>
-                <a:cs typeface="ＭＳ Ｐゴシック" charset="0"/>
-              </a:rPr>
-              <a:t>	eat only leaves.&lt;/</a:t>
-            </a:r>
-            <a:r>
-              <a:rPr lang="en-US" sz="1200" dirty="0" err="1">
-                <a:ea typeface="ＭＳ Ｐゴシック" charset="0"/>
-                <a:cs typeface="ＭＳ Ｐゴシック" charset="0"/>
-              </a:rPr>
-              <a:t>rdfs:comment</a:t>
-            </a:r>
-            <a:r>
-              <a:rPr lang="en-US" sz="1200" dirty="0">
-                <a:ea typeface="ＭＳ Ｐゴシック" charset="0"/>
-                <a:cs typeface="ＭＳ Ｐゴシック" charset="0"/>
-              </a:rPr>
-              <a:t>&gt;</a:t>
-            </a:r>
-          </a:p>
-          <a:p>
-            <a:pPr marL="533400" indent="-533400" eaLnBrk="1" hangingPunct="1">
-              <a:buFont typeface="Wingdings" charset="0"/>
-              <a:buNone/>
-            </a:pPr>
-            <a:r>
-              <a:rPr lang="en-US" sz="1200" dirty="0">
-                <a:ea typeface="ＭＳ Ｐゴシック" charset="0"/>
-                <a:cs typeface="ＭＳ Ｐゴシック" charset="0"/>
-              </a:rPr>
-              <a:t>	&lt;</a:t>
-            </a:r>
-            <a:r>
-              <a:rPr lang="en-US" sz="1200" dirty="0" err="1">
-                <a:ea typeface="ＭＳ Ｐゴシック" charset="0"/>
-                <a:cs typeface="ＭＳ Ｐゴシック" charset="0"/>
-              </a:rPr>
-              <a:t>rdfs:subClassOf</a:t>
-            </a:r>
-            <a:r>
-              <a:rPr lang="en-US" sz="1200" dirty="0">
-                <a:ea typeface="ＭＳ Ｐゴシック" charset="0"/>
-                <a:cs typeface="ＭＳ Ｐゴシック" charset="0"/>
-              </a:rPr>
-              <a:t> </a:t>
-            </a:r>
-            <a:r>
-              <a:rPr lang="en-US" sz="1200" dirty="0" err="1">
-                <a:ea typeface="ＭＳ Ｐゴシック" charset="0"/>
-                <a:cs typeface="ＭＳ Ｐゴシック" charset="0"/>
-              </a:rPr>
-              <a:t>rdf:type</a:t>
-            </a:r>
-            <a:r>
-              <a:rPr lang="en-US" sz="1200" dirty="0">
-                <a:ea typeface="ＭＳ Ｐゴシック" charset="0"/>
-                <a:cs typeface="ＭＳ Ｐゴシック" charset="0"/>
-              </a:rPr>
-              <a:t>="#herbivore"/&gt;</a:t>
-            </a:r>
-          </a:p>
-          <a:p>
-            <a:pPr marL="533400" indent="-533400" eaLnBrk="1" hangingPunct="1">
-              <a:buFont typeface="Wingdings" charset="0"/>
-              <a:buNone/>
-            </a:pPr>
-            <a:r>
-              <a:rPr lang="en-US" sz="1200" dirty="0">
-                <a:ea typeface="ＭＳ Ｐゴシック" charset="0"/>
-                <a:cs typeface="ＭＳ Ｐゴシック" charset="0"/>
-              </a:rPr>
-              <a:t>	&lt;</a:t>
-            </a:r>
-            <a:r>
-              <a:rPr lang="en-US" sz="1200" dirty="0" err="1">
-                <a:ea typeface="ＭＳ Ｐゴシック" charset="0"/>
-                <a:cs typeface="ＭＳ Ｐゴシック" charset="0"/>
-              </a:rPr>
-              <a:t>rdfs:subClassOf</a:t>
-            </a:r>
-            <a:r>
-              <a:rPr lang="en-US" sz="1200" dirty="0">
-                <a:ea typeface="ＭＳ Ｐゴシック" charset="0"/>
-                <a:cs typeface="ＭＳ Ｐゴシック" charset="0"/>
-              </a:rPr>
-              <a:t>&gt;</a:t>
-            </a:r>
-          </a:p>
-          <a:p>
-            <a:pPr marL="533400" indent="-533400" eaLnBrk="1" hangingPunct="1">
-              <a:buFont typeface="Wingdings" charset="0"/>
-              <a:buNone/>
-            </a:pPr>
-            <a:r>
-              <a:rPr lang="en-US" sz="1200" dirty="0">
-                <a:ea typeface="ＭＳ Ｐゴシック" charset="0"/>
-                <a:cs typeface="ＭＳ Ｐゴシック" charset="0"/>
-              </a:rPr>
-              <a:t>		&lt;</a:t>
-            </a:r>
-            <a:r>
-              <a:rPr lang="en-US" sz="1200" dirty="0" err="1">
-                <a:ea typeface="ＭＳ Ｐゴシック" charset="0"/>
-                <a:cs typeface="ＭＳ Ｐゴシック" charset="0"/>
-              </a:rPr>
-              <a:t>owl:Restriction</a:t>
-            </a:r>
-            <a:r>
-              <a:rPr lang="en-US" sz="1200" dirty="0">
-                <a:ea typeface="ＭＳ Ｐゴシック" charset="0"/>
-                <a:cs typeface="ＭＳ Ｐゴシック" charset="0"/>
-              </a:rPr>
-              <a:t>&gt;</a:t>
-            </a:r>
-          </a:p>
-          <a:p>
-            <a:pPr marL="533400" indent="-533400" eaLnBrk="1" hangingPunct="1">
-              <a:buFont typeface="Wingdings" charset="0"/>
-              <a:buNone/>
-            </a:pPr>
-            <a:r>
-              <a:rPr lang="en-US" sz="1200" dirty="0">
-                <a:ea typeface="ＭＳ Ｐゴシック" charset="0"/>
-                <a:cs typeface="ＭＳ Ｐゴシック" charset="0"/>
-              </a:rPr>
-              <a:t>			&lt;</a:t>
-            </a:r>
-            <a:r>
-              <a:rPr lang="en-US" sz="1200" dirty="0" err="1">
-                <a:ea typeface="ＭＳ Ｐゴシック" charset="0"/>
-                <a:cs typeface="ＭＳ Ｐゴシック" charset="0"/>
-              </a:rPr>
-              <a:t>owl:onProperty</a:t>
-            </a:r>
-            <a:r>
-              <a:rPr lang="en-US" sz="1200" dirty="0">
-                <a:ea typeface="ＭＳ Ｐゴシック" charset="0"/>
-                <a:cs typeface="ＭＳ Ｐゴシック" charset="0"/>
-              </a:rPr>
-              <a:t> </a:t>
-            </a:r>
-            <a:r>
-              <a:rPr lang="en-US" sz="1200" dirty="0" err="1">
-                <a:ea typeface="ＭＳ Ｐゴシック" charset="0"/>
-                <a:cs typeface="ＭＳ Ｐゴシック" charset="0"/>
-              </a:rPr>
-              <a:t>rdf:resource</a:t>
-            </a:r>
-            <a:r>
-              <a:rPr lang="en-US" sz="1200" dirty="0">
-                <a:ea typeface="ＭＳ Ｐゴシック" charset="0"/>
-                <a:cs typeface="ＭＳ Ｐゴシック" charset="0"/>
-              </a:rPr>
-              <a:t>="#eats"/&gt;</a:t>
-            </a:r>
-          </a:p>
-          <a:p>
-            <a:pPr marL="533400" indent="-533400" eaLnBrk="1" hangingPunct="1">
-              <a:buFont typeface="Wingdings" charset="0"/>
-              <a:buNone/>
-            </a:pPr>
-            <a:r>
-              <a:rPr lang="en-US" sz="1200" dirty="0">
-                <a:ea typeface="ＭＳ Ｐゴシック" charset="0"/>
-                <a:cs typeface="ＭＳ Ｐゴシック" charset="0"/>
-              </a:rPr>
-              <a:t>			&lt;</a:t>
-            </a:r>
-            <a:r>
-              <a:rPr lang="en-US" sz="1200" dirty="0" err="1">
-                <a:ea typeface="ＭＳ Ｐゴシック" charset="0"/>
-                <a:cs typeface="ＭＳ Ｐゴシック" charset="0"/>
-              </a:rPr>
-              <a:t>owl:allValuesFrom</a:t>
-            </a:r>
-            <a:r>
-              <a:rPr lang="en-US" sz="1200" dirty="0">
-                <a:ea typeface="ＭＳ Ｐゴシック" charset="0"/>
-                <a:cs typeface="ＭＳ Ｐゴシック" charset="0"/>
-              </a:rPr>
-              <a:t> </a:t>
-            </a:r>
-            <a:r>
-              <a:rPr lang="en-US" sz="1200" dirty="0" err="1">
-                <a:ea typeface="ＭＳ Ｐゴシック" charset="0"/>
-                <a:cs typeface="ＭＳ Ｐゴシック" charset="0"/>
-              </a:rPr>
-              <a:t>rdf:resource</a:t>
-            </a:r>
-            <a:r>
-              <a:rPr lang="en-US" sz="1200" dirty="0">
-                <a:ea typeface="ＭＳ Ｐゴシック" charset="0"/>
-                <a:cs typeface="ＭＳ Ｐゴシック" charset="0"/>
-              </a:rPr>
-              <a:t>="#leaf"/&gt;</a:t>
-            </a:r>
-          </a:p>
-          <a:p>
-            <a:pPr marL="533400" indent="-533400" eaLnBrk="1" hangingPunct="1">
-              <a:buFont typeface="Wingdings" charset="0"/>
-              <a:buNone/>
-            </a:pPr>
-            <a:r>
-              <a:rPr lang="en-US" sz="1200" dirty="0">
-                <a:ea typeface="ＭＳ Ｐゴシック" charset="0"/>
-                <a:cs typeface="ＭＳ Ｐゴシック" charset="0"/>
-              </a:rPr>
-              <a:t>		&lt;/</a:t>
-            </a:r>
-            <a:r>
-              <a:rPr lang="en-US" sz="1200" dirty="0" err="1">
-                <a:ea typeface="ＭＳ Ｐゴシック" charset="0"/>
-                <a:cs typeface="ＭＳ Ｐゴシック" charset="0"/>
-              </a:rPr>
-              <a:t>owl:Restriction</a:t>
-            </a:r>
-            <a:r>
-              <a:rPr lang="en-US" sz="1200" dirty="0">
-                <a:ea typeface="ＭＳ Ｐゴシック" charset="0"/>
-                <a:cs typeface="ＭＳ Ｐゴシック" charset="0"/>
-              </a:rPr>
-              <a:t>&gt;</a:t>
-            </a:r>
-          </a:p>
-          <a:p>
-            <a:pPr marL="533400" indent="-533400" eaLnBrk="1" hangingPunct="1">
-              <a:buFont typeface="Wingdings" charset="0"/>
-              <a:buNone/>
-            </a:pPr>
-            <a:r>
-              <a:rPr lang="en-US" sz="1200" dirty="0">
-                <a:ea typeface="ＭＳ Ｐゴシック" charset="0"/>
-                <a:cs typeface="ＭＳ Ｐゴシック" charset="0"/>
-              </a:rPr>
-              <a:t>	&lt;/</a:t>
-            </a:r>
-            <a:r>
-              <a:rPr lang="en-US" sz="1200" dirty="0" err="1">
-                <a:ea typeface="ＭＳ Ｐゴシック" charset="0"/>
-                <a:cs typeface="ＭＳ Ｐゴシック" charset="0"/>
-              </a:rPr>
-              <a:t>rdfs:subClassOf</a:t>
-            </a:r>
-            <a:r>
-              <a:rPr lang="en-US" sz="1200" dirty="0">
-                <a:ea typeface="ＭＳ Ｐゴシック" charset="0"/>
-                <a:cs typeface="ＭＳ Ｐゴシック" charset="0"/>
-              </a:rPr>
-              <a:t>&gt;</a:t>
-            </a:r>
-          </a:p>
-          <a:p>
-            <a:pPr marL="533400" indent="-533400" eaLnBrk="1" hangingPunct="1">
-              <a:buFont typeface="Wingdings" charset="0"/>
-              <a:buNone/>
-            </a:pPr>
-            <a:r>
-              <a:rPr lang="en-US" sz="1200" dirty="0">
-                <a:ea typeface="ＭＳ Ｐゴシック" charset="0"/>
-                <a:cs typeface="ＭＳ Ｐゴシック" charset="0"/>
-              </a:rPr>
-              <a:t>&lt;/</a:t>
-            </a:r>
-            <a:r>
-              <a:rPr lang="en-US" sz="1200" dirty="0" err="1">
-                <a:ea typeface="ＭＳ Ｐゴシック" charset="0"/>
-                <a:cs typeface="ＭＳ Ｐゴシック" charset="0"/>
-              </a:rPr>
-              <a:t>owl:Class</a:t>
-            </a:r>
-            <a:r>
-              <a:rPr lang="en-US" sz="1200" dirty="0">
-                <a:ea typeface="ＭＳ Ｐゴシック" charset="0"/>
-                <a:cs typeface="ＭＳ Ｐゴシック" charset="0"/>
-              </a:rPr>
-              <a:t>&gt;</a:t>
-            </a:r>
-            <a:endParaRPr lang="el-GR" sz="1200" dirty="0">
-              <a:ea typeface="ＭＳ Ｐゴシック" charset="0"/>
-              <a:cs typeface="ＭＳ Ｐゴシック" charset="0"/>
-            </a:endParaRPr>
-          </a:p>
-          <a:p>
-            <a:pPr eaLnBrk="1" hangingPunct="1"/>
-            <a:endParaRPr lang="en-US" dirty="0">
+            <a:endParaRPr lang="en-US">
               <a:ea typeface="ＭＳ Ｐゴシック" charset="0"/>
               <a:cs typeface="ＭＳ Ｐゴシック" charset="0"/>
             </a:endParaRPr>
@@ -19534,7 +19001,7 @@
       </p:grpSpPr>
       <p:sp>
         <p:nvSpPr>
-          <p:cNvPr id="166913" name="Rectangle 7"/>
+          <p:cNvPr id="164865" name="Rectangle 7"/>
           <p:cNvSpPr>
             <a:spLocks noGrp="1" noChangeArrowheads="1"/>
           </p:cNvSpPr>
@@ -19547,14 +19014,14 @@
           <a:ln/>
           <a:extLst>
             <a:ext uri="{909E8E84-426E-40dd-AFC4-6F175D3DCCD1}">
-              <a14:hiddenFill xmlns="" xmlns:a14="http://schemas.microsoft.com/office/drawing/2010/main">
+              <a14:hiddenFill xmlns:a14="http://schemas.microsoft.com/office/drawing/2010/main" xmlns="">
                 <a:solidFill>
                   <a:srgbClr val="FFFFFF"/>
                 </a:solidFill>
               </a14:hiddenFill>
             </a:ext>
             <a:ext uri="{91240B29-F687-4f45-9708-019B960494DF}">
-              <a14:hiddenLine xmlns="" xmlns:a14="http://schemas.microsoft.com/office/drawing/2010/main" w="9525">
+              <a14:hiddenLine xmlns:a14="http://schemas.microsoft.com/office/drawing/2010/main" xmlns="" w="9525">
                 <a:solidFill>
                   <a:srgbClr val="000000"/>
                 </a:solidFill>
@@ -19677,12 +19144,12 @@
           </a:lstStyle>
           <a:p>
             <a:pPr eaLnBrk="1" hangingPunct="1"/>
-            <a:fld id="{4BB07292-30C7-C946-AA49-7E374D6431D5}" type="slidenum">
+            <a:fld id="{B2B4E22B-21C3-1442-9B64-9B96461AD68F}" type="slidenum">
               <a:rPr lang="el-GR" sz="1400">
                 <a:latin typeface="Calibri"/>
               </a:rPr>
               <a:pPr eaLnBrk="1" hangingPunct="1"/>
-              <a:t>84</a:t>
+              <a:t>83</a:t>
             </a:fld>
             <a:endParaRPr lang="el-GR" sz="1400" dirty="0">
               <a:latin typeface="Calibri"/>
@@ -19692,7 +19159,7 @@
       </p:sp>
       <p:sp>
         <p:nvSpPr>
-          <p:cNvPr id="166914" name="Rectangle 2"/>
+          <p:cNvPr id="164866" name="Rectangle 2"/>
           <p:cNvSpPr>
             <a:spLocks noGrp="1" noRot="1" noChangeAspect="1" noChangeArrowheads="1" noTextEdit="1"/>
           </p:cNvSpPr>
@@ -19706,7 +19173,7 @@
       </p:sp>
       <p:sp>
         <p:nvSpPr>
-          <p:cNvPr id="166915" name="Rectangle 3"/>
+          <p:cNvPr id="164867" name="Rectangle 3"/>
           <p:cNvSpPr>
             <a:spLocks noGrp="1" noChangeArrowheads="1"/>
           </p:cNvSpPr>
@@ -19719,17 +19186,17 @@
           <a:ln/>
           <a:extLst>
             <a:ext uri="{FAA26D3D-D897-4be2-8F04-BA451C77F1D7}">
-              <ma14:placeholderFlag xmlns="" xmlns:ma14="http://schemas.microsoft.com/office/mac/drawingml/2011/main" val="1"/>
+              <ma14:placeholderFlag xmlns:ma14="http://schemas.microsoft.com/office/mac/drawingml/2011/main" xmlns="" val="1"/>
             </a:ext>
             <a:ext uri="{909E8E84-426E-40dd-AFC4-6F175D3DCCD1}">
-              <a14:hiddenFill xmlns="" xmlns:a14="http://schemas.microsoft.com/office/drawing/2010/main">
+              <a14:hiddenFill xmlns:a14="http://schemas.microsoft.com/office/drawing/2010/main" xmlns="">
                 <a:solidFill>
                   <a:srgbClr val="FFFFFF"/>
                 </a:solidFill>
               </a14:hiddenFill>
             </a:ext>
             <a:ext uri="{91240B29-F687-4f45-9708-019B960494DF}">
-              <a14:hiddenLine xmlns="" xmlns:a14="http://schemas.microsoft.com/office/drawing/2010/main" w="9525">
+              <a14:hiddenLine xmlns:a14="http://schemas.microsoft.com/office/drawing/2010/main" xmlns="" w="9525">
                 <a:solidFill>
                   <a:srgbClr val="000000"/>
                 </a:solidFill>
@@ -19765,101 +19232,94 @@
             </a:endParaRPr>
           </a:p>
           <a:p>
-            <a:pPr eaLnBrk="1" hangingPunct="1"/>
-            <a:endParaRPr lang="en-US" dirty="0">
-              <a:ea typeface="ＭＳ Ｐゴシック" charset="0"/>
-              <a:cs typeface="ＭＳ Ｐゴシック" charset="0"/>
-            </a:endParaRPr>
-          </a:p>
-          <a:p>
-            <a:pPr marL="342900" indent="-342900" defTabSz="698500" eaLnBrk="1" hangingPunct="1">
+            <a:pPr marL="533400" indent="-533400" eaLnBrk="1" hangingPunct="1">
               <a:buFont typeface="Wingdings" charset="0"/>
               <a:buNone/>
             </a:pPr>
             <a:r>
-              <a:rPr lang="en-US" dirty="0">
+              <a:rPr lang="en-US" sz="1200" dirty="0">
                 <a:ea typeface="ＭＳ Ｐゴシック" charset="0"/>
                 <a:cs typeface="ＭＳ Ｐゴシック" charset="0"/>
               </a:rPr>
               <a:t>&lt;</a:t>
             </a:r>
             <a:r>
-              <a:rPr lang="en-US" dirty="0" err="1">
+              <a:rPr lang="en-US" sz="1200" dirty="0" err="1">
                 <a:ea typeface="ＭＳ Ｐゴシック" charset="0"/>
                 <a:cs typeface="ＭＳ Ｐゴシック" charset="0"/>
               </a:rPr>
               <a:t>owl:Class</a:t>
             </a:r>
             <a:r>
-              <a:rPr lang="en-US" dirty="0">
+              <a:rPr lang="en-US" sz="1200" dirty="0">
                 <a:ea typeface="ＭＳ Ｐゴシック" charset="0"/>
                 <a:cs typeface="ＭＳ Ｐゴシック" charset="0"/>
               </a:rPr>
               <a:t> </a:t>
             </a:r>
             <a:r>
-              <a:rPr lang="en-US" dirty="0" err="1">
+              <a:rPr lang="en-US" sz="1200" dirty="0" err="1">
                 <a:ea typeface="ＭＳ Ｐゴシック" charset="0"/>
                 <a:cs typeface="ＭＳ Ｐゴシック" charset="0"/>
               </a:rPr>
               <a:t>rdf:ID</a:t>
             </a:r>
             <a:r>
-              <a:rPr lang="en-US" dirty="0">
-                <a:ea typeface="ＭＳ Ｐゴシック" charset="0"/>
-                <a:cs typeface="ＭＳ Ｐゴシック" charset="0"/>
-              </a:rPr>
-              <a:t>="lion"&gt;</a:t>
-            </a:r>
-          </a:p>
-          <a:p>
-            <a:pPr marL="342900" indent="-342900" defTabSz="698500" eaLnBrk="1" hangingPunct="1">
+              <a:rPr lang="en-US" sz="1200" dirty="0">
+                <a:ea typeface="ＭＳ Ｐゴシック" charset="0"/>
+                <a:cs typeface="ＭＳ Ｐゴシック" charset="0"/>
+              </a:rPr>
+              <a:t>="giraffe"&gt;</a:t>
+            </a:r>
+          </a:p>
+          <a:p>
+            <a:pPr marL="533400" indent="-533400" eaLnBrk="1" hangingPunct="1">
               <a:buFont typeface="Wingdings" charset="0"/>
               <a:buNone/>
             </a:pPr>
             <a:r>
-              <a:rPr lang="en-US" dirty="0">
+              <a:rPr lang="en-US" sz="1200" dirty="0">
                 <a:ea typeface="ＭＳ Ｐゴシック" charset="0"/>
                 <a:cs typeface="ＭＳ Ｐゴシック" charset="0"/>
               </a:rPr>
               <a:t>	&lt;</a:t>
             </a:r>
             <a:r>
-              <a:rPr lang="en-US" dirty="0" err="1">
+              <a:rPr lang="en-US" sz="1200" dirty="0" err="1">
                 <a:ea typeface="ＭＳ Ｐゴシック" charset="0"/>
                 <a:cs typeface="ＭＳ Ｐゴシック" charset="0"/>
               </a:rPr>
               <a:t>rdfs:comment</a:t>
             </a:r>
             <a:r>
-              <a:rPr lang="en-US" dirty="0">
-                <a:ea typeface="ＭＳ Ｐゴシック" charset="0"/>
-                <a:cs typeface="ＭＳ Ｐゴシック" charset="0"/>
-              </a:rPr>
-              <a:t>&gt;Lions are animals that eat</a:t>
-            </a:r>
-          </a:p>
-          <a:p>
-            <a:pPr marL="342900" indent="-342900" defTabSz="698500" eaLnBrk="1" hangingPunct="1">
+              <a:rPr lang="en-US" sz="1200" dirty="0">
+                <a:ea typeface="ＭＳ Ｐゴシック" charset="0"/>
+                <a:cs typeface="ＭＳ Ｐゴシック" charset="0"/>
+              </a:rPr>
+              <a:t>&gt;Giraffes are herbivores, and they</a:t>
+            </a:r>
+          </a:p>
+          <a:p>
+            <a:pPr marL="533400" indent="-533400" eaLnBrk="1" hangingPunct="1">
               <a:buFont typeface="Wingdings" charset="0"/>
               <a:buNone/>
             </a:pPr>
             <a:r>
-              <a:rPr lang="en-US" dirty="0">
-                <a:ea typeface="ＭＳ Ｐゴシック" charset="0"/>
-                <a:cs typeface="ＭＳ Ｐゴシック" charset="0"/>
-              </a:rPr>
-              <a:t>	only herbivores.&lt;/</a:t>
-            </a:r>
-            <a:r>
-              <a:rPr lang="en-US" dirty="0" err="1">
+              <a:rPr lang="en-US" sz="1200" dirty="0">
+                <a:ea typeface="ＭＳ Ｐゴシック" charset="0"/>
+                <a:cs typeface="ＭＳ Ｐゴシック" charset="0"/>
+              </a:rPr>
+              <a:t>	eat only leaves.&lt;/</a:t>
+            </a:r>
+            <a:r>
+              <a:rPr lang="en-US" sz="1200" dirty="0" err="1">
                 <a:ea typeface="ＭＳ Ｐゴシック" charset="0"/>
                 <a:cs typeface="ＭＳ Ｐゴシック" charset="0"/>
               </a:rPr>
               <a:t>rdfs:comment</a:t>
             </a:r>
             <a:r>
-              <a:rPr lang="en-US" dirty="0">
+              <a:rPr lang="en-US" sz="1200" dirty="0">
                 <a:ea typeface="ＭＳ Ｐゴシック" charset="0"/>
                 <a:cs typeface="ＭＳ Ｐゴシック" charset="0"/>
               </a:rPr>
@@ -19867,67 +19327,67 @@
             </a:r>
           </a:p>
           <a:p>
-            <a:pPr marL="342900" indent="-342900" defTabSz="698500" eaLnBrk="1" hangingPunct="1">
+            <a:pPr marL="533400" indent="-533400" eaLnBrk="1" hangingPunct="1">
               <a:buFont typeface="Wingdings" charset="0"/>
               <a:buNone/>
             </a:pPr>
             <a:r>
-              <a:rPr lang="en-US" dirty="0">
+              <a:rPr lang="en-US" sz="1200" dirty="0">
                 <a:ea typeface="ＭＳ Ｐゴシック" charset="0"/>
                 <a:cs typeface="ＭＳ Ｐゴシック" charset="0"/>
               </a:rPr>
               <a:t>	&lt;</a:t>
             </a:r>
             <a:r>
-              <a:rPr lang="en-US" dirty="0" err="1">
+              <a:rPr lang="en-US" sz="1200" dirty="0" err="1">
                 <a:ea typeface="ＭＳ Ｐゴシック" charset="0"/>
                 <a:cs typeface="ＭＳ Ｐゴシック" charset="0"/>
               </a:rPr>
               <a:t>rdfs:subClassOf</a:t>
             </a:r>
             <a:r>
-              <a:rPr lang="en-US" dirty="0">
+              <a:rPr lang="en-US" sz="1200" dirty="0">
                 <a:ea typeface="ＭＳ Ｐゴシック" charset="0"/>
                 <a:cs typeface="ＭＳ Ｐゴシック" charset="0"/>
               </a:rPr>
               <a:t> </a:t>
             </a:r>
             <a:r>
-              <a:rPr lang="en-US" dirty="0" err="1">
+              <a:rPr lang="en-US" sz="1200" dirty="0" err="1">
                 <a:ea typeface="ＭＳ Ｐゴシック" charset="0"/>
                 <a:cs typeface="ＭＳ Ｐゴシック" charset="0"/>
               </a:rPr>
               <a:t>rdf:type</a:t>
             </a:r>
             <a:r>
-              <a:rPr lang="en-US" dirty="0">
-                <a:ea typeface="ＭＳ Ｐゴシック" charset="0"/>
-                <a:cs typeface="ＭＳ Ｐゴシック" charset="0"/>
-              </a:rPr>
-              <a:t>="#carnivore"/&gt;</a:t>
-            </a:r>
-          </a:p>
-          <a:p>
-            <a:pPr marL="342900" indent="-342900" defTabSz="698500" eaLnBrk="1" hangingPunct="1">
+              <a:rPr lang="en-US" sz="1200" dirty="0">
+                <a:ea typeface="ＭＳ Ｐゴシック" charset="0"/>
+                <a:cs typeface="ＭＳ Ｐゴシック" charset="0"/>
+              </a:rPr>
+              <a:t>="#herbivore"/&gt;</a:t>
+            </a:r>
+          </a:p>
+          <a:p>
+            <a:pPr marL="533400" indent="-533400" eaLnBrk="1" hangingPunct="1">
               <a:buFont typeface="Wingdings" charset="0"/>
               <a:buNone/>
             </a:pPr>
             <a:r>
-              <a:rPr lang="en-US" dirty="0">
+              <a:rPr lang="en-US" sz="1200" dirty="0">
                 <a:ea typeface="ＭＳ Ｐゴシック" charset="0"/>
                 <a:cs typeface="ＭＳ Ｐゴシック" charset="0"/>
               </a:rPr>
               <a:t>	&lt;</a:t>
             </a:r>
             <a:r>
-              <a:rPr lang="en-US" dirty="0" err="1">
+              <a:rPr lang="en-US" sz="1200" dirty="0" err="1">
                 <a:ea typeface="ＭＳ Ｐゴシック" charset="0"/>
                 <a:cs typeface="ＭＳ Ｐゴシック" charset="0"/>
               </a:rPr>
               <a:t>rdfs:subClassOf</a:t>
             </a:r>
             <a:r>
-              <a:rPr lang="en-US" dirty="0">
+              <a:rPr lang="en-US" sz="1200" dirty="0">
                 <a:ea typeface="ＭＳ Ｐゴシック" charset="0"/>
                 <a:cs typeface="ＭＳ Ｐゴシック" charset="0"/>
               </a:rPr>
@@ -19935,26 +19395,26 @@
             </a:r>
           </a:p>
           <a:p>
-            <a:pPr marL="342900" indent="-342900" defTabSz="698500" eaLnBrk="1" hangingPunct="1">
+            <a:pPr marL="533400" indent="-533400" eaLnBrk="1" hangingPunct="1">
               <a:buFont typeface="Wingdings" charset="0"/>
               <a:buNone/>
             </a:pPr>
             <a:r>
-              <a:rPr lang="en-US" dirty="0">
+              <a:rPr lang="en-US" sz="1200" dirty="0">
                 <a:ea typeface="ＭＳ Ｐゴシック" charset="0"/>
                 <a:cs typeface="ＭＳ Ｐゴシック" charset="0"/>
               </a:rPr>
               <a:t>		&lt;</a:t>
             </a:r>
             <a:r>
-              <a:rPr lang="en-US" dirty="0" err="1">
+              <a:rPr lang="en-US" sz="1200" dirty="0" err="1">
                 <a:ea typeface="ＭＳ Ｐゴシック" charset="0"/>
                 <a:cs typeface="ＭＳ Ｐゴシック" charset="0"/>
               </a:rPr>
               <a:t>owl:Restriction</a:t>
             </a:r>
             <a:r>
-              <a:rPr lang="en-US" dirty="0">
+              <a:rPr lang="en-US" sz="1200" dirty="0">
                 <a:ea typeface="ＭＳ Ｐゴシック" charset="0"/>
                 <a:cs typeface="ＭＳ Ｐゴシック" charset="0"/>
               </a:rPr>
@@ -19962,40 +19422,40 @@
             </a:r>
           </a:p>
           <a:p>
-            <a:pPr marL="342900" indent="-342900" defTabSz="698500" eaLnBrk="1" hangingPunct="1">
+            <a:pPr marL="533400" indent="-533400" eaLnBrk="1" hangingPunct="1">
               <a:buFont typeface="Wingdings" charset="0"/>
               <a:buNone/>
             </a:pPr>
             <a:r>
-              <a:rPr lang="en-US" dirty="0">
-                <a:ea typeface="ＭＳ Ｐゴシック" charset="0"/>
-                <a:cs typeface="ＭＳ Ｐゴシック" charset="0"/>
-              </a:rPr>
-              <a:t>		  &lt;</a:t>
-            </a:r>
-            <a:r>
-              <a:rPr lang="en-US" dirty="0" err="1">
+              <a:rPr lang="en-US" sz="1200" dirty="0">
+                <a:ea typeface="ＭＳ Ｐゴシック" charset="0"/>
+                <a:cs typeface="ＭＳ Ｐゴシック" charset="0"/>
+              </a:rPr>
+              <a:t>			&lt;</a:t>
+            </a:r>
+            <a:r>
+              <a:rPr lang="en-US" sz="1200" dirty="0" err="1">
                 <a:ea typeface="ＭＳ Ｐゴシック" charset="0"/>
                 <a:cs typeface="ＭＳ Ｐゴシック" charset="0"/>
               </a:rPr>
               <a:t>owl:onProperty</a:t>
             </a:r>
             <a:r>
-              <a:rPr lang="en-US" dirty="0">
+              <a:rPr lang="en-US" sz="1200" dirty="0">
                 <a:ea typeface="ＭＳ Ｐゴシック" charset="0"/>
                 <a:cs typeface="ＭＳ Ｐゴシック" charset="0"/>
               </a:rPr>
               <a:t> </a:t>
             </a:r>
             <a:r>
-              <a:rPr lang="en-US" dirty="0" err="1">
+              <a:rPr lang="en-US" sz="1200" dirty="0" err="1">
                 <a:ea typeface="ＭＳ Ｐゴシック" charset="0"/>
                 <a:cs typeface="ＭＳ Ｐゴシック" charset="0"/>
               </a:rPr>
               <a:t>rdf:resource</a:t>
             </a:r>
             <a:r>
-              <a:rPr lang="en-US" dirty="0">
+              <a:rPr lang="en-US" sz="1200" dirty="0">
                 <a:ea typeface="ＭＳ Ｐゴシック" charset="0"/>
                 <a:cs typeface="ＭＳ Ｐゴシック" charset="0"/>
               </a:rPr>
@@ -20003,67 +19463,67 @@
             </a:r>
           </a:p>
           <a:p>
-            <a:pPr marL="342900" indent="-342900" defTabSz="698500" eaLnBrk="1" hangingPunct="1">
+            <a:pPr marL="533400" indent="-533400" eaLnBrk="1" hangingPunct="1">
               <a:buFont typeface="Wingdings" charset="0"/>
               <a:buNone/>
             </a:pPr>
             <a:r>
-              <a:rPr lang="en-US" dirty="0">
-                <a:ea typeface="ＭＳ Ｐゴシック" charset="0"/>
-                <a:cs typeface="ＭＳ Ｐゴシック" charset="0"/>
-              </a:rPr>
-              <a:t>		  &lt;</a:t>
-            </a:r>
-            <a:r>
-              <a:rPr lang="en-US" dirty="0" err="1">
+              <a:rPr lang="en-US" sz="1200" dirty="0">
+                <a:ea typeface="ＭＳ Ｐゴシック" charset="0"/>
+                <a:cs typeface="ＭＳ Ｐゴシック" charset="0"/>
+              </a:rPr>
+              <a:t>			&lt;</a:t>
+            </a:r>
+            <a:r>
+              <a:rPr lang="en-US" sz="1200" dirty="0" err="1">
                 <a:ea typeface="ＭＳ Ｐゴシック" charset="0"/>
                 <a:cs typeface="ＭＳ Ｐゴシック" charset="0"/>
               </a:rPr>
               <a:t>owl:allValuesFrom</a:t>
             </a:r>
             <a:r>
-              <a:rPr lang="en-US" dirty="0">
+              <a:rPr lang="en-US" sz="1200" dirty="0">
                 <a:ea typeface="ＭＳ Ｐゴシック" charset="0"/>
                 <a:cs typeface="ＭＳ Ｐゴシック" charset="0"/>
               </a:rPr>
               <a:t> </a:t>
             </a:r>
             <a:r>
-              <a:rPr lang="en-US" dirty="0" err="1">
+              <a:rPr lang="en-US" sz="1200" dirty="0" err="1">
                 <a:ea typeface="ＭＳ Ｐゴシック" charset="0"/>
                 <a:cs typeface="ＭＳ Ｐゴシック" charset="0"/>
               </a:rPr>
               <a:t>rdf:resource</a:t>
             </a:r>
             <a:r>
-              <a:rPr lang="en-US" dirty="0">
-                <a:ea typeface="ＭＳ Ｐゴシック" charset="0"/>
-                <a:cs typeface="ＭＳ Ｐゴシック" charset="0"/>
-              </a:rPr>
-              <a:t>="#herbivore"/&gt;</a:t>
-            </a:r>
-          </a:p>
-          <a:p>
-            <a:pPr marL="342900" indent="-342900" defTabSz="698500" eaLnBrk="1" hangingPunct="1">
+              <a:rPr lang="en-US" sz="1200" dirty="0">
+                <a:ea typeface="ＭＳ Ｐゴシック" charset="0"/>
+                <a:cs typeface="ＭＳ Ｐゴシック" charset="0"/>
+              </a:rPr>
+              <a:t>="#leaf"/&gt;</a:t>
+            </a:r>
+          </a:p>
+          <a:p>
+            <a:pPr marL="533400" indent="-533400" eaLnBrk="1" hangingPunct="1">
               <a:buFont typeface="Wingdings" charset="0"/>
               <a:buNone/>
             </a:pPr>
             <a:r>
-              <a:rPr lang="en-US" dirty="0">
+              <a:rPr lang="en-US" sz="1200" dirty="0">
                 <a:ea typeface="ＭＳ Ｐゴシック" charset="0"/>
                 <a:cs typeface="ＭＳ Ｐゴシック" charset="0"/>
               </a:rPr>
               <a:t>		&lt;/</a:t>
             </a:r>
             <a:r>
-              <a:rPr lang="en-US" dirty="0" err="1">
+              <a:rPr lang="en-US" sz="1200" dirty="0" err="1">
                 <a:ea typeface="ＭＳ Ｐゴシック" charset="0"/>
                 <a:cs typeface="ＭＳ Ｐゴシック" charset="0"/>
               </a:rPr>
               <a:t>owl:Restriction</a:t>
             </a:r>
             <a:r>
-              <a:rPr lang="en-US" dirty="0">
+              <a:rPr lang="en-US" sz="1200" dirty="0">
                 <a:ea typeface="ＭＳ Ｐゴシック" charset="0"/>
                 <a:cs typeface="ＭＳ Ｐゴシック" charset="0"/>
               </a:rPr>
@@ -20071,26 +19531,26 @@
             </a:r>
           </a:p>
           <a:p>
-            <a:pPr marL="342900" indent="-342900" defTabSz="698500" eaLnBrk="1" hangingPunct="1">
+            <a:pPr marL="533400" indent="-533400" eaLnBrk="1" hangingPunct="1">
               <a:buFont typeface="Wingdings" charset="0"/>
               <a:buNone/>
             </a:pPr>
             <a:r>
-              <a:rPr lang="en-US" dirty="0">
+              <a:rPr lang="en-US" sz="1200" dirty="0">
                 <a:ea typeface="ＭＳ Ｐゴシック" charset="0"/>
                 <a:cs typeface="ＭＳ Ｐゴシック" charset="0"/>
               </a:rPr>
               <a:t>	&lt;/</a:t>
             </a:r>
             <a:r>
-              <a:rPr lang="en-US" dirty="0" err="1">
+              <a:rPr lang="en-US" sz="1200" dirty="0" err="1">
                 <a:ea typeface="ＭＳ Ｐゴシック" charset="0"/>
                 <a:cs typeface="ＭＳ Ｐゴシック" charset="0"/>
               </a:rPr>
               <a:t>rdfs:subClassOf</a:t>
             </a:r>
             <a:r>
-              <a:rPr lang="en-US" dirty="0">
+              <a:rPr lang="en-US" sz="1200" dirty="0">
                 <a:ea typeface="ＭＳ Ｐゴシック" charset="0"/>
                 <a:cs typeface="ＭＳ Ｐゴシック" charset="0"/>
               </a:rPr>
@@ -20098,39 +19558,32 @@
             </a:r>
           </a:p>
           <a:p>
-            <a:pPr marL="342900" indent="-342900" defTabSz="698500" eaLnBrk="1" hangingPunct="1">
+            <a:pPr marL="533400" indent="-533400" eaLnBrk="1" hangingPunct="1">
               <a:buFont typeface="Wingdings" charset="0"/>
               <a:buNone/>
             </a:pPr>
             <a:r>
-              <a:rPr lang="en-US" dirty="0">
+              <a:rPr lang="en-US" sz="1200" dirty="0">
                 <a:ea typeface="ＭＳ Ｐゴシック" charset="0"/>
                 <a:cs typeface="ＭＳ Ｐゴシック" charset="0"/>
               </a:rPr>
               <a:t>&lt;/</a:t>
             </a:r>
             <a:r>
-              <a:rPr lang="en-US" dirty="0" err="1">
+              <a:rPr lang="en-US" sz="1200" dirty="0" err="1">
                 <a:ea typeface="ＭＳ Ｐゴシック" charset="0"/>
                 <a:cs typeface="ＭＳ Ｐゴシック" charset="0"/>
               </a:rPr>
               <a:t>owl:Class</a:t>
             </a:r>
             <a:r>
-              <a:rPr lang="en-US" dirty="0">
+              <a:rPr lang="en-US" sz="1200" dirty="0">
                 <a:ea typeface="ＭＳ Ｐゴシック" charset="0"/>
                 <a:cs typeface="ＭＳ Ｐゴシック" charset="0"/>
               </a:rPr>
               <a:t>&gt;</a:t>
             </a:r>
-            <a:endParaRPr lang="el-GR" dirty="0">
-              <a:ea typeface="ＭＳ Ｐゴシック" charset="0"/>
-              <a:cs typeface="ＭＳ Ｐゴシック" charset="0"/>
-            </a:endParaRPr>
-          </a:p>
-          <a:p>
-            <a:pPr eaLnBrk="1" hangingPunct="1"/>
-            <a:endParaRPr lang="en-US" dirty="0">
+            <a:endParaRPr lang="el-GR" sz="1200" dirty="0">
               <a:ea typeface="ＭＳ Ｐゴシック" charset="0"/>
               <a:cs typeface="ＭＳ Ｐゴシック" charset="0"/>
             </a:endParaRPr>
@@ -20171,7 +19624,7 @@
       </p:grpSpPr>
       <p:sp>
         <p:nvSpPr>
-          <p:cNvPr id="168961" name="Rectangle 7"/>
+          <p:cNvPr id="166913" name="Rectangle 7"/>
           <p:cNvSpPr>
             <a:spLocks noGrp="1" noChangeArrowheads="1"/>
           </p:cNvSpPr>
@@ -20184,14 +19637,14 @@
           <a:ln/>
           <a:extLst>
             <a:ext uri="{909E8E84-426E-40dd-AFC4-6F175D3DCCD1}">
-              <a14:hiddenFill xmlns="" xmlns:a14="http://schemas.microsoft.com/office/drawing/2010/main">
+              <a14:hiddenFill xmlns:a14="http://schemas.microsoft.com/office/drawing/2010/main" xmlns="">
                 <a:solidFill>
                   <a:srgbClr val="FFFFFF"/>
                 </a:solidFill>
               </a14:hiddenFill>
             </a:ext>
             <a:ext uri="{91240B29-F687-4f45-9708-019B960494DF}">
-              <a14:hiddenLine xmlns="" xmlns:a14="http://schemas.microsoft.com/office/drawing/2010/main" w="9525">
+              <a14:hiddenLine xmlns:a14="http://schemas.microsoft.com/office/drawing/2010/main" xmlns="" w="9525">
                 <a:solidFill>
                   <a:srgbClr val="000000"/>
                 </a:solidFill>
@@ -20314,12 +19767,12 @@
           </a:lstStyle>
           <a:p>
             <a:pPr eaLnBrk="1" hangingPunct="1"/>
-            <a:fld id="{96E76D50-0865-9248-A349-41C4013E94A7}" type="slidenum">
+            <a:fld id="{4BB07292-30C7-C946-AA49-7E374D6431D5}" type="slidenum">
               <a:rPr lang="el-GR" sz="1400">
                 <a:latin typeface="Calibri"/>
               </a:rPr>
               <a:pPr eaLnBrk="1" hangingPunct="1"/>
-              <a:t>85</a:t>
+              <a:t>84</a:t>
             </a:fld>
             <a:endParaRPr lang="el-GR" sz="1400" dirty="0">
               <a:latin typeface="Calibri"/>
@@ -20329,7 +19782,7 @@
       </p:sp>
       <p:sp>
         <p:nvSpPr>
-          <p:cNvPr id="168962" name="Rectangle 2"/>
+          <p:cNvPr id="166914" name="Rectangle 2"/>
           <p:cNvSpPr>
             <a:spLocks noGrp="1" noRot="1" noChangeAspect="1" noChangeArrowheads="1" noTextEdit="1"/>
           </p:cNvSpPr>
@@ -20343,7 +19796,7 @@
       </p:sp>
       <p:sp>
         <p:nvSpPr>
-          <p:cNvPr id="168963" name="Rectangle 3"/>
+          <p:cNvPr id="166915" name="Rectangle 3"/>
           <p:cNvSpPr>
             <a:spLocks noGrp="1" noChangeArrowheads="1"/>
           </p:cNvSpPr>
@@ -20356,17 +19809,17 @@
           <a:ln/>
           <a:extLst>
             <a:ext uri="{FAA26D3D-D897-4be2-8F04-BA451C77F1D7}">
-              <ma14:placeholderFlag xmlns="" xmlns:ma14="http://schemas.microsoft.com/office/mac/drawingml/2011/main" val="1"/>
+              <ma14:placeholderFlag xmlns:ma14="http://schemas.microsoft.com/office/mac/drawingml/2011/main" xmlns="" val="1"/>
             </a:ext>
             <a:ext uri="{909E8E84-426E-40dd-AFC4-6F175D3DCCD1}">
-              <a14:hiddenFill xmlns="" xmlns:a14="http://schemas.microsoft.com/office/drawing/2010/main">
+              <a14:hiddenFill xmlns:a14="http://schemas.microsoft.com/office/drawing/2010/main" xmlns="">
                 <a:solidFill>
                   <a:srgbClr val="FFFFFF"/>
                 </a:solidFill>
               </a14:hiddenFill>
             </a:ext>
             <a:ext uri="{91240B29-F687-4f45-9708-019B960494DF}">
-              <a14:hiddenLine xmlns="" xmlns:a14="http://schemas.microsoft.com/office/drawing/2010/main" w="9525">
+              <a14:hiddenLine xmlns:a14="http://schemas.microsoft.com/office/drawing/2010/main" xmlns="" w="9525">
                 <a:solidFill>
                   <a:srgbClr val="000000"/>
                 </a:solidFill>
@@ -20382,7 +19835,399 @@
           <a:lstStyle/>
           <a:p>
             <a:pPr eaLnBrk="1" hangingPunct="1"/>
-            <a:endParaRPr lang="en-US">
+            <a:endParaRPr lang="en-US" dirty="0">
+              <a:ea typeface="ＭＳ Ｐゴシック" charset="0"/>
+              <a:cs typeface="ＭＳ Ｐゴシック" charset="0"/>
+            </a:endParaRPr>
+          </a:p>
+          <a:p>
+            <a:pPr eaLnBrk="1" hangingPunct="1"/>
+            <a:endParaRPr lang="en-US" dirty="0">
+              <a:ea typeface="ＭＳ Ｐゴシック" charset="0"/>
+              <a:cs typeface="ＭＳ Ｐゴシック" charset="0"/>
+            </a:endParaRPr>
+          </a:p>
+          <a:p>
+            <a:pPr eaLnBrk="1" hangingPunct="1"/>
+            <a:endParaRPr lang="en-US" dirty="0">
+              <a:ea typeface="ＭＳ Ｐゴシック" charset="0"/>
+              <a:cs typeface="ＭＳ Ｐゴシック" charset="0"/>
+            </a:endParaRPr>
+          </a:p>
+          <a:p>
+            <a:pPr eaLnBrk="1" hangingPunct="1"/>
+            <a:endParaRPr lang="en-US" dirty="0">
+              <a:ea typeface="ＭＳ Ｐゴシック" charset="0"/>
+              <a:cs typeface="ＭＳ Ｐゴシック" charset="0"/>
+            </a:endParaRPr>
+          </a:p>
+          <a:p>
+            <a:pPr marL="342900" indent="-342900" defTabSz="698500" eaLnBrk="1" hangingPunct="1">
+              <a:buFont typeface="Wingdings" charset="0"/>
+              <a:buNone/>
+            </a:pPr>
+            <a:r>
+              <a:rPr lang="en-US" dirty="0">
+                <a:ea typeface="ＭＳ Ｐゴシック" charset="0"/>
+                <a:cs typeface="ＭＳ Ｐゴシック" charset="0"/>
+              </a:rPr>
+              <a:t>&lt;</a:t>
+            </a:r>
+            <a:r>
+              <a:rPr lang="en-US" dirty="0" err="1">
+                <a:ea typeface="ＭＳ Ｐゴシック" charset="0"/>
+                <a:cs typeface="ＭＳ Ｐゴシック" charset="0"/>
+              </a:rPr>
+              <a:t>owl:Class</a:t>
+            </a:r>
+            <a:r>
+              <a:rPr lang="en-US" dirty="0">
+                <a:ea typeface="ＭＳ Ｐゴシック" charset="0"/>
+                <a:cs typeface="ＭＳ Ｐゴシック" charset="0"/>
+              </a:rPr>
+              <a:t> </a:t>
+            </a:r>
+            <a:r>
+              <a:rPr lang="en-US" dirty="0" err="1">
+                <a:ea typeface="ＭＳ Ｐゴシック" charset="0"/>
+                <a:cs typeface="ＭＳ Ｐゴシック" charset="0"/>
+              </a:rPr>
+              <a:t>rdf:ID</a:t>
+            </a:r>
+            <a:r>
+              <a:rPr lang="en-US" dirty="0">
+                <a:ea typeface="ＭＳ Ｐゴシック" charset="0"/>
+                <a:cs typeface="ＭＳ Ｐゴシック" charset="0"/>
+              </a:rPr>
+              <a:t>="lion"&gt;</a:t>
+            </a:r>
+          </a:p>
+          <a:p>
+            <a:pPr marL="342900" indent="-342900" defTabSz="698500" eaLnBrk="1" hangingPunct="1">
+              <a:buFont typeface="Wingdings" charset="0"/>
+              <a:buNone/>
+            </a:pPr>
+            <a:r>
+              <a:rPr lang="en-US" dirty="0">
+                <a:ea typeface="ＭＳ Ｐゴシック" charset="0"/>
+                <a:cs typeface="ＭＳ Ｐゴシック" charset="0"/>
+              </a:rPr>
+              <a:t>	&lt;</a:t>
+            </a:r>
+            <a:r>
+              <a:rPr lang="en-US" dirty="0" err="1">
+                <a:ea typeface="ＭＳ Ｐゴシック" charset="0"/>
+                <a:cs typeface="ＭＳ Ｐゴシック" charset="0"/>
+              </a:rPr>
+              <a:t>rdfs:comment</a:t>
+            </a:r>
+            <a:r>
+              <a:rPr lang="en-US" dirty="0">
+                <a:ea typeface="ＭＳ Ｐゴシック" charset="0"/>
+                <a:cs typeface="ＭＳ Ｐゴシック" charset="0"/>
+              </a:rPr>
+              <a:t>&gt;Lions are animals that eat</a:t>
+            </a:r>
+          </a:p>
+          <a:p>
+            <a:pPr marL="342900" indent="-342900" defTabSz="698500" eaLnBrk="1" hangingPunct="1">
+              <a:buFont typeface="Wingdings" charset="0"/>
+              <a:buNone/>
+            </a:pPr>
+            <a:r>
+              <a:rPr lang="en-US" dirty="0">
+                <a:ea typeface="ＭＳ Ｐゴシック" charset="0"/>
+                <a:cs typeface="ＭＳ Ｐゴシック" charset="0"/>
+              </a:rPr>
+              <a:t>	only herbivores.&lt;/</a:t>
+            </a:r>
+            <a:r>
+              <a:rPr lang="en-US" dirty="0" err="1">
+                <a:ea typeface="ＭＳ Ｐゴシック" charset="0"/>
+                <a:cs typeface="ＭＳ Ｐゴシック" charset="0"/>
+              </a:rPr>
+              <a:t>rdfs:comment</a:t>
+            </a:r>
+            <a:r>
+              <a:rPr lang="en-US" dirty="0">
+                <a:ea typeface="ＭＳ Ｐゴシック" charset="0"/>
+                <a:cs typeface="ＭＳ Ｐゴシック" charset="0"/>
+              </a:rPr>
+              <a:t>&gt;</a:t>
+            </a:r>
+          </a:p>
+          <a:p>
+            <a:pPr marL="342900" indent="-342900" defTabSz="698500" eaLnBrk="1" hangingPunct="1">
+              <a:buFont typeface="Wingdings" charset="0"/>
+              <a:buNone/>
+            </a:pPr>
+            <a:r>
+              <a:rPr lang="en-US" dirty="0">
+                <a:ea typeface="ＭＳ Ｐゴシック" charset="0"/>
+                <a:cs typeface="ＭＳ Ｐゴシック" charset="0"/>
+              </a:rPr>
+              <a:t>	&lt;</a:t>
+            </a:r>
+            <a:r>
+              <a:rPr lang="en-US" dirty="0" err="1">
+                <a:ea typeface="ＭＳ Ｐゴシック" charset="0"/>
+                <a:cs typeface="ＭＳ Ｐゴシック" charset="0"/>
+              </a:rPr>
+              <a:t>rdfs:subClassOf</a:t>
+            </a:r>
+            <a:r>
+              <a:rPr lang="en-US" dirty="0">
+                <a:ea typeface="ＭＳ Ｐゴシック" charset="0"/>
+                <a:cs typeface="ＭＳ Ｐゴシック" charset="0"/>
+              </a:rPr>
+              <a:t> </a:t>
+            </a:r>
+            <a:r>
+              <a:rPr lang="en-US" dirty="0" err="1">
+                <a:ea typeface="ＭＳ Ｐゴシック" charset="0"/>
+                <a:cs typeface="ＭＳ Ｐゴシック" charset="0"/>
+              </a:rPr>
+              <a:t>rdf:type</a:t>
+            </a:r>
+            <a:r>
+              <a:rPr lang="en-US" dirty="0">
+                <a:ea typeface="ＭＳ Ｐゴシック" charset="0"/>
+                <a:cs typeface="ＭＳ Ｐゴシック" charset="0"/>
+              </a:rPr>
+              <a:t>="#carnivore"/&gt;</a:t>
+            </a:r>
+          </a:p>
+          <a:p>
+            <a:pPr marL="342900" indent="-342900" defTabSz="698500" eaLnBrk="1" hangingPunct="1">
+              <a:buFont typeface="Wingdings" charset="0"/>
+              <a:buNone/>
+            </a:pPr>
+            <a:r>
+              <a:rPr lang="en-US" dirty="0">
+                <a:ea typeface="ＭＳ Ｐゴシック" charset="0"/>
+                <a:cs typeface="ＭＳ Ｐゴシック" charset="0"/>
+              </a:rPr>
+              <a:t>	&lt;</a:t>
+            </a:r>
+            <a:r>
+              <a:rPr lang="en-US" dirty="0" err="1">
+                <a:ea typeface="ＭＳ Ｐゴシック" charset="0"/>
+                <a:cs typeface="ＭＳ Ｐゴシック" charset="0"/>
+              </a:rPr>
+              <a:t>rdfs:subClassOf</a:t>
+            </a:r>
+            <a:r>
+              <a:rPr lang="en-US" dirty="0">
+                <a:ea typeface="ＭＳ Ｐゴシック" charset="0"/>
+                <a:cs typeface="ＭＳ Ｐゴシック" charset="0"/>
+              </a:rPr>
+              <a:t>&gt;</a:t>
+            </a:r>
+          </a:p>
+          <a:p>
+            <a:pPr marL="342900" indent="-342900" defTabSz="698500" eaLnBrk="1" hangingPunct="1">
+              <a:buFont typeface="Wingdings" charset="0"/>
+              <a:buNone/>
+            </a:pPr>
+            <a:r>
+              <a:rPr lang="en-US" dirty="0">
+                <a:ea typeface="ＭＳ Ｐゴシック" charset="0"/>
+                <a:cs typeface="ＭＳ Ｐゴシック" charset="0"/>
+              </a:rPr>
+              <a:t>		&lt;</a:t>
+            </a:r>
+            <a:r>
+              <a:rPr lang="en-US" dirty="0" err="1">
+                <a:ea typeface="ＭＳ Ｐゴシック" charset="0"/>
+                <a:cs typeface="ＭＳ Ｐゴシック" charset="0"/>
+              </a:rPr>
+              <a:t>owl:Restriction</a:t>
+            </a:r>
+            <a:r>
+              <a:rPr lang="en-US" dirty="0">
+                <a:ea typeface="ＭＳ Ｐゴシック" charset="0"/>
+                <a:cs typeface="ＭＳ Ｐゴシック" charset="0"/>
+              </a:rPr>
+              <a:t>&gt;</a:t>
+            </a:r>
+          </a:p>
+          <a:p>
+            <a:pPr marL="342900" indent="-342900" defTabSz="698500" eaLnBrk="1" hangingPunct="1">
+              <a:buFont typeface="Wingdings" charset="0"/>
+              <a:buNone/>
+            </a:pPr>
+            <a:r>
+              <a:rPr lang="en-US" dirty="0">
+                <a:ea typeface="ＭＳ Ｐゴシック" charset="0"/>
+                <a:cs typeface="ＭＳ Ｐゴシック" charset="0"/>
+              </a:rPr>
+              <a:t>		  &lt;</a:t>
+            </a:r>
+            <a:r>
+              <a:rPr lang="en-US" dirty="0" err="1">
+                <a:ea typeface="ＭＳ Ｐゴシック" charset="0"/>
+                <a:cs typeface="ＭＳ Ｐゴシック" charset="0"/>
+              </a:rPr>
+              <a:t>owl:onProperty</a:t>
+            </a:r>
+            <a:r>
+              <a:rPr lang="en-US" dirty="0">
+                <a:ea typeface="ＭＳ Ｐゴシック" charset="0"/>
+                <a:cs typeface="ＭＳ Ｐゴシック" charset="0"/>
+              </a:rPr>
+              <a:t> </a:t>
+            </a:r>
+            <a:r>
+              <a:rPr lang="en-US" dirty="0" err="1">
+                <a:ea typeface="ＭＳ Ｐゴシック" charset="0"/>
+                <a:cs typeface="ＭＳ Ｐゴシック" charset="0"/>
+              </a:rPr>
+              <a:t>rdf:resource</a:t>
+            </a:r>
+            <a:r>
+              <a:rPr lang="en-US" dirty="0">
+                <a:ea typeface="ＭＳ Ｐゴシック" charset="0"/>
+                <a:cs typeface="ＭＳ Ｐゴシック" charset="0"/>
+              </a:rPr>
+              <a:t>="#eats"/&gt;</a:t>
+            </a:r>
+          </a:p>
+          <a:p>
+            <a:pPr marL="342900" indent="-342900" defTabSz="698500" eaLnBrk="1" hangingPunct="1">
+              <a:buFont typeface="Wingdings" charset="0"/>
+              <a:buNone/>
+            </a:pPr>
+            <a:r>
+              <a:rPr lang="en-US" dirty="0">
+                <a:ea typeface="ＭＳ Ｐゴシック" charset="0"/>
+                <a:cs typeface="ＭＳ Ｐゴシック" charset="0"/>
+              </a:rPr>
+              <a:t>		  &lt;</a:t>
+            </a:r>
+            <a:r>
+              <a:rPr lang="en-US" dirty="0" err="1">
+                <a:ea typeface="ＭＳ Ｐゴシック" charset="0"/>
+                <a:cs typeface="ＭＳ Ｐゴシック" charset="0"/>
+              </a:rPr>
+              <a:t>owl:allValuesFrom</a:t>
+            </a:r>
+            <a:r>
+              <a:rPr lang="en-US" dirty="0">
+                <a:ea typeface="ＭＳ Ｐゴシック" charset="0"/>
+                <a:cs typeface="ＭＳ Ｐゴシック" charset="0"/>
+              </a:rPr>
+              <a:t> </a:t>
+            </a:r>
+            <a:r>
+              <a:rPr lang="en-US" dirty="0" err="1">
+                <a:ea typeface="ＭＳ Ｐゴシック" charset="0"/>
+                <a:cs typeface="ＭＳ Ｐゴシック" charset="0"/>
+              </a:rPr>
+              <a:t>rdf:resource</a:t>
+            </a:r>
+            <a:r>
+              <a:rPr lang="en-US" dirty="0">
+                <a:ea typeface="ＭＳ Ｐゴシック" charset="0"/>
+                <a:cs typeface="ＭＳ Ｐゴシック" charset="0"/>
+              </a:rPr>
+              <a:t>="#herbivore"/&gt;</a:t>
+            </a:r>
+          </a:p>
+          <a:p>
+            <a:pPr marL="342900" indent="-342900" defTabSz="698500" eaLnBrk="1" hangingPunct="1">
+              <a:buFont typeface="Wingdings" charset="0"/>
+              <a:buNone/>
+            </a:pPr>
+            <a:r>
+              <a:rPr lang="en-US" dirty="0">
+                <a:ea typeface="ＭＳ Ｐゴシック" charset="0"/>
+                <a:cs typeface="ＭＳ Ｐゴシック" charset="0"/>
+              </a:rPr>
+              <a:t>		&lt;/</a:t>
+            </a:r>
+            <a:r>
+              <a:rPr lang="en-US" dirty="0" err="1">
+                <a:ea typeface="ＭＳ Ｐゴシック" charset="0"/>
+                <a:cs typeface="ＭＳ Ｐゴシック" charset="0"/>
+              </a:rPr>
+              <a:t>owl:Restriction</a:t>
+            </a:r>
+            <a:r>
+              <a:rPr lang="en-US" dirty="0">
+                <a:ea typeface="ＭＳ Ｐゴシック" charset="0"/>
+                <a:cs typeface="ＭＳ Ｐゴシック" charset="0"/>
+              </a:rPr>
+              <a:t>&gt;</a:t>
+            </a:r>
+          </a:p>
+          <a:p>
+            <a:pPr marL="342900" indent="-342900" defTabSz="698500" eaLnBrk="1" hangingPunct="1">
+              <a:buFont typeface="Wingdings" charset="0"/>
+              <a:buNone/>
+            </a:pPr>
+            <a:r>
+              <a:rPr lang="en-US" dirty="0">
+                <a:ea typeface="ＭＳ Ｐゴシック" charset="0"/>
+                <a:cs typeface="ＭＳ Ｐゴシック" charset="0"/>
+              </a:rPr>
+              <a:t>	&lt;/</a:t>
+            </a:r>
+            <a:r>
+              <a:rPr lang="en-US" dirty="0" err="1">
+                <a:ea typeface="ＭＳ Ｐゴシック" charset="0"/>
+                <a:cs typeface="ＭＳ Ｐゴシック" charset="0"/>
+              </a:rPr>
+              <a:t>rdfs:subClassOf</a:t>
+            </a:r>
+            <a:r>
+              <a:rPr lang="en-US" dirty="0">
+                <a:ea typeface="ＭＳ Ｐゴシック" charset="0"/>
+                <a:cs typeface="ＭＳ Ｐゴシック" charset="0"/>
+              </a:rPr>
+              <a:t>&gt;</a:t>
+            </a:r>
+          </a:p>
+          <a:p>
+            <a:pPr marL="342900" indent="-342900" defTabSz="698500" eaLnBrk="1" hangingPunct="1">
+              <a:buFont typeface="Wingdings" charset="0"/>
+              <a:buNone/>
+            </a:pPr>
+            <a:r>
+              <a:rPr lang="en-US" dirty="0">
+                <a:ea typeface="ＭＳ Ｐゴシック" charset="0"/>
+                <a:cs typeface="ＭＳ Ｐゴシック" charset="0"/>
+              </a:rPr>
+              <a:t>&lt;/</a:t>
+            </a:r>
+            <a:r>
+              <a:rPr lang="en-US" dirty="0" err="1">
+                <a:ea typeface="ＭＳ Ｐゴシック" charset="0"/>
+                <a:cs typeface="ＭＳ Ｐゴシック" charset="0"/>
+              </a:rPr>
+              <a:t>owl:Class</a:t>
+            </a:r>
+            <a:r>
+              <a:rPr lang="en-US" dirty="0">
+                <a:ea typeface="ＭＳ Ｐゴシック" charset="0"/>
+                <a:cs typeface="ＭＳ Ｐゴシック" charset="0"/>
+              </a:rPr>
+              <a:t>&gt;</a:t>
+            </a:r>
+            <a:endParaRPr lang="el-GR" dirty="0">
+              <a:ea typeface="ＭＳ Ｐゴシック" charset="0"/>
+              <a:cs typeface="ＭＳ Ｐゴシック" charset="0"/>
+            </a:endParaRPr>
+          </a:p>
+          <a:p>
+            <a:pPr eaLnBrk="1" hangingPunct="1"/>
+            <a:endParaRPr lang="en-US" dirty="0">
+              <a:ea typeface="ＭＳ Ｐゴシック" charset="0"/>
+              <a:cs typeface="ＭＳ Ｐゴシック" charset="0"/>
+            </a:endParaRPr>
+          </a:p>
+          <a:p>
+            <a:pPr eaLnBrk="1" hangingPunct="1"/>
+            <a:endParaRPr lang="en-US" dirty="0">
               <a:ea typeface="ＭＳ Ｐゴシック" charset="0"/>
               <a:cs typeface="ＭＳ Ｐゴシック" charset="0"/>
             </a:endParaRPr>
@@ -20429,14 +20274,14 @@
           <a:ln/>
           <a:extLst>
             <a:ext uri="{909E8E84-426E-40dd-AFC4-6F175D3DCCD1}">
-              <a14:hiddenFill xmlns="" xmlns:a14="http://schemas.microsoft.com/office/drawing/2010/main">
+              <a14:hiddenFill xmlns:a14="http://schemas.microsoft.com/office/drawing/2010/main" xmlns="">
                 <a:solidFill>
                   <a:srgbClr val="FFFFFF"/>
                 </a:solidFill>
               </a14:hiddenFill>
             </a:ext>
             <a:ext uri="{91240B29-F687-4f45-9708-019B960494DF}">
-              <a14:hiddenLine xmlns="" xmlns:a14="http://schemas.microsoft.com/office/drawing/2010/main" w="9525">
+              <a14:hiddenLine xmlns:a14="http://schemas.microsoft.com/office/drawing/2010/main" xmlns="" w="9525">
                 <a:solidFill>
                   <a:srgbClr val="000000"/>
                 </a:solidFill>
@@ -20601,17 +20446,17 @@
           <a:ln/>
           <a:extLst>
             <a:ext uri="{FAA26D3D-D897-4be2-8F04-BA451C77F1D7}">
-              <ma14:placeholderFlag xmlns="" xmlns:ma14="http://schemas.microsoft.com/office/mac/drawingml/2011/main" val="1"/>
+              <ma14:placeholderFlag xmlns:ma14="http://schemas.microsoft.com/office/mac/drawingml/2011/main" xmlns="" val="1"/>
             </a:ext>
             <a:ext uri="{909E8E84-426E-40dd-AFC4-6F175D3DCCD1}">
-              <a14:hiddenFill xmlns="" xmlns:a14="http://schemas.microsoft.com/office/drawing/2010/main">
+              <a14:hiddenFill xmlns:a14="http://schemas.microsoft.com/office/drawing/2010/main" xmlns="">
                 <a:solidFill>
                   <a:srgbClr val="FFFFFF"/>
                 </a:solidFill>
               </a14:hiddenFill>
             </a:ext>
             <a:ext uri="{91240B29-F687-4f45-9708-019B960494DF}">
-              <a14:hiddenLine xmlns="" xmlns:a14="http://schemas.microsoft.com/office/drawing/2010/main" w="9525">
+              <a14:hiddenLine xmlns:a14="http://schemas.microsoft.com/office/drawing/2010/main" xmlns="" w="9525">
                 <a:solidFill>
                   <a:srgbClr val="000000"/>
                 </a:solidFill>
@@ -20674,14 +20519,14 @@
           <a:ln/>
           <a:extLst>
             <a:ext uri="{909E8E84-426E-40dd-AFC4-6F175D3DCCD1}">
-              <a14:hiddenFill xmlns="" xmlns:a14="http://schemas.microsoft.com/office/drawing/2010/main">
+              <a14:hiddenFill xmlns:a14="http://schemas.microsoft.com/office/drawing/2010/main" xmlns="">
                 <a:solidFill>
                   <a:srgbClr val="FFFFFF"/>
                 </a:solidFill>
               </a14:hiddenFill>
             </a:ext>
             <a:ext uri="{91240B29-F687-4f45-9708-019B960494DF}">
-              <a14:hiddenLine xmlns="" xmlns:a14="http://schemas.microsoft.com/office/drawing/2010/main" w="9525">
+              <a14:hiddenLine xmlns:a14="http://schemas.microsoft.com/office/drawing/2010/main" xmlns="" w="9525">
                 <a:solidFill>
                   <a:srgbClr val="000000"/>
                 </a:solidFill>
@@ -20809,7 +20654,7 @@
                 <a:latin typeface="Calibri"/>
               </a:rPr>
               <a:pPr eaLnBrk="1" hangingPunct="1"/>
-              <a:t>86</a:t>
+              <a:t>85</a:t>
             </a:fld>
             <a:endParaRPr lang="el-GR" sz="1400" dirty="0">
               <a:latin typeface="Calibri"/>
@@ -20846,17 +20691,17 @@
           <a:ln/>
           <a:extLst>
             <a:ext uri="{FAA26D3D-D897-4be2-8F04-BA451C77F1D7}">
-              <ma14:placeholderFlag xmlns="" xmlns:ma14="http://schemas.microsoft.com/office/mac/drawingml/2011/main" val="1"/>
+              <ma14:placeholderFlag xmlns:ma14="http://schemas.microsoft.com/office/mac/drawingml/2011/main" xmlns="" val="1"/>
             </a:ext>
             <a:ext uri="{909E8E84-426E-40dd-AFC4-6F175D3DCCD1}">
-              <a14:hiddenFill xmlns="" xmlns:a14="http://schemas.microsoft.com/office/drawing/2010/main">
+              <a14:hiddenFill xmlns:a14="http://schemas.microsoft.com/office/drawing/2010/main" xmlns="">
                 <a:solidFill>
                   <a:srgbClr val="FFFFFF"/>
                 </a:solidFill>
               </a14:hiddenFill>
             </a:ext>
             <a:ext uri="{91240B29-F687-4f45-9708-019B960494DF}">
-              <a14:hiddenLine xmlns="" xmlns:a14="http://schemas.microsoft.com/office/drawing/2010/main" w="9525">
+              <a14:hiddenLine xmlns:a14="http://schemas.microsoft.com/office/drawing/2010/main" xmlns="" w="9525">
                 <a:solidFill>
                   <a:srgbClr val="000000"/>
                 </a:solidFill>
@@ -20880,11 +20725,6 @@
         </p:txBody>
       </p:sp>
     </p:spTree>
-    <p:extLst>
-      <p:ext uri="{BB962C8B-B14F-4D97-AF65-F5344CB8AC3E}">
-        <p14:creationId xmlns:p14="http://schemas.microsoft.com/office/powerpoint/2010/main" val="1208280034"/>
-      </p:ext>
-    </p:extLst>
   </p:cSld>
   <p:clrMapOvr>
     <a:masterClrMapping/>
@@ -20911,7 +20751,7 @@
       </p:grpSpPr>
       <p:sp>
         <p:nvSpPr>
-          <p:cNvPr id="220161" name="Rectangle 7"/>
+          <p:cNvPr id="168961" name="Rectangle 7"/>
           <p:cNvSpPr>
             <a:spLocks noGrp="1" noChangeArrowheads="1"/>
           </p:cNvSpPr>
@@ -20924,14 +20764,14 @@
           <a:ln/>
           <a:extLst>
             <a:ext uri="{909E8E84-426E-40dd-AFC4-6F175D3DCCD1}">
-              <a14:hiddenFill xmlns="" xmlns:a14="http://schemas.microsoft.com/office/drawing/2010/main">
+              <a14:hiddenFill xmlns:a14="http://schemas.microsoft.com/office/drawing/2010/main" xmlns="">
                 <a:solidFill>
                   <a:srgbClr val="FFFFFF"/>
                 </a:solidFill>
               </a14:hiddenFill>
             </a:ext>
             <a:ext uri="{91240B29-F687-4f45-9708-019B960494DF}">
-              <a14:hiddenLine xmlns="" xmlns:a14="http://schemas.microsoft.com/office/drawing/2010/main" w="9525">
+              <a14:hiddenLine xmlns:a14="http://schemas.microsoft.com/office/drawing/2010/main" xmlns="" w="9525">
                 <a:solidFill>
                   <a:srgbClr val="000000"/>
                 </a:solidFill>
@@ -21054,12 +20894,12 @@
           </a:lstStyle>
           <a:p>
             <a:pPr eaLnBrk="1" hangingPunct="1"/>
-            <a:fld id="{CD70E8BE-7A6E-A047-9F92-CDED0C4EA039}" type="slidenum">
+            <a:fld id="{96E76D50-0865-9248-A349-41C4013E94A7}" type="slidenum">
               <a:rPr lang="el-GR" sz="1400">
                 <a:latin typeface="Calibri"/>
               </a:rPr>
               <a:pPr eaLnBrk="1" hangingPunct="1"/>
-              <a:t>87</a:t>
+              <a:t>86</a:t>
             </a:fld>
             <a:endParaRPr lang="el-GR" sz="1400" dirty="0">
               <a:latin typeface="Calibri"/>
@@ -21069,7 +20909,7 @@
       </p:sp>
       <p:sp>
         <p:nvSpPr>
-          <p:cNvPr id="220162" name="Rectangle 2"/>
+          <p:cNvPr id="168962" name="Rectangle 2"/>
           <p:cNvSpPr>
             <a:spLocks noGrp="1" noRot="1" noChangeAspect="1" noChangeArrowheads="1" noTextEdit="1"/>
           </p:cNvSpPr>
@@ -21083,7 +20923,7 @@
       </p:sp>
       <p:sp>
         <p:nvSpPr>
-          <p:cNvPr id="220163" name="Rectangle 3"/>
+          <p:cNvPr id="168963" name="Rectangle 3"/>
           <p:cNvSpPr>
             <a:spLocks noGrp="1" noChangeArrowheads="1"/>
           </p:cNvSpPr>
@@ -21096,17 +20936,17 @@
           <a:ln/>
           <a:extLst>
             <a:ext uri="{FAA26D3D-D897-4be2-8F04-BA451C77F1D7}">
-              <ma14:placeholderFlag xmlns="" xmlns:ma14="http://schemas.microsoft.com/office/mac/drawingml/2011/main" val="1"/>
+              <ma14:placeholderFlag xmlns:ma14="http://schemas.microsoft.com/office/mac/drawingml/2011/main" xmlns="" val="1"/>
             </a:ext>
             <a:ext uri="{909E8E84-426E-40dd-AFC4-6F175D3DCCD1}">
-              <a14:hiddenFill xmlns="" xmlns:a14="http://schemas.microsoft.com/office/drawing/2010/main">
+              <a14:hiddenFill xmlns:a14="http://schemas.microsoft.com/office/drawing/2010/main" xmlns="">
                 <a:solidFill>
                   <a:srgbClr val="FFFFFF"/>
                 </a:solidFill>
               </a14:hiddenFill>
             </a:ext>
             <a:ext uri="{91240B29-F687-4f45-9708-019B960494DF}">
-              <a14:hiddenLine xmlns="" xmlns:a14="http://schemas.microsoft.com/office/drawing/2010/main" w="9525">
+              <a14:hiddenLine xmlns:a14="http://schemas.microsoft.com/office/drawing/2010/main" xmlns="" w="9525">
                 <a:solidFill>
                   <a:srgbClr val="000000"/>
                 </a:solidFill>
@@ -21130,6 +20970,11 @@
         </p:txBody>
       </p:sp>
     </p:spTree>
+    <p:extLst>
+      <p:ext uri="{BB962C8B-B14F-4D97-AF65-F5344CB8AC3E}">
+        <p14:creationId xmlns:p14="http://schemas.microsoft.com/office/powerpoint/2010/main" val="1208280034"/>
+      </p:ext>
+    </p:extLst>
   </p:cSld>
   <p:clrMapOvr>
     <a:masterClrMapping/>
@@ -21156,7 +21001,7 @@
       </p:grpSpPr>
       <p:sp>
         <p:nvSpPr>
-          <p:cNvPr id="222209" name="Rectangle 7"/>
+          <p:cNvPr id="220161" name="Rectangle 7"/>
           <p:cNvSpPr>
             <a:spLocks noGrp="1" noChangeArrowheads="1"/>
           </p:cNvSpPr>
@@ -21169,14 +21014,14 @@
           <a:ln/>
           <a:extLst>
             <a:ext uri="{909E8E84-426E-40dd-AFC4-6F175D3DCCD1}">
-              <a14:hiddenFill xmlns="" xmlns:a14="http://schemas.microsoft.com/office/drawing/2010/main">
+              <a14:hiddenFill xmlns:a14="http://schemas.microsoft.com/office/drawing/2010/main" xmlns="">
                 <a:solidFill>
                   <a:srgbClr val="FFFFFF"/>
                 </a:solidFill>
               </a14:hiddenFill>
             </a:ext>
             <a:ext uri="{91240B29-F687-4f45-9708-019B960494DF}">
-              <a14:hiddenLine xmlns="" xmlns:a14="http://schemas.microsoft.com/office/drawing/2010/main" w="9525">
+              <a14:hiddenLine xmlns:a14="http://schemas.microsoft.com/office/drawing/2010/main" xmlns="" w="9525">
                 <a:solidFill>
                   <a:srgbClr val="000000"/>
                 </a:solidFill>
@@ -21299,12 +21144,12 @@
           </a:lstStyle>
           <a:p>
             <a:pPr eaLnBrk="1" hangingPunct="1"/>
-            <a:fld id="{8172CE72-A740-D243-8AC2-D0D079F92166}" type="slidenum">
+            <a:fld id="{CD70E8BE-7A6E-A047-9F92-CDED0C4EA039}" type="slidenum">
               <a:rPr lang="el-GR" sz="1400">
                 <a:latin typeface="Calibri"/>
               </a:rPr>
               <a:pPr eaLnBrk="1" hangingPunct="1"/>
-              <a:t>88</a:t>
+              <a:t>87</a:t>
             </a:fld>
             <a:endParaRPr lang="el-GR" sz="1400" dirty="0">
               <a:latin typeface="Calibri"/>
@@ -21314,7 +21159,7 @@
       </p:sp>
       <p:sp>
         <p:nvSpPr>
-          <p:cNvPr id="222210" name="Rectangle 2"/>
+          <p:cNvPr id="220162" name="Rectangle 2"/>
           <p:cNvSpPr>
             <a:spLocks noGrp="1" noRot="1" noChangeAspect="1" noChangeArrowheads="1" noTextEdit="1"/>
           </p:cNvSpPr>
@@ -21328,7 +21173,7 @@
       </p:sp>
       <p:sp>
         <p:nvSpPr>
-          <p:cNvPr id="222211" name="Rectangle 3"/>
+          <p:cNvPr id="220163" name="Rectangle 3"/>
           <p:cNvSpPr>
             <a:spLocks noGrp="1" noChangeArrowheads="1"/>
           </p:cNvSpPr>
@@ -21341,17 +21186,17 @@
           <a:ln/>
           <a:extLst>
             <a:ext uri="{FAA26D3D-D897-4be2-8F04-BA451C77F1D7}">
-              <ma14:placeholderFlag xmlns="" xmlns:ma14="http://schemas.microsoft.com/office/mac/drawingml/2011/main" val="1"/>
+              <ma14:placeholderFlag xmlns:ma14="http://schemas.microsoft.com/office/mac/drawingml/2011/main" xmlns="" val="1"/>
             </a:ext>
             <a:ext uri="{909E8E84-426E-40dd-AFC4-6F175D3DCCD1}">
-              <a14:hiddenFill xmlns="" xmlns:a14="http://schemas.microsoft.com/office/drawing/2010/main">
+              <a14:hiddenFill xmlns:a14="http://schemas.microsoft.com/office/drawing/2010/main" xmlns="">
                 <a:solidFill>
                   <a:srgbClr val="FFFFFF"/>
                 </a:solidFill>
               </a14:hiddenFill>
             </a:ext>
             <a:ext uri="{91240B29-F687-4f45-9708-019B960494DF}">
-              <a14:hiddenLine xmlns="" xmlns:a14="http://schemas.microsoft.com/office/drawing/2010/main" w="9525">
+              <a14:hiddenLine xmlns:a14="http://schemas.microsoft.com/office/drawing/2010/main" xmlns="" w="9525">
                 <a:solidFill>
                   <a:srgbClr val="000000"/>
                 </a:solidFill>
@@ -21401,7 +21246,7 @@
       </p:grpSpPr>
       <p:sp>
         <p:nvSpPr>
-          <p:cNvPr id="224257" name="Rectangle 7"/>
+          <p:cNvPr id="222209" name="Rectangle 7"/>
           <p:cNvSpPr>
             <a:spLocks noGrp="1" noChangeArrowheads="1"/>
           </p:cNvSpPr>
@@ -21414,14 +21259,14 @@
           <a:ln/>
           <a:extLst>
             <a:ext uri="{909E8E84-426E-40dd-AFC4-6F175D3DCCD1}">
-              <a14:hiddenFill xmlns="" xmlns:a14="http://schemas.microsoft.com/office/drawing/2010/main">
+              <a14:hiddenFill xmlns:a14="http://schemas.microsoft.com/office/drawing/2010/main" xmlns="">
                 <a:solidFill>
                   <a:srgbClr val="FFFFFF"/>
                 </a:solidFill>
               </a14:hiddenFill>
             </a:ext>
             <a:ext uri="{91240B29-F687-4f45-9708-019B960494DF}">
-              <a14:hiddenLine xmlns="" xmlns:a14="http://schemas.microsoft.com/office/drawing/2010/main" w="9525">
+              <a14:hiddenLine xmlns:a14="http://schemas.microsoft.com/office/drawing/2010/main" xmlns="" w="9525">
                 <a:solidFill>
                   <a:srgbClr val="000000"/>
                 </a:solidFill>
@@ -21544,12 +21389,12 @@
           </a:lstStyle>
           <a:p>
             <a:pPr eaLnBrk="1" hangingPunct="1"/>
-            <a:fld id="{2DA764BD-04C2-B14B-A06D-947BE94251FD}" type="slidenum">
+            <a:fld id="{8172CE72-A740-D243-8AC2-D0D079F92166}" type="slidenum">
               <a:rPr lang="el-GR" sz="1400">
                 <a:latin typeface="Calibri"/>
               </a:rPr>
               <a:pPr eaLnBrk="1" hangingPunct="1"/>
-              <a:t>89</a:t>
+              <a:t>88</a:t>
             </a:fld>
             <a:endParaRPr lang="el-GR" sz="1400" dirty="0">
               <a:latin typeface="Calibri"/>
@@ -21559,7 +21404,7 @@
       </p:sp>
       <p:sp>
         <p:nvSpPr>
-          <p:cNvPr id="224258" name="Rectangle 2"/>
+          <p:cNvPr id="222210" name="Rectangle 2"/>
           <p:cNvSpPr>
             <a:spLocks noGrp="1" noRot="1" noChangeAspect="1" noChangeArrowheads="1" noTextEdit="1"/>
           </p:cNvSpPr>
@@ -21573,7 +21418,7 @@
       </p:sp>
       <p:sp>
         <p:nvSpPr>
-          <p:cNvPr id="224259" name="Rectangle 3"/>
+          <p:cNvPr id="222211" name="Rectangle 3"/>
           <p:cNvSpPr>
             <a:spLocks noGrp="1" noChangeArrowheads="1"/>
           </p:cNvSpPr>
@@ -21586,17 +21431,17 @@
           <a:ln/>
           <a:extLst>
             <a:ext uri="{FAA26D3D-D897-4be2-8F04-BA451C77F1D7}">
-              <ma14:placeholderFlag xmlns="" xmlns:ma14="http://schemas.microsoft.com/office/mac/drawingml/2011/main" val="1"/>
+              <ma14:placeholderFlag xmlns:ma14="http://schemas.microsoft.com/office/mac/drawingml/2011/main" xmlns="" val="1"/>
             </a:ext>
             <a:ext uri="{909E8E84-426E-40dd-AFC4-6F175D3DCCD1}">
-              <a14:hiddenFill xmlns="" xmlns:a14="http://schemas.microsoft.com/office/drawing/2010/main">
+              <a14:hiddenFill xmlns:a14="http://schemas.microsoft.com/office/drawing/2010/main" xmlns="">
                 <a:solidFill>
                   <a:srgbClr val="FFFFFF"/>
                 </a:solidFill>
               </a14:hiddenFill>
             </a:ext>
             <a:ext uri="{91240B29-F687-4f45-9708-019B960494DF}">
-              <a14:hiddenLine xmlns="" xmlns:a14="http://schemas.microsoft.com/office/drawing/2010/main" w="9525">
+              <a14:hiddenLine xmlns:a14="http://schemas.microsoft.com/office/drawing/2010/main" xmlns="" w="9525">
                 <a:solidFill>
                   <a:srgbClr val="000000"/>
                 </a:solidFill>
@@ -21646,7 +21491,7 @@
       </p:grpSpPr>
       <p:sp>
         <p:nvSpPr>
-          <p:cNvPr id="226305" name="Rectangle 7"/>
+          <p:cNvPr id="224257" name="Rectangle 7"/>
           <p:cNvSpPr>
             <a:spLocks noGrp="1" noChangeArrowheads="1"/>
           </p:cNvSpPr>
@@ -21659,14 +21504,14 @@
           <a:ln/>
           <a:extLst>
             <a:ext uri="{909E8E84-426E-40dd-AFC4-6F175D3DCCD1}">
-              <a14:hiddenFill xmlns="" xmlns:a14="http://schemas.microsoft.com/office/drawing/2010/main">
+              <a14:hiddenFill xmlns:a14="http://schemas.microsoft.com/office/drawing/2010/main" xmlns="">
                 <a:solidFill>
                   <a:srgbClr val="FFFFFF"/>
                 </a:solidFill>
               </a14:hiddenFill>
             </a:ext>
             <a:ext uri="{91240B29-F687-4f45-9708-019B960494DF}">
-              <a14:hiddenLine xmlns="" xmlns:a14="http://schemas.microsoft.com/office/drawing/2010/main" w="9525">
+              <a14:hiddenLine xmlns:a14="http://schemas.microsoft.com/office/drawing/2010/main" xmlns="" w="9525">
                 <a:solidFill>
                   <a:srgbClr val="000000"/>
                 </a:solidFill>
@@ -21789,12 +21634,12 @@
           </a:lstStyle>
           <a:p>
             <a:pPr eaLnBrk="1" hangingPunct="1"/>
-            <a:fld id="{125B025B-6ABB-294D-B110-53F487CD3D2E}" type="slidenum">
+            <a:fld id="{2DA764BD-04C2-B14B-A06D-947BE94251FD}" type="slidenum">
               <a:rPr lang="el-GR" sz="1400">
                 <a:latin typeface="Calibri"/>
               </a:rPr>
               <a:pPr eaLnBrk="1" hangingPunct="1"/>
-              <a:t>90</a:t>
+              <a:t>89</a:t>
             </a:fld>
             <a:endParaRPr lang="el-GR" sz="1400" dirty="0">
               <a:latin typeface="Calibri"/>
@@ -21804,7 +21649,7 @@
       </p:sp>
       <p:sp>
         <p:nvSpPr>
-          <p:cNvPr id="226306" name="Rectangle 2"/>
+          <p:cNvPr id="224258" name="Rectangle 2"/>
           <p:cNvSpPr>
             <a:spLocks noGrp="1" noRot="1" noChangeAspect="1" noChangeArrowheads="1" noTextEdit="1"/>
           </p:cNvSpPr>
@@ -21818,7 +21663,7 @@
       </p:sp>
       <p:sp>
         <p:nvSpPr>
-          <p:cNvPr id="226307" name="Rectangle 3"/>
+          <p:cNvPr id="224259" name="Rectangle 3"/>
           <p:cNvSpPr>
             <a:spLocks noGrp="1" noChangeArrowheads="1"/>
           </p:cNvSpPr>
@@ -21831,17 +21676,17 @@
           <a:ln/>
           <a:extLst>
             <a:ext uri="{FAA26D3D-D897-4be2-8F04-BA451C77F1D7}">
-              <ma14:placeholderFlag xmlns="" xmlns:ma14="http://schemas.microsoft.com/office/mac/drawingml/2011/main" val="1"/>
+              <ma14:placeholderFlag xmlns:ma14="http://schemas.microsoft.com/office/mac/drawingml/2011/main" xmlns="" val="1"/>
             </a:ext>
             <a:ext uri="{909E8E84-426E-40dd-AFC4-6F175D3DCCD1}">
-              <a14:hiddenFill xmlns="" xmlns:a14="http://schemas.microsoft.com/office/drawing/2010/main">
+              <a14:hiddenFill xmlns:a14="http://schemas.microsoft.com/office/drawing/2010/main" xmlns="">
                 <a:solidFill>
                   <a:srgbClr val="FFFFFF"/>
                 </a:solidFill>
               </a14:hiddenFill>
             </a:ext>
             <a:ext uri="{91240B29-F687-4f45-9708-019B960494DF}">
-              <a14:hiddenLine xmlns="" xmlns:a14="http://schemas.microsoft.com/office/drawing/2010/main" w="9525">
+              <a14:hiddenLine xmlns:a14="http://schemas.microsoft.com/office/drawing/2010/main" xmlns="" w="9525">
                 <a:solidFill>
                   <a:srgbClr val="000000"/>
                 </a:solidFill>
@@ -21891,7 +21736,7 @@
       </p:grpSpPr>
       <p:sp>
         <p:nvSpPr>
-          <p:cNvPr id="228353" name="Rectangle 7"/>
+          <p:cNvPr id="226305" name="Rectangle 7"/>
           <p:cNvSpPr>
             <a:spLocks noGrp="1" noChangeArrowheads="1"/>
           </p:cNvSpPr>
@@ -21904,14 +21749,14 @@
           <a:ln/>
           <a:extLst>
             <a:ext uri="{909E8E84-426E-40dd-AFC4-6F175D3DCCD1}">
-              <a14:hiddenFill xmlns="" xmlns:a14="http://schemas.microsoft.com/office/drawing/2010/main">
+              <a14:hiddenFill xmlns:a14="http://schemas.microsoft.com/office/drawing/2010/main" xmlns="">
                 <a:solidFill>
                   <a:srgbClr val="FFFFFF"/>
                 </a:solidFill>
               </a14:hiddenFill>
             </a:ext>
             <a:ext uri="{91240B29-F687-4f45-9708-019B960494DF}">
-              <a14:hiddenLine xmlns="" xmlns:a14="http://schemas.microsoft.com/office/drawing/2010/main" w="9525">
+              <a14:hiddenLine xmlns:a14="http://schemas.microsoft.com/office/drawing/2010/main" xmlns="" w="9525">
                 <a:solidFill>
                   <a:srgbClr val="000000"/>
                 </a:solidFill>
@@ -22034,12 +21879,12 @@
           </a:lstStyle>
           <a:p>
             <a:pPr eaLnBrk="1" hangingPunct="1"/>
-            <a:fld id="{ABADC294-FE98-EB41-91C0-988E9054640F}" type="slidenum">
+            <a:fld id="{125B025B-6ABB-294D-B110-53F487CD3D2E}" type="slidenum">
               <a:rPr lang="el-GR" sz="1400">
                 <a:latin typeface="Calibri"/>
               </a:rPr>
               <a:pPr eaLnBrk="1" hangingPunct="1"/>
-              <a:t>91</a:t>
+              <a:t>90</a:t>
             </a:fld>
             <a:endParaRPr lang="el-GR" sz="1400" dirty="0">
               <a:latin typeface="Calibri"/>
@@ -22049,7 +21894,7 @@
       </p:sp>
       <p:sp>
         <p:nvSpPr>
-          <p:cNvPr id="228354" name="Rectangle 2"/>
+          <p:cNvPr id="226306" name="Rectangle 2"/>
           <p:cNvSpPr>
             <a:spLocks noGrp="1" noRot="1" noChangeAspect="1" noChangeArrowheads="1" noTextEdit="1"/>
           </p:cNvSpPr>
@@ -22063,7 +21908,7 @@
       </p:sp>
       <p:sp>
         <p:nvSpPr>
-          <p:cNvPr id="228355" name="Rectangle 3"/>
+          <p:cNvPr id="226307" name="Rectangle 3"/>
           <p:cNvSpPr>
             <a:spLocks noGrp="1" noChangeArrowheads="1"/>
           </p:cNvSpPr>
@@ -22076,17 +21921,17 @@
           <a:ln/>
           <a:extLst>
             <a:ext uri="{FAA26D3D-D897-4be2-8F04-BA451C77F1D7}">
-              <ma14:placeholderFlag xmlns="" xmlns:ma14="http://schemas.microsoft.com/office/mac/drawingml/2011/main" val="1"/>
+              <ma14:placeholderFlag xmlns:ma14="http://schemas.microsoft.com/office/mac/drawingml/2011/main" xmlns="" val="1"/>
             </a:ext>
             <a:ext uri="{909E8E84-426E-40dd-AFC4-6F175D3DCCD1}">
-              <a14:hiddenFill xmlns="" xmlns:a14="http://schemas.microsoft.com/office/drawing/2010/main">
+              <a14:hiddenFill xmlns:a14="http://schemas.microsoft.com/office/drawing/2010/main" xmlns="">
                 <a:solidFill>
                   <a:srgbClr val="FFFFFF"/>
                 </a:solidFill>
               </a14:hiddenFill>
             </a:ext>
             <a:ext uri="{91240B29-F687-4f45-9708-019B960494DF}">
-              <a14:hiddenLine xmlns="" xmlns:a14="http://schemas.microsoft.com/office/drawing/2010/main" w="9525">
+              <a14:hiddenLine xmlns:a14="http://schemas.microsoft.com/office/drawing/2010/main" xmlns="" w="9525">
                 <a:solidFill>
                   <a:srgbClr val="000000"/>
                 </a:solidFill>
@@ -22136,7 +21981,7 @@
       </p:grpSpPr>
       <p:sp>
         <p:nvSpPr>
-          <p:cNvPr id="230401" name="Rectangle 7"/>
+          <p:cNvPr id="228353" name="Rectangle 7"/>
           <p:cNvSpPr>
             <a:spLocks noGrp="1" noChangeArrowheads="1"/>
           </p:cNvSpPr>
@@ -22149,14 +21994,14 @@
           <a:ln/>
           <a:extLst>
             <a:ext uri="{909E8E84-426E-40dd-AFC4-6F175D3DCCD1}">
-              <a14:hiddenFill xmlns="" xmlns:a14="http://schemas.microsoft.com/office/drawing/2010/main">
+              <a14:hiddenFill xmlns:a14="http://schemas.microsoft.com/office/drawing/2010/main" xmlns="">
                 <a:solidFill>
                   <a:srgbClr val="FFFFFF"/>
                 </a:solidFill>
               </a14:hiddenFill>
             </a:ext>
             <a:ext uri="{91240B29-F687-4f45-9708-019B960494DF}">
-              <a14:hiddenLine xmlns="" xmlns:a14="http://schemas.microsoft.com/office/drawing/2010/main" w="9525">
+              <a14:hiddenLine xmlns:a14="http://schemas.microsoft.com/office/drawing/2010/main" xmlns="" w="9525">
                 <a:solidFill>
                   <a:srgbClr val="000000"/>
                 </a:solidFill>
@@ -22279,12 +22124,12 @@
           </a:lstStyle>
           <a:p>
             <a:pPr eaLnBrk="1" hangingPunct="1"/>
-            <a:fld id="{B4AD2104-F3AC-F84F-AF4D-869C8F9D184C}" type="slidenum">
+            <a:fld id="{ABADC294-FE98-EB41-91C0-988E9054640F}" type="slidenum">
               <a:rPr lang="el-GR" sz="1400">
                 <a:latin typeface="Calibri"/>
               </a:rPr>
               <a:pPr eaLnBrk="1" hangingPunct="1"/>
-              <a:t>92</a:t>
+              <a:t>91</a:t>
             </a:fld>
             <a:endParaRPr lang="el-GR" sz="1400" dirty="0">
               <a:latin typeface="Calibri"/>
@@ -22294,7 +22139,7 @@
       </p:sp>
       <p:sp>
         <p:nvSpPr>
-          <p:cNvPr id="230402" name="Rectangle 2"/>
+          <p:cNvPr id="228354" name="Rectangle 2"/>
           <p:cNvSpPr>
             <a:spLocks noGrp="1" noRot="1" noChangeAspect="1" noChangeArrowheads="1" noTextEdit="1"/>
           </p:cNvSpPr>
@@ -22308,7 +22153,7 @@
       </p:sp>
       <p:sp>
         <p:nvSpPr>
-          <p:cNvPr id="230403" name="Rectangle 3"/>
+          <p:cNvPr id="228355" name="Rectangle 3"/>
           <p:cNvSpPr>
             <a:spLocks noGrp="1" noChangeArrowheads="1"/>
           </p:cNvSpPr>
@@ -22321,17 +22166,17 @@
           <a:ln/>
           <a:extLst>
             <a:ext uri="{FAA26D3D-D897-4be2-8F04-BA451C77F1D7}">
-              <ma14:placeholderFlag xmlns="" xmlns:ma14="http://schemas.microsoft.com/office/mac/drawingml/2011/main" val="1"/>
+              <ma14:placeholderFlag xmlns:ma14="http://schemas.microsoft.com/office/mac/drawingml/2011/main" xmlns="" val="1"/>
             </a:ext>
             <a:ext uri="{909E8E84-426E-40dd-AFC4-6F175D3DCCD1}">
-              <a14:hiddenFill xmlns="" xmlns:a14="http://schemas.microsoft.com/office/drawing/2010/main">
+              <a14:hiddenFill xmlns:a14="http://schemas.microsoft.com/office/drawing/2010/main" xmlns="">
                 <a:solidFill>
                   <a:srgbClr val="FFFFFF"/>
                 </a:solidFill>
               </a14:hiddenFill>
             </a:ext>
             <a:ext uri="{91240B29-F687-4f45-9708-019B960494DF}">
-              <a14:hiddenLine xmlns="" xmlns:a14="http://schemas.microsoft.com/office/drawing/2010/main" w="9525">
+              <a14:hiddenLine xmlns:a14="http://schemas.microsoft.com/office/drawing/2010/main" xmlns="" w="9525">
                 <a:solidFill>
                   <a:srgbClr val="000000"/>
                 </a:solidFill>
@@ -22381,7 +22226,7 @@
       </p:grpSpPr>
       <p:sp>
         <p:nvSpPr>
-          <p:cNvPr id="232449" name="Rectangle 7"/>
+          <p:cNvPr id="230401" name="Rectangle 7"/>
           <p:cNvSpPr>
             <a:spLocks noGrp="1" noChangeArrowheads="1"/>
           </p:cNvSpPr>
@@ -22394,14 +22239,14 @@
           <a:ln/>
           <a:extLst>
             <a:ext uri="{909E8E84-426E-40dd-AFC4-6F175D3DCCD1}">
-              <a14:hiddenFill xmlns="" xmlns:a14="http://schemas.microsoft.com/office/drawing/2010/main">
+              <a14:hiddenFill xmlns:a14="http://schemas.microsoft.com/office/drawing/2010/main" xmlns="">
                 <a:solidFill>
                   <a:srgbClr val="FFFFFF"/>
                 </a:solidFill>
               </a14:hiddenFill>
             </a:ext>
             <a:ext uri="{91240B29-F687-4f45-9708-019B960494DF}">
-              <a14:hiddenLine xmlns="" xmlns:a14="http://schemas.microsoft.com/office/drawing/2010/main" w="9525">
+              <a14:hiddenLine xmlns:a14="http://schemas.microsoft.com/office/drawing/2010/main" xmlns="" w="9525">
                 <a:solidFill>
                   <a:srgbClr val="000000"/>
                 </a:solidFill>
@@ -22524,12 +22369,12 @@
           </a:lstStyle>
           <a:p>
             <a:pPr eaLnBrk="1" hangingPunct="1"/>
-            <a:fld id="{3D18A60A-A04C-8A46-B80E-402ABB471DA2}" type="slidenum">
+            <a:fld id="{B4AD2104-F3AC-F84F-AF4D-869C8F9D184C}" type="slidenum">
               <a:rPr lang="el-GR" sz="1400">
                 <a:latin typeface="Calibri"/>
               </a:rPr>
               <a:pPr eaLnBrk="1" hangingPunct="1"/>
-              <a:t>93</a:t>
+              <a:t>92</a:t>
             </a:fld>
             <a:endParaRPr lang="el-GR" sz="1400" dirty="0">
               <a:latin typeface="Calibri"/>
@@ -22539,7 +22384,7 @@
       </p:sp>
       <p:sp>
         <p:nvSpPr>
-          <p:cNvPr id="232450" name="Rectangle 2"/>
+          <p:cNvPr id="230402" name="Rectangle 2"/>
           <p:cNvSpPr>
             <a:spLocks noGrp="1" noRot="1" noChangeAspect="1" noChangeArrowheads="1" noTextEdit="1"/>
           </p:cNvSpPr>
@@ -22553,7 +22398,7 @@
       </p:sp>
       <p:sp>
         <p:nvSpPr>
-          <p:cNvPr id="232451" name="Rectangle 3"/>
+          <p:cNvPr id="230403" name="Rectangle 3"/>
           <p:cNvSpPr>
             <a:spLocks noGrp="1" noChangeArrowheads="1"/>
           </p:cNvSpPr>
@@ -22566,17 +22411,17 @@
           <a:ln/>
           <a:extLst>
             <a:ext uri="{FAA26D3D-D897-4be2-8F04-BA451C77F1D7}">
-              <ma14:placeholderFlag xmlns="" xmlns:ma14="http://schemas.microsoft.com/office/mac/drawingml/2011/main" val="1"/>
+              <ma14:placeholderFlag xmlns:ma14="http://schemas.microsoft.com/office/mac/drawingml/2011/main" xmlns="" val="1"/>
             </a:ext>
             <a:ext uri="{909E8E84-426E-40dd-AFC4-6F175D3DCCD1}">
-              <a14:hiddenFill xmlns="" xmlns:a14="http://schemas.microsoft.com/office/drawing/2010/main">
+              <a14:hiddenFill xmlns:a14="http://schemas.microsoft.com/office/drawing/2010/main" xmlns="">
                 <a:solidFill>
                   <a:srgbClr val="FFFFFF"/>
                 </a:solidFill>
               </a14:hiddenFill>
             </a:ext>
             <a:ext uri="{91240B29-F687-4f45-9708-019B960494DF}">
-              <a14:hiddenLine xmlns="" xmlns:a14="http://schemas.microsoft.com/office/drawing/2010/main" w="9525">
+              <a14:hiddenLine xmlns:a14="http://schemas.microsoft.com/office/drawing/2010/main" xmlns="" w="9525">
                 <a:solidFill>
                   <a:srgbClr val="000000"/>
                 </a:solidFill>
@@ -22626,7 +22471,7 @@
       </p:grpSpPr>
       <p:sp>
         <p:nvSpPr>
-          <p:cNvPr id="234497" name="Rectangle 7"/>
+          <p:cNvPr id="232449" name="Rectangle 7"/>
           <p:cNvSpPr>
             <a:spLocks noGrp="1" noChangeArrowheads="1"/>
           </p:cNvSpPr>
@@ -22639,14 +22484,14 @@
           <a:ln/>
           <a:extLst>
             <a:ext uri="{909E8E84-426E-40dd-AFC4-6F175D3DCCD1}">
-              <a14:hiddenFill xmlns="" xmlns:a14="http://schemas.microsoft.com/office/drawing/2010/main">
+              <a14:hiddenFill xmlns:a14="http://schemas.microsoft.com/office/drawing/2010/main" xmlns="">
                 <a:solidFill>
                   <a:srgbClr val="FFFFFF"/>
                 </a:solidFill>
               </a14:hiddenFill>
             </a:ext>
             <a:ext uri="{91240B29-F687-4f45-9708-019B960494DF}">
-              <a14:hiddenLine xmlns="" xmlns:a14="http://schemas.microsoft.com/office/drawing/2010/main" w="9525">
+              <a14:hiddenLine xmlns:a14="http://schemas.microsoft.com/office/drawing/2010/main" xmlns="" w="9525">
                 <a:solidFill>
                   <a:srgbClr val="000000"/>
                 </a:solidFill>
@@ -22769,12 +22614,12 @@
           </a:lstStyle>
           <a:p>
             <a:pPr eaLnBrk="1" hangingPunct="1"/>
-            <a:fld id="{91735DFE-FDF5-B944-AE44-640BA1AEC20D}" type="slidenum">
+            <a:fld id="{3D18A60A-A04C-8A46-B80E-402ABB471DA2}" type="slidenum">
               <a:rPr lang="el-GR" sz="1400">
                 <a:latin typeface="Calibri"/>
               </a:rPr>
               <a:pPr eaLnBrk="1" hangingPunct="1"/>
-              <a:t>94</a:t>
+              <a:t>93</a:t>
             </a:fld>
             <a:endParaRPr lang="el-GR" sz="1400" dirty="0">
               <a:latin typeface="Calibri"/>
@@ -22784,7 +22629,7 @@
       </p:sp>
       <p:sp>
         <p:nvSpPr>
-          <p:cNvPr id="234498" name="Rectangle 2"/>
+          <p:cNvPr id="232450" name="Rectangle 2"/>
           <p:cNvSpPr>
             <a:spLocks noGrp="1" noRot="1" noChangeAspect="1" noChangeArrowheads="1" noTextEdit="1"/>
           </p:cNvSpPr>
@@ -22798,7 +22643,7 @@
       </p:sp>
       <p:sp>
         <p:nvSpPr>
-          <p:cNvPr id="234499" name="Rectangle 3"/>
+          <p:cNvPr id="232451" name="Rectangle 3"/>
           <p:cNvSpPr>
             <a:spLocks noGrp="1" noChangeArrowheads="1"/>
           </p:cNvSpPr>
@@ -22811,17 +22656,17 @@
           <a:ln/>
           <a:extLst>
             <a:ext uri="{FAA26D3D-D897-4be2-8F04-BA451C77F1D7}">
-              <ma14:placeholderFlag xmlns="" xmlns:ma14="http://schemas.microsoft.com/office/mac/drawingml/2011/main" val="1"/>
+              <ma14:placeholderFlag xmlns:ma14="http://schemas.microsoft.com/office/mac/drawingml/2011/main" xmlns="" val="1"/>
             </a:ext>
             <a:ext uri="{909E8E84-426E-40dd-AFC4-6F175D3DCCD1}">
-              <a14:hiddenFill xmlns="" xmlns:a14="http://schemas.microsoft.com/office/drawing/2010/main">
+              <a14:hiddenFill xmlns:a14="http://schemas.microsoft.com/office/drawing/2010/main" xmlns="">
                 <a:solidFill>
                   <a:srgbClr val="FFFFFF"/>
                 </a:solidFill>
               </a14:hiddenFill>
             </a:ext>
             <a:ext uri="{91240B29-F687-4f45-9708-019B960494DF}">
-              <a14:hiddenLine xmlns="" xmlns:a14="http://schemas.microsoft.com/office/drawing/2010/main" w="9525">
+              <a14:hiddenLine xmlns:a14="http://schemas.microsoft.com/office/drawing/2010/main" xmlns="" w="9525">
                 <a:solidFill>
                   <a:srgbClr val="000000"/>
                 </a:solidFill>
@@ -22871,7 +22716,7 @@
       </p:grpSpPr>
       <p:sp>
         <p:nvSpPr>
-          <p:cNvPr id="236545" name="Rectangle 7"/>
+          <p:cNvPr id="234497" name="Rectangle 7"/>
           <p:cNvSpPr>
             <a:spLocks noGrp="1" noChangeArrowheads="1"/>
           </p:cNvSpPr>
@@ -22884,14 +22729,14 @@
           <a:ln/>
           <a:extLst>
             <a:ext uri="{909E8E84-426E-40dd-AFC4-6F175D3DCCD1}">
-              <a14:hiddenFill xmlns="" xmlns:a14="http://schemas.microsoft.com/office/drawing/2010/main">
+              <a14:hiddenFill xmlns:a14="http://schemas.microsoft.com/office/drawing/2010/main" xmlns="">
                 <a:solidFill>
                   <a:srgbClr val="FFFFFF"/>
                 </a:solidFill>
               </a14:hiddenFill>
             </a:ext>
             <a:ext uri="{91240B29-F687-4f45-9708-019B960494DF}">
-              <a14:hiddenLine xmlns="" xmlns:a14="http://schemas.microsoft.com/office/drawing/2010/main" w="9525">
+              <a14:hiddenLine xmlns:a14="http://schemas.microsoft.com/office/drawing/2010/main" xmlns="" w="9525">
                 <a:solidFill>
                   <a:srgbClr val="000000"/>
                 </a:solidFill>
@@ -23014,12 +22859,12 @@
           </a:lstStyle>
           <a:p>
             <a:pPr eaLnBrk="1" hangingPunct="1"/>
-            <a:fld id="{2705D6E5-70A5-F745-A2C3-01C014DE7DE8}" type="slidenum">
+            <a:fld id="{91735DFE-FDF5-B944-AE44-640BA1AEC20D}" type="slidenum">
               <a:rPr lang="el-GR" sz="1400">
                 <a:latin typeface="Calibri"/>
               </a:rPr>
               <a:pPr eaLnBrk="1" hangingPunct="1"/>
-              <a:t>95</a:t>
+              <a:t>94</a:t>
             </a:fld>
             <a:endParaRPr lang="el-GR" sz="1400" dirty="0">
               <a:latin typeface="Calibri"/>
@@ -23029,7 +22874,7 @@
       </p:sp>
       <p:sp>
         <p:nvSpPr>
-          <p:cNvPr id="236546" name="Rectangle 2"/>
+          <p:cNvPr id="234498" name="Rectangle 2"/>
           <p:cNvSpPr>
             <a:spLocks noGrp="1" noRot="1" noChangeAspect="1" noChangeArrowheads="1" noTextEdit="1"/>
           </p:cNvSpPr>
@@ -23043,7 +22888,7 @@
       </p:sp>
       <p:sp>
         <p:nvSpPr>
-          <p:cNvPr id="236547" name="Rectangle 3"/>
+          <p:cNvPr id="234499" name="Rectangle 3"/>
           <p:cNvSpPr>
             <a:spLocks noGrp="1" noChangeArrowheads="1"/>
           </p:cNvSpPr>
@@ -23056,17 +22901,17 @@
           <a:ln/>
           <a:extLst>
             <a:ext uri="{FAA26D3D-D897-4be2-8F04-BA451C77F1D7}">
-              <ma14:placeholderFlag xmlns="" xmlns:ma14="http://schemas.microsoft.com/office/mac/drawingml/2011/main" val="1"/>
+              <ma14:placeholderFlag xmlns:ma14="http://schemas.microsoft.com/office/mac/drawingml/2011/main" xmlns="" val="1"/>
             </a:ext>
             <a:ext uri="{909E8E84-426E-40dd-AFC4-6F175D3DCCD1}">
-              <a14:hiddenFill xmlns="" xmlns:a14="http://schemas.microsoft.com/office/drawing/2010/main">
+              <a14:hiddenFill xmlns:a14="http://schemas.microsoft.com/office/drawing/2010/main" xmlns="">
                 <a:solidFill>
                   <a:srgbClr val="FFFFFF"/>
                 </a:solidFill>
               </a14:hiddenFill>
             </a:ext>
             <a:ext uri="{91240B29-F687-4f45-9708-019B960494DF}">
-              <a14:hiddenLine xmlns="" xmlns:a14="http://schemas.microsoft.com/office/drawing/2010/main" w="9525">
+              <a14:hiddenLine xmlns:a14="http://schemas.microsoft.com/office/drawing/2010/main" xmlns="" w="9525">
                 <a:solidFill>
                   <a:srgbClr val="000000"/>
                 </a:solidFill>
@@ -23129,14 +22974,14 @@
           <a:ln/>
           <a:extLst>
             <a:ext uri="{909E8E84-426E-40dd-AFC4-6F175D3DCCD1}">
-              <a14:hiddenFill xmlns="" xmlns:a14="http://schemas.microsoft.com/office/drawing/2010/main">
+              <a14:hiddenFill xmlns:a14="http://schemas.microsoft.com/office/drawing/2010/main" xmlns="">
                 <a:solidFill>
                   <a:srgbClr val="FFFFFF"/>
                 </a:solidFill>
               </a14:hiddenFill>
             </a:ext>
             <a:ext uri="{91240B29-F687-4f45-9708-019B960494DF}">
-              <a14:hiddenLine xmlns="" xmlns:a14="http://schemas.microsoft.com/office/drawing/2010/main" w="9525">
+              <a14:hiddenLine xmlns:a14="http://schemas.microsoft.com/office/drawing/2010/main" xmlns="" w="9525">
                 <a:solidFill>
                   <a:srgbClr val="000000"/>
                 </a:solidFill>
@@ -23301,17 +23146,17 @@
           <a:ln/>
           <a:extLst>
             <a:ext uri="{FAA26D3D-D897-4be2-8F04-BA451C77F1D7}">
-              <ma14:placeholderFlag xmlns="" xmlns:ma14="http://schemas.microsoft.com/office/mac/drawingml/2011/main" val="1"/>
+              <ma14:placeholderFlag xmlns:ma14="http://schemas.microsoft.com/office/mac/drawingml/2011/main" xmlns="" val="1"/>
             </a:ext>
             <a:ext uri="{909E8E84-426E-40dd-AFC4-6F175D3DCCD1}">
-              <a14:hiddenFill xmlns="" xmlns:a14="http://schemas.microsoft.com/office/drawing/2010/main">
+              <a14:hiddenFill xmlns:a14="http://schemas.microsoft.com/office/drawing/2010/main" xmlns="">
                 <a:solidFill>
                   <a:srgbClr val="FFFFFF"/>
                 </a:solidFill>
               </a14:hiddenFill>
             </a:ext>
             <a:ext uri="{91240B29-F687-4f45-9708-019B960494DF}">
-              <a14:hiddenLine xmlns="" xmlns:a14="http://schemas.microsoft.com/office/drawing/2010/main" w="9525">
+              <a14:hiddenLine xmlns:a14="http://schemas.microsoft.com/office/drawing/2010/main" xmlns="" w="9525">
                 <a:solidFill>
                   <a:srgbClr val="000000"/>
                 </a:solidFill>
@@ -23361,7 +23206,7 @@
       </p:grpSpPr>
       <p:sp>
         <p:nvSpPr>
-          <p:cNvPr id="238593" name="Rectangle 7"/>
+          <p:cNvPr id="236545" name="Rectangle 7"/>
           <p:cNvSpPr>
             <a:spLocks noGrp="1" noChangeArrowheads="1"/>
           </p:cNvSpPr>
@@ -23374,14 +23219,14 @@
           <a:ln/>
           <a:extLst>
             <a:ext uri="{909E8E84-426E-40dd-AFC4-6F175D3DCCD1}">
-              <a14:hiddenFill xmlns="" xmlns:a14="http://schemas.microsoft.com/office/drawing/2010/main">
+              <a14:hiddenFill xmlns:a14="http://schemas.microsoft.com/office/drawing/2010/main" xmlns="">
                 <a:solidFill>
                   <a:srgbClr val="FFFFFF"/>
                 </a:solidFill>
               </a14:hiddenFill>
             </a:ext>
             <a:ext uri="{91240B29-F687-4f45-9708-019B960494DF}">
-              <a14:hiddenLine xmlns="" xmlns:a14="http://schemas.microsoft.com/office/drawing/2010/main" w="9525">
+              <a14:hiddenLine xmlns:a14="http://schemas.microsoft.com/office/drawing/2010/main" xmlns="" w="9525">
                 <a:solidFill>
                   <a:srgbClr val="000000"/>
                 </a:solidFill>
@@ -23504,6 +23349,251 @@
           </a:lstStyle>
           <a:p>
             <a:pPr eaLnBrk="1" hangingPunct="1"/>
+            <a:fld id="{2705D6E5-70A5-F745-A2C3-01C014DE7DE8}" type="slidenum">
+              <a:rPr lang="el-GR" sz="1400">
+                <a:latin typeface="Calibri"/>
+              </a:rPr>
+              <a:pPr eaLnBrk="1" hangingPunct="1"/>
+              <a:t>95</a:t>
+            </a:fld>
+            <a:endParaRPr lang="el-GR" sz="1400" dirty="0">
+              <a:latin typeface="Calibri"/>
+            </a:endParaRPr>
+          </a:p>
+        </p:txBody>
+      </p:sp>
+      <p:sp>
+        <p:nvSpPr>
+          <p:cNvPr id="236546" name="Rectangle 2"/>
+          <p:cNvSpPr>
+            <a:spLocks noGrp="1" noRot="1" noChangeAspect="1" noChangeArrowheads="1" noTextEdit="1"/>
+          </p:cNvSpPr>
+          <p:nvPr>
+            <p:ph type="sldImg"/>
+          </p:nvPr>
+        </p:nvSpPr>
+        <p:spPr>
+          <a:ln/>
+        </p:spPr>
+      </p:sp>
+      <p:sp>
+        <p:nvSpPr>
+          <p:cNvPr id="236547" name="Rectangle 3"/>
+          <p:cNvSpPr>
+            <a:spLocks noGrp="1" noChangeArrowheads="1"/>
+          </p:cNvSpPr>
+          <p:nvPr>
+            <p:ph type="body" idx="1"/>
+          </p:nvPr>
+        </p:nvSpPr>
+        <p:spPr>
+          <a:noFill/>
+          <a:ln/>
+          <a:extLst>
+            <a:ext uri="{FAA26D3D-D897-4be2-8F04-BA451C77F1D7}">
+              <ma14:placeholderFlag xmlns:ma14="http://schemas.microsoft.com/office/mac/drawingml/2011/main" xmlns="" val="1"/>
+            </a:ext>
+            <a:ext uri="{909E8E84-426E-40dd-AFC4-6F175D3DCCD1}">
+              <a14:hiddenFill xmlns:a14="http://schemas.microsoft.com/office/drawing/2010/main" xmlns="">
+                <a:solidFill>
+                  <a:srgbClr val="FFFFFF"/>
+                </a:solidFill>
+              </a14:hiddenFill>
+            </a:ext>
+            <a:ext uri="{91240B29-F687-4f45-9708-019B960494DF}">
+              <a14:hiddenLine xmlns:a14="http://schemas.microsoft.com/office/drawing/2010/main" xmlns="" w="9525">
+                <a:solidFill>
+                  <a:srgbClr val="000000"/>
+                </a:solidFill>
+                <a:miter lim="800000"/>
+                <a:headEnd/>
+                <a:tailEnd/>
+              </a14:hiddenLine>
+            </a:ext>
+          </a:extLst>
+        </p:spPr>
+        <p:txBody>
+          <a:bodyPr/>
+          <a:lstStyle/>
+          <a:p>
+            <a:pPr eaLnBrk="1" hangingPunct="1"/>
+            <a:endParaRPr lang="en-US">
+              <a:ea typeface="ＭＳ Ｐゴシック" charset="0"/>
+              <a:cs typeface="ＭＳ Ｐゴシック" charset="0"/>
+            </a:endParaRPr>
+          </a:p>
+        </p:txBody>
+      </p:sp>
+    </p:spTree>
+  </p:cSld>
+  <p:clrMapOvr>
+    <a:masterClrMapping/>
+  </p:clrMapOvr>
+</p:notes>
+</file>
+
+<file path=ppt/notesSlides/notesSlide91.xml><?xml version="1.0" encoding="utf-8"?>
+<p:notes xmlns:a="http://schemas.openxmlformats.org/drawingml/2006/main" xmlns:r="http://schemas.openxmlformats.org/officeDocument/2006/relationships" xmlns:p="http://schemas.openxmlformats.org/presentationml/2006/main">
+  <p:cSld>
+    <p:spTree>
+      <p:nvGrpSpPr>
+        <p:cNvPr id="1" name=""/>
+        <p:cNvGrpSpPr/>
+        <p:nvPr/>
+      </p:nvGrpSpPr>
+      <p:grpSpPr>
+        <a:xfrm>
+          <a:off x="0" y="0"/>
+          <a:ext cx="0" cy="0"/>
+          <a:chOff x="0" y="0"/>
+          <a:chExt cx="0" cy="0"/>
+        </a:xfrm>
+      </p:grpSpPr>
+      <p:sp>
+        <p:nvSpPr>
+          <p:cNvPr id="238593" name="Rectangle 7"/>
+          <p:cNvSpPr>
+            <a:spLocks noGrp="1" noChangeArrowheads="1"/>
+          </p:cNvSpPr>
+          <p:nvPr>
+            <p:ph type="sldNum" sz="quarter" idx="5"/>
+          </p:nvPr>
+        </p:nvSpPr>
+        <p:spPr>
+          <a:noFill/>
+          <a:ln/>
+          <a:extLst>
+            <a:ext uri="{909E8E84-426E-40dd-AFC4-6F175D3DCCD1}">
+              <a14:hiddenFill xmlns:a14="http://schemas.microsoft.com/office/drawing/2010/main" xmlns="">
+                <a:solidFill>
+                  <a:srgbClr val="FFFFFF"/>
+                </a:solidFill>
+              </a14:hiddenFill>
+            </a:ext>
+            <a:ext uri="{91240B29-F687-4f45-9708-019B960494DF}">
+              <a14:hiddenLine xmlns:a14="http://schemas.microsoft.com/office/drawing/2010/main" xmlns="" w="9525">
+                <a:solidFill>
+                  <a:srgbClr val="000000"/>
+                </a:solidFill>
+                <a:miter lim="800000"/>
+                <a:headEnd/>
+                <a:tailEnd/>
+              </a14:hiddenLine>
+            </a:ext>
+          </a:extLst>
+        </p:spPr>
+        <p:txBody>
+          <a:bodyPr/>
+          <a:lstStyle>
+            <a:lvl1pPr defTabSz="966788" eaLnBrk="0" hangingPunct="0">
+              <a:defRPr sz="2400">
+                <a:solidFill>
+                  <a:schemeClr val="tx1"/>
+                </a:solidFill>
+                <a:latin typeface="Arial" charset="0"/>
+                <a:ea typeface="ＭＳ Ｐゴシック" charset="0"/>
+                <a:cs typeface="ＭＳ Ｐゴシック" charset="0"/>
+              </a:defRPr>
+            </a:lvl1pPr>
+            <a:lvl2pPr marL="742950" indent="-285750" defTabSz="966788" eaLnBrk="0" hangingPunct="0">
+              <a:defRPr sz="2400">
+                <a:solidFill>
+                  <a:schemeClr val="tx1"/>
+                </a:solidFill>
+                <a:latin typeface="Arial" charset="0"/>
+                <a:ea typeface="ＭＳ Ｐゴシック" charset="0"/>
+              </a:defRPr>
+            </a:lvl2pPr>
+            <a:lvl3pPr marL="1143000" indent="-228600" defTabSz="966788" eaLnBrk="0" hangingPunct="0">
+              <a:defRPr sz="2400">
+                <a:solidFill>
+                  <a:schemeClr val="tx1"/>
+                </a:solidFill>
+                <a:latin typeface="Arial" charset="0"/>
+                <a:ea typeface="ＭＳ Ｐゴシック" charset="0"/>
+              </a:defRPr>
+            </a:lvl3pPr>
+            <a:lvl4pPr marL="1600200" indent="-228600" defTabSz="966788" eaLnBrk="0" hangingPunct="0">
+              <a:defRPr sz="2400">
+                <a:solidFill>
+                  <a:schemeClr val="tx1"/>
+                </a:solidFill>
+                <a:latin typeface="Arial" charset="0"/>
+                <a:ea typeface="ＭＳ Ｐゴシック" charset="0"/>
+              </a:defRPr>
+            </a:lvl4pPr>
+            <a:lvl5pPr marL="2057400" indent="-228600" defTabSz="966788" eaLnBrk="0" hangingPunct="0">
+              <a:defRPr sz="2400">
+                <a:solidFill>
+                  <a:schemeClr val="tx1"/>
+                </a:solidFill>
+                <a:latin typeface="Arial" charset="0"/>
+                <a:ea typeface="ＭＳ Ｐゴシック" charset="0"/>
+              </a:defRPr>
+            </a:lvl5pPr>
+            <a:lvl6pPr marL="2514600" indent="-228600" defTabSz="966788" eaLnBrk="0" fontAlgn="base" hangingPunct="0">
+              <a:spcBef>
+                <a:spcPct val="0"/>
+              </a:spcBef>
+              <a:spcAft>
+                <a:spcPct val="0"/>
+              </a:spcAft>
+              <a:defRPr sz="2400">
+                <a:solidFill>
+                  <a:schemeClr val="tx1"/>
+                </a:solidFill>
+                <a:latin typeface="Arial" charset="0"/>
+                <a:ea typeface="ＭＳ Ｐゴシック" charset="0"/>
+              </a:defRPr>
+            </a:lvl6pPr>
+            <a:lvl7pPr marL="2971800" indent="-228600" defTabSz="966788" eaLnBrk="0" fontAlgn="base" hangingPunct="0">
+              <a:spcBef>
+                <a:spcPct val="0"/>
+              </a:spcBef>
+              <a:spcAft>
+                <a:spcPct val="0"/>
+              </a:spcAft>
+              <a:defRPr sz="2400">
+                <a:solidFill>
+                  <a:schemeClr val="tx1"/>
+                </a:solidFill>
+                <a:latin typeface="Arial" charset="0"/>
+                <a:ea typeface="ＭＳ Ｐゴシック" charset="0"/>
+              </a:defRPr>
+            </a:lvl7pPr>
+            <a:lvl8pPr marL="3429000" indent="-228600" defTabSz="966788" eaLnBrk="0" fontAlgn="base" hangingPunct="0">
+              <a:spcBef>
+                <a:spcPct val="0"/>
+              </a:spcBef>
+              <a:spcAft>
+                <a:spcPct val="0"/>
+              </a:spcAft>
+              <a:defRPr sz="2400">
+                <a:solidFill>
+                  <a:schemeClr val="tx1"/>
+                </a:solidFill>
+                <a:latin typeface="Arial" charset="0"/>
+                <a:ea typeface="ＭＳ Ｐゴシック" charset="0"/>
+              </a:defRPr>
+            </a:lvl8pPr>
+            <a:lvl9pPr marL="3886200" indent="-228600" defTabSz="966788" eaLnBrk="0" fontAlgn="base" hangingPunct="0">
+              <a:spcBef>
+                <a:spcPct val="0"/>
+              </a:spcBef>
+              <a:spcAft>
+                <a:spcPct val="0"/>
+              </a:spcAft>
+              <a:defRPr sz="2400">
+                <a:solidFill>
+                  <a:schemeClr val="tx1"/>
+                </a:solidFill>
+                <a:latin typeface="Arial" charset="0"/>
+                <a:ea typeface="ＭＳ Ｐゴシック" charset="0"/>
+              </a:defRPr>
+            </a:lvl9pPr>
+          </a:lstStyle>
+          <a:p>
+            <a:pPr eaLnBrk="1" hangingPunct="1"/>
             <a:fld id="{9F7C13E9-99D6-1147-99DB-7AFDFD2E0716}" type="slidenum">
               <a:rPr lang="el-GR" sz="1400">
                 <a:latin typeface="Calibri"/>
@@ -23546,17 +23636,17 @@
           <a:ln/>
           <a:extLst>
             <a:ext uri="{FAA26D3D-D897-4be2-8F04-BA451C77F1D7}">
-              <ma14:placeholderFlag xmlns="" xmlns:ma14="http://schemas.microsoft.com/office/mac/drawingml/2011/main" val="1"/>
+              <ma14:placeholderFlag xmlns:ma14="http://schemas.microsoft.com/office/mac/drawingml/2011/main" xmlns="" val="1"/>
             </a:ext>
             <a:ext uri="{909E8E84-426E-40dd-AFC4-6F175D3DCCD1}">
-              <a14:hiddenFill xmlns="" xmlns:a14="http://schemas.microsoft.com/office/drawing/2010/main">
+              <a14:hiddenFill xmlns:a14="http://schemas.microsoft.com/office/drawing/2010/main" xmlns="">
                 <a:solidFill>
                   <a:srgbClr val="FFFFFF"/>
                 </a:solidFill>
               </a14:hiddenFill>
             </a:ext>
             <a:ext uri="{91240B29-F687-4f45-9708-019B960494DF}">
-              <a14:hiddenLine xmlns="" xmlns:a14="http://schemas.microsoft.com/office/drawing/2010/main" w="9525">
+              <a14:hiddenLine xmlns:a14="http://schemas.microsoft.com/office/drawing/2010/main" xmlns="" w="9525">
                 <a:solidFill>
                   <a:srgbClr val="000000"/>
                 </a:solidFill>
@@ -25244,10 +25334,10 @@
           </a:ln>
           <a:extLst>
             <a:ext uri="{FAA26D3D-D897-4be2-8F04-BA451C77F1D7}">
-              <ma14:placeholderFlag xmlns="" xmlns:ma14="http://schemas.microsoft.com/office/mac/drawingml/2011/main" val="1"/>
+              <ma14:placeholderFlag xmlns:ma14="http://schemas.microsoft.com/office/mac/drawingml/2011/main" xmlns="" val="1"/>
             </a:ext>
             <a:ext uri="{91240B29-F687-4f45-9708-019B960494DF}">
-              <a14:hiddenLine xmlns="" xmlns:a14="http://schemas.microsoft.com/office/drawing/2010/main" w="9525">
+              <a14:hiddenLine xmlns:a14="http://schemas.microsoft.com/office/drawing/2010/main" xmlns="" w="9525">
                 <a:solidFill>
                   <a:srgbClr val="000000"/>
                 </a:solidFill>
@@ -25298,17 +25388,17 @@
           </a:ln>
           <a:extLst>
             <a:ext uri="{FAA26D3D-D897-4be2-8F04-BA451C77F1D7}">
-              <ma14:placeholderFlag xmlns="" xmlns:ma14="http://schemas.microsoft.com/office/mac/drawingml/2011/main" val="1"/>
+              <ma14:placeholderFlag xmlns:ma14="http://schemas.microsoft.com/office/mac/drawingml/2011/main" xmlns="" val="1"/>
             </a:ext>
             <a:ext uri="{909E8E84-426E-40dd-AFC4-6F175D3DCCD1}">
-              <a14:hiddenFill xmlns="" xmlns:a14="http://schemas.microsoft.com/office/drawing/2010/main">
+              <a14:hiddenFill xmlns:a14="http://schemas.microsoft.com/office/drawing/2010/main" xmlns="">
                 <a:solidFill>
                   <a:srgbClr val="FFFFFF"/>
                 </a:solidFill>
               </a14:hiddenFill>
             </a:ext>
             <a:ext uri="{91240B29-F687-4f45-9708-019B960494DF}">
-              <a14:hiddenLine xmlns="" xmlns:a14="http://schemas.microsoft.com/office/drawing/2010/main" w="9525">
+              <a14:hiddenLine xmlns:a14="http://schemas.microsoft.com/office/drawing/2010/main" xmlns="" w="9525">
                 <a:solidFill>
                   <a:srgbClr val="000000"/>
                 </a:solidFill>
@@ -25869,7 +25959,7 @@
           <a:noFill/>
           <a:extLst>
             <a:ext uri="{909E8E84-426E-40dd-AFC4-6F175D3DCCD1}">
-              <a14:hiddenFill xmlns="" xmlns:a14="http://schemas.microsoft.com/office/drawing/2010/main">
+              <a14:hiddenFill xmlns:a14="http://schemas.microsoft.com/office/drawing/2010/main" xmlns="">
                 <a:solidFill>
                   <a:srgbClr val="E1F4FF"/>
                 </a:solidFill>
@@ -25944,14 +26034,14 @@
           </a:ln>
           <a:extLst>
             <a:ext uri="{909E8E84-426E-40dd-AFC4-6F175D3DCCD1}">
-              <a14:hiddenFill xmlns="" xmlns:a14="http://schemas.microsoft.com/office/drawing/2010/main">
+              <a14:hiddenFill xmlns:a14="http://schemas.microsoft.com/office/drawing/2010/main" xmlns="">
                 <a:solidFill>
                   <a:srgbClr val="FFFFFF"/>
                 </a:solidFill>
               </a14:hiddenFill>
             </a:ext>
             <a:ext uri="{91240B29-F687-4f45-9708-019B960494DF}">
-              <a14:hiddenLine xmlns="" xmlns:a14="http://schemas.microsoft.com/office/drawing/2010/main" w="9525">
+              <a14:hiddenLine xmlns:a14="http://schemas.microsoft.com/office/drawing/2010/main" xmlns="" w="9525">
                 <a:solidFill>
                   <a:srgbClr val="000000"/>
                 </a:solidFill>
@@ -26150,14 +26240,14 @@
           </a:ln>
           <a:extLst>
             <a:ext uri="{909E8E84-426E-40dd-AFC4-6F175D3DCCD1}">
-              <a14:hiddenFill xmlns="" xmlns:a14="http://schemas.microsoft.com/office/drawing/2010/main">
+              <a14:hiddenFill xmlns:a14="http://schemas.microsoft.com/office/drawing/2010/main" xmlns="">
                 <a:solidFill>
                   <a:srgbClr val="FFFFFF"/>
                 </a:solidFill>
               </a14:hiddenFill>
             </a:ext>
             <a:ext uri="{91240B29-F687-4f45-9708-019B960494DF}">
-              <a14:hiddenLine xmlns="" xmlns:a14="http://schemas.microsoft.com/office/drawing/2010/main" w="9525">
+              <a14:hiddenLine xmlns:a14="http://schemas.microsoft.com/office/drawing/2010/main" xmlns="" w="9525">
                 <a:solidFill>
                   <a:srgbClr val="000000"/>
                 </a:solidFill>
@@ -28948,7 +29038,7 @@
           </a:ln>
           <a:extLst>
             <a:ext uri="{909E8E84-426E-40dd-AFC4-6F175D3DCCD1}">
-              <a14:hiddenFill xmlns="" xmlns:a14="http://schemas.microsoft.com/office/drawing/2010/main">
+              <a14:hiddenFill xmlns:a14="http://schemas.microsoft.com/office/drawing/2010/main" xmlns="">
                 <a:noFill/>
               </a14:hiddenFill>
             </a:ext>
@@ -28984,7 +29074,7 @@
           </a:ln>
           <a:extLst>
             <a:ext uri="{909E8E84-426E-40dd-AFC4-6F175D3DCCD1}">
-              <a14:hiddenFill xmlns="" xmlns:a14="http://schemas.microsoft.com/office/drawing/2010/main">
+              <a14:hiddenFill xmlns:a14="http://schemas.microsoft.com/office/drawing/2010/main" xmlns="">
                 <a:noFill/>
               </a14:hiddenFill>
             </a:ext>
@@ -29020,7 +29110,7 @@
           </a:ln>
           <a:extLst>
             <a:ext uri="{909E8E84-426E-40dd-AFC4-6F175D3DCCD1}">
-              <a14:hiddenFill xmlns="" xmlns:a14="http://schemas.microsoft.com/office/drawing/2010/main">
+              <a14:hiddenFill xmlns:a14="http://schemas.microsoft.com/office/drawing/2010/main" xmlns="">
                 <a:noFill/>
               </a14:hiddenFill>
             </a:ext>
@@ -29056,7 +29146,7 @@
           </a:ln>
           <a:extLst>
             <a:ext uri="{909E8E84-426E-40dd-AFC4-6F175D3DCCD1}">
-              <a14:hiddenFill xmlns="" xmlns:a14="http://schemas.microsoft.com/office/drawing/2010/main">
+              <a14:hiddenFill xmlns:a14="http://schemas.microsoft.com/office/drawing/2010/main" xmlns="">
                 <a:noFill/>
               </a14:hiddenFill>
             </a:ext>
@@ -29158,7 +29248,7 @@
           </a:ln>
           <a:extLst>
             <a:ext uri="{909E8E84-426E-40dd-AFC4-6F175D3DCCD1}">
-              <a14:hiddenFill xmlns="" xmlns:a14="http://schemas.microsoft.com/office/drawing/2010/main">
+              <a14:hiddenFill xmlns:a14="http://schemas.microsoft.com/office/drawing/2010/main" xmlns="">
                 <a:noFill/>
               </a14:hiddenFill>
             </a:ext>
@@ -29389,14 +29479,14 @@
           </a:ln>
           <a:extLst>
             <a:ext uri="{909E8E84-426E-40dd-AFC4-6F175D3DCCD1}">
-              <a14:hiddenFill xmlns="" xmlns:a14="http://schemas.microsoft.com/office/drawing/2010/main">
+              <a14:hiddenFill xmlns:a14="http://schemas.microsoft.com/office/drawing/2010/main" xmlns="">
                 <a:solidFill>
                   <a:srgbClr val="FFFFFF"/>
                 </a:solidFill>
               </a14:hiddenFill>
             </a:ext>
             <a:ext uri="{91240B29-F687-4f45-9708-019B960494DF}">
-              <a14:hiddenLine xmlns="" xmlns:a14="http://schemas.microsoft.com/office/drawing/2010/main" w="9525">
+              <a14:hiddenLine xmlns:a14="http://schemas.microsoft.com/office/drawing/2010/main" xmlns="" w="9525">
                 <a:solidFill>
                   <a:srgbClr val="000000"/>
                 </a:solidFill>
@@ -33904,14 +33994,14 @@
           </a:ln>
           <a:extLst>
             <a:ext uri="{909E8E84-426E-40dd-AFC4-6F175D3DCCD1}">
-              <a14:hiddenFill xmlns="" xmlns:a14="http://schemas.microsoft.com/office/drawing/2010/main">
+              <a14:hiddenFill xmlns:a14="http://schemas.microsoft.com/office/drawing/2010/main" xmlns="">
                 <a:solidFill>
                   <a:srgbClr val="FFFFFF"/>
                 </a:solidFill>
               </a14:hiddenFill>
             </a:ext>
             <a:ext uri="{91240B29-F687-4f45-9708-019B960494DF}">
-              <a14:hiddenLine xmlns="" xmlns:a14="http://schemas.microsoft.com/office/drawing/2010/main" w="9525">
+              <a14:hiddenLine xmlns:a14="http://schemas.microsoft.com/office/drawing/2010/main" xmlns="" w="9525">
                 <a:solidFill>
                   <a:srgbClr val="000000"/>
                 </a:solidFill>
@@ -37207,7 +37297,7 @@
           </a:ln>
           <a:extLst>
             <a:ext uri="{91240B29-F687-4f45-9708-019B960494DF}">
-              <a14:hiddenLine xmlns="" xmlns:a14="http://schemas.microsoft.com/office/drawing/2010/main" w="9525">
+              <a14:hiddenLine xmlns:a14="http://schemas.microsoft.com/office/drawing/2010/main" xmlns="" w="9525">
                 <a:solidFill>
                   <a:srgbClr val="000000"/>
                 </a:solidFill>
@@ -37265,7 +37355,7 @@
           </a:ln>
           <a:extLst>
             <a:ext uri="{91240B29-F687-4f45-9708-019B960494DF}">
-              <a14:hiddenLine xmlns="" xmlns:a14="http://schemas.microsoft.com/office/drawing/2010/main" w="9525">
+              <a14:hiddenLine xmlns:a14="http://schemas.microsoft.com/office/drawing/2010/main" xmlns="" w="9525">
                 <a:solidFill>
                   <a:srgbClr val="000000"/>
                 </a:solidFill>
@@ -37323,7 +37413,7 @@
           </a:ln>
           <a:extLst>
             <a:ext uri="{91240B29-F687-4f45-9708-019B960494DF}">
-              <a14:hiddenLine xmlns="" xmlns:a14="http://schemas.microsoft.com/office/drawing/2010/main" w="9525">
+              <a14:hiddenLine xmlns:a14="http://schemas.microsoft.com/office/drawing/2010/main" xmlns="" w="9525">
                 <a:solidFill>
                   <a:srgbClr val="000000"/>
                 </a:solidFill>
@@ -37755,7 +37845,7 @@
           </a:ln>
           <a:extLst>
             <a:ext uri="{909E8E84-426E-40dd-AFC4-6F175D3DCCD1}">
-              <a14:hiddenFill xmlns="" xmlns:a14="http://schemas.microsoft.com/office/drawing/2010/main">
+              <a14:hiddenFill xmlns:a14="http://schemas.microsoft.com/office/drawing/2010/main" xmlns="">
                 <a:noFill/>
               </a14:hiddenFill>
             </a:ext>
@@ -37791,7 +37881,7 @@
           </a:ln>
           <a:extLst>
             <a:ext uri="{909E8E84-426E-40dd-AFC4-6F175D3DCCD1}">
-              <a14:hiddenFill xmlns="" xmlns:a14="http://schemas.microsoft.com/office/drawing/2010/main">
+              <a14:hiddenFill xmlns:a14="http://schemas.microsoft.com/office/drawing/2010/main" xmlns="">
                 <a:noFill/>
               </a14:hiddenFill>
             </a:ext>
@@ -37827,7 +37917,7 @@
           </a:ln>
           <a:extLst>
             <a:ext uri="{909E8E84-426E-40dd-AFC4-6F175D3DCCD1}">
-              <a14:hiddenFill xmlns="" xmlns:a14="http://schemas.microsoft.com/office/drawing/2010/main">
+              <a14:hiddenFill xmlns:a14="http://schemas.microsoft.com/office/drawing/2010/main" xmlns="">
                 <a:noFill/>
               </a14:hiddenFill>
             </a:ext>
@@ -37863,7 +37953,7 @@
           </a:ln>
           <a:extLst>
             <a:ext uri="{909E8E84-426E-40dd-AFC4-6F175D3DCCD1}">
-              <a14:hiddenFill xmlns="" xmlns:a14="http://schemas.microsoft.com/office/drawing/2010/main">
+              <a14:hiddenFill xmlns:a14="http://schemas.microsoft.com/office/drawing/2010/main" xmlns="">
                 <a:noFill/>
               </a14:hiddenFill>
             </a:ext>
@@ -37899,7 +37989,7 @@
           </a:ln>
           <a:extLst>
             <a:ext uri="{909E8E84-426E-40dd-AFC4-6F175D3DCCD1}">
-              <a14:hiddenFill xmlns="" xmlns:a14="http://schemas.microsoft.com/office/drawing/2010/main">
+              <a14:hiddenFill xmlns:a14="http://schemas.microsoft.com/office/drawing/2010/main" xmlns="">
                 <a:noFill/>
               </a14:hiddenFill>
             </a:ext>
@@ -37935,7 +38025,7 @@
           </a:ln>
           <a:extLst>
             <a:ext uri="{909E8E84-426E-40dd-AFC4-6F175D3DCCD1}">
-              <a14:hiddenFill xmlns="" xmlns:a14="http://schemas.microsoft.com/office/drawing/2010/main">
+              <a14:hiddenFill xmlns:a14="http://schemas.microsoft.com/office/drawing/2010/main" xmlns="">
                 <a:noFill/>
               </a14:hiddenFill>
             </a:ext>
@@ -37971,7 +38061,7 @@
           </a:ln>
           <a:extLst>
             <a:ext uri="{909E8E84-426E-40dd-AFC4-6F175D3DCCD1}">
-              <a14:hiddenFill xmlns="" xmlns:a14="http://schemas.microsoft.com/office/drawing/2010/main">
+              <a14:hiddenFill xmlns:a14="http://schemas.microsoft.com/office/drawing/2010/main" xmlns="">
                 <a:noFill/>
               </a14:hiddenFill>
             </a:ext>
@@ -38007,7 +38097,7 @@
           </a:ln>
           <a:extLst>
             <a:ext uri="{909E8E84-426E-40dd-AFC4-6F175D3DCCD1}">
-              <a14:hiddenFill xmlns="" xmlns:a14="http://schemas.microsoft.com/office/drawing/2010/main">
+              <a14:hiddenFill xmlns:a14="http://schemas.microsoft.com/office/drawing/2010/main" xmlns="">
                 <a:noFill/>
               </a14:hiddenFill>
             </a:ext>
@@ -38042,7 +38132,7 @@
           </a:ln>
           <a:extLst>
             <a:ext uri="{91240B29-F687-4f45-9708-019B960494DF}">
-              <a14:hiddenLine xmlns="" xmlns:a14="http://schemas.microsoft.com/office/drawing/2010/main" w="9525">
+              <a14:hiddenLine xmlns:a14="http://schemas.microsoft.com/office/drawing/2010/main" xmlns="" w="9525">
                 <a:solidFill>
                   <a:srgbClr val="000000"/>
                 </a:solidFill>
@@ -38101,7 +38191,7 @@
           </a:ln>
           <a:extLst>
             <a:ext uri="{909E8E84-426E-40dd-AFC4-6F175D3DCCD1}">
-              <a14:hiddenFill xmlns="" xmlns:a14="http://schemas.microsoft.com/office/drawing/2010/main">
+              <a14:hiddenFill xmlns:a14="http://schemas.microsoft.com/office/drawing/2010/main" xmlns="">
                 <a:noFill/>
               </a14:hiddenFill>
             </a:ext>
@@ -38183,7 +38273,7 @@
           </a:ln>
           <a:extLst>
             <a:ext uri="{909E8E84-426E-40dd-AFC4-6F175D3DCCD1}">
-              <a14:hiddenFill xmlns="" xmlns:a14="http://schemas.microsoft.com/office/drawing/2010/main">
+              <a14:hiddenFill xmlns:a14="http://schemas.microsoft.com/office/drawing/2010/main" xmlns="">
                 <a:noFill/>
               </a14:hiddenFill>
             </a:ext>
@@ -38266,7 +38356,7 @@
           </a:ln>
           <a:extLst>
             <a:ext uri="{909E8E84-426E-40dd-AFC4-6F175D3DCCD1}">
-              <a14:hiddenFill xmlns="" xmlns:a14="http://schemas.microsoft.com/office/drawing/2010/main">
+              <a14:hiddenFill xmlns:a14="http://schemas.microsoft.com/office/drawing/2010/main" xmlns="">
                 <a:noFill/>
               </a14:hiddenFill>
             </a:ext>
@@ -38588,7 +38678,7 @@
           </a:ln>
           <a:extLst>
             <a:ext uri="{909E8E84-426E-40dd-AFC4-6F175D3DCCD1}">
-              <a14:hiddenFill xmlns="" xmlns:a14="http://schemas.microsoft.com/office/drawing/2010/main">
+              <a14:hiddenFill xmlns:a14="http://schemas.microsoft.com/office/drawing/2010/main" xmlns="">
                 <a:noFill/>
               </a14:hiddenFill>
             </a:ext>
@@ -38623,7 +38713,7 @@
           </a:ln>
           <a:extLst>
             <a:ext uri="{909E8E84-426E-40dd-AFC4-6F175D3DCCD1}">
-              <a14:hiddenFill xmlns="" xmlns:a14="http://schemas.microsoft.com/office/drawing/2010/main">
+              <a14:hiddenFill xmlns:a14="http://schemas.microsoft.com/office/drawing/2010/main" xmlns="">
                 <a:noFill/>
               </a14:hiddenFill>
             </a:ext>
@@ -41445,14 +41535,14 @@
           </a:ln>
           <a:extLst>
             <a:ext uri="{909E8E84-426E-40dd-AFC4-6F175D3DCCD1}">
-              <a14:hiddenFill xmlns="" xmlns:a14="http://schemas.microsoft.com/office/drawing/2010/main">
+              <a14:hiddenFill xmlns:a14="http://schemas.microsoft.com/office/drawing/2010/main" xmlns="">
                 <a:solidFill>
                   <a:srgbClr val="FFFFFF"/>
                 </a:solidFill>
               </a14:hiddenFill>
             </a:ext>
             <a:ext uri="{91240B29-F687-4f45-9708-019B960494DF}">
-              <a14:hiddenLine xmlns="" xmlns:a14="http://schemas.microsoft.com/office/drawing/2010/main" w="9525">
+              <a14:hiddenLine xmlns:a14="http://schemas.microsoft.com/office/drawing/2010/main" xmlns="" w="9525">
                 <a:solidFill>
                   <a:srgbClr val="000000"/>
                 </a:solidFill>
@@ -43172,14 +43262,14 @@
           </a:ln>
           <a:extLst>
             <a:ext uri="{909E8E84-426E-40dd-AFC4-6F175D3DCCD1}">
-              <a14:hiddenFill xmlns="" xmlns:a14="http://schemas.microsoft.com/office/drawing/2010/main">
+              <a14:hiddenFill xmlns:a14="http://schemas.microsoft.com/office/drawing/2010/main" xmlns="">
                 <a:solidFill>
                   <a:srgbClr val="FFFFFF"/>
                 </a:solidFill>
               </a14:hiddenFill>
             </a:ext>
             <a:ext uri="{91240B29-F687-4f45-9708-019B960494DF}">
-              <a14:hiddenLine xmlns="" xmlns:a14="http://schemas.microsoft.com/office/drawing/2010/main" w="9525">
+              <a14:hiddenLine xmlns:a14="http://schemas.microsoft.com/office/drawing/2010/main" xmlns="" w="9525">
                 <a:solidFill>
                   <a:srgbClr val="000000"/>
                 </a:solidFill>
@@ -43382,7 +43472,7 @@
             </a:r>
             <a:r>
               <a:rPr lang="en-US" dirty="0" err="1"/>
-              <a:t>InverseFunctionalProperty</a:t>
+              <a:t>owl:InverseFunctionalProperty</a:t>
             </a:r>
             <a:r>
               <a:rPr lang="en-US" dirty="0"/>
@@ -43445,7 +43535,7 @@
             </a:r>
             <a:r>
               <a:rPr lang="en-US" dirty="0" err="1"/>
-              <a:t>InverseFunctionalProperty</a:t>
+              <a:t>owl:FunctionalProperty</a:t>
             </a:r>
             <a:r>
               <a:rPr lang="en-US" dirty="0"/>
@@ -43602,7 +43692,7 @@
                 <a:ea typeface="ＭＳ Ｐゴシック" charset="0"/>
                 <a:cs typeface="ＭＳ Ｐゴシック" charset="0"/>
               </a:rPr>
-              <a:t>In different OWL languages there are different sets of restrictions regarding the application of features</a:t>
+              <a:t>Different OWL profiles have different sets of restrictions regarding the application of features</a:t>
             </a:r>
           </a:p>
           <a:p>
@@ -44753,14 +44843,14 @@
           </a:ln>
           <a:extLst>
             <a:ext uri="{909E8E84-426E-40dd-AFC4-6F175D3DCCD1}">
-              <a14:hiddenFill xmlns="" xmlns:a14="http://schemas.microsoft.com/office/drawing/2010/main">
+              <a14:hiddenFill xmlns:a14="http://schemas.microsoft.com/office/drawing/2010/main" xmlns="">
                 <a:solidFill>
                   <a:srgbClr val="FFFFFF"/>
                 </a:solidFill>
               </a14:hiddenFill>
             </a:ext>
             <a:ext uri="{91240B29-F687-4f45-9708-019B960494DF}">
-              <a14:hiddenLine xmlns="" xmlns:a14="http://schemas.microsoft.com/office/drawing/2010/main" w="9525">
+              <a14:hiddenLine xmlns:a14="http://schemas.microsoft.com/office/drawing/2010/main" xmlns="" w="9525">
                 <a:solidFill>
                   <a:srgbClr val="000000"/>
                 </a:solidFill>
@@ -47898,14 +47988,14 @@
           </a:ln>
           <a:extLst>
             <a:ext uri="{909E8E84-426E-40dd-AFC4-6F175D3DCCD1}">
-              <a14:hiddenFill xmlns="" xmlns:a14="http://schemas.microsoft.com/office/drawing/2010/main">
+              <a14:hiddenFill xmlns:a14="http://schemas.microsoft.com/office/drawing/2010/main" xmlns="">
                 <a:solidFill>
                   <a:srgbClr val="FFFFFF"/>
                 </a:solidFill>
               </a14:hiddenFill>
             </a:ext>
             <a:ext uri="{91240B29-F687-4f45-9708-019B960494DF}">
-              <a14:hiddenLine xmlns="" xmlns:a14="http://schemas.microsoft.com/office/drawing/2010/main" w="9525">
+              <a14:hiddenLine xmlns:a14="http://schemas.microsoft.com/office/drawing/2010/main" xmlns="" w="9525">
                 <a:solidFill>
                   <a:srgbClr val="000000"/>
                 </a:solidFill>

--- a/notes/07_owl/07OWL.pptx
+++ b/notes/07_owl/07OWL.pptx
@@ -5,10 +5,10 @@
     <p:sldMasterId id="2147483649" r:id="rId1"/>
   </p:sldMasterIdLst>
   <p:notesMasterIdLst>
-    <p:notesMasterId r:id="rId98"/>
+    <p:notesMasterId r:id="rId100"/>
   </p:notesMasterIdLst>
   <p:handoutMasterIdLst>
-    <p:handoutMasterId r:id="rId99"/>
+    <p:handoutMasterId r:id="rId101"/>
   </p:handoutMasterIdLst>
   <p:sldIdLst>
     <p:sldId id="256" r:id="rId2"/>
@@ -83,30 +83,32 @@
     <p:sldId id="458" r:id="rId71"/>
     <p:sldId id="459" r:id="rId72"/>
     <p:sldId id="460" r:id="rId73"/>
-    <p:sldId id="517" r:id="rId74"/>
-    <p:sldId id="463" r:id="rId75"/>
-    <p:sldId id="464" r:id="rId76"/>
-    <p:sldId id="465" r:id="rId77"/>
-    <p:sldId id="467" r:id="rId78"/>
-    <p:sldId id="468" r:id="rId79"/>
-    <p:sldId id="469" r:id="rId80"/>
-    <p:sldId id="535" r:id="rId81"/>
-    <p:sldId id="470" r:id="rId82"/>
-    <p:sldId id="550" r:id="rId83"/>
-    <p:sldId id="471" r:id="rId84"/>
-    <p:sldId id="472" r:id="rId85"/>
-    <p:sldId id="473" r:id="rId86"/>
-    <p:sldId id="559" r:id="rId87"/>
-    <p:sldId id="519" r:id="rId88"/>
-    <p:sldId id="498" r:id="rId89"/>
-    <p:sldId id="499" r:id="rId90"/>
-    <p:sldId id="500" r:id="rId91"/>
-    <p:sldId id="501" r:id="rId92"/>
-    <p:sldId id="502" r:id="rId93"/>
-    <p:sldId id="503" r:id="rId94"/>
-    <p:sldId id="504" r:id="rId95"/>
-    <p:sldId id="520" r:id="rId96"/>
-    <p:sldId id="403" r:id="rId97"/>
+    <p:sldId id="562" r:id="rId74"/>
+    <p:sldId id="563" r:id="rId75"/>
+    <p:sldId id="561" r:id="rId76"/>
+    <p:sldId id="564" r:id="rId77"/>
+    <p:sldId id="565" r:id="rId78"/>
+    <p:sldId id="566" r:id="rId79"/>
+    <p:sldId id="567" r:id="rId80"/>
+    <p:sldId id="568" r:id="rId81"/>
+    <p:sldId id="569" r:id="rId82"/>
+    <p:sldId id="570" r:id="rId83"/>
+    <p:sldId id="571" r:id="rId84"/>
+    <p:sldId id="572" r:id="rId85"/>
+    <p:sldId id="573" r:id="rId86"/>
+    <p:sldId id="574" r:id="rId87"/>
+    <p:sldId id="575" r:id="rId88"/>
+    <p:sldId id="576" r:id="rId89"/>
+    <p:sldId id="519" r:id="rId90"/>
+    <p:sldId id="498" r:id="rId91"/>
+    <p:sldId id="499" r:id="rId92"/>
+    <p:sldId id="500" r:id="rId93"/>
+    <p:sldId id="501" r:id="rId94"/>
+    <p:sldId id="502" r:id="rId95"/>
+    <p:sldId id="503" r:id="rId96"/>
+    <p:sldId id="504" r:id="rId97"/>
+    <p:sldId id="520" r:id="rId98"/>
+    <p:sldId id="403" r:id="rId99"/>
   </p:sldIdLst>
   <p:sldSz cx="9144000" cy="6858000" type="screen4x3"/>
   <p:notesSz cx="9601200" cy="7315200"/>
@@ -14949,225 +14951,70 @@
       </p:grpSpPr>
       <p:sp>
         <p:nvSpPr>
-          <p:cNvPr id="144385" name="Rectangle 7"/>
-          <p:cNvSpPr>
-            <a:spLocks noGrp="1" noChangeArrowheads="1"/>
+          <p:cNvPr id="2" name="Slide Image Placeholder 1"/>
+          <p:cNvSpPr>
+            <a:spLocks noGrp="1" noRot="1" noChangeAspect="1"/>
+          </p:cNvSpPr>
+          <p:nvPr>
+            <p:ph type="sldImg"/>
+          </p:nvPr>
+        </p:nvSpPr>
+        <p:spPr/>
+      </p:sp>
+      <p:sp>
+        <p:nvSpPr>
+          <p:cNvPr id="3" name="Notes Placeholder 2"/>
+          <p:cNvSpPr>
+            <a:spLocks noGrp="1"/>
+          </p:cNvSpPr>
+          <p:nvPr>
+            <p:ph type="body" idx="1"/>
+          </p:nvPr>
+        </p:nvSpPr>
+        <p:spPr/>
+        <p:txBody>
+          <a:bodyPr/>
+          <a:lstStyle/>
+          <a:p>
+            <a:endParaRPr lang="en-US" dirty="0"/>
+          </a:p>
+        </p:txBody>
+      </p:sp>
+      <p:sp>
+        <p:nvSpPr>
+          <p:cNvPr id="4" name="Slide Number Placeholder 3"/>
+          <p:cNvSpPr>
+            <a:spLocks noGrp="1"/>
           </p:cNvSpPr>
           <p:nvPr>
             <p:ph type="sldNum" sz="quarter" idx="5"/>
           </p:nvPr>
         </p:nvSpPr>
-        <p:spPr>
-          <a:noFill/>
-          <a:ln/>
-          <a:extLst>
-            <a:ext uri="{909E8E84-426E-40dd-AFC4-6F175D3DCCD1}">
-              <a14:hiddenFill xmlns:a14="http://schemas.microsoft.com/office/drawing/2010/main" xmlns="">
-                <a:solidFill>
-                  <a:srgbClr val="FFFFFF"/>
-                </a:solidFill>
-              </a14:hiddenFill>
-            </a:ext>
-            <a:ext uri="{91240B29-F687-4f45-9708-019B960494DF}">
-              <a14:hiddenLine xmlns:a14="http://schemas.microsoft.com/office/drawing/2010/main" xmlns="" w="9525">
-                <a:solidFill>
-                  <a:srgbClr val="000000"/>
-                </a:solidFill>
-                <a:miter lim="800000"/>
-                <a:headEnd/>
-                <a:tailEnd/>
-              </a14:hiddenLine>
-            </a:ext>
-          </a:extLst>
-        </p:spPr>
-        <p:txBody>
-          <a:bodyPr/>
-          <a:lstStyle>
-            <a:lvl1pPr defTabSz="966788" eaLnBrk="0" hangingPunct="0">
-              <a:defRPr sz="2400">
-                <a:solidFill>
-                  <a:schemeClr val="tx1"/>
-                </a:solidFill>
-                <a:latin typeface="Arial" charset="0"/>
-                <a:ea typeface="ＭＳ Ｐゴシック" charset="0"/>
-                <a:cs typeface="ＭＳ Ｐゴシック" charset="0"/>
-              </a:defRPr>
-            </a:lvl1pPr>
-            <a:lvl2pPr marL="742950" indent="-285750" defTabSz="966788" eaLnBrk="0" hangingPunct="0">
-              <a:defRPr sz="2400">
-                <a:solidFill>
-                  <a:schemeClr val="tx1"/>
-                </a:solidFill>
-                <a:latin typeface="Arial" charset="0"/>
-                <a:ea typeface="ＭＳ Ｐゴシック" charset="0"/>
-              </a:defRPr>
-            </a:lvl2pPr>
-            <a:lvl3pPr marL="1143000" indent="-228600" defTabSz="966788" eaLnBrk="0" hangingPunct="0">
-              <a:defRPr sz="2400">
-                <a:solidFill>
-                  <a:schemeClr val="tx1"/>
-                </a:solidFill>
-                <a:latin typeface="Arial" charset="0"/>
-                <a:ea typeface="ＭＳ Ｐゴシック" charset="0"/>
-              </a:defRPr>
-            </a:lvl3pPr>
-            <a:lvl4pPr marL="1600200" indent="-228600" defTabSz="966788" eaLnBrk="0" hangingPunct="0">
-              <a:defRPr sz="2400">
-                <a:solidFill>
-                  <a:schemeClr val="tx1"/>
-                </a:solidFill>
-                <a:latin typeface="Arial" charset="0"/>
-                <a:ea typeface="ＭＳ Ｐゴシック" charset="0"/>
-              </a:defRPr>
-            </a:lvl4pPr>
-            <a:lvl5pPr marL="2057400" indent="-228600" defTabSz="966788" eaLnBrk="0" hangingPunct="0">
-              <a:defRPr sz="2400">
-                <a:solidFill>
-                  <a:schemeClr val="tx1"/>
-                </a:solidFill>
-                <a:latin typeface="Arial" charset="0"/>
-                <a:ea typeface="ＭＳ Ｐゴシック" charset="0"/>
-              </a:defRPr>
-            </a:lvl5pPr>
-            <a:lvl6pPr marL="2514600" indent="-228600" defTabSz="966788" eaLnBrk="0" fontAlgn="base" hangingPunct="0">
-              <a:spcBef>
-                <a:spcPct val="0"/>
-              </a:spcBef>
-              <a:spcAft>
-                <a:spcPct val="0"/>
-              </a:spcAft>
-              <a:defRPr sz="2400">
-                <a:solidFill>
-                  <a:schemeClr val="tx1"/>
-                </a:solidFill>
-                <a:latin typeface="Arial" charset="0"/>
-                <a:ea typeface="ＭＳ Ｐゴシック" charset="0"/>
-              </a:defRPr>
-            </a:lvl6pPr>
-            <a:lvl7pPr marL="2971800" indent="-228600" defTabSz="966788" eaLnBrk="0" fontAlgn="base" hangingPunct="0">
-              <a:spcBef>
-                <a:spcPct val="0"/>
-              </a:spcBef>
-              <a:spcAft>
-                <a:spcPct val="0"/>
-              </a:spcAft>
-              <a:defRPr sz="2400">
-                <a:solidFill>
-                  <a:schemeClr val="tx1"/>
-                </a:solidFill>
-                <a:latin typeface="Arial" charset="0"/>
-                <a:ea typeface="ＭＳ Ｐゴシック" charset="0"/>
-              </a:defRPr>
-            </a:lvl7pPr>
-            <a:lvl8pPr marL="3429000" indent="-228600" defTabSz="966788" eaLnBrk="0" fontAlgn="base" hangingPunct="0">
-              <a:spcBef>
-                <a:spcPct val="0"/>
-              </a:spcBef>
-              <a:spcAft>
-                <a:spcPct val="0"/>
-              </a:spcAft>
-              <a:defRPr sz="2400">
-                <a:solidFill>
-                  <a:schemeClr val="tx1"/>
-                </a:solidFill>
-                <a:latin typeface="Arial" charset="0"/>
-                <a:ea typeface="ＭＳ Ｐゴシック" charset="0"/>
-              </a:defRPr>
-            </a:lvl8pPr>
-            <a:lvl9pPr marL="3886200" indent="-228600" defTabSz="966788" eaLnBrk="0" fontAlgn="base" hangingPunct="0">
-              <a:spcBef>
-                <a:spcPct val="0"/>
-              </a:spcBef>
-              <a:spcAft>
-                <a:spcPct val="0"/>
-              </a:spcAft>
-              <a:defRPr sz="2400">
-                <a:solidFill>
-                  <a:schemeClr val="tx1"/>
-                </a:solidFill>
-                <a:latin typeface="Arial" charset="0"/>
-                <a:ea typeface="ＭＳ Ｐゴシック" charset="0"/>
-              </a:defRPr>
-            </a:lvl9pPr>
-          </a:lstStyle>
-          <a:p>
-            <a:pPr eaLnBrk="1" hangingPunct="1"/>
-            <a:fld id="{08C97A8D-4CBF-6F4C-8CB0-E7F0A59F7F63}" type="slidenum">
-              <a:rPr lang="el-GR" sz="1400">
-                <a:latin typeface="Calibri"/>
-              </a:rPr>
-              <a:pPr eaLnBrk="1" hangingPunct="1"/>
-              <a:t>73</a:t>
-            </a:fld>
-            <a:endParaRPr lang="el-GR" sz="1400" dirty="0">
-              <a:latin typeface="Calibri"/>
-            </a:endParaRPr>
-          </a:p>
-        </p:txBody>
-      </p:sp>
-      <p:sp>
-        <p:nvSpPr>
-          <p:cNvPr id="144386" name="Rectangle 2"/>
-          <p:cNvSpPr>
-            <a:spLocks noGrp="1" noRot="1" noChangeAspect="1" noChangeArrowheads="1" noTextEdit="1"/>
-          </p:cNvSpPr>
-          <p:nvPr>
-            <p:ph type="sldImg"/>
-          </p:nvPr>
-        </p:nvSpPr>
-        <p:spPr>
-          <a:ln/>
-        </p:spPr>
-      </p:sp>
-      <p:sp>
-        <p:nvSpPr>
-          <p:cNvPr id="144387" name="Rectangle 3"/>
-          <p:cNvSpPr>
-            <a:spLocks noGrp="1" noChangeArrowheads="1"/>
-          </p:cNvSpPr>
-          <p:nvPr>
-            <p:ph type="body" idx="1"/>
-          </p:nvPr>
-        </p:nvSpPr>
-        <p:spPr>
-          <a:noFill/>
-          <a:ln/>
-          <a:extLst>
-            <a:ext uri="{FAA26D3D-D897-4be2-8F04-BA451C77F1D7}">
-              <ma14:placeholderFlag xmlns:ma14="http://schemas.microsoft.com/office/mac/drawingml/2011/main" xmlns="" val="1"/>
-            </a:ext>
-            <a:ext uri="{909E8E84-426E-40dd-AFC4-6F175D3DCCD1}">
-              <a14:hiddenFill xmlns:a14="http://schemas.microsoft.com/office/drawing/2010/main" xmlns="">
-                <a:solidFill>
-                  <a:srgbClr val="FFFFFF"/>
-                </a:solidFill>
-              </a14:hiddenFill>
-            </a:ext>
-            <a:ext uri="{91240B29-F687-4f45-9708-019B960494DF}">
-              <a14:hiddenLine xmlns:a14="http://schemas.microsoft.com/office/drawing/2010/main" xmlns="" w="9525">
-                <a:solidFill>
-                  <a:srgbClr val="000000"/>
-                </a:solidFill>
-                <a:miter lim="800000"/>
-                <a:headEnd/>
-                <a:tailEnd/>
-              </a14:hiddenLine>
-            </a:ext>
-          </a:extLst>
-        </p:spPr>
+        <p:spPr/>
         <p:txBody>
           <a:bodyPr/>
           <a:lstStyle/>
           <a:p>
-            <a:pPr eaLnBrk="1" hangingPunct="1"/>
-            <a:endParaRPr lang="en-US">
-              <a:ea typeface="ＭＳ Ｐゴシック" charset="0"/>
-              <a:cs typeface="ＭＳ Ｐゴシック" charset="0"/>
-            </a:endParaRPr>
+            <a:pPr>
+              <a:defRPr/>
+            </a:pPr>
+            <a:fld id="{C32BB8F8-AAB5-9F4F-8025-B87FB79EEA69}" type="slidenum">
+              <a:rPr lang="el-GR" smtClean="0"/>
+              <a:pPr>
+                <a:defRPr/>
+              </a:pPr>
+              <a:t>74</a:t>
+            </a:fld>
+            <a:endParaRPr lang="el-GR" dirty="0"/>
           </a:p>
         </p:txBody>
       </p:sp>
     </p:spTree>
+    <p:extLst>
+      <p:ext uri="{BB962C8B-B14F-4D97-AF65-F5344CB8AC3E}">
+        <p14:creationId xmlns:p14="http://schemas.microsoft.com/office/powerpoint/2010/main" val="335516184"/>
+      </p:ext>
+    </p:extLst>
   </p:cSld>
   <p:clrMapOvr>
     <a:masterClrMapping/>
@@ -15207,14 +15054,14 @@
           <a:ln/>
           <a:extLst>
             <a:ext uri="{909E8E84-426E-40dd-AFC4-6F175D3DCCD1}">
-              <a14:hiddenFill xmlns:a14="http://schemas.microsoft.com/office/drawing/2010/main" xmlns="">
+              <a14:hiddenFill xmlns="" xmlns:a14="http://schemas.microsoft.com/office/drawing/2010/main">
                 <a:solidFill>
                   <a:srgbClr val="FFFFFF"/>
                 </a:solidFill>
               </a14:hiddenFill>
             </a:ext>
             <a:ext uri="{91240B29-F687-4f45-9708-019B960494DF}">
-              <a14:hiddenLine xmlns:a14="http://schemas.microsoft.com/office/drawing/2010/main" xmlns="" w="9525">
+              <a14:hiddenLine xmlns="" xmlns:a14="http://schemas.microsoft.com/office/drawing/2010/main" w="9525">
                 <a:solidFill>
                   <a:srgbClr val="000000"/>
                 </a:solidFill>
@@ -15342,7 +15189,7 @@
                 <a:latin typeface="Calibri"/>
               </a:rPr>
               <a:pPr eaLnBrk="1" hangingPunct="1"/>
-              <a:t>74</a:t>
+              <a:t>75</a:t>
             </a:fld>
             <a:endParaRPr lang="el-GR" sz="1400" dirty="0">
               <a:latin typeface="Calibri"/>
@@ -15379,17 +15226,17 @@
           <a:ln/>
           <a:extLst>
             <a:ext uri="{FAA26D3D-D897-4be2-8F04-BA451C77F1D7}">
-              <ma14:placeholderFlag xmlns:ma14="http://schemas.microsoft.com/office/mac/drawingml/2011/main" xmlns="" val="1"/>
+              <ma14:placeholderFlag xmlns="" xmlns:ma14="http://schemas.microsoft.com/office/mac/drawingml/2011/main" val="1"/>
             </a:ext>
             <a:ext uri="{909E8E84-426E-40dd-AFC4-6F175D3DCCD1}">
-              <a14:hiddenFill xmlns:a14="http://schemas.microsoft.com/office/drawing/2010/main" xmlns="">
+              <a14:hiddenFill xmlns="" xmlns:a14="http://schemas.microsoft.com/office/drawing/2010/main">
                 <a:solidFill>
                   <a:srgbClr val="FFFFFF"/>
                 </a:solidFill>
               </a14:hiddenFill>
             </a:ext>
             <a:ext uri="{91240B29-F687-4f45-9708-019B960494DF}">
-              <a14:hiddenLine xmlns:a14="http://schemas.microsoft.com/office/drawing/2010/main" xmlns="" w="9525">
+              <a14:hiddenLine xmlns="" xmlns:a14="http://schemas.microsoft.com/office/drawing/2010/main" w="9525">
                 <a:solidFill>
                   <a:srgbClr val="000000"/>
                 </a:solidFill>
@@ -15413,6 +15260,11 @@
         </p:txBody>
       </p:sp>
     </p:spTree>
+    <p:extLst>
+      <p:ext uri="{BB962C8B-B14F-4D97-AF65-F5344CB8AC3E}">
+        <p14:creationId xmlns:p14="http://schemas.microsoft.com/office/powerpoint/2010/main" val="3608513915"/>
+      </p:ext>
+    </p:extLst>
   </p:cSld>
   <p:clrMapOvr>
     <a:masterClrMapping/>
@@ -15697,14 +15549,14 @@
           <a:ln/>
           <a:extLst>
             <a:ext uri="{909E8E84-426E-40dd-AFC4-6F175D3DCCD1}">
-              <a14:hiddenFill xmlns:a14="http://schemas.microsoft.com/office/drawing/2010/main" xmlns="">
+              <a14:hiddenFill xmlns="" xmlns:a14="http://schemas.microsoft.com/office/drawing/2010/main">
                 <a:solidFill>
                   <a:srgbClr val="FFFFFF"/>
                 </a:solidFill>
               </a14:hiddenFill>
             </a:ext>
             <a:ext uri="{91240B29-F687-4f45-9708-019B960494DF}">
-              <a14:hiddenLine xmlns:a14="http://schemas.microsoft.com/office/drawing/2010/main" xmlns="" w="9525">
+              <a14:hiddenLine xmlns="" xmlns:a14="http://schemas.microsoft.com/office/drawing/2010/main" w="9525">
                 <a:solidFill>
                   <a:srgbClr val="000000"/>
                 </a:solidFill>
@@ -15832,7 +15684,7 @@
                 <a:latin typeface="Calibri"/>
               </a:rPr>
               <a:pPr eaLnBrk="1" hangingPunct="1"/>
-              <a:t>75</a:t>
+              <a:t>77</a:t>
             </a:fld>
             <a:endParaRPr lang="el-GR" sz="1400" dirty="0">
               <a:latin typeface="Calibri"/>
@@ -15869,17 +15721,17 @@
           <a:ln/>
           <a:extLst>
             <a:ext uri="{FAA26D3D-D897-4be2-8F04-BA451C77F1D7}">
-              <ma14:placeholderFlag xmlns:ma14="http://schemas.microsoft.com/office/mac/drawingml/2011/main" xmlns="" val="1"/>
+              <ma14:placeholderFlag xmlns="" xmlns:ma14="http://schemas.microsoft.com/office/mac/drawingml/2011/main" val="1"/>
             </a:ext>
             <a:ext uri="{909E8E84-426E-40dd-AFC4-6F175D3DCCD1}">
-              <a14:hiddenFill xmlns:a14="http://schemas.microsoft.com/office/drawing/2010/main" xmlns="">
+              <a14:hiddenFill xmlns="" xmlns:a14="http://schemas.microsoft.com/office/drawing/2010/main">
                 <a:solidFill>
                   <a:srgbClr val="FFFFFF"/>
                 </a:solidFill>
               </a14:hiddenFill>
             </a:ext>
             <a:ext uri="{91240B29-F687-4f45-9708-019B960494DF}">
-              <a14:hiddenLine xmlns:a14="http://schemas.microsoft.com/office/drawing/2010/main" xmlns="" w="9525">
+              <a14:hiddenLine xmlns="" xmlns:a14="http://schemas.microsoft.com/office/drawing/2010/main" w="9525">
                 <a:solidFill>
                   <a:srgbClr val="000000"/>
                 </a:solidFill>
@@ -15903,6 +15755,11 @@
         </p:txBody>
       </p:sp>
     </p:spTree>
+    <p:extLst>
+      <p:ext uri="{BB962C8B-B14F-4D97-AF65-F5344CB8AC3E}">
+        <p14:creationId xmlns:p14="http://schemas.microsoft.com/office/powerpoint/2010/main" val="4144162851"/>
+      </p:ext>
+    </p:extLst>
   </p:cSld>
   <p:clrMapOvr>
     <a:masterClrMapping/>
@@ -15942,14 +15799,14 @@
           <a:ln/>
           <a:extLst>
             <a:ext uri="{909E8E84-426E-40dd-AFC4-6F175D3DCCD1}">
-              <a14:hiddenFill xmlns:a14="http://schemas.microsoft.com/office/drawing/2010/main" xmlns="">
+              <a14:hiddenFill xmlns="" xmlns:a14="http://schemas.microsoft.com/office/drawing/2010/main">
                 <a:solidFill>
                   <a:srgbClr val="FFFFFF"/>
                 </a:solidFill>
               </a14:hiddenFill>
             </a:ext>
             <a:ext uri="{91240B29-F687-4f45-9708-019B960494DF}">
-              <a14:hiddenLine xmlns:a14="http://schemas.microsoft.com/office/drawing/2010/main" xmlns="" w="9525">
+              <a14:hiddenLine xmlns="" xmlns:a14="http://schemas.microsoft.com/office/drawing/2010/main" w="9525">
                 <a:solidFill>
                   <a:srgbClr val="000000"/>
                 </a:solidFill>
@@ -16077,7 +15934,7 @@
                 <a:latin typeface="Calibri"/>
               </a:rPr>
               <a:pPr eaLnBrk="1" hangingPunct="1"/>
-              <a:t>76</a:t>
+              <a:t>78</a:t>
             </a:fld>
             <a:endParaRPr lang="el-GR" sz="1400" dirty="0">
               <a:latin typeface="Calibri"/>
@@ -16114,17 +15971,17 @@
           <a:ln/>
           <a:extLst>
             <a:ext uri="{FAA26D3D-D897-4be2-8F04-BA451C77F1D7}">
-              <ma14:placeholderFlag xmlns:ma14="http://schemas.microsoft.com/office/mac/drawingml/2011/main" xmlns="" val="1"/>
+              <ma14:placeholderFlag xmlns="" xmlns:ma14="http://schemas.microsoft.com/office/mac/drawingml/2011/main" val="1"/>
             </a:ext>
             <a:ext uri="{909E8E84-426E-40dd-AFC4-6F175D3DCCD1}">
-              <a14:hiddenFill xmlns:a14="http://schemas.microsoft.com/office/drawing/2010/main" xmlns="">
+              <a14:hiddenFill xmlns="" xmlns:a14="http://schemas.microsoft.com/office/drawing/2010/main">
                 <a:solidFill>
                   <a:srgbClr val="FFFFFF"/>
                 </a:solidFill>
               </a14:hiddenFill>
             </a:ext>
             <a:ext uri="{91240B29-F687-4f45-9708-019B960494DF}">
-              <a14:hiddenLine xmlns:a14="http://schemas.microsoft.com/office/drawing/2010/main" xmlns="" w="9525">
+              <a14:hiddenLine xmlns="" xmlns:a14="http://schemas.microsoft.com/office/drawing/2010/main" w="9525">
                 <a:solidFill>
                   <a:srgbClr val="000000"/>
                 </a:solidFill>
@@ -16417,6 +16274,11 @@
         </p:txBody>
       </p:sp>
     </p:spTree>
+    <p:extLst>
+      <p:ext uri="{BB962C8B-B14F-4D97-AF65-F5344CB8AC3E}">
+        <p14:creationId xmlns:p14="http://schemas.microsoft.com/office/powerpoint/2010/main" val="1777808538"/>
+      </p:ext>
+    </p:extLst>
   </p:cSld>
   <p:clrMapOvr>
     <a:masterClrMapping/>
@@ -16456,14 +16318,14 @@
           <a:ln/>
           <a:extLst>
             <a:ext uri="{909E8E84-426E-40dd-AFC4-6F175D3DCCD1}">
-              <a14:hiddenFill xmlns:a14="http://schemas.microsoft.com/office/drawing/2010/main" xmlns="">
+              <a14:hiddenFill xmlns="" xmlns:a14="http://schemas.microsoft.com/office/drawing/2010/main">
                 <a:solidFill>
                   <a:srgbClr val="FFFFFF"/>
                 </a:solidFill>
               </a14:hiddenFill>
             </a:ext>
             <a:ext uri="{91240B29-F687-4f45-9708-019B960494DF}">
-              <a14:hiddenLine xmlns:a14="http://schemas.microsoft.com/office/drawing/2010/main" xmlns="" w="9525">
+              <a14:hiddenLine xmlns="" xmlns:a14="http://schemas.microsoft.com/office/drawing/2010/main" w="9525">
                 <a:solidFill>
                   <a:srgbClr val="000000"/>
                 </a:solidFill>
@@ -16591,7 +16453,7 @@
                 <a:latin typeface="Calibri"/>
               </a:rPr>
               <a:pPr eaLnBrk="1" hangingPunct="1"/>
-              <a:t>77</a:t>
+              <a:t>79</a:t>
             </a:fld>
             <a:endParaRPr lang="el-GR" sz="1400" dirty="0">
               <a:latin typeface="Calibri"/>
@@ -16628,17 +16490,17 @@
           <a:ln/>
           <a:extLst>
             <a:ext uri="{FAA26D3D-D897-4be2-8F04-BA451C77F1D7}">
-              <ma14:placeholderFlag xmlns:ma14="http://schemas.microsoft.com/office/mac/drawingml/2011/main" xmlns="" val="1"/>
+              <ma14:placeholderFlag xmlns="" xmlns:ma14="http://schemas.microsoft.com/office/mac/drawingml/2011/main" val="1"/>
             </a:ext>
             <a:ext uri="{909E8E84-426E-40dd-AFC4-6F175D3DCCD1}">
-              <a14:hiddenFill xmlns:a14="http://schemas.microsoft.com/office/drawing/2010/main" xmlns="">
+              <a14:hiddenFill xmlns="" xmlns:a14="http://schemas.microsoft.com/office/drawing/2010/main">
                 <a:solidFill>
                   <a:srgbClr val="FFFFFF"/>
                 </a:solidFill>
               </a14:hiddenFill>
             </a:ext>
             <a:ext uri="{91240B29-F687-4f45-9708-019B960494DF}">
-              <a14:hiddenLine xmlns:a14="http://schemas.microsoft.com/office/drawing/2010/main" xmlns="" w="9525">
+              <a14:hiddenLine xmlns="" xmlns:a14="http://schemas.microsoft.com/office/drawing/2010/main" w="9525">
                 <a:solidFill>
                   <a:srgbClr val="000000"/>
                 </a:solidFill>
@@ -16995,6 +16857,11 @@
         </p:txBody>
       </p:sp>
     </p:spTree>
+    <p:extLst>
+      <p:ext uri="{BB962C8B-B14F-4D97-AF65-F5344CB8AC3E}">
+        <p14:creationId xmlns:p14="http://schemas.microsoft.com/office/powerpoint/2010/main" val="122285353"/>
+      </p:ext>
+    </p:extLst>
   </p:cSld>
   <p:clrMapOvr>
     <a:masterClrMapping/>
@@ -17034,14 +16901,14 @@
           <a:ln/>
           <a:extLst>
             <a:ext uri="{909E8E84-426E-40dd-AFC4-6F175D3DCCD1}">
-              <a14:hiddenFill xmlns:a14="http://schemas.microsoft.com/office/drawing/2010/main" xmlns="">
+              <a14:hiddenFill xmlns="" xmlns:a14="http://schemas.microsoft.com/office/drawing/2010/main">
                 <a:solidFill>
                   <a:srgbClr val="FFFFFF"/>
                 </a:solidFill>
               </a14:hiddenFill>
             </a:ext>
             <a:ext uri="{91240B29-F687-4f45-9708-019B960494DF}">
-              <a14:hiddenLine xmlns:a14="http://schemas.microsoft.com/office/drawing/2010/main" xmlns="" w="9525">
+              <a14:hiddenLine xmlns="" xmlns:a14="http://schemas.microsoft.com/office/drawing/2010/main" w="9525">
                 <a:solidFill>
                   <a:srgbClr val="000000"/>
                 </a:solidFill>
@@ -17169,7 +17036,7 @@
                 <a:latin typeface="Calibri"/>
               </a:rPr>
               <a:pPr eaLnBrk="1" hangingPunct="1"/>
-              <a:t>78</a:t>
+              <a:t>80</a:t>
             </a:fld>
             <a:endParaRPr lang="el-GR" sz="1400" dirty="0">
               <a:latin typeface="Calibri"/>
@@ -17206,17 +17073,17 @@
           <a:ln/>
           <a:extLst>
             <a:ext uri="{FAA26D3D-D897-4be2-8F04-BA451C77F1D7}">
-              <ma14:placeholderFlag xmlns:ma14="http://schemas.microsoft.com/office/mac/drawingml/2011/main" xmlns="" val="1"/>
+              <ma14:placeholderFlag xmlns="" xmlns:ma14="http://schemas.microsoft.com/office/mac/drawingml/2011/main" val="1"/>
             </a:ext>
             <a:ext uri="{909E8E84-426E-40dd-AFC4-6F175D3DCCD1}">
-              <a14:hiddenFill xmlns:a14="http://schemas.microsoft.com/office/drawing/2010/main" xmlns="">
+              <a14:hiddenFill xmlns="" xmlns:a14="http://schemas.microsoft.com/office/drawing/2010/main">
                 <a:solidFill>
                   <a:srgbClr val="FFFFFF"/>
                 </a:solidFill>
               </a14:hiddenFill>
             </a:ext>
             <a:ext uri="{91240B29-F687-4f45-9708-019B960494DF}">
-              <a14:hiddenLine xmlns:a14="http://schemas.microsoft.com/office/drawing/2010/main" xmlns="" w="9525">
+              <a14:hiddenLine xmlns="" xmlns:a14="http://schemas.microsoft.com/office/drawing/2010/main" w="9525">
                 <a:solidFill>
                   <a:srgbClr val="000000"/>
                 </a:solidFill>
@@ -17557,6 +17424,11 @@
         </p:txBody>
       </p:sp>
     </p:spTree>
+    <p:extLst>
+      <p:ext uri="{BB962C8B-B14F-4D97-AF65-F5344CB8AC3E}">
+        <p14:creationId xmlns:p14="http://schemas.microsoft.com/office/powerpoint/2010/main" val="935849311"/>
+      </p:ext>
+    </p:extLst>
   </p:cSld>
   <p:clrMapOvr>
     <a:masterClrMapping/>
@@ -17596,14 +17468,14 @@
           <a:ln/>
           <a:extLst>
             <a:ext uri="{909E8E84-426E-40dd-AFC4-6F175D3DCCD1}">
-              <a14:hiddenFill xmlns:a14="http://schemas.microsoft.com/office/drawing/2010/main" xmlns="">
+              <a14:hiddenFill xmlns="" xmlns:a14="http://schemas.microsoft.com/office/drawing/2010/main">
                 <a:solidFill>
                   <a:srgbClr val="FFFFFF"/>
                 </a:solidFill>
               </a14:hiddenFill>
             </a:ext>
             <a:ext uri="{91240B29-F687-4f45-9708-019B960494DF}">
-              <a14:hiddenLine xmlns:a14="http://schemas.microsoft.com/office/drawing/2010/main" xmlns="" w="9525">
+              <a14:hiddenLine xmlns="" xmlns:a14="http://schemas.microsoft.com/office/drawing/2010/main" w="9525">
                 <a:solidFill>
                   <a:srgbClr val="000000"/>
                 </a:solidFill>
@@ -17731,7 +17603,7 @@
                 <a:latin typeface="Calibri"/>
               </a:rPr>
               <a:pPr eaLnBrk="1" hangingPunct="1"/>
-              <a:t>79</a:t>
+              <a:t>81</a:t>
             </a:fld>
             <a:endParaRPr lang="el-GR" sz="1400" dirty="0">
               <a:latin typeface="Calibri"/>
@@ -17768,17 +17640,17 @@
           <a:ln/>
           <a:extLst>
             <a:ext uri="{FAA26D3D-D897-4be2-8F04-BA451C77F1D7}">
-              <ma14:placeholderFlag xmlns:ma14="http://schemas.microsoft.com/office/mac/drawingml/2011/main" xmlns="" val="1"/>
+              <ma14:placeholderFlag xmlns="" xmlns:ma14="http://schemas.microsoft.com/office/mac/drawingml/2011/main" val="1"/>
             </a:ext>
             <a:ext uri="{909E8E84-426E-40dd-AFC4-6F175D3DCCD1}">
-              <a14:hiddenFill xmlns:a14="http://schemas.microsoft.com/office/drawing/2010/main" xmlns="">
+              <a14:hiddenFill xmlns="" xmlns:a14="http://schemas.microsoft.com/office/drawing/2010/main">
                 <a:solidFill>
                   <a:srgbClr val="FFFFFF"/>
                 </a:solidFill>
               </a14:hiddenFill>
             </a:ext>
             <a:ext uri="{91240B29-F687-4f45-9708-019B960494DF}">
-              <a14:hiddenLine xmlns:a14="http://schemas.microsoft.com/office/drawing/2010/main" xmlns="" w="9525">
+              <a14:hiddenLine xmlns="" xmlns:a14="http://schemas.microsoft.com/office/drawing/2010/main" w="9525">
                 <a:solidFill>
                   <a:srgbClr val="000000"/>
                 </a:solidFill>
@@ -18240,6 +18112,11 @@
         </p:txBody>
       </p:sp>
     </p:spTree>
+    <p:extLst>
+      <p:ext uri="{BB962C8B-B14F-4D97-AF65-F5344CB8AC3E}">
+        <p14:creationId xmlns:p14="http://schemas.microsoft.com/office/powerpoint/2010/main" val="386732905"/>
+      </p:ext>
+    </p:extLst>
   </p:cSld>
   <p:clrMapOvr>
     <a:masterClrMapping/>
@@ -18279,14 +18156,14 @@
           <a:ln/>
           <a:extLst>
             <a:ext uri="{909E8E84-426E-40dd-AFC4-6F175D3DCCD1}">
-              <a14:hiddenFill xmlns:a14="http://schemas.microsoft.com/office/drawing/2010/main" xmlns="">
+              <a14:hiddenFill xmlns="" xmlns:a14="http://schemas.microsoft.com/office/drawing/2010/main">
                 <a:solidFill>
                   <a:srgbClr val="FFFFFF"/>
                 </a:solidFill>
               </a14:hiddenFill>
             </a:ext>
             <a:ext uri="{91240B29-F687-4f45-9708-019B960494DF}">
-              <a14:hiddenLine xmlns:a14="http://schemas.microsoft.com/office/drawing/2010/main" xmlns="" w="9525">
+              <a14:hiddenLine xmlns="" xmlns:a14="http://schemas.microsoft.com/office/drawing/2010/main" w="9525">
                 <a:solidFill>
                   <a:srgbClr val="000000"/>
                 </a:solidFill>
@@ -18414,7 +18291,7 @@
                 <a:latin typeface="Calibri"/>
               </a:rPr>
               <a:pPr eaLnBrk="1" hangingPunct="1"/>
-              <a:t>80</a:t>
+              <a:t>82</a:t>
             </a:fld>
             <a:endParaRPr lang="el-GR" sz="1400" dirty="0">
               <a:latin typeface="Calibri"/>
@@ -18451,17 +18328,17 @@
           <a:ln/>
           <a:extLst>
             <a:ext uri="{FAA26D3D-D897-4be2-8F04-BA451C77F1D7}">
-              <ma14:placeholderFlag xmlns:ma14="http://schemas.microsoft.com/office/mac/drawingml/2011/main" xmlns="" val="1"/>
+              <ma14:placeholderFlag xmlns="" xmlns:ma14="http://schemas.microsoft.com/office/mac/drawingml/2011/main" val="1"/>
             </a:ext>
             <a:ext uri="{909E8E84-426E-40dd-AFC4-6F175D3DCCD1}">
-              <a14:hiddenFill xmlns:a14="http://schemas.microsoft.com/office/drawing/2010/main" xmlns="">
+              <a14:hiddenFill xmlns="" xmlns:a14="http://schemas.microsoft.com/office/drawing/2010/main">
                 <a:solidFill>
                   <a:srgbClr val="FFFFFF"/>
                 </a:solidFill>
               </a14:hiddenFill>
             </a:ext>
             <a:ext uri="{91240B29-F687-4f45-9708-019B960494DF}">
-              <a14:hiddenLine xmlns:a14="http://schemas.microsoft.com/office/drawing/2010/main" xmlns="" w="9525">
+              <a14:hiddenLine xmlns="" xmlns:a14="http://schemas.microsoft.com/office/drawing/2010/main" w="9525">
                 <a:solidFill>
                   <a:srgbClr val="000000"/>
                 </a:solidFill>
@@ -18485,6 +18362,11 @@
         </p:txBody>
       </p:sp>
     </p:spTree>
+    <p:extLst>
+      <p:ext uri="{BB962C8B-B14F-4D97-AF65-F5344CB8AC3E}">
+        <p14:creationId xmlns:p14="http://schemas.microsoft.com/office/powerpoint/2010/main" val="3374515174"/>
+      </p:ext>
+    </p:extLst>
   </p:cSld>
   <p:clrMapOvr>
     <a:masterClrMapping/>
@@ -18524,14 +18406,14 @@
           <a:ln/>
           <a:extLst>
             <a:ext uri="{909E8E84-426E-40dd-AFC4-6F175D3DCCD1}">
-              <a14:hiddenFill xmlns:a14="http://schemas.microsoft.com/office/drawing/2010/main" xmlns="">
+              <a14:hiddenFill xmlns="" xmlns:a14="http://schemas.microsoft.com/office/drawing/2010/main">
                 <a:solidFill>
                   <a:srgbClr val="FFFFFF"/>
                 </a:solidFill>
               </a14:hiddenFill>
             </a:ext>
             <a:ext uri="{91240B29-F687-4f45-9708-019B960494DF}">
-              <a14:hiddenLine xmlns:a14="http://schemas.microsoft.com/office/drawing/2010/main" xmlns="" w="9525">
+              <a14:hiddenLine xmlns="" xmlns:a14="http://schemas.microsoft.com/office/drawing/2010/main" w="9525">
                 <a:solidFill>
                   <a:srgbClr val="000000"/>
                 </a:solidFill>
@@ -18659,7 +18541,7 @@
                 <a:latin typeface="Calibri"/>
               </a:rPr>
               <a:pPr eaLnBrk="1" hangingPunct="1"/>
-              <a:t>81</a:t>
+              <a:t>83</a:t>
             </a:fld>
             <a:endParaRPr lang="el-GR" sz="1400" dirty="0">
               <a:latin typeface="Calibri"/>
@@ -18696,17 +18578,17 @@
           <a:ln/>
           <a:extLst>
             <a:ext uri="{FAA26D3D-D897-4be2-8F04-BA451C77F1D7}">
-              <ma14:placeholderFlag xmlns:ma14="http://schemas.microsoft.com/office/mac/drawingml/2011/main" xmlns="" val="1"/>
+              <ma14:placeholderFlag xmlns="" xmlns:ma14="http://schemas.microsoft.com/office/mac/drawingml/2011/main" val="1"/>
             </a:ext>
             <a:ext uri="{909E8E84-426E-40dd-AFC4-6F175D3DCCD1}">
-              <a14:hiddenFill xmlns:a14="http://schemas.microsoft.com/office/drawing/2010/main" xmlns="">
+              <a14:hiddenFill xmlns="" xmlns:a14="http://schemas.microsoft.com/office/drawing/2010/main">
                 <a:solidFill>
                   <a:srgbClr val="FFFFFF"/>
                 </a:solidFill>
               </a14:hiddenFill>
             </a:ext>
             <a:ext uri="{91240B29-F687-4f45-9708-019B960494DF}">
-              <a14:hiddenLine xmlns:a14="http://schemas.microsoft.com/office/drawing/2010/main" xmlns="" w="9525">
+              <a14:hiddenLine xmlns="" xmlns:a14="http://schemas.microsoft.com/office/drawing/2010/main" w="9525">
                 <a:solidFill>
                   <a:srgbClr val="000000"/>
                 </a:solidFill>
@@ -18722,7 +18604,7 @@
           <a:lstStyle/>
           <a:p>
             <a:pPr eaLnBrk="1" hangingPunct="1"/>
-            <a:endParaRPr lang="en-US" dirty="0">
+            <a:endParaRPr lang="en-US">
               <a:ea typeface="ＭＳ Ｐゴシック" charset="0"/>
               <a:cs typeface="ＭＳ Ｐゴシック" charset="0"/>
             </a:endParaRPr>
@@ -18730,6 +18612,11 @@
         </p:txBody>
       </p:sp>
     </p:spTree>
+    <p:extLst>
+      <p:ext uri="{BB962C8B-B14F-4D97-AF65-F5344CB8AC3E}">
+        <p14:creationId xmlns:p14="http://schemas.microsoft.com/office/powerpoint/2010/main" val="3224163350"/>
+      </p:ext>
+    </p:extLst>
   </p:cSld>
   <p:clrMapOvr>
     <a:masterClrMapping/>
@@ -18769,14 +18656,14 @@
           <a:ln/>
           <a:extLst>
             <a:ext uri="{909E8E84-426E-40dd-AFC4-6F175D3DCCD1}">
-              <a14:hiddenFill xmlns:a14="http://schemas.microsoft.com/office/drawing/2010/main" xmlns="">
+              <a14:hiddenFill xmlns="" xmlns:a14="http://schemas.microsoft.com/office/drawing/2010/main">
                 <a:solidFill>
                   <a:srgbClr val="FFFFFF"/>
                 </a:solidFill>
               </a14:hiddenFill>
             </a:ext>
             <a:ext uri="{91240B29-F687-4f45-9708-019B960494DF}">
-              <a14:hiddenLine xmlns:a14="http://schemas.microsoft.com/office/drawing/2010/main" xmlns="" w="9525">
+              <a14:hiddenLine xmlns="" xmlns:a14="http://schemas.microsoft.com/office/drawing/2010/main" w="9525">
                 <a:solidFill>
                   <a:srgbClr val="000000"/>
                 </a:solidFill>
@@ -18904,7 +18791,7 @@
                 <a:latin typeface="Calibri"/>
               </a:rPr>
               <a:pPr eaLnBrk="1" hangingPunct="1"/>
-              <a:t>82</a:t>
+              <a:t>84</a:t>
             </a:fld>
             <a:endParaRPr lang="el-GR" sz="1400" dirty="0">
               <a:latin typeface="Calibri"/>
@@ -18941,17 +18828,17 @@
           <a:ln/>
           <a:extLst>
             <a:ext uri="{FAA26D3D-D897-4be2-8F04-BA451C77F1D7}">
-              <ma14:placeholderFlag xmlns:ma14="http://schemas.microsoft.com/office/mac/drawingml/2011/main" xmlns="" val="1"/>
+              <ma14:placeholderFlag xmlns="" xmlns:ma14="http://schemas.microsoft.com/office/mac/drawingml/2011/main" val="1"/>
             </a:ext>
             <a:ext uri="{909E8E84-426E-40dd-AFC4-6F175D3DCCD1}">
-              <a14:hiddenFill xmlns:a14="http://schemas.microsoft.com/office/drawing/2010/main" xmlns="">
+              <a14:hiddenFill xmlns="" xmlns:a14="http://schemas.microsoft.com/office/drawing/2010/main">
                 <a:solidFill>
                   <a:srgbClr val="FFFFFF"/>
                 </a:solidFill>
               </a14:hiddenFill>
             </a:ext>
             <a:ext uri="{91240B29-F687-4f45-9708-019B960494DF}">
-              <a14:hiddenLine xmlns:a14="http://schemas.microsoft.com/office/drawing/2010/main" xmlns="" w="9525">
+              <a14:hiddenLine xmlns="" xmlns:a14="http://schemas.microsoft.com/office/drawing/2010/main" w="9525">
                 <a:solidFill>
                   <a:srgbClr val="000000"/>
                 </a:solidFill>
@@ -18975,6 +18862,11 @@
         </p:txBody>
       </p:sp>
     </p:spTree>
+    <p:extLst>
+      <p:ext uri="{BB962C8B-B14F-4D97-AF65-F5344CB8AC3E}">
+        <p14:creationId xmlns:p14="http://schemas.microsoft.com/office/powerpoint/2010/main" val="3037955728"/>
+      </p:ext>
+    </p:extLst>
   </p:cSld>
   <p:clrMapOvr>
     <a:masterClrMapping/>
@@ -19014,14 +18906,14 @@
           <a:ln/>
           <a:extLst>
             <a:ext uri="{909E8E84-426E-40dd-AFC4-6F175D3DCCD1}">
-              <a14:hiddenFill xmlns:a14="http://schemas.microsoft.com/office/drawing/2010/main" xmlns="">
+              <a14:hiddenFill xmlns="" xmlns:a14="http://schemas.microsoft.com/office/drawing/2010/main">
                 <a:solidFill>
                   <a:srgbClr val="FFFFFF"/>
                 </a:solidFill>
               </a14:hiddenFill>
             </a:ext>
             <a:ext uri="{91240B29-F687-4f45-9708-019B960494DF}">
-              <a14:hiddenLine xmlns:a14="http://schemas.microsoft.com/office/drawing/2010/main" xmlns="" w="9525">
+              <a14:hiddenLine xmlns="" xmlns:a14="http://schemas.microsoft.com/office/drawing/2010/main" w="9525">
                 <a:solidFill>
                   <a:srgbClr val="000000"/>
                 </a:solidFill>
@@ -19149,7 +19041,7 @@
                 <a:latin typeface="Calibri"/>
               </a:rPr>
               <a:pPr eaLnBrk="1" hangingPunct="1"/>
-              <a:t>83</a:t>
+              <a:t>85</a:t>
             </a:fld>
             <a:endParaRPr lang="el-GR" sz="1400" dirty="0">
               <a:latin typeface="Calibri"/>
@@ -19186,17 +19078,17 @@
           <a:ln/>
           <a:extLst>
             <a:ext uri="{FAA26D3D-D897-4be2-8F04-BA451C77F1D7}">
-              <ma14:placeholderFlag xmlns:ma14="http://schemas.microsoft.com/office/mac/drawingml/2011/main" xmlns="" val="1"/>
+              <ma14:placeholderFlag xmlns="" xmlns:ma14="http://schemas.microsoft.com/office/mac/drawingml/2011/main" val="1"/>
             </a:ext>
             <a:ext uri="{909E8E84-426E-40dd-AFC4-6F175D3DCCD1}">
-              <a14:hiddenFill xmlns:a14="http://schemas.microsoft.com/office/drawing/2010/main" xmlns="">
+              <a14:hiddenFill xmlns="" xmlns:a14="http://schemas.microsoft.com/office/drawing/2010/main">
                 <a:solidFill>
                   <a:srgbClr val="FFFFFF"/>
                 </a:solidFill>
               </a14:hiddenFill>
             </a:ext>
             <a:ext uri="{91240B29-F687-4f45-9708-019B960494DF}">
-              <a14:hiddenLine xmlns:a14="http://schemas.microsoft.com/office/drawing/2010/main" xmlns="" w="9525">
+              <a14:hiddenLine xmlns="" xmlns:a14="http://schemas.microsoft.com/office/drawing/2010/main" w="9525">
                 <a:solidFill>
                   <a:srgbClr val="000000"/>
                 </a:solidFill>
@@ -19598,6 +19490,11 @@
         </p:txBody>
       </p:sp>
     </p:spTree>
+    <p:extLst>
+      <p:ext uri="{BB962C8B-B14F-4D97-AF65-F5344CB8AC3E}">
+        <p14:creationId xmlns:p14="http://schemas.microsoft.com/office/powerpoint/2010/main" val="2084019312"/>
+      </p:ext>
+    </p:extLst>
   </p:cSld>
   <p:clrMapOvr>
     <a:masterClrMapping/>
@@ -19637,14 +19534,14 @@
           <a:ln/>
           <a:extLst>
             <a:ext uri="{909E8E84-426E-40dd-AFC4-6F175D3DCCD1}">
-              <a14:hiddenFill xmlns:a14="http://schemas.microsoft.com/office/drawing/2010/main" xmlns="">
+              <a14:hiddenFill xmlns="" xmlns:a14="http://schemas.microsoft.com/office/drawing/2010/main">
                 <a:solidFill>
                   <a:srgbClr val="FFFFFF"/>
                 </a:solidFill>
               </a14:hiddenFill>
             </a:ext>
             <a:ext uri="{91240B29-F687-4f45-9708-019B960494DF}">
-              <a14:hiddenLine xmlns:a14="http://schemas.microsoft.com/office/drawing/2010/main" xmlns="" w="9525">
+              <a14:hiddenLine xmlns="" xmlns:a14="http://schemas.microsoft.com/office/drawing/2010/main" w="9525">
                 <a:solidFill>
                   <a:srgbClr val="000000"/>
                 </a:solidFill>
@@ -19772,7 +19669,7 @@
                 <a:latin typeface="Calibri"/>
               </a:rPr>
               <a:pPr eaLnBrk="1" hangingPunct="1"/>
-              <a:t>84</a:t>
+              <a:t>86</a:t>
             </a:fld>
             <a:endParaRPr lang="el-GR" sz="1400" dirty="0">
               <a:latin typeface="Calibri"/>
@@ -19809,17 +19706,17 @@
           <a:ln/>
           <a:extLst>
             <a:ext uri="{FAA26D3D-D897-4be2-8F04-BA451C77F1D7}">
-              <ma14:placeholderFlag xmlns:ma14="http://schemas.microsoft.com/office/mac/drawingml/2011/main" xmlns="" val="1"/>
+              <ma14:placeholderFlag xmlns="" xmlns:ma14="http://schemas.microsoft.com/office/mac/drawingml/2011/main" val="1"/>
             </a:ext>
             <a:ext uri="{909E8E84-426E-40dd-AFC4-6F175D3DCCD1}">
-              <a14:hiddenFill xmlns:a14="http://schemas.microsoft.com/office/drawing/2010/main" xmlns="">
+              <a14:hiddenFill xmlns="" xmlns:a14="http://schemas.microsoft.com/office/drawing/2010/main">
                 <a:solidFill>
                   <a:srgbClr val="FFFFFF"/>
                 </a:solidFill>
               </a14:hiddenFill>
             </a:ext>
             <a:ext uri="{91240B29-F687-4f45-9708-019B960494DF}">
-              <a14:hiddenLine xmlns:a14="http://schemas.microsoft.com/office/drawing/2010/main" xmlns="" w="9525">
+              <a14:hiddenLine xmlns="" xmlns:a14="http://schemas.microsoft.com/office/drawing/2010/main" w="9525">
                 <a:solidFill>
                   <a:srgbClr val="000000"/>
                 </a:solidFill>
@@ -20235,6 +20132,11 @@
         </p:txBody>
       </p:sp>
     </p:spTree>
+    <p:extLst>
+      <p:ext uri="{BB962C8B-B14F-4D97-AF65-F5344CB8AC3E}">
+        <p14:creationId xmlns:p14="http://schemas.microsoft.com/office/powerpoint/2010/main" val="854071603"/>
+      </p:ext>
+    </p:extLst>
   </p:cSld>
   <p:clrMapOvr>
     <a:masterClrMapping/>
@@ -20519,14 +20421,14 @@
           <a:ln/>
           <a:extLst>
             <a:ext uri="{909E8E84-426E-40dd-AFC4-6F175D3DCCD1}">
-              <a14:hiddenFill xmlns:a14="http://schemas.microsoft.com/office/drawing/2010/main" xmlns="">
+              <a14:hiddenFill xmlns="" xmlns:a14="http://schemas.microsoft.com/office/drawing/2010/main">
                 <a:solidFill>
                   <a:srgbClr val="FFFFFF"/>
                 </a:solidFill>
               </a14:hiddenFill>
             </a:ext>
             <a:ext uri="{91240B29-F687-4f45-9708-019B960494DF}">
-              <a14:hiddenLine xmlns:a14="http://schemas.microsoft.com/office/drawing/2010/main" xmlns="" w="9525">
+              <a14:hiddenLine xmlns="" xmlns:a14="http://schemas.microsoft.com/office/drawing/2010/main" w="9525">
                 <a:solidFill>
                   <a:srgbClr val="000000"/>
                 </a:solidFill>
@@ -20654,7 +20556,7 @@
                 <a:latin typeface="Calibri"/>
               </a:rPr>
               <a:pPr eaLnBrk="1" hangingPunct="1"/>
-              <a:t>85</a:t>
+              <a:t>87</a:t>
             </a:fld>
             <a:endParaRPr lang="el-GR" sz="1400" dirty="0">
               <a:latin typeface="Calibri"/>
@@ -20691,17 +20593,17 @@
           <a:ln/>
           <a:extLst>
             <a:ext uri="{FAA26D3D-D897-4be2-8F04-BA451C77F1D7}">
-              <ma14:placeholderFlag xmlns:ma14="http://schemas.microsoft.com/office/mac/drawingml/2011/main" xmlns="" val="1"/>
+              <ma14:placeholderFlag xmlns="" xmlns:ma14="http://schemas.microsoft.com/office/mac/drawingml/2011/main" val="1"/>
             </a:ext>
             <a:ext uri="{909E8E84-426E-40dd-AFC4-6F175D3DCCD1}">
-              <a14:hiddenFill xmlns:a14="http://schemas.microsoft.com/office/drawing/2010/main" xmlns="">
+              <a14:hiddenFill xmlns="" xmlns:a14="http://schemas.microsoft.com/office/drawing/2010/main">
                 <a:solidFill>
                   <a:srgbClr val="FFFFFF"/>
                 </a:solidFill>
               </a14:hiddenFill>
             </a:ext>
             <a:ext uri="{91240B29-F687-4f45-9708-019B960494DF}">
-              <a14:hiddenLine xmlns:a14="http://schemas.microsoft.com/office/drawing/2010/main" xmlns="" w="9525">
+              <a14:hiddenLine xmlns="" xmlns:a14="http://schemas.microsoft.com/office/drawing/2010/main" w="9525">
                 <a:solidFill>
                   <a:srgbClr val="000000"/>
                 </a:solidFill>
@@ -20725,6 +20627,11 @@
         </p:txBody>
       </p:sp>
     </p:spTree>
+    <p:extLst>
+      <p:ext uri="{BB962C8B-B14F-4D97-AF65-F5344CB8AC3E}">
+        <p14:creationId xmlns:p14="http://schemas.microsoft.com/office/powerpoint/2010/main" val="4193588186"/>
+      </p:ext>
+    </p:extLst>
   </p:cSld>
   <p:clrMapOvr>
     <a:masterClrMapping/>
@@ -20764,14 +20671,14 @@
           <a:ln/>
           <a:extLst>
             <a:ext uri="{909E8E84-426E-40dd-AFC4-6F175D3DCCD1}">
-              <a14:hiddenFill xmlns:a14="http://schemas.microsoft.com/office/drawing/2010/main" xmlns="">
+              <a14:hiddenFill xmlns="" xmlns:a14="http://schemas.microsoft.com/office/drawing/2010/main">
                 <a:solidFill>
                   <a:srgbClr val="FFFFFF"/>
                 </a:solidFill>
               </a14:hiddenFill>
             </a:ext>
             <a:ext uri="{91240B29-F687-4f45-9708-019B960494DF}">
-              <a14:hiddenLine xmlns:a14="http://schemas.microsoft.com/office/drawing/2010/main" xmlns="" w="9525">
+              <a14:hiddenLine xmlns="" xmlns:a14="http://schemas.microsoft.com/office/drawing/2010/main" w="9525">
                 <a:solidFill>
                   <a:srgbClr val="000000"/>
                 </a:solidFill>
@@ -20899,7 +20806,7 @@
                 <a:latin typeface="Calibri"/>
               </a:rPr>
               <a:pPr eaLnBrk="1" hangingPunct="1"/>
-              <a:t>86</a:t>
+              <a:t>88</a:t>
             </a:fld>
             <a:endParaRPr lang="el-GR" sz="1400" dirty="0">
               <a:latin typeface="Calibri"/>
@@ -20936,17 +20843,17 @@
           <a:ln/>
           <a:extLst>
             <a:ext uri="{FAA26D3D-D897-4be2-8F04-BA451C77F1D7}">
-              <ma14:placeholderFlag xmlns:ma14="http://schemas.microsoft.com/office/mac/drawingml/2011/main" xmlns="" val="1"/>
+              <ma14:placeholderFlag xmlns="" xmlns:ma14="http://schemas.microsoft.com/office/mac/drawingml/2011/main" val="1"/>
             </a:ext>
             <a:ext uri="{909E8E84-426E-40dd-AFC4-6F175D3DCCD1}">
-              <a14:hiddenFill xmlns:a14="http://schemas.microsoft.com/office/drawing/2010/main" xmlns="">
+              <a14:hiddenFill xmlns="" xmlns:a14="http://schemas.microsoft.com/office/drawing/2010/main">
                 <a:solidFill>
                   <a:srgbClr val="FFFFFF"/>
                 </a:solidFill>
               </a14:hiddenFill>
             </a:ext>
             <a:ext uri="{91240B29-F687-4f45-9708-019B960494DF}">
-              <a14:hiddenLine xmlns:a14="http://schemas.microsoft.com/office/drawing/2010/main" xmlns="" w="9525">
+              <a14:hiddenLine xmlns="" xmlns:a14="http://schemas.microsoft.com/office/drawing/2010/main" w="9525">
                 <a:solidFill>
                   <a:srgbClr val="000000"/>
                 </a:solidFill>
@@ -20972,7 +20879,7 @@
     </p:spTree>
     <p:extLst>
       <p:ext uri="{BB962C8B-B14F-4D97-AF65-F5344CB8AC3E}">
-        <p14:creationId xmlns:p14="http://schemas.microsoft.com/office/powerpoint/2010/main" val="1208280034"/>
+        <p14:creationId xmlns:p14="http://schemas.microsoft.com/office/powerpoint/2010/main" val="2140041138"/>
       </p:ext>
     </p:extLst>
   </p:cSld>
@@ -21149,7 +21056,7 @@
                 <a:latin typeface="Calibri"/>
               </a:rPr>
               <a:pPr eaLnBrk="1" hangingPunct="1"/>
-              <a:t>87</a:t>
+              <a:t>89</a:t>
             </a:fld>
             <a:endParaRPr lang="el-GR" sz="1400" dirty="0">
               <a:latin typeface="Calibri"/>
@@ -21394,7 +21301,7 @@
                 <a:latin typeface="Calibri"/>
               </a:rPr>
               <a:pPr eaLnBrk="1" hangingPunct="1"/>
-              <a:t>88</a:t>
+              <a:t>90</a:t>
             </a:fld>
             <a:endParaRPr lang="el-GR" sz="1400" dirty="0">
               <a:latin typeface="Calibri"/>
@@ -21639,7 +21546,7 @@
                 <a:latin typeface="Calibri"/>
               </a:rPr>
               <a:pPr eaLnBrk="1" hangingPunct="1"/>
-              <a:t>89</a:t>
+              <a:t>91</a:t>
             </a:fld>
             <a:endParaRPr lang="el-GR" sz="1400" dirty="0">
               <a:latin typeface="Calibri"/>
@@ -21884,7 +21791,7 @@
                 <a:latin typeface="Calibri"/>
               </a:rPr>
               <a:pPr eaLnBrk="1" hangingPunct="1"/>
-              <a:t>90</a:t>
+              <a:t>92</a:t>
             </a:fld>
             <a:endParaRPr lang="el-GR" sz="1400" dirty="0">
               <a:latin typeface="Calibri"/>
@@ -22129,7 +22036,7 @@
                 <a:latin typeface="Calibri"/>
               </a:rPr>
               <a:pPr eaLnBrk="1" hangingPunct="1"/>
-              <a:t>91</a:t>
+              <a:t>93</a:t>
             </a:fld>
             <a:endParaRPr lang="el-GR" sz="1400" dirty="0">
               <a:latin typeface="Calibri"/>
@@ -22374,7 +22281,7 @@
                 <a:latin typeface="Calibri"/>
               </a:rPr>
               <a:pPr eaLnBrk="1" hangingPunct="1"/>
-              <a:t>92</a:t>
+              <a:t>94</a:t>
             </a:fld>
             <a:endParaRPr lang="el-GR" sz="1400" dirty="0">
               <a:latin typeface="Calibri"/>
@@ -22619,7 +22526,7 @@
                 <a:latin typeface="Calibri"/>
               </a:rPr>
               <a:pPr eaLnBrk="1" hangingPunct="1"/>
-              <a:t>93</a:t>
+              <a:t>95</a:t>
             </a:fld>
             <a:endParaRPr lang="el-GR" sz="1400" dirty="0">
               <a:latin typeface="Calibri"/>
@@ -22864,7 +22771,7 @@
                 <a:latin typeface="Calibri"/>
               </a:rPr>
               <a:pPr eaLnBrk="1" hangingPunct="1"/>
-              <a:t>94</a:t>
+              <a:t>96</a:t>
             </a:fld>
             <a:endParaRPr lang="el-GR" sz="1400" dirty="0">
               <a:latin typeface="Calibri"/>
@@ -23354,7 +23261,7 @@
                 <a:latin typeface="Calibri"/>
               </a:rPr>
               <a:pPr eaLnBrk="1" hangingPunct="1"/>
-              <a:t>95</a:t>
+              <a:t>97</a:t>
             </a:fld>
             <a:endParaRPr lang="el-GR" sz="1400" dirty="0">
               <a:latin typeface="Calibri"/>
@@ -23599,7 +23506,7 @@
                 <a:latin typeface="Calibri"/>
               </a:rPr>
               <a:pPr eaLnBrk="1" hangingPunct="1"/>
-              <a:t>96</a:t>
+              <a:t>98</a:t>
             </a:fld>
             <a:endParaRPr lang="el-GR" sz="1400" dirty="0">
               <a:latin typeface="Calibri"/>
@@ -44649,9 +44556,15 @@
       </p:grpSpPr>
       <p:sp>
         <p:nvSpPr>
-          <p:cNvPr id="143361" name="AutoShape 2"/>
-          <p:cNvSpPr>
-            <a:spLocks noGrp="1" noChangeArrowheads="1"/>
+          <p:cNvPr id="2" name="Title 1">
+            <a:extLst>
+              <a:ext uri="{FF2B5EF4-FFF2-40B4-BE49-F238E27FC236}">
+                <a16:creationId xmlns:a16="http://schemas.microsoft.com/office/drawing/2014/main" id="{785B481C-DD8A-FE43-AFB1-8663A8ED2071}"/>
+              </a:ext>
+            </a:extLst>
+          </p:cNvPr>
+          <p:cNvSpPr>
+            <a:spLocks noGrp="1"/>
           </p:cNvSpPr>
           <p:nvPr>
             <p:ph type="title"/>
@@ -44662,207 +44575,113 @@
           <a:bodyPr/>
           <a:lstStyle/>
           <a:p>
-            <a:pPr eaLnBrk="1" hangingPunct="1"/>
             <a:r>
               <a:rPr lang="en-US" dirty="0">
                 <a:ea typeface="ＭＳ Ｐゴシック" charset="0"/>
                 <a:cs typeface="ＭＳ Ｐゴシック" charset="0"/>
               </a:rPr>
-              <a:t>Outline</a:t>
-            </a:r>
-            <a:endParaRPr lang="el-GR" dirty="0">
-              <a:ea typeface="ＭＳ Ｐゴシック" charset="0"/>
-              <a:cs typeface="ＭＳ Ｐゴシック" charset="0"/>
-            </a:endParaRPr>
+              <a:t>African Wildlife Ontology</a:t>
+            </a:r>
+            <a:endParaRPr lang="en-US" dirty="0"/>
           </a:p>
         </p:txBody>
       </p:sp>
       <p:sp>
         <p:nvSpPr>
-          <p:cNvPr id="143362" name="Rectangle 3"/>
-          <p:cNvSpPr>
-            <a:spLocks noGrp="1" noChangeArrowheads="1"/>
+          <p:cNvPr id="3" name="Content Placeholder 2">
+            <a:extLst>
+              <a:ext uri="{FF2B5EF4-FFF2-40B4-BE49-F238E27FC236}">
+                <a16:creationId xmlns:a16="http://schemas.microsoft.com/office/drawing/2014/main" id="{164CCE25-7737-5340-A2DB-7419647F74C6}"/>
+              </a:ext>
+            </a:extLst>
+          </p:cNvPr>
+          <p:cNvSpPr>
+            <a:spLocks noGrp="1"/>
           </p:cNvSpPr>
           <p:nvPr>
-            <p:ph type="body" idx="1"/>
+            <p:ph idx="1"/>
           </p:nvPr>
         </p:nvSpPr>
         <p:spPr>
           <a:xfrm>
-            <a:off x="2052638" y="1773238"/>
-            <a:ext cx="5040312" cy="4103687"/>
+            <a:off x="453115" y="1196752"/>
+            <a:ext cx="8353425" cy="4967288"/>
           </a:xfrm>
         </p:spPr>
         <p:txBody>
           <a:bodyPr/>
           <a:lstStyle/>
           <a:p>
-            <a:pPr marL="457200" indent="-457200" eaLnBrk="1" hangingPunct="1">
-              <a:buFont typeface="Wingdings" charset="0"/>
-              <a:buAutoNum type="arabicPeriod"/>
-            </a:pPr>
+            <a:r>
+              <a:rPr lang="en-US" sz="3200" dirty="0"/>
+              <a:t>An small example using OWL for an ontology of African animals and plants</a:t>
+            </a:r>
+          </a:p>
+          <a:p>
+            <a:r>
+              <a:rPr lang="en-US" sz="3200" dirty="0"/>
+              <a:t>Used in 2</a:t>
+            </a:r>
+            <a:r>
+              <a:rPr lang="en-US" sz="3200" baseline="30000" dirty="0"/>
+              <a:t>nd</a:t>
+            </a:r>
+            <a:r>
+              <a:rPr lang="en-US" sz="3200" dirty="0"/>
+              <a:t> edition of the Semantic Web Primer</a:t>
+            </a:r>
+          </a:p>
+          <a:p>
+            <a:r>
+              <a:rPr lang="en-US" sz="3200" dirty="0"/>
+              <a:t>Used by Maria </a:t>
+            </a:r>
+            <a:r>
+              <a:rPr lang="en-US" sz="3200" dirty="0" err="1"/>
+              <a:t>Keet</a:t>
+            </a:r>
+            <a:r>
+              <a:rPr lang="en-US" sz="3200" dirty="0"/>
+              <a:t> for her course and book </a:t>
+            </a:r>
+            <a:r>
+              <a:rPr lang="en-US" sz="3200" b="1" dirty="0">
+                <a:hlinkClick r:id="rId2"/>
+              </a:rPr>
+              <a:t>An Introduction to Ontology Engineering</a:t>
+            </a:r>
+            <a:endParaRPr lang="en-US" sz="3200" b="1" dirty="0"/>
+          </a:p>
+          <a:p>
+            <a:r>
+              <a:rPr lang="en-US" sz="3200" dirty="0"/>
+              <a:t>See her recent article, </a:t>
+            </a:r>
             <a:r>
               <a:rPr lang="en-US" sz="3200" dirty="0">
-                <a:solidFill>
-                  <a:srgbClr val="5F5F5F"/>
-                </a:solidFill>
-                <a:ea typeface="ＭＳ Ｐゴシック" charset="0"/>
-                <a:cs typeface="ＭＳ Ｐゴシック" charset="0"/>
-              </a:rPr>
-              <a:t>A bit of history</a:t>
-            </a:r>
-          </a:p>
-          <a:p>
-            <a:pPr marL="457200" indent="-457200" eaLnBrk="1" hangingPunct="1">
-              <a:buFont typeface="Wingdings" charset="0"/>
-              <a:buAutoNum type="arabicPeriod"/>
-            </a:pPr>
-            <a:r>
-              <a:rPr lang="en-US" sz="3200" dirty="0">
-                <a:solidFill>
-                  <a:srgbClr val="5F5F5F"/>
-                </a:solidFill>
-                <a:ea typeface="ＭＳ Ｐゴシック" charset="0"/>
-                <a:cs typeface="ＭＳ Ｐゴシック" charset="0"/>
-              </a:rPr>
-              <a:t>Basic Ideas of OWL </a:t>
-            </a:r>
-          </a:p>
-          <a:p>
-            <a:pPr marL="457200" indent="-457200" eaLnBrk="1" hangingPunct="1">
-              <a:buFont typeface="Wingdings" charset="0"/>
-              <a:buAutoNum type="arabicPeriod"/>
-            </a:pPr>
-            <a:r>
-              <a:rPr lang="en-US" sz="3200" dirty="0">
-                <a:solidFill>
-                  <a:srgbClr val="5F5F5F"/>
-                </a:solidFill>
-                <a:ea typeface="ＭＳ Ｐゴシック" charset="0"/>
-                <a:cs typeface="ＭＳ Ｐゴシック" charset="0"/>
-              </a:rPr>
-              <a:t>The OWL Language</a:t>
-            </a:r>
-          </a:p>
-          <a:p>
-            <a:pPr marL="457200" indent="-457200" eaLnBrk="1" hangingPunct="1">
-              <a:buFont typeface="Wingdings" charset="0"/>
-              <a:buAutoNum type="arabicPeriod"/>
-            </a:pPr>
-            <a:r>
-              <a:rPr lang="en-US" sz="3200" b="1" dirty="0">
-                <a:ea typeface="ＭＳ Ｐゴシック" charset="0"/>
-                <a:cs typeface="ＭＳ Ｐゴシック" charset="0"/>
-              </a:rPr>
-              <a:t>Examples</a:t>
-            </a:r>
-            <a:endParaRPr lang="el-GR" sz="3200" b="1" dirty="0">
-              <a:ea typeface="ＭＳ Ｐゴシック" charset="0"/>
-              <a:cs typeface="ＭＳ Ｐゴシック" charset="0"/>
-            </a:endParaRPr>
-          </a:p>
-          <a:p>
-            <a:pPr marL="457200" indent="-457200" eaLnBrk="1" hangingPunct="1">
-              <a:buFont typeface="Wingdings" charset="0"/>
-              <a:buAutoNum type="arabicPeriod"/>
-            </a:pPr>
-            <a:r>
-              <a:rPr lang="en-US" sz="3200" dirty="0">
-                <a:solidFill>
-                  <a:srgbClr val="5F5F5F"/>
-                </a:solidFill>
-                <a:ea typeface="ＭＳ Ｐゴシック" charset="0"/>
-                <a:cs typeface="ＭＳ Ｐゴシック" charset="0"/>
-              </a:rPr>
-              <a:t>The OWL Namespace</a:t>
-            </a:r>
-          </a:p>
-          <a:p>
-            <a:pPr marL="457200" indent="-457200" eaLnBrk="1" hangingPunct="1">
-              <a:buFont typeface="Wingdings" charset="0"/>
-              <a:buAutoNum type="arabicPeriod"/>
-            </a:pPr>
-            <a:r>
-              <a:rPr lang="en-US" sz="3200" dirty="0">
-                <a:solidFill>
-                  <a:srgbClr val="5F5F5F"/>
-                </a:solidFill>
-                <a:ea typeface="ＭＳ Ｐゴシック" charset="0"/>
-                <a:cs typeface="ＭＳ Ｐゴシック" charset="0"/>
-              </a:rPr>
-              <a:t>Future Extensions</a:t>
-            </a:r>
-          </a:p>
-          <a:p>
-            <a:pPr marL="457200" indent="-457200" eaLnBrk="1" hangingPunct="1">
-              <a:buFont typeface="Wingdings" charset="0"/>
-              <a:buNone/>
-            </a:pPr>
-            <a:endParaRPr lang="el-GR" sz="3200" dirty="0">
-              <a:solidFill>
-                <a:srgbClr val="5F5F5F"/>
-              </a:solidFill>
-              <a:ea typeface="ＭＳ Ｐゴシック" charset="0"/>
-              <a:cs typeface="ＭＳ Ｐゴシック" charset="0"/>
-            </a:endParaRPr>
+                <a:hlinkClick r:id="rId3"/>
+              </a:rPr>
+              <a:t>The African Wildlife Ontology tutorial ontologies: requirements, design, and content</a:t>
+            </a:r>
+            <a:endParaRPr lang="en-US" sz="3200" dirty="0"/>
+          </a:p>
+          <a:p>
+            <a:r>
+              <a:rPr lang="en-US" sz="3200" dirty="0"/>
+              <a:t>See </a:t>
+            </a:r>
+          </a:p>
+          <a:p>
+            <a:endParaRPr lang="en-US" sz="3200" dirty="0"/>
           </a:p>
         </p:txBody>
       </p:sp>
-      <p:pic>
-        <p:nvPicPr>
-          <p:cNvPr id="143363" name="Picture 3"/>
-          <p:cNvPicPr>
-            <a:picLocks noChangeAspect="1"/>
-          </p:cNvPicPr>
-          <p:nvPr/>
-        </p:nvPicPr>
-        <p:blipFill>
-          <a:blip r:embed="rId3">
-            <a:extLst>
-              <a:ext uri="{28A0092B-C50C-407E-A947-70E740481C1C}">
-                <a14:useLocalDpi xmlns:a14="http://schemas.microsoft.com/office/drawing/2010/main" val="0"/>
-              </a:ext>
-            </a:extLst>
-          </a:blip>
-          <a:srcRect/>
-          <a:stretch>
-            <a:fillRect/>
-          </a:stretch>
-        </p:blipFill>
-        <p:spPr bwMode="auto">
-          <a:xfrm>
-            <a:off x="6781800" y="3581400"/>
-            <a:ext cx="2216150" cy="3136900"/>
-          </a:xfrm>
-          <a:prstGeom prst="rect">
-            <a:avLst/>
-          </a:prstGeom>
-          <a:noFill/>
-          <a:ln>
-            <a:noFill/>
-          </a:ln>
-          <a:extLst>
-            <a:ext uri="{909E8E84-426E-40dd-AFC4-6F175D3DCCD1}">
-              <a14:hiddenFill xmlns:a14="http://schemas.microsoft.com/office/drawing/2010/main" xmlns="">
-                <a:solidFill>
-                  <a:srgbClr val="FFFFFF"/>
-                </a:solidFill>
-              </a14:hiddenFill>
-            </a:ext>
-            <a:ext uri="{91240B29-F687-4f45-9708-019B960494DF}">
-              <a14:hiddenLine xmlns:a14="http://schemas.microsoft.com/office/drawing/2010/main" xmlns="" w="9525">
-                <a:solidFill>
-                  <a:srgbClr val="000000"/>
-                </a:solidFill>
-                <a:miter lim="800000"/>
-                <a:headEnd/>
-                <a:tailEnd/>
-              </a14:hiddenLine>
-            </a:ext>
-          </a:extLst>
-        </p:spPr>
-      </p:pic>
     </p:spTree>
+    <p:extLst>
+      <p:ext uri="{BB962C8B-B14F-4D97-AF65-F5344CB8AC3E}">
+        <p14:creationId xmlns:p14="http://schemas.microsoft.com/office/powerpoint/2010/main" val="3499059520"/>
+      </p:ext>
+    </p:extLst>
   </p:cSld>
   <p:clrMapOvr>
     <a:masterClrMapping/>
@@ -44889,6 +44708,97 @@
       </p:grpSpPr>
       <p:sp>
         <p:nvSpPr>
+          <p:cNvPr id="2" name="Title 1">
+            <a:extLst>
+              <a:ext uri="{FF2B5EF4-FFF2-40B4-BE49-F238E27FC236}">
+                <a16:creationId xmlns:a16="http://schemas.microsoft.com/office/drawing/2014/main" id="{2A4A97F5-DD1F-A041-A9ED-FD6682E49D1A}"/>
+              </a:ext>
+            </a:extLst>
+          </p:cNvPr>
+          <p:cNvSpPr>
+            <a:spLocks noGrp="1"/>
+          </p:cNvSpPr>
+          <p:nvPr>
+            <p:ph type="title"/>
+          </p:nvPr>
+        </p:nvSpPr>
+        <p:spPr/>
+        <p:txBody>
+          <a:bodyPr/>
+          <a:lstStyle/>
+          <a:p>
+            <a:r>
+              <a:rPr lang="en-US" dirty="0">
+                <a:ea typeface="ＭＳ Ｐゴシック" charset="0"/>
+                <a:cs typeface="ＭＳ Ｐゴシック" charset="0"/>
+              </a:rPr>
+              <a:t>African Wildlife Ontology</a:t>
+            </a:r>
+            <a:endParaRPr lang="en-US" dirty="0"/>
+          </a:p>
+        </p:txBody>
+      </p:sp>
+      <p:pic>
+        <p:nvPicPr>
+          <p:cNvPr id="5" name="Content Placeholder 4">
+            <a:extLst>
+              <a:ext uri="{FF2B5EF4-FFF2-40B4-BE49-F238E27FC236}">
+                <a16:creationId xmlns:a16="http://schemas.microsoft.com/office/drawing/2014/main" id="{D6768FAB-8915-6C43-94CB-26F0B45A8AB6}"/>
+              </a:ext>
+            </a:extLst>
+          </p:cNvPr>
+          <p:cNvPicPr>
+            <a:picLocks noGrp="1" noChangeAspect="1"/>
+          </p:cNvPicPr>
+          <p:nvPr>
+            <p:ph idx="1"/>
+          </p:nvPr>
+        </p:nvPicPr>
+        <p:blipFill>
+          <a:blip r:embed="rId3"/>
+          <a:stretch>
+            <a:fillRect/>
+          </a:stretch>
+        </p:blipFill>
+        <p:spPr>
+          <a:xfrm>
+            <a:off x="1103449" y="1412875"/>
+            <a:ext cx="7145103" cy="4968453"/>
+          </a:xfrm>
+        </p:spPr>
+      </p:pic>
+    </p:spTree>
+    <p:extLst>
+      <p:ext uri="{BB962C8B-B14F-4D97-AF65-F5344CB8AC3E}">
+        <p14:creationId xmlns:p14="http://schemas.microsoft.com/office/powerpoint/2010/main" val="643525593"/>
+      </p:ext>
+    </p:extLst>
+  </p:cSld>
+  <p:clrMapOvr>
+    <a:masterClrMapping/>
+  </p:clrMapOvr>
+</p:sld>
+</file>
+
+<file path=ppt/slides/slide75.xml><?xml version="1.0" encoding="utf-8"?>
+<p:sld xmlns:a="http://schemas.openxmlformats.org/drawingml/2006/main" xmlns:r="http://schemas.openxmlformats.org/officeDocument/2006/relationships" xmlns:p="http://schemas.openxmlformats.org/presentationml/2006/main">
+  <p:cSld>
+    <p:spTree>
+      <p:nvGrpSpPr>
+        <p:cNvPr id="1" name=""/>
+        <p:cNvGrpSpPr/>
+        <p:nvPr/>
+      </p:nvGrpSpPr>
+      <p:grpSpPr>
+        <a:xfrm>
+          <a:off x="0" y="0"/>
+          <a:ext cx="0" cy="0"/>
+          <a:chOff x="0" y="0"/>
+          <a:chExt cx="0" cy="0"/>
+        </a:xfrm>
+      </p:grpSpPr>
+      <p:sp>
+        <p:nvSpPr>
           <p:cNvPr id="145409" name="AutoShape 2"/>
           <p:cNvSpPr>
             <a:spLocks noGrp="1" noChangeArrowheads="1"/>
@@ -44944,15 +44854,92 @@
         </p:blipFill>
         <p:spPr>
           <a:xfrm>
-            <a:off x="467544" y="1772816"/>
-            <a:ext cx="8025901" cy="3853284"/>
+            <a:off x="384649" y="2132856"/>
+            <a:ext cx="6215898" cy="2984290"/>
           </a:xfrm>
           <a:prstGeom prst="rect">
             <a:avLst/>
           </a:prstGeom>
         </p:spPr>
       </p:pic>
+      <p:pic>
+        <p:nvPicPr>
+          <p:cNvPr id="4" name="Picture 3">
+            <a:extLst>
+              <a:ext uri="{FF2B5EF4-FFF2-40B4-BE49-F238E27FC236}">
+                <a16:creationId xmlns:a16="http://schemas.microsoft.com/office/drawing/2014/main" id="{A461D225-0002-DA4F-BFD8-7A06EE91494E}"/>
+              </a:ext>
+            </a:extLst>
+          </p:cNvPr>
+          <p:cNvPicPr>
+            <a:picLocks noChangeAspect="1"/>
+          </p:cNvPicPr>
+          <p:nvPr/>
+        </p:nvPicPr>
+        <p:blipFill>
+          <a:blip r:embed="rId4"/>
+          <a:stretch>
+            <a:fillRect/>
+          </a:stretch>
+        </p:blipFill>
+        <p:spPr>
+          <a:xfrm>
+            <a:off x="6588224" y="1340768"/>
+            <a:ext cx="2399474" cy="4932784"/>
+          </a:xfrm>
+          <a:prstGeom prst="rect">
+            <a:avLst/>
+          </a:prstGeom>
+        </p:spPr>
+      </p:pic>
+      <p:sp>
+        <p:nvSpPr>
+          <p:cNvPr id="5" name="TextBox 4">
+            <a:extLst>
+              <a:ext uri="{FF2B5EF4-FFF2-40B4-BE49-F238E27FC236}">
+                <a16:creationId xmlns:a16="http://schemas.microsoft.com/office/drawing/2014/main" id="{75C699E0-0B8F-9D42-B7B0-A63A2CC2CA4D}"/>
+              </a:ext>
+            </a:extLst>
+          </p:cNvPr>
+          <p:cNvSpPr txBox="1"/>
+          <p:nvPr/>
+        </p:nvSpPr>
+        <p:spPr>
+          <a:xfrm>
+            <a:off x="6804248" y="6178063"/>
+            <a:ext cx="2162772" cy="523220"/>
+          </a:xfrm>
+          <a:prstGeom prst="rect">
+            <a:avLst/>
+          </a:prstGeom>
+          <a:noFill/>
+        </p:spPr>
+        <p:txBody>
+          <a:bodyPr wrap="none" rtlCol="0">
+            <a:spAutoFit/>
+          </a:bodyPr>
+          <a:lstStyle/>
+          <a:p>
+            <a:r>
+              <a:rPr lang="en-US" sz="2800" dirty="0"/>
+              <a:t>See </a:t>
+            </a:r>
+            <a:r>
+              <a:rPr lang="en-US" sz="2800" dirty="0">
+                <a:hlinkClick r:id="rId5"/>
+              </a:rPr>
+              <a:t>awo1.ttl</a:t>
+            </a:r>
+            <a:endParaRPr lang="en-US" sz="2800" dirty="0"/>
+          </a:p>
+        </p:txBody>
+      </p:sp>
     </p:spTree>
+    <p:extLst>
+      <p:ext uri="{BB962C8B-B14F-4D97-AF65-F5344CB8AC3E}">
+        <p14:creationId xmlns:p14="http://schemas.microsoft.com/office/powerpoint/2010/main" val="2498433113"/>
+      </p:ext>
+    </p:extLst>
   </p:cSld>
   <p:clrMapOvr>
     <a:masterClrMapping/>
@@ -44960,7 +44947,252 @@
 </p:sld>
 </file>
 
-<file path=ppt/slides/slide75.xml><?xml version="1.0" encoding="utf-8"?>
+<file path=ppt/slides/slide76.xml><?xml version="1.0" encoding="utf-8"?>
+<p:sld xmlns:a="http://schemas.openxmlformats.org/drawingml/2006/main" xmlns:r="http://schemas.openxmlformats.org/officeDocument/2006/relationships" xmlns:p="http://schemas.openxmlformats.org/presentationml/2006/main">
+  <p:cSld>
+    <p:spTree>
+      <p:nvGrpSpPr>
+        <p:cNvPr id="1" name=""/>
+        <p:cNvGrpSpPr/>
+        <p:nvPr/>
+      </p:nvGrpSpPr>
+      <p:grpSpPr>
+        <a:xfrm>
+          <a:off x="0" y="0"/>
+          <a:ext cx="0" cy="0"/>
+          <a:chOff x="0" y="0"/>
+          <a:chExt cx="0" cy="0"/>
+        </a:xfrm>
+      </p:grpSpPr>
+      <p:pic>
+        <p:nvPicPr>
+          <p:cNvPr id="4" name="Picture 3" descr="Screen Shot 2014-03-26 at 12.51.22 PM.png">
+            <a:extLst>
+              <a:ext uri="{FF2B5EF4-FFF2-40B4-BE49-F238E27FC236}">
+                <a16:creationId xmlns:a16="http://schemas.microsoft.com/office/drawing/2014/main" id="{9DDFEB3D-40B5-9141-9D14-2E2FFAABC00C}"/>
+              </a:ext>
+            </a:extLst>
+          </p:cNvPr>
+          <p:cNvPicPr>
+            <a:picLocks noChangeAspect="1"/>
+          </p:cNvPicPr>
+          <p:nvPr/>
+        </p:nvPicPr>
+        <p:blipFill>
+          <a:blip r:embed="rId2">
+            <a:extLst>
+              <a:ext uri="{28A0092B-C50C-407E-A947-70E740481C1C}">
+                <a14:useLocalDpi xmlns:a14="http://schemas.microsoft.com/office/drawing/2010/main" val="0"/>
+              </a:ext>
+            </a:extLst>
+          </a:blip>
+          <a:stretch>
+            <a:fillRect/>
+          </a:stretch>
+        </p:blipFill>
+        <p:spPr>
+          <a:xfrm>
+            <a:off x="5292081" y="4903803"/>
+            <a:ext cx="3528070" cy="1693848"/>
+          </a:xfrm>
+          <a:prstGeom prst="rect">
+            <a:avLst/>
+          </a:prstGeom>
+        </p:spPr>
+      </p:pic>
+      <p:sp>
+        <p:nvSpPr>
+          <p:cNvPr id="2" name="Title 1">
+            <a:extLst>
+              <a:ext uri="{FF2B5EF4-FFF2-40B4-BE49-F238E27FC236}">
+                <a16:creationId xmlns:a16="http://schemas.microsoft.com/office/drawing/2014/main" id="{465BD227-8C47-5549-B034-D8A5F29DF62D}"/>
+              </a:ext>
+            </a:extLst>
+          </p:cNvPr>
+          <p:cNvSpPr>
+            <a:spLocks noGrp="1"/>
+          </p:cNvSpPr>
+          <p:nvPr>
+            <p:ph type="title"/>
+          </p:nvPr>
+        </p:nvSpPr>
+        <p:spPr/>
+        <p:txBody>
+          <a:bodyPr/>
+          <a:lstStyle/>
+          <a:p>
+            <a:r>
+              <a:rPr lang="en-US" dirty="0">
+                <a:ea typeface="ＭＳ Ｐゴシック" charset="0"/>
+                <a:cs typeface="ＭＳ Ｐゴシック" charset="0"/>
+              </a:rPr>
+              <a:t>African Wildlife Ontology:  Classes</a:t>
+            </a:r>
+            <a:endParaRPr lang="en-US" dirty="0"/>
+          </a:p>
+        </p:txBody>
+      </p:sp>
+      <p:sp>
+        <p:nvSpPr>
+          <p:cNvPr id="3" name="Content Placeholder 2">
+            <a:extLst>
+              <a:ext uri="{FF2B5EF4-FFF2-40B4-BE49-F238E27FC236}">
+                <a16:creationId xmlns:a16="http://schemas.microsoft.com/office/drawing/2014/main" id="{256E7A9E-591A-A846-93FB-BD980D4671C1}"/>
+              </a:ext>
+            </a:extLst>
+          </p:cNvPr>
+          <p:cNvSpPr>
+            <a:spLocks noGrp="1"/>
+          </p:cNvSpPr>
+          <p:nvPr>
+            <p:ph idx="1"/>
+          </p:nvPr>
+        </p:nvSpPr>
+        <p:spPr>
+          <a:xfrm>
+            <a:off x="395289" y="1412875"/>
+            <a:ext cx="6264944" cy="4967288"/>
+          </a:xfrm>
+        </p:spPr>
+        <p:txBody>
+          <a:bodyPr/>
+          <a:lstStyle/>
+          <a:p>
+            <a:pPr marL="0" indent="0">
+              <a:buNone/>
+            </a:pPr>
+            <a:r>
+              <a:rPr lang="en-US" sz="3200" dirty="0"/>
+              <a:t>:animal </a:t>
+            </a:r>
+            <a:r>
+              <a:rPr lang="en-US" sz="3200" dirty="0" err="1"/>
+              <a:t>owl:disjointWith</a:t>
+            </a:r>
+            <a:r>
+              <a:rPr lang="en-US" sz="3200" dirty="0"/>
+              <a:t> :plant .</a:t>
+            </a:r>
+          </a:p>
+          <a:p>
+            <a:pPr marL="0" indent="0">
+              <a:buNone/>
+            </a:pPr>
+            <a:endParaRPr lang="en-US" sz="1000" dirty="0"/>
+          </a:p>
+          <a:p>
+            <a:pPr marL="0" indent="0">
+              <a:buNone/>
+            </a:pPr>
+            <a:r>
+              <a:rPr lang="en-US" sz="3200" dirty="0"/>
+              <a:t>:herbivore </a:t>
+            </a:r>
+            <a:r>
+              <a:rPr lang="en-US" sz="3200" dirty="0" err="1"/>
+              <a:t>rsds:subClassOf</a:t>
+            </a:r>
+            <a:r>
+              <a:rPr lang="en-US" sz="3200" dirty="0"/>
+              <a:t> :animal;</a:t>
+            </a:r>
+          </a:p>
+          <a:p>
+            <a:pPr marL="0" indent="0">
+              <a:buNone/>
+            </a:pPr>
+            <a:r>
+              <a:rPr lang="en-US" sz="3200" dirty="0"/>
+              <a:t>  </a:t>
+            </a:r>
+            <a:r>
+              <a:rPr lang="en-US" sz="3200" dirty="0" err="1"/>
+              <a:t>owl:disjointWith</a:t>
+            </a:r>
+            <a:r>
+              <a:rPr lang="en-US" sz="3200" dirty="0"/>
+              <a:t> :carnivore .</a:t>
+            </a:r>
+          </a:p>
+          <a:p>
+            <a:pPr marL="0" indent="0">
+              <a:buNone/>
+            </a:pPr>
+            <a:endParaRPr lang="en-US" sz="1000" dirty="0"/>
+          </a:p>
+          <a:p>
+            <a:pPr marL="0" indent="0">
+              <a:buNone/>
+            </a:pPr>
+            <a:r>
+              <a:rPr lang="en-US" sz="3200" dirty="0"/>
+              <a:t>:giraffe </a:t>
+            </a:r>
+            <a:r>
+              <a:rPr lang="en-US" sz="3200" dirty="0" err="1"/>
+              <a:t>rdfs:subClassOf</a:t>
+            </a:r>
+            <a:r>
+              <a:rPr lang="en-US" sz="3200" dirty="0"/>
+              <a:t> :herbivore .</a:t>
+            </a:r>
+          </a:p>
+          <a:p>
+            <a:pPr marL="0" indent="0">
+              <a:buNone/>
+            </a:pPr>
+            <a:endParaRPr lang="en-US" sz="1000" dirty="0"/>
+          </a:p>
+          <a:p>
+            <a:pPr marL="0" indent="0">
+              <a:buNone/>
+            </a:pPr>
+            <a:r>
+              <a:rPr lang="en-US" sz="3200" dirty="0"/>
+              <a:t>:carnivore </a:t>
+            </a:r>
+            <a:r>
+              <a:rPr lang="en-US" sz="3200" dirty="0" err="1"/>
+              <a:t>rdfs:subClassOf</a:t>
+            </a:r>
+            <a:r>
+              <a:rPr lang="en-US" sz="3200" dirty="0"/>
+              <a:t> :animal .</a:t>
+            </a:r>
+          </a:p>
+          <a:p>
+            <a:pPr marL="0" indent="0">
+              <a:buNone/>
+            </a:pPr>
+            <a:r>
+              <a:rPr lang="en-US" sz="3200" dirty="0"/>
+              <a:t>:lion </a:t>
+            </a:r>
+            <a:r>
+              <a:rPr lang="en-US" sz="3200" dirty="0" err="1"/>
+              <a:t>rdfs:subClassOf</a:t>
+            </a:r>
+            <a:r>
+              <a:rPr lang="en-US" sz="3200" dirty="0"/>
+              <a:t> :carnivore .</a:t>
+            </a:r>
+          </a:p>
+        </p:txBody>
+      </p:sp>
+    </p:spTree>
+    <p:extLst>
+      <p:ext uri="{BB962C8B-B14F-4D97-AF65-F5344CB8AC3E}">
+        <p14:creationId xmlns:p14="http://schemas.microsoft.com/office/powerpoint/2010/main" val="1244183167"/>
+      </p:ext>
+    </p:extLst>
+  </p:cSld>
+  <p:clrMapOvr>
+    <a:masterClrMapping/>
+  </p:clrMapOvr>
+</p:sld>
+</file>
+
+<file path=ppt/slides/slide77.xml><?xml version="1.0" encoding="utf-8"?>
 <p:sld xmlns:a="http://schemas.openxmlformats.org/drawingml/2006/main" xmlns:r="http://schemas.openxmlformats.org/officeDocument/2006/relationships" xmlns:p="http://schemas.openxmlformats.org/presentationml/2006/main">
   <p:cSld>
     <p:spTree>
@@ -45038,565 +45270,11 @@
         </p:spPr>
       </p:pic>
     </p:spTree>
-  </p:cSld>
-  <p:clrMapOvr>
-    <a:masterClrMapping/>
-  </p:clrMapOvr>
-</p:sld>
-</file>
-
-<file path=ppt/slides/slide76.xml><?xml version="1.0" encoding="utf-8"?>
-<p:sld xmlns:a="http://schemas.openxmlformats.org/drawingml/2006/main" xmlns:r="http://schemas.openxmlformats.org/officeDocument/2006/relationships" xmlns:p="http://schemas.openxmlformats.org/presentationml/2006/main">
-  <p:cSld>
-    <p:spTree>
-      <p:nvGrpSpPr>
-        <p:cNvPr id="1" name=""/>
-        <p:cNvGrpSpPr/>
-        <p:nvPr/>
-      </p:nvGrpSpPr>
-      <p:grpSpPr>
-        <a:xfrm>
-          <a:off x="0" y="0"/>
-          <a:ext cx="0" cy="0"/>
-          <a:chOff x="0" y="0"/>
-          <a:chExt cx="0" cy="0"/>
-        </a:xfrm>
-      </p:grpSpPr>
-      <p:sp>
-        <p:nvSpPr>
-          <p:cNvPr id="149505" name="AutoShape 2"/>
-          <p:cNvSpPr>
-            <a:spLocks noGrp="1" noChangeArrowheads="1"/>
-          </p:cNvSpPr>
-          <p:nvPr>
-            <p:ph type="title"/>
-          </p:nvPr>
-        </p:nvSpPr>
-        <p:spPr>
-          <a:xfrm>
-            <a:off x="323850" y="260350"/>
-            <a:ext cx="8331200" cy="784225"/>
-          </a:xfrm>
-        </p:spPr>
-        <p:txBody>
-          <a:bodyPr/>
-          <a:lstStyle/>
-          <a:p>
-            <a:pPr eaLnBrk="1" hangingPunct="1"/>
-            <a:r>
-              <a:rPr lang="en-US" dirty="0">
-                <a:ea typeface="ＭＳ Ｐゴシック" charset="0"/>
-                <a:cs typeface="ＭＳ Ｐゴシック" charset="0"/>
-              </a:rPr>
-              <a:t>African Wildlife: Properties</a:t>
-            </a:r>
-            <a:endParaRPr lang="el-GR" dirty="0">
-              <a:ea typeface="ＭＳ Ｐゴシック" charset="0"/>
-              <a:cs typeface="ＭＳ Ｐゴシック" charset="0"/>
-            </a:endParaRPr>
-          </a:p>
-        </p:txBody>
-      </p:sp>
-      <p:sp>
-        <p:nvSpPr>
-          <p:cNvPr id="149506" name="Rectangle 3"/>
-          <p:cNvSpPr>
-            <a:spLocks noGrp="1" noChangeArrowheads="1"/>
-          </p:cNvSpPr>
-          <p:nvPr>
-            <p:ph type="body" idx="1"/>
-          </p:nvPr>
-        </p:nvSpPr>
-        <p:spPr>
-          <a:xfrm>
-            <a:off x="395288" y="1412875"/>
-            <a:ext cx="8353425" cy="5184775"/>
-          </a:xfrm>
-        </p:spPr>
-        <p:txBody>
-          <a:bodyPr/>
-          <a:lstStyle/>
-          <a:p>
-            <a:pPr marL="342900" indent="-342900" eaLnBrk="1" hangingPunct="1">
-              <a:spcAft>
-                <a:spcPct val="50000"/>
-              </a:spcAft>
-              <a:buNone/>
-            </a:pPr>
-            <a:endParaRPr lang="en-US" dirty="0">
-              <a:ea typeface="ＭＳ Ｐゴシック" charset="0"/>
-              <a:cs typeface="ＭＳ Ｐゴシック" charset="0"/>
-            </a:endParaRPr>
-          </a:p>
-          <a:p>
-            <a:pPr marL="12700" indent="-12700" eaLnBrk="1" hangingPunct="1">
-              <a:spcAft>
-                <a:spcPct val="50000"/>
-              </a:spcAft>
-              <a:buNone/>
-            </a:pPr>
-            <a:r>
-              <a:rPr lang="en-US" sz="3200" i="1" dirty="0">
-                <a:ea typeface="ＭＳ Ｐゴシック" charset="0"/>
-                <a:cs typeface="ＭＳ Ｐゴシック" charset="0"/>
-              </a:rPr>
-              <a:t># </a:t>
-            </a:r>
-            <a:r>
-              <a:rPr lang="en-US" sz="3200" i="1" dirty="0" err="1">
-                <a:ea typeface="ＭＳ Ｐゴシック" charset="0"/>
-                <a:cs typeface="ＭＳ Ｐゴシック" charset="0"/>
-              </a:rPr>
-              <a:t>e.g</a:t>
-            </a:r>
-            <a:r>
-              <a:rPr lang="en-US" sz="3200" i="1" dirty="0">
-                <a:ea typeface="ＭＳ Ｐゴシック" charset="0"/>
-                <a:cs typeface="ＭＳ Ｐゴシック" charset="0"/>
-              </a:rPr>
-              <a:t>, hand part of arm, arm part of body</a:t>
-            </a:r>
-            <a:br>
-              <a:rPr lang="en-US" sz="3200" i="1" dirty="0">
-                <a:ea typeface="ＭＳ Ｐゴシック" charset="0"/>
-                <a:cs typeface="ＭＳ Ｐゴシック" charset="0"/>
-              </a:rPr>
-            </a:br>
-            <a:r>
-              <a:rPr lang="en-US" sz="3200" dirty="0">
-                <a:ea typeface="ＭＳ Ｐゴシック" charset="0"/>
-                <a:cs typeface="ＭＳ Ｐゴシック" charset="0"/>
-              </a:rPr>
-              <a:t>:</a:t>
-            </a:r>
-            <a:r>
-              <a:rPr lang="en-US" sz="3200" dirty="0" err="1">
-                <a:ea typeface="ＭＳ Ｐゴシック" charset="0"/>
-                <a:cs typeface="ＭＳ Ｐゴシック" charset="0"/>
-              </a:rPr>
-              <a:t>isPartOf</a:t>
-            </a:r>
-            <a:r>
-              <a:rPr lang="en-US" sz="3200" dirty="0">
-                <a:ea typeface="ＭＳ Ｐゴシック" charset="0"/>
-                <a:cs typeface="ＭＳ Ｐゴシック" charset="0"/>
-              </a:rPr>
-              <a:t> a </a:t>
-            </a:r>
-            <a:r>
-              <a:rPr lang="en-US" sz="3200" dirty="0" err="1">
-                <a:ea typeface="ＭＳ Ｐゴシック" charset="0"/>
-                <a:cs typeface="ＭＳ Ｐゴシック" charset="0"/>
-              </a:rPr>
-              <a:t>owl:TransitiveProperty</a:t>
-            </a:r>
-            <a:r>
-              <a:rPr lang="en-US" sz="3200" dirty="0">
-                <a:ea typeface="ＭＳ Ｐゴシック" charset="0"/>
-                <a:cs typeface="ＭＳ Ｐゴシック" charset="0"/>
-              </a:rPr>
-              <a:t> .</a:t>
-            </a:r>
-          </a:p>
-          <a:p>
-            <a:pPr marL="12700" indent="-12700" eaLnBrk="1" hangingPunct="1">
-              <a:spcAft>
-                <a:spcPct val="50000"/>
-              </a:spcAft>
-              <a:buNone/>
-            </a:pPr>
-            <a:r>
-              <a:rPr lang="en-US" sz="3200" dirty="0">
-                <a:ea typeface="ＭＳ Ｐゴシック" charset="0"/>
-                <a:cs typeface="ＭＳ Ｐゴシック" charset="0"/>
-              </a:rPr>
-              <a:t># only animals eat things</a:t>
-            </a:r>
-            <a:br>
-              <a:rPr lang="en-US" sz="3200" dirty="0">
-                <a:ea typeface="ＭＳ Ｐゴシック" charset="0"/>
-                <a:cs typeface="ＭＳ Ｐゴシック" charset="0"/>
-              </a:rPr>
-            </a:br>
-            <a:r>
-              <a:rPr lang="en-US" sz="3200" dirty="0">
-                <a:ea typeface="ＭＳ Ｐゴシック" charset="0"/>
-                <a:cs typeface="ＭＳ Ｐゴシック" charset="0"/>
-              </a:rPr>
-              <a:t>:eats :domain :animal.</a:t>
-            </a:r>
-          </a:p>
-          <a:p>
-            <a:pPr marL="12700" indent="-12700" eaLnBrk="1" hangingPunct="1">
-              <a:spcAft>
-                <a:spcPct val="50000"/>
-              </a:spcAft>
-              <a:buNone/>
-            </a:pPr>
-            <a:r>
-              <a:rPr lang="en-US" sz="3200" dirty="0">
-                <a:ea typeface="ＭＳ Ｐゴシック" charset="0"/>
-                <a:cs typeface="ＭＳ Ｐゴシック" charset="0"/>
-              </a:rPr>
-              <a:t># the inverse of :eats in :</a:t>
-            </a:r>
-            <a:r>
-              <a:rPr lang="en-US" sz="3200" dirty="0" err="1">
-                <a:ea typeface="ＭＳ Ｐゴシック" charset="0"/>
-                <a:cs typeface="ＭＳ Ｐゴシック" charset="0"/>
-              </a:rPr>
-              <a:t>eatenBy</a:t>
-            </a:r>
-            <a:br>
-              <a:rPr lang="en-US" sz="3200" dirty="0">
-                <a:ea typeface="ＭＳ Ｐゴシック" charset="0"/>
-                <a:cs typeface="ＭＳ Ｐゴシック" charset="0"/>
-              </a:rPr>
-            </a:br>
-            <a:r>
-              <a:rPr lang="en-US" sz="3200" dirty="0">
-                <a:ea typeface="ＭＳ Ｐゴシック" charset="0"/>
-                <a:cs typeface="ＭＳ Ｐゴシック" charset="0"/>
-              </a:rPr>
-              <a:t>:eats </a:t>
-            </a:r>
-            <a:r>
-              <a:rPr lang="en-US" sz="3200" dirty="0" err="1">
-                <a:ea typeface="ＭＳ Ｐゴシック" charset="0"/>
-                <a:cs typeface="ＭＳ Ｐゴシック" charset="0"/>
-              </a:rPr>
-              <a:t>owl:inverseOf</a:t>
-            </a:r>
-            <a:r>
-              <a:rPr lang="en-US" sz="3200" dirty="0">
-                <a:ea typeface="ＭＳ Ｐゴシック" charset="0"/>
-                <a:cs typeface="ＭＳ Ｐゴシック" charset="0"/>
-              </a:rPr>
-              <a:t> :</a:t>
-            </a:r>
-            <a:r>
-              <a:rPr lang="en-US" sz="3200" dirty="0" err="1">
-                <a:ea typeface="ＭＳ Ｐゴシック" charset="0"/>
-                <a:cs typeface="ＭＳ Ｐゴシック" charset="0"/>
-              </a:rPr>
-              <a:t>eatenBy</a:t>
-            </a:r>
-            <a:r>
-              <a:rPr lang="en-US" sz="3200" dirty="0">
-                <a:ea typeface="ＭＳ Ｐゴシック" charset="0"/>
-                <a:cs typeface="ＭＳ Ｐゴシック" charset="0"/>
-              </a:rPr>
-              <a:t>.</a:t>
-            </a:r>
-            <a:endParaRPr lang="el-GR" sz="3200" dirty="0">
-              <a:ea typeface="ＭＳ Ｐゴシック" charset="0"/>
-              <a:cs typeface="ＭＳ Ｐゴシック" charset="0"/>
-            </a:endParaRPr>
-          </a:p>
-        </p:txBody>
-      </p:sp>
-    </p:spTree>
-  </p:cSld>
-  <p:clrMapOvr>
-    <a:masterClrMapping/>
-  </p:clrMapOvr>
-</p:sld>
-</file>
-
-<file path=ppt/slides/slide77.xml><?xml version="1.0" encoding="utf-8"?>
-<p:sld xmlns:a="http://schemas.openxmlformats.org/drawingml/2006/main" xmlns:r="http://schemas.openxmlformats.org/officeDocument/2006/relationships" xmlns:p="http://schemas.openxmlformats.org/presentationml/2006/main">
-  <p:cSld>
-    <p:spTree>
-      <p:nvGrpSpPr>
-        <p:cNvPr id="1" name=""/>
-        <p:cNvGrpSpPr/>
-        <p:nvPr/>
-      </p:nvGrpSpPr>
-      <p:grpSpPr>
-        <a:xfrm>
-          <a:off x="0" y="0"/>
-          <a:ext cx="0" cy="0"/>
-          <a:chOff x="0" y="0"/>
-          <a:chExt cx="0" cy="0"/>
-        </a:xfrm>
-      </p:grpSpPr>
-      <p:sp>
-        <p:nvSpPr>
-          <p:cNvPr id="153601" name="AutoShape 2"/>
-          <p:cNvSpPr>
-            <a:spLocks noGrp="1" noChangeArrowheads="1"/>
-          </p:cNvSpPr>
-          <p:nvPr>
-            <p:ph type="title"/>
-          </p:nvPr>
-        </p:nvSpPr>
-        <p:spPr/>
-        <p:txBody>
-          <a:bodyPr/>
-          <a:lstStyle/>
-          <a:p>
-            <a:pPr eaLnBrk="1" hangingPunct="1"/>
-            <a:r>
-              <a:rPr lang="en-US" sz="3200" dirty="0">
-                <a:ea typeface="ＭＳ Ｐゴシック" charset="0"/>
-                <a:cs typeface="ＭＳ Ｐゴシック" charset="0"/>
-              </a:rPr>
-              <a:t>An African Wildlife: Branches</a:t>
-            </a:r>
-            <a:endParaRPr lang="el-GR" sz="3200" dirty="0">
-              <a:ea typeface="ＭＳ Ｐゴシック" charset="0"/>
-              <a:cs typeface="ＭＳ Ｐゴシック" charset="0"/>
-            </a:endParaRPr>
-          </a:p>
-        </p:txBody>
-      </p:sp>
-      <p:sp>
-        <p:nvSpPr>
-          <p:cNvPr id="153602" name="Rectangle 3"/>
-          <p:cNvSpPr>
-            <a:spLocks noGrp="1" noChangeArrowheads="1"/>
-          </p:cNvSpPr>
-          <p:nvPr>
-            <p:ph type="body" idx="1"/>
-          </p:nvPr>
-        </p:nvSpPr>
-        <p:spPr>
-          <a:xfrm>
-            <a:off x="323850" y="1341438"/>
-            <a:ext cx="8712646" cy="5183187"/>
-          </a:xfrm>
-        </p:spPr>
-        <p:txBody>
-          <a:bodyPr/>
-          <a:lstStyle/>
-          <a:p>
-            <a:pPr marL="533400" indent="-533400" eaLnBrk="1" hangingPunct="1">
-              <a:buNone/>
-            </a:pPr>
-            <a:r>
-              <a:rPr lang="en-US" dirty="0">
-                <a:ea typeface="ＭＳ Ｐゴシック" charset="0"/>
-                <a:cs typeface="ＭＳ Ｐゴシック" charset="0"/>
-              </a:rPr>
-              <a:t># plants and animals are disjoint</a:t>
-            </a:r>
-          </a:p>
-          <a:p>
-            <a:pPr marL="533400" indent="-533400" eaLnBrk="1" hangingPunct="1">
-              <a:buNone/>
-            </a:pPr>
-            <a:r>
-              <a:rPr lang="en-US" dirty="0">
-                <a:ea typeface="ＭＳ Ｐゴシック" charset="0"/>
-                <a:cs typeface="ＭＳ Ｐゴシック" charset="0"/>
-              </a:rPr>
-              <a:t>:Plant </a:t>
-            </a:r>
-            <a:r>
-              <a:rPr lang="en-US" dirty="0" err="1">
-                <a:ea typeface="ＭＳ Ｐゴシック" charset="0"/>
-                <a:cs typeface="ＭＳ Ｐゴシック" charset="0"/>
-              </a:rPr>
-              <a:t>owl:disjointWith</a:t>
-            </a:r>
-            <a:r>
-              <a:rPr lang="en-US" dirty="0">
-                <a:ea typeface="ＭＳ Ｐゴシック" charset="0"/>
-                <a:cs typeface="ＭＳ Ｐゴシック" charset="0"/>
-              </a:rPr>
-              <a:t> :Animal</a:t>
-            </a:r>
-          </a:p>
-          <a:p>
-            <a:pPr marL="533400" indent="-533400" eaLnBrk="1" hangingPunct="1">
-              <a:buNone/>
-            </a:pPr>
-            <a:endParaRPr lang="en-US" sz="2000" dirty="0">
-              <a:ea typeface="ＭＳ Ｐゴシック" charset="0"/>
-              <a:cs typeface="ＭＳ Ｐゴシック" charset="0"/>
-            </a:endParaRPr>
-          </a:p>
-          <a:p>
-            <a:pPr marL="533400" indent="-533400" eaLnBrk="1" hangingPunct="1">
-              <a:buNone/>
-            </a:pPr>
-            <a:r>
-              <a:rPr lang="en-US" dirty="0">
-                <a:ea typeface="ＭＳ Ｐゴシック" charset="0"/>
-                <a:cs typeface="ＭＳ Ｐゴシック" charset="0"/>
-              </a:rPr>
-              <a:t># trees are plants</a:t>
-            </a:r>
-          </a:p>
-          <a:p>
-            <a:pPr marL="533400" indent="-533400" eaLnBrk="1" hangingPunct="1">
-              <a:buNone/>
-            </a:pPr>
-            <a:r>
-              <a:rPr lang="en-US" dirty="0">
-                <a:ea typeface="ＭＳ Ｐゴシック" charset="0"/>
-                <a:cs typeface="ＭＳ Ｐゴシック" charset="0"/>
-              </a:rPr>
-              <a:t>:Tree </a:t>
-            </a:r>
-            <a:r>
-              <a:rPr lang="en-US" dirty="0" err="1">
-                <a:ea typeface="ＭＳ Ｐゴシック" charset="0"/>
-                <a:cs typeface="ＭＳ Ｐゴシック" charset="0"/>
-              </a:rPr>
-              <a:t>rdfs:subClassOf</a:t>
-            </a:r>
-            <a:r>
-              <a:rPr lang="en-US" dirty="0">
-                <a:ea typeface="ＭＳ Ｐゴシック" charset="0"/>
-                <a:cs typeface="ＭＳ Ｐゴシック" charset="0"/>
-              </a:rPr>
-              <a:t> :Plant</a:t>
-            </a:r>
-          </a:p>
-          <a:p>
-            <a:pPr marL="533400" indent="-533400" eaLnBrk="1" hangingPunct="1">
-              <a:buNone/>
-            </a:pPr>
-            <a:endParaRPr lang="en-US" sz="2000" dirty="0">
-              <a:ea typeface="ＭＳ Ｐゴシック" charset="0"/>
-              <a:cs typeface="ＭＳ Ｐゴシック" charset="0"/>
-            </a:endParaRPr>
-          </a:p>
-          <a:p>
-            <a:pPr marL="533400" indent="-533400" eaLnBrk="1" hangingPunct="1">
-              <a:buNone/>
-            </a:pPr>
-            <a:r>
-              <a:rPr lang="en-US" dirty="0">
-                <a:ea typeface="ＭＳ Ｐゴシック" charset="0"/>
-                <a:cs typeface="ＭＳ Ｐゴシック" charset="0"/>
-              </a:rPr>
-              <a:t># branches are only parts of trees</a:t>
-            </a:r>
-          </a:p>
-          <a:p>
-            <a:pPr marL="533400" indent="-533400" eaLnBrk="1" hangingPunct="1">
-              <a:buNone/>
-            </a:pPr>
-            <a:r>
-              <a:rPr lang="en-US" dirty="0">
-                <a:ea typeface="ＭＳ Ｐゴシック" charset="0"/>
-                <a:cs typeface="ＭＳ Ｐゴシック" charset="0"/>
-              </a:rPr>
-              <a:t>:Branch </a:t>
-            </a:r>
-            <a:r>
-              <a:rPr lang="en-US" dirty="0" err="1">
-                <a:ea typeface="ＭＳ Ｐゴシック" charset="0"/>
-                <a:cs typeface="ＭＳ Ｐゴシック" charset="0"/>
-              </a:rPr>
-              <a:t>rdfs:subClassOf</a:t>
-            </a:r>
-            <a:endParaRPr lang="en-US" dirty="0">
-              <a:ea typeface="ＭＳ Ｐゴシック" charset="0"/>
-              <a:cs typeface="ＭＳ Ｐゴシック" charset="0"/>
-            </a:endParaRPr>
-          </a:p>
-          <a:p>
-            <a:pPr marL="533400" indent="-533400" eaLnBrk="1" hangingPunct="1">
-              <a:buNone/>
-            </a:pPr>
-            <a:r>
-              <a:rPr lang="en-US" dirty="0">
-                <a:ea typeface="ＭＳ Ｐゴシック" charset="0"/>
-                <a:cs typeface="ＭＳ Ｐゴシック" charset="0"/>
-              </a:rPr>
-              <a:t>  [a </a:t>
-            </a:r>
-            <a:r>
-              <a:rPr lang="en-US" dirty="0" err="1">
-                <a:ea typeface="ＭＳ Ｐゴシック" charset="0"/>
-                <a:cs typeface="ＭＳ Ｐゴシック" charset="0"/>
-              </a:rPr>
-              <a:t>owl:Restriction</a:t>
-            </a:r>
-            <a:r>
-              <a:rPr lang="en-US" dirty="0">
-                <a:ea typeface="ＭＳ Ｐゴシック" charset="0"/>
-                <a:cs typeface="ＭＳ Ｐゴシック" charset="0"/>
-              </a:rPr>
-              <a:t>; </a:t>
-            </a:r>
-          </a:p>
-          <a:p>
-            <a:pPr marL="533400" indent="-533400" eaLnBrk="1" hangingPunct="1">
-              <a:buNone/>
-            </a:pPr>
-            <a:r>
-              <a:rPr lang="en-US" dirty="0">
-                <a:ea typeface="ＭＳ Ｐゴシック" charset="0"/>
-                <a:cs typeface="ＭＳ Ｐゴシック" charset="0"/>
-              </a:rPr>
-              <a:t>    </a:t>
-            </a:r>
-            <a:r>
-              <a:rPr lang="en-US" dirty="0" err="1">
-                <a:ea typeface="ＭＳ Ｐゴシック" charset="0"/>
-                <a:cs typeface="ＭＳ Ｐゴシック" charset="0"/>
-              </a:rPr>
-              <a:t>owl:allValuesFrom</a:t>
-            </a:r>
-            <a:r>
-              <a:rPr lang="en-US" dirty="0">
-                <a:ea typeface="ＭＳ Ｐゴシック" charset="0"/>
-                <a:cs typeface="ＭＳ Ｐゴシック" charset="0"/>
-              </a:rPr>
-              <a:t> :Tree</a:t>
-            </a:r>
-          </a:p>
-          <a:p>
-            <a:pPr marL="533400" indent="-533400" eaLnBrk="1" hangingPunct="1">
-              <a:buNone/>
-            </a:pPr>
-            <a:r>
-              <a:rPr lang="en-US" dirty="0">
-                <a:ea typeface="ＭＳ Ｐゴシック" charset="0"/>
-                <a:cs typeface="ＭＳ Ｐゴシック" charset="0"/>
-              </a:rPr>
-              <a:t>    </a:t>
-            </a:r>
-            <a:r>
-              <a:rPr lang="en-US" dirty="0" err="1">
-                <a:ea typeface="ＭＳ Ｐゴシック" charset="0"/>
-                <a:cs typeface="ＭＳ Ｐゴシック" charset="0"/>
-              </a:rPr>
-              <a:t>owl:onProperty</a:t>
-            </a:r>
-            <a:r>
-              <a:rPr lang="en-US" dirty="0">
-                <a:ea typeface="ＭＳ Ｐゴシック" charset="0"/>
-                <a:cs typeface="ＭＳ Ｐゴシック" charset="0"/>
-              </a:rPr>
-              <a:t> :</a:t>
-            </a:r>
-            <a:r>
-              <a:rPr lang="en-US" dirty="0" err="1">
-                <a:ea typeface="ＭＳ Ｐゴシック" charset="0"/>
-                <a:cs typeface="ＭＳ Ｐゴシック" charset="0"/>
-              </a:rPr>
-              <a:t>isPartOf</a:t>
-            </a:r>
-            <a:r>
-              <a:rPr lang="en-US" dirty="0">
-                <a:ea typeface="ＭＳ Ｐゴシック" charset="0"/>
-                <a:cs typeface="ＭＳ Ｐゴシック" charset="0"/>
-              </a:rPr>
-              <a:t>]</a:t>
-            </a:r>
-            <a:endParaRPr lang="el-GR" dirty="0">
-              <a:ea typeface="ＭＳ Ｐゴシック" charset="0"/>
-              <a:cs typeface="ＭＳ Ｐゴシック" charset="0"/>
-            </a:endParaRPr>
-          </a:p>
-        </p:txBody>
-      </p:sp>
-    </p:spTree>
+    <p:extLst>
+      <p:ext uri="{BB962C8B-B14F-4D97-AF65-F5344CB8AC3E}">
+        <p14:creationId xmlns:p14="http://schemas.microsoft.com/office/powerpoint/2010/main" val="2897355527"/>
+      </p:ext>
+    </p:extLst>
   </p:cSld>
   <p:clrMapOvr>
     <a:masterClrMapping/>
@@ -45623,7 +45301,7 @@
       </p:grpSpPr>
       <p:sp>
         <p:nvSpPr>
-          <p:cNvPr id="155649" name="AutoShape 2"/>
+          <p:cNvPr id="149505" name="AutoShape 2"/>
           <p:cNvSpPr>
             <a:spLocks noGrp="1" noChangeArrowheads="1"/>
           </p:cNvSpPr>
@@ -45631,134 +45309,137 @@
             <p:ph type="title"/>
           </p:nvPr>
         </p:nvSpPr>
-        <p:spPr/>
-        <p:txBody>
-          <a:bodyPr/>
-          <a:lstStyle/>
-          <a:p>
-            <a:pPr eaLnBrk="1" hangingPunct="1"/>
-            <a:r>
-              <a:rPr lang="en-US" sz="3200" dirty="0">
-                <a:ea typeface="ＭＳ Ｐゴシック" charset="0"/>
-                <a:cs typeface="ＭＳ Ｐゴシック" charset="0"/>
-              </a:rPr>
-              <a:t>African Wildlife: Leaves</a:t>
-            </a:r>
-            <a:endParaRPr lang="el-GR" sz="3200" dirty="0">
-              <a:ea typeface="ＭＳ Ｐゴシック" charset="0"/>
-              <a:cs typeface="ＭＳ Ｐゴシック" charset="0"/>
-            </a:endParaRPr>
-          </a:p>
-        </p:txBody>
-      </p:sp>
-      <p:sp>
-        <p:nvSpPr>
-          <p:cNvPr id="155650" name="Rectangle 3"/>
-          <p:cNvSpPr>
-            <a:spLocks noGrp="1" noChangeArrowheads="1"/>
-          </p:cNvSpPr>
-          <p:nvPr>
-            <p:ph type="body" idx="1"/>
-          </p:nvPr>
-        </p:nvSpPr>
         <p:spPr>
           <a:xfrm>
-            <a:off x="611560" y="1556792"/>
-            <a:ext cx="8204200" cy="4535834"/>
+            <a:off x="323850" y="260350"/>
+            <a:ext cx="8331200" cy="784225"/>
           </a:xfrm>
         </p:spPr>
         <p:txBody>
           <a:bodyPr/>
           <a:lstStyle/>
           <a:p>
-            <a:pPr marL="533400" indent="-533400" eaLnBrk="1" hangingPunct="1">
-              <a:buNone/>
-            </a:pPr>
-            <a:r>
-              <a:rPr lang="en-US" sz="3200" dirty="0">
-                <a:ea typeface="ＭＳ Ｐゴシック" charset="0"/>
-                <a:cs typeface="ＭＳ Ｐゴシック" charset="0"/>
-              </a:rPr>
-              <a:t># leaves are only parts of branches</a:t>
-            </a:r>
-          </a:p>
-          <a:p>
-            <a:pPr marL="533400" indent="-533400" eaLnBrk="1" hangingPunct="1">
-              <a:buNone/>
-            </a:pPr>
-            <a:r>
-              <a:rPr lang="en-US" sz="3200" dirty="0">
-                <a:ea typeface="ＭＳ Ｐゴシック" charset="0"/>
-                <a:cs typeface="ＭＳ Ｐゴシック" charset="0"/>
-              </a:rPr>
-              <a:t>:Leaf </a:t>
-            </a:r>
-            <a:r>
-              <a:rPr lang="en-US" sz="3200" dirty="0" err="1">
-                <a:ea typeface="ＭＳ Ｐゴシック" charset="0"/>
-                <a:cs typeface="ＭＳ Ｐゴシック" charset="0"/>
-              </a:rPr>
-              <a:t>rdfs:subClassOf</a:t>
-            </a:r>
-            <a:endParaRPr lang="en-US" sz="3200" dirty="0">
+            <a:pPr eaLnBrk="1" hangingPunct="1"/>
+            <a:r>
+              <a:rPr lang="en-US" dirty="0">
+                <a:ea typeface="ＭＳ Ｐゴシック" charset="0"/>
+                <a:cs typeface="ＭＳ Ｐゴシック" charset="0"/>
+              </a:rPr>
+              <a:t>African Wildlife: Properties</a:t>
+            </a:r>
+            <a:endParaRPr lang="el-GR" dirty="0">
               <a:ea typeface="ＭＳ Ｐゴシック" charset="0"/>
               <a:cs typeface="ＭＳ Ｐゴシック" charset="0"/>
             </a:endParaRPr>
           </a:p>
-          <a:p>
-            <a:pPr marL="533400" indent="-533400" eaLnBrk="1" hangingPunct="1">
+        </p:txBody>
+      </p:sp>
+      <p:sp>
+        <p:nvSpPr>
+          <p:cNvPr id="149506" name="Rectangle 3"/>
+          <p:cNvSpPr>
+            <a:spLocks noGrp="1" noChangeArrowheads="1"/>
+          </p:cNvSpPr>
+          <p:nvPr>
+            <p:ph type="body" idx="1"/>
+          </p:nvPr>
+        </p:nvSpPr>
+        <p:spPr>
+          <a:xfrm>
+            <a:off x="395288" y="1412875"/>
+            <a:ext cx="8353425" cy="5184775"/>
+          </a:xfrm>
+        </p:spPr>
+        <p:txBody>
+          <a:bodyPr/>
+          <a:lstStyle/>
+          <a:p>
+            <a:pPr marL="342900" indent="-342900" eaLnBrk="1" hangingPunct="1">
+              <a:spcAft>
+                <a:spcPct val="50000"/>
+              </a:spcAft>
               <a:buNone/>
             </a:pPr>
-            <a:r>
-              <a:rPr lang="en-US" sz="3200" dirty="0">
-                <a:ea typeface="ＭＳ Ｐゴシック" charset="0"/>
-                <a:cs typeface="ＭＳ Ｐゴシック" charset="0"/>
-              </a:rPr>
-              <a:t>  [a </a:t>
-            </a:r>
-            <a:r>
-              <a:rPr lang="en-US" sz="3200" dirty="0" err="1">
-                <a:ea typeface="ＭＳ Ｐゴシック" charset="0"/>
-                <a:cs typeface="ＭＳ Ｐゴシック" charset="0"/>
-              </a:rPr>
-              <a:t>owl:Restriction</a:t>
-            </a:r>
-            <a:r>
-              <a:rPr lang="en-US" sz="3200" dirty="0">
-                <a:ea typeface="ＭＳ Ｐゴシック" charset="0"/>
-                <a:cs typeface="ＭＳ Ｐゴシック" charset="0"/>
-              </a:rPr>
-              <a:t>; </a:t>
-            </a:r>
-          </a:p>
-          <a:p>
-            <a:pPr marL="533400" indent="-533400" eaLnBrk="1" hangingPunct="1">
+            <a:endParaRPr lang="en-US" dirty="0">
+              <a:ea typeface="ＭＳ Ｐゴシック" charset="0"/>
+              <a:cs typeface="ＭＳ Ｐゴシック" charset="0"/>
+            </a:endParaRPr>
+          </a:p>
+          <a:p>
+            <a:pPr marL="12700" indent="-12700" eaLnBrk="1" hangingPunct="1">
+              <a:spcAft>
+                <a:spcPct val="50000"/>
+              </a:spcAft>
               <a:buNone/>
             </a:pPr>
             <a:r>
+              <a:rPr lang="en-US" sz="3200" i="1" dirty="0">
+                <a:ea typeface="ＭＳ Ｐゴシック" charset="0"/>
+                <a:cs typeface="ＭＳ Ｐゴシック" charset="0"/>
+              </a:rPr>
+              <a:t># </a:t>
+            </a:r>
+            <a:r>
+              <a:rPr lang="en-US" sz="3200" i="1" dirty="0" err="1">
+                <a:ea typeface="ＭＳ Ｐゴシック" charset="0"/>
+                <a:cs typeface="ＭＳ Ｐゴシック" charset="0"/>
+              </a:rPr>
+              <a:t>e.g</a:t>
+            </a:r>
+            <a:r>
+              <a:rPr lang="en-US" sz="3200" i="1" dirty="0">
+                <a:ea typeface="ＭＳ Ｐゴシック" charset="0"/>
+                <a:cs typeface="ＭＳ Ｐゴシック" charset="0"/>
+              </a:rPr>
+              <a:t>, hand part of arm, arm part of body</a:t>
+            </a:r>
+            <a:br>
+              <a:rPr lang="en-US" sz="3200" i="1" dirty="0">
+                <a:ea typeface="ＭＳ Ｐゴシック" charset="0"/>
+                <a:cs typeface="ＭＳ Ｐゴシック" charset="0"/>
+              </a:rPr>
+            </a:br>
+            <a:r>
               <a:rPr lang="en-US" sz="3200" dirty="0">
                 <a:ea typeface="ＭＳ Ｐゴシック" charset="0"/>
                 <a:cs typeface="ＭＳ Ｐゴシック" charset="0"/>
               </a:rPr>
-              <a:t>    </a:t>
+              <a:t>:</a:t>
             </a:r>
             <a:r>
               <a:rPr lang="en-US" sz="3200" dirty="0" err="1">
                 <a:ea typeface="ＭＳ Ｐゴシック" charset="0"/>
                 <a:cs typeface="ＭＳ Ｐゴシック" charset="0"/>
               </a:rPr>
-              <a:t>owl:allValuesFrom</a:t>
+              <a:t>isPartOf</a:t>
             </a:r>
             <a:r>
               <a:rPr lang="en-US" sz="3200" dirty="0">
                 <a:ea typeface="ＭＳ Ｐゴシック" charset="0"/>
                 <a:cs typeface="ＭＳ Ｐゴシック" charset="0"/>
               </a:rPr>
-              <a:t> :Branch</a:t>
-            </a:r>
-          </a:p>
-          <a:p>
-            <a:pPr marL="533400" indent="-533400" eaLnBrk="1" hangingPunct="1">
+              <a:t> a </a:t>
+            </a:r>
+            <a:r>
+              <a:rPr lang="en-US" sz="3200" dirty="0" err="1">
+                <a:ea typeface="ＭＳ Ｐゴシック" charset="0"/>
+                <a:cs typeface="ＭＳ Ｐゴシック" charset="0"/>
+              </a:rPr>
+              <a:t>owl:TransitiveProperty</a:t>
+            </a:r>
+            <a:r>
+              <a:rPr lang="en-US" sz="3200" dirty="0">
+                <a:ea typeface="ＭＳ Ｐゴシック" charset="0"/>
+                <a:cs typeface="ＭＳ Ｐゴシック" charset="0"/>
+              </a:rPr>
+              <a:t> .</a:t>
+            </a:r>
+          </a:p>
+          <a:p>
+            <a:pPr marL="12700" indent="-12700" eaLnBrk="1" hangingPunct="1">
+              <a:spcAft>
+                <a:spcPct val="50000"/>
+              </a:spcAft>
               <a:buNone/>
             </a:pPr>
             <a:r>
@@ -45766,20 +45447,68 @@
                 <a:ea typeface="ＭＳ Ｐゴシック" charset="0"/>
                 <a:cs typeface="ＭＳ Ｐゴシック" charset="0"/>
               </a:rPr>
-              <a:t>    </a:t>
+              <a:t># only animals eat things</a:t>
+            </a:r>
+            <a:br>
+              <a:rPr lang="en-US" sz="3200" dirty="0">
+                <a:ea typeface="ＭＳ Ｐゴシック" charset="0"/>
+                <a:cs typeface="ＭＳ Ｐゴシック" charset="0"/>
+              </a:rPr>
+            </a:br>
+            <a:r>
+              <a:rPr lang="en-US" sz="3200" dirty="0">
+                <a:ea typeface="ＭＳ Ｐゴシック" charset="0"/>
+                <a:cs typeface="ＭＳ Ｐゴシック" charset="0"/>
+              </a:rPr>
+              <a:t>:eats :domain :animal.</a:t>
+            </a:r>
+          </a:p>
+          <a:p>
+            <a:pPr marL="12700" indent="-12700" eaLnBrk="1" hangingPunct="1">
+              <a:spcAft>
+                <a:spcPct val="50000"/>
+              </a:spcAft>
+              <a:buNone/>
+            </a:pPr>
+            <a:r>
+              <a:rPr lang="en-US" sz="3200" dirty="0">
+                <a:ea typeface="ＭＳ Ｐゴシック" charset="0"/>
+                <a:cs typeface="ＭＳ Ｐゴシック" charset="0"/>
+              </a:rPr>
+              <a:t># the inverse of :eats in :</a:t>
             </a:r>
             <a:r>
               <a:rPr lang="en-US" sz="3200" dirty="0" err="1">
                 <a:ea typeface="ＭＳ Ｐゴシック" charset="0"/>
                 <a:cs typeface="ＭＳ Ｐゴシック" charset="0"/>
               </a:rPr>
-              <a:t>owl:onProperty</a:t>
-            </a:r>
-            <a:r>
+              <a:t>eatenBy</a:t>
+            </a:r>
+            <a:br>
               <a:rPr lang="en-US" sz="3200" dirty="0">
                 <a:ea typeface="ＭＳ Ｐゴシック" charset="0"/>
                 <a:cs typeface="ＭＳ Ｐゴシック" charset="0"/>
               </a:rPr>
+            </a:br>
+            <a:r>
+              <a:rPr lang="en-US" sz="3200" dirty="0">
+                <a:ea typeface="ＭＳ Ｐゴシック" charset="0"/>
+                <a:cs typeface="ＭＳ Ｐゴシック" charset="0"/>
+              </a:rPr>
+              <a:t>:eats </a:t>
+            </a:r>
+            <a:r>
+              <a:rPr lang="en-US" sz="3200" dirty="0" err="1">
+                <a:ea typeface="ＭＳ Ｐゴシック" charset="0"/>
+                <a:cs typeface="ＭＳ Ｐゴシック" charset="0"/>
+              </a:rPr>
+              <a:t>owl:inverseOf</a:t>
+            </a:r>
+            <a:r>
+              <a:rPr lang="en-US" sz="3200" dirty="0">
+                <a:ea typeface="ＭＳ Ｐゴシック" charset="0"/>
+                <a:cs typeface="ＭＳ Ｐゴシック" charset="0"/>
+              </a:rPr>
               <a:t> :</a:t>
             </a:r>
             <a:r>
@@ -45787,14 +45516,14 @@
                 <a:ea typeface="ＭＳ Ｐゴシック" charset="0"/>
                 <a:cs typeface="ＭＳ Ｐゴシック" charset="0"/>
               </a:rPr>
-              <a:t>isPartOf</a:t>
+              <a:t>eatenBy</a:t>
             </a:r>
             <a:r>
               <a:rPr lang="en-US" sz="3200" dirty="0">
                 <a:ea typeface="ＭＳ Ｐゴシック" charset="0"/>
                 <a:cs typeface="ＭＳ Ｐゴシック" charset="0"/>
               </a:rPr>
-              <a:t>]</a:t>
+              <a:t>.</a:t>
             </a:r>
             <a:endParaRPr lang="el-GR" sz="3200" dirty="0">
               <a:ea typeface="ＭＳ Ｐゴシック" charset="0"/>
@@ -45804,6 +45533,11 @@
         </p:txBody>
       </p:sp>
     </p:spTree>
+    <p:extLst>
+      <p:ext uri="{BB962C8B-B14F-4D97-AF65-F5344CB8AC3E}">
+        <p14:creationId xmlns:p14="http://schemas.microsoft.com/office/powerpoint/2010/main" val="171852647"/>
+      </p:ext>
+    </p:extLst>
   </p:cSld>
   <p:clrMapOvr>
     <a:masterClrMapping/>
@@ -45830,7 +45564,7 @@
       </p:grpSpPr>
       <p:sp>
         <p:nvSpPr>
-          <p:cNvPr id="157697" name="AutoShape 2"/>
+          <p:cNvPr id="153601" name="AutoShape 2"/>
           <p:cNvSpPr>
             <a:spLocks noGrp="1" noChangeArrowheads="1"/>
           </p:cNvSpPr>
@@ -45849,7 +45583,7 @@
                 <a:ea typeface="ＭＳ Ｐゴシック" charset="0"/>
                 <a:cs typeface="ＭＳ Ｐゴシック" charset="0"/>
               </a:rPr>
-              <a:t>African Wildlife: Carnivores</a:t>
+              <a:t>An African Wildlife: Branches</a:t>
             </a:r>
             <a:endParaRPr lang="el-GR" sz="3200" dirty="0">
               <a:ea typeface="ＭＳ Ｐゴシック" charset="0"/>
@@ -45860,7 +45594,7 @@
       </p:sp>
       <p:sp>
         <p:nvSpPr>
-          <p:cNvPr id="157698" name="Rectangle 3"/>
+          <p:cNvPr id="153602" name="Rectangle 3"/>
           <p:cNvSpPr>
             <a:spLocks noGrp="1" noChangeArrowheads="1"/>
           </p:cNvSpPr>
@@ -45870,8 +45604,8 @@
         </p:nvSpPr>
         <p:spPr>
           <a:xfrm>
-            <a:off x="539750" y="1412875"/>
-            <a:ext cx="8299450" cy="5111750"/>
+            <a:off x="323850" y="1341438"/>
+            <a:ext cx="8712646" cy="5183187"/>
           </a:xfrm>
         </p:spPr>
         <p:txBody>
@@ -45879,227 +45613,237 @@
           <a:lstStyle/>
           <a:p>
             <a:pPr marL="533400" indent="-533400" eaLnBrk="1" hangingPunct="1">
-              <a:lnSpc>
-                <a:spcPct val="90000"/>
-              </a:lnSpc>
               <a:buNone/>
-              <a:tabLst>
-                <a:tab pos="1079500" algn="l"/>
-                <a:tab pos="1612900" algn="l"/>
-                <a:tab pos="2057400" algn="l"/>
-              </a:tabLst>
             </a:pPr>
             <a:r>
-              <a:rPr lang="en-US" sz="3200" dirty="0">
-                <a:ea typeface="ＭＳ Ｐゴシック" charset="0"/>
-                <a:cs typeface="ＭＳ Ｐゴシック" charset="0"/>
-              </a:rPr>
-              <a:t># Carnivores are exactly those animals</a:t>
+              <a:rPr lang="en-US" i="1" dirty="0">
+                <a:ea typeface="ＭＳ Ｐゴシック" charset="0"/>
+                <a:cs typeface="ＭＳ Ｐゴシック" charset="0"/>
+              </a:rPr>
+              <a:t># plants and animals are disjoint</a:t>
             </a:r>
           </a:p>
           <a:p>
             <a:pPr marL="533400" indent="-533400" eaLnBrk="1" hangingPunct="1">
-              <a:lnSpc>
-                <a:spcPct val="90000"/>
-              </a:lnSpc>
               <a:buNone/>
-              <a:tabLst>
-                <a:tab pos="1079500" algn="l"/>
-                <a:tab pos="1612900" algn="l"/>
-                <a:tab pos="2057400" algn="l"/>
-              </a:tabLst>
             </a:pPr>
             <a:r>
-              <a:rPr lang="en-US" sz="3200" dirty="0">
-                <a:ea typeface="ＭＳ Ｐゴシック" charset="0"/>
-                <a:cs typeface="ＭＳ Ｐゴシック" charset="0"/>
-              </a:rPr>
-              <a:t># that eat animals </a:t>
+              <a:rPr lang="en-US" dirty="0">
+                <a:ea typeface="ＭＳ Ｐゴシック" charset="0"/>
+                <a:cs typeface="ＭＳ Ｐゴシック" charset="0"/>
+              </a:rPr>
+              <a:t>:plant </a:t>
+            </a:r>
+            <a:r>
+              <a:rPr lang="en-US" dirty="0" err="1">
+                <a:ea typeface="ＭＳ Ｐゴシック" charset="0"/>
+                <a:cs typeface="ＭＳ Ｐゴシック" charset="0"/>
+              </a:rPr>
+              <a:t>owl:disjointWith</a:t>
+            </a:r>
+            <a:r>
+              <a:rPr lang="en-US" dirty="0">
+                <a:ea typeface="ＭＳ Ｐゴシック" charset="0"/>
+                <a:cs typeface="ＭＳ Ｐゴシック" charset="0"/>
+              </a:rPr>
+              <a:t> :animal</a:t>
             </a:r>
           </a:p>
           <a:p>
             <a:pPr marL="533400" indent="-533400" eaLnBrk="1" hangingPunct="1">
-              <a:lnSpc>
-                <a:spcPct val="90000"/>
-              </a:lnSpc>
               <a:buNone/>
-              <a:tabLst>
-                <a:tab pos="1079500" algn="l"/>
-                <a:tab pos="1612900" algn="l"/>
-                <a:tab pos="2057400" algn="l"/>
-              </a:tabLst>
             </a:pPr>
-            <a:r>
-              <a:rPr lang="en-US" sz="3200" dirty="0">
-                <a:ea typeface="ＭＳ Ｐゴシック" charset="0"/>
-                <a:cs typeface="ＭＳ Ｐゴシック" charset="0"/>
-              </a:rPr>
-              <a:t>:Carnivore </a:t>
-            </a:r>
-            <a:r>
-              <a:rPr lang="en-US" sz="3200" dirty="0" err="1">
-                <a:ea typeface="ＭＳ Ｐゴシック" charset="0"/>
-                <a:cs typeface="ＭＳ Ｐゴシック" charset="0"/>
-              </a:rPr>
-              <a:t>owl:intersectionOf</a:t>
-            </a:r>
-            <a:r>
-              <a:rPr lang="en-US" sz="3200" dirty="0">
-                <a:ea typeface="ＭＳ Ｐゴシック" charset="0"/>
-                <a:cs typeface="ＭＳ Ｐゴシック" charset="0"/>
-              </a:rPr>
-              <a:t> </a:t>
-            </a:r>
-          </a:p>
-          <a:p>
-            <a:pPr marL="533400" indent="-533400" eaLnBrk="1" hangingPunct="1">
-              <a:lnSpc>
-                <a:spcPct val="90000"/>
-              </a:lnSpc>
-              <a:buNone/>
-              <a:tabLst>
-                <a:tab pos="1079500" algn="l"/>
-                <a:tab pos="1612900" algn="l"/>
-                <a:tab pos="2057400" algn="l"/>
-              </a:tabLst>
-            </a:pPr>
-            <a:r>
-              <a:rPr lang="en-US" sz="3200" dirty="0">
-                <a:ea typeface="ＭＳ Ｐゴシック" charset="0"/>
-                <a:cs typeface="ＭＳ Ｐゴシック" charset="0"/>
-              </a:rPr>
-              <a:t>    (:Animal, </a:t>
-            </a:r>
-          </a:p>
-          <a:p>
-            <a:pPr marL="533400" indent="-533400" eaLnBrk="1" hangingPunct="1">
-              <a:lnSpc>
-                <a:spcPct val="90000"/>
-              </a:lnSpc>
-              <a:buNone/>
-              <a:tabLst>
-                <a:tab pos="1079500" algn="l"/>
-                <a:tab pos="1612900" algn="l"/>
-                <a:tab pos="2057400" algn="l"/>
-              </a:tabLst>
-            </a:pPr>
-            <a:r>
-              <a:rPr lang="en-US" sz="3200" dirty="0">
-                <a:ea typeface="ＭＳ Ｐゴシック" charset="0"/>
-                <a:cs typeface="ＭＳ Ｐゴシック" charset="0"/>
-              </a:rPr>
-              <a:t>         [a </a:t>
-            </a:r>
-            <a:r>
-              <a:rPr lang="en-US" sz="3200" dirty="0" err="1">
-                <a:ea typeface="ＭＳ Ｐゴシック" charset="0"/>
-                <a:cs typeface="ＭＳ Ｐゴシック" charset="0"/>
-              </a:rPr>
-              <a:t>owl:Restriction</a:t>
-            </a:r>
-            <a:r>
-              <a:rPr lang="en-US" sz="3200" dirty="0">
-                <a:ea typeface="ＭＳ Ｐゴシック" charset="0"/>
-                <a:cs typeface="ＭＳ Ｐゴシック" charset="0"/>
-              </a:rPr>
-              <a:t>; </a:t>
-            </a:r>
-          </a:p>
-          <a:p>
-            <a:pPr marL="533400" indent="-533400" eaLnBrk="1" hangingPunct="1">
-              <a:lnSpc>
-                <a:spcPct val="90000"/>
-              </a:lnSpc>
-              <a:buNone/>
-              <a:tabLst>
-                <a:tab pos="1079500" algn="l"/>
-                <a:tab pos="1612900" algn="l"/>
-                <a:tab pos="2057400" algn="l"/>
-              </a:tabLst>
-            </a:pPr>
-            <a:r>
-              <a:rPr lang="en-US" sz="3200" dirty="0">
-                <a:ea typeface="ＭＳ Ｐゴシック" charset="0"/>
-                <a:cs typeface="ＭＳ Ｐゴシック" charset="0"/>
-              </a:rPr>
-              <a:t>             </a:t>
-            </a:r>
-            <a:r>
-              <a:rPr lang="en-US" sz="3200" dirty="0" err="1">
-                <a:ea typeface="ＭＳ Ｐゴシック" charset="0"/>
-                <a:cs typeface="ＭＳ Ｐゴシック" charset="0"/>
-              </a:rPr>
-              <a:t>owl:someValuesFrom</a:t>
-            </a:r>
-            <a:r>
-              <a:rPr lang="en-US" sz="3200" dirty="0">
-                <a:ea typeface="ＭＳ Ｐゴシック" charset="0"/>
-                <a:cs typeface="ＭＳ Ｐゴシック" charset="0"/>
-              </a:rPr>
-              <a:t> :Animal</a:t>
-            </a:r>
-          </a:p>
-          <a:p>
-            <a:pPr marL="533400" indent="-533400" eaLnBrk="1" hangingPunct="1">
-              <a:lnSpc>
-                <a:spcPct val="90000"/>
-              </a:lnSpc>
-              <a:buNone/>
-              <a:tabLst>
-                <a:tab pos="1079500" algn="l"/>
-                <a:tab pos="1612900" algn="l"/>
-                <a:tab pos="2057400" algn="l"/>
-              </a:tabLst>
-            </a:pPr>
-            <a:r>
-              <a:rPr lang="en-US" sz="3200" dirty="0">
-                <a:ea typeface="ＭＳ Ｐゴシック" charset="0"/>
-                <a:cs typeface="ＭＳ Ｐゴシック" charset="0"/>
-              </a:rPr>
-              <a:t>             </a:t>
-            </a:r>
-            <a:r>
-              <a:rPr lang="en-US" sz="3200" dirty="0" err="1">
-                <a:ea typeface="ＭＳ Ｐゴシック" charset="0"/>
-                <a:cs typeface="ＭＳ Ｐゴシック" charset="0"/>
-              </a:rPr>
-              <a:t>owl:onProperty</a:t>
-            </a:r>
-            <a:r>
-              <a:rPr lang="en-US" sz="3200" dirty="0">
-                <a:ea typeface="ＭＳ Ｐゴシック" charset="0"/>
-                <a:cs typeface="ＭＳ Ｐゴシック" charset="0"/>
-              </a:rPr>
-              <a:t> :eats]</a:t>
-            </a:r>
-          </a:p>
-          <a:p>
-            <a:pPr marL="533400" indent="-533400" eaLnBrk="1" hangingPunct="1">
-              <a:lnSpc>
-                <a:spcPct val="90000"/>
-              </a:lnSpc>
-              <a:buNone/>
-              <a:tabLst>
-                <a:tab pos="1079500" algn="l"/>
-                <a:tab pos="1612900" algn="l"/>
-                <a:tab pos="2057400" algn="l"/>
-              </a:tabLst>
-            </a:pPr>
-            <a:r>
-              <a:rPr lang="en-US" sz="3200" dirty="0">
-                <a:ea typeface="ＭＳ Ｐゴシック" charset="0"/>
-                <a:cs typeface="ＭＳ Ｐゴシック" charset="0"/>
-              </a:rPr>
-              <a:t>    ) .</a:t>
-            </a:r>
-            <a:endParaRPr lang="el-GR" sz="3200" dirty="0">
+            <a:endParaRPr lang="en-US" sz="1000" dirty="0">
               <a:ea typeface="ＭＳ Ｐゴシック" charset="0"/>
               <a:cs typeface="ＭＳ Ｐゴシック" charset="0"/>
             </a:endParaRPr>
           </a:p>
+          <a:p>
+            <a:pPr marL="533400" indent="-533400" eaLnBrk="1" hangingPunct="1">
+              <a:buNone/>
+            </a:pPr>
+            <a:r>
+              <a:rPr lang="en-US" i="1" dirty="0">
+                <a:ea typeface="ＭＳ Ｐゴシック" charset="0"/>
+                <a:cs typeface="ＭＳ Ｐゴシック" charset="0"/>
+              </a:rPr>
+              <a:t># trees are plants</a:t>
+            </a:r>
+          </a:p>
+          <a:p>
+            <a:pPr marL="533400" indent="-533400" eaLnBrk="1" hangingPunct="1">
+              <a:buNone/>
+            </a:pPr>
+            <a:r>
+              <a:rPr lang="en-US" dirty="0">
+                <a:ea typeface="ＭＳ Ｐゴシック" charset="0"/>
+                <a:cs typeface="ＭＳ Ｐゴシック" charset="0"/>
+              </a:rPr>
+              <a:t>:tree </a:t>
+            </a:r>
+            <a:r>
+              <a:rPr lang="en-US" dirty="0" err="1">
+                <a:ea typeface="ＭＳ Ｐゴシック" charset="0"/>
+                <a:cs typeface="ＭＳ Ｐゴシック" charset="0"/>
+              </a:rPr>
+              <a:t>rdfs:subClassOf</a:t>
+            </a:r>
+            <a:r>
+              <a:rPr lang="en-US" dirty="0">
+                <a:ea typeface="ＭＳ Ｐゴシック" charset="0"/>
+                <a:cs typeface="ＭＳ Ｐゴシック" charset="0"/>
+              </a:rPr>
+              <a:t> :plant</a:t>
+            </a:r>
+          </a:p>
+          <a:p>
+            <a:pPr marL="533400" indent="-533400" eaLnBrk="1" hangingPunct="1">
+              <a:buNone/>
+            </a:pPr>
+            <a:endParaRPr lang="en-US" sz="1000" dirty="0">
+              <a:ea typeface="ＭＳ Ｐゴシック" charset="0"/>
+              <a:cs typeface="ＭＳ Ｐゴシック" charset="0"/>
+            </a:endParaRPr>
+          </a:p>
+          <a:p>
+            <a:pPr marL="533400" indent="-533400" eaLnBrk="1" hangingPunct="1">
+              <a:buNone/>
+            </a:pPr>
+            <a:r>
+              <a:rPr lang="en-US" i="1" dirty="0">
+                <a:ea typeface="ＭＳ Ｐゴシック" charset="0"/>
+                <a:cs typeface="ＭＳ Ｐゴシック" charset="0"/>
+              </a:rPr>
+              <a:t># branches are only parts of trees</a:t>
+            </a:r>
+          </a:p>
+          <a:p>
+            <a:pPr marL="533400" indent="-533400" eaLnBrk="1" hangingPunct="1">
+              <a:buNone/>
+            </a:pPr>
+            <a:r>
+              <a:rPr lang="en-US" dirty="0">
+                <a:ea typeface="ＭＳ Ｐゴシック" charset="0"/>
+                <a:cs typeface="ＭＳ Ｐゴシック" charset="0"/>
+              </a:rPr>
+              <a:t>:branch </a:t>
+            </a:r>
+            <a:r>
+              <a:rPr lang="en-US" dirty="0" err="1">
+                <a:ea typeface="ＭＳ Ｐゴシック" charset="0"/>
+                <a:cs typeface="ＭＳ Ｐゴシック" charset="0"/>
+              </a:rPr>
+              <a:t>rdfs:subClassOf</a:t>
+            </a:r>
+            <a:endParaRPr lang="en-US" dirty="0">
+              <a:ea typeface="ＭＳ Ｐゴシック" charset="0"/>
+              <a:cs typeface="ＭＳ Ｐゴシック" charset="0"/>
+            </a:endParaRPr>
+          </a:p>
+          <a:p>
+            <a:pPr marL="533400" indent="-533400" eaLnBrk="1" hangingPunct="1">
+              <a:buNone/>
+            </a:pPr>
+            <a:r>
+              <a:rPr lang="en-US" dirty="0">
+                <a:ea typeface="ＭＳ Ｐゴシック" charset="0"/>
+                <a:cs typeface="ＭＳ Ｐゴシック" charset="0"/>
+              </a:rPr>
+              <a:t>  [a </a:t>
+            </a:r>
+            <a:r>
+              <a:rPr lang="en-US" dirty="0" err="1">
+                <a:ea typeface="ＭＳ Ｐゴシック" charset="0"/>
+                <a:cs typeface="ＭＳ Ｐゴシック" charset="0"/>
+              </a:rPr>
+              <a:t>owl:Restriction</a:t>
+            </a:r>
+            <a:r>
+              <a:rPr lang="en-US" dirty="0">
+                <a:ea typeface="ＭＳ Ｐゴシック" charset="0"/>
+                <a:cs typeface="ＭＳ Ｐゴシック" charset="0"/>
+              </a:rPr>
+              <a:t>; </a:t>
+            </a:r>
+          </a:p>
+          <a:p>
+            <a:pPr marL="533400" indent="-533400" eaLnBrk="1" hangingPunct="1">
+              <a:buNone/>
+            </a:pPr>
+            <a:r>
+              <a:rPr lang="en-US" dirty="0">
+                <a:ea typeface="ＭＳ Ｐゴシック" charset="0"/>
+                <a:cs typeface="ＭＳ Ｐゴシック" charset="0"/>
+              </a:rPr>
+              <a:t>    </a:t>
+            </a:r>
+            <a:r>
+              <a:rPr lang="en-US" dirty="0" err="1">
+                <a:ea typeface="ＭＳ Ｐゴシック" charset="0"/>
+                <a:cs typeface="ＭＳ Ｐゴシック" charset="0"/>
+              </a:rPr>
+              <a:t>owl:allValuesFrom</a:t>
+            </a:r>
+            <a:r>
+              <a:rPr lang="en-US" dirty="0">
+                <a:ea typeface="ＭＳ Ｐゴシック" charset="0"/>
+                <a:cs typeface="ＭＳ Ｐゴシック" charset="0"/>
+              </a:rPr>
+              <a:t> :tree</a:t>
+            </a:r>
+          </a:p>
+          <a:p>
+            <a:pPr marL="533400" indent="-533400" eaLnBrk="1" hangingPunct="1">
+              <a:buNone/>
+            </a:pPr>
+            <a:r>
+              <a:rPr lang="en-US" dirty="0">
+                <a:ea typeface="ＭＳ Ｐゴシック" charset="0"/>
+                <a:cs typeface="ＭＳ Ｐゴシック" charset="0"/>
+              </a:rPr>
+              <a:t>    </a:t>
+            </a:r>
+            <a:r>
+              <a:rPr lang="en-US" dirty="0" err="1">
+                <a:ea typeface="ＭＳ Ｐゴシック" charset="0"/>
+                <a:cs typeface="ＭＳ Ｐゴシック" charset="0"/>
+              </a:rPr>
+              <a:t>owl:onProperty</a:t>
+            </a:r>
+            <a:r>
+              <a:rPr lang="en-US" dirty="0">
+                <a:ea typeface="ＭＳ Ｐゴシック" charset="0"/>
+                <a:cs typeface="ＭＳ Ｐゴシック" charset="0"/>
+              </a:rPr>
+              <a:t> :</a:t>
+            </a:r>
+            <a:r>
+              <a:rPr lang="en-US" dirty="0" err="1">
+                <a:ea typeface="ＭＳ Ｐゴシック" charset="0"/>
+                <a:cs typeface="ＭＳ Ｐゴシック" charset="0"/>
+              </a:rPr>
+              <a:t>isPartOf</a:t>
+            </a:r>
+            <a:r>
+              <a:rPr lang="en-US" dirty="0">
+                <a:ea typeface="ＭＳ Ｐゴシック" charset="0"/>
+                <a:cs typeface="ＭＳ Ｐゴシック" charset="0"/>
+              </a:rPr>
+              <a:t>]</a:t>
+            </a:r>
+            <a:endParaRPr lang="el-GR" dirty="0">
+              <a:ea typeface="ＭＳ Ｐゴシック" charset="0"/>
+              <a:cs typeface="ＭＳ Ｐゴシック" charset="0"/>
+            </a:endParaRPr>
+          </a:p>
         </p:txBody>
       </p:sp>
     </p:spTree>
+    <p:extLst>
+      <p:ext uri="{BB962C8B-B14F-4D97-AF65-F5344CB8AC3E}">
+        <p14:creationId xmlns:p14="http://schemas.microsoft.com/office/powerpoint/2010/main" val="4213196313"/>
+      </p:ext>
+    </p:extLst>
   </p:cSld>
   <p:clrMapOvr>
     <a:masterClrMapping/>
@@ -46283,7 +46027,7 @@
       </p:grpSpPr>
       <p:sp>
         <p:nvSpPr>
-          <p:cNvPr id="159745" name="AutoShape 2"/>
+          <p:cNvPr id="155649" name="AutoShape 2"/>
           <p:cNvSpPr>
             <a:spLocks noGrp="1" noChangeArrowheads="1"/>
           </p:cNvSpPr>
@@ -46302,7 +46046,7 @@
                 <a:ea typeface="ＭＳ Ｐゴシック" charset="0"/>
                 <a:cs typeface="ＭＳ Ｐゴシック" charset="0"/>
               </a:rPr>
-              <a:t>African Wildlife: Herbivores</a:t>
+              <a:t>African Wildlife: Leaves</a:t>
             </a:r>
             <a:endParaRPr lang="el-GR" sz="3200" dirty="0">
               <a:ea typeface="ＭＳ Ｐゴシック" charset="0"/>
@@ -46313,7 +46057,7 @@
       </p:sp>
       <p:sp>
         <p:nvSpPr>
-          <p:cNvPr id="159746" name="Rectangle 3"/>
+          <p:cNvPr id="155650" name="Rectangle 3"/>
           <p:cNvSpPr>
             <a:spLocks noGrp="1" noChangeArrowheads="1"/>
           </p:cNvSpPr>
@@ -46323,8 +46067,8 @@
         </p:nvSpPr>
         <p:spPr>
           <a:xfrm>
-            <a:off x="971600" y="2852936"/>
-            <a:ext cx="6909878" cy="936005"/>
+            <a:off x="611560" y="1556792"/>
+            <a:ext cx="8204200" cy="4535834"/>
           </a:xfrm>
         </p:spPr>
         <p:txBody>
@@ -46332,27 +46076,141 @@
           <a:lstStyle/>
           <a:p>
             <a:pPr marL="533400" indent="-533400" eaLnBrk="1" hangingPunct="1">
-              <a:buFont typeface="Wingdings" charset="0"/>
               <a:buNone/>
             </a:pPr>
             <a:r>
-              <a:rPr lang="en-US" sz="3200" dirty="0">
-                <a:ea typeface="ＭＳ Ｐゴシック" charset="0"/>
-                <a:cs typeface="ＭＳ Ｐゴシック" charset="0"/>
-              </a:rPr>
-              <a:t>How can we define Herbivores?</a:t>
-            </a:r>
-            <a:endParaRPr lang="el-GR" sz="3200" dirty="0">
+              <a:rPr lang="en-US" i="1" dirty="0">
+                <a:ea typeface="ＭＳ Ｐゴシック" charset="0"/>
+                <a:cs typeface="ＭＳ Ｐゴシック" charset="0"/>
+              </a:rPr>
+              <a:t># leaves are only parts of branches</a:t>
+            </a:r>
+          </a:p>
+          <a:p>
+            <a:pPr marL="533400" indent="-533400" eaLnBrk="1" hangingPunct="1">
+              <a:buNone/>
+            </a:pPr>
+            <a:r>
+              <a:rPr lang="en-US" dirty="0">
+                <a:ea typeface="ＭＳ Ｐゴシック" charset="0"/>
+                <a:cs typeface="ＭＳ Ｐゴシック" charset="0"/>
+              </a:rPr>
+              <a:t>:leaf </a:t>
+            </a:r>
+            <a:r>
+              <a:rPr lang="en-US" dirty="0" err="1">
+                <a:ea typeface="ＭＳ Ｐゴシック" charset="0"/>
+                <a:cs typeface="ＭＳ Ｐゴシック" charset="0"/>
+              </a:rPr>
+              <a:t>rdfs:subClassOf</a:t>
+            </a:r>
+            <a:endParaRPr lang="en-US" dirty="0">
               <a:ea typeface="ＭＳ Ｐゴシック" charset="0"/>
               <a:cs typeface="ＭＳ Ｐゴシック" charset="0"/>
             </a:endParaRPr>
           </a:p>
+          <a:p>
+            <a:pPr marL="533400" indent="-533400" eaLnBrk="1" hangingPunct="1">
+              <a:buNone/>
+            </a:pPr>
+            <a:r>
+              <a:rPr lang="en-US" dirty="0">
+                <a:ea typeface="ＭＳ Ｐゴシック" charset="0"/>
+                <a:cs typeface="ＭＳ Ｐゴシック" charset="0"/>
+              </a:rPr>
+              <a:t>  [a </a:t>
+            </a:r>
+            <a:r>
+              <a:rPr lang="en-US" dirty="0" err="1">
+                <a:ea typeface="ＭＳ Ｐゴシック" charset="0"/>
+                <a:cs typeface="ＭＳ Ｐゴシック" charset="0"/>
+              </a:rPr>
+              <a:t>owl:Restriction</a:t>
+            </a:r>
+            <a:r>
+              <a:rPr lang="en-US" dirty="0">
+                <a:ea typeface="ＭＳ Ｐゴシック" charset="0"/>
+                <a:cs typeface="ＭＳ Ｐゴシック" charset="0"/>
+              </a:rPr>
+              <a:t>; </a:t>
+            </a:r>
+          </a:p>
+          <a:p>
+            <a:pPr marL="533400" indent="-533400" eaLnBrk="1" hangingPunct="1">
+              <a:buNone/>
+            </a:pPr>
+            <a:r>
+              <a:rPr lang="en-US" dirty="0">
+                <a:ea typeface="ＭＳ Ｐゴシック" charset="0"/>
+                <a:cs typeface="ＭＳ Ｐゴシック" charset="0"/>
+              </a:rPr>
+              <a:t>    </a:t>
+            </a:r>
+            <a:r>
+              <a:rPr lang="en-US" dirty="0" err="1">
+                <a:ea typeface="ＭＳ Ｐゴシック" charset="0"/>
+                <a:cs typeface="ＭＳ Ｐゴシック" charset="0"/>
+              </a:rPr>
+              <a:t>owl:allValuesFrom</a:t>
+            </a:r>
+            <a:r>
+              <a:rPr lang="en-US" dirty="0">
+                <a:ea typeface="ＭＳ Ｐゴシック" charset="0"/>
+                <a:cs typeface="ＭＳ Ｐゴシック" charset="0"/>
+              </a:rPr>
+              <a:t> :branch</a:t>
+            </a:r>
+          </a:p>
+          <a:p>
+            <a:pPr marL="533400" indent="-533400" eaLnBrk="1" hangingPunct="1">
+              <a:buNone/>
+            </a:pPr>
+            <a:r>
+              <a:rPr lang="en-US" dirty="0">
+                <a:ea typeface="ＭＳ Ｐゴシック" charset="0"/>
+                <a:cs typeface="ＭＳ Ｐゴシック" charset="0"/>
+              </a:rPr>
+              <a:t>    </a:t>
+            </a:r>
+            <a:r>
+              <a:rPr lang="en-US" dirty="0" err="1">
+                <a:ea typeface="ＭＳ Ｐゴシック" charset="0"/>
+                <a:cs typeface="ＭＳ Ｐゴシック" charset="0"/>
+              </a:rPr>
+              <a:t>owl:onProperty</a:t>
+            </a:r>
+            <a:r>
+              <a:rPr lang="en-US" dirty="0">
+                <a:ea typeface="ＭＳ Ｐゴシック" charset="0"/>
+                <a:cs typeface="ＭＳ Ｐゴシック" charset="0"/>
+              </a:rPr>
+              <a:t> :</a:t>
+            </a:r>
+            <a:r>
+              <a:rPr lang="en-US" dirty="0" err="1">
+                <a:ea typeface="ＭＳ Ｐゴシック" charset="0"/>
+                <a:cs typeface="ＭＳ Ｐゴシック" charset="0"/>
+              </a:rPr>
+              <a:t>isPartOf</a:t>
+            </a:r>
+            <a:r>
+              <a:rPr lang="en-US" dirty="0">
+                <a:ea typeface="ＭＳ Ｐゴシック" charset="0"/>
+                <a:cs typeface="ＭＳ Ｐゴシック" charset="0"/>
+              </a:rPr>
+              <a:t>]</a:t>
+            </a:r>
+            <a:endParaRPr lang="el-GR" dirty="0">
+              <a:ea typeface="ＭＳ Ｐゴシック" charset="0"/>
+              <a:cs typeface="ＭＳ Ｐゴシック" charset="0"/>
+            </a:endParaRPr>
+          </a:p>
         </p:txBody>
       </p:sp>
     </p:spTree>
     <p:extLst>
       <p:ext uri="{BB962C8B-B14F-4D97-AF65-F5344CB8AC3E}">
-        <p14:creationId xmlns:p14="http://schemas.microsoft.com/office/powerpoint/2010/main" val="629274075"/>
+        <p14:creationId xmlns:p14="http://schemas.microsoft.com/office/powerpoint/2010/main" val="3518281963"/>
       </p:ext>
     </p:extLst>
   </p:cSld>
@@ -46381,7 +46239,7 @@
       </p:grpSpPr>
       <p:sp>
         <p:nvSpPr>
-          <p:cNvPr id="159745" name="AutoShape 2"/>
+          <p:cNvPr id="157697" name="AutoShape 2"/>
           <p:cNvSpPr>
             <a:spLocks noGrp="1" noChangeArrowheads="1"/>
           </p:cNvSpPr>
@@ -46400,7 +46258,7 @@
                 <a:ea typeface="ＭＳ Ｐゴシック" charset="0"/>
                 <a:cs typeface="ＭＳ Ｐゴシック" charset="0"/>
               </a:rPr>
-              <a:t>African Wildlife: Herbivores</a:t>
+              <a:t>African Wildlife: Carnivores</a:t>
             </a:r>
             <a:endParaRPr lang="el-GR" sz="3200" dirty="0">
               <a:ea typeface="ＭＳ Ｐゴシック" charset="0"/>
@@ -46411,7 +46269,7 @@
       </p:sp>
       <p:sp>
         <p:nvSpPr>
-          <p:cNvPr id="159746" name="Rectangle 3"/>
+          <p:cNvPr id="157698" name="Rectangle 3"/>
           <p:cNvSpPr>
             <a:spLocks noGrp="1" noChangeArrowheads="1"/>
           </p:cNvSpPr>
@@ -46421,86 +46279,227 @@
         </p:nvSpPr>
         <p:spPr>
           <a:xfrm>
-            <a:off x="615950" y="1412875"/>
-            <a:ext cx="7910513" cy="5111750"/>
+            <a:off x="539750" y="1412875"/>
+            <a:ext cx="8299450" cy="5111750"/>
           </a:xfrm>
         </p:spPr>
         <p:txBody>
           <a:bodyPr/>
           <a:lstStyle/>
           <a:p>
-            <a:pPr marL="533400" indent="-533400" algn="ctr" eaLnBrk="1" hangingPunct="1">
-              <a:buFont typeface="Wingdings" charset="0"/>
+            <a:pPr marL="533400" indent="-533400" eaLnBrk="1" hangingPunct="1">
+              <a:lnSpc>
+                <a:spcPct val="90000"/>
+              </a:lnSpc>
               <a:buNone/>
+              <a:tabLst>
+                <a:tab pos="1079500" algn="l"/>
+                <a:tab pos="1612900" algn="l"/>
+                <a:tab pos="2057400" algn="l"/>
+              </a:tabLst>
             </a:pPr>
             <a:r>
               <a:rPr lang="en-US" sz="3200" i="1" dirty="0">
                 <a:ea typeface="ＭＳ Ｐゴシック" charset="0"/>
                 <a:cs typeface="ＭＳ Ｐゴシック" charset="0"/>
               </a:rPr>
-              <a:t>Here is a start</a:t>
+              <a:t># carnivores are exactly those animals</a:t>
             </a:r>
           </a:p>
           <a:p>
             <a:pPr marL="533400" indent="-533400" eaLnBrk="1" hangingPunct="1">
-              <a:buFont typeface="Wingdings" charset="0"/>
+              <a:lnSpc>
+                <a:spcPct val="90000"/>
+              </a:lnSpc>
               <a:buNone/>
+              <a:tabLst>
+                <a:tab pos="1079500" algn="l"/>
+                <a:tab pos="1612900" algn="l"/>
+                <a:tab pos="2057400" algn="l"/>
+              </a:tabLst>
             </a:pPr>
-            <a:endParaRPr lang="en-US" sz="3200" dirty="0">
-              <a:ea typeface="ＭＳ Ｐゴシック" charset="0"/>
-              <a:cs typeface="ＭＳ Ｐゴシック" charset="0"/>
-            </a:endParaRPr>
+            <a:r>
+              <a:rPr lang="en-US" sz="3200" i="1" dirty="0">
+                <a:ea typeface="ＭＳ Ｐゴシック" charset="0"/>
+                <a:cs typeface="ＭＳ Ｐゴシック" charset="0"/>
+              </a:rPr>
+              <a:t># that eat animals </a:t>
+            </a:r>
           </a:p>
           <a:p>
             <a:pPr marL="533400" indent="-533400" eaLnBrk="1" hangingPunct="1">
+              <a:lnSpc>
+                <a:spcPct val="90000"/>
+              </a:lnSpc>
               <a:buNone/>
+              <a:tabLst>
+                <a:tab pos="1079500" algn="l"/>
+                <a:tab pos="1612900" algn="l"/>
+                <a:tab pos="2057400" algn="l"/>
+              </a:tabLst>
             </a:pPr>
             <a:r>
               <a:rPr lang="en-US" sz="3200" dirty="0">
                 <a:ea typeface="ＭＳ Ｐゴシック" charset="0"/>
                 <a:cs typeface="ＭＳ Ｐゴシック" charset="0"/>
               </a:rPr>
-              <a:t>:Herbivore a </a:t>
+              <a:t>:Carnivore </a:t>
             </a:r>
             <a:r>
               <a:rPr lang="en-US" sz="3200" dirty="0" err="1">
                 <a:ea typeface="ＭＳ Ｐゴシック" charset="0"/>
                 <a:cs typeface="ＭＳ Ｐゴシック" charset="0"/>
               </a:rPr>
-              <a:t>owl:Class</a:t>
+              <a:t>owl:intersectionOf</a:t>
             </a:r>
             <a:r>
               <a:rPr lang="en-US" sz="3200" dirty="0">
                 <a:ea typeface="ＭＳ Ｐゴシック" charset="0"/>
                 <a:cs typeface="ＭＳ Ｐゴシック" charset="0"/>
               </a:rPr>
-              <a:t>;</a:t>
+              <a:t> </a:t>
             </a:r>
           </a:p>
           <a:p>
             <a:pPr marL="533400" indent="-533400" eaLnBrk="1" hangingPunct="1">
+              <a:lnSpc>
+                <a:spcPct val="90000"/>
+              </a:lnSpc>
               <a:buNone/>
+              <a:tabLst>
+                <a:tab pos="1079500" algn="l"/>
+                <a:tab pos="1612900" algn="l"/>
+                <a:tab pos="2057400" algn="l"/>
+              </a:tabLst>
             </a:pPr>
             <a:r>
               <a:rPr lang="en-US" sz="3200" dirty="0">
                 <a:ea typeface="ＭＳ Ｐゴシック" charset="0"/>
                 <a:cs typeface="ＭＳ Ｐゴシック" charset="0"/>
               </a:rPr>
-              <a:t>  </a:t>
+              <a:t>    (:Animal, </a:t>
+            </a:r>
+          </a:p>
+          <a:p>
+            <a:pPr marL="533400" indent="-533400" eaLnBrk="1" hangingPunct="1">
+              <a:lnSpc>
+                <a:spcPct val="90000"/>
+              </a:lnSpc>
+              <a:buNone/>
+              <a:tabLst>
+                <a:tab pos="1079500" algn="l"/>
+                <a:tab pos="1612900" algn="l"/>
+                <a:tab pos="2057400" algn="l"/>
+              </a:tabLst>
+            </a:pPr>
+            <a:r>
+              <a:rPr lang="en-US" sz="3200" dirty="0">
+                <a:ea typeface="ＭＳ Ｐゴシック" charset="0"/>
+                <a:cs typeface="ＭＳ Ｐゴシック" charset="0"/>
+              </a:rPr>
+              <a:t>         [a </a:t>
             </a:r>
             <a:r>
               <a:rPr lang="en-US" sz="3200" dirty="0" err="1">
                 <a:ea typeface="ＭＳ Ｐゴシック" charset="0"/>
                 <a:cs typeface="ＭＳ Ｐゴシック" charset="0"/>
               </a:rPr>
-              <a:t>rdfs:comment</a:t>
+              <a:t>owl:Restriction</a:t>
             </a:r>
             <a:r>
               <a:rPr lang="en-US" sz="3200" dirty="0">
                 <a:ea typeface="ＭＳ Ｐゴシック" charset="0"/>
                 <a:cs typeface="ＭＳ Ｐゴシック" charset="0"/>
               </a:rPr>
-              <a:t> "Herbivores are exactly those animals that eat only plants or parts of plants” .</a:t>
+              <a:t>; </a:t>
+            </a:r>
+          </a:p>
+          <a:p>
+            <a:pPr marL="533400" indent="-533400" eaLnBrk="1" hangingPunct="1">
+              <a:lnSpc>
+                <a:spcPct val="90000"/>
+              </a:lnSpc>
+              <a:buNone/>
+              <a:tabLst>
+                <a:tab pos="1079500" algn="l"/>
+                <a:tab pos="1612900" algn="l"/>
+                <a:tab pos="2057400" algn="l"/>
+              </a:tabLst>
+            </a:pPr>
+            <a:r>
+              <a:rPr lang="en-US" sz="3200" dirty="0">
+                <a:ea typeface="ＭＳ Ｐゴシック" charset="0"/>
+                <a:cs typeface="ＭＳ Ｐゴシック" charset="0"/>
+              </a:rPr>
+              <a:t>             </a:t>
+            </a:r>
+            <a:r>
+              <a:rPr lang="en-US" sz="3200" dirty="0" err="1">
+                <a:ea typeface="ＭＳ Ｐゴシック" charset="0"/>
+                <a:cs typeface="ＭＳ Ｐゴシック" charset="0"/>
+              </a:rPr>
+              <a:t>owl:someValuesFrom</a:t>
+            </a:r>
+            <a:r>
+              <a:rPr lang="en-US" sz="3200" dirty="0">
+                <a:ea typeface="ＭＳ Ｐゴシック" charset="0"/>
+                <a:cs typeface="ＭＳ Ｐゴシック" charset="0"/>
+              </a:rPr>
+              <a:t> :Animal</a:t>
+            </a:r>
+          </a:p>
+          <a:p>
+            <a:pPr marL="533400" indent="-533400" eaLnBrk="1" hangingPunct="1">
+              <a:lnSpc>
+                <a:spcPct val="90000"/>
+              </a:lnSpc>
+              <a:buNone/>
+              <a:tabLst>
+                <a:tab pos="1079500" algn="l"/>
+                <a:tab pos="1612900" algn="l"/>
+                <a:tab pos="2057400" algn="l"/>
+              </a:tabLst>
+            </a:pPr>
+            <a:r>
+              <a:rPr lang="en-US" sz="3200" dirty="0">
+                <a:ea typeface="ＭＳ Ｐゴシック" charset="0"/>
+                <a:cs typeface="ＭＳ Ｐゴシック" charset="0"/>
+              </a:rPr>
+              <a:t>             </a:t>
+            </a:r>
+            <a:r>
+              <a:rPr lang="en-US" sz="3200" dirty="0" err="1">
+                <a:ea typeface="ＭＳ Ｐゴシック" charset="0"/>
+                <a:cs typeface="ＭＳ Ｐゴシック" charset="0"/>
+              </a:rPr>
+              <a:t>owl:onProperty</a:t>
+            </a:r>
+            <a:r>
+              <a:rPr lang="en-US" sz="3200" dirty="0">
+                <a:ea typeface="ＭＳ Ｐゴシック" charset="0"/>
+                <a:cs typeface="ＭＳ Ｐゴシック" charset="0"/>
+              </a:rPr>
+              <a:t> :eats]</a:t>
+            </a:r>
+          </a:p>
+          <a:p>
+            <a:pPr marL="533400" indent="-533400" eaLnBrk="1" hangingPunct="1">
+              <a:lnSpc>
+                <a:spcPct val="90000"/>
+              </a:lnSpc>
+              <a:buNone/>
+              <a:tabLst>
+                <a:tab pos="1079500" algn="l"/>
+                <a:tab pos="1612900" algn="l"/>
+                <a:tab pos="2057400" algn="l"/>
+              </a:tabLst>
+            </a:pPr>
+            <a:r>
+              <a:rPr lang="en-US" sz="3200" dirty="0">
+                <a:ea typeface="ＭＳ Ｐゴシック" charset="0"/>
+                <a:cs typeface="ＭＳ Ｐゴシック" charset="0"/>
+              </a:rPr>
+              <a:t>    ) .</a:t>
             </a:r>
             <a:endParaRPr lang="el-GR" sz="3200" dirty="0">
               <a:ea typeface="ＭＳ Ｐゴシック" charset="0"/>
@@ -46509,7 +46508,59 @@
           </a:p>
         </p:txBody>
       </p:sp>
+      <p:sp>
+        <p:nvSpPr>
+          <p:cNvPr id="2" name="TextBox 1">
+            <a:extLst>
+              <a:ext uri="{FF2B5EF4-FFF2-40B4-BE49-F238E27FC236}">
+                <a16:creationId xmlns:a16="http://schemas.microsoft.com/office/drawing/2014/main" id="{EC5E72C6-3D59-5A49-8BDE-DC3A81055E5B}"/>
+              </a:ext>
+            </a:extLst>
+          </p:cNvPr>
+          <p:cNvSpPr txBox="1"/>
+          <p:nvPr/>
+        </p:nvSpPr>
+        <p:spPr>
+          <a:xfrm>
+            <a:off x="6588225" y="2348880"/>
+            <a:ext cx="2016026" cy="830997"/>
+          </a:xfrm>
+          <a:prstGeom prst="rect">
+            <a:avLst/>
+          </a:prstGeom>
+          <a:solidFill>
+            <a:schemeClr val="bg1">
+              <a:lumMod val="85000"/>
+            </a:schemeClr>
+          </a:solidFill>
+        </p:spPr>
+        <p:txBody>
+          <a:bodyPr wrap="square" rtlCol="0">
+            <a:spAutoFit/>
+          </a:bodyPr>
+          <a:lstStyle/>
+          <a:p>
+            <a:r>
+              <a:rPr lang="en-US" sz="2400" dirty="0">
+                <a:solidFill>
+                  <a:schemeClr val="tx1">
+                    <a:lumMod val="50000"/>
+                  </a:schemeClr>
+                </a:solidFill>
+                <a:latin typeface="Calibri" panose="020F0502020204030204" pitchFamily="34" charset="0"/>
+                <a:cs typeface="Calibri" panose="020F0502020204030204" pitchFamily="34" charset="0"/>
+              </a:rPr>
+              <a:t>Can carnivores eat plants?</a:t>
+            </a:r>
+          </a:p>
+        </p:txBody>
+      </p:sp>
     </p:spTree>
+    <p:extLst>
+      <p:ext uri="{BB962C8B-B14F-4D97-AF65-F5344CB8AC3E}">
+        <p14:creationId xmlns:p14="http://schemas.microsoft.com/office/powerpoint/2010/main" val="2190059197"/>
+      </p:ext>
+    </p:extLst>
   </p:cSld>
   <p:clrMapOvr>
     <a:masterClrMapping/>
@@ -46576,8 +46627,8 @@
         </p:nvSpPr>
         <p:spPr>
           <a:xfrm>
-            <a:off x="616743" y="1268760"/>
-            <a:ext cx="7910513" cy="5111750"/>
+            <a:off x="971600" y="2852936"/>
+            <a:ext cx="6909878" cy="936005"/>
           </a:xfrm>
         </p:spPr>
         <p:txBody>
@@ -46585,404 +46636,27 @@
           <a:lstStyle/>
           <a:p>
             <a:pPr marL="533400" indent="-533400" eaLnBrk="1" hangingPunct="1">
+              <a:buFont typeface="Wingdings" charset="0"/>
               <a:buNone/>
             </a:pPr>
             <a:r>
-              <a:rPr lang="en-US" sz="2000" dirty="0">
-                <a:ea typeface="ＭＳ Ｐゴシック" charset="0"/>
-                <a:cs typeface="ＭＳ Ｐゴシック" charset="0"/>
-              </a:rPr>
-              <a:t>:Herbivore </a:t>
-            </a:r>
-            <a:r>
-              <a:rPr lang="en-US" sz="2000" dirty="0" err="1">
-                <a:ea typeface="ＭＳ Ｐゴシック" charset="0"/>
-                <a:cs typeface="ＭＳ Ｐゴシック" charset="0"/>
-              </a:rPr>
-              <a:t>owl:equivalentClass</a:t>
-            </a:r>
-            <a:endParaRPr lang="en-US" sz="2000" dirty="0">
+              <a:rPr lang="en-US" sz="3200" dirty="0">
+                <a:ea typeface="ＭＳ Ｐゴシック" charset="0"/>
+                <a:cs typeface="ＭＳ Ｐゴシック" charset="0"/>
+              </a:rPr>
+              <a:t>How can we define Herbivores?</a:t>
+            </a:r>
+            <a:endParaRPr lang="el-GR" sz="3200" dirty="0">
               <a:ea typeface="ＭＳ Ｐゴシック" charset="0"/>
               <a:cs typeface="ＭＳ Ｐゴシック" charset="0"/>
             </a:endParaRPr>
           </a:p>
-          <a:p>
-            <a:pPr marL="533400" indent="-533400" eaLnBrk="1" hangingPunct="1">
-              <a:buNone/>
-            </a:pPr>
-            <a:r>
-              <a:rPr lang="en-US" sz="2000" dirty="0">
-                <a:ea typeface="ＭＳ Ｐゴシック" charset="0"/>
-                <a:cs typeface="ＭＳ Ｐゴシック" charset="0"/>
-              </a:rPr>
-              <a:t>  [a </a:t>
-            </a:r>
-            <a:r>
-              <a:rPr lang="en-US" sz="2000" dirty="0" err="1">
-                <a:ea typeface="ＭＳ Ｐゴシック" charset="0"/>
-                <a:cs typeface="ＭＳ Ｐゴシック" charset="0"/>
-              </a:rPr>
-              <a:t>owl:Class</a:t>
-            </a:r>
-            <a:r>
-              <a:rPr lang="en-US" sz="2000" dirty="0">
-                <a:ea typeface="ＭＳ Ｐゴシック" charset="0"/>
-                <a:cs typeface="ＭＳ Ｐゴシック" charset="0"/>
-              </a:rPr>
-              <a:t>;</a:t>
-            </a:r>
-          </a:p>
-          <a:p>
-            <a:pPr marL="533400" indent="-533400" eaLnBrk="1" hangingPunct="1">
-              <a:buNone/>
-            </a:pPr>
-            <a:r>
-              <a:rPr lang="en-US" sz="2000" dirty="0">
-                <a:ea typeface="ＭＳ Ｐゴシック" charset="0"/>
-                <a:cs typeface="ＭＳ Ｐゴシック" charset="0"/>
-              </a:rPr>
-              <a:t>   </a:t>
-            </a:r>
-            <a:r>
-              <a:rPr lang="en-US" sz="2000" dirty="0" err="1">
-                <a:ea typeface="ＭＳ Ｐゴシック" charset="0"/>
-                <a:cs typeface="ＭＳ Ｐゴシック" charset="0"/>
-              </a:rPr>
-              <a:t>owl:intersectionOf</a:t>
-            </a:r>
-            <a:r>
-              <a:rPr lang="en-US" sz="2000" dirty="0">
-                <a:ea typeface="ＭＳ Ｐゴシック" charset="0"/>
-                <a:cs typeface="ＭＳ Ｐゴシック" charset="0"/>
-              </a:rPr>
-              <a:t> </a:t>
-            </a:r>
-          </a:p>
-          <a:p>
-            <a:pPr marL="533400" indent="-533400" eaLnBrk="1" hangingPunct="1">
-              <a:buNone/>
-            </a:pPr>
-            <a:r>
-              <a:rPr lang="en-US" sz="2000" dirty="0">
-                <a:ea typeface="ＭＳ Ｐゴシック" charset="0"/>
-                <a:cs typeface="ＭＳ Ｐゴシック" charset="0"/>
-              </a:rPr>
-              <a:t>    (:Animal </a:t>
-            </a:r>
-          </a:p>
-          <a:p>
-            <a:pPr marL="533400" indent="-533400" eaLnBrk="1" hangingPunct="1">
-              <a:buNone/>
-            </a:pPr>
-            <a:r>
-              <a:rPr lang="en-US" sz="2000" dirty="0">
-                <a:ea typeface="ＭＳ Ｐゴシック" charset="0"/>
-                <a:cs typeface="ＭＳ Ｐゴシック" charset="0"/>
-              </a:rPr>
-              <a:t>     [a </a:t>
-            </a:r>
-            <a:r>
-              <a:rPr lang="en-US" sz="2000" dirty="0" err="1">
-                <a:ea typeface="ＭＳ Ｐゴシック" charset="0"/>
-                <a:cs typeface="ＭＳ Ｐゴシック" charset="0"/>
-              </a:rPr>
-              <a:t>owl:Restriction</a:t>
-            </a:r>
-            <a:endParaRPr lang="en-US" sz="2000" dirty="0">
-              <a:ea typeface="ＭＳ Ｐゴシック" charset="0"/>
-              <a:cs typeface="ＭＳ Ｐゴシック" charset="0"/>
-            </a:endParaRPr>
-          </a:p>
-          <a:p>
-            <a:pPr marL="533400" indent="-533400" eaLnBrk="1" hangingPunct="1">
-              <a:buNone/>
-            </a:pPr>
-            <a:r>
-              <a:rPr lang="en-US" sz="2000" dirty="0">
-                <a:ea typeface="ＭＳ Ｐゴシック" charset="0"/>
-                <a:cs typeface="ＭＳ Ｐゴシック" charset="0"/>
-              </a:rPr>
-              <a:t>       </a:t>
-            </a:r>
-            <a:r>
-              <a:rPr lang="en-US" sz="2000" dirty="0" err="1">
-                <a:ea typeface="ＭＳ Ｐゴシック" charset="0"/>
-                <a:cs typeface="ＭＳ Ｐゴシック" charset="0"/>
-              </a:rPr>
-              <a:t>owl:onProperty</a:t>
-            </a:r>
-            <a:r>
-              <a:rPr lang="en-US" sz="2000" dirty="0">
-                <a:ea typeface="ＭＳ Ｐゴシック" charset="0"/>
-                <a:cs typeface="ＭＳ Ｐゴシック" charset="0"/>
-              </a:rPr>
-              <a:t> :eats;</a:t>
-            </a:r>
-          </a:p>
-          <a:p>
-            <a:pPr marL="533400" indent="-533400" eaLnBrk="1" hangingPunct="1">
-              <a:buNone/>
-            </a:pPr>
-            <a:r>
-              <a:rPr lang="en-US" sz="2000" dirty="0">
-                <a:ea typeface="ＭＳ Ｐゴシック" charset="0"/>
-                <a:cs typeface="ＭＳ Ｐゴシック" charset="0"/>
-              </a:rPr>
-              <a:t>       </a:t>
-            </a:r>
-            <a:r>
-              <a:rPr lang="en-US" sz="2000" dirty="0" err="1">
-                <a:ea typeface="ＭＳ Ｐゴシック" charset="0"/>
-                <a:cs typeface="ＭＳ Ｐゴシック" charset="0"/>
-              </a:rPr>
-              <a:t>owl:allValuesFrom</a:t>
-            </a:r>
-            <a:r>
-              <a:rPr lang="en-US" sz="2000" dirty="0">
-                <a:ea typeface="ＭＳ Ｐゴシック" charset="0"/>
-                <a:cs typeface="ＭＳ Ｐゴシック" charset="0"/>
-              </a:rPr>
-              <a:t> </a:t>
-            </a:r>
-          </a:p>
-          <a:p>
-            <a:pPr marL="533400" indent="-533400" eaLnBrk="1" hangingPunct="1">
-              <a:buNone/>
-            </a:pPr>
-            <a:r>
-              <a:rPr lang="en-US" sz="2000" dirty="0">
-                <a:ea typeface="ＭＳ Ｐゴシック" charset="0"/>
-                <a:cs typeface="ＭＳ Ｐゴシック" charset="0"/>
-              </a:rPr>
-              <a:t>         [a </a:t>
-            </a:r>
-            <a:r>
-              <a:rPr lang="en-US" sz="2000" dirty="0" err="1">
-                <a:ea typeface="ＭＳ Ｐゴシック" charset="0"/>
-                <a:cs typeface="ＭＳ Ｐゴシック" charset="0"/>
-              </a:rPr>
-              <a:t>owl:Class</a:t>
-            </a:r>
-            <a:r>
-              <a:rPr lang="en-US" sz="2000" dirty="0">
-                <a:ea typeface="ＭＳ Ｐゴシック" charset="0"/>
-                <a:cs typeface="ＭＳ Ｐゴシック" charset="0"/>
-              </a:rPr>
-              <a:t>;</a:t>
-            </a:r>
-          </a:p>
-          <a:p>
-            <a:pPr marL="533400" indent="-533400" eaLnBrk="1" hangingPunct="1">
-              <a:buNone/>
-            </a:pPr>
-            <a:r>
-              <a:rPr lang="en-US" sz="2000" dirty="0">
-                <a:ea typeface="ＭＳ Ｐゴシック" charset="0"/>
-                <a:cs typeface="ＭＳ Ｐゴシック" charset="0"/>
-              </a:rPr>
-              <a:t>          </a:t>
-            </a:r>
-            <a:r>
-              <a:rPr lang="en-US" sz="2000" dirty="0" err="1">
-                <a:ea typeface="ＭＳ Ｐゴシック" charset="0"/>
-                <a:cs typeface="ＭＳ Ｐゴシック" charset="0"/>
-              </a:rPr>
-              <a:t>owl:equivalentClass</a:t>
-            </a:r>
-            <a:endParaRPr lang="en-US" sz="2000" dirty="0">
-              <a:ea typeface="ＭＳ Ｐゴシック" charset="0"/>
-              <a:cs typeface="ＭＳ Ｐゴシック" charset="0"/>
-            </a:endParaRPr>
-          </a:p>
-          <a:p>
-            <a:pPr marL="533400" indent="-533400" eaLnBrk="1" hangingPunct="1">
-              <a:buNone/>
-            </a:pPr>
-            <a:r>
-              <a:rPr lang="en-US" sz="2000" dirty="0">
-                <a:ea typeface="ＭＳ Ｐゴシック" charset="0"/>
-                <a:cs typeface="ＭＳ Ｐゴシック" charset="0"/>
-              </a:rPr>
-              <a:t>           </a:t>
-            </a:r>
-            <a:r>
-              <a:rPr lang="en-US" sz="2000" dirty="0" err="1">
-                <a:ea typeface="ＭＳ Ｐゴシック" charset="0"/>
-                <a:cs typeface="ＭＳ Ｐゴシック" charset="0"/>
-              </a:rPr>
-              <a:t>owl:unionOf</a:t>
-            </a:r>
-            <a:r>
-              <a:rPr lang="en-US" sz="2000" dirty="0">
-                <a:ea typeface="ＭＳ Ｐゴシック" charset="0"/>
-                <a:cs typeface="ＭＳ Ｐゴシック" charset="0"/>
-              </a:rPr>
-              <a:t> </a:t>
-            </a:r>
-          </a:p>
-          <a:p>
-            <a:pPr marL="533400" indent="-533400" eaLnBrk="1" hangingPunct="1">
-              <a:buNone/>
-            </a:pPr>
-            <a:r>
-              <a:rPr lang="en-US" sz="2000" dirty="0">
-                <a:ea typeface="ＭＳ Ｐゴシック" charset="0"/>
-                <a:cs typeface="ＭＳ Ｐゴシック" charset="0"/>
-              </a:rPr>
-              <a:t>            (:Plant</a:t>
-            </a:r>
-          </a:p>
-          <a:p>
-            <a:pPr marL="533400" indent="-533400" eaLnBrk="1" hangingPunct="1">
-              <a:buNone/>
-            </a:pPr>
-            <a:r>
-              <a:rPr lang="en-US" sz="2000" dirty="0">
-                <a:ea typeface="ＭＳ Ｐゴシック" charset="0"/>
-                <a:cs typeface="ＭＳ Ｐゴシック" charset="0"/>
-              </a:rPr>
-              <a:t>             [a </a:t>
-            </a:r>
-            <a:r>
-              <a:rPr lang="en-US" sz="2000" dirty="0" err="1">
-                <a:ea typeface="ＭＳ Ｐゴシック" charset="0"/>
-                <a:cs typeface="ＭＳ Ｐゴシック" charset="0"/>
-              </a:rPr>
-              <a:t>owl:Restriction</a:t>
-            </a:r>
-            <a:r>
-              <a:rPr lang="en-US" sz="2000" dirty="0">
-                <a:ea typeface="ＭＳ Ｐゴシック" charset="0"/>
-                <a:cs typeface="ＭＳ Ｐゴシック" charset="0"/>
-              </a:rPr>
-              <a:t>;</a:t>
-            </a:r>
-          </a:p>
-          <a:p>
-            <a:pPr marL="533400" indent="-533400" eaLnBrk="1" hangingPunct="1">
-              <a:buNone/>
-            </a:pPr>
-            <a:r>
-              <a:rPr lang="en-US" sz="2000" dirty="0">
-                <a:ea typeface="ＭＳ Ｐゴシック" charset="0"/>
-                <a:cs typeface="ＭＳ Ｐゴシック" charset="0"/>
-              </a:rPr>
-              <a:t>              </a:t>
-            </a:r>
-            <a:r>
-              <a:rPr lang="en-US" sz="2000" dirty="0" err="1">
-                <a:ea typeface="ＭＳ Ｐゴシック" charset="0"/>
-                <a:cs typeface="ＭＳ Ｐゴシック" charset="0"/>
-              </a:rPr>
-              <a:t>owl:onProperty</a:t>
-            </a:r>
-            <a:r>
-              <a:rPr lang="en-US" sz="2000" dirty="0">
-                <a:ea typeface="ＭＳ Ｐゴシック" charset="0"/>
-                <a:cs typeface="ＭＳ Ｐゴシック" charset="0"/>
-              </a:rPr>
-              <a:t> :</a:t>
-            </a:r>
-            <a:r>
-              <a:rPr lang="en-US" sz="2000" dirty="0" err="1">
-                <a:ea typeface="ＭＳ Ｐゴシック" charset="0"/>
-                <a:cs typeface="ＭＳ Ｐゴシック" charset="0"/>
-              </a:rPr>
-              <a:t>isPartOf</a:t>
-            </a:r>
-            <a:r>
-              <a:rPr lang="en-US" sz="2000" dirty="0">
-                <a:ea typeface="ＭＳ Ｐゴシック" charset="0"/>
-                <a:cs typeface="ＭＳ Ｐゴシック" charset="0"/>
-              </a:rPr>
-              <a:t>;</a:t>
-            </a:r>
-          </a:p>
-          <a:p>
-            <a:pPr marL="533400" indent="-533400" eaLnBrk="1" hangingPunct="1">
-              <a:buNone/>
-            </a:pPr>
-            <a:r>
-              <a:rPr lang="en-US" sz="2000" dirty="0">
-                <a:ea typeface="ＭＳ Ｐゴシック" charset="0"/>
-                <a:cs typeface="ＭＳ Ｐゴシック" charset="0"/>
-              </a:rPr>
-              <a:t>              </a:t>
-            </a:r>
-            <a:r>
-              <a:rPr lang="en-US" sz="2000" dirty="0" err="1">
-                <a:ea typeface="ＭＳ Ｐゴシック" charset="0"/>
-                <a:cs typeface="ＭＳ Ｐゴシック" charset="0"/>
-              </a:rPr>
-              <a:t>owl:allValuesFrom</a:t>
-            </a:r>
-            <a:r>
-              <a:rPr lang="en-US" sz="2000" dirty="0">
-                <a:ea typeface="ＭＳ Ｐゴシック" charset="0"/>
-                <a:cs typeface="ＭＳ Ｐゴシック" charset="0"/>
-              </a:rPr>
-              <a:t> :Plant])]])]</a:t>
-            </a:r>
-          </a:p>
-          <a:p>
-            <a:pPr marL="533400" indent="-533400" eaLnBrk="1" hangingPunct="1">
-              <a:buNone/>
-            </a:pPr>
-            <a:endParaRPr lang="en-US" sz="2000" dirty="0">
-              <a:ea typeface="ＭＳ Ｐゴシック" charset="0"/>
-              <a:cs typeface="ＭＳ Ｐゴシック" charset="0"/>
-            </a:endParaRPr>
-          </a:p>
-          <a:p>
-            <a:pPr marL="533400" indent="-533400" eaLnBrk="1" hangingPunct="1">
-              <a:buNone/>
-            </a:pPr>
-            <a:endParaRPr lang="el-GR" sz="2000" dirty="0">
-              <a:ea typeface="ＭＳ Ｐゴシック" charset="0"/>
-              <a:cs typeface="ＭＳ Ｐゴシック" charset="0"/>
-            </a:endParaRPr>
-          </a:p>
-        </p:txBody>
-      </p:sp>
-      <p:sp>
-        <p:nvSpPr>
-          <p:cNvPr id="2" name="TextBox 1">
-            <a:extLst>
-              <a:ext uri="{FF2B5EF4-FFF2-40B4-BE49-F238E27FC236}">
-                <a16:creationId xmlns:a16="http://schemas.microsoft.com/office/drawing/2014/main" id="{029AFFF5-AF58-4F4A-B1F9-8E58ADF0C322}"/>
-              </a:ext>
-            </a:extLst>
-          </p:cNvPr>
-          <p:cNvSpPr txBox="1"/>
-          <p:nvPr/>
-        </p:nvSpPr>
-        <p:spPr>
-          <a:xfrm>
-            <a:off x="4571999" y="2420888"/>
-            <a:ext cx="3955257" cy="646331"/>
-          </a:xfrm>
-          <a:prstGeom prst="rect">
-            <a:avLst/>
-          </a:prstGeom>
-          <a:noFill/>
-        </p:spPr>
-        <p:txBody>
-          <a:bodyPr wrap="square" rtlCol="0">
-            <a:spAutoFit/>
-          </a:bodyPr>
-          <a:lstStyle/>
-          <a:p>
-            <a:r>
-              <a:rPr lang="en-US" dirty="0"/>
-              <a:t>Herbivores are  animals that eat only plants or parts of plants” .</a:t>
-            </a:r>
-          </a:p>
         </p:txBody>
       </p:sp>
     </p:spTree>
     <p:extLst>
       <p:ext uri="{BB962C8B-B14F-4D97-AF65-F5344CB8AC3E}">
-        <p14:creationId xmlns:p14="http://schemas.microsoft.com/office/powerpoint/2010/main" val="2236927828"/>
+        <p14:creationId xmlns:p14="http://schemas.microsoft.com/office/powerpoint/2010/main" val="136803563"/>
       </p:ext>
     </p:extLst>
   </p:cSld>
@@ -47011,7 +46685,7 @@
       </p:grpSpPr>
       <p:sp>
         <p:nvSpPr>
-          <p:cNvPr id="163841" name="AutoShape 2"/>
+          <p:cNvPr id="159745" name="AutoShape 2"/>
           <p:cNvSpPr>
             <a:spLocks noGrp="1" noChangeArrowheads="1"/>
           </p:cNvSpPr>
@@ -47026,13 +46700,13 @@
           <a:p>
             <a:pPr eaLnBrk="1" hangingPunct="1"/>
             <a:r>
-              <a:rPr lang="en-US" dirty="0">
-                <a:ea typeface="ＭＳ Ｐゴシック" charset="0"/>
-                <a:cs typeface="ＭＳ Ｐゴシック" charset="0"/>
-              </a:rPr>
-              <a:t>African Wildlife: Giraffes</a:t>
-            </a:r>
-            <a:endParaRPr lang="el-GR" dirty="0">
+              <a:rPr lang="en-US" sz="3200" dirty="0">
+                <a:ea typeface="ＭＳ Ｐゴシック" charset="0"/>
+                <a:cs typeface="ＭＳ Ｐゴシック" charset="0"/>
+              </a:rPr>
+              <a:t>African Wildlife: Herbivores</a:t>
+            </a:r>
+            <a:endParaRPr lang="el-GR" sz="3200" dirty="0">
               <a:ea typeface="ＭＳ Ｐゴシック" charset="0"/>
               <a:cs typeface="ＭＳ Ｐゴシック" charset="0"/>
             </a:endParaRPr>
@@ -47041,7 +46715,7 @@
       </p:sp>
       <p:sp>
         <p:nvSpPr>
-          <p:cNvPr id="163842" name="Rectangle 3"/>
+          <p:cNvPr id="159746" name="Rectangle 3"/>
           <p:cNvSpPr>
             <a:spLocks noGrp="1" noChangeArrowheads="1"/>
           </p:cNvSpPr>
@@ -47051,96 +46725,31 @@
         </p:nvSpPr>
         <p:spPr>
           <a:xfrm>
-            <a:off x="838200" y="1412875"/>
-            <a:ext cx="7910513" cy="5040313"/>
+            <a:off x="615950" y="1412875"/>
+            <a:ext cx="7910513" cy="5111750"/>
           </a:xfrm>
         </p:spPr>
         <p:txBody>
           <a:bodyPr/>
           <a:lstStyle/>
           <a:p>
+            <a:pPr marL="533400" indent="-533400" algn="ctr" eaLnBrk="1" hangingPunct="1">
+              <a:buFont typeface="Wingdings" charset="0"/>
+              <a:buNone/>
+            </a:pPr>
+            <a:r>
+              <a:rPr lang="en-US" sz="3200" i="1" dirty="0">
+                <a:ea typeface="ＭＳ Ｐゴシック" charset="0"/>
+                <a:cs typeface="ＭＳ Ｐゴシック" charset="0"/>
+              </a:rPr>
+              <a:t>Here is a start</a:t>
+            </a:r>
+          </a:p>
+          <a:p>
             <a:pPr marL="533400" indent="-533400" eaLnBrk="1" hangingPunct="1">
               <a:buFont typeface="Wingdings" charset="0"/>
               <a:buNone/>
             </a:pPr>
-            <a:r>
-              <a:rPr lang="en-US" sz="3200" dirty="0">
-                <a:ea typeface="ＭＳ Ｐゴシック" charset="0"/>
-                <a:cs typeface="ＭＳ Ｐゴシック" charset="0"/>
-              </a:rPr>
-              <a:t>#Giraffes are herbivores, and eat only leaves</a:t>
-            </a:r>
-          </a:p>
-          <a:p>
-            <a:pPr marL="533400" indent="-533400" eaLnBrk="1" hangingPunct="1">
-              <a:buNone/>
-            </a:pPr>
-            <a:r>
-              <a:rPr lang="en-US" sz="3200" dirty="0">
-                <a:ea typeface="ＭＳ Ｐゴシック" charset="0"/>
-                <a:cs typeface="ＭＳ Ｐゴシック" charset="0"/>
-              </a:rPr>
-              <a:t>Giraffe </a:t>
-            </a:r>
-            <a:r>
-              <a:rPr lang="en-US" sz="3200" dirty="0" err="1">
-                <a:ea typeface="ＭＳ Ｐゴシック" charset="0"/>
-                <a:cs typeface="ＭＳ Ｐゴシック" charset="0"/>
-              </a:rPr>
-              <a:t>rdfs:subClassOf</a:t>
-            </a:r>
-            <a:r>
-              <a:rPr lang="en-US" sz="3200" dirty="0">
-                <a:ea typeface="ＭＳ Ｐゴシック" charset="0"/>
-                <a:cs typeface="ＭＳ Ｐゴシック" charset="0"/>
-              </a:rPr>
-              <a:t> </a:t>
-            </a:r>
-          </a:p>
-          <a:p>
-            <a:pPr marL="533400" indent="-533400" eaLnBrk="1" hangingPunct="1">
-              <a:buNone/>
-            </a:pPr>
-            <a:r>
-              <a:rPr lang="en-US" sz="3200" dirty="0">
-                <a:ea typeface="ＭＳ Ｐゴシック" charset="0"/>
-                <a:cs typeface="ＭＳ Ｐゴシック" charset="0"/>
-              </a:rPr>
-              <a:t>    :</a:t>
-            </a:r>
-            <a:r>
-              <a:rPr lang="en-US" sz="3200" dirty="0" err="1">
-                <a:ea typeface="ＭＳ Ｐゴシック" charset="0"/>
-                <a:cs typeface="ＭＳ Ｐゴシック" charset="0"/>
-              </a:rPr>
-              <a:t>Herbavore</a:t>
-            </a:r>
-            <a:r>
-              <a:rPr lang="en-US" sz="3200" dirty="0">
-                <a:ea typeface="ＭＳ Ｐゴシック" charset="0"/>
-                <a:cs typeface="ＭＳ Ｐゴシック" charset="0"/>
-              </a:rPr>
-              <a:t>,</a:t>
-            </a:r>
-          </a:p>
-          <a:p>
-            <a:pPr marL="533400" indent="-533400" eaLnBrk="1" hangingPunct="1">
-              <a:buNone/>
-            </a:pPr>
-            <a:r>
-              <a:rPr lang="en-US" sz="3200" dirty="0">
-                <a:ea typeface="ＭＳ Ｐゴシック" charset="0"/>
-                <a:cs typeface="ＭＳ Ｐゴシック" charset="0"/>
-              </a:rPr>
-              <a:t>    [</a:t>
-            </a:r>
-            <a:r>
-              <a:rPr lang="en-US" sz="3200" dirty="0" err="1">
-                <a:ea typeface="ＭＳ Ｐゴシック" charset="0"/>
-                <a:cs typeface="ＭＳ Ｐゴシック" charset="0"/>
-              </a:rPr>
-              <a:t>owl:Restriction</a:t>
-            </a:r>
             <a:endParaRPr lang="en-US" sz="3200" dirty="0">
               <a:ea typeface="ＭＳ Ｐゴシック" charset="0"/>
               <a:cs typeface="ＭＳ Ｐゴシック" charset="0"/>
@@ -47155,21 +46764,21 @@
                 <a:ea typeface="ＭＳ Ｐゴシック" charset="0"/>
                 <a:cs typeface="ＭＳ Ｐゴシック" charset="0"/>
               </a:rPr>
-              <a:t>        </a:t>
+              <a:t>:herbivore a </a:t>
             </a:r>
             <a:r>
               <a:rPr lang="en-US" sz="3200" dirty="0" err="1">
                 <a:ea typeface="ＭＳ Ｐゴシック" charset="0"/>
                 <a:cs typeface="ＭＳ Ｐゴシック" charset="0"/>
               </a:rPr>
-              <a:t>owl:onProperty</a:t>
+              <a:t>owl:Class</a:t>
             </a:r>
             <a:r>
               <a:rPr lang="en-US" sz="3200" dirty="0">
                 <a:ea typeface="ＭＳ Ｐゴシック" charset="0"/>
                 <a:cs typeface="ＭＳ Ｐゴシック" charset="0"/>
               </a:rPr>
-              <a:t> :eats;</a:t>
+              <a:t>;</a:t>
             </a:r>
           </a:p>
           <a:p>
@@ -47181,21 +46790,21 @@
                 <a:ea typeface="ＭＳ Ｐゴシック" charset="0"/>
                 <a:cs typeface="ＭＳ Ｐゴシック" charset="0"/>
               </a:rPr>
-              <a:t>        </a:t>
+              <a:t>  </a:t>
             </a:r>
             <a:r>
               <a:rPr lang="en-US" sz="3200" dirty="0" err="1">
                 <a:ea typeface="ＭＳ Ｐゴシック" charset="0"/>
                 <a:cs typeface="ＭＳ Ｐゴシック" charset="0"/>
               </a:rPr>
-              <a:t>owl:allValues:From</a:t>
+              <a:t>rdfs:comment</a:t>
             </a:r>
             <a:r>
               <a:rPr lang="en-US" sz="3200" dirty="0">
                 <a:ea typeface="ＭＳ Ｐゴシック" charset="0"/>
                 <a:cs typeface="ＭＳ Ｐゴシック" charset="0"/>
               </a:rPr>
-              <a:t> :Leaf] .</a:t>
+              <a:t> "Herbivores are exactly those animals that eat only plants or parts of plants” .</a:t>
             </a:r>
             <a:endParaRPr lang="el-GR" sz="3200" dirty="0">
               <a:ea typeface="ＭＳ Ｐゴシック" charset="0"/>
@@ -47205,6 +46814,11 @@
         </p:txBody>
       </p:sp>
     </p:spTree>
+    <p:extLst>
+      <p:ext uri="{BB962C8B-B14F-4D97-AF65-F5344CB8AC3E}">
+        <p14:creationId xmlns:p14="http://schemas.microsoft.com/office/powerpoint/2010/main" val="3731376196"/>
+      </p:ext>
+    </p:extLst>
   </p:cSld>
   <p:clrMapOvr>
     <a:masterClrMapping/>
@@ -47231,7 +46845,7 @@
       </p:grpSpPr>
       <p:sp>
         <p:nvSpPr>
-          <p:cNvPr id="165889" name="AutoShape 2"/>
+          <p:cNvPr id="159745" name="AutoShape 2"/>
           <p:cNvSpPr>
             <a:spLocks noGrp="1" noChangeArrowheads="1"/>
           </p:cNvSpPr>
@@ -47246,13 +46860,13 @@
           <a:p>
             <a:pPr eaLnBrk="1" hangingPunct="1"/>
             <a:r>
-              <a:rPr lang="en-US" dirty="0">
-                <a:ea typeface="ＭＳ Ｐゴシック" charset="0"/>
-                <a:cs typeface="ＭＳ Ｐゴシック" charset="0"/>
-              </a:rPr>
-              <a:t>African Wildlife: Lions</a:t>
-            </a:r>
-            <a:endParaRPr lang="el-GR" dirty="0">
+              <a:rPr lang="en-US" sz="3200" dirty="0">
+                <a:ea typeface="ＭＳ Ｐゴシック" charset="0"/>
+                <a:cs typeface="ＭＳ Ｐゴシック" charset="0"/>
+              </a:rPr>
+              <a:t>African Wildlife: Herbivores</a:t>
+            </a:r>
+            <a:endParaRPr lang="el-GR" sz="3200" dirty="0">
               <a:ea typeface="ＭＳ Ｐゴシック" charset="0"/>
               <a:cs typeface="ＭＳ Ｐゴシック" charset="0"/>
             </a:endParaRPr>
@@ -47261,7 +46875,7 @@
       </p:sp>
       <p:sp>
         <p:nvSpPr>
-          <p:cNvPr id="165890" name="Rectangle 3"/>
+          <p:cNvPr id="159746" name="Rectangle 3"/>
           <p:cNvSpPr>
             <a:spLocks noGrp="1" noChangeArrowheads="1"/>
           </p:cNvSpPr>
@@ -47271,159 +46885,380 @@
         </p:nvSpPr>
         <p:spPr>
           <a:xfrm>
-            <a:off x="323850" y="1196752"/>
-            <a:ext cx="8686800" cy="5544616"/>
+            <a:off x="616743" y="1268760"/>
+            <a:ext cx="7910513" cy="5111750"/>
           </a:xfrm>
         </p:spPr>
         <p:txBody>
           <a:bodyPr/>
           <a:lstStyle/>
           <a:p>
-            <a:pPr marL="342900" indent="-342900" defTabSz="698500" eaLnBrk="1" hangingPunct="1">
-              <a:buFont typeface="Wingdings" charset="0"/>
+            <a:pPr marL="533400" indent="-533400" eaLnBrk="1" hangingPunct="1">
               <a:buNone/>
             </a:pPr>
             <a:r>
-              <a:rPr lang="en-US" sz="3200" dirty="0">
-                <a:ea typeface="ＭＳ Ｐゴシック" charset="0"/>
-                <a:cs typeface="ＭＳ Ｐゴシック" charset="0"/>
-              </a:rPr>
-              <a:t># Lions are animals that eat only herbivores.</a:t>
-            </a:r>
-          </a:p>
-          <a:p>
-            <a:pPr marL="342900" indent="-342900" defTabSz="698500" eaLnBrk="1" hangingPunct="1">
-              <a:buFont typeface="Wingdings" charset="0"/>
-              <a:buNone/>
-            </a:pPr>
-            <a:endParaRPr lang="en-US" sz="3200" dirty="0">
+              <a:rPr lang="en-US" sz="2000" dirty="0">
+                <a:ea typeface="ＭＳ Ｐゴシック" charset="0"/>
+                <a:cs typeface="ＭＳ Ｐゴシック" charset="0"/>
+              </a:rPr>
+              <a:t>:Herbivore </a:t>
+            </a:r>
+            <a:r>
+              <a:rPr lang="en-US" sz="2000" dirty="0" err="1">
+                <a:ea typeface="ＭＳ Ｐゴシック" charset="0"/>
+                <a:cs typeface="ＭＳ Ｐゴシック" charset="0"/>
+              </a:rPr>
+              <a:t>owl:equivalentClass</a:t>
+            </a:r>
+            <a:endParaRPr lang="en-US" sz="2000" dirty="0">
               <a:ea typeface="ＭＳ Ｐゴシック" charset="0"/>
               <a:cs typeface="ＭＳ Ｐゴシック" charset="0"/>
             </a:endParaRPr>
           </a:p>
           <a:p>
-            <a:pPr marL="342900" indent="-342900" defTabSz="698500" eaLnBrk="1" hangingPunct="1">
+            <a:pPr marL="533400" indent="-533400" eaLnBrk="1" hangingPunct="1">
               <a:buNone/>
             </a:pPr>
             <a:r>
-              <a:rPr lang="en-US" sz="3200" dirty="0">
-                <a:ea typeface="ＭＳ Ｐゴシック" charset="0"/>
-                <a:cs typeface="ＭＳ Ｐゴシック" charset="0"/>
-              </a:rPr>
-              <a:t>:lion </a:t>
-            </a:r>
-            <a:r>
-              <a:rPr lang="en-US" sz="3200" dirty="0" err="1">
-                <a:ea typeface="ＭＳ Ｐゴシック" charset="0"/>
-                <a:cs typeface="ＭＳ Ｐゴシック" charset="0"/>
-              </a:rPr>
-              <a:t>rdfs:subClassOf</a:t>
-            </a:r>
-            <a:r>
-              <a:rPr lang="en-US" sz="3200" dirty="0">
-                <a:ea typeface="ＭＳ Ｐゴシック" charset="0"/>
-                <a:cs typeface="ＭＳ Ｐゴシック" charset="0"/>
-              </a:rPr>
-              <a:t> </a:t>
-            </a:r>
-          </a:p>
-          <a:p>
-            <a:pPr marL="342900" indent="-342900" defTabSz="698500" eaLnBrk="1" hangingPunct="1">
+              <a:rPr lang="en-US" sz="2000" dirty="0">
+                <a:ea typeface="ＭＳ Ｐゴシック" charset="0"/>
+                <a:cs typeface="ＭＳ Ｐゴシック" charset="0"/>
+              </a:rPr>
+              <a:t>  [a </a:t>
+            </a:r>
+            <a:r>
+              <a:rPr lang="en-US" sz="2000" dirty="0" err="1">
+                <a:ea typeface="ＭＳ Ｐゴシック" charset="0"/>
+                <a:cs typeface="ＭＳ Ｐゴシック" charset="0"/>
+              </a:rPr>
+              <a:t>owl:Class</a:t>
+            </a:r>
+            <a:r>
+              <a:rPr lang="en-US" sz="2000" dirty="0">
+                <a:ea typeface="ＭＳ Ｐゴシック" charset="0"/>
+                <a:cs typeface="ＭＳ Ｐゴシック" charset="0"/>
+              </a:rPr>
+              <a:t>;</a:t>
+            </a:r>
+          </a:p>
+          <a:p>
+            <a:pPr marL="533400" indent="-533400" eaLnBrk="1" hangingPunct="1">
               <a:buNone/>
             </a:pPr>
             <a:r>
-              <a:rPr lang="en-US" sz="3200" dirty="0">
-                <a:ea typeface="ＭＳ Ｐゴシック" charset="0"/>
-                <a:cs typeface="ＭＳ Ｐゴシック" charset="0"/>
-              </a:rPr>
-              <a:t>    :Carnivore,</a:t>
-            </a:r>
-          </a:p>
-          <a:p>
-            <a:pPr marL="342900" indent="-342900" defTabSz="698500" eaLnBrk="1" hangingPunct="1">
+              <a:rPr lang="en-US" sz="2000" dirty="0">
+                <a:ea typeface="ＭＳ Ｐゴシック" charset="0"/>
+                <a:cs typeface="ＭＳ Ｐゴシック" charset="0"/>
+              </a:rPr>
+              <a:t>   </a:t>
+            </a:r>
+            <a:r>
+              <a:rPr lang="en-US" sz="2000" dirty="0" err="1">
+                <a:ea typeface="ＭＳ Ｐゴシック" charset="0"/>
+                <a:cs typeface="ＭＳ Ｐゴシック" charset="0"/>
+              </a:rPr>
+              <a:t>owl:intersectionOf</a:t>
+            </a:r>
+            <a:r>
+              <a:rPr lang="en-US" sz="2000" dirty="0">
+                <a:ea typeface="ＭＳ Ｐゴシック" charset="0"/>
+                <a:cs typeface="ＭＳ Ｐゴシック" charset="0"/>
+              </a:rPr>
+              <a:t> </a:t>
+            </a:r>
+          </a:p>
+          <a:p>
+            <a:pPr marL="533400" indent="-533400" eaLnBrk="1" hangingPunct="1">
               <a:buNone/>
             </a:pPr>
             <a:r>
-              <a:rPr lang="en-US" sz="3200" dirty="0">
-                <a:ea typeface="ＭＳ Ｐゴシック" charset="0"/>
-                <a:cs typeface="ＭＳ Ｐゴシック" charset="0"/>
-              </a:rPr>
-              <a:t>    [a Restriction</a:t>
-            </a:r>
-          </a:p>
-          <a:p>
-            <a:pPr marL="342900" indent="-342900" defTabSz="698500" eaLnBrk="1" hangingPunct="1">
+              <a:rPr lang="en-US" sz="2000" dirty="0">
+                <a:ea typeface="ＭＳ Ｐゴシック" charset="0"/>
+                <a:cs typeface="ＭＳ Ｐゴシック" charset="0"/>
+              </a:rPr>
+              <a:t>    (:Animal </a:t>
+            </a:r>
+          </a:p>
+          <a:p>
+            <a:pPr marL="533400" indent="-533400" eaLnBrk="1" hangingPunct="1">
               <a:buNone/>
             </a:pPr>
             <a:r>
-              <a:rPr lang="en-US" sz="3200" dirty="0">
-                <a:ea typeface="ＭＳ Ｐゴシック" charset="0"/>
-                <a:cs typeface="ＭＳ Ｐゴシック" charset="0"/>
-              </a:rPr>
-              <a:t>       </a:t>
-            </a:r>
-            <a:r>
-              <a:rPr lang="en-US" sz="3200" dirty="0" err="1">
-                <a:ea typeface="ＭＳ Ｐゴシック" charset="0"/>
-                <a:cs typeface="ＭＳ Ｐゴシック" charset="0"/>
-              </a:rPr>
-              <a:t>owl:onProperty</a:t>
-            </a:r>
-            <a:r>
-              <a:rPr lang="en-US" sz="3200" dirty="0">
-                <a:ea typeface="ＭＳ Ｐゴシック" charset="0"/>
-                <a:cs typeface="ＭＳ Ｐゴシック" charset="0"/>
-              </a:rPr>
-              <a:t> :eats;</a:t>
-            </a:r>
-          </a:p>
-          <a:p>
-            <a:pPr marL="342900" indent="-342900" defTabSz="698500" eaLnBrk="1" hangingPunct="1">
-              <a:buNone/>
-            </a:pPr>
-            <a:r>
-              <a:rPr lang="en-US" sz="3200" dirty="0">
-                <a:ea typeface="ＭＳ Ｐゴシック" charset="0"/>
-                <a:cs typeface="ＭＳ Ｐゴシック" charset="0"/>
-              </a:rPr>
-              <a:t>       </a:t>
-            </a:r>
-            <a:r>
-              <a:rPr lang="en-US" sz="3200" dirty="0" err="1">
-                <a:ea typeface="ＭＳ Ｐゴシック" charset="0"/>
-                <a:cs typeface="ＭＳ Ｐゴシック" charset="0"/>
-              </a:rPr>
-              <a:t>owl:allValuesFrom</a:t>
-            </a:r>
-            <a:r>
-              <a:rPr lang="en-US" sz="3200" dirty="0">
-                <a:ea typeface="ＭＳ Ｐゴシック" charset="0"/>
-                <a:cs typeface="ＭＳ Ｐゴシック" charset="0"/>
-              </a:rPr>
-              <a:t> :</a:t>
-            </a:r>
-            <a:r>
-              <a:rPr lang="en-US" sz="3200" dirty="0" err="1">
-                <a:ea typeface="ＭＳ Ｐゴシック" charset="0"/>
-                <a:cs typeface="ＭＳ Ｐゴシック" charset="0"/>
-              </a:rPr>
-              <a:t>Herbavore</a:t>
-            </a:r>
-            <a:r>
-              <a:rPr lang="en-US" sz="3200" dirty="0">
-                <a:ea typeface="ＭＳ Ｐゴシック" charset="0"/>
-                <a:cs typeface="ＭＳ Ｐゴシック" charset="0"/>
-              </a:rPr>
-              <a:t>] . 	</a:t>
-            </a:r>
-            <a:endParaRPr lang="el-GR" sz="3200" dirty="0">
+              <a:rPr lang="en-US" sz="2000" dirty="0">
+                <a:ea typeface="ＭＳ Ｐゴシック" charset="0"/>
+                <a:cs typeface="ＭＳ Ｐゴシック" charset="0"/>
+              </a:rPr>
+              <a:t>     [a </a:t>
+            </a:r>
+            <a:r>
+              <a:rPr lang="en-US" sz="2000" dirty="0" err="1">
+                <a:ea typeface="ＭＳ Ｐゴシック" charset="0"/>
+                <a:cs typeface="ＭＳ Ｐゴシック" charset="0"/>
+              </a:rPr>
+              <a:t>owl:Restriction</a:t>
+            </a:r>
+            <a:endParaRPr lang="en-US" sz="2000" dirty="0">
               <a:ea typeface="ＭＳ Ｐゴシック" charset="0"/>
               <a:cs typeface="ＭＳ Ｐゴシック" charset="0"/>
             </a:endParaRPr>
           </a:p>
+          <a:p>
+            <a:pPr marL="533400" indent="-533400" eaLnBrk="1" hangingPunct="1">
+              <a:buNone/>
+            </a:pPr>
+            <a:r>
+              <a:rPr lang="en-US" sz="2000" dirty="0">
+                <a:ea typeface="ＭＳ Ｐゴシック" charset="0"/>
+                <a:cs typeface="ＭＳ Ｐゴシック" charset="0"/>
+              </a:rPr>
+              <a:t>       </a:t>
+            </a:r>
+            <a:r>
+              <a:rPr lang="en-US" sz="2000" dirty="0" err="1">
+                <a:ea typeface="ＭＳ Ｐゴシック" charset="0"/>
+                <a:cs typeface="ＭＳ Ｐゴシック" charset="0"/>
+              </a:rPr>
+              <a:t>owl:onProperty</a:t>
+            </a:r>
+            <a:r>
+              <a:rPr lang="en-US" sz="2000" dirty="0">
+                <a:ea typeface="ＭＳ Ｐゴシック" charset="0"/>
+                <a:cs typeface="ＭＳ Ｐゴシック" charset="0"/>
+              </a:rPr>
+              <a:t> :eats;</a:t>
+            </a:r>
+          </a:p>
+          <a:p>
+            <a:pPr marL="533400" indent="-533400" eaLnBrk="1" hangingPunct="1">
+              <a:buNone/>
+            </a:pPr>
+            <a:r>
+              <a:rPr lang="en-US" sz="2000" dirty="0">
+                <a:ea typeface="ＭＳ Ｐゴシック" charset="0"/>
+                <a:cs typeface="ＭＳ Ｐゴシック" charset="0"/>
+              </a:rPr>
+              <a:t>       </a:t>
+            </a:r>
+            <a:r>
+              <a:rPr lang="en-US" sz="2000" dirty="0" err="1">
+                <a:ea typeface="ＭＳ Ｐゴシック" charset="0"/>
+                <a:cs typeface="ＭＳ Ｐゴシック" charset="0"/>
+              </a:rPr>
+              <a:t>owl:allValuesFrom</a:t>
+            </a:r>
+            <a:r>
+              <a:rPr lang="en-US" sz="2000" dirty="0">
+                <a:ea typeface="ＭＳ Ｐゴシック" charset="0"/>
+                <a:cs typeface="ＭＳ Ｐゴシック" charset="0"/>
+              </a:rPr>
+              <a:t> </a:t>
+            </a:r>
+          </a:p>
+          <a:p>
+            <a:pPr marL="533400" indent="-533400" eaLnBrk="1" hangingPunct="1">
+              <a:buNone/>
+            </a:pPr>
+            <a:r>
+              <a:rPr lang="en-US" sz="2000" dirty="0">
+                <a:ea typeface="ＭＳ Ｐゴシック" charset="0"/>
+                <a:cs typeface="ＭＳ Ｐゴシック" charset="0"/>
+              </a:rPr>
+              <a:t>         [a </a:t>
+            </a:r>
+            <a:r>
+              <a:rPr lang="en-US" sz="2000" dirty="0" err="1">
+                <a:ea typeface="ＭＳ Ｐゴシック" charset="0"/>
+                <a:cs typeface="ＭＳ Ｐゴシック" charset="0"/>
+              </a:rPr>
+              <a:t>owl:Class</a:t>
+            </a:r>
+            <a:r>
+              <a:rPr lang="en-US" sz="2000" dirty="0">
+                <a:ea typeface="ＭＳ Ｐゴシック" charset="0"/>
+                <a:cs typeface="ＭＳ Ｐゴシック" charset="0"/>
+              </a:rPr>
+              <a:t>;</a:t>
+            </a:r>
+          </a:p>
+          <a:p>
+            <a:pPr marL="533400" indent="-533400" eaLnBrk="1" hangingPunct="1">
+              <a:buNone/>
+            </a:pPr>
+            <a:r>
+              <a:rPr lang="en-US" sz="2000" dirty="0">
+                <a:ea typeface="ＭＳ Ｐゴシック" charset="0"/>
+                <a:cs typeface="ＭＳ Ｐゴシック" charset="0"/>
+              </a:rPr>
+              <a:t>          </a:t>
+            </a:r>
+            <a:r>
+              <a:rPr lang="en-US" sz="2000" dirty="0" err="1">
+                <a:ea typeface="ＭＳ Ｐゴシック" charset="0"/>
+                <a:cs typeface="ＭＳ Ｐゴシック" charset="0"/>
+              </a:rPr>
+              <a:t>owl:equivalentClass</a:t>
+            </a:r>
+            <a:endParaRPr lang="en-US" sz="2000" dirty="0">
+              <a:ea typeface="ＭＳ Ｐゴシック" charset="0"/>
+              <a:cs typeface="ＭＳ Ｐゴシック" charset="0"/>
+            </a:endParaRPr>
+          </a:p>
+          <a:p>
+            <a:pPr marL="533400" indent="-533400" eaLnBrk="1" hangingPunct="1">
+              <a:buNone/>
+            </a:pPr>
+            <a:r>
+              <a:rPr lang="en-US" sz="2000" dirty="0">
+                <a:ea typeface="ＭＳ Ｐゴシック" charset="0"/>
+                <a:cs typeface="ＭＳ Ｐゴシック" charset="0"/>
+              </a:rPr>
+              <a:t>           </a:t>
+            </a:r>
+            <a:r>
+              <a:rPr lang="en-US" sz="2000" dirty="0" err="1">
+                <a:ea typeface="ＭＳ Ｐゴシック" charset="0"/>
+                <a:cs typeface="ＭＳ Ｐゴシック" charset="0"/>
+              </a:rPr>
+              <a:t>owl:unionOf</a:t>
+            </a:r>
+            <a:r>
+              <a:rPr lang="en-US" sz="2000" dirty="0">
+                <a:ea typeface="ＭＳ Ｐゴシック" charset="0"/>
+                <a:cs typeface="ＭＳ Ｐゴシック" charset="0"/>
+              </a:rPr>
+              <a:t> </a:t>
+            </a:r>
+          </a:p>
+          <a:p>
+            <a:pPr marL="533400" indent="-533400" eaLnBrk="1" hangingPunct="1">
+              <a:buNone/>
+            </a:pPr>
+            <a:r>
+              <a:rPr lang="en-US" sz="2000" dirty="0">
+                <a:ea typeface="ＭＳ Ｐゴシック" charset="0"/>
+                <a:cs typeface="ＭＳ Ｐゴシック" charset="0"/>
+              </a:rPr>
+              <a:t>            (:Plant</a:t>
+            </a:r>
+          </a:p>
+          <a:p>
+            <a:pPr marL="533400" indent="-533400" eaLnBrk="1" hangingPunct="1">
+              <a:buNone/>
+            </a:pPr>
+            <a:r>
+              <a:rPr lang="en-US" sz="2000" dirty="0">
+                <a:ea typeface="ＭＳ Ｐゴシック" charset="0"/>
+                <a:cs typeface="ＭＳ Ｐゴシック" charset="0"/>
+              </a:rPr>
+              <a:t>             [a </a:t>
+            </a:r>
+            <a:r>
+              <a:rPr lang="en-US" sz="2000" dirty="0" err="1">
+                <a:ea typeface="ＭＳ Ｐゴシック" charset="0"/>
+                <a:cs typeface="ＭＳ Ｐゴシック" charset="0"/>
+              </a:rPr>
+              <a:t>owl:Restriction</a:t>
+            </a:r>
+            <a:r>
+              <a:rPr lang="en-US" sz="2000" dirty="0">
+                <a:ea typeface="ＭＳ Ｐゴシック" charset="0"/>
+                <a:cs typeface="ＭＳ Ｐゴシック" charset="0"/>
+              </a:rPr>
+              <a:t>;</a:t>
+            </a:r>
+          </a:p>
+          <a:p>
+            <a:pPr marL="533400" indent="-533400" eaLnBrk="1" hangingPunct="1">
+              <a:buNone/>
+            </a:pPr>
+            <a:r>
+              <a:rPr lang="en-US" sz="2000" dirty="0">
+                <a:ea typeface="ＭＳ Ｐゴシック" charset="0"/>
+                <a:cs typeface="ＭＳ Ｐゴシック" charset="0"/>
+              </a:rPr>
+              <a:t>              </a:t>
+            </a:r>
+            <a:r>
+              <a:rPr lang="en-US" sz="2000" dirty="0" err="1">
+                <a:ea typeface="ＭＳ Ｐゴシック" charset="0"/>
+                <a:cs typeface="ＭＳ Ｐゴシック" charset="0"/>
+              </a:rPr>
+              <a:t>owl:onProperty</a:t>
+            </a:r>
+            <a:r>
+              <a:rPr lang="en-US" sz="2000" dirty="0">
+                <a:ea typeface="ＭＳ Ｐゴシック" charset="0"/>
+                <a:cs typeface="ＭＳ Ｐゴシック" charset="0"/>
+              </a:rPr>
+              <a:t> :</a:t>
+            </a:r>
+            <a:r>
+              <a:rPr lang="en-US" sz="2000" dirty="0" err="1">
+                <a:ea typeface="ＭＳ Ｐゴシック" charset="0"/>
+                <a:cs typeface="ＭＳ Ｐゴシック" charset="0"/>
+              </a:rPr>
+              <a:t>isPartOf</a:t>
+            </a:r>
+            <a:r>
+              <a:rPr lang="en-US" sz="2000" dirty="0">
+                <a:ea typeface="ＭＳ Ｐゴシック" charset="0"/>
+                <a:cs typeface="ＭＳ Ｐゴシック" charset="0"/>
+              </a:rPr>
+              <a:t>;</a:t>
+            </a:r>
+          </a:p>
+          <a:p>
+            <a:pPr marL="533400" indent="-533400" eaLnBrk="1" hangingPunct="1">
+              <a:buNone/>
+            </a:pPr>
+            <a:r>
+              <a:rPr lang="en-US" sz="2000" dirty="0">
+                <a:ea typeface="ＭＳ Ｐゴシック" charset="0"/>
+                <a:cs typeface="ＭＳ Ｐゴシック" charset="0"/>
+              </a:rPr>
+              <a:t>              </a:t>
+            </a:r>
+            <a:r>
+              <a:rPr lang="en-US" sz="2000" dirty="0" err="1">
+                <a:ea typeface="ＭＳ Ｐゴシック" charset="0"/>
+                <a:cs typeface="ＭＳ Ｐゴシック" charset="0"/>
+              </a:rPr>
+              <a:t>owl:allValuesFrom</a:t>
+            </a:r>
+            <a:r>
+              <a:rPr lang="en-US" sz="2000" dirty="0">
+                <a:ea typeface="ＭＳ Ｐゴシック" charset="0"/>
+                <a:cs typeface="ＭＳ Ｐゴシック" charset="0"/>
+              </a:rPr>
+              <a:t> :Plant])]])]</a:t>
+            </a:r>
+          </a:p>
+          <a:p>
+            <a:pPr marL="533400" indent="-533400" eaLnBrk="1" hangingPunct="1">
+              <a:buNone/>
+            </a:pPr>
+            <a:endParaRPr lang="en-US" sz="2000" dirty="0">
+              <a:ea typeface="ＭＳ Ｐゴシック" charset="0"/>
+              <a:cs typeface="ＭＳ Ｐゴシック" charset="0"/>
+            </a:endParaRPr>
+          </a:p>
+          <a:p>
+            <a:pPr marL="533400" indent="-533400" eaLnBrk="1" hangingPunct="1">
+              <a:buNone/>
+            </a:pPr>
+            <a:endParaRPr lang="el-GR" sz="2000" dirty="0">
+              <a:ea typeface="ＭＳ Ｐゴシック" charset="0"/>
+              <a:cs typeface="ＭＳ Ｐゴシック" charset="0"/>
+            </a:endParaRPr>
+          </a:p>
         </p:txBody>
       </p:sp>
     </p:spTree>
+    <p:extLst>
+      <p:ext uri="{BB962C8B-B14F-4D97-AF65-F5344CB8AC3E}">
+        <p14:creationId xmlns:p14="http://schemas.microsoft.com/office/powerpoint/2010/main" val="3758055860"/>
+      </p:ext>
+    </p:extLst>
   </p:cSld>
   <p:clrMapOvr>
     <a:masterClrMapping/>
@@ -47450,7 +47285,7 @@
       </p:grpSpPr>
       <p:sp>
         <p:nvSpPr>
-          <p:cNvPr id="167937" name="AutoShape 2"/>
+          <p:cNvPr id="163841" name="AutoShape 2"/>
           <p:cNvSpPr>
             <a:spLocks noGrp="1" noChangeArrowheads="1"/>
           </p:cNvSpPr>
@@ -47469,7 +47304,7 @@
                 <a:ea typeface="ＭＳ Ｐゴシック" charset="0"/>
                 <a:cs typeface="ＭＳ Ｐゴシック" charset="0"/>
               </a:rPr>
-              <a:t>African Wildlife: Tasty Plants</a:t>
+              <a:t>African Wildlife: Giraffes</a:t>
             </a:r>
             <a:endParaRPr lang="el-GR" dirty="0">
               <a:ea typeface="ＭＳ Ｐゴシック" charset="0"/>
@@ -47480,7 +47315,7 @@
       </p:sp>
       <p:sp>
         <p:nvSpPr>
-          <p:cNvPr id="167938" name="Rectangle 3"/>
+          <p:cNvPr id="163842" name="Rectangle 3"/>
           <p:cNvSpPr>
             <a:spLocks noGrp="1" noChangeArrowheads="1"/>
           </p:cNvSpPr>
@@ -47488,27 +47323,30 @@
             <p:ph type="body" idx="1"/>
           </p:nvPr>
         </p:nvSpPr>
-        <p:spPr/>
+        <p:spPr>
+          <a:xfrm>
+            <a:off x="838200" y="1412875"/>
+            <a:ext cx="7910513" cy="5040313"/>
+          </a:xfrm>
+        </p:spPr>
         <p:txBody>
           <a:bodyPr/>
           <a:lstStyle/>
           <a:p>
-            <a:pPr marL="342900" indent="-342900" eaLnBrk="1" hangingPunct="1">
+            <a:pPr marL="533400" indent="-533400" eaLnBrk="1" hangingPunct="1">
               <a:buFont typeface="Wingdings" charset="0"/>
               <a:buNone/>
             </a:pPr>
             <a:r>
-              <a:rPr lang="en-US" dirty="0">
-                <a:ea typeface="ＭＳ Ｐゴシック" charset="0"/>
-                <a:cs typeface="ＭＳ Ｐゴシック" charset="0"/>
-                <a:sym typeface="Symbol" charset="0"/>
-              </a:rPr>
-              <a:t>#tasty plants are eaten both by herbivores &amp; carnivores </a:t>
-            </a:r>
-          </a:p>
-          <a:p>
-            <a:pPr marL="342900" indent="-342900" eaLnBrk="1" hangingPunct="1">
-              <a:buFont typeface="Wingdings" charset="0"/>
+              <a:rPr lang="en-US" sz="3200" i="1" dirty="0">
+                <a:ea typeface="ＭＳ Ｐゴシック" charset="0"/>
+                <a:cs typeface="ＭＳ Ｐゴシック" charset="0"/>
+              </a:rPr>
+              <a:t># giraffes are herbivores, and eat only leaves</a:t>
+            </a:r>
+          </a:p>
+          <a:p>
+            <a:pPr marL="533400" indent="-533400" eaLnBrk="1" hangingPunct="1">
               <a:buNone/>
             </a:pPr>
             <a:r>
@@ -47516,39 +47354,136 @@
                 <a:ea typeface="ＭＳ Ｐゴシック" charset="0"/>
                 <a:cs typeface="ＭＳ Ｐゴシック" charset="0"/>
               </a:rPr>
-              <a:t>		</a:t>
-            </a:r>
-          </a:p>
-          <a:p>
-            <a:pPr marL="342900" indent="-342900" eaLnBrk="1" hangingPunct="1">
-              <a:buFont typeface="Wingdings" charset="0"/>
+              <a:t>Giraffe </a:t>
+            </a:r>
+            <a:r>
+              <a:rPr lang="en-US" sz="3200" dirty="0" err="1">
+                <a:ea typeface="ＭＳ Ｐゴシック" charset="0"/>
+                <a:cs typeface="ＭＳ Ｐゴシック" charset="0"/>
+              </a:rPr>
+              <a:t>rdfs:subClassOf</a:t>
+            </a:r>
+            <a:r>
+              <a:rPr lang="en-US" sz="3200" dirty="0">
+                <a:ea typeface="ＭＳ Ｐゴシック" charset="0"/>
+                <a:cs typeface="ＭＳ Ｐゴシック" charset="0"/>
+              </a:rPr>
+              <a:t> </a:t>
+            </a:r>
+          </a:p>
+          <a:p>
+            <a:pPr marL="533400" indent="-533400" eaLnBrk="1" hangingPunct="1">
               <a:buNone/>
             </a:pPr>
             <a:r>
               <a:rPr lang="en-US" sz="3200" dirty="0">
-                <a:solidFill>
-                  <a:schemeClr val="accent1"/>
-                </a:solidFill>
-                <a:ea typeface="ＭＳ Ｐゴシック" charset="0"/>
-                <a:cs typeface="ＭＳ Ｐゴシック" charset="0"/>
-              </a:rPr>
-              <a:t>???????????????</a:t>
-            </a:r>
-          </a:p>
-          <a:p>
-            <a:pPr marL="342900" indent="-342900" eaLnBrk="1" hangingPunct="1">
-              <a:buFont typeface="Wingdings" charset="0"/>
+                <a:ea typeface="ＭＳ Ｐゴシック" charset="0"/>
+                <a:cs typeface="ＭＳ Ｐゴシック" charset="0"/>
+              </a:rPr>
+              <a:t>    :</a:t>
+            </a:r>
+            <a:r>
+              <a:rPr lang="en-US" sz="3200" dirty="0" err="1">
+                <a:ea typeface="ＭＳ Ｐゴシック" charset="0"/>
+                <a:cs typeface="ＭＳ Ｐゴシック" charset="0"/>
+              </a:rPr>
+              <a:t>Herbavore</a:t>
+            </a:r>
+            <a:r>
+              <a:rPr lang="en-US" sz="3200" dirty="0">
+                <a:ea typeface="ＭＳ Ｐゴシック" charset="0"/>
+                <a:cs typeface="ＭＳ Ｐゴシック" charset="0"/>
+              </a:rPr>
+              <a:t>,</a:t>
+            </a:r>
+          </a:p>
+          <a:p>
+            <a:pPr marL="533400" indent="-533400" eaLnBrk="1" hangingPunct="1">
               <a:buNone/>
             </a:pPr>
-            <a:endParaRPr lang="el-GR" dirty="0">
+            <a:r>
+              <a:rPr lang="en-US" sz="3200" dirty="0">
+                <a:ea typeface="ＭＳ Ｐゴシック" charset="0"/>
+                <a:cs typeface="ＭＳ Ｐゴシック" charset="0"/>
+              </a:rPr>
+              <a:t>    [</a:t>
+            </a:r>
+            <a:r>
+              <a:rPr lang="en-US" sz="3200" dirty="0" err="1">
+                <a:ea typeface="ＭＳ Ｐゴシック" charset="0"/>
+                <a:cs typeface="ＭＳ Ｐゴシック" charset="0"/>
+              </a:rPr>
+              <a:t>owl:Restriction</a:t>
+            </a:r>
+            <a:endParaRPr lang="en-US" sz="3200" dirty="0">
               <a:ea typeface="ＭＳ Ｐゴシック" charset="0"/>
               <a:cs typeface="ＭＳ Ｐゴシック" charset="0"/>
-              <a:sym typeface="Symbol" charset="0"/>
             </a:endParaRPr>
           </a:p>
+          <a:p>
+            <a:pPr marL="533400" indent="-533400" eaLnBrk="1" hangingPunct="1">
+              <a:buNone/>
+            </a:pPr>
+            <a:r>
+              <a:rPr lang="en-US" sz="3200" dirty="0">
+                <a:ea typeface="ＭＳ Ｐゴシック" charset="0"/>
+                <a:cs typeface="ＭＳ Ｐゴシック" charset="0"/>
+              </a:rPr>
+              <a:t>        </a:t>
+            </a:r>
+            <a:r>
+              <a:rPr lang="en-US" sz="3200" dirty="0" err="1">
+                <a:ea typeface="ＭＳ Ｐゴシック" charset="0"/>
+                <a:cs typeface="ＭＳ Ｐゴシック" charset="0"/>
+              </a:rPr>
+              <a:t>owl:onProperty</a:t>
+            </a:r>
+            <a:r>
+              <a:rPr lang="en-US" sz="3200" dirty="0">
+                <a:ea typeface="ＭＳ Ｐゴシック" charset="0"/>
+                <a:cs typeface="ＭＳ Ｐゴシック" charset="0"/>
+              </a:rPr>
+              <a:t> :eats;</a:t>
+            </a:r>
+          </a:p>
+          <a:p>
+            <a:pPr marL="533400" indent="-533400" eaLnBrk="1" hangingPunct="1">
+              <a:buNone/>
+            </a:pPr>
+            <a:r>
+              <a:rPr lang="en-US" sz="3200" dirty="0">
+                <a:ea typeface="ＭＳ Ｐゴシック" charset="0"/>
+                <a:cs typeface="ＭＳ Ｐゴシック" charset="0"/>
+              </a:rPr>
+              <a:t>        </a:t>
+            </a:r>
+            <a:r>
+              <a:rPr lang="en-US" sz="3200" dirty="0" err="1">
+                <a:ea typeface="ＭＳ Ｐゴシック" charset="0"/>
+                <a:cs typeface="ＭＳ Ｐゴシック" charset="0"/>
+              </a:rPr>
+              <a:t>owl:allValues:From</a:t>
+            </a:r>
+            <a:r>
+              <a:rPr lang="en-US" sz="3200" dirty="0">
+                <a:ea typeface="ＭＳ Ｐゴシック" charset="0"/>
+                <a:cs typeface="ＭＳ Ｐゴシック" charset="0"/>
+              </a:rPr>
+              <a:t> :Leaf] .</a:t>
+            </a:r>
+            <a:endParaRPr lang="el-GR" sz="3200" dirty="0">
+              <a:ea typeface="ＭＳ Ｐゴシック" charset="0"/>
+              <a:cs typeface="ＭＳ Ｐゴシック" charset="0"/>
+            </a:endParaRPr>
+          </a:p>
         </p:txBody>
       </p:sp>
     </p:spTree>
+    <p:extLst>
+      <p:ext uri="{BB962C8B-B14F-4D97-AF65-F5344CB8AC3E}">
+        <p14:creationId xmlns:p14="http://schemas.microsoft.com/office/powerpoint/2010/main" val="2172402086"/>
+      </p:ext>
+    </p:extLst>
   </p:cSld>
   <p:clrMapOvr>
     <a:masterClrMapping/>
@@ -47575,7 +47510,7 @@
       </p:grpSpPr>
       <p:sp>
         <p:nvSpPr>
-          <p:cNvPr id="167937" name="AutoShape 2"/>
+          <p:cNvPr id="165889" name="AutoShape 2"/>
           <p:cNvSpPr>
             <a:spLocks noGrp="1" noChangeArrowheads="1"/>
           </p:cNvSpPr>
@@ -47594,7 +47529,7 @@
                 <a:ea typeface="ＭＳ Ｐゴシック" charset="0"/>
                 <a:cs typeface="ＭＳ Ｐゴシック" charset="0"/>
               </a:rPr>
-              <a:t>African Wildlife: Tasty Plants</a:t>
+              <a:t>African Wildlife: Lions</a:t>
             </a:r>
             <a:endParaRPr lang="el-GR" dirty="0">
               <a:ea typeface="ＭＳ Ｐゴシック" charset="0"/>
@@ -47605,7 +47540,7 @@
       </p:sp>
       <p:sp>
         <p:nvSpPr>
-          <p:cNvPr id="167938" name="Rectangle 3"/>
+          <p:cNvPr id="165890" name="Rectangle 3"/>
           <p:cNvSpPr>
             <a:spLocks noGrp="1" noChangeArrowheads="1"/>
           </p:cNvSpPr>
@@ -47613,290 +47548,164 @@
             <p:ph type="body" idx="1"/>
           </p:nvPr>
         </p:nvSpPr>
-        <p:spPr/>
+        <p:spPr>
+          <a:xfrm>
+            <a:off x="323850" y="1196752"/>
+            <a:ext cx="8686800" cy="5544616"/>
+          </a:xfrm>
+        </p:spPr>
         <p:txBody>
           <a:bodyPr/>
           <a:lstStyle/>
           <a:p>
-            <a:pPr marL="342900" indent="-342900" eaLnBrk="1" hangingPunct="1">
+            <a:pPr marL="342900" indent="-342900" defTabSz="698500" eaLnBrk="1" hangingPunct="1">
               <a:buFont typeface="Wingdings" charset="0"/>
               <a:buNone/>
             </a:pPr>
             <a:r>
-              <a:rPr lang="en-US" dirty="0">
-                <a:ea typeface="ＭＳ Ｐゴシック" charset="0"/>
-                <a:cs typeface="ＭＳ Ｐゴシック" charset="0"/>
-                <a:sym typeface="Symbol" charset="0"/>
-              </a:rPr>
-              <a:t>#tasty plants are eaten both by herbivores &amp; carnivores </a:t>
-            </a:r>
-            <a:endParaRPr lang="en-US" sz="3200" dirty="0">
+              <a:rPr lang="en-US" i="1" dirty="0">
+                <a:ea typeface="ＭＳ Ｐゴシック" charset="0"/>
+                <a:cs typeface="ＭＳ Ｐゴシック" charset="0"/>
+              </a:rPr>
+              <a:t># Lions are animals that eat only herbivores</a:t>
+            </a:r>
+          </a:p>
+          <a:p>
+            <a:pPr marL="342900" indent="-342900" defTabSz="698500" eaLnBrk="1" hangingPunct="1">
+              <a:buFont typeface="Wingdings" charset="0"/>
+              <a:buNone/>
+            </a:pPr>
+            <a:endParaRPr lang="en-US" dirty="0">
               <a:ea typeface="ＭＳ Ｐゴシック" charset="0"/>
               <a:cs typeface="ＭＳ Ｐゴシック" charset="0"/>
-              <a:sym typeface="Symbol" charset="0"/>
             </a:endParaRPr>
           </a:p>
           <a:p>
-            <a:pPr marL="342900" indent="-342900" eaLnBrk="1" hangingPunct="1">
+            <a:pPr marL="342900" indent="-342900" defTabSz="698500" eaLnBrk="1" hangingPunct="1">
               <a:buNone/>
             </a:pPr>
             <a:r>
-              <a:rPr lang="en-US" sz="3000" dirty="0">
-                <a:ea typeface="ＭＳ Ｐゴシック" charset="0"/>
-                <a:cs typeface="ＭＳ Ｐゴシック" charset="0"/>
-                <a:sym typeface="Symbol" charset="0"/>
-              </a:rPr>
-              <a:t>:</a:t>
-            </a:r>
-            <a:r>
-              <a:rPr lang="en-US" sz="3000" dirty="0" err="1">
-                <a:ea typeface="ＭＳ Ｐゴシック" charset="0"/>
-                <a:cs typeface="ＭＳ Ｐゴシック" charset="0"/>
-                <a:sym typeface="Symbol" charset="0"/>
-              </a:rPr>
-              <a:t>TastyPlant</a:t>
-            </a:r>
-            <a:endParaRPr lang="en-US" sz="3000" dirty="0">
+              <a:rPr lang="en-US" dirty="0">
+                <a:ea typeface="ＭＳ Ｐゴシック" charset="0"/>
+                <a:cs typeface="ＭＳ Ｐゴシック" charset="0"/>
+              </a:rPr>
+              <a:t>:lion </a:t>
+            </a:r>
+            <a:r>
+              <a:rPr lang="en-US" dirty="0" err="1">
+                <a:ea typeface="ＭＳ Ｐゴシック" charset="0"/>
+                <a:cs typeface="ＭＳ Ｐゴシック" charset="0"/>
+              </a:rPr>
+              <a:t>rdfs:subClassOf</a:t>
+            </a:r>
+            <a:r>
+              <a:rPr lang="en-US" dirty="0">
+                <a:ea typeface="ＭＳ Ｐゴシック" charset="0"/>
+                <a:cs typeface="ＭＳ Ｐゴシック" charset="0"/>
+              </a:rPr>
+              <a:t> </a:t>
+            </a:r>
+          </a:p>
+          <a:p>
+            <a:pPr marL="342900" indent="-342900" defTabSz="698500" eaLnBrk="1" hangingPunct="1">
+              <a:buNone/>
+            </a:pPr>
+            <a:r>
+              <a:rPr lang="en-US" dirty="0">
+                <a:ea typeface="ＭＳ Ｐゴシック" charset="0"/>
+                <a:cs typeface="ＭＳ Ｐゴシック" charset="0"/>
+              </a:rPr>
+              <a:t>    :Carnivore,</a:t>
+            </a:r>
+          </a:p>
+          <a:p>
+            <a:pPr marL="342900" indent="-342900" defTabSz="698500" eaLnBrk="1" hangingPunct="1">
+              <a:buNone/>
+            </a:pPr>
+            <a:r>
+              <a:rPr lang="en-US" dirty="0">
+                <a:ea typeface="ＭＳ Ｐゴシック" charset="0"/>
+                <a:cs typeface="ＭＳ Ｐゴシック" charset="0"/>
+              </a:rPr>
+              <a:t>    [a Restriction</a:t>
+            </a:r>
+          </a:p>
+          <a:p>
+            <a:pPr marL="342900" indent="-342900" defTabSz="698500" eaLnBrk="1" hangingPunct="1">
+              <a:buNone/>
+            </a:pPr>
+            <a:r>
+              <a:rPr lang="en-US" dirty="0">
+                <a:ea typeface="ＭＳ Ｐゴシック" charset="0"/>
+                <a:cs typeface="ＭＳ Ｐゴシック" charset="0"/>
+              </a:rPr>
+              <a:t>       </a:t>
+            </a:r>
+            <a:r>
+              <a:rPr lang="en-US" dirty="0" err="1">
+                <a:ea typeface="ＭＳ Ｐゴシック" charset="0"/>
+                <a:cs typeface="ＭＳ Ｐゴシック" charset="0"/>
+              </a:rPr>
+              <a:t>owl:onProperty</a:t>
+            </a:r>
+            <a:r>
+              <a:rPr lang="en-US" dirty="0">
+                <a:ea typeface="ＭＳ Ｐゴシック" charset="0"/>
+                <a:cs typeface="ＭＳ Ｐゴシック" charset="0"/>
+              </a:rPr>
+              <a:t> :eats;</a:t>
+            </a:r>
+          </a:p>
+          <a:p>
+            <a:pPr marL="342900" indent="-342900" defTabSz="698500" eaLnBrk="1" hangingPunct="1">
+              <a:buNone/>
+            </a:pPr>
+            <a:r>
+              <a:rPr lang="en-US" dirty="0">
+                <a:ea typeface="ＭＳ Ｐゴシック" charset="0"/>
+                <a:cs typeface="ＭＳ Ｐゴシック" charset="0"/>
+              </a:rPr>
+              <a:t>       </a:t>
+            </a:r>
+            <a:r>
+              <a:rPr lang="en-US" dirty="0" err="1">
+                <a:ea typeface="ＭＳ Ｐゴシック" charset="0"/>
+                <a:cs typeface="ＭＳ Ｐゴシック" charset="0"/>
+              </a:rPr>
+              <a:t>owl:allValuesFrom</a:t>
+            </a:r>
+            <a:r>
+              <a:rPr lang="en-US" dirty="0">
+                <a:ea typeface="ＭＳ Ｐゴシック" charset="0"/>
+                <a:cs typeface="ＭＳ Ｐゴシック" charset="0"/>
+              </a:rPr>
+              <a:t> :</a:t>
+            </a:r>
+            <a:r>
+              <a:rPr lang="en-US" dirty="0" err="1">
+                <a:ea typeface="ＭＳ Ｐゴシック" charset="0"/>
+                <a:cs typeface="ＭＳ Ｐゴシック" charset="0"/>
+              </a:rPr>
+              <a:t>Herbavore</a:t>
+            </a:r>
+            <a:r>
+              <a:rPr lang="en-US" dirty="0">
+                <a:ea typeface="ＭＳ Ｐゴシック" charset="0"/>
+                <a:cs typeface="ＭＳ Ｐゴシック" charset="0"/>
+              </a:rPr>
+              <a:t>] . 	</a:t>
+            </a:r>
+            <a:endParaRPr lang="el-GR" dirty="0">
               <a:ea typeface="ＭＳ Ｐゴシック" charset="0"/>
               <a:cs typeface="ＭＳ Ｐゴシック" charset="0"/>
-              <a:sym typeface="Symbol" charset="0"/>
             </a:endParaRPr>
-          </a:p>
-          <a:p>
-            <a:pPr marL="342900" indent="-342900" eaLnBrk="1" hangingPunct="1">
-              <a:buNone/>
-            </a:pPr>
-            <a:r>
-              <a:rPr lang="en-US" sz="3000" dirty="0">
-                <a:ea typeface="ＭＳ Ｐゴシック" charset="0"/>
-                <a:cs typeface="ＭＳ Ｐゴシック" charset="0"/>
-                <a:sym typeface="Symbol" charset="0"/>
-              </a:rPr>
-              <a:t>    </a:t>
-            </a:r>
-            <a:r>
-              <a:rPr lang="en-US" sz="3000" dirty="0" err="1">
-                <a:ea typeface="ＭＳ Ｐゴシック" charset="0"/>
-                <a:cs typeface="ＭＳ Ｐゴシック" charset="0"/>
-                <a:sym typeface="Symbol" charset="0"/>
-              </a:rPr>
-              <a:t>rdfs:subClassOf</a:t>
-            </a:r>
-            <a:endParaRPr lang="en-US" sz="3000" dirty="0">
-              <a:ea typeface="ＭＳ Ｐゴシック" charset="0"/>
-              <a:cs typeface="ＭＳ Ｐゴシック" charset="0"/>
-              <a:sym typeface="Symbol" charset="0"/>
-            </a:endParaRPr>
-          </a:p>
-          <a:p>
-            <a:pPr marL="342900" indent="-342900" eaLnBrk="1" hangingPunct="1">
-              <a:buNone/>
-            </a:pPr>
-            <a:r>
-              <a:rPr lang="en-US" sz="3000" dirty="0">
-                <a:ea typeface="ＭＳ Ｐゴシック" charset="0"/>
-                <a:cs typeface="ＭＳ Ｐゴシック" charset="0"/>
-                <a:sym typeface="Symbol" charset="0"/>
-              </a:rPr>
-              <a:t>        :Plant,</a:t>
-            </a:r>
-          </a:p>
-          <a:p>
-            <a:pPr marL="342900" indent="-342900" eaLnBrk="1" hangingPunct="1">
-              <a:buNone/>
-            </a:pPr>
-            <a:r>
-              <a:rPr lang="en-US" sz="3000" dirty="0">
-                <a:ea typeface="ＭＳ Ｐゴシック" charset="0"/>
-                <a:cs typeface="ＭＳ Ｐゴシック" charset="0"/>
-                <a:sym typeface="Symbol" charset="0"/>
-              </a:rPr>
-              <a:t>        [a Restriction</a:t>
-            </a:r>
-          </a:p>
-          <a:p>
-            <a:pPr marL="342900" indent="-342900" eaLnBrk="1" hangingPunct="1">
-              <a:buNone/>
-            </a:pPr>
-            <a:r>
-              <a:rPr lang="en-US" sz="3000" dirty="0">
-                <a:ea typeface="ＭＳ Ｐゴシック" charset="0"/>
-                <a:cs typeface="ＭＳ Ｐゴシック" charset="0"/>
-                <a:sym typeface="Symbol" charset="0"/>
-              </a:rPr>
-              <a:t>            </a:t>
-            </a:r>
-            <a:r>
-              <a:rPr lang="en-US" sz="3000" dirty="0" err="1">
-                <a:ea typeface="ＭＳ Ｐゴシック" charset="0"/>
-                <a:cs typeface="ＭＳ Ｐゴシック" charset="0"/>
-                <a:sym typeface="Symbol" charset="0"/>
-              </a:rPr>
-              <a:t>owl:onProperty</a:t>
-            </a:r>
-            <a:r>
-              <a:rPr lang="en-US" sz="3000" dirty="0">
-                <a:ea typeface="ＭＳ Ｐゴシック" charset="0"/>
-                <a:cs typeface="ＭＳ Ｐゴシック" charset="0"/>
-                <a:sym typeface="Symbol" charset="0"/>
-              </a:rPr>
-              <a:t> :</a:t>
-            </a:r>
-            <a:r>
-              <a:rPr lang="en-US" sz="3000" dirty="0" err="1">
-                <a:ea typeface="ＭＳ Ｐゴシック" charset="0"/>
-                <a:cs typeface="ＭＳ Ｐゴシック" charset="0"/>
-                <a:sym typeface="Symbol" charset="0"/>
-              </a:rPr>
-              <a:t>eatenBy</a:t>
-            </a:r>
-            <a:r>
-              <a:rPr lang="en-US" sz="3000" dirty="0">
-                <a:ea typeface="ＭＳ Ｐゴシック" charset="0"/>
-                <a:cs typeface="ＭＳ Ｐゴシック" charset="0"/>
-                <a:sym typeface="Symbol" charset="0"/>
-              </a:rPr>
-              <a:t>;</a:t>
-            </a:r>
-          </a:p>
-          <a:p>
-            <a:pPr marL="342900" indent="-342900" eaLnBrk="1" hangingPunct="1">
-              <a:buNone/>
-            </a:pPr>
-            <a:r>
-              <a:rPr lang="en-US" sz="3000" dirty="0">
-                <a:ea typeface="ＭＳ Ｐゴシック" charset="0"/>
-                <a:cs typeface="ＭＳ Ｐゴシック" charset="0"/>
-                <a:sym typeface="Symbol" charset="0"/>
-              </a:rPr>
-              <a:t>            </a:t>
-            </a:r>
-            <a:r>
-              <a:rPr lang="en-US" sz="3000" dirty="0" err="1">
-                <a:ea typeface="ＭＳ Ｐゴシック" charset="0"/>
-                <a:cs typeface="ＭＳ Ｐゴシック" charset="0"/>
-                <a:sym typeface="Symbol" charset="0"/>
-              </a:rPr>
-              <a:t>owl:someValuesFrom</a:t>
-            </a:r>
-            <a:r>
-              <a:rPr lang="en-US" sz="3000" dirty="0">
-                <a:ea typeface="ＭＳ Ｐゴシック" charset="0"/>
-                <a:cs typeface="ＭＳ Ｐゴシック" charset="0"/>
-                <a:sym typeface="Symbol" charset="0"/>
-              </a:rPr>
-              <a:t> :</a:t>
-            </a:r>
-            <a:r>
-              <a:rPr lang="en-US" sz="3000" dirty="0" err="1">
-                <a:ea typeface="ＭＳ Ｐゴシック" charset="0"/>
-                <a:cs typeface="ＭＳ Ｐゴシック" charset="0"/>
-                <a:sym typeface="Symbol" charset="0"/>
-              </a:rPr>
-              <a:t>Herbavore</a:t>
-            </a:r>
-            <a:r>
-              <a:rPr lang="en-US" sz="3000" dirty="0">
-                <a:ea typeface="ＭＳ Ｐゴシック" charset="0"/>
-                <a:cs typeface="ＭＳ Ｐゴシック" charset="0"/>
-                <a:sym typeface="Symbol" charset="0"/>
-              </a:rPr>
-              <a:t>],</a:t>
-            </a:r>
-          </a:p>
-          <a:p>
-            <a:pPr marL="342900" indent="-342900" eaLnBrk="1" hangingPunct="1">
-              <a:buNone/>
-            </a:pPr>
-            <a:r>
-              <a:rPr lang="en-US" sz="3000" dirty="0">
-                <a:ea typeface="ＭＳ Ｐゴシック" charset="0"/>
-                <a:cs typeface="ＭＳ Ｐゴシック" charset="0"/>
-                <a:sym typeface="Symbol" charset="0"/>
-              </a:rPr>
-              <a:t>        [a Restriction</a:t>
-            </a:r>
-          </a:p>
-          <a:p>
-            <a:pPr marL="342900" indent="-342900" eaLnBrk="1" hangingPunct="1">
-              <a:buNone/>
-            </a:pPr>
-            <a:r>
-              <a:rPr lang="en-US" sz="3000" dirty="0">
-                <a:ea typeface="ＭＳ Ｐゴシック" charset="0"/>
-                <a:cs typeface="ＭＳ Ｐゴシック" charset="0"/>
-                <a:sym typeface="Symbol" charset="0"/>
-              </a:rPr>
-              <a:t>            </a:t>
-            </a:r>
-            <a:r>
-              <a:rPr lang="en-US" sz="3000" dirty="0" err="1">
-                <a:ea typeface="ＭＳ Ｐゴシック" charset="0"/>
-                <a:cs typeface="ＭＳ Ｐゴシック" charset="0"/>
-                <a:sym typeface="Symbol" charset="0"/>
-              </a:rPr>
-              <a:t>owl:onProperty</a:t>
-            </a:r>
-            <a:r>
-              <a:rPr lang="en-US" sz="3000" dirty="0">
-                <a:ea typeface="ＭＳ Ｐゴシック" charset="0"/>
-                <a:cs typeface="ＭＳ Ｐゴシック" charset="0"/>
-                <a:sym typeface="Symbol" charset="0"/>
-              </a:rPr>
-              <a:t> :</a:t>
-            </a:r>
-            <a:r>
-              <a:rPr lang="en-US" sz="3000" dirty="0" err="1">
-                <a:ea typeface="ＭＳ Ｐゴシック" charset="0"/>
-                <a:cs typeface="ＭＳ Ｐゴシック" charset="0"/>
-                <a:sym typeface="Symbol" charset="0"/>
-              </a:rPr>
-              <a:t>eatenBy</a:t>
-            </a:r>
-            <a:r>
-              <a:rPr lang="en-US" sz="3000" dirty="0">
-                <a:ea typeface="ＭＳ Ｐゴシック" charset="0"/>
-                <a:cs typeface="ＭＳ Ｐゴシック" charset="0"/>
-                <a:sym typeface="Symbol" charset="0"/>
-              </a:rPr>
-              <a:t>;</a:t>
-            </a:r>
-          </a:p>
-          <a:p>
-            <a:pPr marL="342900" indent="-342900" eaLnBrk="1" hangingPunct="1">
-              <a:buNone/>
-            </a:pPr>
-            <a:r>
-              <a:rPr lang="en-US" sz="3000" dirty="0">
-                <a:ea typeface="ＭＳ Ｐゴシック" charset="0"/>
-                <a:cs typeface="ＭＳ Ｐゴシック" charset="0"/>
-                <a:sym typeface="Symbol" charset="0"/>
-              </a:rPr>
-              <a:t>            </a:t>
-            </a:r>
-            <a:r>
-              <a:rPr lang="en-US" sz="3000" dirty="0" err="1">
-                <a:ea typeface="ＭＳ Ｐゴシック" charset="0"/>
-                <a:cs typeface="ＭＳ Ｐゴシック" charset="0"/>
-                <a:sym typeface="Symbol" charset="0"/>
-              </a:rPr>
-              <a:t>owl:someValuesFrom</a:t>
-            </a:r>
-            <a:r>
-              <a:rPr lang="en-US" sz="3000" dirty="0">
-                <a:ea typeface="ＭＳ Ｐゴシック" charset="0"/>
-                <a:cs typeface="ＭＳ Ｐゴシック" charset="0"/>
-                <a:sym typeface="Symbol" charset="0"/>
-              </a:rPr>
-              <a:t> :Carnivore .]</a:t>
-            </a:r>
           </a:p>
         </p:txBody>
       </p:sp>
     </p:spTree>
     <p:extLst>
       <p:ext uri="{BB962C8B-B14F-4D97-AF65-F5344CB8AC3E}">
-        <p14:creationId xmlns:p14="http://schemas.microsoft.com/office/powerpoint/2010/main" val="182145006"/>
+        <p14:creationId xmlns:p14="http://schemas.microsoft.com/office/powerpoint/2010/main" val="1845185478"/>
       </p:ext>
     </p:extLst>
   </p:cSld>
@@ -47907,6 +47716,486 @@
 </file>
 
 <file path=ppt/slides/slide87.xml><?xml version="1.0" encoding="utf-8"?>
+<p:sld xmlns:a="http://schemas.openxmlformats.org/drawingml/2006/main" xmlns:r="http://schemas.openxmlformats.org/officeDocument/2006/relationships" xmlns:p="http://schemas.openxmlformats.org/presentationml/2006/main">
+  <p:cSld>
+    <p:spTree>
+      <p:nvGrpSpPr>
+        <p:cNvPr id="1" name=""/>
+        <p:cNvGrpSpPr/>
+        <p:nvPr/>
+      </p:nvGrpSpPr>
+      <p:grpSpPr>
+        <a:xfrm>
+          <a:off x="0" y="0"/>
+          <a:ext cx="0" cy="0"/>
+          <a:chOff x="0" y="0"/>
+          <a:chExt cx="0" cy="0"/>
+        </a:xfrm>
+      </p:grpSpPr>
+      <p:sp>
+        <p:nvSpPr>
+          <p:cNvPr id="167937" name="AutoShape 2"/>
+          <p:cNvSpPr>
+            <a:spLocks noGrp="1" noChangeArrowheads="1"/>
+          </p:cNvSpPr>
+          <p:nvPr>
+            <p:ph type="title"/>
+          </p:nvPr>
+        </p:nvSpPr>
+        <p:spPr/>
+        <p:txBody>
+          <a:bodyPr/>
+          <a:lstStyle/>
+          <a:p>
+            <a:pPr eaLnBrk="1" hangingPunct="1"/>
+            <a:r>
+              <a:rPr lang="en-US" dirty="0">
+                <a:ea typeface="ＭＳ Ｐゴシック" charset="0"/>
+                <a:cs typeface="ＭＳ Ｐゴシック" charset="0"/>
+              </a:rPr>
+              <a:t>African Wildlife: Tasty Plants</a:t>
+            </a:r>
+            <a:endParaRPr lang="el-GR" dirty="0">
+              <a:ea typeface="ＭＳ Ｐゴシック" charset="0"/>
+              <a:cs typeface="ＭＳ Ｐゴシック" charset="0"/>
+            </a:endParaRPr>
+          </a:p>
+        </p:txBody>
+      </p:sp>
+      <p:sp>
+        <p:nvSpPr>
+          <p:cNvPr id="167938" name="Rectangle 3"/>
+          <p:cNvSpPr>
+            <a:spLocks noGrp="1" noChangeArrowheads="1"/>
+          </p:cNvSpPr>
+          <p:nvPr>
+            <p:ph type="body" idx="1"/>
+          </p:nvPr>
+        </p:nvSpPr>
+        <p:spPr/>
+        <p:txBody>
+          <a:bodyPr/>
+          <a:lstStyle/>
+          <a:p>
+            <a:pPr marL="342900" indent="-342900" eaLnBrk="1" hangingPunct="1">
+              <a:buFont typeface="Wingdings" charset="0"/>
+              <a:buNone/>
+            </a:pPr>
+            <a:r>
+              <a:rPr lang="en-US" dirty="0">
+                <a:ea typeface="ＭＳ Ｐゴシック" charset="0"/>
+                <a:cs typeface="ＭＳ Ｐゴシック" charset="0"/>
+                <a:sym typeface="Symbol" charset="0"/>
+              </a:rPr>
+              <a:t>#tasty plants are eaten both by herbivores &amp; carnivores </a:t>
+            </a:r>
+          </a:p>
+          <a:p>
+            <a:pPr marL="342900" indent="-342900" eaLnBrk="1" hangingPunct="1">
+              <a:buFont typeface="Wingdings" charset="0"/>
+              <a:buNone/>
+            </a:pPr>
+            <a:r>
+              <a:rPr lang="en-US" sz="3200" dirty="0">
+                <a:ea typeface="ＭＳ Ｐゴシック" charset="0"/>
+                <a:cs typeface="ＭＳ Ｐゴシック" charset="0"/>
+              </a:rPr>
+              <a:t>		</a:t>
+            </a:r>
+          </a:p>
+          <a:p>
+            <a:pPr marL="342900" indent="-342900" eaLnBrk="1" hangingPunct="1">
+              <a:buFont typeface="Wingdings" charset="0"/>
+              <a:buNone/>
+            </a:pPr>
+            <a:r>
+              <a:rPr lang="en-US" sz="3200" dirty="0">
+                <a:solidFill>
+                  <a:schemeClr val="accent1"/>
+                </a:solidFill>
+                <a:ea typeface="ＭＳ Ｐゴシック" charset="0"/>
+                <a:cs typeface="ＭＳ Ｐゴシック" charset="0"/>
+              </a:rPr>
+              <a:t>???????????????</a:t>
+            </a:r>
+          </a:p>
+          <a:p>
+            <a:pPr marL="342900" indent="-342900" eaLnBrk="1" hangingPunct="1">
+              <a:buFont typeface="Wingdings" charset="0"/>
+              <a:buNone/>
+            </a:pPr>
+            <a:endParaRPr lang="el-GR" dirty="0">
+              <a:ea typeface="ＭＳ Ｐゴシック" charset="0"/>
+              <a:cs typeface="ＭＳ Ｐゴシック" charset="0"/>
+              <a:sym typeface="Symbol" charset="0"/>
+            </a:endParaRPr>
+          </a:p>
+        </p:txBody>
+      </p:sp>
+    </p:spTree>
+    <p:extLst>
+      <p:ext uri="{BB962C8B-B14F-4D97-AF65-F5344CB8AC3E}">
+        <p14:creationId xmlns:p14="http://schemas.microsoft.com/office/powerpoint/2010/main" val="1569824825"/>
+      </p:ext>
+    </p:extLst>
+  </p:cSld>
+  <p:clrMapOvr>
+    <a:masterClrMapping/>
+  </p:clrMapOvr>
+</p:sld>
+</file>
+
+<file path=ppt/slides/slide88.xml><?xml version="1.0" encoding="utf-8"?>
+<p:sld xmlns:a="http://schemas.openxmlformats.org/drawingml/2006/main" xmlns:r="http://schemas.openxmlformats.org/officeDocument/2006/relationships" xmlns:p="http://schemas.openxmlformats.org/presentationml/2006/main">
+  <p:cSld>
+    <p:spTree>
+      <p:nvGrpSpPr>
+        <p:cNvPr id="1" name=""/>
+        <p:cNvGrpSpPr/>
+        <p:nvPr/>
+      </p:nvGrpSpPr>
+      <p:grpSpPr>
+        <a:xfrm>
+          <a:off x="0" y="0"/>
+          <a:ext cx="0" cy="0"/>
+          <a:chOff x="0" y="0"/>
+          <a:chExt cx="0" cy="0"/>
+        </a:xfrm>
+      </p:grpSpPr>
+      <p:sp>
+        <p:nvSpPr>
+          <p:cNvPr id="167937" name="AutoShape 2"/>
+          <p:cNvSpPr>
+            <a:spLocks noGrp="1" noChangeArrowheads="1"/>
+          </p:cNvSpPr>
+          <p:nvPr>
+            <p:ph type="title"/>
+          </p:nvPr>
+        </p:nvSpPr>
+        <p:spPr/>
+        <p:txBody>
+          <a:bodyPr/>
+          <a:lstStyle/>
+          <a:p>
+            <a:pPr eaLnBrk="1" hangingPunct="1"/>
+            <a:r>
+              <a:rPr lang="en-US" dirty="0">
+                <a:ea typeface="ＭＳ Ｐゴシック" charset="0"/>
+                <a:cs typeface="ＭＳ Ｐゴシック" charset="0"/>
+              </a:rPr>
+              <a:t>African Wildlife: Tasty Plants</a:t>
+            </a:r>
+            <a:endParaRPr lang="el-GR" dirty="0">
+              <a:ea typeface="ＭＳ Ｐゴシック" charset="0"/>
+              <a:cs typeface="ＭＳ Ｐゴシック" charset="0"/>
+            </a:endParaRPr>
+          </a:p>
+        </p:txBody>
+      </p:sp>
+      <p:sp>
+        <p:nvSpPr>
+          <p:cNvPr id="167938" name="Rectangle 3"/>
+          <p:cNvSpPr>
+            <a:spLocks noGrp="1" noChangeArrowheads="1"/>
+          </p:cNvSpPr>
+          <p:nvPr>
+            <p:ph type="body" idx="1"/>
+          </p:nvPr>
+        </p:nvSpPr>
+        <p:spPr/>
+        <p:txBody>
+          <a:bodyPr/>
+          <a:lstStyle/>
+          <a:p>
+            <a:pPr marL="342900" indent="-342900" eaLnBrk="1" hangingPunct="1">
+              <a:buFont typeface="Wingdings" charset="0"/>
+              <a:buNone/>
+            </a:pPr>
+            <a:r>
+              <a:rPr lang="en-US" dirty="0">
+                <a:ea typeface="ＭＳ Ｐゴシック" charset="0"/>
+                <a:cs typeface="ＭＳ Ｐゴシック" charset="0"/>
+                <a:sym typeface="Symbol" charset="0"/>
+              </a:rPr>
+              <a:t>#tasty plants are eaten both by herbivores &amp; carnivores </a:t>
+            </a:r>
+            <a:endParaRPr lang="en-US" sz="3200" dirty="0">
+              <a:ea typeface="ＭＳ Ｐゴシック" charset="0"/>
+              <a:cs typeface="ＭＳ Ｐゴシック" charset="0"/>
+              <a:sym typeface="Symbol" charset="0"/>
+            </a:endParaRPr>
+          </a:p>
+          <a:p>
+            <a:pPr marL="342900" indent="-342900" eaLnBrk="1" hangingPunct="1">
+              <a:buNone/>
+            </a:pPr>
+            <a:r>
+              <a:rPr lang="en-US" dirty="0">
+                <a:ea typeface="ＭＳ Ｐゴシック" charset="0"/>
+                <a:cs typeface="ＭＳ Ｐゴシック" charset="0"/>
+                <a:sym typeface="Symbol" charset="0"/>
+              </a:rPr>
+              <a:t>:</a:t>
+            </a:r>
+            <a:r>
+              <a:rPr lang="en-US" dirty="0" err="1">
+                <a:ea typeface="ＭＳ Ｐゴシック" charset="0"/>
+                <a:cs typeface="ＭＳ Ｐゴシック" charset="0"/>
+                <a:sym typeface="Symbol" charset="0"/>
+              </a:rPr>
+              <a:t>TastyPlant</a:t>
+            </a:r>
+            <a:endParaRPr lang="en-US" dirty="0">
+              <a:ea typeface="ＭＳ Ｐゴシック" charset="0"/>
+              <a:cs typeface="ＭＳ Ｐゴシック" charset="0"/>
+              <a:sym typeface="Symbol" charset="0"/>
+            </a:endParaRPr>
+          </a:p>
+          <a:p>
+            <a:pPr marL="342900" indent="-342900" eaLnBrk="1" hangingPunct="1">
+              <a:buNone/>
+            </a:pPr>
+            <a:r>
+              <a:rPr lang="en-US" dirty="0">
+                <a:ea typeface="ＭＳ Ｐゴシック" charset="0"/>
+                <a:cs typeface="ＭＳ Ｐゴシック" charset="0"/>
+                <a:sym typeface="Symbol" charset="0"/>
+              </a:rPr>
+              <a:t>    </a:t>
+            </a:r>
+            <a:r>
+              <a:rPr lang="en-US" dirty="0" err="1">
+                <a:ea typeface="ＭＳ Ｐゴシック" charset="0"/>
+                <a:cs typeface="ＭＳ Ｐゴシック" charset="0"/>
+                <a:sym typeface="Symbol" charset="0"/>
+              </a:rPr>
+              <a:t>rdfs:subClassOf</a:t>
+            </a:r>
+            <a:endParaRPr lang="en-US" dirty="0">
+              <a:ea typeface="ＭＳ Ｐゴシック" charset="0"/>
+              <a:cs typeface="ＭＳ Ｐゴシック" charset="0"/>
+              <a:sym typeface="Symbol" charset="0"/>
+            </a:endParaRPr>
+          </a:p>
+          <a:p>
+            <a:pPr marL="342900" indent="-342900" eaLnBrk="1" hangingPunct="1">
+              <a:buNone/>
+            </a:pPr>
+            <a:r>
+              <a:rPr lang="en-US" dirty="0">
+                <a:ea typeface="ＭＳ Ｐゴシック" charset="0"/>
+                <a:cs typeface="ＭＳ Ｐゴシック" charset="0"/>
+                <a:sym typeface="Symbol" charset="0"/>
+              </a:rPr>
+              <a:t>        :Plant,</a:t>
+            </a:r>
+          </a:p>
+          <a:p>
+            <a:pPr marL="342900" indent="-342900" eaLnBrk="1" hangingPunct="1">
+              <a:buNone/>
+            </a:pPr>
+            <a:r>
+              <a:rPr lang="en-US" dirty="0">
+                <a:ea typeface="ＭＳ Ｐゴシック" charset="0"/>
+                <a:cs typeface="ＭＳ Ｐゴシック" charset="0"/>
+                <a:sym typeface="Symbol" charset="0"/>
+              </a:rPr>
+              <a:t>        [a Restriction</a:t>
+            </a:r>
+          </a:p>
+          <a:p>
+            <a:pPr marL="342900" indent="-342900" eaLnBrk="1" hangingPunct="1">
+              <a:buNone/>
+            </a:pPr>
+            <a:r>
+              <a:rPr lang="en-US" dirty="0">
+                <a:ea typeface="ＭＳ Ｐゴシック" charset="0"/>
+                <a:cs typeface="ＭＳ Ｐゴシック" charset="0"/>
+                <a:sym typeface="Symbol" charset="0"/>
+              </a:rPr>
+              <a:t>            </a:t>
+            </a:r>
+            <a:r>
+              <a:rPr lang="en-US" dirty="0" err="1">
+                <a:ea typeface="ＭＳ Ｐゴシック" charset="0"/>
+                <a:cs typeface="ＭＳ Ｐゴシック" charset="0"/>
+                <a:sym typeface="Symbol" charset="0"/>
+              </a:rPr>
+              <a:t>owl:onProperty</a:t>
+            </a:r>
+            <a:r>
+              <a:rPr lang="en-US" dirty="0">
+                <a:ea typeface="ＭＳ Ｐゴシック" charset="0"/>
+                <a:cs typeface="ＭＳ Ｐゴシック" charset="0"/>
+                <a:sym typeface="Symbol" charset="0"/>
+              </a:rPr>
+              <a:t> :</a:t>
+            </a:r>
+            <a:r>
+              <a:rPr lang="en-US" dirty="0" err="1">
+                <a:ea typeface="ＭＳ Ｐゴシック" charset="0"/>
+                <a:cs typeface="ＭＳ Ｐゴシック" charset="0"/>
+                <a:sym typeface="Symbol" charset="0"/>
+              </a:rPr>
+              <a:t>eatenBy</a:t>
+            </a:r>
+            <a:r>
+              <a:rPr lang="en-US" dirty="0">
+                <a:ea typeface="ＭＳ Ｐゴシック" charset="0"/>
+                <a:cs typeface="ＭＳ Ｐゴシック" charset="0"/>
+                <a:sym typeface="Symbol" charset="0"/>
+              </a:rPr>
+              <a:t>;</a:t>
+            </a:r>
+          </a:p>
+          <a:p>
+            <a:pPr marL="342900" indent="-342900" eaLnBrk="1" hangingPunct="1">
+              <a:buNone/>
+            </a:pPr>
+            <a:r>
+              <a:rPr lang="en-US" dirty="0">
+                <a:ea typeface="ＭＳ Ｐゴシック" charset="0"/>
+                <a:cs typeface="ＭＳ Ｐゴシック" charset="0"/>
+                <a:sym typeface="Symbol" charset="0"/>
+              </a:rPr>
+              <a:t>            </a:t>
+            </a:r>
+            <a:r>
+              <a:rPr lang="en-US" dirty="0" err="1">
+                <a:ea typeface="ＭＳ Ｐゴシック" charset="0"/>
+                <a:cs typeface="ＭＳ Ｐゴシック" charset="0"/>
+                <a:sym typeface="Symbol" charset="0"/>
+              </a:rPr>
+              <a:t>owl:someValuesFrom</a:t>
+            </a:r>
+            <a:r>
+              <a:rPr lang="en-US" dirty="0">
+                <a:ea typeface="ＭＳ Ｐゴシック" charset="0"/>
+                <a:cs typeface="ＭＳ Ｐゴシック" charset="0"/>
+                <a:sym typeface="Symbol" charset="0"/>
+              </a:rPr>
+              <a:t> :</a:t>
+            </a:r>
+            <a:r>
+              <a:rPr lang="en-US" dirty="0" err="1">
+                <a:ea typeface="ＭＳ Ｐゴシック" charset="0"/>
+                <a:cs typeface="ＭＳ Ｐゴシック" charset="0"/>
+                <a:sym typeface="Symbol" charset="0"/>
+              </a:rPr>
+              <a:t>Herbavore</a:t>
+            </a:r>
+            <a:r>
+              <a:rPr lang="en-US" dirty="0">
+                <a:ea typeface="ＭＳ Ｐゴシック" charset="0"/>
+                <a:cs typeface="ＭＳ Ｐゴシック" charset="0"/>
+                <a:sym typeface="Symbol" charset="0"/>
+              </a:rPr>
+              <a:t>],</a:t>
+            </a:r>
+          </a:p>
+          <a:p>
+            <a:pPr marL="342900" indent="-342900" eaLnBrk="1" hangingPunct="1">
+              <a:buNone/>
+            </a:pPr>
+            <a:r>
+              <a:rPr lang="en-US" dirty="0">
+                <a:ea typeface="ＭＳ Ｐゴシック" charset="0"/>
+                <a:cs typeface="ＭＳ Ｐゴシック" charset="0"/>
+                <a:sym typeface="Symbol" charset="0"/>
+              </a:rPr>
+              <a:t>        [a Restriction</a:t>
+            </a:r>
+          </a:p>
+          <a:p>
+            <a:pPr marL="342900" indent="-342900" eaLnBrk="1" hangingPunct="1">
+              <a:buNone/>
+            </a:pPr>
+            <a:r>
+              <a:rPr lang="en-US" dirty="0">
+                <a:ea typeface="ＭＳ Ｐゴシック" charset="0"/>
+                <a:cs typeface="ＭＳ Ｐゴシック" charset="0"/>
+                <a:sym typeface="Symbol" charset="0"/>
+              </a:rPr>
+              <a:t>            </a:t>
+            </a:r>
+            <a:r>
+              <a:rPr lang="en-US" dirty="0" err="1">
+                <a:ea typeface="ＭＳ Ｐゴシック" charset="0"/>
+                <a:cs typeface="ＭＳ Ｐゴシック" charset="0"/>
+                <a:sym typeface="Symbol" charset="0"/>
+              </a:rPr>
+              <a:t>owl:onProperty</a:t>
+            </a:r>
+            <a:r>
+              <a:rPr lang="en-US" dirty="0">
+                <a:ea typeface="ＭＳ Ｐゴシック" charset="0"/>
+                <a:cs typeface="ＭＳ Ｐゴシック" charset="0"/>
+                <a:sym typeface="Symbol" charset="0"/>
+              </a:rPr>
+              <a:t> :</a:t>
+            </a:r>
+            <a:r>
+              <a:rPr lang="en-US" dirty="0" err="1">
+                <a:ea typeface="ＭＳ Ｐゴシック" charset="0"/>
+                <a:cs typeface="ＭＳ Ｐゴシック" charset="0"/>
+                <a:sym typeface="Symbol" charset="0"/>
+              </a:rPr>
+              <a:t>eatenBy</a:t>
+            </a:r>
+            <a:r>
+              <a:rPr lang="en-US" dirty="0">
+                <a:ea typeface="ＭＳ Ｐゴシック" charset="0"/>
+                <a:cs typeface="ＭＳ Ｐゴシック" charset="0"/>
+                <a:sym typeface="Symbol" charset="0"/>
+              </a:rPr>
+              <a:t>;</a:t>
+            </a:r>
+          </a:p>
+          <a:p>
+            <a:pPr marL="342900" indent="-342900" eaLnBrk="1" hangingPunct="1">
+              <a:buNone/>
+            </a:pPr>
+            <a:r>
+              <a:rPr lang="en-US" dirty="0">
+                <a:ea typeface="ＭＳ Ｐゴシック" charset="0"/>
+                <a:cs typeface="ＭＳ Ｐゴシック" charset="0"/>
+                <a:sym typeface="Symbol" charset="0"/>
+              </a:rPr>
+              <a:t>            </a:t>
+            </a:r>
+            <a:r>
+              <a:rPr lang="en-US" dirty="0" err="1">
+                <a:ea typeface="ＭＳ Ｐゴシック" charset="0"/>
+                <a:cs typeface="ＭＳ Ｐゴシック" charset="0"/>
+                <a:sym typeface="Symbol" charset="0"/>
+              </a:rPr>
+              <a:t>owl:someValuesFrom</a:t>
+            </a:r>
+            <a:r>
+              <a:rPr lang="en-US" dirty="0">
+                <a:ea typeface="ＭＳ Ｐゴシック" charset="0"/>
+                <a:cs typeface="ＭＳ Ｐゴシック" charset="0"/>
+                <a:sym typeface="Symbol" charset="0"/>
+              </a:rPr>
+              <a:t> :Carnivore .]</a:t>
+            </a:r>
+          </a:p>
+        </p:txBody>
+      </p:sp>
+    </p:spTree>
+    <p:extLst>
+      <p:ext uri="{BB962C8B-B14F-4D97-AF65-F5344CB8AC3E}">
+        <p14:creationId xmlns:p14="http://schemas.microsoft.com/office/powerpoint/2010/main" val="3149719204"/>
+      </p:ext>
+    </p:extLst>
+  </p:cSld>
+  <p:clrMapOvr>
+    <a:masterClrMapping/>
+  </p:clrMapOvr>
+</p:sld>
+</file>
+
+<file path=ppt/slides/slide89.xml><?xml version="1.0" encoding="utf-8"?>
 <p:sld xmlns:a="http://schemas.openxmlformats.org/drawingml/2006/main" xmlns:r="http://schemas.openxmlformats.org/officeDocument/2006/relationships" xmlns:p="http://schemas.openxmlformats.org/presentationml/2006/main">
   <p:cSld>
     <p:spTree>
@@ -48146,287 +48435,6 @@
 </p:sld>
 </file>
 
-<file path=ppt/slides/slide88.xml><?xml version="1.0" encoding="utf-8"?>
-<p:sld xmlns:a="http://schemas.openxmlformats.org/drawingml/2006/main" xmlns:r="http://schemas.openxmlformats.org/officeDocument/2006/relationships" xmlns:p="http://schemas.openxmlformats.org/presentationml/2006/main">
-  <p:cSld>
-    <p:spTree>
-      <p:nvGrpSpPr>
-        <p:cNvPr id="1" name=""/>
-        <p:cNvGrpSpPr/>
-        <p:nvPr/>
-      </p:nvGrpSpPr>
-      <p:grpSpPr>
-        <a:xfrm>
-          <a:off x="0" y="0"/>
-          <a:ext cx="0" cy="0"/>
-          <a:chOff x="0" y="0"/>
-          <a:chExt cx="0" cy="0"/>
-        </a:xfrm>
-      </p:grpSpPr>
-      <p:sp>
-        <p:nvSpPr>
-          <p:cNvPr id="221185" name="AutoShape 2"/>
-          <p:cNvSpPr>
-            <a:spLocks noGrp="1" noChangeArrowheads="1"/>
-          </p:cNvSpPr>
-          <p:nvPr>
-            <p:ph type="title"/>
-          </p:nvPr>
-        </p:nvSpPr>
-        <p:spPr/>
-        <p:txBody>
-          <a:bodyPr/>
-          <a:lstStyle/>
-          <a:p>
-            <a:pPr eaLnBrk="1" hangingPunct="1"/>
-            <a:r>
-              <a:rPr lang="en-US" dirty="0">
-                <a:ea typeface="ＭＳ Ｐゴシック" charset="0"/>
-                <a:cs typeface="ＭＳ Ｐゴシック" charset="0"/>
-              </a:rPr>
-              <a:t>Extensions of OWL</a:t>
-            </a:r>
-            <a:endParaRPr lang="el-GR" dirty="0">
-              <a:ea typeface="ＭＳ Ｐゴシック" charset="0"/>
-              <a:cs typeface="ＭＳ Ｐゴシック" charset="0"/>
-            </a:endParaRPr>
-          </a:p>
-        </p:txBody>
-      </p:sp>
-      <p:sp>
-        <p:nvSpPr>
-          <p:cNvPr id="221186" name="Rectangle 3"/>
-          <p:cNvSpPr>
-            <a:spLocks noGrp="1" noChangeArrowheads="1"/>
-          </p:cNvSpPr>
-          <p:nvPr>
-            <p:ph type="body" idx="1"/>
-          </p:nvPr>
-        </p:nvSpPr>
-        <p:spPr/>
-        <p:txBody>
-          <a:bodyPr/>
-          <a:lstStyle/>
-          <a:p>
-            <a:pPr marL="342900" indent="-342900" eaLnBrk="1" hangingPunct="1"/>
-            <a:r>
-              <a:rPr lang="en-GB" sz="3200" dirty="0">
-                <a:ea typeface="ＭＳ Ｐゴシック" charset="0"/>
-                <a:cs typeface="ＭＳ Ｐゴシック" charset="0"/>
-              </a:rPr>
-              <a:t>Modules and Imports</a:t>
-            </a:r>
-          </a:p>
-          <a:p>
-            <a:pPr marL="342900" indent="-342900" eaLnBrk="1" hangingPunct="1"/>
-            <a:r>
-              <a:rPr lang="en-GB" sz="3200" dirty="0">
-                <a:ea typeface="ＭＳ Ｐゴシック" charset="0"/>
-                <a:cs typeface="ＭＳ Ｐゴシック" charset="0"/>
-              </a:rPr>
-              <a:t>Defaults</a:t>
-            </a:r>
-          </a:p>
-          <a:p>
-            <a:pPr marL="342900" indent="-342900" eaLnBrk="1" hangingPunct="1"/>
-            <a:r>
-              <a:rPr lang="en-GB" sz="3200" dirty="0">
-                <a:ea typeface="ＭＳ Ｐゴシック" charset="0"/>
-                <a:cs typeface="ＭＳ Ｐゴシック" charset="0"/>
-              </a:rPr>
-              <a:t>Closed World Assumption</a:t>
-            </a:r>
-          </a:p>
-          <a:p>
-            <a:pPr marL="342900" indent="-342900" eaLnBrk="1" hangingPunct="1"/>
-            <a:r>
-              <a:rPr lang="en-GB" sz="3200" dirty="0">
-                <a:ea typeface="ＭＳ Ｐゴシック" charset="0"/>
-                <a:cs typeface="ＭＳ Ｐゴシック" charset="0"/>
-              </a:rPr>
-              <a:t>Unique Names Assumption</a:t>
-            </a:r>
-          </a:p>
-          <a:p>
-            <a:pPr marL="342900" indent="-342900" eaLnBrk="1" hangingPunct="1"/>
-            <a:r>
-              <a:rPr lang="en-GB" sz="3200" dirty="0">
-                <a:ea typeface="ＭＳ Ｐゴシック" charset="0"/>
-                <a:cs typeface="ＭＳ Ｐゴシック" charset="0"/>
-              </a:rPr>
-              <a:t>Procedural Attachments</a:t>
-            </a:r>
-          </a:p>
-          <a:p>
-            <a:pPr marL="342900" indent="-342900" eaLnBrk="1" hangingPunct="1"/>
-            <a:r>
-              <a:rPr lang="en-GB" sz="3200" dirty="0">
-                <a:ea typeface="ＭＳ Ｐゴシック" charset="0"/>
-                <a:cs typeface="ＭＳ Ｐゴシック" charset="0"/>
-              </a:rPr>
-              <a:t>Rules for Property Chaining</a:t>
-            </a:r>
-            <a:endParaRPr lang="el-GR" sz="3200" dirty="0">
-              <a:ea typeface="ＭＳ Ｐゴシック" charset="0"/>
-              <a:cs typeface="ＭＳ Ｐゴシック" charset="0"/>
-            </a:endParaRPr>
-          </a:p>
-        </p:txBody>
-      </p:sp>
-    </p:spTree>
-  </p:cSld>
-  <p:clrMapOvr>
-    <a:masterClrMapping/>
-  </p:clrMapOvr>
-</p:sld>
-</file>
-
-<file path=ppt/slides/slide89.xml><?xml version="1.0" encoding="utf-8"?>
-<p:sld xmlns:a="http://schemas.openxmlformats.org/drawingml/2006/main" xmlns:r="http://schemas.openxmlformats.org/officeDocument/2006/relationships" xmlns:p="http://schemas.openxmlformats.org/presentationml/2006/main">
-  <p:cSld>
-    <p:spTree>
-      <p:nvGrpSpPr>
-        <p:cNvPr id="1" name=""/>
-        <p:cNvGrpSpPr/>
-        <p:nvPr/>
-      </p:nvGrpSpPr>
-      <p:grpSpPr>
-        <a:xfrm>
-          <a:off x="0" y="0"/>
-          <a:ext cx="0" cy="0"/>
-          <a:chOff x="0" y="0"/>
-          <a:chExt cx="0" cy="0"/>
-        </a:xfrm>
-      </p:grpSpPr>
-      <p:sp>
-        <p:nvSpPr>
-          <p:cNvPr id="223233" name="AutoShape 2"/>
-          <p:cNvSpPr>
-            <a:spLocks noGrp="1" noChangeArrowheads="1"/>
-          </p:cNvSpPr>
-          <p:nvPr>
-            <p:ph type="title"/>
-          </p:nvPr>
-        </p:nvSpPr>
-        <p:spPr/>
-        <p:txBody>
-          <a:bodyPr/>
-          <a:lstStyle/>
-          <a:p>
-            <a:pPr eaLnBrk="1" hangingPunct="1"/>
-            <a:r>
-              <a:rPr lang="en-US" dirty="0">
-                <a:ea typeface="ＭＳ Ｐゴシック" charset="0"/>
-                <a:cs typeface="ＭＳ Ｐゴシック" charset="0"/>
-              </a:rPr>
-              <a:t>Modules and Imports</a:t>
-            </a:r>
-            <a:endParaRPr lang="el-GR" dirty="0">
-              <a:ea typeface="ＭＳ Ｐゴシック" charset="0"/>
-              <a:cs typeface="ＭＳ Ｐゴシック" charset="0"/>
-            </a:endParaRPr>
-          </a:p>
-        </p:txBody>
-      </p:sp>
-      <p:sp>
-        <p:nvSpPr>
-          <p:cNvPr id="223234" name="Rectangle 3"/>
-          <p:cNvSpPr>
-            <a:spLocks noGrp="1" noChangeArrowheads="1"/>
-          </p:cNvSpPr>
-          <p:nvPr>
-            <p:ph type="body" idx="1"/>
-          </p:nvPr>
-        </p:nvSpPr>
-        <p:spPr/>
-        <p:txBody>
-          <a:bodyPr/>
-          <a:lstStyle/>
-          <a:p>
-            <a:pPr marL="342900" indent="-342900" eaLnBrk="1" hangingPunct="1"/>
-            <a:r>
-              <a:rPr lang="en-US" sz="3200" dirty="0">
-                <a:ea typeface="ＭＳ Ｐゴシック" charset="0"/>
-                <a:cs typeface="ＭＳ Ｐゴシック" charset="0"/>
-              </a:rPr>
-              <a:t>The importing facility of OWL is very trivial: </a:t>
-            </a:r>
-            <a:endParaRPr lang="el-GR" sz="3200" dirty="0">
-              <a:ea typeface="ＭＳ Ｐゴシック" charset="0"/>
-              <a:cs typeface="ＭＳ Ｐゴシック" charset="0"/>
-            </a:endParaRPr>
-          </a:p>
-          <a:p>
-            <a:pPr marL="742950" lvl="1" indent="-285750" eaLnBrk="1" hangingPunct="1"/>
-            <a:r>
-              <a:rPr lang="el-GR" sz="3200" dirty="0">
-                <a:ea typeface="ＭＳ Ｐゴシック" charset="0"/>
-              </a:rPr>
-              <a:t>It only allows importing of an entire ontology</a:t>
-            </a:r>
-            <a:r>
-              <a:rPr lang="en-US" sz="3200" dirty="0">
-                <a:ea typeface="ＭＳ Ｐゴシック" charset="0"/>
-              </a:rPr>
-              <a:t>, not parts of it</a:t>
-            </a:r>
-          </a:p>
-          <a:p>
-            <a:pPr marL="342900" indent="-342900" eaLnBrk="1" hangingPunct="1"/>
-            <a:r>
-              <a:rPr lang="el-GR" sz="3200" dirty="0">
-                <a:ea typeface="ＭＳ Ｐゴシック" charset="0"/>
-                <a:cs typeface="ＭＳ Ｐゴシック" charset="0"/>
-              </a:rPr>
-              <a:t>Modules in programming languages based on </a:t>
-            </a:r>
-            <a:r>
-              <a:rPr lang="el-GR" sz="3200" b="1" dirty="0">
-                <a:ea typeface="ＭＳ Ｐゴシック" charset="0"/>
-                <a:cs typeface="ＭＳ Ｐゴシック" charset="0"/>
-              </a:rPr>
-              <a:t>information hiding</a:t>
-            </a:r>
-            <a:r>
-              <a:rPr lang="el-GR" sz="3200" dirty="0">
-                <a:ea typeface="ＭＳ Ｐゴシック" charset="0"/>
-                <a:cs typeface="ＭＳ Ｐゴシック" charset="0"/>
-              </a:rPr>
-              <a:t>: </a:t>
-            </a:r>
-            <a:r>
-              <a:rPr lang="en-US" sz="3200" dirty="0">
-                <a:ea typeface="ＭＳ Ｐゴシック" charset="0"/>
-                <a:cs typeface="ＭＳ Ｐゴシック" charset="0"/>
-              </a:rPr>
-              <a:t>state functionality, hide implementation details</a:t>
-            </a:r>
-          </a:p>
-          <a:p>
-            <a:pPr marL="742950" lvl="1" indent="-285750" eaLnBrk="1" hangingPunct="1"/>
-            <a:r>
-              <a:rPr lang="en-US" sz="3200" dirty="0">
-                <a:ea typeface="ＭＳ Ｐゴシック" charset="0"/>
-              </a:rPr>
-              <a:t>Open question how to define appropriate module mechanism for Web ontology languages</a:t>
-            </a:r>
-            <a:r>
-              <a:rPr lang="el-GR" sz="3200" dirty="0">
-                <a:ea typeface="ＭＳ Ｐゴシック" charset="0"/>
-              </a:rPr>
-              <a:t> </a:t>
-            </a:r>
-          </a:p>
-        </p:txBody>
-      </p:sp>
-    </p:spTree>
-  </p:cSld>
-  <p:clrMapOvr>
-    <a:masterClrMapping/>
-  </p:clrMapOvr>
-</p:sld>
-</file>
-
 <file path=ppt/slides/slide9.xml><?xml version="1.0" encoding="utf-8"?>
 <p:sld xmlns:a="http://schemas.openxmlformats.org/drawingml/2006/main" xmlns:r="http://schemas.openxmlformats.org/officeDocument/2006/relationships" xmlns:p="http://schemas.openxmlformats.org/presentationml/2006/main">
   <p:cSld>
@@ -48613,7 +48621,7 @@
       </p:grpSpPr>
       <p:sp>
         <p:nvSpPr>
-          <p:cNvPr id="225281" name="AutoShape 2"/>
+          <p:cNvPr id="221185" name="AutoShape 2"/>
           <p:cNvSpPr>
             <a:spLocks noGrp="1" noChangeArrowheads="1"/>
           </p:cNvSpPr>
@@ -48632,7 +48640,7 @@
                 <a:ea typeface="ＭＳ Ｐゴシック" charset="0"/>
                 <a:cs typeface="ＭＳ Ｐゴシック" charset="0"/>
               </a:rPr>
-              <a:t>Defaults</a:t>
+              <a:t>Extensions of OWL</a:t>
             </a:r>
             <a:endParaRPr lang="el-GR" dirty="0">
               <a:ea typeface="ＭＳ Ｐゴシック" charset="0"/>
@@ -48643,7 +48651,7 @@
       </p:sp>
       <p:sp>
         <p:nvSpPr>
-          <p:cNvPr id="225282" name="Rectangle 3"/>
+          <p:cNvPr id="221186" name="Rectangle 3"/>
           <p:cNvSpPr>
             <a:spLocks noGrp="1" noChangeArrowheads="1"/>
           </p:cNvSpPr>
@@ -48658,41 +48666,66 @@
           <a:p>
             <a:pPr marL="342900" indent="-342900" eaLnBrk="1" hangingPunct="1"/>
             <a:r>
-              <a:rPr lang="en-US" sz="3200" dirty="0">
-                <a:ea typeface="ＭＳ Ｐゴシック" charset="0"/>
-                <a:cs typeface="ＭＳ Ｐゴシック" charset="0"/>
-              </a:rPr>
-              <a:t>Many practical knowledge representation systems allow inherited values to be overridden by more specific classes in the hierarchy</a:t>
-            </a:r>
-          </a:p>
-          <a:p>
-            <a:pPr marL="742950" lvl="1" indent="-285750" eaLnBrk="1" hangingPunct="1"/>
-            <a:r>
-              <a:rPr lang="en-US" sz="2800" dirty="0">
-                <a:ea typeface="ＭＳ Ｐゴシック" charset="0"/>
-              </a:rPr>
-              <a:t>treat inherited values as defaults </a:t>
-            </a:r>
-            <a:endParaRPr lang="el-GR" sz="2800" dirty="0">
+              <a:rPr lang="en-GB" sz="3200" dirty="0">
+                <a:ea typeface="ＭＳ Ｐゴシック" charset="0"/>
+                <a:cs typeface="ＭＳ Ｐゴシック" charset="0"/>
+              </a:rPr>
+              <a:t>Modules and Imports</a:t>
+            </a:r>
+          </a:p>
+          <a:p>
+            <a:pPr marL="342900" indent="-342900" eaLnBrk="1" hangingPunct="1"/>
+            <a:r>
+              <a:rPr lang="en-GB" sz="3200" dirty="0">
+                <a:ea typeface="ＭＳ Ｐゴシック" charset="0"/>
+                <a:cs typeface="ＭＳ Ｐゴシック" charset="0"/>
+              </a:rPr>
+              <a:t>Defaults</a:t>
+            </a:r>
+          </a:p>
+          <a:p>
+            <a:pPr marL="342900" indent="-342900" eaLnBrk="1" hangingPunct="1"/>
+            <a:r>
+              <a:rPr lang="en-GB" sz="3200" dirty="0">
+                <a:ea typeface="ＭＳ Ｐゴシック" charset="0"/>
+                <a:cs typeface="ＭＳ Ｐゴシック" charset="0"/>
+              </a:rPr>
+              <a:t>Closed World Assumption</a:t>
+            </a:r>
+          </a:p>
+          <a:p>
+            <a:pPr marL="342900" indent="-342900" eaLnBrk="1" hangingPunct="1"/>
+            <a:r>
+              <a:rPr lang="en-GB" sz="3200" dirty="0">
+                <a:ea typeface="ＭＳ Ｐゴシック" charset="0"/>
+                <a:cs typeface="ＭＳ Ｐゴシック" charset="0"/>
+              </a:rPr>
+              <a:t>Unique Names Assumption</a:t>
+            </a:r>
+          </a:p>
+          <a:p>
+            <a:pPr marL="342900" indent="-342900" eaLnBrk="1" hangingPunct="1"/>
+            <a:r>
+              <a:rPr lang="en-GB" sz="3200" dirty="0">
+                <a:ea typeface="ＭＳ Ｐゴシック" charset="0"/>
+                <a:cs typeface="ＭＳ Ｐゴシック" charset="0"/>
+              </a:rPr>
+              <a:t>Procedural Attachments</a:t>
+            </a:r>
+          </a:p>
+          <a:p>
+            <a:pPr marL="342900" indent="-342900" eaLnBrk="1" hangingPunct="1"/>
+            <a:r>
+              <a:rPr lang="en-GB" sz="3200" dirty="0">
+                <a:ea typeface="ＭＳ Ｐゴシック" charset="0"/>
+                <a:cs typeface="ＭＳ Ｐゴシック" charset="0"/>
+              </a:rPr>
+              <a:t>Rules for Property Chaining</a:t>
+            </a:r>
+            <a:endParaRPr lang="el-GR" sz="3200" dirty="0">
               <a:ea typeface="ＭＳ Ｐゴシック" charset="0"/>
+              <a:cs typeface="ＭＳ Ｐゴシック" charset="0"/>
             </a:endParaRPr>
-          </a:p>
-          <a:p>
-            <a:pPr marL="342900" indent="-342900" eaLnBrk="1" hangingPunct="1"/>
-            <a:r>
-              <a:rPr lang="en-US" sz="3200" dirty="0">
-                <a:ea typeface="ＭＳ Ｐゴシック" charset="0"/>
-                <a:cs typeface="ＭＳ Ｐゴシック" charset="0"/>
-              </a:rPr>
-              <a:t>N</a:t>
-            </a:r>
-            <a:r>
-              <a:rPr lang="el-GR" sz="3200" dirty="0">
-                <a:ea typeface="ＭＳ Ｐゴシック" charset="0"/>
-                <a:cs typeface="ＭＳ Ｐゴシック" charset="0"/>
-              </a:rPr>
-              <a:t>o consensus has been reached on the right formalization for the nonmonotonic behaviour of default values </a:t>
-            </a:r>
           </a:p>
         </p:txBody>
       </p:sp>
@@ -48723,7 +48756,7 @@
       </p:grpSpPr>
       <p:sp>
         <p:nvSpPr>
-          <p:cNvPr id="227329" name="AutoShape 2"/>
+          <p:cNvPr id="223233" name="AutoShape 2"/>
           <p:cNvSpPr>
             <a:spLocks noGrp="1" noChangeArrowheads="1"/>
           </p:cNvSpPr>
@@ -48742,7 +48775,7 @@
                 <a:ea typeface="ＭＳ Ｐゴシック" charset="0"/>
                 <a:cs typeface="ＭＳ Ｐゴシック" charset="0"/>
               </a:rPr>
-              <a:t>Closed World Assumption</a:t>
+              <a:t>Modules and Imports</a:t>
             </a:r>
             <a:endParaRPr lang="el-GR" dirty="0">
               <a:ea typeface="ＭＳ Ｐゴシック" charset="0"/>
@@ -48753,7 +48786,7 @@
       </p:sp>
       <p:sp>
         <p:nvSpPr>
-          <p:cNvPr id="227330" name="Rectangle 3"/>
+          <p:cNvPr id="223234" name="Rectangle 3"/>
           <p:cNvSpPr>
             <a:spLocks noGrp="1" noChangeArrowheads="1"/>
           </p:cNvSpPr>
@@ -48766,106 +48799,79 @@
           <a:bodyPr/>
           <a:lstStyle/>
           <a:p>
-            <a:pPr marL="457200" indent="-457200" eaLnBrk="1" hangingPunct="1"/>
+            <a:pPr marL="342900" indent="-342900" eaLnBrk="1" hangingPunct="1"/>
             <a:r>
               <a:rPr lang="en-US" sz="3200" dirty="0">
                 <a:ea typeface="ＭＳ Ｐゴシック" charset="0"/>
                 <a:cs typeface="ＭＳ Ｐゴシック" charset="0"/>
               </a:rPr>
-              <a:t>OWL currently adopts the </a:t>
-            </a:r>
-            <a:r>
-              <a:rPr lang="en-US" sz="3200" b="1" dirty="0">
-                <a:ea typeface="ＭＳ Ｐゴシック" charset="0"/>
-                <a:cs typeface="ＭＳ Ｐゴシック" charset="0"/>
-              </a:rPr>
-              <a:t>open-world assumption</a:t>
-            </a:r>
-            <a:r>
-              <a:rPr lang="en-US" sz="3200" dirty="0">
-                <a:ea typeface="ＭＳ Ｐゴシック" charset="0"/>
-                <a:cs typeface="ＭＳ Ｐゴシック" charset="0"/>
-              </a:rPr>
-              <a:t>: </a:t>
-            </a:r>
-            <a:endParaRPr lang="en-GB" sz="3200" dirty="0">
+              <a:t>The importing facility of OWL is very trivial: </a:t>
+            </a:r>
+            <a:endParaRPr lang="el-GR" sz="3200" dirty="0">
               <a:ea typeface="ＭＳ Ｐゴシック" charset="0"/>
               <a:cs typeface="ＭＳ Ｐゴシック" charset="0"/>
             </a:endParaRPr>
           </a:p>
           <a:p>
-            <a:pPr marL="838200" lvl="1" indent="-381000" eaLnBrk="1" hangingPunct="1"/>
-            <a:r>
-              <a:rPr lang="en-GB" sz="2800" dirty="0">
-                <a:ea typeface="ＭＳ Ｐゴシック" charset="0"/>
-              </a:rPr>
-              <a:t>A statement cannot be assumed true on the basis of a failure to prove it</a:t>
-            </a:r>
-            <a:endParaRPr lang="en-US" sz="2800" dirty="0">
-              <a:ea typeface="ＭＳ Ｐゴシック" charset="0"/>
-            </a:endParaRPr>
-          </a:p>
-          <a:p>
-            <a:pPr marL="838200" lvl="1" indent="-381000" eaLnBrk="1" hangingPunct="1"/>
-            <a:r>
-              <a:rPr lang="en-US" sz="2800" dirty="0">
-                <a:ea typeface="ＭＳ Ｐゴシック" charset="0"/>
-              </a:rPr>
-              <a:t>On the huge and only partially knowable WWW, this is a correct assumption</a:t>
-            </a:r>
-          </a:p>
-          <a:p>
-            <a:pPr marL="457200" indent="-457200" eaLnBrk="1" hangingPunct="1"/>
-            <a:r>
-              <a:rPr lang="en-GB" sz="3200" b="1" dirty="0">
-                <a:ea typeface="ＭＳ Ｐゴシック" charset="0"/>
-                <a:cs typeface="ＭＳ Ｐゴシック" charset="0"/>
-              </a:rPr>
-              <a:t>Closed-world assumption</a:t>
-            </a:r>
-            <a:r>
-              <a:rPr lang="en-GB" sz="3200" dirty="0">
-                <a:ea typeface="ＭＳ Ｐゴシック" charset="0"/>
-                <a:cs typeface="ＭＳ Ｐゴシック" charset="0"/>
-              </a:rPr>
-              <a:t>: a statement is true when its negation cannot be proved</a:t>
-            </a:r>
-          </a:p>
-          <a:p>
-            <a:pPr marL="838200" lvl="1" indent="-381000" eaLnBrk="1" hangingPunct="1"/>
-            <a:r>
-              <a:rPr lang="el-GR" sz="2800" dirty="0">
-                <a:ea typeface="ＭＳ Ｐゴシック" charset="0"/>
-              </a:rPr>
-              <a:t>tied to the notion of defaults</a:t>
-            </a:r>
-            <a:r>
-              <a:rPr lang="en-US" sz="2800" dirty="0">
-                <a:ea typeface="ＭＳ Ｐゴシック" charset="0"/>
-              </a:rPr>
-              <a:t>, leads to </a:t>
-            </a:r>
-            <a:r>
-              <a:rPr lang="en-US" sz="2800" dirty="0" err="1">
-                <a:ea typeface="ＭＳ Ｐゴシック" charset="0"/>
-              </a:rPr>
-              <a:t>nonmonotonic</a:t>
-            </a:r>
-            <a:r>
-              <a:rPr lang="en-US" sz="2800" dirty="0">
+            <a:pPr marL="742950" lvl="1" indent="-285750" eaLnBrk="1" hangingPunct="1"/>
+            <a:r>
+              <a:rPr lang="el-GR" sz="3200" dirty="0">
+                <a:ea typeface="ＭＳ Ｐゴシック" charset="0"/>
+              </a:rPr>
+              <a:t>It only allows importing of an entire ontology</a:t>
+            </a:r>
+            <a:r>
+              <a:rPr lang="en-US" sz="3200" dirty="0">
+                <a:ea typeface="ＭＳ Ｐゴシック" charset="0"/>
+              </a:rPr>
+              <a:t>, not parts of it</a:t>
+            </a:r>
+          </a:p>
+          <a:p>
+            <a:pPr marL="342900" indent="-342900" eaLnBrk="1" hangingPunct="1"/>
+            <a:r>
+              <a:rPr lang="el-GR" sz="3200" dirty="0">
+                <a:ea typeface="ＭＳ Ｐゴシック" charset="0"/>
+                <a:cs typeface="ＭＳ Ｐゴシック" charset="0"/>
+              </a:rPr>
+              <a:t>Modules in programming languages based on </a:t>
+            </a:r>
+            <a:r>
+              <a:rPr lang="el-GR" sz="3200" b="1" dirty="0">
+                <a:ea typeface="ＭＳ Ｐゴシック" charset="0"/>
+                <a:cs typeface="ＭＳ Ｐゴシック" charset="0"/>
+              </a:rPr>
+              <a:t>information hiding</a:t>
+            </a:r>
+            <a:r>
+              <a:rPr lang="el-GR" sz="3200" dirty="0">
+                <a:ea typeface="ＭＳ Ｐゴシック" charset="0"/>
+                <a:cs typeface="ＭＳ Ｐゴシック" charset="0"/>
+              </a:rPr>
+              <a:t>: </a:t>
+            </a:r>
+            <a:r>
+              <a:rPr lang="en-US" sz="3200" dirty="0">
+                <a:ea typeface="ＭＳ Ｐゴシック" charset="0"/>
+                <a:cs typeface="ＭＳ Ｐゴシック" charset="0"/>
+              </a:rPr>
+              <a:t>state functionality, hide implementation details</a:t>
+            </a:r>
+          </a:p>
+          <a:p>
+            <a:pPr marL="742950" lvl="1" indent="-285750" eaLnBrk="1" hangingPunct="1"/>
+            <a:r>
+              <a:rPr lang="en-US" sz="3200" dirty="0">
+                <a:ea typeface="ＭＳ Ｐゴシック" charset="0"/>
+              </a:rPr>
+              <a:t>Open question how to define appropriate module mechanism for Web ontology languages</a:t>
+            </a:r>
+            <a:r>
+              <a:rPr lang="el-GR" sz="3200" dirty="0">
                 <a:ea typeface="ＭＳ Ｐゴシック" charset="0"/>
               </a:rPr>
               <a:t> </a:t>
             </a:r>
-            <a:r>
-              <a:rPr lang="en-US" sz="2800" dirty="0" err="1">
-                <a:ea typeface="ＭＳ Ｐゴシック" charset="0"/>
-              </a:rPr>
-              <a:t>behaviour</a:t>
-            </a:r>
-            <a:endParaRPr lang="el-GR" sz="2800" dirty="0">
-              <a:ea typeface="ＭＳ Ｐゴシック" charset="0"/>
-            </a:endParaRPr>
           </a:p>
         </p:txBody>
       </p:sp>
@@ -48896,7 +48902,7 @@
       </p:grpSpPr>
       <p:sp>
         <p:nvSpPr>
-          <p:cNvPr id="229377" name="AutoShape 2"/>
+          <p:cNvPr id="225281" name="AutoShape 2"/>
           <p:cNvSpPr>
             <a:spLocks noGrp="1" noChangeArrowheads="1"/>
           </p:cNvSpPr>
@@ -48915,7 +48921,7 @@
                 <a:ea typeface="ＭＳ Ｐゴシック" charset="0"/>
                 <a:cs typeface="ＭＳ Ｐゴシック" charset="0"/>
               </a:rPr>
-              <a:t>Unique Names Assumption</a:t>
+              <a:t>Defaults</a:t>
             </a:r>
             <a:endParaRPr lang="el-GR" dirty="0">
               <a:ea typeface="ＭＳ Ｐゴシック" charset="0"/>
@@ -48926,7 +48932,7 @@
       </p:sp>
       <p:sp>
         <p:nvSpPr>
-          <p:cNvPr id="229378" name="Rectangle 3"/>
+          <p:cNvPr id="225282" name="Rectangle 3"/>
           <p:cNvSpPr>
             <a:spLocks noGrp="1" noChangeArrowheads="1"/>
           </p:cNvSpPr>
@@ -48945,26 +48951,8 @@
                 <a:ea typeface="ＭＳ Ｐゴシック" charset="0"/>
                 <a:cs typeface="ＭＳ Ｐゴシック" charset="0"/>
               </a:rPr>
-              <a:t>Typical database applications assume that individuals with different names are indeed different individuals </a:t>
-            </a:r>
-            <a:endParaRPr lang="el-GR" sz="3200" dirty="0">
-              <a:ea typeface="ＭＳ Ｐゴシック" charset="0"/>
-              <a:cs typeface="ＭＳ Ｐゴシック" charset="0"/>
-            </a:endParaRPr>
-          </a:p>
-          <a:p>
-            <a:pPr marL="342900" indent="-342900" eaLnBrk="1" hangingPunct="1"/>
-            <a:r>
-              <a:rPr lang="el-GR" sz="3200" dirty="0">
-                <a:ea typeface="ＭＳ Ｐゴシック" charset="0"/>
-                <a:cs typeface="ＭＳ Ｐゴシック" charset="0"/>
-              </a:rPr>
-              <a:t>OWL follows the usual logical paradigm where this is not the case</a:t>
-            </a:r>
-            <a:endParaRPr lang="en-US" sz="3200" dirty="0">
-              <a:ea typeface="ＭＳ Ｐゴシック" charset="0"/>
-              <a:cs typeface="ＭＳ Ｐゴシック" charset="0"/>
-            </a:endParaRPr>
+              <a:t>Many practical knowledge representation systems allow inherited values to be overridden by more specific classes in the hierarchy</a:t>
+            </a:r>
           </a:p>
           <a:p>
             <a:pPr marL="742950" lvl="1" indent="-285750" eaLnBrk="1" hangingPunct="1"/>
@@ -48972,31 +48960,28 @@
               <a:rPr lang="en-US" sz="2800" dirty="0">
                 <a:ea typeface="ＭＳ Ｐゴシック" charset="0"/>
               </a:rPr>
-              <a:t>Plausible on the WWW</a:t>
-            </a:r>
-            <a:r>
-              <a:rPr lang="el-GR" sz="2800" dirty="0">
-                <a:ea typeface="ＭＳ Ｐゴシック" charset="0"/>
-              </a:rPr>
-              <a:t> </a:t>
-            </a:r>
-            <a:endParaRPr lang="en-US" sz="2800" dirty="0">
+              <a:t>treat inherited values as defaults </a:t>
+            </a:r>
+            <a:endParaRPr lang="el-GR" sz="2800" dirty="0">
               <a:ea typeface="ＭＳ Ｐゴシック" charset="0"/>
             </a:endParaRPr>
           </a:p>
           <a:p>
             <a:pPr marL="342900" indent="-342900" eaLnBrk="1" hangingPunct="1"/>
             <a:r>
-              <a:rPr lang="en-GB" sz="3200" dirty="0">
-                <a:ea typeface="ＭＳ Ｐゴシック" charset="0"/>
-                <a:cs typeface="ＭＳ Ｐゴシック" charset="0"/>
-              </a:rPr>
-              <a:t>One may want to indicate portions of the ontology for which the assumption does or does not hold</a:t>
-            </a:r>
-            <a:endParaRPr lang="el-GR" sz="3200" dirty="0">
-              <a:ea typeface="ＭＳ Ｐゴシック" charset="0"/>
-              <a:cs typeface="ＭＳ Ｐゴシック" charset="0"/>
-            </a:endParaRPr>
+              <a:rPr lang="en-US" sz="3200" dirty="0">
+                <a:ea typeface="ＭＳ Ｐゴシック" charset="0"/>
+                <a:cs typeface="ＭＳ Ｐゴシック" charset="0"/>
+              </a:rPr>
+              <a:t>N</a:t>
+            </a:r>
+            <a:r>
+              <a:rPr lang="el-GR" sz="3200" dirty="0">
+                <a:ea typeface="ＭＳ Ｐゴシック" charset="0"/>
+                <a:cs typeface="ＭＳ Ｐゴシック" charset="0"/>
+              </a:rPr>
+              <a:t>o consensus has been reached on the right formalization for the nonmonotonic behaviour of default values </a:t>
+            </a:r>
           </a:p>
         </p:txBody>
       </p:sp>
@@ -49027,7 +49012,7 @@
       </p:grpSpPr>
       <p:sp>
         <p:nvSpPr>
-          <p:cNvPr id="231425" name="AutoShape 2"/>
+          <p:cNvPr id="227329" name="AutoShape 2"/>
           <p:cNvSpPr>
             <a:spLocks noGrp="1" noChangeArrowheads="1"/>
           </p:cNvSpPr>
@@ -49042,32 +49027,22 @@
           <a:p>
             <a:pPr eaLnBrk="1" hangingPunct="1"/>
             <a:r>
-              <a:rPr lang="el-GR" dirty="0">
-                <a:ea typeface="ＭＳ Ｐゴシック" charset="0"/>
-                <a:cs typeface="ＭＳ Ｐゴシック" charset="0"/>
-              </a:rPr>
-              <a:t>Procedural Attachment</a:t>
-            </a:r>
-            <a:r>
               <a:rPr lang="en-US" dirty="0">
                 <a:ea typeface="ＭＳ Ｐゴシック" charset="0"/>
                 <a:cs typeface="ＭＳ Ｐゴシック" charset="0"/>
               </a:rPr>
-              <a:t>s</a:t>
-            </a:r>
-            <a:r>
-              <a:rPr lang="el-GR" dirty="0">
-                <a:ea typeface="ＭＳ Ｐゴシック" charset="0"/>
-                <a:cs typeface="ＭＳ Ｐゴシック" charset="0"/>
-              </a:rPr>
-              <a:t> </a:t>
-            </a:r>
+              <a:t>Closed World Assumption</a:t>
+            </a:r>
+            <a:endParaRPr lang="el-GR" dirty="0">
+              <a:ea typeface="ＭＳ Ｐゴシック" charset="0"/>
+              <a:cs typeface="ＭＳ Ｐゴシック" charset="0"/>
+            </a:endParaRPr>
           </a:p>
         </p:txBody>
       </p:sp>
       <p:sp>
         <p:nvSpPr>
-          <p:cNvPr id="231426" name="Rectangle 3"/>
+          <p:cNvPr id="227330" name="Rectangle 3"/>
           <p:cNvSpPr>
             <a:spLocks noGrp="1" noChangeArrowheads="1"/>
           </p:cNvSpPr>
@@ -49075,28 +49050,32 @@
             <p:ph type="body" idx="1"/>
           </p:nvPr>
         </p:nvSpPr>
-        <p:spPr>
-          <a:xfrm>
-            <a:off x="838200" y="1412875"/>
-            <a:ext cx="7910513" cy="5040313"/>
-          </a:xfrm>
-        </p:spPr>
+        <p:spPr/>
         <p:txBody>
           <a:bodyPr/>
           <a:lstStyle/>
           <a:p>
-            <a:pPr marL="342900" indent="-342900" defTabSz="825500" eaLnBrk="1" hangingPunct="1">
-              <a:tabLst>
-                <a:tab pos="1257300" algn="l"/>
-                <a:tab pos="2870200" algn="l"/>
-              </a:tabLst>
-            </a:pPr>
+            <a:pPr marL="457200" indent="-457200" eaLnBrk="1" hangingPunct="1"/>
             <a:r>
               <a:rPr lang="en-US" sz="3200" dirty="0">
                 <a:ea typeface="ＭＳ Ｐゴシック" charset="0"/>
                 <a:cs typeface="ＭＳ Ｐゴシック" charset="0"/>
               </a:rPr>
-              <a:t>A common concept in knowledge representation is to define the meaning of a term by attaching a piece of code to be executed for computing the meaning of the term</a:t>
+              <a:t>OWL currently adopts the </a:t>
+            </a:r>
+            <a:r>
+              <a:rPr lang="en-US" sz="3200" b="1" dirty="0">
+                <a:ea typeface="ＭＳ Ｐゴシック" charset="0"/>
+                <a:cs typeface="ＭＳ Ｐゴシック" charset="0"/>
+              </a:rPr>
+              <a:t>open-world assumption</a:t>
+            </a:r>
+            <a:r>
+              <a:rPr lang="en-US" sz="3200" dirty="0">
+                <a:ea typeface="ＭＳ Ｐゴシック" charset="0"/>
+                <a:cs typeface="ＭＳ Ｐゴシック" charset="0"/>
+              </a:rPr>
+              <a:t>: </a:t>
             </a:r>
             <a:endParaRPr lang="en-GB" sz="3200" dirty="0">
               <a:ea typeface="ＭＳ Ｐゴシック" charset="0"/>
@@ -49104,33 +49083,78 @@
             </a:endParaRPr>
           </a:p>
           <a:p>
-            <a:pPr marL="742950" lvl="1" indent="-285750" defTabSz="825500" eaLnBrk="1" hangingPunct="1">
-              <a:tabLst>
-                <a:tab pos="1257300" algn="l"/>
-                <a:tab pos="2870200" algn="l"/>
-              </a:tabLst>
-            </a:pPr>
+            <a:pPr marL="838200" lvl="1" indent="-381000" eaLnBrk="1" hangingPunct="1"/>
             <a:r>
               <a:rPr lang="en-GB" sz="2800" dirty="0">
                 <a:ea typeface="ＭＳ Ｐゴシック" charset="0"/>
               </a:rPr>
-              <a:t>Not through explicit definitions in the language </a:t>
-            </a:r>
-          </a:p>
-          <a:p>
-            <a:pPr marL="342900" indent="-342900" defTabSz="825500" eaLnBrk="1" hangingPunct="1">
-              <a:tabLst>
-                <a:tab pos="1257300" algn="l"/>
-                <a:tab pos="2870200" algn="l"/>
-              </a:tabLst>
-            </a:pPr>
-            <a:r>
-              <a:rPr lang="el-GR" sz="3200" dirty="0">
-                <a:ea typeface="ＭＳ Ｐゴシック" charset="0"/>
-                <a:cs typeface="ＭＳ Ｐゴシック" charset="0"/>
-              </a:rPr>
-              <a:t>Although widely used, this concept does not lend itself very well to integration in a system with a formal semantics, and it has not been included in OWL </a:t>
-            </a:r>
+              <a:t>A statement cannot be assumed true on the basis of a failure to prove it</a:t>
+            </a:r>
+            <a:endParaRPr lang="en-US" sz="2800" dirty="0">
+              <a:ea typeface="ＭＳ Ｐゴシック" charset="0"/>
+            </a:endParaRPr>
+          </a:p>
+          <a:p>
+            <a:pPr marL="838200" lvl="1" indent="-381000" eaLnBrk="1" hangingPunct="1"/>
+            <a:r>
+              <a:rPr lang="en-US" sz="2800" dirty="0">
+                <a:ea typeface="ＭＳ Ｐゴシック" charset="0"/>
+              </a:rPr>
+              <a:t>On the huge and only partially knowable WWW, this is a correct assumption</a:t>
+            </a:r>
+          </a:p>
+          <a:p>
+            <a:pPr marL="457200" indent="-457200" eaLnBrk="1" hangingPunct="1"/>
+            <a:r>
+              <a:rPr lang="en-GB" sz="3200" b="1" dirty="0">
+                <a:ea typeface="ＭＳ Ｐゴシック" charset="0"/>
+                <a:cs typeface="ＭＳ Ｐゴシック" charset="0"/>
+              </a:rPr>
+              <a:t>Closed-world assumption</a:t>
+            </a:r>
+            <a:r>
+              <a:rPr lang="en-GB" sz="3200" dirty="0">
+                <a:ea typeface="ＭＳ Ｐゴシック" charset="0"/>
+                <a:cs typeface="ＭＳ Ｐゴシック" charset="0"/>
+              </a:rPr>
+              <a:t>: a statement is true when its negation cannot be proved</a:t>
+            </a:r>
+          </a:p>
+          <a:p>
+            <a:pPr marL="838200" lvl="1" indent="-381000" eaLnBrk="1" hangingPunct="1"/>
+            <a:r>
+              <a:rPr lang="el-GR" sz="2800" dirty="0">
+                <a:ea typeface="ＭＳ Ｐゴシック" charset="0"/>
+              </a:rPr>
+              <a:t>tied to the notion of defaults</a:t>
+            </a:r>
+            <a:r>
+              <a:rPr lang="en-US" sz="2800" dirty="0">
+                <a:ea typeface="ＭＳ Ｐゴシック" charset="0"/>
+              </a:rPr>
+              <a:t>, leads to </a:t>
+            </a:r>
+            <a:r>
+              <a:rPr lang="en-US" sz="2800" dirty="0" err="1">
+                <a:ea typeface="ＭＳ Ｐゴシック" charset="0"/>
+              </a:rPr>
+              <a:t>nonmonotonic</a:t>
+            </a:r>
+            <a:r>
+              <a:rPr lang="en-US" sz="2800" dirty="0">
+                <a:ea typeface="ＭＳ Ｐゴシック" charset="0"/>
+              </a:rPr>
+              <a:t> </a:t>
+            </a:r>
+            <a:r>
+              <a:rPr lang="en-US" sz="2800" dirty="0" err="1">
+                <a:ea typeface="ＭＳ Ｐゴシック" charset="0"/>
+              </a:rPr>
+              <a:t>behaviour</a:t>
+            </a:r>
+            <a:endParaRPr lang="el-GR" sz="2800" dirty="0">
+              <a:ea typeface="ＭＳ Ｐゴシック" charset="0"/>
+            </a:endParaRPr>
           </a:p>
         </p:txBody>
       </p:sp>
@@ -49161,7 +49185,7 @@
       </p:grpSpPr>
       <p:sp>
         <p:nvSpPr>
-          <p:cNvPr id="233473" name="AutoShape 2"/>
+          <p:cNvPr id="229377" name="AutoShape 2"/>
           <p:cNvSpPr>
             <a:spLocks noGrp="1" noChangeArrowheads="1"/>
           </p:cNvSpPr>
@@ -49180,7 +49204,7 @@
                 <a:ea typeface="ＭＳ Ｐゴシック" charset="0"/>
                 <a:cs typeface="ＭＳ Ｐゴシック" charset="0"/>
               </a:rPr>
-              <a:t>Rules for Property Chaining</a:t>
+              <a:t>Unique Names Assumption</a:t>
             </a:r>
             <a:endParaRPr lang="el-GR" dirty="0">
               <a:ea typeface="ＭＳ Ｐゴシック" charset="0"/>
@@ -49191,7 +49215,7 @@
       </p:sp>
       <p:sp>
         <p:nvSpPr>
-          <p:cNvPr id="233474" name="Rectangle 3"/>
+          <p:cNvPr id="229378" name="Rectangle 3"/>
           <p:cNvSpPr>
             <a:spLocks noGrp="1" noChangeArrowheads="1"/>
           </p:cNvSpPr>
@@ -49199,37 +49223,32 @@
             <p:ph type="body" idx="1"/>
           </p:nvPr>
         </p:nvSpPr>
-        <p:spPr>
-          <a:xfrm>
-            <a:off x="838200" y="1341438"/>
-            <a:ext cx="8126288" cy="5183187"/>
-          </a:xfrm>
-        </p:spPr>
+        <p:spPr/>
         <p:txBody>
           <a:bodyPr/>
           <a:lstStyle/>
           <a:p>
-            <a:pPr marL="533400" indent="-533400" eaLnBrk="1" hangingPunct="1"/>
+            <a:pPr marL="342900" indent="-342900" eaLnBrk="1" hangingPunct="1"/>
             <a:r>
               <a:rPr lang="en-US" sz="3200" dirty="0">
                 <a:ea typeface="ＭＳ Ｐゴシック" charset="0"/>
                 <a:cs typeface="ＭＳ Ｐゴシック" charset="0"/>
               </a:rPr>
-              <a:t>OWL does not allow the composition of properties for reasons of decidability</a:t>
-            </a:r>
-            <a:endParaRPr lang="en-GB" sz="3200" dirty="0">
+              <a:t>Typical database applications assume that individuals with different names are indeed different individuals </a:t>
+            </a:r>
+            <a:endParaRPr lang="el-GR" sz="3200" dirty="0">
               <a:ea typeface="ＭＳ Ｐゴシック" charset="0"/>
               <a:cs typeface="ＭＳ Ｐゴシック" charset="0"/>
             </a:endParaRPr>
           </a:p>
           <a:p>
-            <a:pPr marL="533400" indent="-533400" eaLnBrk="1" hangingPunct="1"/>
-            <a:r>
-              <a:rPr lang="en-GB" sz="3200" dirty="0">
-                <a:ea typeface="ＭＳ Ｐゴシック" charset="0"/>
-                <a:cs typeface="ＭＳ Ｐゴシック" charset="0"/>
-              </a:rPr>
-              <a:t>In many applications this is a useful operation</a:t>
+            <a:pPr marL="342900" indent="-342900" eaLnBrk="1" hangingPunct="1"/>
+            <a:r>
+              <a:rPr lang="el-GR" sz="3200" dirty="0">
+                <a:ea typeface="ＭＳ Ｐゴシック" charset="0"/>
+                <a:cs typeface="ＭＳ Ｐゴシック" charset="0"/>
+              </a:rPr>
+              <a:t>OWL follows the usual logical paradigm where this is not the case</a:t>
             </a:r>
             <a:endParaRPr lang="en-US" sz="3200" dirty="0">
               <a:ea typeface="ＭＳ Ｐゴシック" charset="0"/>
@@ -49237,42 +49256,36 @@
             </a:endParaRPr>
           </a:p>
           <a:p>
-            <a:pPr marL="533400" indent="-533400" eaLnBrk="1" hangingPunct="1"/>
-            <a:r>
-              <a:rPr lang="en-US" sz="3200" dirty="0">
-                <a:ea typeface="ＭＳ Ｐゴシック" charset="0"/>
-                <a:cs typeface="ＭＳ Ｐゴシック" charset="0"/>
-              </a:rPr>
-              <a:t>One may want to define properties as general rules (Horn or otherwise) over other properties </a:t>
+            <a:pPr marL="742950" lvl="1" indent="-285750" eaLnBrk="1" hangingPunct="1"/>
+            <a:r>
+              <a:rPr lang="en-US" sz="2800" dirty="0">
+                <a:ea typeface="ＭＳ Ｐゴシック" charset="0"/>
+              </a:rPr>
+              <a:t>Plausible on the WWW</a:t>
+            </a:r>
+            <a:r>
+              <a:rPr lang="el-GR" sz="2800" dirty="0">
+                <a:ea typeface="ＭＳ Ｐゴシック" charset="0"/>
+              </a:rPr>
+              <a:t> </a:t>
+            </a:r>
+            <a:endParaRPr lang="en-US" sz="2800" dirty="0">
+              <a:ea typeface="ＭＳ Ｐゴシック" charset="0"/>
+            </a:endParaRPr>
+          </a:p>
+          <a:p>
+            <a:pPr marL="342900" indent="-342900" eaLnBrk="1" hangingPunct="1"/>
+            <a:r>
+              <a:rPr lang="en-GB" sz="3200" dirty="0">
+                <a:ea typeface="ＭＳ Ｐゴシック" charset="0"/>
+                <a:cs typeface="ＭＳ Ｐゴシック" charset="0"/>
+              </a:rPr>
+              <a:t>One may want to indicate portions of the ontology for which the assumption does or does not hold</a:t>
             </a:r>
             <a:endParaRPr lang="el-GR" sz="3200" dirty="0">
               <a:ea typeface="ＭＳ Ｐゴシック" charset="0"/>
               <a:cs typeface="ＭＳ Ｐゴシック" charset="0"/>
             </a:endParaRPr>
-          </a:p>
-          <a:p>
-            <a:pPr marL="533400" indent="-533400" eaLnBrk="1" hangingPunct="1"/>
-            <a:r>
-              <a:rPr lang="el-GR" sz="3200" dirty="0">
-                <a:ea typeface="ＭＳ Ｐゴシック" charset="0"/>
-                <a:cs typeface="ＭＳ Ｐゴシック" charset="0"/>
-              </a:rPr>
-              <a:t>Integration of rule-based knowledge representation and DL-style knowledge representation is </a:t>
-            </a:r>
-            <a:r>
-              <a:rPr lang="en-US" sz="3200" dirty="0">
-                <a:ea typeface="ＭＳ Ｐゴシック" charset="0"/>
-                <a:cs typeface="ＭＳ Ｐゴシック" charset="0"/>
-              </a:rPr>
-              <a:t>an</a:t>
-            </a:r>
-            <a:r>
-              <a:rPr lang="el-GR" sz="3200" dirty="0">
-                <a:ea typeface="ＭＳ Ｐゴシック" charset="0"/>
-                <a:cs typeface="ＭＳ Ｐゴシック" charset="0"/>
-              </a:rPr>
-              <a:t> area of research </a:t>
-            </a:r>
           </a:p>
         </p:txBody>
       </p:sp>
@@ -49303,6 +49316,282 @@
       </p:grpSpPr>
       <p:sp>
         <p:nvSpPr>
+          <p:cNvPr id="231425" name="AutoShape 2"/>
+          <p:cNvSpPr>
+            <a:spLocks noGrp="1" noChangeArrowheads="1"/>
+          </p:cNvSpPr>
+          <p:nvPr>
+            <p:ph type="title"/>
+          </p:nvPr>
+        </p:nvSpPr>
+        <p:spPr/>
+        <p:txBody>
+          <a:bodyPr/>
+          <a:lstStyle/>
+          <a:p>
+            <a:pPr eaLnBrk="1" hangingPunct="1"/>
+            <a:r>
+              <a:rPr lang="el-GR" dirty="0">
+                <a:ea typeface="ＭＳ Ｐゴシック" charset="0"/>
+                <a:cs typeface="ＭＳ Ｐゴシック" charset="0"/>
+              </a:rPr>
+              <a:t>Procedural Attachment</a:t>
+            </a:r>
+            <a:r>
+              <a:rPr lang="en-US" dirty="0">
+                <a:ea typeface="ＭＳ Ｐゴシック" charset="0"/>
+                <a:cs typeface="ＭＳ Ｐゴシック" charset="0"/>
+              </a:rPr>
+              <a:t>s</a:t>
+            </a:r>
+            <a:r>
+              <a:rPr lang="el-GR" dirty="0">
+                <a:ea typeface="ＭＳ Ｐゴシック" charset="0"/>
+                <a:cs typeface="ＭＳ Ｐゴシック" charset="0"/>
+              </a:rPr>
+              <a:t> </a:t>
+            </a:r>
+          </a:p>
+        </p:txBody>
+      </p:sp>
+      <p:sp>
+        <p:nvSpPr>
+          <p:cNvPr id="231426" name="Rectangle 3"/>
+          <p:cNvSpPr>
+            <a:spLocks noGrp="1" noChangeArrowheads="1"/>
+          </p:cNvSpPr>
+          <p:nvPr>
+            <p:ph type="body" idx="1"/>
+          </p:nvPr>
+        </p:nvSpPr>
+        <p:spPr>
+          <a:xfrm>
+            <a:off x="838200" y="1412875"/>
+            <a:ext cx="7910513" cy="5040313"/>
+          </a:xfrm>
+        </p:spPr>
+        <p:txBody>
+          <a:bodyPr/>
+          <a:lstStyle/>
+          <a:p>
+            <a:pPr marL="342900" indent="-342900" defTabSz="825500" eaLnBrk="1" hangingPunct="1">
+              <a:tabLst>
+                <a:tab pos="1257300" algn="l"/>
+                <a:tab pos="2870200" algn="l"/>
+              </a:tabLst>
+            </a:pPr>
+            <a:r>
+              <a:rPr lang="en-US" sz="3200" dirty="0">
+                <a:ea typeface="ＭＳ Ｐゴシック" charset="0"/>
+                <a:cs typeface="ＭＳ Ｐゴシック" charset="0"/>
+              </a:rPr>
+              <a:t>A common concept in knowledge representation is to define the meaning of a term by attaching a piece of code to be executed for computing the meaning of the term</a:t>
+            </a:r>
+            <a:endParaRPr lang="en-GB" sz="3200" dirty="0">
+              <a:ea typeface="ＭＳ Ｐゴシック" charset="0"/>
+              <a:cs typeface="ＭＳ Ｐゴシック" charset="0"/>
+            </a:endParaRPr>
+          </a:p>
+          <a:p>
+            <a:pPr marL="742950" lvl="1" indent="-285750" defTabSz="825500" eaLnBrk="1" hangingPunct="1">
+              <a:tabLst>
+                <a:tab pos="1257300" algn="l"/>
+                <a:tab pos="2870200" algn="l"/>
+              </a:tabLst>
+            </a:pPr>
+            <a:r>
+              <a:rPr lang="en-GB" sz="2800" dirty="0">
+                <a:ea typeface="ＭＳ Ｐゴシック" charset="0"/>
+              </a:rPr>
+              <a:t>Not through explicit definitions in the language </a:t>
+            </a:r>
+          </a:p>
+          <a:p>
+            <a:pPr marL="342900" indent="-342900" defTabSz="825500" eaLnBrk="1" hangingPunct="1">
+              <a:tabLst>
+                <a:tab pos="1257300" algn="l"/>
+                <a:tab pos="2870200" algn="l"/>
+              </a:tabLst>
+            </a:pPr>
+            <a:r>
+              <a:rPr lang="el-GR" sz="3200" dirty="0">
+                <a:ea typeface="ＭＳ Ｐゴシック" charset="0"/>
+                <a:cs typeface="ＭＳ Ｐゴシック" charset="0"/>
+              </a:rPr>
+              <a:t>Although widely used, this concept does not lend itself very well to integration in a system with a formal semantics, and it has not been included in OWL </a:t>
+            </a:r>
+          </a:p>
+        </p:txBody>
+      </p:sp>
+    </p:spTree>
+  </p:cSld>
+  <p:clrMapOvr>
+    <a:masterClrMapping/>
+  </p:clrMapOvr>
+</p:sld>
+</file>
+
+<file path=ppt/slides/slide96.xml><?xml version="1.0" encoding="utf-8"?>
+<p:sld xmlns:a="http://schemas.openxmlformats.org/drawingml/2006/main" xmlns:r="http://schemas.openxmlformats.org/officeDocument/2006/relationships" xmlns:p="http://schemas.openxmlformats.org/presentationml/2006/main">
+  <p:cSld>
+    <p:spTree>
+      <p:nvGrpSpPr>
+        <p:cNvPr id="1" name=""/>
+        <p:cNvGrpSpPr/>
+        <p:nvPr/>
+      </p:nvGrpSpPr>
+      <p:grpSpPr>
+        <a:xfrm>
+          <a:off x="0" y="0"/>
+          <a:ext cx="0" cy="0"/>
+          <a:chOff x="0" y="0"/>
+          <a:chExt cx="0" cy="0"/>
+        </a:xfrm>
+      </p:grpSpPr>
+      <p:sp>
+        <p:nvSpPr>
+          <p:cNvPr id="233473" name="AutoShape 2"/>
+          <p:cNvSpPr>
+            <a:spLocks noGrp="1" noChangeArrowheads="1"/>
+          </p:cNvSpPr>
+          <p:nvPr>
+            <p:ph type="title"/>
+          </p:nvPr>
+        </p:nvSpPr>
+        <p:spPr/>
+        <p:txBody>
+          <a:bodyPr/>
+          <a:lstStyle/>
+          <a:p>
+            <a:pPr eaLnBrk="1" hangingPunct="1"/>
+            <a:r>
+              <a:rPr lang="en-US" dirty="0">
+                <a:ea typeface="ＭＳ Ｐゴシック" charset="0"/>
+                <a:cs typeface="ＭＳ Ｐゴシック" charset="0"/>
+              </a:rPr>
+              <a:t>Rules for Property Chaining</a:t>
+            </a:r>
+            <a:endParaRPr lang="el-GR" dirty="0">
+              <a:ea typeface="ＭＳ Ｐゴシック" charset="0"/>
+              <a:cs typeface="ＭＳ Ｐゴシック" charset="0"/>
+            </a:endParaRPr>
+          </a:p>
+        </p:txBody>
+      </p:sp>
+      <p:sp>
+        <p:nvSpPr>
+          <p:cNvPr id="233474" name="Rectangle 3"/>
+          <p:cNvSpPr>
+            <a:spLocks noGrp="1" noChangeArrowheads="1"/>
+          </p:cNvSpPr>
+          <p:nvPr>
+            <p:ph type="body" idx="1"/>
+          </p:nvPr>
+        </p:nvSpPr>
+        <p:spPr>
+          <a:xfrm>
+            <a:off x="838200" y="1341438"/>
+            <a:ext cx="8126288" cy="5183187"/>
+          </a:xfrm>
+        </p:spPr>
+        <p:txBody>
+          <a:bodyPr/>
+          <a:lstStyle/>
+          <a:p>
+            <a:pPr marL="533400" indent="-533400" eaLnBrk="1" hangingPunct="1"/>
+            <a:r>
+              <a:rPr lang="en-US" sz="3200" dirty="0">
+                <a:ea typeface="ＭＳ Ｐゴシック" charset="0"/>
+                <a:cs typeface="ＭＳ Ｐゴシック" charset="0"/>
+              </a:rPr>
+              <a:t>OWL does not allow the composition of properties for reasons of decidability</a:t>
+            </a:r>
+            <a:endParaRPr lang="en-GB" sz="3200" dirty="0">
+              <a:ea typeface="ＭＳ Ｐゴシック" charset="0"/>
+              <a:cs typeface="ＭＳ Ｐゴシック" charset="0"/>
+            </a:endParaRPr>
+          </a:p>
+          <a:p>
+            <a:pPr marL="533400" indent="-533400" eaLnBrk="1" hangingPunct="1"/>
+            <a:r>
+              <a:rPr lang="en-GB" sz="3200" dirty="0">
+                <a:ea typeface="ＭＳ Ｐゴシック" charset="0"/>
+                <a:cs typeface="ＭＳ Ｐゴシック" charset="0"/>
+              </a:rPr>
+              <a:t>In many applications this is a useful operation</a:t>
+            </a:r>
+            <a:endParaRPr lang="en-US" sz="3200" dirty="0">
+              <a:ea typeface="ＭＳ Ｐゴシック" charset="0"/>
+              <a:cs typeface="ＭＳ Ｐゴシック" charset="0"/>
+            </a:endParaRPr>
+          </a:p>
+          <a:p>
+            <a:pPr marL="533400" indent="-533400" eaLnBrk="1" hangingPunct="1"/>
+            <a:r>
+              <a:rPr lang="en-US" sz="3200" dirty="0">
+                <a:ea typeface="ＭＳ Ｐゴシック" charset="0"/>
+                <a:cs typeface="ＭＳ Ｐゴシック" charset="0"/>
+              </a:rPr>
+              <a:t>One may want to define properties as general rules (Horn or otherwise) over other properties </a:t>
+            </a:r>
+            <a:endParaRPr lang="el-GR" sz="3200" dirty="0">
+              <a:ea typeface="ＭＳ Ｐゴシック" charset="0"/>
+              <a:cs typeface="ＭＳ Ｐゴシック" charset="0"/>
+            </a:endParaRPr>
+          </a:p>
+          <a:p>
+            <a:pPr marL="533400" indent="-533400" eaLnBrk="1" hangingPunct="1"/>
+            <a:r>
+              <a:rPr lang="el-GR" sz="3200" dirty="0">
+                <a:ea typeface="ＭＳ Ｐゴシック" charset="0"/>
+                <a:cs typeface="ＭＳ Ｐゴシック" charset="0"/>
+              </a:rPr>
+              <a:t>Integration of rule-based knowledge representation and DL-style knowledge representation is </a:t>
+            </a:r>
+            <a:r>
+              <a:rPr lang="en-US" sz="3200" dirty="0">
+                <a:ea typeface="ＭＳ Ｐゴシック" charset="0"/>
+                <a:cs typeface="ＭＳ Ｐゴシック" charset="0"/>
+              </a:rPr>
+              <a:t>an</a:t>
+            </a:r>
+            <a:r>
+              <a:rPr lang="el-GR" sz="3200" dirty="0">
+                <a:ea typeface="ＭＳ Ｐゴシック" charset="0"/>
+                <a:cs typeface="ＭＳ Ｐゴシック" charset="0"/>
+              </a:rPr>
+              <a:t> area of research </a:t>
+            </a:r>
+          </a:p>
+        </p:txBody>
+      </p:sp>
+    </p:spTree>
+  </p:cSld>
+  <p:clrMapOvr>
+    <a:masterClrMapping/>
+  </p:clrMapOvr>
+</p:sld>
+</file>
+
+<file path=ppt/slides/slide97.xml><?xml version="1.0" encoding="utf-8"?>
+<p:sld xmlns:a="http://schemas.openxmlformats.org/drawingml/2006/main" xmlns:r="http://schemas.openxmlformats.org/officeDocument/2006/relationships" xmlns:p="http://schemas.openxmlformats.org/presentationml/2006/main">
+  <p:cSld>
+    <p:spTree>
+      <p:nvGrpSpPr>
+        <p:cNvPr id="1" name=""/>
+        <p:cNvGrpSpPr/>
+        <p:nvPr/>
+      </p:nvGrpSpPr>
+      <p:grpSpPr>
+        <a:xfrm>
+          <a:off x="0" y="0"/>
+          <a:ext cx="0" cy="0"/>
+          <a:chOff x="0" y="0"/>
+          <a:chExt cx="0" cy="0"/>
+        </a:xfrm>
+      </p:grpSpPr>
+      <p:sp>
+        <p:nvSpPr>
           <p:cNvPr id="235521" name="AutoShape 2"/>
           <p:cNvSpPr>
             <a:spLocks noGrp="1" noChangeArrowheads="1"/>
@@ -49488,7 +49777,7 @@
 </p:sld>
 </file>
 
-<file path=ppt/slides/slide96.xml><?xml version="1.0" encoding="utf-8"?>
+<file path=ppt/slides/slide98.xml><?xml version="1.0" encoding="utf-8"?>
 <p:sld xmlns:a="http://schemas.openxmlformats.org/drawingml/2006/main" xmlns:r="http://schemas.openxmlformats.org/officeDocument/2006/relationships" xmlns:p="http://schemas.openxmlformats.org/presentationml/2006/main">
   <p:cSld>
     <p:spTree>

--- a/notes/07_owl/07OWL.pptx
+++ b/notes/07_owl/07OWL.pptx
@@ -657,10 +657,10 @@
           </a:ln>
           <a:extLst>
             <a:ext uri="{FAA26D3D-D897-4be2-8F04-BA451C77F1D7}">
-              <ma14:placeholderFlag xmlns:ma14="http://schemas.microsoft.com/office/mac/drawingml/2011/main" xmlns="" val="1"/>
+              <ma14:placeholderFlag xmlns="" xmlns:ma14="http://schemas.microsoft.com/office/mac/drawingml/2011/main" val="1"/>
             </a:ext>
             <a:ext uri="{909E8E84-426E-40dd-AFC4-6F175D3DCCD1}">
-              <a14:hiddenFill xmlns:a14="http://schemas.microsoft.com/office/drawing/2010/main" xmlns="">
+              <a14:hiddenFill xmlns="" xmlns:a14="http://schemas.microsoft.com/office/drawing/2010/main">
                 <a:solidFill>
                   <a:srgbClr val="FFFFFF"/>
                 </a:solidFill>
@@ -1008,14 +1008,14 @@
           <a:ln/>
           <a:extLst>
             <a:ext uri="{909E8E84-426E-40dd-AFC4-6F175D3DCCD1}">
-              <a14:hiddenFill xmlns:a14="http://schemas.microsoft.com/office/drawing/2010/main" xmlns="">
+              <a14:hiddenFill xmlns="" xmlns:a14="http://schemas.microsoft.com/office/drawing/2010/main">
                 <a:solidFill>
                   <a:srgbClr val="FFFFFF"/>
                 </a:solidFill>
               </a14:hiddenFill>
             </a:ext>
             <a:ext uri="{91240B29-F687-4f45-9708-019B960494DF}">
-              <a14:hiddenLine xmlns:a14="http://schemas.microsoft.com/office/drawing/2010/main" xmlns="" w="9525">
+              <a14:hiddenLine xmlns="" xmlns:a14="http://schemas.microsoft.com/office/drawing/2010/main" w="9525">
                 <a:solidFill>
                   <a:srgbClr val="000000"/>
                 </a:solidFill>
@@ -1180,17 +1180,17 @@
           <a:ln/>
           <a:extLst>
             <a:ext uri="{FAA26D3D-D897-4be2-8F04-BA451C77F1D7}">
-              <ma14:placeholderFlag xmlns:ma14="http://schemas.microsoft.com/office/mac/drawingml/2011/main" xmlns="" val="1"/>
+              <ma14:placeholderFlag xmlns="" xmlns:ma14="http://schemas.microsoft.com/office/mac/drawingml/2011/main" val="1"/>
             </a:ext>
             <a:ext uri="{909E8E84-426E-40dd-AFC4-6F175D3DCCD1}">
-              <a14:hiddenFill xmlns:a14="http://schemas.microsoft.com/office/drawing/2010/main" xmlns="">
+              <a14:hiddenFill xmlns="" xmlns:a14="http://schemas.microsoft.com/office/drawing/2010/main">
                 <a:solidFill>
                   <a:srgbClr val="FFFFFF"/>
                 </a:solidFill>
               </a14:hiddenFill>
             </a:ext>
             <a:ext uri="{91240B29-F687-4f45-9708-019B960494DF}">
-              <a14:hiddenLine xmlns:a14="http://schemas.microsoft.com/office/drawing/2010/main" xmlns="" w="9525">
+              <a14:hiddenLine xmlns="" xmlns:a14="http://schemas.microsoft.com/office/drawing/2010/main" w="9525">
                 <a:solidFill>
                   <a:srgbClr val="000000"/>
                 </a:solidFill>
@@ -1253,14 +1253,14 @@
           <a:ln/>
           <a:extLst>
             <a:ext uri="{909E8E84-426E-40dd-AFC4-6F175D3DCCD1}">
-              <a14:hiddenFill xmlns:a14="http://schemas.microsoft.com/office/drawing/2010/main" xmlns="">
+              <a14:hiddenFill xmlns="" xmlns:a14="http://schemas.microsoft.com/office/drawing/2010/main">
                 <a:solidFill>
                   <a:srgbClr val="FFFFFF"/>
                 </a:solidFill>
               </a14:hiddenFill>
             </a:ext>
             <a:ext uri="{91240B29-F687-4f45-9708-019B960494DF}">
-              <a14:hiddenLine xmlns:a14="http://schemas.microsoft.com/office/drawing/2010/main" xmlns="" w="9525">
+              <a14:hiddenLine xmlns="" xmlns:a14="http://schemas.microsoft.com/office/drawing/2010/main" w="9525">
                 <a:solidFill>
                   <a:srgbClr val="000000"/>
                 </a:solidFill>
@@ -1425,17 +1425,17 @@
           <a:ln/>
           <a:extLst>
             <a:ext uri="{FAA26D3D-D897-4be2-8F04-BA451C77F1D7}">
-              <ma14:placeholderFlag xmlns:ma14="http://schemas.microsoft.com/office/mac/drawingml/2011/main" xmlns="" val="1"/>
+              <ma14:placeholderFlag xmlns="" xmlns:ma14="http://schemas.microsoft.com/office/mac/drawingml/2011/main" val="1"/>
             </a:ext>
             <a:ext uri="{909E8E84-426E-40dd-AFC4-6F175D3DCCD1}">
-              <a14:hiddenFill xmlns:a14="http://schemas.microsoft.com/office/drawing/2010/main" xmlns="">
+              <a14:hiddenFill xmlns="" xmlns:a14="http://schemas.microsoft.com/office/drawing/2010/main">
                 <a:solidFill>
                   <a:srgbClr val="FFFFFF"/>
                 </a:solidFill>
               </a14:hiddenFill>
             </a:ext>
             <a:ext uri="{91240B29-F687-4f45-9708-019B960494DF}">
-              <a14:hiddenLine xmlns:a14="http://schemas.microsoft.com/office/drawing/2010/main" xmlns="" w="9525">
+              <a14:hiddenLine xmlns="" xmlns:a14="http://schemas.microsoft.com/office/drawing/2010/main" w="9525">
                 <a:solidFill>
                   <a:srgbClr val="000000"/>
                 </a:solidFill>
@@ -1498,14 +1498,14 @@
           <a:ln/>
           <a:extLst>
             <a:ext uri="{909E8E84-426E-40dd-AFC4-6F175D3DCCD1}">
-              <a14:hiddenFill xmlns:a14="http://schemas.microsoft.com/office/drawing/2010/main" xmlns="">
+              <a14:hiddenFill xmlns="" xmlns:a14="http://schemas.microsoft.com/office/drawing/2010/main">
                 <a:solidFill>
                   <a:srgbClr val="FFFFFF"/>
                 </a:solidFill>
               </a14:hiddenFill>
             </a:ext>
             <a:ext uri="{91240B29-F687-4f45-9708-019B960494DF}">
-              <a14:hiddenLine xmlns:a14="http://schemas.microsoft.com/office/drawing/2010/main" xmlns="" w="9525">
+              <a14:hiddenLine xmlns="" xmlns:a14="http://schemas.microsoft.com/office/drawing/2010/main" w="9525">
                 <a:solidFill>
                   <a:srgbClr val="000000"/>
                 </a:solidFill>
@@ -1670,17 +1670,17 @@
           <a:ln/>
           <a:extLst>
             <a:ext uri="{FAA26D3D-D897-4be2-8F04-BA451C77F1D7}">
-              <ma14:placeholderFlag xmlns:ma14="http://schemas.microsoft.com/office/mac/drawingml/2011/main" xmlns="" val="1"/>
+              <ma14:placeholderFlag xmlns="" xmlns:ma14="http://schemas.microsoft.com/office/mac/drawingml/2011/main" val="1"/>
             </a:ext>
             <a:ext uri="{909E8E84-426E-40dd-AFC4-6F175D3DCCD1}">
-              <a14:hiddenFill xmlns:a14="http://schemas.microsoft.com/office/drawing/2010/main" xmlns="">
+              <a14:hiddenFill xmlns="" xmlns:a14="http://schemas.microsoft.com/office/drawing/2010/main">
                 <a:solidFill>
                   <a:srgbClr val="FFFFFF"/>
                 </a:solidFill>
               </a14:hiddenFill>
             </a:ext>
             <a:ext uri="{91240B29-F687-4f45-9708-019B960494DF}">
-              <a14:hiddenLine xmlns:a14="http://schemas.microsoft.com/office/drawing/2010/main" xmlns="" w="9525">
+              <a14:hiddenLine xmlns="" xmlns:a14="http://schemas.microsoft.com/office/drawing/2010/main" w="9525">
                 <a:solidFill>
                   <a:srgbClr val="000000"/>
                 </a:solidFill>
@@ -1743,14 +1743,14 @@
           <a:ln/>
           <a:extLst>
             <a:ext uri="{909E8E84-426E-40dd-AFC4-6F175D3DCCD1}">
-              <a14:hiddenFill xmlns:a14="http://schemas.microsoft.com/office/drawing/2010/main" xmlns="">
+              <a14:hiddenFill xmlns="" xmlns:a14="http://schemas.microsoft.com/office/drawing/2010/main">
                 <a:solidFill>
                   <a:srgbClr val="FFFFFF"/>
                 </a:solidFill>
               </a14:hiddenFill>
             </a:ext>
             <a:ext uri="{91240B29-F687-4f45-9708-019B960494DF}">
-              <a14:hiddenLine xmlns:a14="http://schemas.microsoft.com/office/drawing/2010/main" xmlns="" w="9525">
+              <a14:hiddenLine xmlns="" xmlns:a14="http://schemas.microsoft.com/office/drawing/2010/main" w="9525">
                 <a:solidFill>
                   <a:srgbClr val="000000"/>
                 </a:solidFill>
@@ -1915,17 +1915,17 @@
           <a:ln/>
           <a:extLst>
             <a:ext uri="{FAA26D3D-D897-4be2-8F04-BA451C77F1D7}">
-              <ma14:placeholderFlag xmlns:ma14="http://schemas.microsoft.com/office/mac/drawingml/2011/main" xmlns="" val="1"/>
+              <ma14:placeholderFlag xmlns="" xmlns:ma14="http://schemas.microsoft.com/office/mac/drawingml/2011/main" val="1"/>
             </a:ext>
             <a:ext uri="{909E8E84-426E-40dd-AFC4-6F175D3DCCD1}">
-              <a14:hiddenFill xmlns:a14="http://schemas.microsoft.com/office/drawing/2010/main" xmlns="">
+              <a14:hiddenFill xmlns="" xmlns:a14="http://schemas.microsoft.com/office/drawing/2010/main">
                 <a:solidFill>
                   <a:srgbClr val="FFFFFF"/>
                 </a:solidFill>
               </a14:hiddenFill>
             </a:ext>
             <a:ext uri="{91240B29-F687-4f45-9708-019B960494DF}">
-              <a14:hiddenLine xmlns:a14="http://schemas.microsoft.com/office/drawing/2010/main" xmlns="" w="9525">
+              <a14:hiddenLine xmlns="" xmlns:a14="http://schemas.microsoft.com/office/drawing/2010/main" w="9525">
                 <a:solidFill>
                   <a:srgbClr val="000000"/>
                 </a:solidFill>
@@ -1988,14 +1988,14 @@
           <a:ln/>
           <a:extLst>
             <a:ext uri="{909E8E84-426E-40dd-AFC4-6F175D3DCCD1}">
-              <a14:hiddenFill xmlns:a14="http://schemas.microsoft.com/office/drawing/2010/main" xmlns="">
+              <a14:hiddenFill xmlns="" xmlns:a14="http://schemas.microsoft.com/office/drawing/2010/main">
                 <a:solidFill>
                   <a:srgbClr val="FFFFFF"/>
                 </a:solidFill>
               </a14:hiddenFill>
             </a:ext>
             <a:ext uri="{91240B29-F687-4f45-9708-019B960494DF}">
-              <a14:hiddenLine xmlns:a14="http://schemas.microsoft.com/office/drawing/2010/main" xmlns="" w="9525">
+              <a14:hiddenLine xmlns="" xmlns:a14="http://schemas.microsoft.com/office/drawing/2010/main" w="9525">
                 <a:solidFill>
                   <a:srgbClr val="000000"/>
                 </a:solidFill>
@@ -2160,17 +2160,17 @@
           <a:ln/>
           <a:extLst>
             <a:ext uri="{FAA26D3D-D897-4be2-8F04-BA451C77F1D7}">
-              <ma14:placeholderFlag xmlns:ma14="http://schemas.microsoft.com/office/mac/drawingml/2011/main" xmlns="" val="1"/>
+              <ma14:placeholderFlag xmlns="" xmlns:ma14="http://schemas.microsoft.com/office/mac/drawingml/2011/main" val="1"/>
             </a:ext>
             <a:ext uri="{909E8E84-426E-40dd-AFC4-6F175D3DCCD1}">
-              <a14:hiddenFill xmlns:a14="http://schemas.microsoft.com/office/drawing/2010/main" xmlns="">
+              <a14:hiddenFill xmlns="" xmlns:a14="http://schemas.microsoft.com/office/drawing/2010/main">
                 <a:solidFill>
                   <a:srgbClr val="FFFFFF"/>
                 </a:solidFill>
               </a14:hiddenFill>
             </a:ext>
             <a:ext uri="{91240B29-F687-4f45-9708-019B960494DF}">
-              <a14:hiddenLine xmlns:a14="http://schemas.microsoft.com/office/drawing/2010/main" xmlns="" w="9525">
+              <a14:hiddenLine xmlns="" xmlns:a14="http://schemas.microsoft.com/office/drawing/2010/main" w="9525">
                 <a:solidFill>
                   <a:srgbClr val="000000"/>
                 </a:solidFill>
@@ -2233,14 +2233,14 @@
           <a:ln/>
           <a:extLst>
             <a:ext uri="{909E8E84-426E-40dd-AFC4-6F175D3DCCD1}">
-              <a14:hiddenFill xmlns:a14="http://schemas.microsoft.com/office/drawing/2010/main" xmlns="">
+              <a14:hiddenFill xmlns="" xmlns:a14="http://schemas.microsoft.com/office/drawing/2010/main">
                 <a:solidFill>
                   <a:srgbClr val="FFFFFF"/>
                 </a:solidFill>
               </a14:hiddenFill>
             </a:ext>
             <a:ext uri="{91240B29-F687-4f45-9708-019B960494DF}">
-              <a14:hiddenLine xmlns:a14="http://schemas.microsoft.com/office/drawing/2010/main" xmlns="" w="9525">
+              <a14:hiddenLine xmlns="" xmlns:a14="http://schemas.microsoft.com/office/drawing/2010/main" w="9525">
                 <a:solidFill>
                   <a:srgbClr val="000000"/>
                 </a:solidFill>
@@ -2405,17 +2405,17 @@
           <a:ln/>
           <a:extLst>
             <a:ext uri="{FAA26D3D-D897-4be2-8F04-BA451C77F1D7}">
-              <ma14:placeholderFlag xmlns:ma14="http://schemas.microsoft.com/office/mac/drawingml/2011/main" xmlns="" val="1"/>
+              <ma14:placeholderFlag xmlns="" xmlns:ma14="http://schemas.microsoft.com/office/mac/drawingml/2011/main" val="1"/>
             </a:ext>
             <a:ext uri="{909E8E84-426E-40dd-AFC4-6F175D3DCCD1}">
-              <a14:hiddenFill xmlns:a14="http://schemas.microsoft.com/office/drawing/2010/main" xmlns="">
+              <a14:hiddenFill xmlns="" xmlns:a14="http://schemas.microsoft.com/office/drawing/2010/main">
                 <a:solidFill>
                   <a:srgbClr val="FFFFFF"/>
                 </a:solidFill>
               </a14:hiddenFill>
             </a:ext>
             <a:ext uri="{91240B29-F687-4f45-9708-019B960494DF}">
-              <a14:hiddenLine xmlns:a14="http://schemas.microsoft.com/office/drawing/2010/main" xmlns="" w="9525">
+              <a14:hiddenLine xmlns="" xmlns:a14="http://schemas.microsoft.com/office/drawing/2010/main" w="9525">
                 <a:solidFill>
                   <a:srgbClr val="000000"/>
                 </a:solidFill>
@@ -2478,14 +2478,14 @@
           <a:ln/>
           <a:extLst>
             <a:ext uri="{909E8E84-426E-40dd-AFC4-6F175D3DCCD1}">
-              <a14:hiddenFill xmlns:a14="http://schemas.microsoft.com/office/drawing/2010/main" xmlns="">
+              <a14:hiddenFill xmlns="" xmlns:a14="http://schemas.microsoft.com/office/drawing/2010/main">
                 <a:solidFill>
                   <a:srgbClr val="FFFFFF"/>
                 </a:solidFill>
               </a14:hiddenFill>
             </a:ext>
             <a:ext uri="{91240B29-F687-4f45-9708-019B960494DF}">
-              <a14:hiddenLine xmlns:a14="http://schemas.microsoft.com/office/drawing/2010/main" xmlns="" w="9525">
+              <a14:hiddenLine xmlns="" xmlns:a14="http://schemas.microsoft.com/office/drawing/2010/main" w="9525">
                 <a:solidFill>
                   <a:srgbClr val="000000"/>
                 </a:solidFill>
@@ -2650,17 +2650,17 @@
           <a:ln/>
           <a:extLst>
             <a:ext uri="{FAA26D3D-D897-4be2-8F04-BA451C77F1D7}">
-              <ma14:placeholderFlag xmlns:ma14="http://schemas.microsoft.com/office/mac/drawingml/2011/main" xmlns="" val="1"/>
+              <ma14:placeholderFlag xmlns="" xmlns:ma14="http://schemas.microsoft.com/office/mac/drawingml/2011/main" val="1"/>
             </a:ext>
             <a:ext uri="{909E8E84-426E-40dd-AFC4-6F175D3DCCD1}">
-              <a14:hiddenFill xmlns:a14="http://schemas.microsoft.com/office/drawing/2010/main" xmlns="">
+              <a14:hiddenFill xmlns="" xmlns:a14="http://schemas.microsoft.com/office/drawing/2010/main">
                 <a:solidFill>
                   <a:srgbClr val="FFFFFF"/>
                 </a:solidFill>
               </a14:hiddenFill>
             </a:ext>
             <a:ext uri="{91240B29-F687-4f45-9708-019B960494DF}">
-              <a14:hiddenLine xmlns:a14="http://schemas.microsoft.com/office/drawing/2010/main" xmlns="" w="9525">
+              <a14:hiddenLine xmlns="" xmlns:a14="http://schemas.microsoft.com/office/drawing/2010/main" w="9525">
                 <a:solidFill>
                   <a:srgbClr val="000000"/>
                 </a:solidFill>
@@ -2723,14 +2723,14 @@
           <a:ln/>
           <a:extLst>
             <a:ext uri="{909E8E84-426E-40dd-AFC4-6F175D3DCCD1}">
-              <a14:hiddenFill xmlns:a14="http://schemas.microsoft.com/office/drawing/2010/main" xmlns="">
+              <a14:hiddenFill xmlns="" xmlns:a14="http://schemas.microsoft.com/office/drawing/2010/main">
                 <a:solidFill>
                   <a:srgbClr val="FFFFFF"/>
                 </a:solidFill>
               </a14:hiddenFill>
             </a:ext>
             <a:ext uri="{91240B29-F687-4f45-9708-019B960494DF}">
-              <a14:hiddenLine xmlns:a14="http://schemas.microsoft.com/office/drawing/2010/main" xmlns="" w="9525">
+              <a14:hiddenLine xmlns="" xmlns:a14="http://schemas.microsoft.com/office/drawing/2010/main" w="9525">
                 <a:solidFill>
                   <a:srgbClr val="000000"/>
                 </a:solidFill>
@@ -2895,17 +2895,17 @@
           <a:ln/>
           <a:extLst>
             <a:ext uri="{FAA26D3D-D897-4be2-8F04-BA451C77F1D7}">
-              <ma14:placeholderFlag xmlns:ma14="http://schemas.microsoft.com/office/mac/drawingml/2011/main" xmlns="" val="1"/>
+              <ma14:placeholderFlag xmlns="" xmlns:ma14="http://schemas.microsoft.com/office/mac/drawingml/2011/main" val="1"/>
             </a:ext>
             <a:ext uri="{909E8E84-426E-40dd-AFC4-6F175D3DCCD1}">
-              <a14:hiddenFill xmlns:a14="http://schemas.microsoft.com/office/drawing/2010/main" xmlns="">
+              <a14:hiddenFill xmlns="" xmlns:a14="http://schemas.microsoft.com/office/drawing/2010/main">
                 <a:solidFill>
                   <a:srgbClr val="FFFFFF"/>
                 </a:solidFill>
               </a14:hiddenFill>
             </a:ext>
             <a:ext uri="{91240B29-F687-4f45-9708-019B960494DF}">
-              <a14:hiddenLine xmlns:a14="http://schemas.microsoft.com/office/drawing/2010/main" xmlns="" w="9525">
+              <a14:hiddenLine xmlns="" xmlns:a14="http://schemas.microsoft.com/office/drawing/2010/main" w="9525">
                 <a:solidFill>
                   <a:srgbClr val="000000"/>
                 </a:solidFill>
@@ -2968,14 +2968,14 @@
           <a:ln/>
           <a:extLst>
             <a:ext uri="{909E8E84-426E-40dd-AFC4-6F175D3DCCD1}">
-              <a14:hiddenFill xmlns:a14="http://schemas.microsoft.com/office/drawing/2010/main" xmlns="">
+              <a14:hiddenFill xmlns="" xmlns:a14="http://schemas.microsoft.com/office/drawing/2010/main">
                 <a:solidFill>
                   <a:srgbClr val="FFFFFF"/>
                 </a:solidFill>
               </a14:hiddenFill>
             </a:ext>
             <a:ext uri="{91240B29-F687-4f45-9708-019B960494DF}">
-              <a14:hiddenLine xmlns:a14="http://schemas.microsoft.com/office/drawing/2010/main" xmlns="" w="9525">
+              <a14:hiddenLine xmlns="" xmlns:a14="http://schemas.microsoft.com/office/drawing/2010/main" w="9525">
                 <a:solidFill>
                   <a:srgbClr val="000000"/>
                 </a:solidFill>
@@ -3140,17 +3140,17 @@
           <a:ln/>
           <a:extLst>
             <a:ext uri="{FAA26D3D-D897-4be2-8F04-BA451C77F1D7}">
-              <ma14:placeholderFlag xmlns:ma14="http://schemas.microsoft.com/office/mac/drawingml/2011/main" xmlns="" val="1"/>
+              <ma14:placeholderFlag xmlns="" xmlns:ma14="http://schemas.microsoft.com/office/mac/drawingml/2011/main" val="1"/>
             </a:ext>
             <a:ext uri="{909E8E84-426E-40dd-AFC4-6F175D3DCCD1}">
-              <a14:hiddenFill xmlns:a14="http://schemas.microsoft.com/office/drawing/2010/main" xmlns="">
+              <a14:hiddenFill xmlns="" xmlns:a14="http://schemas.microsoft.com/office/drawing/2010/main">
                 <a:solidFill>
                   <a:srgbClr val="FFFFFF"/>
                 </a:solidFill>
               </a14:hiddenFill>
             </a:ext>
             <a:ext uri="{91240B29-F687-4f45-9708-019B960494DF}">
-              <a14:hiddenLine xmlns:a14="http://schemas.microsoft.com/office/drawing/2010/main" xmlns="" w="9525">
+              <a14:hiddenLine xmlns="" xmlns:a14="http://schemas.microsoft.com/office/drawing/2010/main" w="9525">
                 <a:solidFill>
                   <a:srgbClr val="000000"/>
                 </a:solidFill>
@@ -3213,14 +3213,14 @@
           <a:ln/>
           <a:extLst>
             <a:ext uri="{909E8E84-426E-40dd-AFC4-6F175D3DCCD1}">
-              <a14:hiddenFill xmlns:a14="http://schemas.microsoft.com/office/drawing/2010/main" xmlns="">
+              <a14:hiddenFill xmlns="" xmlns:a14="http://schemas.microsoft.com/office/drawing/2010/main">
                 <a:solidFill>
                   <a:srgbClr val="FFFFFF"/>
                 </a:solidFill>
               </a14:hiddenFill>
             </a:ext>
             <a:ext uri="{91240B29-F687-4f45-9708-019B960494DF}">
-              <a14:hiddenLine xmlns:a14="http://schemas.microsoft.com/office/drawing/2010/main" xmlns="" w="9525">
+              <a14:hiddenLine xmlns="" xmlns:a14="http://schemas.microsoft.com/office/drawing/2010/main" w="9525">
                 <a:solidFill>
                   <a:srgbClr val="000000"/>
                 </a:solidFill>
@@ -3385,17 +3385,17 @@
           <a:ln/>
           <a:extLst>
             <a:ext uri="{FAA26D3D-D897-4be2-8F04-BA451C77F1D7}">
-              <ma14:placeholderFlag xmlns:ma14="http://schemas.microsoft.com/office/mac/drawingml/2011/main" xmlns="" val="1"/>
+              <ma14:placeholderFlag xmlns="" xmlns:ma14="http://schemas.microsoft.com/office/mac/drawingml/2011/main" val="1"/>
             </a:ext>
             <a:ext uri="{909E8E84-426E-40dd-AFC4-6F175D3DCCD1}">
-              <a14:hiddenFill xmlns:a14="http://schemas.microsoft.com/office/drawing/2010/main" xmlns="">
+              <a14:hiddenFill xmlns="" xmlns:a14="http://schemas.microsoft.com/office/drawing/2010/main">
                 <a:solidFill>
                   <a:srgbClr val="FFFFFF"/>
                 </a:solidFill>
               </a14:hiddenFill>
             </a:ext>
             <a:ext uri="{91240B29-F687-4f45-9708-019B960494DF}">
-              <a14:hiddenLine xmlns:a14="http://schemas.microsoft.com/office/drawing/2010/main" xmlns="" w="9525">
+              <a14:hiddenLine xmlns="" xmlns:a14="http://schemas.microsoft.com/office/drawing/2010/main" w="9525">
                 <a:solidFill>
                   <a:srgbClr val="000000"/>
                 </a:solidFill>
@@ -3458,14 +3458,14 @@
           <a:ln/>
           <a:extLst>
             <a:ext uri="{909E8E84-426E-40dd-AFC4-6F175D3DCCD1}">
-              <a14:hiddenFill xmlns:a14="http://schemas.microsoft.com/office/drawing/2010/main" xmlns="">
+              <a14:hiddenFill xmlns="" xmlns:a14="http://schemas.microsoft.com/office/drawing/2010/main">
                 <a:solidFill>
                   <a:srgbClr val="FFFFFF"/>
                 </a:solidFill>
               </a14:hiddenFill>
             </a:ext>
             <a:ext uri="{91240B29-F687-4f45-9708-019B960494DF}">
-              <a14:hiddenLine xmlns:a14="http://schemas.microsoft.com/office/drawing/2010/main" xmlns="" w="9525">
+              <a14:hiddenLine xmlns="" xmlns:a14="http://schemas.microsoft.com/office/drawing/2010/main" w="9525">
                 <a:solidFill>
                   <a:srgbClr val="000000"/>
                 </a:solidFill>
@@ -3630,17 +3630,17 @@
           <a:ln/>
           <a:extLst>
             <a:ext uri="{FAA26D3D-D897-4be2-8F04-BA451C77F1D7}">
-              <ma14:placeholderFlag xmlns:ma14="http://schemas.microsoft.com/office/mac/drawingml/2011/main" xmlns="" val="1"/>
+              <ma14:placeholderFlag xmlns="" xmlns:ma14="http://schemas.microsoft.com/office/mac/drawingml/2011/main" val="1"/>
             </a:ext>
             <a:ext uri="{909E8E84-426E-40dd-AFC4-6F175D3DCCD1}">
-              <a14:hiddenFill xmlns:a14="http://schemas.microsoft.com/office/drawing/2010/main" xmlns="">
+              <a14:hiddenFill xmlns="" xmlns:a14="http://schemas.microsoft.com/office/drawing/2010/main">
                 <a:solidFill>
                   <a:srgbClr val="FFFFFF"/>
                 </a:solidFill>
               </a14:hiddenFill>
             </a:ext>
             <a:ext uri="{91240B29-F687-4f45-9708-019B960494DF}">
-              <a14:hiddenLine xmlns:a14="http://schemas.microsoft.com/office/drawing/2010/main" xmlns="" w="9525">
+              <a14:hiddenLine xmlns="" xmlns:a14="http://schemas.microsoft.com/office/drawing/2010/main" w="9525">
                 <a:solidFill>
                   <a:srgbClr val="000000"/>
                 </a:solidFill>
@@ -3703,14 +3703,14 @@
           <a:ln/>
           <a:extLst>
             <a:ext uri="{909E8E84-426E-40dd-AFC4-6F175D3DCCD1}">
-              <a14:hiddenFill xmlns:a14="http://schemas.microsoft.com/office/drawing/2010/main" xmlns="">
+              <a14:hiddenFill xmlns="" xmlns:a14="http://schemas.microsoft.com/office/drawing/2010/main">
                 <a:solidFill>
                   <a:srgbClr val="FFFFFF"/>
                 </a:solidFill>
               </a14:hiddenFill>
             </a:ext>
             <a:ext uri="{91240B29-F687-4f45-9708-019B960494DF}">
-              <a14:hiddenLine xmlns:a14="http://schemas.microsoft.com/office/drawing/2010/main" xmlns="" w="9525">
+              <a14:hiddenLine xmlns="" xmlns:a14="http://schemas.microsoft.com/office/drawing/2010/main" w="9525">
                 <a:solidFill>
                   <a:srgbClr val="000000"/>
                 </a:solidFill>
@@ -3875,17 +3875,17 @@
           <a:ln/>
           <a:extLst>
             <a:ext uri="{FAA26D3D-D897-4be2-8F04-BA451C77F1D7}">
-              <ma14:placeholderFlag xmlns:ma14="http://schemas.microsoft.com/office/mac/drawingml/2011/main" xmlns="" val="1"/>
+              <ma14:placeholderFlag xmlns="" xmlns:ma14="http://schemas.microsoft.com/office/mac/drawingml/2011/main" val="1"/>
             </a:ext>
             <a:ext uri="{909E8E84-426E-40dd-AFC4-6F175D3DCCD1}">
-              <a14:hiddenFill xmlns:a14="http://schemas.microsoft.com/office/drawing/2010/main" xmlns="">
+              <a14:hiddenFill xmlns="" xmlns:a14="http://schemas.microsoft.com/office/drawing/2010/main">
                 <a:solidFill>
                   <a:srgbClr val="FFFFFF"/>
                 </a:solidFill>
               </a14:hiddenFill>
             </a:ext>
             <a:ext uri="{91240B29-F687-4f45-9708-019B960494DF}">
-              <a14:hiddenLine xmlns:a14="http://schemas.microsoft.com/office/drawing/2010/main" xmlns="" w="9525">
+              <a14:hiddenLine xmlns="" xmlns:a14="http://schemas.microsoft.com/office/drawing/2010/main" w="9525">
                 <a:solidFill>
                   <a:srgbClr val="000000"/>
                 </a:solidFill>
@@ -3948,14 +3948,14 @@
           <a:ln/>
           <a:extLst>
             <a:ext uri="{909E8E84-426E-40dd-AFC4-6F175D3DCCD1}">
-              <a14:hiddenFill xmlns:a14="http://schemas.microsoft.com/office/drawing/2010/main" xmlns="">
+              <a14:hiddenFill xmlns="" xmlns:a14="http://schemas.microsoft.com/office/drawing/2010/main">
                 <a:solidFill>
                   <a:srgbClr val="FFFFFF"/>
                 </a:solidFill>
               </a14:hiddenFill>
             </a:ext>
             <a:ext uri="{91240B29-F687-4f45-9708-019B960494DF}">
-              <a14:hiddenLine xmlns:a14="http://schemas.microsoft.com/office/drawing/2010/main" xmlns="" w="9525">
+              <a14:hiddenLine xmlns="" xmlns:a14="http://schemas.microsoft.com/office/drawing/2010/main" w="9525">
                 <a:solidFill>
                   <a:srgbClr val="000000"/>
                 </a:solidFill>
@@ -4120,17 +4120,17 @@
           <a:ln/>
           <a:extLst>
             <a:ext uri="{FAA26D3D-D897-4be2-8F04-BA451C77F1D7}">
-              <ma14:placeholderFlag xmlns:ma14="http://schemas.microsoft.com/office/mac/drawingml/2011/main" xmlns="" val="1"/>
+              <ma14:placeholderFlag xmlns="" xmlns:ma14="http://schemas.microsoft.com/office/mac/drawingml/2011/main" val="1"/>
             </a:ext>
             <a:ext uri="{909E8E84-426E-40dd-AFC4-6F175D3DCCD1}">
-              <a14:hiddenFill xmlns:a14="http://schemas.microsoft.com/office/drawing/2010/main" xmlns="">
+              <a14:hiddenFill xmlns="" xmlns:a14="http://schemas.microsoft.com/office/drawing/2010/main">
                 <a:solidFill>
                   <a:srgbClr val="FFFFFF"/>
                 </a:solidFill>
               </a14:hiddenFill>
             </a:ext>
             <a:ext uri="{91240B29-F687-4f45-9708-019B960494DF}">
-              <a14:hiddenLine xmlns:a14="http://schemas.microsoft.com/office/drawing/2010/main" xmlns="" w="9525">
+              <a14:hiddenLine xmlns="" xmlns:a14="http://schemas.microsoft.com/office/drawing/2010/main" w="9525">
                 <a:solidFill>
                   <a:srgbClr val="000000"/>
                 </a:solidFill>
@@ -4193,14 +4193,14 @@
           <a:ln/>
           <a:extLst>
             <a:ext uri="{909E8E84-426E-40dd-AFC4-6F175D3DCCD1}">
-              <a14:hiddenFill xmlns:a14="http://schemas.microsoft.com/office/drawing/2010/main" xmlns="">
+              <a14:hiddenFill xmlns="" xmlns:a14="http://schemas.microsoft.com/office/drawing/2010/main">
                 <a:solidFill>
                   <a:srgbClr val="FFFFFF"/>
                 </a:solidFill>
               </a14:hiddenFill>
             </a:ext>
             <a:ext uri="{91240B29-F687-4f45-9708-019B960494DF}">
-              <a14:hiddenLine xmlns:a14="http://schemas.microsoft.com/office/drawing/2010/main" xmlns="" w="9525">
+              <a14:hiddenLine xmlns="" xmlns:a14="http://schemas.microsoft.com/office/drawing/2010/main" w="9525">
                 <a:solidFill>
                   <a:srgbClr val="000000"/>
                 </a:solidFill>
@@ -4365,17 +4365,17 @@
           <a:ln/>
           <a:extLst>
             <a:ext uri="{FAA26D3D-D897-4be2-8F04-BA451C77F1D7}">
-              <ma14:placeholderFlag xmlns:ma14="http://schemas.microsoft.com/office/mac/drawingml/2011/main" xmlns="" val="1"/>
+              <ma14:placeholderFlag xmlns="" xmlns:ma14="http://schemas.microsoft.com/office/mac/drawingml/2011/main" val="1"/>
             </a:ext>
             <a:ext uri="{909E8E84-426E-40dd-AFC4-6F175D3DCCD1}">
-              <a14:hiddenFill xmlns:a14="http://schemas.microsoft.com/office/drawing/2010/main" xmlns="">
+              <a14:hiddenFill xmlns="" xmlns:a14="http://schemas.microsoft.com/office/drawing/2010/main">
                 <a:solidFill>
                   <a:srgbClr val="FFFFFF"/>
                 </a:solidFill>
               </a14:hiddenFill>
             </a:ext>
             <a:ext uri="{91240B29-F687-4f45-9708-019B960494DF}">
-              <a14:hiddenLine xmlns:a14="http://schemas.microsoft.com/office/drawing/2010/main" xmlns="" w="9525">
+              <a14:hiddenLine xmlns="" xmlns:a14="http://schemas.microsoft.com/office/drawing/2010/main" w="9525">
                 <a:solidFill>
                   <a:srgbClr val="000000"/>
                 </a:solidFill>
@@ -4438,14 +4438,14 @@
           <a:ln/>
           <a:extLst>
             <a:ext uri="{909E8E84-426E-40dd-AFC4-6F175D3DCCD1}">
-              <a14:hiddenFill xmlns:a14="http://schemas.microsoft.com/office/drawing/2010/main" xmlns="">
+              <a14:hiddenFill xmlns="" xmlns:a14="http://schemas.microsoft.com/office/drawing/2010/main">
                 <a:solidFill>
                   <a:srgbClr val="FFFFFF"/>
                 </a:solidFill>
               </a14:hiddenFill>
             </a:ext>
             <a:ext uri="{91240B29-F687-4f45-9708-019B960494DF}">
-              <a14:hiddenLine xmlns:a14="http://schemas.microsoft.com/office/drawing/2010/main" xmlns="" w="9525">
+              <a14:hiddenLine xmlns="" xmlns:a14="http://schemas.microsoft.com/office/drawing/2010/main" w="9525">
                 <a:solidFill>
                   <a:srgbClr val="000000"/>
                 </a:solidFill>
@@ -4610,17 +4610,17 @@
           <a:ln/>
           <a:extLst>
             <a:ext uri="{FAA26D3D-D897-4be2-8F04-BA451C77F1D7}">
-              <ma14:placeholderFlag xmlns:ma14="http://schemas.microsoft.com/office/mac/drawingml/2011/main" xmlns="" val="1"/>
+              <ma14:placeholderFlag xmlns="" xmlns:ma14="http://schemas.microsoft.com/office/mac/drawingml/2011/main" val="1"/>
             </a:ext>
             <a:ext uri="{909E8E84-426E-40dd-AFC4-6F175D3DCCD1}">
-              <a14:hiddenFill xmlns:a14="http://schemas.microsoft.com/office/drawing/2010/main" xmlns="">
+              <a14:hiddenFill xmlns="" xmlns:a14="http://schemas.microsoft.com/office/drawing/2010/main">
                 <a:solidFill>
                   <a:srgbClr val="FFFFFF"/>
                 </a:solidFill>
               </a14:hiddenFill>
             </a:ext>
             <a:ext uri="{91240B29-F687-4f45-9708-019B960494DF}">
-              <a14:hiddenLine xmlns:a14="http://schemas.microsoft.com/office/drawing/2010/main" xmlns="" w="9525">
+              <a14:hiddenLine xmlns="" xmlns:a14="http://schemas.microsoft.com/office/drawing/2010/main" w="9525">
                 <a:solidFill>
                   <a:srgbClr val="000000"/>
                 </a:solidFill>
@@ -4683,14 +4683,14 @@
           <a:ln/>
           <a:extLst>
             <a:ext uri="{909E8E84-426E-40dd-AFC4-6F175D3DCCD1}">
-              <a14:hiddenFill xmlns:a14="http://schemas.microsoft.com/office/drawing/2010/main" xmlns="">
+              <a14:hiddenFill xmlns="" xmlns:a14="http://schemas.microsoft.com/office/drawing/2010/main">
                 <a:solidFill>
                   <a:srgbClr val="FFFFFF"/>
                 </a:solidFill>
               </a14:hiddenFill>
             </a:ext>
             <a:ext uri="{91240B29-F687-4f45-9708-019B960494DF}">
-              <a14:hiddenLine xmlns:a14="http://schemas.microsoft.com/office/drawing/2010/main" xmlns="" w="9525">
+              <a14:hiddenLine xmlns="" xmlns:a14="http://schemas.microsoft.com/office/drawing/2010/main" w="9525">
                 <a:solidFill>
                   <a:srgbClr val="000000"/>
                 </a:solidFill>
@@ -4855,17 +4855,17 @@
           <a:ln/>
           <a:extLst>
             <a:ext uri="{FAA26D3D-D897-4be2-8F04-BA451C77F1D7}">
-              <ma14:placeholderFlag xmlns:ma14="http://schemas.microsoft.com/office/mac/drawingml/2011/main" xmlns="" val="1"/>
+              <ma14:placeholderFlag xmlns="" xmlns:ma14="http://schemas.microsoft.com/office/mac/drawingml/2011/main" val="1"/>
             </a:ext>
             <a:ext uri="{909E8E84-426E-40dd-AFC4-6F175D3DCCD1}">
-              <a14:hiddenFill xmlns:a14="http://schemas.microsoft.com/office/drawing/2010/main" xmlns="">
+              <a14:hiddenFill xmlns="" xmlns:a14="http://schemas.microsoft.com/office/drawing/2010/main">
                 <a:solidFill>
                   <a:srgbClr val="FFFFFF"/>
                 </a:solidFill>
               </a14:hiddenFill>
             </a:ext>
             <a:ext uri="{91240B29-F687-4f45-9708-019B960494DF}">
-              <a14:hiddenLine xmlns:a14="http://schemas.microsoft.com/office/drawing/2010/main" xmlns="" w="9525">
+              <a14:hiddenLine xmlns="" xmlns:a14="http://schemas.microsoft.com/office/drawing/2010/main" w="9525">
                 <a:solidFill>
                   <a:srgbClr val="000000"/>
                 </a:solidFill>
@@ -4928,14 +4928,14 @@
           <a:ln/>
           <a:extLst>
             <a:ext uri="{909E8E84-426E-40dd-AFC4-6F175D3DCCD1}">
-              <a14:hiddenFill xmlns:a14="http://schemas.microsoft.com/office/drawing/2010/main" xmlns="">
+              <a14:hiddenFill xmlns="" xmlns:a14="http://schemas.microsoft.com/office/drawing/2010/main">
                 <a:solidFill>
                   <a:srgbClr val="FFFFFF"/>
                 </a:solidFill>
               </a14:hiddenFill>
             </a:ext>
             <a:ext uri="{91240B29-F687-4f45-9708-019B960494DF}">
-              <a14:hiddenLine xmlns:a14="http://schemas.microsoft.com/office/drawing/2010/main" xmlns="" w="9525">
+              <a14:hiddenLine xmlns="" xmlns:a14="http://schemas.microsoft.com/office/drawing/2010/main" w="9525">
                 <a:solidFill>
                   <a:srgbClr val="000000"/>
                 </a:solidFill>
@@ -5100,17 +5100,17 @@
           <a:ln/>
           <a:extLst>
             <a:ext uri="{FAA26D3D-D897-4be2-8F04-BA451C77F1D7}">
-              <ma14:placeholderFlag xmlns:ma14="http://schemas.microsoft.com/office/mac/drawingml/2011/main" xmlns="" val="1"/>
+              <ma14:placeholderFlag xmlns="" xmlns:ma14="http://schemas.microsoft.com/office/mac/drawingml/2011/main" val="1"/>
             </a:ext>
             <a:ext uri="{909E8E84-426E-40dd-AFC4-6F175D3DCCD1}">
-              <a14:hiddenFill xmlns:a14="http://schemas.microsoft.com/office/drawing/2010/main" xmlns="">
+              <a14:hiddenFill xmlns="" xmlns:a14="http://schemas.microsoft.com/office/drawing/2010/main">
                 <a:solidFill>
                   <a:srgbClr val="FFFFFF"/>
                 </a:solidFill>
               </a14:hiddenFill>
             </a:ext>
             <a:ext uri="{91240B29-F687-4f45-9708-019B960494DF}">
-              <a14:hiddenLine xmlns:a14="http://schemas.microsoft.com/office/drawing/2010/main" xmlns="" w="9525">
+              <a14:hiddenLine xmlns="" xmlns:a14="http://schemas.microsoft.com/office/drawing/2010/main" w="9525">
                 <a:solidFill>
                   <a:srgbClr val="000000"/>
                 </a:solidFill>
@@ -5467,14 +5467,14 @@
           <a:ln/>
           <a:extLst>
             <a:ext uri="{909E8E84-426E-40dd-AFC4-6F175D3DCCD1}">
-              <a14:hiddenFill xmlns:a14="http://schemas.microsoft.com/office/drawing/2010/main" xmlns="">
+              <a14:hiddenFill xmlns="" xmlns:a14="http://schemas.microsoft.com/office/drawing/2010/main">
                 <a:solidFill>
                   <a:srgbClr val="FFFFFF"/>
                 </a:solidFill>
               </a14:hiddenFill>
             </a:ext>
             <a:ext uri="{91240B29-F687-4f45-9708-019B960494DF}">
-              <a14:hiddenLine xmlns:a14="http://schemas.microsoft.com/office/drawing/2010/main" xmlns="" w="9525">
+              <a14:hiddenLine xmlns="" xmlns:a14="http://schemas.microsoft.com/office/drawing/2010/main" w="9525">
                 <a:solidFill>
                   <a:srgbClr val="000000"/>
                 </a:solidFill>
@@ -5639,17 +5639,17 @@
           <a:ln/>
           <a:extLst>
             <a:ext uri="{FAA26D3D-D897-4be2-8F04-BA451C77F1D7}">
-              <ma14:placeholderFlag xmlns:ma14="http://schemas.microsoft.com/office/mac/drawingml/2011/main" xmlns="" val="1"/>
+              <ma14:placeholderFlag xmlns="" xmlns:ma14="http://schemas.microsoft.com/office/mac/drawingml/2011/main" val="1"/>
             </a:ext>
             <a:ext uri="{909E8E84-426E-40dd-AFC4-6F175D3DCCD1}">
-              <a14:hiddenFill xmlns:a14="http://schemas.microsoft.com/office/drawing/2010/main" xmlns="">
+              <a14:hiddenFill xmlns="" xmlns:a14="http://schemas.microsoft.com/office/drawing/2010/main">
                 <a:solidFill>
                   <a:srgbClr val="FFFFFF"/>
                 </a:solidFill>
               </a14:hiddenFill>
             </a:ext>
             <a:ext uri="{91240B29-F687-4f45-9708-019B960494DF}">
-              <a14:hiddenLine xmlns:a14="http://schemas.microsoft.com/office/drawing/2010/main" xmlns="" w="9525">
+              <a14:hiddenLine xmlns="" xmlns:a14="http://schemas.microsoft.com/office/drawing/2010/main" w="9525">
                 <a:solidFill>
                   <a:srgbClr val="000000"/>
                 </a:solidFill>
@@ -5712,14 +5712,14 @@
           <a:ln/>
           <a:extLst>
             <a:ext uri="{909E8E84-426E-40dd-AFC4-6F175D3DCCD1}">
-              <a14:hiddenFill xmlns:a14="http://schemas.microsoft.com/office/drawing/2010/main" xmlns="">
+              <a14:hiddenFill xmlns="" xmlns:a14="http://schemas.microsoft.com/office/drawing/2010/main">
                 <a:solidFill>
                   <a:srgbClr val="FFFFFF"/>
                 </a:solidFill>
               </a14:hiddenFill>
             </a:ext>
             <a:ext uri="{91240B29-F687-4f45-9708-019B960494DF}">
-              <a14:hiddenLine xmlns:a14="http://schemas.microsoft.com/office/drawing/2010/main" xmlns="" w="9525">
+              <a14:hiddenLine xmlns="" xmlns:a14="http://schemas.microsoft.com/office/drawing/2010/main" w="9525">
                 <a:solidFill>
                   <a:srgbClr val="000000"/>
                 </a:solidFill>
@@ -5884,17 +5884,17 @@
           <a:ln/>
           <a:extLst>
             <a:ext uri="{FAA26D3D-D897-4be2-8F04-BA451C77F1D7}">
-              <ma14:placeholderFlag xmlns:ma14="http://schemas.microsoft.com/office/mac/drawingml/2011/main" xmlns="" val="1"/>
+              <ma14:placeholderFlag xmlns="" xmlns:ma14="http://schemas.microsoft.com/office/mac/drawingml/2011/main" val="1"/>
             </a:ext>
             <a:ext uri="{909E8E84-426E-40dd-AFC4-6F175D3DCCD1}">
-              <a14:hiddenFill xmlns:a14="http://schemas.microsoft.com/office/drawing/2010/main" xmlns="">
+              <a14:hiddenFill xmlns="" xmlns:a14="http://schemas.microsoft.com/office/drawing/2010/main">
                 <a:solidFill>
                   <a:srgbClr val="FFFFFF"/>
                 </a:solidFill>
               </a14:hiddenFill>
             </a:ext>
             <a:ext uri="{91240B29-F687-4f45-9708-019B960494DF}">
-              <a14:hiddenLine xmlns:a14="http://schemas.microsoft.com/office/drawing/2010/main" xmlns="" w="9525">
+              <a14:hiddenLine xmlns="" xmlns:a14="http://schemas.microsoft.com/office/drawing/2010/main" w="9525">
                 <a:solidFill>
                   <a:srgbClr val="000000"/>
                 </a:solidFill>
@@ -5957,14 +5957,14 @@
           <a:ln/>
           <a:extLst>
             <a:ext uri="{909E8E84-426E-40dd-AFC4-6F175D3DCCD1}">
-              <a14:hiddenFill xmlns:a14="http://schemas.microsoft.com/office/drawing/2010/main" xmlns="">
+              <a14:hiddenFill xmlns="" xmlns:a14="http://schemas.microsoft.com/office/drawing/2010/main">
                 <a:solidFill>
                   <a:srgbClr val="FFFFFF"/>
                 </a:solidFill>
               </a14:hiddenFill>
             </a:ext>
             <a:ext uri="{91240B29-F687-4f45-9708-019B960494DF}">
-              <a14:hiddenLine xmlns:a14="http://schemas.microsoft.com/office/drawing/2010/main" xmlns="" w="9525">
+              <a14:hiddenLine xmlns="" xmlns:a14="http://schemas.microsoft.com/office/drawing/2010/main" w="9525">
                 <a:solidFill>
                   <a:srgbClr val="000000"/>
                 </a:solidFill>
@@ -6137,17 +6137,17 @@
           <a:ln/>
           <a:extLst>
             <a:ext uri="{FAA26D3D-D897-4be2-8F04-BA451C77F1D7}">
-              <ma14:placeholderFlag xmlns:ma14="http://schemas.microsoft.com/office/mac/drawingml/2011/main" xmlns="" val="1"/>
+              <ma14:placeholderFlag xmlns="" xmlns:ma14="http://schemas.microsoft.com/office/mac/drawingml/2011/main" val="1"/>
             </a:ext>
             <a:ext uri="{909E8E84-426E-40dd-AFC4-6F175D3DCCD1}">
-              <a14:hiddenFill xmlns:a14="http://schemas.microsoft.com/office/drawing/2010/main" xmlns="">
+              <a14:hiddenFill xmlns="" xmlns:a14="http://schemas.microsoft.com/office/drawing/2010/main">
                 <a:solidFill>
                   <a:srgbClr val="FFFFFF"/>
                 </a:solidFill>
               </a14:hiddenFill>
             </a:ext>
             <a:ext uri="{91240B29-F687-4f45-9708-019B960494DF}">
-              <a14:hiddenLine xmlns:a14="http://schemas.microsoft.com/office/drawing/2010/main" xmlns="" w="9525">
+              <a14:hiddenLine xmlns="" xmlns:a14="http://schemas.microsoft.com/office/drawing/2010/main" w="9525">
                 <a:solidFill>
                   <a:srgbClr val="000000"/>
                 </a:solidFill>
@@ -6210,14 +6210,14 @@
           <a:ln/>
           <a:extLst>
             <a:ext uri="{909E8E84-426E-40dd-AFC4-6F175D3DCCD1}">
-              <a14:hiddenFill xmlns:a14="http://schemas.microsoft.com/office/drawing/2010/main" xmlns="">
+              <a14:hiddenFill xmlns="" xmlns:a14="http://schemas.microsoft.com/office/drawing/2010/main">
                 <a:solidFill>
                   <a:srgbClr val="FFFFFF"/>
                 </a:solidFill>
               </a14:hiddenFill>
             </a:ext>
             <a:ext uri="{91240B29-F687-4f45-9708-019B960494DF}">
-              <a14:hiddenLine xmlns:a14="http://schemas.microsoft.com/office/drawing/2010/main" xmlns="" w="9525">
+              <a14:hiddenLine xmlns="" xmlns:a14="http://schemas.microsoft.com/office/drawing/2010/main" w="9525">
                 <a:solidFill>
                   <a:srgbClr val="000000"/>
                 </a:solidFill>
@@ -6382,17 +6382,17 @@
           <a:ln/>
           <a:extLst>
             <a:ext uri="{FAA26D3D-D897-4be2-8F04-BA451C77F1D7}">
-              <ma14:placeholderFlag xmlns:ma14="http://schemas.microsoft.com/office/mac/drawingml/2011/main" xmlns="" val="1"/>
+              <ma14:placeholderFlag xmlns="" xmlns:ma14="http://schemas.microsoft.com/office/mac/drawingml/2011/main" val="1"/>
             </a:ext>
             <a:ext uri="{909E8E84-426E-40dd-AFC4-6F175D3DCCD1}">
-              <a14:hiddenFill xmlns:a14="http://schemas.microsoft.com/office/drawing/2010/main" xmlns="">
+              <a14:hiddenFill xmlns="" xmlns:a14="http://schemas.microsoft.com/office/drawing/2010/main">
                 <a:solidFill>
                   <a:srgbClr val="FFFFFF"/>
                 </a:solidFill>
               </a14:hiddenFill>
             </a:ext>
             <a:ext uri="{91240B29-F687-4f45-9708-019B960494DF}">
-              <a14:hiddenLine xmlns:a14="http://schemas.microsoft.com/office/drawing/2010/main" xmlns="" w="9525">
+              <a14:hiddenLine xmlns="" xmlns:a14="http://schemas.microsoft.com/office/drawing/2010/main" w="9525">
                 <a:solidFill>
                   <a:srgbClr val="000000"/>
                 </a:solidFill>
@@ -6455,14 +6455,14 @@
           <a:ln/>
           <a:extLst>
             <a:ext uri="{909E8E84-426E-40dd-AFC4-6F175D3DCCD1}">
-              <a14:hiddenFill xmlns:a14="http://schemas.microsoft.com/office/drawing/2010/main" xmlns="">
+              <a14:hiddenFill xmlns="" xmlns:a14="http://schemas.microsoft.com/office/drawing/2010/main">
                 <a:solidFill>
                   <a:srgbClr val="FFFFFF"/>
                 </a:solidFill>
               </a14:hiddenFill>
             </a:ext>
             <a:ext uri="{91240B29-F687-4f45-9708-019B960494DF}">
-              <a14:hiddenLine xmlns:a14="http://schemas.microsoft.com/office/drawing/2010/main" xmlns="" w="9525">
+              <a14:hiddenLine xmlns="" xmlns:a14="http://schemas.microsoft.com/office/drawing/2010/main" w="9525">
                 <a:solidFill>
                   <a:srgbClr val="000000"/>
                 </a:solidFill>
@@ -6627,17 +6627,17 @@
           <a:ln/>
           <a:extLst>
             <a:ext uri="{FAA26D3D-D897-4be2-8F04-BA451C77F1D7}">
-              <ma14:placeholderFlag xmlns:ma14="http://schemas.microsoft.com/office/mac/drawingml/2011/main" xmlns="" val="1"/>
+              <ma14:placeholderFlag xmlns="" xmlns:ma14="http://schemas.microsoft.com/office/mac/drawingml/2011/main" val="1"/>
             </a:ext>
             <a:ext uri="{909E8E84-426E-40dd-AFC4-6F175D3DCCD1}">
-              <a14:hiddenFill xmlns:a14="http://schemas.microsoft.com/office/drawing/2010/main" xmlns="">
+              <a14:hiddenFill xmlns="" xmlns:a14="http://schemas.microsoft.com/office/drawing/2010/main">
                 <a:solidFill>
                   <a:srgbClr val="FFFFFF"/>
                 </a:solidFill>
               </a14:hiddenFill>
             </a:ext>
             <a:ext uri="{91240B29-F687-4f45-9708-019B960494DF}">
-              <a14:hiddenLine xmlns:a14="http://schemas.microsoft.com/office/drawing/2010/main" xmlns="" w="9525">
+              <a14:hiddenLine xmlns="" xmlns:a14="http://schemas.microsoft.com/office/drawing/2010/main" w="9525">
                 <a:solidFill>
                   <a:srgbClr val="000000"/>
                 </a:solidFill>
@@ -6700,14 +6700,14 @@
           <a:ln/>
           <a:extLst>
             <a:ext uri="{909E8E84-426E-40dd-AFC4-6F175D3DCCD1}">
-              <a14:hiddenFill xmlns:a14="http://schemas.microsoft.com/office/drawing/2010/main" xmlns="">
+              <a14:hiddenFill xmlns="" xmlns:a14="http://schemas.microsoft.com/office/drawing/2010/main">
                 <a:solidFill>
                   <a:srgbClr val="FFFFFF"/>
                 </a:solidFill>
               </a14:hiddenFill>
             </a:ext>
             <a:ext uri="{91240B29-F687-4f45-9708-019B960494DF}">
-              <a14:hiddenLine xmlns:a14="http://schemas.microsoft.com/office/drawing/2010/main" xmlns="" w="9525">
+              <a14:hiddenLine xmlns="" xmlns:a14="http://schemas.microsoft.com/office/drawing/2010/main" w="9525">
                 <a:solidFill>
                   <a:srgbClr val="000000"/>
                 </a:solidFill>
@@ -6872,17 +6872,17 @@
           <a:ln/>
           <a:extLst>
             <a:ext uri="{FAA26D3D-D897-4be2-8F04-BA451C77F1D7}">
-              <ma14:placeholderFlag xmlns:ma14="http://schemas.microsoft.com/office/mac/drawingml/2011/main" xmlns="" val="1"/>
+              <ma14:placeholderFlag xmlns="" xmlns:ma14="http://schemas.microsoft.com/office/mac/drawingml/2011/main" val="1"/>
             </a:ext>
             <a:ext uri="{909E8E84-426E-40dd-AFC4-6F175D3DCCD1}">
-              <a14:hiddenFill xmlns:a14="http://schemas.microsoft.com/office/drawing/2010/main" xmlns="">
+              <a14:hiddenFill xmlns="" xmlns:a14="http://schemas.microsoft.com/office/drawing/2010/main">
                 <a:solidFill>
                   <a:srgbClr val="FFFFFF"/>
                 </a:solidFill>
               </a14:hiddenFill>
             </a:ext>
             <a:ext uri="{91240B29-F687-4f45-9708-019B960494DF}">
-              <a14:hiddenLine xmlns:a14="http://schemas.microsoft.com/office/drawing/2010/main" xmlns="" w="9525">
+              <a14:hiddenLine xmlns="" xmlns:a14="http://schemas.microsoft.com/office/drawing/2010/main" w="9525">
                 <a:solidFill>
                   <a:srgbClr val="000000"/>
                 </a:solidFill>
@@ -6945,14 +6945,14 @@
           <a:ln/>
           <a:extLst>
             <a:ext uri="{909E8E84-426E-40dd-AFC4-6F175D3DCCD1}">
-              <a14:hiddenFill xmlns:a14="http://schemas.microsoft.com/office/drawing/2010/main" xmlns="">
+              <a14:hiddenFill xmlns="" xmlns:a14="http://schemas.microsoft.com/office/drawing/2010/main">
                 <a:solidFill>
                   <a:srgbClr val="FFFFFF"/>
                 </a:solidFill>
               </a14:hiddenFill>
             </a:ext>
             <a:ext uri="{91240B29-F687-4f45-9708-019B960494DF}">
-              <a14:hiddenLine xmlns:a14="http://schemas.microsoft.com/office/drawing/2010/main" xmlns="" w="9525">
+              <a14:hiddenLine xmlns="" xmlns:a14="http://schemas.microsoft.com/office/drawing/2010/main" w="9525">
                 <a:solidFill>
                   <a:srgbClr val="000000"/>
                 </a:solidFill>
@@ -7117,17 +7117,17 @@
           <a:ln/>
           <a:extLst>
             <a:ext uri="{FAA26D3D-D897-4be2-8F04-BA451C77F1D7}">
-              <ma14:placeholderFlag xmlns:ma14="http://schemas.microsoft.com/office/mac/drawingml/2011/main" xmlns="" val="1"/>
+              <ma14:placeholderFlag xmlns="" xmlns:ma14="http://schemas.microsoft.com/office/mac/drawingml/2011/main" val="1"/>
             </a:ext>
             <a:ext uri="{909E8E84-426E-40dd-AFC4-6F175D3DCCD1}">
-              <a14:hiddenFill xmlns:a14="http://schemas.microsoft.com/office/drawing/2010/main" xmlns="">
+              <a14:hiddenFill xmlns="" xmlns:a14="http://schemas.microsoft.com/office/drawing/2010/main">
                 <a:solidFill>
                   <a:srgbClr val="FFFFFF"/>
                 </a:solidFill>
               </a14:hiddenFill>
             </a:ext>
             <a:ext uri="{91240B29-F687-4f45-9708-019B960494DF}">
-              <a14:hiddenLine xmlns:a14="http://schemas.microsoft.com/office/drawing/2010/main" xmlns="" w="9525">
+              <a14:hiddenLine xmlns="" xmlns:a14="http://schemas.microsoft.com/office/drawing/2010/main" w="9525">
                 <a:solidFill>
                   <a:srgbClr val="000000"/>
                 </a:solidFill>
@@ -7190,14 +7190,14 @@
           <a:ln/>
           <a:extLst>
             <a:ext uri="{909E8E84-426E-40dd-AFC4-6F175D3DCCD1}">
-              <a14:hiddenFill xmlns:a14="http://schemas.microsoft.com/office/drawing/2010/main" xmlns="">
+              <a14:hiddenFill xmlns="" xmlns:a14="http://schemas.microsoft.com/office/drawing/2010/main">
                 <a:solidFill>
                   <a:srgbClr val="FFFFFF"/>
                 </a:solidFill>
               </a14:hiddenFill>
             </a:ext>
             <a:ext uri="{91240B29-F687-4f45-9708-019B960494DF}">
-              <a14:hiddenLine xmlns:a14="http://schemas.microsoft.com/office/drawing/2010/main" xmlns="" w="9525">
+              <a14:hiddenLine xmlns="" xmlns:a14="http://schemas.microsoft.com/office/drawing/2010/main" w="9525">
                 <a:solidFill>
                   <a:srgbClr val="000000"/>
                 </a:solidFill>
@@ -7362,17 +7362,17 @@
           <a:ln/>
           <a:extLst>
             <a:ext uri="{FAA26D3D-D897-4be2-8F04-BA451C77F1D7}">
-              <ma14:placeholderFlag xmlns:ma14="http://schemas.microsoft.com/office/mac/drawingml/2011/main" xmlns="" val="1"/>
+              <ma14:placeholderFlag xmlns="" xmlns:ma14="http://schemas.microsoft.com/office/mac/drawingml/2011/main" val="1"/>
             </a:ext>
             <a:ext uri="{909E8E84-426E-40dd-AFC4-6F175D3DCCD1}">
-              <a14:hiddenFill xmlns:a14="http://schemas.microsoft.com/office/drawing/2010/main" xmlns="">
+              <a14:hiddenFill xmlns="" xmlns:a14="http://schemas.microsoft.com/office/drawing/2010/main">
                 <a:solidFill>
                   <a:srgbClr val="FFFFFF"/>
                 </a:solidFill>
               </a14:hiddenFill>
             </a:ext>
             <a:ext uri="{91240B29-F687-4f45-9708-019B960494DF}">
-              <a14:hiddenLine xmlns:a14="http://schemas.microsoft.com/office/drawing/2010/main" xmlns="" w="9525">
+              <a14:hiddenLine xmlns="" xmlns:a14="http://schemas.microsoft.com/office/drawing/2010/main" w="9525">
                 <a:solidFill>
                   <a:srgbClr val="000000"/>
                 </a:solidFill>
@@ -7435,14 +7435,14 @@
           <a:ln/>
           <a:extLst>
             <a:ext uri="{909E8E84-426E-40dd-AFC4-6F175D3DCCD1}">
-              <a14:hiddenFill xmlns:a14="http://schemas.microsoft.com/office/drawing/2010/main" xmlns="">
+              <a14:hiddenFill xmlns="" xmlns:a14="http://schemas.microsoft.com/office/drawing/2010/main">
                 <a:solidFill>
                   <a:srgbClr val="FFFFFF"/>
                 </a:solidFill>
               </a14:hiddenFill>
             </a:ext>
             <a:ext uri="{91240B29-F687-4f45-9708-019B960494DF}">
-              <a14:hiddenLine xmlns:a14="http://schemas.microsoft.com/office/drawing/2010/main" xmlns="" w="9525">
+              <a14:hiddenLine xmlns="" xmlns:a14="http://schemas.microsoft.com/office/drawing/2010/main" w="9525">
                 <a:solidFill>
                   <a:srgbClr val="000000"/>
                 </a:solidFill>
@@ -7607,17 +7607,17 @@
           <a:ln/>
           <a:extLst>
             <a:ext uri="{FAA26D3D-D897-4be2-8F04-BA451C77F1D7}">
-              <ma14:placeholderFlag xmlns:ma14="http://schemas.microsoft.com/office/mac/drawingml/2011/main" xmlns="" val="1"/>
+              <ma14:placeholderFlag xmlns="" xmlns:ma14="http://schemas.microsoft.com/office/mac/drawingml/2011/main" val="1"/>
             </a:ext>
             <a:ext uri="{909E8E84-426E-40dd-AFC4-6F175D3DCCD1}">
-              <a14:hiddenFill xmlns:a14="http://schemas.microsoft.com/office/drawing/2010/main" xmlns="">
+              <a14:hiddenFill xmlns="" xmlns:a14="http://schemas.microsoft.com/office/drawing/2010/main">
                 <a:solidFill>
                   <a:srgbClr val="FFFFFF"/>
                 </a:solidFill>
               </a14:hiddenFill>
             </a:ext>
             <a:ext uri="{91240B29-F687-4f45-9708-019B960494DF}">
-              <a14:hiddenLine xmlns:a14="http://schemas.microsoft.com/office/drawing/2010/main" xmlns="" w="9525">
+              <a14:hiddenLine xmlns="" xmlns:a14="http://schemas.microsoft.com/office/drawing/2010/main" w="9525">
                 <a:solidFill>
                   <a:srgbClr val="000000"/>
                 </a:solidFill>
@@ -7680,14 +7680,14 @@
           <a:ln/>
           <a:extLst>
             <a:ext uri="{909E8E84-426E-40dd-AFC4-6F175D3DCCD1}">
-              <a14:hiddenFill xmlns:a14="http://schemas.microsoft.com/office/drawing/2010/main" xmlns="">
+              <a14:hiddenFill xmlns="" xmlns:a14="http://schemas.microsoft.com/office/drawing/2010/main">
                 <a:solidFill>
                   <a:srgbClr val="FFFFFF"/>
                 </a:solidFill>
               </a14:hiddenFill>
             </a:ext>
             <a:ext uri="{91240B29-F687-4f45-9708-019B960494DF}">
-              <a14:hiddenLine xmlns:a14="http://schemas.microsoft.com/office/drawing/2010/main" xmlns="" w="9525">
+              <a14:hiddenLine xmlns="" xmlns:a14="http://schemas.microsoft.com/office/drawing/2010/main" w="9525">
                 <a:solidFill>
                   <a:srgbClr val="000000"/>
                 </a:solidFill>
@@ -7852,17 +7852,17 @@
           <a:ln/>
           <a:extLst>
             <a:ext uri="{FAA26D3D-D897-4be2-8F04-BA451C77F1D7}">
-              <ma14:placeholderFlag xmlns:ma14="http://schemas.microsoft.com/office/mac/drawingml/2011/main" xmlns="" val="1"/>
+              <ma14:placeholderFlag xmlns="" xmlns:ma14="http://schemas.microsoft.com/office/mac/drawingml/2011/main" val="1"/>
             </a:ext>
             <a:ext uri="{909E8E84-426E-40dd-AFC4-6F175D3DCCD1}">
-              <a14:hiddenFill xmlns:a14="http://schemas.microsoft.com/office/drawing/2010/main" xmlns="">
+              <a14:hiddenFill xmlns="" xmlns:a14="http://schemas.microsoft.com/office/drawing/2010/main">
                 <a:solidFill>
                   <a:srgbClr val="FFFFFF"/>
                 </a:solidFill>
               </a14:hiddenFill>
             </a:ext>
             <a:ext uri="{91240B29-F687-4f45-9708-019B960494DF}">
-              <a14:hiddenLine xmlns:a14="http://schemas.microsoft.com/office/drawing/2010/main" xmlns="" w="9525">
+              <a14:hiddenLine xmlns="" xmlns:a14="http://schemas.microsoft.com/office/drawing/2010/main" w="9525">
                 <a:solidFill>
                   <a:srgbClr val="000000"/>
                 </a:solidFill>
@@ -7925,14 +7925,14 @@
           <a:ln/>
           <a:extLst>
             <a:ext uri="{909E8E84-426E-40dd-AFC4-6F175D3DCCD1}">
-              <a14:hiddenFill xmlns:a14="http://schemas.microsoft.com/office/drawing/2010/main" xmlns="">
+              <a14:hiddenFill xmlns="" xmlns:a14="http://schemas.microsoft.com/office/drawing/2010/main">
                 <a:solidFill>
                   <a:srgbClr val="FFFFFF"/>
                 </a:solidFill>
               </a14:hiddenFill>
             </a:ext>
             <a:ext uri="{91240B29-F687-4f45-9708-019B960494DF}">
-              <a14:hiddenLine xmlns:a14="http://schemas.microsoft.com/office/drawing/2010/main" xmlns="" w="9525">
+              <a14:hiddenLine xmlns="" xmlns:a14="http://schemas.microsoft.com/office/drawing/2010/main" w="9525">
                 <a:solidFill>
                   <a:srgbClr val="000000"/>
                 </a:solidFill>
@@ -8097,17 +8097,17 @@
           <a:ln/>
           <a:extLst>
             <a:ext uri="{FAA26D3D-D897-4be2-8F04-BA451C77F1D7}">
-              <ma14:placeholderFlag xmlns:ma14="http://schemas.microsoft.com/office/mac/drawingml/2011/main" xmlns="" val="1"/>
+              <ma14:placeholderFlag xmlns="" xmlns:ma14="http://schemas.microsoft.com/office/mac/drawingml/2011/main" val="1"/>
             </a:ext>
             <a:ext uri="{909E8E84-426E-40dd-AFC4-6F175D3DCCD1}">
-              <a14:hiddenFill xmlns:a14="http://schemas.microsoft.com/office/drawing/2010/main" xmlns="">
+              <a14:hiddenFill xmlns="" xmlns:a14="http://schemas.microsoft.com/office/drawing/2010/main">
                 <a:solidFill>
                   <a:srgbClr val="FFFFFF"/>
                 </a:solidFill>
               </a14:hiddenFill>
             </a:ext>
             <a:ext uri="{91240B29-F687-4f45-9708-019B960494DF}">
-              <a14:hiddenLine xmlns:a14="http://schemas.microsoft.com/office/drawing/2010/main" xmlns="" w="9525">
+              <a14:hiddenLine xmlns="" xmlns:a14="http://schemas.microsoft.com/office/drawing/2010/main" w="9525">
                 <a:solidFill>
                   <a:srgbClr val="000000"/>
                 </a:solidFill>
@@ -8170,14 +8170,14 @@
           <a:ln/>
           <a:extLst>
             <a:ext uri="{909E8E84-426E-40dd-AFC4-6F175D3DCCD1}">
-              <a14:hiddenFill xmlns:a14="http://schemas.microsoft.com/office/drawing/2010/main" xmlns="">
+              <a14:hiddenFill xmlns="" xmlns:a14="http://schemas.microsoft.com/office/drawing/2010/main">
                 <a:solidFill>
                   <a:srgbClr val="FFFFFF"/>
                 </a:solidFill>
               </a14:hiddenFill>
             </a:ext>
             <a:ext uri="{91240B29-F687-4f45-9708-019B960494DF}">
-              <a14:hiddenLine xmlns:a14="http://schemas.microsoft.com/office/drawing/2010/main" xmlns="" w="9525">
+              <a14:hiddenLine xmlns="" xmlns:a14="http://schemas.microsoft.com/office/drawing/2010/main" w="9525">
                 <a:solidFill>
                   <a:srgbClr val="000000"/>
                 </a:solidFill>
@@ -8342,17 +8342,17 @@
           <a:ln/>
           <a:extLst>
             <a:ext uri="{FAA26D3D-D897-4be2-8F04-BA451C77F1D7}">
-              <ma14:placeholderFlag xmlns:ma14="http://schemas.microsoft.com/office/mac/drawingml/2011/main" xmlns="" val="1"/>
+              <ma14:placeholderFlag xmlns="" xmlns:ma14="http://schemas.microsoft.com/office/mac/drawingml/2011/main" val="1"/>
             </a:ext>
             <a:ext uri="{909E8E84-426E-40dd-AFC4-6F175D3DCCD1}">
-              <a14:hiddenFill xmlns:a14="http://schemas.microsoft.com/office/drawing/2010/main" xmlns="">
+              <a14:hiddenFill xmlns="" xmlns:a14="http://schemas.microsoft.com/office/drawing/2010/main">
                 <a:solidFill>
                   <a:srgbClr val="FFFFFF"/>
                 </a:solidFill>
               </a14:hiddenFill>
             </a:ext>
             <a:ext uri="{91240B29-F687-4f45-9708-019B960494DF}">
-              <a14:hiddenLine xmlns:a14="http://schemas.microsoft.com/office/drawing/2010/main" xmlns="" w="9525">
+              <a14:hiddenLine xmlns="" xmlns:a14="http://schemas.microsoft.com/office/drawing/2010/main" w="9525">
                 <a:solidFill>
                   <a:srgbClr val="000000"/>
                 </a:solidFill>
@@ -8505,14 +8505,14 @@
           <a:ln/>
           <a:extLst>
             <a:ext uri="{909E8E84-426E-40dd-AFC4-6F175D3DCCD1}">
-              <a14:hiddenFill xmlns:a14="http://schemas.microsoft.com/office/drawing/2010/main" xmlns="">
+              <a14:hiddenFill xmlns="" xmlns:a14="http://schemas.microsoft.com/office/drawing/2010/main">
                 <a:solidFill>
                   <a:srgbClr val="FFFFFF"/>
                 </a:solidFill>
               </a14:hiddenFill>
             </a:ext>
             <a:ext uri="{91240B29-F687-4f45-9708-019B960494DF}">
-              <a14:hiddenLine xmlns:a14="http://schemas.microsoft.com/office/drawing/2010/main" xmlns="" w="9525">
+              <a14:hiddenLine xmlns="" xmlns:a14="http://schemas.microsoft.com/office/drawing/2010/main" w="9525">
                 <a:solidFill>
                   <a:srgbClr val="000000"/>
                 </a:solidFill>
@@ -8685,17 +8685,17 @@
           <a:ln/>
           <a:extLst>
             <a:ext uri="{FAA26D3D-D897-4be2-8F04-BA451C77F1D7}">
-              <ma14:placeholderFlag xmlns:ma14="http://schemas.microsoft.com/office/mac/drawingml/2011/main" xmlns="" val="1"/>
+              <ma14:placeholderFlag xmlns="" xmlns:ma14="http://schemas.microsoft.com/office/mac/drawingml/2011/main" val="1"/>
             </a:ext>
             <a:ext uri="{909E8E84-426E-40dd-AFC4-6F175D3DCCD1}">
-              <a14:hiddenFill xmlns:a14="http://schemas.microsoft.com/office/drawing/2010/main" xmlns="">
+              <a14:hiddenFill xmlns="" xmlns:a14="http://schemas.microsoft.com/office/drawing/2010/main">
                 <a:solidFill>
                   <a:srgbClr val="FFFFFF"/>
                 </a:solidFill>
               </a14:hiddenFill>
             </a:ext>
             <a:ext uri="{91240B29-F687-4f45-9708-019B960494DF}">
-              <a14:hiddenLine xmlns:a14="http://schemas.microsoft.com/office/drawing/2010/main" xmlns="" w="9525">
+              <a14:hiddenLine xmlns="" xmlns:a14="http://schemas.microsoft.com/office/drawing/2010/main" w="9525">
                 <a:solidFill>
                   <a:srgbClr val="000000"/>
                 </a:solidFill>
@@ -9168,14 +9168,14 @@
           <a:ln/>
           <a:extLst>
             <a:ext uri="{909E8E84-426E-40dd-AFC4-6F175D3DCCD1}">
-              <a14:hiddenFill xmlns:a14="http://schemas.microsoft.com/office/drawing/2010/main" xmlns="">
+              <a14:hiddenFill xmlns="" xmlns:a14="http://schemas.microsoft.com/office/drawing/2010/main">
                 <a:solidFill>
                   <a:srgbClr val="FFFFFF"/>
                 </a:solidFill>
               </a14:hiddenFill>
             </a:ext>
             <a:ext uri="{91240B29-F687-4f45-9708-019B960494DF}">
-              <a14:hiddenLine xmlns:a14="http://schemas.microsoft.com/office/drawing/2010/main" xmlns="" w="9525">
+              <a14:hiddenLine xmlns="" xmlns:a14="http://schemas.microsoft.com/office/drawing/2010/main" w="9525">
                 <a:solidFill>
                   <a:srgbClr val="000000"/>
                 </a:solidFill>
@@ -9340,17 +9340,17 @@
           <a:ln/>
           <a:extLst>
             <a:ext uri="{FAA26D3D-D897-4be2-8F04-BA451C77F1D7}">
-              <ma14:placeholderFlag xmlns:ma14="http://schemas.microsoft.com/office/mac/drawingml/2011/main" xmlns="" val="1"/>
+              <ma14:placeholderFlag xmlns="" xmlns:ma14="http://schemas.microsoft.com/office/mac/drawingml/2011/main" val="1"/>
             </a:ext>
             <a:ext uri="{909E8E84-426E-40dd-AFC4-6F175D3DCCD1}">
-              <a14:hiddenFill xmlns:a14="http://schemas.microsoft.com/office/drawing/2010/main" xmlns="">
+              <a14:hiddenFill xmlns="" xmlns:a14="http://schemas.microsoft.com/office/drawing/2010/main">
                 <a:solidFill>
                   <a:srgbClr val="FFFFFF"/>
                 </a:solidFill>
               </a14:hiddenFill>
             </a:ext>
             <a:ext uri="{91240B29-F687-4f45-9708-019B960494DF}">
-              <a14:hiddenLine xmlns:a14="http://schemas.microsoft.com/office/drawing/2010/main" xmlns="" w="9525">
+              <a14:hiddenLine xmlns="" xmlns:a14="http://schemas.microsoft.com/office/drawing/2010/main" w="9525">
                 <a:solidFill>
                   <a:srgbClr val="000000"/>
                 </a:solidFill>
@@ -9698,14 +9698,14 @@
           <a:ln/>
           <a:extLst>
             <a:ext uri="{909E8E84-426E-40dd-AFC4-6F175D3DCCD1}">
-              <a14:hiddenFill xmlns:a14="http://schemas.microsoft.com/office/drawing/2010/main" xmlns="">
+              <a14:hiddenFill xmlns="" xmlns:a14="http://schemas.microsoft.com/office/drawing/2010/main">
                 <a:solidFill>
                   <a:srgbClr val="FFFFFF"/>
                 </a:solidFill>
               </a14:hiddenFill>
             </a:ext>
             <a:ext uri="{91240B29-F687-4f45-9708-019B960494DF}">
-              <a14:hiddenLine xmlns:a14="http://schemas.microsoft.com/office/drawing/2010/main" xmlns="" w="9525">
+              <a14:hiddenLine xmlns="" xmlns:a14="http://schemas.microsoft.com/office/drawing/2010/main" w="9525">
                 <a:solidFill>
                   <a:srgbClr val="000000"/>
                 </a:solidFill>
@@ -9870,17 +9870,17 @@
           <a:ln/>
           <a:extLst>
             <a:ext uri="{FAA26D3D-D897-4be2-8F04-BA451C77F1D7}">
-              <ma14:placeholderFlag xmlns:ma14="http://schemas.microsoft.com/office/mac/drawingml/2011/main" xmlns="" val="1"/>
+              <ma14:placeholderFlag xmlns="" xmlns:ma14="http://schemas.microsoft.com/office/mac/drawingml/2011/main" val="1"/>
             </a:ext>
             <a:ext uri="{909E8E84-426E-40dd-AFC4-6F175D3DCCD1}">
-              <a14:hiddenFill xmlns:a14="http://schemas.microsoft.com/office/drawing/2010/main" xmlns="">
+              <a14:hiddenFill xmlns="" xmlns:a14="http://schemas.microsoft.com/office/drawing/2010/main">
                 <a:solidFill>
                   <a:srgbClr val="FFFFFF"/>
                 </a:solidFill>
               </a14:hiddenFill>
             </a:ext>
             <a:ext uri="{91240B29-F687-4f45-9708-019B960494DF}">
-              <a14:hiddenLine xmlns:a14="http://schemas.microsoft.com/office/drawing/2010/main" xmlns="" w="9525">
+              <a14:hiddenLine xmlns="" xmlns:a14="http://schemas.microsoft.com/office/drawing/2010/main" w="9525">
                 <a:solidFill>
                   <a:srgbClr val="000000"/>
                 </a:solidFill>
@@ -9974,14 +9974,14 @@
           <a:ln/>
           <a:extLst>
             <a:ext uri="{909E8E84-426E-40dd-AFC4-6F175D3DCCD1}">
-              <a14:hiddenFill xmlns:a14="http://schemas.microsoft.com/office/drawing/2010/main" xmlns="">
+              <a14:hiddenFill xmlns="" xmlns:a14="http://schemas.microsoft.com/office/drawing/2010/main">
                 <a:solidFill>
                   <a:srgbClr val="FFFFFF"/>
                 </a:solidFill>
               </a14:hiddenFill>
             </a:ext>
             <a:ext uri="{91240B29-F687-4f45-9708-019B960494DF}">
-              <a14:hiddenLine xmlns:a14="http://schemas.microsoft.com/office/drawing/2010/main" xmlns="" w="9525">
+              <a14:hiddenLine xmlns="" xmlns:a14="http://schemas.microsoft.com/office/drawing/2010/main" w="9525">
                 <a:solidFill>
                   <a:srgbClr val="000000"/>
                 </a:solidFill>
@@ -10146,17 +10146,17 @@
           <a:ln/>
           <a:extLst>
             <a:ext uri="{FAA26D3D-D897-4be2-8F04-BA451C77F1D7}">
-              <ma14:placeholderFlag xmlns:ma14="http://schemas.microsoft.com/office/mac/drawingml/2011/main" xmlns="" val="1"/>
+              <ma14:placeholderFlag xmlns="" xmlns:ma14="http://schemas.microsoft.com/office/mac/drawingml/2011/main" val="1"/>
             </a:ext>
             <a:ext uri="{909E8E84-426E-40dd-AFC4-6F175D3DCCD1}">
-              <a14:hiddenFill xmlns:a14="http://schemas.microsoft.com/office/drawing/2010/main" xmlns="">
+              <a14:hiddenFill xmlns="" xmlns:a14="http://schemas.microsoft.com/office/drawing/2010/main">
                 <a:solidFill>
                   <a:srgbClr val="FFFFFF"/>
                 </a:solidFill>
               </a14:hiddenFill>
             </a:ext>
             <a:ext uri="{91240B29-F687-4f45-9708-019B960494DF}">
-              <a14:hiddenLine xmlns:a14="http://schemas.microsoft.com/office/drawing/2010/main" xmlns="" w="9525">
+              <a14:hiddenLine xmlns="" xmlns:a14="http://schemas.microsoft.com/office/drawing/2010/main" w="9525">
                 <a:solidFill>
                   <a:srgbClr val="000000"/>
                 </a:solidFill>
@@ -10219,14 +10219,14 @@
           <a:ln/>
           <a:extLst>
             <a:ext uri="{909E8E84-426E-40dd-AFC4-6F175D3DCCD1}">
-              <a14:hiddenFill xmlns:a14="http://schemas.microsoft.com/office/drawing/2010/main" xmlns="">
+              <a14:hiddenFill xmlns="" xmlns:a14="http://schemas.microsoft.com/office/drawing/2010/main">
                 <a:solidFill>
                   <a:srgbClr val="FFFFFF"/>
                 </a:solidFill>
               </a14:hiddenFill>
             </a:ext>
             <a:ext uri="{91240B29-F687-4f45-9708-019B960494DF}">
-              <a14:hiddenLine xmlns:a14="http://schemas.microsoft.com/office/drawing/2010/main" xmlns="" w="9525">
+              <a14:hiddenLine xmlns="" xmlns:a14="http://schemas.microsoft.com/office/drawing/2010/main" w="9525">
                 <a:solidFill>
                   <a:srgbClr val="000000"/>
                 </a:solidFill>
@@ -10391,17 +10391,17 @@
           <a:ln/>
           <a:extLst>
             <a:ext uri="{FAA26D3D-D897-4be2-8F04-BA451C77F1D7}">
-              <ma14:placeholderFlag xmlns:ma14="http://schemas.microsoft.com/office/mac/drawingml/2011/main" xmlns="" val="1"/>
+              <ma14:placeholderFlag xmlns="" xmlns:ma14="http://schemas.microsoft.com/office/mac/drawingml/2011/main" val="1"/>
             </a:ext>
             <a:ext uri="{909E8E84-426E-40dd-AFC4-6F175D3DCCD1}">
-              <a14:hiddenFill xmlns:a14="http://schemas.microsoft.com/office/drawing/2010/main" xmlns="">
+              <a14:hiddenFill xmlns="" xmlns:a14="http://schemas.microsoft.com/office/drawing/2010/main">
                 <a:solidFill>
                   <a:srgbClr val="FFFFFF"/>
                 </a:solidFill>
               </a14:hiddenFill>
             </a:ext>
             <a:ext uri="{91240B29-F687-4f45-9708-019B960494DF}">
-              <a14:hiddenLine xmlns:a14="http://schemas.microsoft.com/office/drawing/2010/main" xmlns="" w="9525">
+              <a14:hiddenLine xmlns="" xmlns:a14="http://schemas.microsoft.com/office/drawing/2010/main" w="9525">
                 <a:solidFill>
                   <a:srgbClr val="000000"/>
                 </a:solidFill>
@@ -10464,14 +10464,14 @@
           <a:ln/>
           <a:extLst>
             <a:ext uri="{909E8E84-426E-40dd-AFC4-6F175D3DCCD1}">
-              <a14:hiddenFill xmlns:a14="http://schemas.microsoft.com/office/drawing/2010/main" xmlns="">
+              <a14:hiddenFill xmlns="" xmlns:a14="http://schemas.microsoft.com/office/drawing/2010/main">
                 <a:solidFill>
                   <a:srgbClr val="FFFFFF"/>
                 </a:solidFill>
               </a14:hiddenFill>
             </a:ext>
             <a:ext uri="{91240B29-F687-4f45-9708-019B960494DF}">
-              <a14:hiddenLine xmlns:a14="http://schemas.microsoft.com/office/drawing/2010/main" xmlns="" w="9525">
+              <a14:hiddenLine xmlns="" xmlns:a14="http://schemas.microsoft.com/office/drawing/2010/main" w="9525">
                 <a:solidFill>
                   <a:srgbClr val="000000"/>
                 </a:solidFill>
@@ -10636,17 +10636,17 @@
           <a:ln/>
           <a:extLst>
             <a:ext uri="{FAA26D3D-D897-4be2-8F04-BA451C77F1D7}">
-              <ma14:placeholderFlag xmlns:ma14="http://schemas.microsoft.com/office/mac/drawingml/2011/main" xmlns="" val="1"/>
+              <ma14:placeholderFlag xmlns="" xmlns:ma14="http://schemas.microsoft.com/office/mac/drawingml/2011/main" val="1"/>
             </a:ext>
             <a:ext uri="{909E8E84-426E-40dd-AFC4-6F175D3DCCD1}">
-              <a14:hiddenFill xmlns:a14="http://schemas.microsoft.com/office/drawing/2010/main" xmlns="">
+              <a14:hiddenFill xmlns="" xmlns:a14="http://schemas.microsoft.com/office/drawing/2010/main">
                 <a:solidFill>
                   <a:srgbClr val="FFFFFF"/>
                 </a:solidFill>
               </a14:hiddenFill>
             </a:ext>
             <a:ext uri="{91240B29-F687-4f45-9708-019B960494DF}">
-              <a14:hiddenLine xmlns:a14="http://schemas.microsoft.com/office/drawing/2010/main" xmlns="" w="9525">
+              <a14:hiddenLine xmlns="" xmlns:a14="http://schemas.microsoft.com/office/drawing/2010/main" w="9525">
                 <a:solidFill>
                   <a:srgbClr val="000000"/>
                 </a:solidFill>
@@ -10709,14 +10709,14 @@
           <a:ln/>
           <a:extLst>
             <a:ext uri="{909E8E84-426E-40dd-AFC4-6F175D3DCCD1}">
-              <a14:hiddenFill xmlns:a14="http://schemas.microsoft.com/office/drawing/2010/main" xmlns="">
+              <a14:hiddenFill xmlns="" xmlns:a14="http://schemas.microsoft.com/office/drawing/2010/main">
                 <a:solidFill>
                   <a:srgbClr val="FFFFFF"/>
                 </a:solidFill>
               </a14:hiddenFill>
             </a:ext>
             <a:ext uri="{91240B29-F687-4f45-9708-019B960494DF}">
-              <a14:hiddenLine xmlns:a14="http://schemas.microsoft.com/office/drawing/2010/main" xmlns="" w="9525">
+              <a14:hiddenLine xmlns="" xmlns:a14="http://schemas.microsoft.com/office/drawing/2010/main" w="9525">
                 <a:solidFill>
                   <a:srgbClr val="000000"/>
                 </a:solidFill>
@@ -10881,17 +10881,17 @@
           <a:ln/>
           <a:extLst>
             <a:ext uri="{FAA26D3D-D897-4be2-8F04-BA451C77F1D7}">
-              <ma14:placeholderFlag xmlns:ma14="http://schemas.microsoft.com/office/mac/drawingml/2011/main" xmlns="" val="1"/>
+              <ma14:placeholderFlag xmlns="" xmlns:ma14="http://schemas.microsoft.com/office/mac/drawingml/2011/main" val="1"/>
             </a:ext>
             <a:ext uri="{909E8E84-426E-40dd-AFC4-6F175D3DCCD1}">
-              <a14:hiddenFill xmlns:a14="http://schemas.microsoft.com/office/drawing/2010/main" xmlns="">
+              <a14:hiddenFill xmlns="" xmlns:a14="http://schemas.microsoft.com/office/drawing/2010/main">
                 <a:solidFill>
                   <a:srgbClr val="FFFFFF"/>
                 </a:solidFill>
               </a14:hiddenFill>
             </a:ext>
             <a:ext uri="{91240B29-F687-4f45-9708-019B960494DF}">
-              <a14:hiddenLine xmlns:a14="http://schemas.microsoft.com/office/drawing/2010/main" xmlns="" w="9525">
+              <a14:hiddenLine xmlns="" xmlns:a14="http://schemas.microsoft.com/office/drawing/2010/main" w="9525">
                 <a:solidFill>
                   <a:srgbClr val="000000"/>
                 </a:solidFill>
@@ -10954,14 +10954,14 @@
           <a:ln/>
           <a:extLst>
             <a:ext uri="{909E8E84-426E-40dd-AFC4-6F175D3DCCD1}">
-              <a14:hiddenFill xmlns:a14="http://schemas.microsoft.com/office/drawing/2010/main" xmlns="">
+              <a14:hiddenFill xmlns="" xmlns:a14="http://schemas.microsoft.com/office/drawing/2010/main">
                 <a:solidFill>
                   <a:srgbClr val="FFFFFF"/>
                 </a:solidFill>
               </a14:hiddenFill>
             </a:ext>
             <a:ext uri="{91240B29-F687-4f45-9708-019B960494DF}">
-              <a14:hiddenLine xmlns:a14="http://schemas.microsoft.com/office/drawing/2010/main" xmlns="" w="9525">
+              <a14:hiddenLine xmlns="" xmlns:a14="http://schemas.microsoft.com/office/drawing/2010/main" w="9525">
                 <a:solidFill>
                   <a:srgbClr val="000000"/>
                 </a:solidFill>
@@ -11126,17 +11126,17 @@
           <a:ln/>
           <a:extLst>
             <a:ext uri="{FAA26D3D-D897-4be2-8F04-BA451C77F1D7}">
-              <ma14:placeholderFlag xmlns:ma14="http://schemas.microsoft.com/office/mac/drawingml/2011/main" xmlns="" val="1"/>
+              <ma14:placeholderFlag xmlns="" xmlns:ma14="http://schemas.microsoft.com/office/mac/drawingml/2011/main" val="1"/>
             </a:ext>
             <a:ext uri="{909E8E84-426E-40dd-AFC4-6F175D3DCCD1}">
-              <a14:hiddenFill xmlns:a14="http://schemas.microsoft.com/office/drawing/2010/main" xmlns="">
+              <a14:hiddenFill xmlns="" xmlns:a14="http://schemas.microsoft.com/office/drawing/2010/main">
                 <a:solidFill>
                   <a:srgbClr val="FFFFFF"/>
                 </a:solidFill>
               </a14:hiddenFill>
             </a:ext>
             <a:ext uri="{91240B29-F687-4f45-9708-019B960494DF}">
-              <a14:hiddenLine xmlns:a14="http://schemas.microsoft.com/office/drawing/2010/main" xmlns="" w="9525">
+              <a14:hiddenLine xmlns="" xmlns:a14="http://schemas.microsoft.com/office/drawing/2010/main" w="9525">
                 <a:solidFill>
                   <a:srgbClr val="000000"/>
                 </a:solidFill>
@@ -11199,14 +11199,14 @@
           <a:ln/>
           <a:extLst>
             <a:ext uri="{909E8E84-426E-40dd-AFC4-6F175D3DCCD1}">
-              <a14:hiddenFill xmlns:a14="http://schemas.microsoft.com/office/drawing/2010/main" xmlns="">
+              <a14:hiddenFill xmlns="" xmlns:a14="http://schemas.microsoft.com/office/drawing/2010/main">
                 <a:solidFill>
                   <a:srgbClr val="FFFFFF"/>
                 </a:solidFill>
               </a14:hiddenFill>
             </a:ext>
             <a:ext uri="{91240B29-F687-4f45-9708-019B960494DF}">
-              <a14:hiddenLine xmlns:a14="http://schemas.microsoft.com/office/drawing/2010/main" xmlns="" w="9525">
+              <a14:hiddenLine xmlns="" xmlns:a14="http://schemas.microsoft.com/office/drawing/2010/main" w="9525">
                 <a:solidFill>
                   <a:srgbClr val="000000"/>
                 </a:solidFill>
@@ -11371,17 +11371,17 @@
           <a:ln/>
           <a:extLst>
             <a:ext uri="{FAA26D3D-D897-4be2-8F04-BA451C77F1D7}">
-              <ma14:placeholderFlag xmlns:ma14="http://schemas.microsoft.com/office/mac/drawingml/2011/main" xmlns="" val="1"/>
+              <ma14:placeholderFlag xmlns="" xmlns:ma14="http://schemas.microsoft.com/office/mac/drawingml/2011/main" val="1"/>
             </a:ext>
             <a:ext uri="{909E8E84-426E-40dd-AFC4-6F175D3DCCD1}">
-              <a14:hiddenFill xmlns:a14="http://schemas.microsoft.com/office/drawing/2010/main" xmlns="">
+              <a14:hiddenFill xmlns="" xmlns:a14="http://schemas.microsoft.com/office/drawing/2010/main">
                 <a:solidFill>
                   <a:srgbClr val="FFFFFF"/>
                 </a:solidFill>
               </a14:hiddenFill>
             </a:ext>
             <a:ext uri="{91240B29-F687-4f45-9708-019B960494DF}">
-              <a14:hiddenLine xmlns:a14="http://schemas.microsoft.com/office/drawing/2010/main" xmlns="" w="9525">
+              <a14:hiddenLine xmlns="" xmlns:a14="http://schemas.microsoft.com/office/drawing/2010/main" w="9525">
                 <a:solidFill>
                   <a:srgbClr val="000000"/>
                 </a:solidFill>
@@ -11444,14 +11444,14 @@
           <a:ln/>
           <a:extLst>
             <a:ext uri="{909E8E84-426E-40dd-AFC4-6F175D3DCCD1}">
-              <a14:hiddenFill xmlns:a14="http://schemas.microsoft.com/office/drawing/2010/main" xmlns="">
+              <a14:hiddenFill xmlns="" xmlns:a14="http://schemas.microsoft.com/office/drawing/2010/main">
                 <a:solidFill>
                   <a:srgbClr val="FFFFFF"/>
                 </a:solidFill>
               </a14:hiddenFill>
             </a:ext>
             <a:ext uri="{91240B29-F687-4f45-9708-019B960494DF}">
-              <a14:hiddenLine xmlns:a14="http://schemas.microsoft.com/office/drawing/2010/main" xmlns="" w="9525">
+              <a14:hiddenLine xmlns="" xmlns:a14="http://schemas.microsoft.com/office/drawing/2010/main" w="9525">
                 <a:solidFill>
                   <a:srgbClr val="000000"/>
                 </a:solidFill>
@@ -11616,17 +11616,17 @@
           <a:ln/>
           <a:extLst>
             <a:ext uri="{FAA26D3D-D897-4be2-8F04-BA451C77F1D7}">
-              <ma14:placeholderFlag xmlns:ma14="http://schemas.microsoft.com/office/mac/drawingml/2011/main" xmlns="" val="1"/>
+              <ma14:placeholderFlag xmlns="" xmlns:ma14="http://schemas.microsoft.com/office/mac/drawingml/2011/main" val="1"/>
             </a:ext>
             <a:ext uri="{909E8E84-426E-40dd-AFC4-6F175D3DCCD1}">
-              <a14:hiddenFill xmlns:a14="http://schemas.microsoft.com/office/drawing/2010/main" xmlns="">
+              <a14:hiddenFill xmlns="" xmlns:a14="http://schemas.microsoft.com/office/drawing/2010/main">
                 <a:solidFill>
                   <a:srgbClr val="FFFFFF"/>
                 </a:solidFill>
               </a14:hiddenFill>
             </a:ext>
             <a:ext uri="{91240B29-F687-4f45-9708-019B960494DF}">
-              <a14:hiddenLine xmlns:a14="http://schemas.microsoft.com/office/drawing/2010/main" xmlns="" w="9525">
+              <a14:hiddenLine xmlns="" xmlns:a14="http://schemas.microsoft.com/office/drawing/2010/main" w="9525">
                 <a:solidFill>
                   <a:srgbClr val="000000"/>
                 </a:solidFill>
@@ -11689,14 +11689,14 @@
           <a:ln/>
           <a:extLst>
             <a:ext uri="{909E8E84-426E-40dd-AFC4-6F175D3DCCD1}">
-              <a14:hiddenFill xmlns:a14="http://schemas.microsoft.com/office/drawing/2010/main" xmlns="">
+              <a14:hiddenFill xmlns="" xmlns:a14="http://schemas.microsoft.com/office/drawing/2010/main">
                 <a:solidFill>
                   <a:srgbClr val="FFFFFF"/>
                 </a:solidFill>
               </a14:hiddenFill>
             </a:ext>
             <a:ext uri="{91240B29-F687-4f45-9708-019B960494DF}">
-              <a14:hiddenLine xmlns:a14="http://schemas.microsoft.com/office/drawing/2010/main" xmlns="" w="9525">
+              <a14:hiddenLine xmlns="" xmlns:a14="http://schemas.microsoft.com/office/drawing/2010/main" w="9525">
                 <a:solidFill>
                   <a:srgbClr val="000000"/>
                 </a:solidFill>
@@ -11861,17 +11861,17 @@
           <a:ln/>
           <a:extLst>
             <a:ext uri="{FAA26D3D-D897-4be2-8F04-BA451C77F1D7}">
-              <ma14:placeholderFlag xmlns:ma14="http://schemas.microsoft.com/office/mac/drawingml/2011/main" xmlns="" val="1"/>
+              <ma14:placeholderFlag xmlns="" xmlns:ma14="http://schemas.microsoft.com/office/mac/drawingml/2011/main" val="1"/>
             </a:ext>
             <a:ext uri="{909E8E84-426E-40dd-AFC4-6F175D3DCCD1}">
-              <a14:hiddenFill xmlns:a14="http://schemas.microsoft.com/office/drawing/2010/main" xmlns="">
+              <a14:hiddenFill xmlns="" xmlns:a14="http://schemas.microsoft.com/office/drawing/2010/main">
                 <a:solidFill>
                   <a:srgbClr val="FFFFFF"/>
                 </a:solidFill>
               </a14:hiddenFill>
             </a:ext>
             <a:ext uri="{91240B29-F687-4f45-9708-019B960494DF}">
-              <a14:hiddenLine xmlns:a14="http://schemas.microsoft.com/office/drawing/2010/main" xmlns="" w="9525">
+              <a14:hiddenLine xmlns="" xmlns:a14="http://schemas.microsoft.com/office/drawing/2010/main" w="9525">
                 <a:solidFill>
                   <a:srgbClr val="000000"/>
                 </a:solidFill>
@@ -11934,14 +11934,14 @@
           <a:ln/>
           <a:extLst>
             <a:ext uri="{909E8E84-426E-40dd-AFC4-6F175D3DCCD1}">
-              <a14:hiddenFill xmlns:a14="http://schemas.microsoft.com/office/drawing/2010/main" xmlns="">
+              <a14:hiddenFill xmlns="" xmlns:a14="http://schemas.microsoft.com/office/drawing/2010/main">
                 <a:solidFill>
                   <a:srgbClr val="FFFFFF"/>
                 </a:solidFill>
               </a14:hiddenFill>
             </a:ext>
             <a:ext uri="{91240B29-F687-4f45-9708-019B960494DF}">
-              <a14:hiddenLine xmlns:a14="http://schemas.microsoft.com/office/drawing/2010/main" xmlns="" w="9525">
+              <a14:hiddenLine xmlns="" xmlns:a14="http://schemas.microsoft.com/office/drawing/2010/main" w="9525">
                 <a:solidFill>
                   <a:srgbClr val="000000"/>
                 </a:solidFill>
@@ -12106,17 +12106,17 @@
           <a:ln/>
           <a:extLst>
             <a:ext uri="{FAA26D3D-D897-4be2-8F04-BA451C77F1D7}">
-              <ma14:placeholderFlag xmlns:ma14="http://schemas.microsoft.com/office/mac/drawingml/2011/main" xmlns="" val="1"/>
+              <ma14:placeholderFlag xmlns="" xmlns:ma14="http://schemas.microsoft.com/office/mac/drawingml/2011/main" val="1"/>
             </a:ext>
             <a:ext uri="{909E8E84-426E-40dd-AFC4-6F175D3DCCD1}">
-              <a14:hiddenFill xmlns:a14="http://schemas.microsoft.com/office/drawing/2010/main" xmlns="">
+              <a14:hiddenFill xmlns="" xmlns:a14="http://schemas.microsoft.com/office/drawing/2010/main">
                 <a:solidFill>
                   <a:srgbClr val="FFFFFF"/>
                 </a:solidFill>
               </a14:hiddenFill>
             </a:ext>
             <a:ext uri="{91240B29-F687-4f45-9708-019B960494DF}">
-              <a14:hiddenLine xmlns:a14="http://schemas.microsoft.com/office/drawing/2010/main" xmlns="" w="9525">
+              <a14:hiddenLine xmlns="" xmlns:a14="http://schemas.microsoft.com/office/drawing/2010/main" w="9525">
                 <a:solidFill>
                   <a:srgbClr val="000000"/>
                 </a:solidFill>
@@ -12179,14 +12179,14 @@
           <a:ln/>
           <a:extLst>
             <a:ext uri="{909E8E84-426E-40dd-AFC4-6F175D3DCCD1}">
-              <a14:hiddenFill xmlns:a14="http://schemas.microsoft.com/office/drawing/2010/main" xmlns="">
+              <a14:hiddenFill xmlns="" xmlns:a14="http://schemas.microsoft.com/office/drawing/2010/main">
                 <a:solidFill>
                   <a:srgbClr val="FFFFFF"/>
                 </a:solidFill>
               </a14:hiddenFill>
             </a:ext>
             <a:ext uri="{91240B29-F687-4f45-9708-019B960494DF}">
-              <a14:hiddenLine xmlns:a14="http://schemas.microsoft.com/office/drawing/2010/main" xmlns="" w="9525">
+              <a14:hiddenLine xmlns="" xmlns:a14="http://schemas.microsoft.com/office/drawing/2010/main" w="9525">
                 <a:solidFill>
                   <a:srgbClr val="000000"/>
                 </a:solidFill>
@@ -12351,17 +12351,17 @@
           <a:ln/>
           <a:extLst>
             <a:ext uri="{FAA26D3D-D897-4be2-8F04-BA451C77F1D7}">
-              <ma14:placeholderFlag xmlns:ma14="http://schemas.microsoft.com/office/mac/drawingml/2011/main" xmlns="" val="1"/>
+              <ma14:placeholderFlag xmlns="" xmlns:ma14="http://schemas.microsoft.com/office/mac/drawingml/2011/main" val="1"/>
             </a:ext>
             <a:ext uri="{909E8E84-426E-40dd-AFC4-6F175D3DCCD1}">
-              <a14:hiddenFill xmlns:a14="http://schemas.microsoft.com/office/drawing/2010/main" xmlns="">
+              <a14:hiddenFill xmlns="" xmlns:a14="http://schemas.microsoft.com/office/drawing/2010/main">
                 <a:solidFill>
                   <a:srgbClr val="FFFFFF"/>
                 </a:solidFill>
               </a14:hiddenFill>
             </a:ext>
             <a:ext uri="{91240B29-F687-4f45-9708-019B960494DF}">
-              <a14:hiddenLine xmlns:a14="http://schemas.microsoft.com/office/drawing/2010/main" xmlns="" w="9525">
+              <a14:hiddenLine xmlns="" xmlns:a14="http://schemas.microsoft.com/office/drawing/2010/main" w="9525">
                 <a:solidFill>
                   <a:srgbClr val="000000"/>
                 </a:solidFill>
@@ -12424,14 +12424,14 @@
           <a:ln/>
           <a:extLst>
             <a:ext uri="{909E8E84-426E-40dd-AFC4-6F175D3DCCD1}">
-              <a14:hiddenFill xmlns:a14="http://schemas.microsoft.com/office/drawing/2010/main" xmlns="">
+              <a14:hiddenFill xmlns="" xmlns:a14="http://schemas.microsoft.com/office/drawing/2010/main">
                 <a:solidFill>
                   <a:srgbClr val="FFFFFF"/>
                 </a:solidFill>
               </a14:hiddenFill>
             </a:ext>
             <a:ext uri="{91240B29-F687-4f45-9708-019B960494DF}">
-              <a14:hiddenLine xmlns:a14="http://schemas.microsoft.com/office/drawing/2010/main" xmlns="" w="9525">
+              <a14:hiddenLine xmlns="" xmlns:a14="http://schemas.microsoft.com/office/drawing/2010/main" w="9525">
                 <a:solidFill>
                   <a:srgbClr val="000000"/>
                 </a:solidFill>
@@ -12596,17 +12596,17 @@
           <a:ln/>
           <a:extLst>
             <a:ext uri="{FAA26D3D-D897-4be2-8F04-BA451C77F1D7}">
-              <ma14:placeholderFlag xmlns:ma14="http://schemas.microsoft.com/office/mac/drawingml/2011/main" xmlns="" val="1"/>
+              <ma14:placeholderFlag xmlns="" xmlns:ma14="http://schemas.microsoft.com/office/mac/drawingml/2011/main" val="1"/>
             </a:ext>
             <a:ext uri="{909E8E84-426E-40dd-AFC4-6F175D3DCCD1}">
-              <a14:hiddenFill xmlns:a14="http://schemas.microsoft.com/office/drawing/2010/main" xmlns="">
+              <a14:hiddenFill xmlns="" xmlns:a14="http://schemas.microsoft.com/office/drawing/2010/main">
                 <a:solidFill>
                   <a:srgbClr val="FFFFFF"/>
                 </a:solidFill>
               </a14:hiddenFill>
             </a:ext>
             <a:ext uri="{91240B29-F687-4f45-9708-019B960494DF}">
-              <a14:hiddenLine xmlns:a14="http://schemas.microsoft.com/office/drawing/2010/main" xmlns="" w="9525">
+              <a14:hiddenLine xmlns="" xmlns:a14="http://schemas.microsoft.com/office/drawing/2010/main" w="9525">
                 <a:solidFill>
                   <a:srgbClr val="000000"/>
                 </a:solidFill>
@@ -12669,14 +12669,14 @@
           <a:ln/>
           <a:extLst>
             <a:ext uri="{909E8E84-426E-40dd-AFC4-6F175D3DCCD1}">
-              <a14:hiddenFill xmlns:a14="http://schemas.microsoft.com/office/drawing/2010/main" xmlns="">
+              <a14:hiddenFill xmlns="" xmlns:a14="http://schemas.microsoft.com/office/drawing/2010/main">
                 <a:solidFill>
                   <a:srgbClr val="FFFFFF"/>
                 </a:solidFill>
               </a14:hiddenFill>
             </a:ext>
             <a:ext uri="{91240B29-F687-4f45-9708-019B960494DF}">
-              <a14:hiddenLine xmlns:a14="http://schemas.microsoft.com/office/drawing/2010/main" xmlns="" w="9525">
+              <a14:hiddenLine xmlns="" xmlns:a14="http://schemas.microsoft.com/office/drawing/2010/main" w="9525">
                 <a:solidFill>
                   <a:srgbClr val="000000"/>
                 </a:solidFill>
@@ -12841,17 +12841,17 @@
           <a:ln/>
           <a:extLst>
             <a:ext uri="{FAA26D3D-D897-4be2-8F04-BA451C77F1D7}">
-              <ma14:placeholderFlag xmlns:ma14="http://schemas.microsoft.com/office/mac/drawingml/2011/main" xmlns="" val="1"/>
+              <ma14:placeholderFlag xmlns="" xmlns:ma14="http://schemas.microsoft.com/office/mac/drawingml/2011/main" val="1"/>
             </a:ext>
             <a:ext uri="{909E8E84-426E-40dd-AFC4-6F175D3DCCD1}">
-              <a14:hiddenFill xmlns:a14="http://schemas.microsoft.com/office/drawing/2010/main" xmlns="">
+              <a14:hiddenFill xmlns="" xmlns:a14="http://schemas.microsoft.com/office/drawing/2010/main">
                 <a:solidFill>
                   <a:srgbClr val="FFFFFF"/>
                 </a:solidFill>
               </a14:hiddenFill>
             </a:ext>
             <a:ext uri="{91240B29-F687-4f45-9708-019B960494DF}">
-              <a14:hiddenLine xmlns:a14="http://schemas.microsoft.com/office/drawing/2010/main" xmlns="" w="9525">
+              <a14:hiddenLine xmlns="" xmlns:a14="http://schemas.microsoft.com/office/drawing/2010/main" w="9525">
                 <a:solidFill>
                   <a:srgbClr val="000000"/>
                 </a:solidFill>
@@ -12914,14 +12914,14 @@
           <a:ln/>
           <a:extLst>
             <a:ext uri="{909E8E84-426E-40dd-AFC4-6F175D3DCCD1}">
-              <a14:hiddenFill xmlns:a14="http://schemas.microsoft.com/office/drawing/2010/main" xmlns="">
+              <a14:hiddenFill xmlns="" xmlns:a14="http://schemas.microsoft.com/office/drawing/2010/main">
                 <a:solidFill>
                   <a:srgbClr val="FFFFFF"/>
                 </a:solidFill>
               </a14:hiddenFill>
             </a:ext>
             <a:ext uri="{91240B29-F687-4f45-9708-019B960494DF}">
-              <a14:hiddenLine xmlns:a14="http://schemas.microsoft.com/office/drawing/2010/main" xmlns="" w="9525">
+              <a14:hiddenLine xmlns="" xmlns:a14="http://schemas.microsoft.com/office/drawing/2010/main" w="9525">
                 <a:solidFill>
                   <a:srgbClr val="000000"/>
                 </a:solidFill>
@@ -13086,17 +13086,17 @@
           <a:ln/>
           <a:extLst>
             <a:ext uri="{FAA26D3D-D897-4be2-8F04-BA451C77F1D7}">
-              <ma14:placeholderFlag xmlns:ma14="http://schemas.microsoft.com/office/mac/drawingml/2011/main" xmlns="" val="1"/>
+              <ma14:placeholderFlag xmlns="" xmlns:ma14="http://schemas.microsoft.com/office/mac/drawingml/2011/main" val="1"/>
             </a:ext>
             <a:ext uri="{909E8E84-426E-40dd-AFC4-6F175D3DCCD1}">
-              <a14:hiddenFill xmlns:a14="http://schemas.microsoft.com/office/drawing/2010/main" xmlns="">
+              <a14:hiddenFill xmlns="" xmlns:a14="http://schemas.microsoft.com/office/drawing/2010/main">
                 <a:solidFill>
                   <a:srgbClr val="FFFFFF"/>
                 </a:solidFill>
               </a14:hiddenFill>
             </a:ext>
             <a:ext uri="{91240B29-F687-4f45-9708-019B960494DF}">
-              <a14:hiddenLine xmlns:a14="http://schemas.microsoft.com/office/drawing/2010/main" xmlns="" w="9525">
+              <a14:hiddenLine xmlns="" xmlns:a14="http://schemas.microsoft.com/office/drawing/2010/main" w="9525">
                 <a:solidFill>
                   <a:srgbClr val="000000"/>
                 </a:solidFill>
@@ -13159,14 +13159,14 @@
           <a:ln/>
           <a:extLst>
             <a:ext uri="{909E8E84-426E-40dd-AFC4-6F175D3DCCD1}">
-              <a14:hiddenFill xmlns:a14="http://schemas.microsoft.com/office/drawing/2010/main" xmlns="">
+              <a14:hiddenFill xmlns="" xmlns:a14="http://schemas.microsoft.com/office/drawing/2010/main">
                 <a:solidFill>
                   <a:srgbClr val="FFFFFF"/>
                 </a:solidFill>
               </a14:hiddenFill>
             </a:ext>
             <a:ext uri="{91240B29-F687-4f45-9708-019B960494DF}">
-              <a14:hiddenLine xmlns:a14="http://schemas.microsoft.com/office/drawing/2010/main" xmlns="" w="9525">
+              <a14:hiddenLine xmlns="" xmlns:a14="http://schemas.microsoft.com/office/drawing/2010/main" w="9525">
                 <a:solidFill>
                   <a:srgbClr val="000000"/>
                 </a:solidFill>
@@ -13331,17 +13331,17 @@
           <a:ln/>
           <a:extLst>
             <a:ext uri="{FAA26D3D-D897-4be2-8F04-BA451C77F1D7}">
-              <ma14:placeholderFlag xmlns:ma14="http://schemas.microsoft.com/office/mac/drawingml/2011/main" xmlns="" val="1"/>
+              <ma14:placeholderFlag xmlns="" xmlns:ma14="http://schemas.microsoft.com/office/mac/drawingml/2011/main" val="1"/>
             </a:ext>
             <a:ext uri="{909E8E84-426E-40dd-AFC4-6F175D3DCCD1}">
-              <a14:hiddenFill xmlns:a14="http://schemas.microsoft.com/office/drawing/2010/main" xmlns="">
+              <a14:hiddenFill xmlns="" xmlns:a14="http://schemas.microsoft.com/office/drawing/2010/main">
                 <a:solidFill>
                   <a:srgbClr val="FFFFFF"/>
                 </a:solidFill>
               </a14:hiddenFill>
             </a:ext>
             <a:ext uri="{91240B29-F687-4f45-9708-019B960494DF}">
-              <a14:hiddenLine xmlns:a14="http://schemas.microsoft.com/office/drawing/2010/main" xmlns="" w="9525">
+              <a14:hiddenLine xmlns="" xmlns:a14="http://schemas.microsoft.com/office/drawing/2010/main" w="9525">
                 <a:solidFill>
                   <a:srgbClr val="000000"/>
                 </a:solidFill>
@@ -13404,14 +13404,14 @@
           <a:ln/>
           <a:extLst>
             <a:ext uri="{909E8E84-426E-40dd-AFC4-6F175D3DCCD1}">
-              <a14:hiddenFill xmlns:a14="http://schemas.microsoft.com/office/drawing/2010/main" xmlns="">
+              <a14:hiddenFill xmlns="" xmlns:a14="http://schemas.microsoft.com/office/drawing/2010/main">
                 <a:solidFill>
                   <a:srgbClr val="FFFFFF"/>
                 </a:solidFill>
               </a14:hiddenFill>
             </a:ext>
             <a:ext uri="{91240B29-F687-4f45-9708-019B960494DF}">
-              <a14:hiddenLine xmlns:a14="http://schemas.microsoft.com/office/drawing/2010/main" xmlns="" w="9525">
+              <a14:hiddenLine xmlns="" xmlns:a14="http://schemas.microsoft.com/office/drawing/2010/main" w="9525">
                 <a:solidFill>
                   <a:srgbClr val="000000"/>
                 </a:solidFill>
@@ -13576,17 +13576,17 @@
           <a:ln/>
           <a:extLst>
             <a:ext uri="{FAA26D3D-D897-4be2-8F04-BA451C77F1D7}">
-              <ma14:placeholderFlag xmlns:ma14="http://schemas.microsoft.com/office/mac/drawingml/2011/main" xmlns="" val="1"/>
+              <ma14:placeholderFlag xmlns="" xmlns:ma14="http://schemas.microsoft.com/office/mac/drawingml/2011/main" val="1"/>
             </a:ext>
             <a:ext uri="{909E8E84-426E-40dd-AFC4-6F175D3DCCD1}">
-              <a14:hiddenFill xmlns:a14="http://schemas.microsoft.com/office/drawing/2010/main" xmlns="">
+              <a14:hiddenFill xmlns="" xmlns:a14="http://schemas.microsoft.com/office/drawing/2010/main">
                 <a:solidFill>
                   <a:srgbClr val="FFFFFF"/>
                 </a:solidFill>
               </a14:hiddenFill>
             </a:ext>
             <a:ext uri="{91240B29-F687-4f45-9708-019B960494DF}">
-              <a14:hiddenLine xmlns:a14="http://schemas.microsoft.com/office/drawing/2010/main" xmlns="" w="9525">
+              <a14:hiddenLine xmlns="" xmlns:a14="http://schemas.microsoft.com/office/drawing/2010/main" w="9525">
                 <a:solidFill>
                   <a:srgbClr val="000000"/>
                 </a:solidFill>
@@ -13739,14 +13739,14 @@
           <a:ln/>
           <a:extLst>
             <a:ext uri="{909E8E84-426E-40dd-AFC4-6F175D3DCCD1}">
-              <a14:hiddenFill xmlns:a14="http://schemas.microsoft.com/office/drawing/2010/main" xmlns="">
+              <a14:hiddenFill xmlns="" xmlns:a14="http://schemas.microsoft.com/office/drawing/2010/main">
                 <a:solidFill>
                   <a:srgbClr val="FFFFFF"/>
                 </a:solidFill>
               </a14:hiddenFill>
             </a:ext>
             <a:ext uri="{91240B29-F687-4f45-9708-019B960494DF}">
-              <a14:hiddenLine xmlns:a14="http://schemas.microsoft.com/office/drawing/2010/main" xmlns="" w="9525">
+              <a14:hiddenLine xmlns="" xmlns:a14="http://schemas.microsoft.com/office/drawing/2010/main" w="9525">
                 <a:solidFill>
                   <a:srgbClr val="000000"/>
                 </a:solidFill>
@@ -13911,17 +13911,17 @@
           <a:ln/>
           <a:extLst>
             <a:ext uri="{FAA26D3D-D897-4be2-8F04-BA451C77F1D7}">
-              <ma14:placeholderFlag xmlns:ma14="http://schemas.microsoft.com/office/mac/drawingml/2011/main" xmlns="" val="1"/>
+              <ma14:placeholderFlag xmlns="" xmlns:ma14="http://schemas.microsoft.com/office/mac/drawingml/2011/main" val="1"/>
             </a:ext>
             <a:ext uri="{909E8E84-426E-40dd-AFC4-6F175D3DCCD1}">
-              <a14:hiddenFill xmlns:a14="http://schemas.microsoft.com/office/drawing/2010/main" xmlns="">
+              <a14:hiddenFill xmlns="" xmlns:a14="http://schemas.microsoft.com/office/drawing/2010/main">
                 <a:solidFill>
                   <a:srgbClr val="FFFFFF"/>
                 </a:solidFill>
               </a14:hiddenFill>
             </a:ext>
             <a:ext uri="{91240B29-F687-4f45-9708-019B960494DF}">
-              <a14:hiddenLine xmlns:a14="http://schemas.microsoft.com/office/drawing/2010/main" xmlns="" w="9525">
+              <a14:hiddenLine xmlns="" xmlns:a14="http://schemas.microsoft.com/office/drawing/2010/main" w="9525">
                 <a:solidFill>
                   <a:srgbClr val="000000"/>
                 </a:solidFill>
@@ -13984,14 +13984,14 @@
           <a:ln/>
           <a:extLst>
             <a:ext uri="{909E8E84-426E-40dd-AFC4-6F175D3DCCD1}">
-              <a14:hiddenFill xmlns:a14="http://schemas.microsoft.com/office/drawing/2010/main" xmlns="">
+              <a14:hiddenFill xmlns="" xmlns:a14="http://schemas.microsoft.com/office/drawing/2010/main">
                 <a:solidFill>
                   <a:srgbClr val="FFFFFF"/>
                 </a:solidFill>
               </a14:hiddenFill>
             </a:ext>
             <a:ext uri="{91240B29-F687-4f45-9708-019B960494DF}">
-              <a14:hiddenLine xmlns:a14="http://schemas.microsoft.com/office/drawing/2010/main" xmlns="" w="9525">
+              <a14:hiddenLine xmlns="" xmlns:a14="http://schemas.microsoft.com/office/drawing/2010/main" w="9525">
                 <a:solidFill>
                   <a:srgbClr val="000000"/>
                 </a:solidFill>
@@ -14156,17 +14156,17 @@
           <a:ln/>
           <a:extLst>
             <a:ext uri="{FAA26D3D-D897-4be2-8F04-BA451C77F1D7}">
-              <ma14:placeholderFlag xmlns:ma14="http://schemas.microsoft.com/office/mac/drawingml/2011/main" xmlns="" val="1"/>
+              <ma14:placeholderFlag xmlns="" xmlns:ma14="http://schemas.microsoft.com/office/mac/drawingml/2011/main" val="1"/>
             </a:ext>
             <a:ext uri="{909E8E84-426E-40dd-AFC4-6F175D3DCCD1}">
-              <a14:hiddenFill xmlns:a14="http://schemas.microsoft.com/office/drawing/2010/main" xmlns="">
+              <a14:hiddenFill xmlns="" xmlns:a14="http://schemas.microsoft.com/office/drawing/2010/main">
                 <a:solidFill>
                   <a:srgbClr val="FFFFFF"/>
                 </a:solidFill>
               </a14:hiddenFill>
             </a:ext>
             <a:ext uri="{91240B29-F687-4f45-9708-019B960494DF}">
-              <a14:hiddenLine xmlns:a14="http://schemas.microsoft.com/office/drawing/2010/main" xmlns="" w="9525">
+              <a14:hiddenLine xmlns="" xmlns:a14="http://schemas.microsoft.com/office/drawing/2010/main" w="9525">
                 <a:solidFill>
                   <a:srgbClr val="000000"/>
                 </a:solidFill>
@@ -14229,14 +14229,14 @@
           <a:ln/>
           <a:extLst>
             <a:ext uri="{909E8E84-426E-40dd-AFC4-6F175D3DCCD1}">
-              <a14:hiddenFill xmlns:a14="http://schemas.microsoft.com/office/drawing/2010/main" xmlns="">
+              <a14:hiddenFill xmlns="" xmlns:a14="http://schemas.microsoft.com/office/drawing/2010/main">
                 <a:solidFill>
                   <a:srgbClr val="FFFFFF"/>
                 </a:solidFill>
               </a14:hiddenFill>
             </a:ext>
             <a:ext uri="{91240B29-F687-4f45-9708-019B960494DF}">
-              <a14:hiddenLine xmlns:a14="http://schemas.microsoft.com/office/drawing/2010/main" xmlns="" w="9525">
+              <a14:hiddenLine xmlns="" xmlns:a14="http://schemas.microsoft.com/office/drawing/2010/main" w="9525">
                 <a:solidFill>
                   <a:srgbClr val="000000"/>
                 </a:solidFill>
@@ -14401,17 +14401,17 @@
           <a:ln/>
           <a:extLst>
             <a:ext uri="{FAA26D3D-D897-4be2-8F04-BA451C77F1D7}">
-              <ma14:placeholderFlag xmlns:ma14="http://schemas.microsoft.com/office/mac/drawingml/2011/main" xmlns="" val="1"/>
+              <ma14:placeholderFlag xmlns="" xmlns:ma14="http://schemas.microsoft.com/office/mac/drawingml/2011/main" val="1"/>
             </a:ext>
             <a:ext uri="{909E8E84-426E-40dd-AFC4-6F175D3DCCD1}">
-              <a14:hiddenFill xmlns:a14="http://schemas.microsoft.com/office/drawing/2010/main" xmlns="">
+              <a14:hiddenFill xmlns="" xmlns:a14="http://schemas.microsoft.com/office/drawing/2010/main">
                 <a:solidFill>
                   <a:srgbClr val="FFFFFF"/>
                 </a:solidFill>
               </a14:hiddenFill>
             </a:ext>
             <a:ext uri="{91240B29-F687-4f45-9708-019B960494DF}">
-              <a14:hiddenLine xmlns:a14="http://schemas.microsoft.com/office/drawing/2010/main" xmlns="" w="9525">
+              <a14:hiddenLine xmlns="" xmlns:a14="http://schemas.microsoft.com/office/drawing/2010/main" w="9525">
                 <a:solidFill>
                   <a:srgbClr val="000000"/>
                 </a:solidFill>
@@ -14474,14 +14474,14 @@
           <a:ln/>
           <a:extLst>
             <a:ext uri="{909E8E84-426E-40dd-AFC4-6F175D3DCCD1}">
-              <a14:hiddenFill xmlns:a14="http://schemas.microsoft.com/office/drawing/2010/main" xmlns="">
+              <a14:hiddenFill xmlns="" xmlns:a14="http://schemas.microsoft.com/office/drawing/2010/main">
                 <a:solidFill>
                   <a:srgbClr val="FFFFFF"/>
                 </a:solidFill>
               </a14:hiddenFill>
             </a:ext>
             <a:ext uri="{91240B29-F687-4f45-9708-019B960494DF}">
-              <a14:hiddenLine xmlns:a14="http://schemas.microsoft.com/office/drawing/2010/main" xmlns="" w="9525">
+              <a14:hiddenLine xmlns="" xmlns:a14="http://schemas.microsoft.com/office/drawing/2010/main" w="9525">
                 <a:solidFill>
                   <a:srgbClr val="000000"/>
                 </a:solidFill>
@@ -14646,17 +14646,17 @@
           <a:ln/>
           <a:extLst>
             <a:ext uri="{FAA26D3D-D897-4be2-8F04-BA451C77F1D7}">
-              <ma14:placeholderFlag xmlns:ma14="http://schemas.microsoft.com/office/mac/drawingml/2011/main" xmlns="" val="1"/>
+              <ma14:placeholderFlag xmlns="" xmlns:ma14="http://schemas.microsoft.com/office/mac/drawingml/2011/main" val="1"/>
             </a:ext>
             <a:ext uri="{909E8E84-426E-40dd-AFC4-6F175D3DCCD1}">
-              <a14:hiddenFill xmlns:a14="http://schemas.microsoft.com/office/drawing/2010/main" xmlns="">
+              <a14:hiddenFill xmlns="" xmlns:a14="http://schemas.microsoft.com/office/drawing/2010/main">
                 <a:solidFill>
                   <a:srgbClr val="FFFFFF"/>
                 </a:solidFill>
               </a14:hiddenFill>
             </a:ext>
             <a:ext uri="{91240B29-F687-4f45-9708-019B960494DF}">
-              <a14:hiddenLine xmlns:a14="http://schemas.microsoft.com/office/drawing/2010/main" xmlns="" w="9525">
+              <a14:hiddenLine xmlns="" xmlns:a14="http://schemas.microsoft.com/office/drawing/2010/main" w="9525">
                 <a:solidFill>
                   <a:srgbClr val="000000"/>
                 </a:solidFill>
@@ -14719,14 +14719,14 @@
           <a:ln/>
           <a:extLst>
             <a:ext uri="{909E8E84-426E-40dd-AFC4-6F175D3DCCD1}">
-              <a14:hiddenFill xmlns:a14="http://schemas.microsoft.com/office/drawing/2010/main" xmlns="">
+              <a14:hiddenFill xmlns="" xmlns:a14="http://schemas.microsoft.com/office/drawing/2010/main">
                 <a:solidFill>
                   <a:srgbClr val="FFFFFF"/>
                 </a:solidFill>
               </a14:hiddenFill>
             </a:ext>
             <a:ext uri="{91240B29-F687-4f45-9708-019B960494DF}">
-              <a14:hiddenLine xmlns:a14="http://schemas.microsoft.com/office/drawing/2010/main" xmlns="" w="9525">
+              <a14:hiddenLine xmlns="" xmlns:a14="http://schemas.microsoft.com/office/drawing/2010/main" w="9525">
                 <a:solidFill>
                   <a:srgbClr val="000000"/>
                 </a:solidFill>
@@ -14891,17 +14891,17 @@
           <a:ln/>
           <a:extLst>
             <a:ext uri="{FAA26D3D-D897-4be2-8F04-BA451C77F1D7}">
-              <ma14:placeholderFlag xmlns:ma14="http://schemas.microsoft.com/office/mac/drawingml/2011/main" xmlns="" val="1"/>
+              <ma14:placeholderFlag xmlns="" xmlns:ma14="http://schemas.microsoft.com/office/mac/drawingml/2011/main" val="1"/>
             </a:ext>
             <a:ext uri="{909E8E84-426E-40dd-AFC4-6F175D3DCCD1}">
-              <a14:hiddenFill xmlns:a14="http://schemas.microsoft.com/office/drawing/2010/main" xmlns="">
+              <a14:hiddenFill xmlns="" xmlns:a14="http://schemas.microsoft.com/office/drawing/2010/main">
                 <a:solidFill>
                   <a:srgbClr val="FFFFFF"/>
                 </a:solidFill>
               </a14:hiddenFill>
             </a:ext>
             <a:ext uri="{91240B29-F687-4f45-9708-019B960494DF}">
-              <a14:hiddenLine xmlns:a14="http://schemas.microsoft.com/office/drawing/2010/main" xmlns="" w="9525">
+              <a14:hiddenLine xmlns="" xmlns:a14="http://schemas.microsoft.com/office/drawing/2010/main" w="9525">
                 <a:solidFill>
                   <a:srgbClr val="000000"/>
                 </a:solidFill>
@@ -15054,14 +15054,14 @@
           <a:ln/>
           <a:extLst>
             <a:ext uri="{909E8E84-426E-40dd-AFC4-6F175D3DCCD1}">
-              <a14:hiddenFill xmlns="" xmlns:a14="http://schemas.microsoft.com/office/drawing/2010/main">
+              <a14:hiddenFill xmlns:a14="http://schemas.microsoft.com/office/drawing/2010/main" xmlns="">
                 <a:solidFill>
                   <a:srgbClr val="FFFFFF"/>
                 </a:solidFill>
               </a14:hiddenFill>
             </a:ext>
             <a:ext uri="{91240B29-F687-4f45-9708-019B960494DF}">
-              <a14:hiddenLine xmlns="" xmlns:a14="http://schemas.microsoft.com/office/drawing/2010/main" w="9525">
+              <a14:hiddenLine xmlns:a14="http://schemas.microsoft.com/office/drawing/2010/main" xmlns="" w="9525">
                 <a:solidFill>
                   <a:srgbClr val="000000"/>
                 </a:solidFill>
@@ -15226,17 +15226,17 @@
           <a:ln/>
           <a:extLst>
             <a:ext uri="{FAA26D3D-D897-4be2-8F04-BA451C77F1D7}">
-              <ma14:placeholderFlag xmlns="" xmlns:ma14="http://schemas.microsoft.com/office/mac/drawingml/2011/main" val="1"/>
+              <ma14:placeholderFlag xmlns:ma14="http://schemas.microsoft.com/office/mac/drawingml/2011/main" xmlns="" val="1"/>
             </a:ext>
             <a:ext uri="{909E8E84-426E-40dd-AFC4-6F175D3DCCD1}">
-              <a14:hiddenFill xmlns="" xmlns:a14="http://schemas.microsoft.com/office/drawing/2010/main">
+              <a14:hiddenFill xmlns:a14="http://schemas.microsoft.com/office/drawing/2010/main" xmlns="">
                 <a:solidFill>
                   <a:srgbClr val="FFFFFF"/>
                 </a:solidFill>
               </a14:hiddenFill>
             </a:ext>
             <a:ext uri="{91240B29-F687-4f45-9708-019B960494DF}">
-              <a14:hiddenLine xmlns="" xmlns:a14="http://schemas.microsoft.com/office/drawing/2010/main" w="9525">
+              <a14:hiddenLine xmlns:a14="http://schemas.microsoft.com/office/drawing/2010/main" xmlns="" w="9525">
                 <a:solidFill>
                   <a:srgbClr val="000000"/>
                 </a:solidFill>
@@ -15304,14 +15304,14 @@
           <a:ln/>
           <a:extLst>
             <a:ext uri="{909E8E84-426E-40dd-AFC4-6F175D3DCCD1}">
-              <a14:hiddenFill xmlns:a14="http://schemas.microsoft.com/office/drawing/2010/main" xmlns="">
+              <a14:hiddenFill xmlns="" xmlns:a14="http://schemas.microsoft.com/office/drawing/2010/main">
                 <a:solidFill>
                   <a:srgbClr val="FFFFFF"/>
                 </a:solidFill>
               </a14:hiddenFill>
             </a:ext>
             <a:ext uri="{91240B29-F687-4f45-9708-019B960494DF}">
-              <a14:hiddenLine xmlns:a14="http://schemas.microsoft.com/office/drawing/2010/main" xmlns="" w="9525">
+              <a14:hiddenLine xmlns="" xmlns:a14="http://schemas.microsoft.com/office/drawing/2010/main" w="9525">
                 <a:solidFill>
                   <a:srgbClr val="000000"/>
                 </a:solidFill>
@@ -15476,17 +15476,17 @@
           <a:ln/>
           <a:extLst>
             <a:ext uri="{FAA26D3D-D897-4be2-8F04-BA451C77F1D7}">
-              <ma14:placeholderFlag xmlns:ma14="http://schemas.microsoft.com/office/mac/drawingml/2011/main" xmlns="" val="1"/>
+              <ma14:placeholderFlag xmlns="" xmlns:ma14="http://schemas.microsoft.com/office/mac/drawingml/2011/main" val="1"/>
             </a:ext>
             <a:ext uri="{909E8E84-426E-40dd-AFC4-6F175D3DCCD1}">
-              <a14:hiddenFill xmlns:a14="http://schemas.microsoft.com/office/drawing/2010/main" xmlns="">
+              <a14:hiddenFill xmlns="" xmlns:a14="http://schemas.microsoft.com/office/drawing/2010/main">
                 <a:solidFill>
                   <a:srgbClr val="FFFFFF"/>
                 </a:solidFill>
               </a14:hiddenFill>
             </a:ext>
             <a:ext uri="{91240B29-F687-4f45-9708-019B960494DF}">
-              <a14:hiddenLine xmlns:a14="http://schemas.microsoft.com/office/drawing/2010/main" xmlns="" w="9525">
+              <a14:hiddenLine xmlns="" xmlns:a14="http://schemas.microsoft.com/office/drawing/2010/main" w="9525">
                 <a:solidFill>
                   <a:srgbClr val="000000"/>
                 </a:solidFill>
@@ -15549,14 +15549,14 @@
           <a:ln/>
           <a:extLst>
             <a:ext uri="{909E8E84-426E-40dd-AFC4-6F175D3DCCD1}">
-              <a14:hiddenFill xmlns="" xmlns:a14="http://schemas.microsoft.com/office/drawing/2010/main">
+              <a14:hiddenFill xmlns:a14="http://schemas.microsoft.com/office/drawing/2010/main" xmlns="">
                 <a:solidFill>
                   <a:srgbClr val="FFFFFF"/>
                 </a:solidFill>
               </a14:hiddenFill>
             </a:ext>
             <a:ext uri="{91240B29-F687-4f45-9708-019B960494DF}">
-              <a14:hiddenLine xmlns="" xmlns:a14="http://schemas.microsoft.com/office/drawing/2010/main" w="9525">
+              <a14:hiddenLine xmlns:a14="http://schemas.microsoft.com/office/drawing/2010/main" xmlns="" w="9525">
                 <a:solidFill>
                   <a:srgbClr val="000000"/>
                 </a:solidFill>
@@ -15721,17 +15721,17 @@
           <a:ln/>
           <a:extLst>
             <a:ext uri="{FAA26D3D-D897-4be2-8F04-BA451C77F1D7}">
-              <ma14:placeholderFlag xmlns="" xmlns:ma14="http://schemas.microsoft.com/office/mac/drawingml/2011/main" val="1"/>
+              <ma14:placeholderFlag xmlns:ma14="http://schemas.microsoft.com/office/mac/drawingml/2011/main" xmlns="" val="1"/>
             </a:ext>
             <a:ext uri="{909E8E84-426E-40dd-AFC4-6F175D3DCCD1}">
-              <a14:hiddenFill xmlns="" xmlns:a14="http://schemas.microsoft.com/office/drawing/2010/main">
+              <a14:hiddenFill xmlns:a14="http://schemas.microsoft.com/office/drawing/2010/main" xmlns="">
                 <a:solidFill>
                   <a:srgbClr val="FFFFFF"/>
                 </a:solidFill>
               </a14:hiddenFill>
             </a:ext>
             <a:ext uri="{91240B29-F687-4f45-9708-019B960494DF}">
-              <a14:hiddenLine xmlns="" xmlns:a14="http://schemas.microsoft.com/office/drawing/2010/main" w="9525">
+              <a14:hiddenLine xmlns:a14="http://schemas.microsoft.com/office/drawing/2010/main" xmlns="" w="9525">
                 <a:solidFill>
                   <a:srgbClr val="000000"/>
                 </a:solidFill>
@@ -15799,14 +15799,14 @@
           <a:ln/>
           <a:extLst>
             <a:ext uri="{909E8E84-426E-40dd-AFC4-6F175D3DCCD1}">
-              <a14:hiddenFill xmlns="" xmlns:a14="http://schemas.microsoft.com/office/drawing/2010/main">
+              <a14:hiddenFill xmlns:a14="http://schemas.microsoft.com/office/drawing/2010/main" xmlns="">
                 <a:solidFill>
                   <a:srgbClr val="FFFFFF"/>
                 </a:solidFill>
               </a14:hiddenFill>
             </a:ext>
             <a:ext uri="{91240B29-F687-4f45-9708-019B960494DF}">
-              <a14:hiddenLine xmlns="" xmlns:a14="http://schemas.microsoft.com/office/drawing/2010/main" w="9525">
+              <a14:hiddenLine xmlns:a14="http://schemas.microsoft.com/office/drawing/2010/main" xmlns="" w="9525">
                 <a:solidFill>
                   <a:srgbClr val="000000"/>
                 </a:solidFill>
@@ -15971,17 +15971,17 @@
           <a:ln/>
           <a:extLst>
             <a:ext uri="{FAA26D3D-D897-4be2-8F04-BA451C77F1D7}">
-              <ma14:placeholderFlag xmlns="" xmlns:ma14="http://schemas.microsoft.com/office/mac/drawingml/2011/main" val="1"/>
+              <ma14:placeholderFlag xmlns:ma14="http://schemas.microsoft.com/office/mac/drawingml/2011/main" xmlns="" val="1"/>
             </a:ext>
             <a:ext uri="{909E8E84-426E-40dd-AFC4-6F175D3DCCD1}">
-              <a14:hiddenFill xmlns="" xmlns:a14="http://schemas.microsoft.com/office/drawing/2010/main">
+              <a14:hiddenFill xmlns:a14="http://schemas.microsoft.com/office/drawing/2010/main" xmlns="">
                 <a:solidFill>
                   <a:srgbClr val="FFFFFF"/>
                 </a:solidFill>
               </a14:hiddenFill>
             </a:ext>
             <a:ext uri="{91240B29-F687-4f45-9708-019B960494DF}">
-              <a14:hiddenLine xmlns="" xmlns:a14="http://schemas.microsoft.com/office/drawing/2010/main" w="9525">
+              <a14:hiddenLine xmlns:a14="http://schemas.microsoft.com/office/drawing/2010/main" xmlns="" w="9525">
                 <a:solidFill>
                   <a:srgbClr val="000000"/>
                 </a:solidFill>
@@ -16318,14 +16318,14 @@
           <a:ln/>
           <a:extLst>
             <a:ext uri="{909E8E84-426E-40dd-AFC4-6F175D3DCCD1}">
-              <a14:hiddenFill xmlns="" xmlns:a14="http://schemas.microsoft.com/office/drawing/2010/main">
+              <a14:hiddenFill xmlns:a14="http://schemas.microsoft.com/office/drawing/2010/main" xmlns="">
                 <a:solidFill>
                   <a:srgbClr val="FFFFFF"/>
                 </a:solidFill>
               </a14:hiddenFill>
             </a:ext>
             <a:ext uri="{91240B29-F687-4f45-9708-019B960494DF}">
-              <a14:hiddenLine xmlns="" xmlns:a14="http://schemas.microsoft.com/office/drawing/2010/main" w="9525">
+              <a14:hiddenLine xmlns:a14="http://schemas.microsoft.com/office/drawing/2010/main" xmlns="" w="9525">
                 <a:solidFill>
                   <a:srgbClr val="000000"/>
                 </a:solidFill>
@@ -16490,17 +16490,17 @@
           <a:ln/>
           <a:extLst>
             <a:ext uri="{FAA26D3D-D897-4be2-8F04-BA451C77F1D7}">
-              <ma14:placeholderFlag xmlns="" xmlns:ma14="http://schemas.microsoft.com/office/mac/drawingml/2011/main" val="1"/>
+              <ma14:placeholderFlag xmlns:ma14="http://schemas.microsoft.com/office/mac/drawingml/2011/main" xmlns="" val="1"/>
             </a:ext>
             <a:ext uri="{909E8E84-426E-40dd-AFC4-6F175D3DCCD1}">
-              <a14:hiddenFill xmlns="" xmlns:a14="http://schemas.microsoft.com/office/drawing/2010/main">
+              <a14:hiddenFill xmlns:a14="http://schemas.microsoft.com/office/drawing/2010/main" xmlns="">
                 <a:solidFill>
                   <a:srgbClr val="FFFFFF"/>
                 </a:solidFill>
               </a14:hiddenFill>
             </a:ext>
             <a:ext uri="{91240B29-F687-4f45-9708-019B960494DF}">
-              <a14:hiddenLine xmlns="" xmlns:a14="http://schemas.microsoft.com/office/drawing/2010/main" w="9525">
+              <a14:hiddenLine xmlns:a14="http://schemas.microsoft.com/office/drawing/2010/main" xmlns="" w="9525">
                 <a:solidFill>
                   <a:srgbClr val="000000"/>
                 </a:solidFill>
@@ -16901,14 +16901,14 @@
           <a:ln/>
           <a:extLst>
             <a:ext uri="{909E8E84-426E-40dd-AFC4-6F175D3DCCD1}">
-              <a14:hiddenFill xmlns="" xmlns:a14="http://schemas.microsoft.com/office/drawing/2010/main">
+              <a14:hiddenFill xmlns:a14="http://schemas.microsoft.com/office/drawing/2010/main" xmlns="">
                 <a:solidFill>
                   <a:srgbClr val="FFFFFF"/>
                 </a:solidFill>
               </a14:hiddenFill>
             </a:ext>
             <a:ext uri="{91240B29-F687-4f45-9708-019B960494DF}">
-              <a14:hiddenLine xmlns="" xmlns:a14="http://schemas.microsoft.com/office/drawing/2010/main" w="9525">
+              <a14:hiddenLine xmlns:a14="http://schemas.microsoft.com/office/drawing/2010/main" xmlns="" w="9525">
                 <a:solidFill>
                   <a:srgbClr val="000000"/>
                 </a:solidFill>
@@ -17073,17 +17073,17 @@
           <a:ln/>
           <a:extLst>
             <a:ext uri="{FAA26D3D-D897-4be2-8F04-BA451C77F1D7}">
-              <ma14:placeholderFlag xmlns="" xmlns:ma14="http://schemas.microsoft.com/office/mac/drawingml/2011/main" val="1"/>
+              <ma14:placeholderFlag xmlns:ma14="http://schemas.microsoft.com/office/mac/drawingml/2011/main" xmlns="" val="1"/>
             </a:ext>
             <a:ext uri="{909E8E84-426E-40dd-AFC4-6F175D3DCCD1}">
-              <a14:hiddenFill xmlns="" xmlns:a14="http://schemas.microsoft.com/office/drawing/2010/main">
+              <a14:hiddenFill xmlns:a14="http://schemas.microsoft.com/office/drawing/2010/main" xmlns="">
                 <a:solidFill>
                   <a:srgbClr val="FFFFFF"/>
                 </a:solidFill>
               </a14:hiddenFill>
             </a:ext>
             <a:ext uri="{91240B29-F687-4f45-9708-019B960494DF}">
-              <a14:hiddenLine xmlns="" xmlns:a14="http://schemas.microsoft.com/office/drawing/2010/main" w="9525">
+              <a14:hiddenLine xmlns:a14="http://schemas.microsoft.com/office/drawing/2010/main" xmlns="" w="9525">
                 <a:solidFill>
                   <a:srgbClr val="000000"/>
                 </a:solidFill>
@@ -17468,14 +17468,14 @@
           <a:ln/>
           <a:extLst>
             <a:ext uri="{909E8E84-426E-40dd-AFC4-6F175D3DCCD1}">
-              <a14:hiddenFill xmlns="" xmlns:a14="http://schemas.microsoft.com/office/drawing/2010/main">
+              <a14:hiddenFill xmlns:a14="http://schemas.microsoft.com/office/drawing/2010/main" xmlns="">
                 <a:solidFill>
                   <a:srgbClr val="FFFFFF"/>
                 </a:solidFill>
               </a14:hiddenFill>
             </a:ext>
             <a:ext uri="{91240B29-F687-4f45-9708-019B960494DF}">
-              <a14:hiddenLine xmlns="" xmlns:a14="http://schemas.microsoft.com/office/drawing/2010/main" w="9525">
+              <a14:hiddenLine xmlns:a14="http://schemas.microsoft.com/office/drawing/2010/main" xmlns="" w="9525">
                 <a:solidFill>
                   <a:srgbClr val="000000"/>
                 </a:solidFill>
@@ -17640,17 +17640,17 @@
           <a:ln/>
           <a:extLst>
             <a:ext uri="{FAA26D3D-D897-4be2-8F04-BA451C77F1D7}">
-              <ma14:placeholderFlag xmlns="" xmlns:ma14="http://schemas.microsoft.com/office/mac/drawingml/2011/main" val="1"/>
+              <ma14:placeholderFlag xmlns:ma14="http://schemas.microsoft.com/office/mac/drawingml/2011/main" xmlns="" val="1"/>
             </a:ext>
             <a:ext uri="{909E8E84-426E-40dd-AFC4-6F175D3DCCD1}">
-              <a14:hiddenFill xmlns="" xmlns:a14="http://schemas.microsoft.com/office/drawing/2010/main">
+              <a14:hiddenFill xmlns:a14="http://schemas.microsoft.com/office/drawing/2010/main" xmlns="">
                 <a:solidFill>
                   <a:srgbClr val="FFFFFF"/>
                 </a:solidFill>
               </a14:hiddenFill>
             </a:ext>
             <a:ext uri="{91240B29-F687-4f45-9708-019B960494DF}">
-              <a14:hiddenLine xmlns="" xmlns:a14="http://schemas.microsoft.com/office/drawing/2010/main" w="9525">
+              <a14:hiddenLine xmlns:a14="http://schemas.microsoft.com/office/drawing/2010/main" xmlns="" w="9525">
                 <a:solidFill>
                   <a:srgbClr val="000000"/>
                 </a:solidFill>
@@ -18156,14 +18156,14 @@
           <a:ln/>
           <a:extLst>
             <a:ext uri="{909E8E84-426E-40dd-AFC4-6F175D3DCCD1}">
-              <a14:hiddenFill xmlns="" xmlns:a14="http://schemas.microsoft.com/office/drawing/2010/main">
+              <a14:hiddenFill xmlns:a14="http://schemas.microsoft.com/office/drawing/2010/main" xmlns="">
                 <a:solidFill>
                   <a:srgbClr val="FFFFFF"/>
                 </a:solidFill>
               </a14:hiddenFill>
             </a:ext>
             <a:ext uri="{91240B29-F687-4f45-9708-019B960494DF}">
-              <a14:hiddenLine xmlns="" xmlns:a14="http://schemas.microsoft.com/office/drawing/2010/main" w="9525">
+              <a14:hiddenLine xmlns:a14="http://schemas.microsoft.com/office/drawing/2010/main" xmlns="" w="9525">
                 <a:solidFill>
                   <a:srgbClr val="000000"/>
                 </a:solidFill>
@@ -18328,17 +18328,17 @@
           <a:ln/>
           <a:extLst>
             <a:ext uri="{FAA26D3D-D897-4be2-8F04-BA451C77F1D7}">
-              <ma14:placeholderFlag xmlns="" xmlns:ma14="http://schemas.microsoft.com/office/mac/drawingml/2011/main" val="1"/>
+              <ma14:placeholderFlag xmlns:ma14="http://schemas.microsoft.com/office/mac/drawingml/2011/main" xmlns="" val="1"/>
             </a:ext>
             <a:ext uri="{909E8E84-426E-40dd-AFC4-6F175D3DCCD1}">
-              <a14:hiddenFill xmlns="" xmlns:a14="http://schemas.microsoft.com/office/drawing/2010/main">
+              <a14:hiddenFill xmlns:a14="http://schemas.microsoft.com/office/drawing/2010/main" xmlns="">
                 <a:solidFill>
                   <a:srgbClr val="FFFFFF"/>
                 </a:solidFill>
               </a14:hiddenFill>
             </a:ext>
             <a:ext uri="{91240B29-F687-4f45-9708-019B960494DF}">
-              <a14:hiddenLine xmlns="" xmlns:a14="http://schemas.microsoft.com/office/drawing/2010/main" w="9525">
+              <a14:hiddenLine xmlns:a14="http://schemas.microsoft.com/office/drawing/2010/main" xmlns="" w="9525">
                 <a:solidFill>
                   <a:srgbClr val="000000"/>
                 </a:solidFill>
@@ -18406,14 +18406,14 @@
           <a:ln/>
           <a:extLst>
             <a:ext uri="{909E8E84-426E-40dd-AFC4-6F175D3DCCD1}">
-              <a14:hiddenFill xmlns="" xmlns:a14="http://schemas.microsoft.com/office/drawing/2010/main">
+              <a14:hiddenFill xmlns:a14="http://schemas.microsoft.com/office/drawing/2010/main" xmlns="">
                 <a:solidFill>
                   <a:srgbClr val="FFFFFF"/>
                 </a:solidFill>
               </a14:hiddenFill>
             </a:ext>
             <a:ext uri="{91240B29-F687-4f45-9708-019B960494DF}">
-              <a14:hiddenLine xmlns="" xmlns:a14="http://schemas.microsoft.com/office/drawing/2010/main" w="9525">
+              <a14:hiddenLine xmlns:a14="http://schemas.microsoft.com/office/drawing/2010/main" xmlns="" w="9525">
                 <a:solidFill>
                   <a:srgbClr val="000000"/>
                 </a:solidFill>
@@ -18578,17 +18578,17 @@
           <a:ln/>
           <a:extLst>
             <a:ext uri="{FAA26D3D-D897-4be2-8F04-BA451C77F1D7}">
-              <ma14:placeholderFlag xmlns="" xmlns:ma14="http://schemas.microsoft.com/office/mac/drawingml/2011/main" val="1"/>
+              <ma14:placeholderFlag xmlns:ma14="http://schemas.microsoft.com/office/mac/drawingml/2011/main" xmlns="" val="1"/>
             </a:ext>
             <a:ext uri="{909E8E84-426E-40dd-AFC4-6F175D3DCCD1}">
-              <a14:hiddenFill xmlns="" xmlns:a14="http://schemas.microsoft.com/office/drawing/2010/main">
+              <a14:hiddenFill xmlns:a14="http://schemas.microsoft.com/office/drawing/2010/main" xmlns="">
                 <a:solidFill>
                   <a:srgbClr val="FFFFFF"/>
                 </a:solidFill>
               </a14:hiddenFill>
             </a:ext>
             <a:ext uri="{91240B29-F687-4f45-9708-019B960494DF}">
-              <a14:hiddenLine xmlns="" xmlns:a14="http://schemas.microsoft.com/office/drawing/2010/main" w="9525">
+              <a14:hiddenLine xmlns:a14="http://schemas.microsoft.com/office/drawing/2010/main" xmlns="" w="9525">
                 <a:solidFill>
                   <a:srgbClr val="000000"/>
                 </a:solidFill>
@@ -18656,14 +18656,14 @@
           <a:ln/>
           <a:extLst>
             <a:ext uri="{909E8E84-426E-40dd-AFC4-6F175D3DCCD1}">
-              <a14:hiddenFill xmlns="" xmlns:a14="http://schemas.microsoft.com/office/drawing/2010/main">
+              <a14:hiddenFill xmlns:a14="http://schemas.microsoft.com/office/drawing/2010/main" xmlns="">
                 <a:solidFill>
                   <a:srgbClr val="FFFFFF"/>
                 </a:solidFill>
               </a14:hiddenFill>
             </a:ext>
             <a:ext uri="{91240B29-F687-4f45-9708-019B960494DF}">
-              <a14:hiddenLine xmlns="" xmlns:a14="http://schemas.microsoft.com/office/drawing/2010/main" w="9525">
+              <a14:hiddenLine xmlns:a14="http://schemas.microsoft.com/office/drawing/2010/main" xmlns="" w="9525">
                 <a:solidFill>
                   <a:srgbClr val="000000"/>
                 </a:solidFill>
@@ -18828,17 +18828,17 @@
           <a:ln/>
           <a:extLst>
             <a:ext uri="{FAA26D3D-D897-4be2-8F04-BA451C77F1D7}">
-              <ma14:placeholderFlag xmlns="" xmlns:ma14="http://schemas.microsoft.com/office/mac/drawingml/2011/main" val="1"/>
+              <ma14:placeholderFlag xmlns:ma14="http://schemas.microsoft.com/office/mac/drawingml/2011/main" xmlns="" val="1"/>
             </a:ext>
             <a:ext uri="{909E8E84-426E-40dd-AFC4-6F175D3DCCD1}">
-              <a14:hiddenFill xmlns="" xmlns:a14="http://schemas.microsoft.com/office/drawing/2010/main">
+              <a14:hiddenFill xmlns:a14="http://schemas.microsoft.com/office/drawing/2010/main" xmlns="">
                 <a:solidFill>
                   <a:srgbClr val="FFFFFF"/>
                 </a:solidFill>
               </a14:hiddenFill>
             </a:ext>
             <a:ext uri="{91240B29-F687-4f45-9708-019B960494DF}">
-              <a14:hiddenLine xmlns="" xmlns:a14="http://schemas.microsoft.com/office/drawing/2010/main" w="9525">
+              <a14:hiddenLine xmlns:a14="http://schemas.microsoft.com/office/drawing/2010/main" xmlns="" w="9525">
                 <a:solidFill>
                   <a:srgbClr val="000000"/>
                 </a:solidFill>
@@ -18906,14 +18906,14 @@
           <a:ln/>
           <a:extLst>
             <a:ext uri="{909E8E84-426E-40dd-AFC4-6F175D3DCCD1}">
-              <a14:hiddenFill xmlns="" xmlns:a14="http://schemas.microsoft.com/office/drawing/2010/main">
+              <a14:hiddenFill xmlns:a14="http://schemas.microsoft.com/office/drawing/2010/main" xmlns="">
                 <a:solidFill>
                   <a:srgbClr val="FFFFFF"/>
                 </a:solidFill>
               </a14:hiddenFill>
             </a:ext>
             <a:ext uri="{91240B29-F687-4f45-9708-019B960494DF}">
-              <a14:hiddenLine xmlns="" xmlns:a14="http://schemas.microsoft.com/office/drawing/2010/main" w="9525">
+              <a14:hiddenLine xmlns:a14="http://schemas.microsoft.com/office/drawing/2010/main" xmlns="" w="9525">
                 <a:solidFill>
                   <a:srgbClr val="000000"/>
                 </a:solidFill>
@@ -19078,17 +19078,17 @@
           <a:ln/>
           <a:extLst>
             <a:ext uri="{FAA26D3D-D897-4be2-8F04-BA451C77F1D7}">
-              <ma14:placeholderFlag xmlns="" xmlns:ma14="http://schemas.microsoft.com/office/mac/drawingml/2011/main" val="1"/>
+              <ma14:placeholderFlag xmlns:ma14="http://schemas.microsoft.com/office/mac/drawingml/2011/main" xmlns="" val="1"/>
             </a:ext>
             <a:ext uri="{909E8E84-426E-40dd-AFC4-6F175D3DCCD1}">
-              <a14:hiddenFill xmlns="" xmlns:a14="http://schemas.microsoft.com/office/drawing/2010/main">
+              <a14:hiddenFill xmlns:a14="http://schemas.microsoft.com/office/drawing/2010/main" xmlns="">
                 <a:solidFill>
                   <a:srgbClr val="FFFFFF"/>
                 </a:solidFill>
               </a14:hiddenFill>
             </a:ext>
             <a:ext uri="{91240B29-F687-4f45-9708-019B960494DF}">
-              <a14:hiddenLine xmlns="" xmlns:a14="http://schemas.microsoft.com/office/drawing/2010/main" w="9525">
+              <a14:hiddenLine xmlns:a14="http://schemas.microsoft.com/office/drawing/2010/main" xmlns="" w="9525">
                 <a:solidFill>
                   <a:srgbClr val="000000"/>
                 </a:solidFill>
@@ -19534,14 +19534,14 @@
           <a:ln/>
           <a:extLst>
             <a:ext uri="{909E8E84-426E-40dd-AFC4-6F175D3DCCD1}">
-              <a14:hiddenFill xmlns="" xmlns:a14="http://schemas.microsoft.com/office/drawing/2010/main">
+              <a14:hiddenFill xmlns:a14="http://schemas.microsoft.com/office/drawing/2010/main" xmlns="">
                 <a:solidFill>
                   <a:srgbClr val="FFFFFF"/>
                 </a:solidFill>
               </a14:hiddenFill>
             </a:ext>
             <a:ext uri="{91240B29-F687-4f45-9708-019B960494DF}">
-              <a14:hiddenLine xmlns="" xmlns:a14="http://schemas.microsoft.com/office/drawing/2010/main" w="9525">
+              <a14:hiddenLine xmlns:a14="http://schemas.microsoft.com/office/drawing/2010/main" xmlns="" w="9525">
                 <a:solidFill>
                   <a:srgbClr val="000000"/>
                 </a:solidFill>
@@ -19706,17 +19706,17 @@
           <a:ln/>
           <a:extLst>
             <a:ext uri="{FAA26D3D-D897-4be2-8F04-BA451C77F1D7}">
-              <ma14:placeholderFlag xmlns="" xmlns:ma14="http://schemas.microsoft.com/office/mac/drawingml/2011/main" val="1"/>
+              <ma14:placeholderFlag xmlns:ma14="http://schemas.microsoft.com/office/mac/drawingml/2011/main" xmlns="" val="1"/>
             </a:ext>
             <a:ext uri="{909E8E84-426E-40dd-AFC4-6F175D3DCCD1}">
-              <a14:hiddenFill xmlns="" xmlns:a14="http://schemas.microsoft.com/office/drawing/2010/main">
+              <a14:hiddenFill xmlns:a14="http://schemas.microsoft.com/office/drawing/2010/main" xmlns="">
                 <a:solidFill>
                   <a:srgbClr val="FFFFFF"/>
                 </a:solidFill>
               </a14:hiddenFill>
             </a:ext>
             <a:ext uri="{91240B29-F687-4f45-9708-019B960494DF}">
-              <a14:hiddenLine xmlns="" xmlns:a14="http://schemas.microsoft.com/office/drawing/2010/main" w="9525">
+              <a14:hiddenLine xmlns:a14="http://schemas.microsoft.com/office/drawing/2010/main" xmlns="" w="9525">
                 <a:solidFill>
                   <a:srgbClr val="000000"/>
                 </a:solidFill>
@@ -20176,14 +20176,14 @@
           <a:ln/>
           <a:extLst>
             <a:ext uri="{909E8E84-426E-40dd-AFC4-6F175D3DCCD1}">
-              <a14:hiddenFill xmlns:a14="http://schemas.microsoft.com/office/drawing/2010/main" xmlns="">
+              <a14:hiddenFill xmlns="" xmlns:a14="http://schemas.microsoft.com/office/drawing/2010/main">
                 <a:solidFill>
                   <a:srgbClr val="FFFFFF"/>
                 </a:solidFill>
               </a14:hiddenFill>
             </a:ext>
             <a:ext uri="{91240B29-F687-4f45-9708-019B960494DF}">
-              <a14:hiddenLine xmlns:a14="http://schemas.microsoft.com/office/drawing/2010/main" xmlns="" w="9525">
+              <a14:hiddenLine xmlns="" xmlns:a14="http://schemas.microsoft.com/office/drawing/2010/main" w="9525">
                 <a:solidFill>
                   <a:srgbClr val="000000"/>
                 </a:solidFill>
@@ -20348,17 +20348,17 @@
           <a:ln/>
           <a:extLst>
             <a:ext uri="{FAA26D3D-D897-4be2-8F04-BA451C77F1D7}">
-              <ma14:placeholderFlag xmlns:ma14="http://schemas.microsoft.com/office/mac/drawingml/2011/main" xmlns="" val="1"/>
+              <ma14:placeholderFlag xmlns="" xmlns:ma14="http://schemas.microsoft.com/office/mac/drawingml/2011/main" val="1"/>
             </a:ext>
             <a:ext uri="{909E8E84-426E-40dd-AFC4-6F175D3DCCD1}">
-              <a14:hiddenFill xmlns:a14="http://schemas.microsoft.com/office/drawing/2010/main" xmlns="">
+              <a14:hiddenFill xmlns="" xmlns:a14="http://schemas.microsoft.com/office/drawing/2010/main">
                 <a:solidFill>
                   <a:srgbClr val="FFFFFF"/>
                 </a:solidFill>
               </a14:hiddenFill>
             </a:ext>
             <a:ext uri="{91240B29-F687-4f45-9708-019B960494DF}">
-              <a14:hiddenLine xmlns:a14="http://schemas.microsoft.com/office/drawing/2010/main" xmlns="" w="9525">
+              <a14:hiddenLine xmlns="" xmlns:a14="http://schemas.microsoft.com/office/drawing/2010/main" w="9525">
                 <a:solidFill>
                   <a:srgbClr val="000000"/>
                 </a:solidFill>
@@ -20421,14 +20421,14 @@
           <a:ln/>
           <a:extLst>
             <a:ext uri="{909E8E84-426E-40dd-AFC4-6F175D3DCCD1}">
-              <a14:hiddenFill xmlns="" xmlns:a14="http://schemas.microsoft.com/office/drawing/2010/main">
+              <a14:hiddenFill xmlns:a14="http://schemas.microsoft.com/office/drawing/2010/main" xmlns="">
                 <a:solidFill>
                   <a:srgbClr val="FFFFFF"/>
                 </a:solidFill>
               </a14:hiddenFill>
             </a:ext>
             <a:ext uri="{91240B29-F687-4f45-9708-019B960494DF}">
-              <a14:hiddenLine xmlns="" xmlns:a14="http://schemas.microsoft.com/office/drawing/2010/main" w="9525">
+              <a14:hiddenLine xmlns:a14="http://schemas.microsoft.com/office/drawing/2010/main" xmlns="" w="9525">
                 <a:solidFill>
                   <a:srgbClr val="000000"/>
                 </a:solidFill>
@@ -20593,17 +20593,17 @@
           <a:ln/>
           <a:extLst>
             <a:ext uri="{FAA26D3D-D897-4be2-8F04-BA451C77F1D7}">
-              <ma14:placeholderFlag xmlns="" xmlns:ma14="http://schemas.microsoft.com/office/mac/drawingml/2011/main" val="1"/>
+              <ma14:placeholderFlag xmlns:ma14="http://schemas.microsoft.com/office/mac/drawingml/2011/main" xmlns="" val="1"/>
             </a:ext>
             <a:ext uri="{909E8E84-426E-40dd-AFC4-6F175D3DCCD1}">
-              <a14:hiddenFill xmlns="" xmlns:a14="http://schemas.microsoft.com/office/drawing/2010/main">
+              <a14:hiddenFill xmlns:a14="http://schemas.microsoft.com/office/drawing/2010/main" xmlns="">
                 <a:solidFill>
                   <a:srgbClr val="FFFFFF"/>
                 </a:solidFill>
               </a14:hiddenFill>
             </a:ext>
             <a:ext uri="{91240B29-F687-4f45-9708-019B960494DF}">
-              <a14:hiddenLine xmlns="" xmlns:a14="http://schemas.microsoft.com/office/drawing/2010/main" w="9525">
+              <a14:hiddenLine xmlns:a14="http://schemas.microsoft.com/office/drawing/2010/main" xmlns="" w="9525">
                 <a:solidFill>
                   <a:srgbClr val="000000"/>
                 </a:solidFill>
@@ -20671,14 +20671,14 @@
           <a:ln/>
           <a:extLst>
             <a:ext uri="{909E8E84-426E-40dd-AFC4-6F175D3DCCD1}">
-              <a14:hiddenFill xmlns="" xmlns:a14="http://schemas.microsoft.com/office/drawing/2010/main">
+              <a14:hiddenFill xmlns:a14="http://schemas.microsoft.com/office/drawing/2010/main" xmlns="">
                 <a:solidFill>
                   <a:srgbClr val="FFFFFF"/>
                 </a:solidFill>
               </a14:hiddenFill>
             </a:ext>
             <a:ext uri="{91240B29-F687-4f45-9708-019B960494DF}">
-              <a14:hiddenLine xmlns="" xmlns:a14="http://schemas.microsoft.com/office/drawing/2010/main" w="9525">
+              <a14:hiddenLine xmlns:a14="http://schemas.microsoft.com/office/drawing/2010/main" xmlns="" w="9525">
                 <a:solidFill>
                   <a:srgbClr val="000000"/>
                 </a:solidFill>
@@ -20843,17 +20843,17 @@
           <a:ln/>
           <a:extLst>
             <a:ext uri="{FAA26D3D-D897-4be2-8F04-BA451C77F1D7}">
-              <ma14:placeholderFlag xmlns="" xmlns:ma14="http://schemas.microsoft.com/office/mac/drawingml/2011/main" val="1"/>
+              <ma14:placeholderFlag xmlns:ma14="http://schemas.microsoft.com/office/mac/drawingml/2011/main" xmlns="" val="1"/>
             </a:ext>
             <a:ext uri="{909E8E84-426E-40dd-AFC4-6F175D3DCCD1}">
-              <a14:hiddenFill xmlns="" xmlns:a14="http://schemas.microsoft.com/office/drawing/2010/main">
+              <a14:hiddenFill xmlns:a14="http://schemas.microsoft.com/office/drawing/2010/main" xmlns="">
                 <a:solidFill>
                   <a:srgbClr val="FFFFFF"/>
                 </a:solidFill>
               </a14:hiddenFill>
             </a:ext>
             <a:ext uri="{91240B29-F687-4f45-9708-019B960494DF}">
-              <a14:hiddenLine xmlns="" xmlns:a14="http://schemas.microsoft.com/office/drawing/2010/main" w="9525">
+              <a14:hiddenLine xmlns:a14="http://schemas.microsoft.com/office/drawing/2010/main" xmlns="" w="9525">
                 <a:solidFill>
                   <a:srgbClr val="000000"/>
                 </a:solidFill>
@@ -20921,14 +20921,14 @@
           <a:ln/>
           <a:extLst>
             <a:ext uri="{909E8E84-426E-40dd-AFC4-6F175D3DCCD1}">
-              <a14:hiddenFill xmlns:a14="http://schemas.microsoft.com/office/drawing/2010/main" xmlns="">
+              <a14:hiddenFill xmlns="" xmlns:a14="http://schemas.microsoft.com/office/drawing/2010/main">
                 <a:solidFill>
                   <a:srgbClr val="FFFFFF"/>
                 </a:solidFill>
               </a14:hiddenFill>
             </a:ext>
             <a:ext uri="{91240B29-F687-4f45-9708-019B960494DF}">
-              <a14:hiddenLine xmlns:a14="http://schemas.microsoft.com/office/drawing/2010/main" xmlns="" w="9525">
+              <a14:hiddenLine xmlns="" xmlns:a14="http://schemas.microsoft.com/office/drawing/2010/main" w="9525">
                 <a:solidFill>
                   <a:srgbClr val="000000"/>
                 </a:solidFill>
@@ -21093,17 +21093,17 @@
           <a:ln/>
           <a:extLst>
             <a:ext uri="{FAA26D3D-D897-4be2-8F04-BA451C77F1D7}">
-              <ma14:placeholderFlag xmlns:ma14="http://schemas.microsoft.com/office/mac/drawingml/2011/main" xmlns="" val="1"/>
+              <ma14:placeholderFlag xmlns="" xmlns:ma14="http://schemas.microsoft.com/office/mac/drawingml/2011/main" val="1"/>
             </a:ext>
             <a:ext uri="{909E8E84-426E-40dd-AFC4-6F175D3DCCD1}">
-              <a14:hiddenFill xmlns:a14="http://schemas.microsoft.com/office/drawing/2010/main" xmlns="">
+              <a14:hiddenFill xmlns="" xmlns:a14="http://schemas.microsoft.com/office/drawing/2010/main">
                 <a:solidFill>
                   <a:srgbClr val="FFFFFF"/>
                 </a:solidFill>
               </a14:hiddenFill>
             </a:ext>
             <a:ext uri="{91240B29-F687-4f45-9708-019B960494DF}">
-              <a14:hiddenLine xmlns:a14="http://schemas.microsoft.com/office/drawing/2010/main" xmlns="" w="9525">
+              <a14:hiddenLine xmlns="" xmlns:a14="http://schemas.microsoft.com/office/drawing/2010/main" w="9525">
                 <a:solidFill>
                   <a:srgbClr val="000000"/>
                 </a:solidFill>
@@ -21166,14 +21166,14 @@
           <a:ln/>
           <a:extLst>
             <a:ext uri="{909E8E84-426E-40dd-AFC4-6F175D3DCCD1}">
-              <a14:hiddenFill xmlns:a14="http://schemas.microsoft.com/office/drawing/2010/main" xmlns="">
+              <a14:hiddenFill xmlns="" xmlns:a14="http://schemas.microsoft.com/office/drawing/2010/main">
                 <a:solidFill>
                   <a:srgbClr val="FFFFFF"/>
                 </a:solidFill>
               </a14:hiddenFill>
             </a:ext>
             <a:ext uri="{91240B29-F687-4f45-9708-019B960494DF}">
-              <a14:hiddenLine xmlns:a14="http://schemas.microsoft.com/office/drawing/2010/main" xmlns="" w="9525">
+              <a14:hiddenLine xmlns="" xmlns:a14="http://schemas.microsoft.com/office/drawing/2010/main" w="9525">
                 <a:solidFill>
                   <a:srgbClr val="000000"/>
                 </a:solidFill>
@@ -21338,17 +21338,17 @@
           <a:ln/>
           <a:extLst>
             <a:ext uri="{FAA26D3D-D897-4be2-8F04-BA451C77F1D7}">
-              <ma14:placeholderFlag xmlns:ma14="http://schemas.microsoft.com/office/mac/drawingml/2011/main" xmlns="" val="1"/>
+              <ma14:placeholderFlag xmlns="" xmlns:ma14="http://schemas.microsoft.com/office/mac/drawingml/2011/main" val="1"/>
             </a:ext>
             <a:ext uri="{909E8E84-426E-40dd-AFC4-6F175D3DCCD1}">
-              <a14:hiddenFill xmlns:a14="http://schemas.microsoft.com/office/drawing/2010/main" xmlns="">
+              <a14:hiddenFill xmlns="" xmlns:a14="http://schemas.microsoft.com/office/drawing/2010/main">
                 <a:solidFill>
                   <a:srgbClr val="FFFFFF"/>
                 </a:solidFill>
               </a14:hiddenFill>
             </a:ext>
             <a:ext uri="{91240B29-F687-4f45-9708-019B960494DF}">
-              <a14:hiddenLine xmlns:a14="http://schemas.microsoft.com/office/drawing/2010/main" xmlns="" w="9525">
+              <a14:hiddenLine xmlns="" xmlns:a14="http://schemas.microsoft.com/office/drawing/2010/main" w="9525">
                 <a:solidFill>
                   <a:srgbClr val="000000"/>
                 </a:solidFill>
@@ -21411,14 +21411,14 @@
           <a:ln/>
           <a:extLst>
             <a:ext uri="{909E8E84-426E-40dd-AFC4-6F175D3DCCD1}">
-              <a14:hiddenFill xmlns:a14="http://schemas.microsoft.com/office/drawing/2010/main" xmlns="">
+              <a14:hiddenFill xmlns="" xmlns:a14="http://schemas.microsoft.com/office/drawing/2010/main">
                 <a:solidFill>
                   <a:srgbClr val="FFFFFF"/>
                 </a:solidFill>
               </a14:hiddenFill>
             </a:ext>
             <a:ext uri="{91240B29-F687-4f45-9708-019B960494DF}">
-              <a14:hiddenLine xmlns:a14="http://schemas.microsoft.com/office/drawing/2010/main" xmlns="" w="9525">
+              <a14:hiddenLine xmlns="" xmlns:a14="http://schemas.microsoft.com/office/drawing/2010/main" w="9525">
                 <a:solidFill>
                   <a:srgbClr val="000000"/>
                 </a:solidFill>
@@ -21583,17 +21583,17 @@
           <a:ln/>
           <a:extLst>
             <a:ext uri="{FAA26D3D-D897-4be2-8F04-BA451C77F1D7}">
-              <ma14:placeholderFlag xmlns:ma14="http://schemas.microsoft.com/office/mac/drawingml/2011/main" xmlns="" val="1"/>
+              <ma14:placeholderFlag xmlns="" xmlns:ma14="http://schemas.microsoft.com/office/mac/drawingml/2011/main" val="1"/>
             </a:ext>
             <a:ext uri="{909E8E84-426E-40dd-AFC4-6F175D3DCCD1}">
-              <a14:hiddenFill xmlns:a14="http://schemas.microsoft.com/office/drawing/2010/main" xmlns="">
+              <a14:hiddenFill xmlns="" xmlns:a14="http://schemas.microsoft.com/office/drawing/2010/main">
                 <a:solidFill>
                   <a:srgbClr val="FFFFFF"/>
                 </a:solidFill>
               </a14:hiddenFill>
             </a:ext>
             <a:ext uri="{91240B29-F687-4f45-9708-019B960494DF}">
-              <a14:hiddenLine xmlns:a14="http://schemas.microsoft.com/office/drawing/2010/main" xmlns="" w="9525">
+              <a14:hiddenLine xmlns="" xmlns:a14="http://schemas.microsoft.com/office/drawing/2010/main" w="9525">
                 <a:solidFill>
                   <a:srgbClr val="000000"/>
                 </a:solidFill>
@@ -21656,14 +21656,14 @@
           <a:ln/>
           <a:extLst>
             <a:ext uri="{909E8E84-426E-40dd-AFC4-6F175D3DCCD1}">
-              <a14:hiddenFill xmlns:a14="http://schemas.microsoft.com/office/drawing/2010/main" xmlns="">
+              <a14:hiddenFill xmlns="" xmlns:a14="http://schemas.microsoft.com/office/drawing/2010/main">
                 <a:solidFill>
                   <a:srgbClr val="FFFFFF"/>
                 </a:solidFill>
               </a14:hiddenFill>
             </a:ext>
             <a:ext uri="{91240B29-F687-4f45-9708-019B960494DF}">
-              <a14:hiddenLine xmlns:a14="http://schemas.microsoft.com/office/drawing/2010/main" xmlns="" w="9525">
+              <a14:hiddenLine xmlns="" xmlns:a14="http://schemas.microsoft.com/office/drawing/2010/main" w="9525">
                 <a:solidFill>
                   <a:srgbClr val="000000"/>
                 </a:solidFill>
@@ -21828,17 +21828,17 @@
           <a:ln/>
           <a:extLst>
             <a:ext uri="{FAA26D3D-D897-4be2-8F04-BA451C77F1D7}">
-              <ma14:placeholderFlag xmlns:ma14="http://schemas.microsoft.com/office/mac/drawingml/2011/main" xmlns="" val="1"/>
+              <ma14:placeholderFlag xmlns="" xmlns:ma14="http://schemas.microsoft.com/office/mac/drawingml/2011/main" val="1"/>
             </a:ext>
             <a:ext uri="{909E8E84-426E-40dd-AFC4-6F175D3DCCD1}">
-              <a14:hiddenFill xmlns:a14="http://schemas.microsoft.com/office/drawing/2010/main" xmlns="">
+              <a14:hiddenFill xmlns="" xmlns:a14="http://schemas.microsoft.com/office/drawing/2010/main">
                 <a:solidFill>
                   <a:srgbClr val="FFFFFF"/>
                 </a:solidFill>
               </a14:hiddenFill>
             </a:ext>
             <a:ext uri="{91240B29-F687-4f45-9708-019B960494DF}">
-              <a14:hiddenLine xmlns:a14="http://schemas.microsoft.com/office/drawing/2010/main" xmlns="" w="9525">
+              <a14:hiddenLine xmlns="" xmlns:a14="http://schemas.microsoft.com/office/drawing/2010/main" w="9525">
                 <a:solidFill>
                   <a:srgbClr val="000000"/>
                 </a:solidFill>
@@ -21901,14 +21901,14 @@
           <a:ln/>
           <a:extLst>
             <a:ext uri="{909E8E84-426E-40dd-AFC4-6F175D3DCCD1}">
-              <a14:hiddenFill xmlns:a14="http://schemas.microsoft.com/office/drawing/2010/main" xmlns="">
+              <a14:hiddenFill xmlns="" xmlns:a14="http://schemas.microsoft.com/office/drawing/2010/main">
                 <a:solidFill>
                   <a:srgbClr val="FFFFFF"/>
                 </a:solidFill>
               </a14:hiddenFill>
             </a:ext>
             <a:ext uri="{91240B29-F687-4f45-9708-019B960494DF}">
-              <a14:hiddenLine xmlns:a14="http://schemas.microsoft.com/office/drawing/2010/main" xmlns="" w="9525">
+              <a14:hiddenLine xmlns="" xmlns:a14="http://schemas.microsoft.com/office/drawing/2010/main" w="9525">
                 <a:solidFill>
                   <a:srgbClr val="000000"/>
                 </a:solidFill>
@@ -22073,17 +22073,17 @@
           <a:ln/>
           <a:extLst>
             <a:ext uri="{FAA26D3D-D897-4be2-8F04-BA451C77F1D7}">
-              <ma14:placeholderFlag xmlns:ma14="http://schemas.microsoft.com/office/mac/drawingml/2011/main" xmlns="" val="1"/>
+              <ma14:placeholderFlag xmlns="" xmlns:ma14="http://schemas.microsoft.com/office/mac/drawingml/2011/main" val="1"/>
             </a:ext>
             <a:ext uri="{909E8E84-426E-40dd-AFC4-6F175D3DCCD1}">
-              <a14:hiddenFill xmlns:a14="http://schemas.microsoft.com/office/drawing/2010/main" xmlns="">
+              <a14:hiddenFill xmlns="" xmlns:a14="http://schemas.microsoft.com/office/drawing/2010/main">
                 <a:solidFill>
                   <a:srgbClr val="FFFFFF"/>
                 </a:solidFill>
               </a14:hiddenFill>
             </a:ext>
             <a:ext uri="{91240B29-F687-4f45-9708-019B960494DF}">
-              <a14:hiddenLine xmlns:a14="http://schemas.microsoft.com/office/drawing/2010/main" xmlns="" w="9525">
+              <a14:hiddenLine xmlns="" xmlns:a14="http://schemas.microsoft.com/office/drawing/2010/main" w="9525">
                 <a:solidFill>
                   <a:srgbClr val="000000"/>
                 </a:solidFill>
@@ -22146,14 +22146,14 @@
           <a:ln/>
           <a:extLst>
             <a:ext uri="{909E8E84-426E-40dd-AFC4-6F175D3DCCD1}">
-              <a14:hiddenFill xmlns:a14="http://schemas.microsoft.com/office/drawing/2010/main" xmlns="">
+              <a14:hiddenFill xmlns="" xmlns:a14="http://schemas.microsoft.com/office/drawing/2010/main">
                 <a:solidFill>
                   <a:srgbClr val="FFFFFF"/>
                 </a:solidFill>
               </a14:hiddenFill>
             </a:ext>
             <a:ext uri="{91240B29-F687-4f45-9708-019B960494DF}">
-              <a14:hiddenLine xmlns:a14="http://schemas.microsoft.com/office/drawing/2010/main" xmlns="" w="9525">
+              <a14:hiddenLine xmlns="" xmlns:a14="http://schemas.microsoft.com/office/drawing/2010/main" w="9525">
                 <a:solidFill>
                   <a:srgbClr val="000000"/>
                 </a:solidFill>
@@ -22318,17 +22318,17 @@
           <a:ln/>
           <a:extLst>
             <a:ext uri="{FAA26D3D-D897-4be2-8F04-BA451C77F1D7}">
-              <ma14:placeholderFlag xmlns:ma14="http://schemas.microsoft.com/office/mac/drawingml/2011/main" xmlns="" val="1"/>
+              <ma14:placeholderFlag xmlns="" xmlns:ma14="http://schemas.microsoft.com/office/mac/drawingml/2011/main" val="1"/>
             </a:ext>
             <a:ext uri="{909E8E84-426E-40dd-AFC4-6F175D3DCCD1}">
-              <a14:hiddenFill xmlns:a14="http://schemas.microsoft.com/office/drawing/2010/main" xmlns="">
+              <a14:hiddenFill xmlns="" xmlns:a14="http://schemas.microsoft.com/office/drawing/2010/main">
                 <a:solidFill>
                   <a:srgbClr val="FFFFFF"/>
                 </a:solidFill>
               </a14:hiddenFill>
             </a:ext>
             <a:ext uri="{91240B29-F687-4f45-9708-019B960494DF}">
-              <a14:hiddenLine xmlns:a14="http://schemas.microsoft.com/office/drawing/2010/main" xmlns="" w="9525">
+              <a14:hiddenLine xmlns="" xmlns:a14="http://schemas.microsoft.com/office/drawing/2010/main" w="9525">
                 <a:solidFill>
                   <a:srgbClr val="000000"/>
                 </a:solidFill>
@@ -22391,14 +22391,14 @@
           <a:ln/>
           <a:extLst>
             <a:ext uri="{909E8E84-426E-40dd-AFC4-6F175D3DCCD1}">
-              <a14:hiddenFill xmlns:a14="http://schemas.microsoft.com/office/drawing/2010/main" xmlns="">
+              <a14:hiddenFill xmlns="" xmlns:a14="http://schemas.microsoft.com/office/drawing/2010/main">
                 <a:solidFill>
                   <a:srgbClr val="FFFFFF"/>
                 </a:solidFill>
               </a14:hiddenFill>
             </a:ext>
             <a:ext uri="{91240B29-F687-4f45-9708-019B960494DF}">
-              <a14:hiddenLine xmlns:a14="http://schemas.microsoft.com/office/drawing/2010/main" xmlns="" w="9525">
+              <a14:hiddenLine xmlns="" xmlns:a14="http://schemas.microsoft.com/office/drawing/2010/main" w="9525">
                 <a:solidFill>
                   <a:srgbClr val="000000"/>
                 </a:solidFill>
@@ -22563,17 +22563,17 @@
           <a:ln/>
           <a:extLst>
             <a:ext uri="{FAA26D3D-D897-4be2-8F04-BA451C77F1D7}">
-              <ma14:placeholderFlag xmlns:ma14="http://schemas.microsoft.com/office/mac/drawingml/2011/main" xmlns="" val="1"/>
+              <ma14:placeholderFlag xmlns="" xmlns:ma14="http://schemas.microsoft.com/office/mac/drawingml/2011/main" val="1"/>
             </a:ext>
             <a:ext uri="{909E8E84-426E-40dd-AFC4-6F175D3DCCD1}">
-              <a14:hiddenFill xmlns:a14="http://schemas.microsoft.com/office/drawing/2010/main" xmlns="">
+              <a14:hiddenFill xmlns="" xmlns:a14="http://schemas.microsoft.com/office/drawing/2010/main">
                 <a:solidFill>
                   <a:srgbClr val="FFFFFF"/>
                 </a:solidFill>
               </a14:hiddenFill>
             </a:ext>
             <a:ext uri="{91240B29-F687-4f45-9708-019B960494DF}">
-              <a14:hiddenLine xmlns:a14="http://schemas.microsoft.com/office/drawing/2010/main" xmlns="" w="9525">
+              <a14:hiddenLine xmlns="" xmlns:a14="http://schemas.microsoft.com/office/drawing/2010/main" w="9525">
                 <a:solidFill>
                   <a:srgbClr val="000000"/>
                 </a:solidFill>
@@ -22636,14 +22636,14 @@
           <a:ln/>
           <a:extLst>
             <a:ext uri="{909E8E84-426E-40dd-AFC4-6F175D3DCCD1}">
-              <a14:hiddenFill xmlns:a14="http://schemas.microsoft.com/office/drawing/2010/main" xmlns="">
+              <a14:hiddenFill xmlns="" xmlns:a14="http://schemas.microsoft.com/office/drawing/2010/main">
                 <a:solidFill>
                   <a:srgbClr val="FFFFFF"/>
                 </a:solidFill>
               </a14:hiddenFill>
             </a:ext>
             <a:ext uri="{91240B29-F687-4f45-9708-019B960494DF}">
-              <a14:hiddenLine xmlns:a14="http://schemas.microsoft.com/office/drawing/2010/main" xmlns="" w="9525">
+              <a14:hiddenLine xmlns="" xmlns:a14="http://schemas.microsoft.com/office/drawing/2010/main" w="9525">
                 <a:solidFill>
                   <a:srgbClr val="000000"/>
                 </a:solidFill>
@@ -22808,17 +22808,17 @@
           <a:ln/>
           <a:extLst>
             <a:ext uri="{FAA26D3D-D897-4be2-8F04-BA451C77F1D7}">
-              <ma14:placeholderFlag xmlns:ma14="http://schemas.microsoft.com/office/mac/drawingml/2011/main" xmlns="" val="1"/>
+              <ma14:placeholderFlag xmlns="" xmlns:ma14="http://schemas.microsoft.com/office/mac/drawingml/2011/main" val="1"/>
             </a:ext>
             <a:ext uri="{909E8E84-426E-40dd-AFC4-6F175D3DCCD1}">
-              <a14:hiddenFill xmlns:a14="http://schemas.microsoft.com/office/drawing/2010/main" xmlns="">
+              <a14:hiddenFill xmlns="" xmlns:a14="http://schemas.microsoft.com/office/drawing/2010/main">
                 <a:solidFill>
                   <a:srgbClr val="FFFFFF"/>
                 </a:solidFill>
               </a14:hiddenFill>
             </a:ext>
             <a:ext uri="{91240B29-F687-4f45-9708-019B960494DF}">
-              <a14:hiddenLine xmlns:a14="http://schemas.microsoft.com/office/drawing/2010/main" xmlns="" w="9525">
+              <a14:hiddenLine xmlns="" xmlns:a14="http://schemas.microsoft.com/office/drawing/2010/main" w="9525">
                 <a:solidFill>
                   <a:srgbClr val="000000"/>
                 </a:solidFill>
@@ -22881,14 +22881,14 @@
           <a:ln/>
           <a:extLst>
             <a:ext uri="{909E8E84-426E-40dd-AFC4-6F175D3DCCD1}">
-              <a14:hiddenFill xmlns:a14="http://schemas.microsoft.com/office/drawing/2010/main" xmlns="">
+              <a14:hiddenFill xmlns="" xmlns:a14="http://schemas.microsoft.com/office/drawing/2010/main">
                 <a:solidFill>
                   <a:srgbClr val="FFFFFF"/>
                 </a:solidFill>
               </a14:hiddenFill>
             </a:ext>
             <a:ext uri="{91240B29-F687-4f45-9708-019B960494DF}">
-              <a14:hiddenLine xmlns:a14="http://schemas.microsoft.com/office/drawing/2010/main" xmlns="" w="9525">
+              <a14:hiddenLine xmlns="" xmlns:a14="http://schemas.microsoft.com/office/drawing/2010/main" w="9525">
                 <a:solidFill>
                   <a:srgbClr val="000000"/>
                 </a:solidFill>
@@ -23053,17 +23053,17 @@
           <a:ln/>
           <a:extLst>
             <a:ext uri="{FAA26D3D-D897-4be2-8F04-BA451C77F1D7}">
-              <ma14:placeholderFlag xmlns:ma14="http://schemas.microsoft.com/office/mac/drawingml/2011/main" xmlns="" val="1"/>
+              <ma14:placeholderFlag xmlns="" xmlns:ma14="http://schemas.microsoft.com/office/mac/drawingml/2011/main" val="1"/>
             </a:ext>
             <a:ext uri="{909E8E84-426E-40dd-AFC4-6F175D3DCCD1}">
-              <a14:hiddenFill xmlns:a14="http://schemas.microsoft.com/office/drawing/2010/main" xmlns="">
+              <a14:hiddenFill xmlns="" xmlns:a14="http://schemas.microsoft.com/office/drawing/2010/main">
                 <a:solidFill>
                   <a:srgbClr val="FFFFFF"/>
                 </a:solidFill>
               </a14:hiddenFill>
             </a:ext>
             <a:ext uri="{91240B29-F687-4f45-9708-019B960494DF}">
-              <a14:hiddenLine xmlns:a14="http://schemas.microsoft.com/office/drawing/2010/main" xmlns="" w="9525">
+              <a14:hiddenLine xmlns="" xmlns:a14="http://schemas.microsoft.com/office/drawing/2010/main" w="9525">
                 <a:solidFill>
                   <a:srgbClr val="000000"/>
                 </a:solidFill>
@@ -23126,14 +23126,14 @@
           <a:ln/>
           <a:extLst>
             <a:ext uri="{909E8E84-426E-40dd-AFC4-6F175D3DCCD1}">
-              <a14:hiddenFill xmlns:a14="http://schemas.microsoft.com/office/drawing/2010/main" xmlns="">
+              <a14:hiddenFill xmlns="" xmlns:a14="http://schemas.microsoft.com/office/drawing/2010/main">
                 <a:solidFill>
                   <a:srgbClr val="FFFFFF"/>
                 </a:solidFill>
               </a14:hiddenFill>
             </a:ext>
             <a:ext uri="{91240B29-F687-4f45-9708-019B960494DF}">
-              <a14:hiddenLine xmlns:a14="http://schemas.microsoft.com/office/drawing/2010/main" xmlns="" w="9525">
+              <a14:hiddenLine xmlns="" xmlns:a14="http://schemas.microsoft.com/office/drawing/2010/main" w="9525">
                 <a:solidFill>
                   <a:srgbClr val="000000"/>
                 </a:solidFill>
@@ -23298,17 +23298,17 @@
           <a:ln/>
           <a:extLst>
             <a:ext uri="{FAA26D3D-D897-4be2-8F04-BA451C77F1D7}">
-              <ma14:placeholderFlag xmlns:ma14="http://schemas.microsoft.com/office/mac/drawingml/2011/main" xmlns="" val="1"/>
+              <ma14:placeholderFlag xmlns="" xmlns:ma14="http://schemas.microsoft.com/office/mac/drawingml/2011/main" val="1"/>
             </a:ext>
             <a:ext uri="{909E8E84-426E-40dd-AFC4-6F175D3DCCD1}">
-              <a14:hiddenFill xmlns:a14="http://schemas.microsoft.com/office/drawing/2010/main" xmlns="">
+              <a14:hiddenFill xmlns="" xmlns:a14="http://schemas.microsoft.com/office/drawing/2010/main">
                 <a:solidFill>
                   <a:srgbClr val="FFFFFF"/>
                 </a:solidFill>
               </a14:hiddenFill>
             </a:ext>
             <a:ext uri="{91240B29-F687-4f45-9708-019B960494DF}">
-              <a14:hiddenLine xmlns:a14="http://schemas.microsoft.com/office/drawing/2010/main" xmlns="" w="9525">
+              <a14:hiddenLine xmlns="" xmlns:a14="http://schemas.microsoft.com/office/drawing/2010/main" w="9525">
                 <a:solidFill>
                   <a:srgbClr val="000000"/>
                 </a:solidFill>
@@ -23371,14 +23371,14 @@
           <a:ln/>
           <a:extLst>
             <a:ext uri="{909E8E84-426E-40dd-AFC4-6F175D3DCCD1}">
-              <a14:hiddenFill xmlns:a14="http://schemas.microsoft.com/office/drawing/2010/main" xmlns="">
+              <a14:hiddenFill xmlns="" xmlns:a14="http://schemas.microsoft.com/office/drawing/2010/main">
                 <a:solidFill>
                   <a:srgbClr val="FFFFFF"/>
                 </a:solidFill>
               </a14:hiddenFill>
             </a:ext>
             <a:ext uri="{91240B29-F687-4f45-9708-019B960494DF}">
-              <a14:hiddenLine xmlns:a14="http://schemas.microsoft.com/office/drawing/2010/main" xmlns="" w="9525">
+              <a14:hiddenLine xmlns="" xmlns:a14="http://schemas.microsoft.com/office/drawing/2010/main" w="9525">
                 <a:solidFill>
                   <a:srgbClr val="000000"/>
                 </a:solidFill>
@@ -23543,17 +23543,17 @@
           <a:ln/>
           <a:extLst>
             <a:ext uri="{FAA26D3D-D897-4be2-8F04-BA451C77F1D7}">
-              <ma14:placeholderFlag xmlns:ma14="http://schemas.microsoft.com/office/mac/drawingml/2011/main" xmlns="" val="1"/>
+              <ma14:placeholderFlag xmlns="" xmlns:ma14="http://schemas.microsoft.com/office/mac/drawingml/2011/main" val="1"/>
             </a:ext>
             <a:ext uri="{909E8E84-426E-40dd-AFC4-6F175D3DCCD1}">
-              <a14:hiddenFill xmlns:a14="http://schemas.microsoft.com/office/drawing/2010/main" xmlns="">
+              <a14:hiddenFill xmlns="" xmlns:a14="http://schemas.microsoft.com/office/drawing/2010/main">
                 <a:solidFill>
                   <a:srgbClr val="FFFFFF"/>
                 </a:solidFill>
               </a14:hiddenFill>
             </a:ext>
             <a:ext uri="{91240B29-F687-4f45-9708-019B960494DF}">
-              <a14:hiddenLine xmlns:a14="http://schemas.microsoft.com/office/drawing/2010/main" xmlns="" w="9525">
+              <a14:hiddenLine xmlns="" xmlns:a14="http://schemas.microsoft.com/office/drawing/2010/main" w="9525">
                 <a:solidFill>
                   <a:srgbClr val="000000"/>
                 </a:solidFill>
@@ -25241,10 +25241,10 @@
           </a:ln>
           <a:extLst>
             <a:ext uri="{FAA26D3D-D897-4be2-8F04-BA451C77F1D7}">
-              <ma14:placeholderFlag xmlns:ma14="http://schemas.microsoft.com/office/mac/drawingml/2011/main" xmlns="" val="1"/>
+              <ma14:placeholderFlag xmlns="" xmlns:ma14="http://schemas.microsoft.com/office/mac/drawingml/2011/main" val="1"/>
             </a:ext>
             <a:ext uri="{91240B29-F687-4f45-9708-019B960494DF}">
-              <a14:hiddenLine xmlns:a14="http://schemas.microsoft.com/office/drawing/2010/main" xmlns="" w="9525">
+              <a14:hiddenLine xmlns="" xmlns:a14="http://schemas.microsoft.com/office/drawing/2010/main" w="9525">
                 <a:solidFill>
                   <a:srgbClr val="000000"/>
                 </a:solidFill>
@@ -25295,17 +25295,17 @@
           </a:ln>
           <a:extLst>
             <a:ext uri="{FAA26D3D-D897-4be2-8F04-BA451C77F1D7}">
-              <ma14:placeholderFlag xmlns:ma14="http://schemas.microsoft.com/office/mac/drawingml/2011/main" xmlns="" val="1"/>
+              <ma14:placeholderFlag xmlns="" xmlns:ma14="http://schemas.microsoft.com/office/mac/drawingml/2011/main" val="1"/>
             </a:ext>
             <a:ext uri="{909E8E84-426E-40dd-AFC4-6F175D3DCCD1}">
-              <a14:hiddenFill xmlns:a14="http://schemas.microsoft.com/office/drawing/2010/main" xmlns="">
+              <a14:hiddenFill xmlns="" xmlns:a14="http://schemas.microsoft.com/office/drawing/2010/main">
                 <a:solidFill>
                   <a:srgbClr val="FFFFFF"/>
                 </a:solidFill>
               </a14:hiddenFill>
             </a:ext>
             <a:ext uri="{91240B29-F687-4f45-9708-019B960494DF}">
-              <a14:hiddenLine xmlns:a14="http://schemas.microsoft.com/office/drawing/2010/main" xmlns="" w="9525">
+              <a14:hiddenLine xmlns="" xmlns:a14="http://schemas.microsoft.com/office/drawing/2010/main" w="9525">
                 <a:solidFill>
                   <a:srgbClr val="000000"/>
                 </a:solidFill>
@@ -25866,7 +25866,7 @@
           <a:noFill/>
           <a:extLst>
             <a:ext uri="{909E8E84-426E-40dd-AFC4-6F175D3DCCD1}">
-              <a14:hiddenFill xmlns:a14="http://schemas.microsoft.com/office/drawing/2010/main" xmlns="">
+              <a14:hiddenFill xmlns="" xmlns:a14="http://schemas.microsoft.com/office/drawing/2010/main">
                 <a:solidFill>
                   <a:srgbClr val="E1F4FF"/>
                 </a:solidFill>
@@ -25941,14 +25941,14 @@
           </a:ln>
           <a:extLst>
             <a:ext uri="{909E8E84-426E-40dd-AFC4-6F175D3DCCD1}">
-              <a14:hiddenFill xmlns:a14="http://schemas.microsoft.com/office/drawing/2010/main" xmlns="">
+              <a14:hiddenFill xmlns="" xmlns:a14="http://schemas.microsoft.com/office/drawing/2010/main">
                 <a:solidFill>
                   <a:srgbClr val="FFFFFF"/>
                 </a:solidFill>
               </a14:hiddenFill>
             </a:ext>
             <a:ext uri="{91240B29-F687-4f45-9708-019B960494DF}">
-              <a14:hiddenLine xmlns:a14="http://schemas.microsoft.com/office/drawing/2010/main" xmlns="" w="9525">
+              <a14:hiddenLine xmlns="" xmlns:a14="http://schemas.microsoft.com/office/drawing/2010/main" w="9525">
                 <a:solidFill>
                   <a:srgbClr val="000000"/>
                 </a:solidFill>
@@ -26147,14 +26147,14 @@
           </a:ln>
           <a:extLst>
             <a:ext uri="{909E8E84-426E-40dd-AFC4-6F175D3DCCD1}">
-              <a14:hiddenFill xmlns:a14="http://schemas.microsoft.com/office/drawing/2010/main" xmlns="">
+              <a14:hiddenFill xmlns="" xmlns:a14="http://schemas.microsoft.com/office/drawing/2010/main">
                 <a:solidFill>
                   <a:srgbClr val="FFFFFF"/>
                 </a:solidFill>
               </a14:hiddenFill>
             </a:ext>
             <a:ext uri="{91240B29-F687-4f45-9708-019B960494DF}">
-              <a14:hiddenLine xmlns:a14="http://schemas.microsoft.com/office/drawing/2010/main" xmlns="" w="9525">
+              <a14:hiddenLine xmlns="" xmlns:a14="http://schemas.microsoft.com/office/drawing/2010/main" w="9525">
                 <a:solidFill>
                   <a:srgbClr val="000000"/>
                 </a:solidFill>
@@ -28945,7 +28945,7 @@
           </a:ln>
           <a:extLst>
             <a:ext uri="{909E8E84-426E-40dd-AFC4-6F175D3DCCD1}">
-              <a14:hiddenFill xmlns:a14="http://schemas.microsoft.com/office/drawing/2010/main" xmlns="">
+              <a14:hiddenFill xmlns="" xmlns:a14="http://schemas.microsoft.com/office/drawing/2010/main">
                 <a:noFill/>
               </a14:hiddenFill>
             </a:ext>
@@ -28981,7 +28981,7 @@
           </a:ln>
           <a:extLst>
             <a:ext uri="{909E8E84-426E-40dd-AFC4-6F175D3DCCD1}">
-              <a14:hiddenFill xmlns:a14="http://schemas.microsoft.com/office/drawing/2010/main" xmlns="">
+              <a14:hiddenFill xmlns="" xmlns:a14="http://schemas.microsoft.com/office/drawing/2010/main">
                 <a:noFill/>
               </a14:hiddenFill>
             </a:ext>
@@ -29017,7 +29017,7 @@
           </a:ln>
           <a:extLst>
             <a:ext uri="{909E8E84-426E-40dd-AFC4-6F175D3DCCD1}">
-              <a14:hiddenFill xmlns:a14="http://schemas.microsoft.com/office/drawing/2010/main" xmlns="">
+              <a14:hiddenFill xmlns="" xmlns:a14="http://schemas.microsoft.com/office/drawing/2010/main">
                 <a:noFill/>
               </a14:hiddenFill>
             </a:ext>
@@ -29053,7 +29053,7 @@
           </a:ln>
           <a:extLst>
             <a:ext uri="{909E8E84-426E-40dd-AFC4-6F175D3DCCD1}">
-              <a14:hiddenFill xmlns:a14="http://schemas.microsoft.com/office/drawing/2010/main" xmlns="">
+              <a14:hiddenFill xmlns="" xmlns:a14="http://schemas.microsoft.com/office/drawing/2010/main">
                 <a:noFill/>
               </a14:hiddenFill>
             </a:ext>
@@ -29155,7 +29155,7 @@
           </a:ln>
           <a:extLst>
             <a:ext uri="{909E8E84-426E-40dd-AFC4-6F175D3DCCD1}">
-              <a14:hiddenFill xmlns:a14="http://schemas.microsoft.com/office/drawing/2010/main" xmlns="">
+              <a14:hiddenFill xmlns="" xmlns:a14="http://schemas.microsoft.com/office/drawing/2010/main">
                 <a:noFill/>
               </a14:hiddenFill>
             </a:ext>
@@ -29386,14 +29386,14 @@
           </a:ln>
           <a:extLst>
             <a:ext uri="{909E8E84-426E-40dd-AFC4-6F175D3DCCD1}">
-              <a14:hiddenFill xmlns:a14="http://schemas.microsoft.com/office/drawing/2010/main" xmlns="">
+              <a14:hiddenFill xmlns="" xmlns:a14="http://schemas.microsoft.com/office/drawing/2010/main">
                 <a:solidFill>
                   <a:srgbClr val="FFFFFF"/>
                 </a:solidFill>
               </a14:hiddenFill>
             </a:ext>
             <a:ext uri="{91240B29-F687-4f45-9708-019B960494DF}">
-              <a14:hiddenLine xmlns:a14="http://schemas.microsoft.com/office/drawing/2010/main" xmlns="" w="9525">
+              <a14:hiddenLine xmlns="" xmlns:a14="http://schemas.microsoft.com/office/drawing/2010/main" w="9525">
                 <a:solidFill>
                   <a:srgbClr val="000000"/>
                 </a:solidFill>
@@ -33901,14 +33901,14 @@
           </a:ln>
           <a:extLst>
             <a:ext uri="{909E8E84-426E-40dd-AFC4-6F175D3DCCD1}">
-              <a14:hiddenFill xmlns:a14="http://schemas.microsoft.com/office/drawing/2010/main" xmlns="">
+              <a14:hiddenFill xmlns="" xmlns:a14="http://schemas.microsoft.com/office/drawing/2010/main">
                 <a:solidFill>
                   <a:srgbClr val="FFFFFF"/>
                 </a:solidFill>
               </a14:hiddenFill>
             </a:ext>
             <a:ext uri="{91240B29-F687-4f45-9708-019B960494DF}">
-              <a14:hiddenLine xmlns:a14="http://schemas.microsoft.com/office/drawing/2010/main" xmlns="" w="9525">
+              <a14:hiddenLine xmlns="" xmlns:a14="http://schemas.microsoft.com/office/drawing/2010/main" w="9525">
                 <a:solidFill>
                   <a:srgbClr val="000000"/>
                 </a:solidFill>
@@ -37204,7 +37204,7 @@
           </a:ln>
           <a:extLst>
             <a:ext uri="{91240B29-F687-4f45-9708-019B960494DF}">
-              <a14:hiddenLine xmlns:a14="http://schemas.microsoft.com/office/drawing/2010/main" xmlns="" w="9525">
+              <a14:hiddenLine xmlns="" xmlns:a14="http://schemas.microsoft.com/office/drawing/2010/main" w="9525">
                 <a:solidFill>
                   <a:srgbClr val="000000"/>
                 </a:solidFill>
@@ -37262,7 +37262,7 @@
           </a:ln>
           <a:extLst>
             <a:ext uri="{91240B29-F687-4f45-9708-019B960494DF}">
-              <a14:hiddenLine xmlns:a14="http://schemas.microsoft.com/office/drawing/2010/main" xmlns="" w="9525">
+              <a14:hiddenLine xmlns="" xmlns:a14="http://schemas.microsoft.com/office/drawing/2010/main" w="9525">
                 <a:solidFill>
                   <a:srgbClr val="000000"/>
                 </a:solidFill>
@@ -37320,7 +37320,7 @@
           </a:ln>
           <a:extLst>
             <a:ext uri="{91240B29-F687-4f45-9708-019B960494DF}">
-              <a14:hiddenLine xmlns:a14="http://schemas.microsoft.com/office/drawing/2010/main" xmlns="" w="9525">
+              <a14:hiddenLine xmlns="" xmlns:a14="http://schemas.microsoft.com/office/drawing/2010/main" w="9525">
                 <a:solidFill>
                   <a:srgbClr val="000000"/>
                 </a:solidFill>
@@ -37752,7 +37752,7 @@
           </a:ln>
           <a:extLst>
             <a:ext uri="{909E8E84-426E-40dd-AFC4-6F175D3DCCD1}">
-              <a14:hiddenFill xmlns:a14="http://schemas.microsoft.com/office/drawing/2010/main" xmlns="">
+              <a14:hiddenFill xmlns="" xmlns:a14="http://schemas.microsoft.com/office/drawing/2010/main">
                 <a:noFill/>
               </a14:hiddenFill>
             </a:ext>
@@ -37788,7 +37788,7 @@
           </a:ln>
           <a:extLst>
             <a:ext uri="{909E8E84-426E-40dd-AFC4-6F175D3DCCD1}">
-              <a14:hiddenFill xmlns:a14="http://schemas.microsoft.com/office/drawing/2010/main" xmlns="">
+              <a14:hiddenFill xmlns="" xmlns:a14="http://schemas.microsoft.com/office/drawing/2010/main">
                 <a:noFill/>
               </a14:hiddenFill>
             </a:ext>
@@ -37824,7 +37824,7 @@
           </a:ln>
           <a:extLst>
             <a:ext uri="{909E8E84-426E-40dd-AFC4-6F175D3DCCD1}">
-              <a14:hiddenFill xmlns:a14="http://schemas.microsoft.com/office/drawing/2010/main" xmlns="">
+              <a14:hiddenFill xmlns="" xmlns:a14="http://schemas.microsoft.com/office/drawing/2010/main">
                 <a:noFill/>
               </a14:hiddenFill>
             </a:ext>
@@ -37860,7 +37860,7 @@
           </a:ln>
           <a:extLst>
             <a:ext uri="{909E8E84-426E-40dd-AFC4-6F175D3DCCD1}">
-              <a14:hiddenFill xmlns:a14="http://schemas.microsoft.com/office/drawing/2010/main" xmlns="">
+              <a14:hiddenFill xmlns="" xmlns:a14="http://schemas.microsoft.com/office/drawing/2010/main">
                 <a:noFill/>
               </a14:hiddenFill>
             </a:ext>
@@ -37896,7 +37896,7 @@
           </a:ln>
           <a:extLst>
             <a:ext uri="{909E8E84-426E-40dd-AFC4-6F175D3DCCD1}">
-              <a14:hiddenFill xmlns:a14="http://schemas.microsoft.com/office/drawing/2010/main" xmlns="">
+              <a14:hiddenFill xmlns="" xmlns:a14="http://schemas.microsoft.com/office/drawing/2010/main">
                 <a:noFill/>
               </a14:hiddenFill>
             </a:ext>
@@ -37932,7 +37932,7 @@
           </a:ln>
           <a:extLst>
             <a:ext uri="{909E8E84-426E-40dd-AFC4-6F175D3DCCD1}">
-              <a14:hiddenFill xmlns:a14="http://schemas.microsoft.com/office/drawing/2010/main" xmlns="">
+              <a14:hiddenFill xmlns="" xmlns:a14="http://schemas.microsoft.com/office/drawing/2010/main">
                 <a:noFill/>
               </a14:hiddenFill>
             </a:ext>
@@ -37968,7 +37968,7 @@
           </a:ln>
           <a:extLst>
             <a:ext uri="{909E8E84-426E-40dd-AFC4-6F175D3DCCD1}">
-              <a14:hiddenFill xmlns:a14="http://schemas.microsoft.com/office/drawing/2010/main" xmlns="">
+              <a14:hiddenFill xmlns="" xmlns:a14="http://schemas.microsoft.com/office/drawing/2010/main">
                 <a:noFill/>
               </a14:hiddenFill>
             </a:ext>
@@ -38004,7 +38004,7 @@
           </a:ln>
           <a:extLst>
             <a:ext uri="{909E8E84-426E-40dd-AFC4-6F175D3DCCD1}">
-              <a14:hiddenFill xmlns:a14="http://schemas.microsoft.com/office/drawing/2010/main" xmlns="">
+              <a14:hiddenFill xmlns="" xmlns:a14="http://schemas.microsoft.com/office/drawing/2010/main">
                 <a:noFill/>
               </a14:hiddenFill>
             </a:ext>
@@ -38039,7 +38039,7 @@
           </a:ln>
           <a:extLst>
             <a:ext uri="{91240B29-F687-4f45-9708-019B960494DF}">
-              <a14:hiddenLine xmlns:a14="http://schemas.microsoft.com/office/drawing/2010/main" xmlns="" w="9525">
+              <a14:hiddenLine xmlns="" xmlns:a14="http://schemas.microsoft.com/office/drawing/2010/main" w="9525">
                 <a:solidFill>
                   <a:srgbClr val="000000"/>
                 </a:solidFill>
@@ -38098,7 +38098,7 @@
           </a:ln>
           <a:extLst>
             <a:ext uri="{909E8E84-426E-40dd-AFC4-6F175D3DCCD1}">
-              <a14:hiddenFill xmlns:a14="http://schemas.microsoft.com/office/drawing/2010/main" xmlns="">
+              <a14:hiddenFill xmlns="" xmlns:a14="http://schemas.microsoft.com/office/drawing/2010/main">
                 <a:noFill/>
               </a14:hiddenFill>
             </a:ext>
@@ -38180,7 +38180,7 @@
           </a:ln>
           <a:extLst>
             <a:ext uri="{909E8E84-426E-40dd-AFC4-6F175D3DCCD1}">
-              <a14:hiddenFill xmlns:a14="http://schemas.microsoft.com/office/drawing/2010/main" xmlns="">
+              <a14:hiddenFill xmlns="" xmlns:a14="http://schemas.microsoft.com/office/drawing/2010/main">
                 <a:noFill/>
               </a14:hiddenFill>
             </a:ext>
@@ -38263,7 +38263,7 @@
           </a:ln>
           <a:extLst>
             <a:ext uri="{909E8E84-426E-40dd-AFC4-6F175D3DCCD1}">
-              <a14:hiddenFill xmlns:a14="http://schemas.microsoft.com/office/drawing/2010/main" xmlns="">
+              <a14:hiddenFill xmlns="" xmlns:a14="http://schemas.microsoft.com/office/drawing/2010/main">
                 <a:noFill/>
               </a14:hiddenFill>
             </a:ext>
@@ -38585,7 +38585,7 @@
           </a:ln>
           <a:extLst>
             <a:ext uri="{909E8E84-426E-40dd-AFC4-6F175D3DCCD1}">
-              <a14:hiddenFill xmlns:a14="http://schemas.microsoft.com/office/drawing/2010/main" xmlns="">
+              <a14:hiddenFill xmlns="" xmlns:a14="http://schemas.microsoft.com/office/drawing/2010/main">
                 <a:noFill/>
               </a14:hiddenFill>
             </a:ext>
@@ -38620,7 +38620,7 @@
           </a:ln>
           <a:extLst>
             <a:ext uri="{909E8E84-426E-40dd-AFC4-6F175D3DCCD1}">
-              <a14:hiddenFill xmlns:a14="http://schemas.microsoft.com/office/drawing/2010/main" xmlns="">
+              <a14:hiddenFill xmlns="" xmlns:a14="http://schemas.microsoft.com/office/drawing/2010/main">
                 <a:noFill/>
               </a14:hiddenFill>
             </a:ext>
@@ -41442,14 +41442,14 @@
           </a:ln>
           <a:extLst>
             <a:ext uri="{909E8E84-426E-40dd-AFC4-6F175D3DCCD1}">
-              <a14:hiddenFill xmlns:a14="http://schemas.microsoft.com/office/drawing/2010/main" xmlns="">
+              <a14:hiddenFill xmlns="" xmlns:a14="http://schemas.microsoft.com/office/drawing/2010/main">
                 <a:solidFill>
                   <a:srgbClr val="FFFFFF"/>
                 </a:solidFill>
               </a14:hiddenFill>
             </a:ext>
             <a:ext uri="{91240B29-F687-4f45-9708-019B960494DF}">
-              <a14:hiddenLine xmlns:a14="http://schemas.microsoft.com/office/drawing/2010/main" xmlns="" w="9525">
+              <a14:hiddenLine xmlns="" xmlns:a14="http://schemas.microsoft.com/office/drawing/2010/main" w="9525">
                 <a:solidFill>
                   <a:srgbClr val="000000"/>
                 </a:solidFill>
@@ -43169,14 +43169,14 @@
           </a:ln>
           <a:extLst>
             <a:ext uri="{909E8E84-426E-40dd-AFC4-6F175D3DCCD1}">
-              <a14:hiddenFill xmlns:a14="http://schemas.microsoft.com/office/drawing/2010/main" xmlns="">
+              <a14:hiddenFill xmlns="" xmlns:a14="http://schemas.microsoft.com/office/drawing/2010/main">
                 <a:solidFill>
                   <a:srgbClr val="FFFFFF"/>
                 </a:solidFill>
               </a14:hiddenFill>
             </a:ext>
             <a:ext uri="{91240B29-F687-4f45-9708-019B960494DF}">
-              <a14:hiddenLine xmlns:a14="http://schemas.microsoft.com/office/drawing/2010/main" xmlns="" w="9525">
+              <a14:hiddenLine xmlns="" xmlns:a14="http://schemas.microsoft.com/office/drawing/2010/main" w="9525">
                 <a:solidFill>
                   <a:srgbClr val="000000"/>
                 </a:solidFill>
@@ -43259,8 +43259,8 @@
         </p:nvSpPr>
         <p:spPr>
           <a:xfrm>
-            <a:off x="358155" y="1196752"/>
-            <a:ext cx="8569200" cy="5445125"/>
+            <a:off x="358154" y="1196752"/>
+            <a:ext cx="8678341" cy="5445125"/>
           </a:xfrm>
         </p:spPr>
         <p:txBody>
@@ -43271,38 +43271,30 @@
               <a:buNone/>
             </a:pPr>
             <a:r>
+              <a:rPr lang="en-US" sz="3200" dirty="0"/>
+              <a:t>Ontologies give </a:t>
+            </a:r>
+            <a:r>
+              <a:rPr lang="en-US" sz="3200" b="1" dirty="0"/>
+              <a:t>many</a:t>
+            </a:r>
+            <a:r>
+              <a:rPr lang="en-US" sz="3200" dirty="0"/>
+              <a:t> ways to infer that </a:t>
+            </a:r>
+            <a:r>
+              <a:rPr lang="en-US" sz="3200" dirty="0" err="1"/>
+              <a:t>individ-uals</a:t>
+            </a:r>
+            <a:r>
+              <a:rPr lang="en-US" sz="3200" dirty="0"/>
+              <a:t> are distinct from what’s known about them</a:t>
+            </a:r>
+          </a:p>
+          <a:p>
+            <a:pPr marL="238125" indent="-223838"/>
+            <a:r>
               <a:rPr lang="en-US" dirty="0"/>
-              <a:t>An ontology may provide </a:t>
-            </a:r>
-            <a:r>
-              <a:rPr lang="en-US" b="1" dirty="0"/>
-              <a:t>many</a:t>
-            </a:r>
-            <a:r>
-              <a:rPr lang="en-US" dirty="0"/>
-              <a:t> ways to infer that </a:t>
-            </a:r>
-            <a:r>
-              <a:rPr lang="en-US" dirty="0" err="1"/>
-              <a:t>individ</a:t>
-            </a:r>
-            <a:r>
-              <a:rPr lang="en-US" dirty="0"/>
-              <a:t>- </a:t>
-            </a:r>
-            <a:r>
-              <a:rPr lang="en-US" dirty="0" err="1"/>
-              <a:t>uals</a:t>
-            </a:r>
-            <a:r>
-              <a:rPr lang="en-US" dirty="0"/>
-              <a:t> as distinct from what’s known about them, e.g. they</a:t>
-            </a:r>
-          </a:p>
-          <a:p>
-            <a:pPr marL="238125" indent="-223838"/>
-            <a:r>
-              <a:rPr lang="en-US" sz="2600" dirty="0"/>
               <a:t>Belong to sets known to be disjoint (e.g., :Man, :Woman)</a:t>
             </a:r>
           </a:p>
@@ -43311,23 +43303,23 @@
               <a:buNone/>
             </a:pPr>
             <a:r>
-              <a:rPr lang="en-US" dirty="0"/>
+              <a:rPr lang="en-US" sz="2800" dirty="0"/>
               <a:t>:pat1 a :man. :pat2 a :woman.  :Man </a:t>
             </a:r>
             <a:r>
-              <a:rPr lang="en-US" dirty="0" err="1"/>
+              <a:rPr lang="en-US" sz="2800" dirty="0" err="1"/>
               <a:t>owl:disjointWith</a:t>
             </a:r>
             <a:r>
-              <a:rPr lang="en-US" dirty="0"/>
+              <a:rPr lang="en-US" sz="2800" dirty="0"/>
               <a:t> :Woman.</a:t>
             </a:r>
           </a:p>
           <a:p>
             <a:pPr marL="238125" indent="-223838"/>
             <a:r>
-              <a:rPr lang="en-US" sz="2600" dirty="0"/>
-              <a:t>Have inverse functional properties with different values</a:t>
+              <a:rPr lang="en-US" sz="3200" dirty="0"/>
+              <a:t>Have different values for a functional property</a:t>
             </a:r>
           </a:p>
           <a:p>
@@ -43338,23 +43330,23 @@
               <a:buNone/>
             </a:pPr>
             <a:r>
-              <a:rPr lang="en-US" dirty="0"/>
+              <a:rPr lang="en-US" sz="2800" dirty="0"/>
               <a:t>:pat1 :</a:t>
             </a:r>
             <a:r>
-              <a:rPr lang="en-US" dirty="0" err="1"/>
+              <a:rPr lang="en-US" sz="2800" dirty="0" err="1"/>
               <a:t>ssn</a:t>
             </a:r>
             <a:r>
-              <a:rPr lang="en-US" dirty="0"/>
-              <a:t> “249148660” . :pat2 :</a:t>
-            </a:r>
-            <a:r>
-              <a:rPr lang="en-US" dirty="0" err="1"/>
+              <a:rPr lang="en-US" sz="2800" dirty="0"/>
+              <a:t> “249148660” .  :pat2 :</a:t>
+            </a:r>
+            <a:r>
+              <a:rPr lang="en-US" sz="2800" dirty="0" err="1"/>
               <a:t>ssn</a:t>
             </a:r>
             <a:r>
-              <a:rPr lang="en-US" dirty="0"/>
+              <a:rPr lang="en-US" sz="2800" dirty="0"/>
               <a:t> “482962271” .</a:t>
             </a:r>
           </a:p>
@@ -43366,31 +43358,35 @@
               <a:buNone/>
             </a:pPr>
             <a:r>
-              <a:rPr lang="en-US" dirty="0"/>
+              <a:rPr lang="en-US" sz="2800" dirty="0"/>
               <a:t>:</a:t>
             </a:r>
             <a:r>
-              <a:rPr lang="en-US" dirty="0" err="1"/>
+              <a:rPr lang="en-US" sz="2800" dirty="0" err="1"/>
               <a:t>ssn</a:t>
             </a:r>
             <a:r>
-              <a:rPr lang="en-US" dirty="0"/>
+              <a:rPr lang="en-US" sz="2800" dirty="0"/>
               <a:t> a </a:t>
             </a:r>
             <a:r>
-              <a:rPr lang="en-US" dirty="0" err="1"/>
-              <a:t>owl:InverseFunctionalProperty</a:t>
-            </a:r>
-            <a:r>
-              <a:rPr lang="en-US" dirty="0"/>
+              <a:rPr lang="en-US" sz="2800" dirty="0" err="1"/>
+              <a:t>owl:FunctionalProperty</a:t>
+            </a:r>
+            <a:r>
+              <a:rPr lang="en-US" sz="2800" dirty="0"/>
               <a:t> .</a:t>
             </a:r>
           </a:p>
           <a:p>
-            <a:pPr marL="238125" indent="-223838"/>
-            <a:r>
-              <a:rPr lang="en-US" dirty="0"/>
-              <a:t>Have different values for a functional property</a:t>
+            <a:pPr marL="357187" indent="-342900">
+              <a:lnSpc>
+                <a:spcPct val="90000"/>
+              </a:lnSpc>
+            </a:pPr>
+            <a:r>
+              <a:rPr lang="en-US" sz="3200" dirty="0"/>
+              <a:t>Are connected with an irreflexive relation</a:t>
             </a:r>
           </a:p>
           <a:p>
@@ -43401,103 +43397,43 @@
               <a:buNone/>
             </a:pPr>
             <a:r>
-              <a:rPr lang="en-US" dirty="0"/>
+              <a:rPr lang="en-US" sz="2800" dirty="0"/>
               <a:t>:pat1 :</a:t>
             </a:r>
             <a:r>
-              <a:rPr lang="en-US" dirty="0" err="1"/>
-              <a:t>ssn</a:t>
-            </a:r>
-            <a:r>
-              <a:rPr lang="en-US" dirty="0"/>
-              <a:t> “249148660” .  :pat2 :</a:t>
-            </a:r>
-            <a:r>
-              <a:rPr lang="en-US" dirty="0" err="1"/>
-              <a:t>ssn</a:t>
-            </a:r>
-            <a:r>
-              <a:rPr lang="en-US" dirty="0"/>
-              <a:t> “482962271” .</a:t>
-            </a:r>
-          </a:p>
-          <a:p>
-            <a:pPr marL="415924" lvl="1" indent="0">
-              <a:lnSpc>
-                <a:spcPct val="90000"/>
-              </a:lnSpc>
-              <a:buNone/>
-            </a:pPr>
-            <a:r>
-              <a:rPr lang="en-US" dirty="0"/>
+              <a:rPr lang="en-US" sz="2800" dirty="0" err="1"/>
+              <a:t>hasChild</a:t>
+            </a:r>
+            <a:r>
+              <a:rPr lang="en-US" sz="2800" dirty="0"/>
+              <a:t> :pat2.</a:t>
+            </a:r>
+            <a:br>
+              <a:rPr lang="en-US" sz="2800" dirty="0"/>
+            </a:br>
+            <a:r>
+              <a:rPr lang="en-US" sz="2800" dirty="0"/>
               <a:t>:</a:t>
             </a:r>
             <a:r>
-              <a:rPr lang="en-US" dirty="0" err="1"/>
-              <a:t>ssn</a:t>
-            </a:r>
-            <a:r>
-              <a:rPr lang="en-US" dirty="0"/>
+              <a:rPr lang="en-US" sz="2800" dirty="0" err="1"/>
+              <a:t>hasChild</a:t>
+            </a:r>
+            <a:r>
+              <a:rPr lang="en-US" sz="2800" dirty="0"/>
               <a:t> a </a:t>
             </a:r>
             <a:r>
-              <a:rPr lang="en-US" dirty="0" err="1"/>
-              <a:t>owl:FunctionalProperty</a:t>
-            </a:r>
-            <a:r>
-              <a:rPr lang="en-US" dirty="0"/>
+              <a:rPr lang="en-US" sz="2800" dirty="0" err="1"/>
+              <a:t>owl:IrreflexiveProperty</a:t>
+            </a:r>
+            <a:r>
+              <a:rPr lang="en-US" sz="2800" dirty="0"/>
               <a:t> .</a:t>
             </a:r>
           </a:p>
           <a:p>
-            <a:pPr marL="357187" indent="-342900">
-              <a:lnSpc>
-                <a:spcPct val="90000"/>
-              </a:lnSpc>
-            </a:pPr>
-            <a:r>
-              <a:rPr lang="en-US" dirty="0"/>
-              <a:t>Are connected with an irreflexive relation</a:t>
-            </a:r>
-          </a:p>
-          <a:p>
-            <a:pPr marL="415924" lvl="1" indent="0">
-              <a:lnSpc>
-                <a:spcPct val="90000"/>
-              </a:lnSpc>
-              <a:buNone/>
-            </a:pPr>
-            <a:r>
-              <a:rPr lang="en-US" dirty="0"/>
-              <a:t>:pat1 :</a:t>
-            </a:r>
-            <a:r>
-              <a:rPr lang="en-US" dirty="0" err="1"/>
-              <a:t>hasChild</a:t>
-            </a:r>
-            <a:r>
-              <a:rPr lang="en-US" dirty="0"/>
-              <a:t> :pat2.   :</a:t>
-            </a:r>
-            <a:r>
-              <a:rPr lang="en-US" dirty="0" err="1"/>
-              <a:t>hasChild</a:t>
-            </a:r>
-            <a:r>
-              <a:rPr lang="en-US" dirty="0"/>
-              <a:t> a </a:t>
-            </a:r>
-            <a:r>
-              <a:rPr lang="en-US" dirty="0" err="1"/>
-              <a:t>owl:IrreflexiveProperty</a:t>
-            </a:r>
-            <a:r>
-              <a:rPr lang="en-US" dirty="0"/>
-              <a:t> .</a:t>
-            </a:r>
-          </a:p>
-          <a:p>
-            <a:endParaRPr lang="en-US" dirty="0"/>
+            <a:endParaRPr lang="en-US" sz="3200" dirty="0"/>
           </a:p>
         </p:txBody>
       </p:sp>
@@ -44213,7 +44149,7 @@
               <a:rPr lang="en-GB" sz="2800" dirty="0">
                 <a:ea typeface="ＭＳ Ｐゴシック" charset="0"/>
               </a:rPr>
-              <a:t>e.g., people with more than 5 descendants</a:t>
+              <a:t>e.g., people with more than five descendants</a:t>
             </a:r>
           </a:p>
           <a:p>
@@ -46079,7 +46015,7 @@
               <a:buNone/>
             </a:pPr>
             <a:r>
-              <a:rPr lang="en-US" i="1" dirty="0">
+              <a:rPr lang="en-US" sz="3200" i="1" dirty="0">
                 <a:ea typeface="ＭＳ Ｐゴシック" charset="0"/>
                 <a:cs typeface="ＭＳ Ｐゴシック" charset="0"/>
               </a:rPr>
@@ -46091,20 +46027,20 @@
               <a:buNone/>
             </a:pPr>
             <a:r>
-              <a:rPr lang="en-US" dirty="0">
+              <a:rPr lang="en-US" sz="3200" dirty="0">
                 <a:ea typeface="ＭＳ Ｐゴシック" charset="0"/>
                 <a:cs typeface="ＭＳ Ｐゴシック" charset="0"/>
               </a:rPr>
               <a:t>:leaf </a:t>
             </a:r>
             <a:r>
-              <a:rPr lang="en-US" dirty="0" err="1">
+              <a:rPr lang="en-US" sz="3200" dirty="0" err="1">
                 <a:ea typeface="ＭＳ Ｐゴシック" charset="0"/>
                 <a:cs typeface="ＭＳ Ｐゴシック" charset="0"/>
               </a:rPr>
               <a:t>rdfs:subClassOf</a:t>
             </a:r>
-            <a:endParaRPr lang="en-US" dirty="0">
+            <a:endParaRPr lang="en-US" sz="3200" dirty="0">
               <a:ea typeface="ＭＳ Ｐゴシック" charset="0"/>
               <a:cs typeface="ＭＳ Ｐゴシック" charset="0"/>
             </a:endParaRPr>
@@ -46114,21 +46050,21 @@
               <a:buNone/>
             </a:pPr>
             <a:r>
-              <a:rPr lang="en-US" dirty="0">
+              <a:rPr lang="en-US" sz="3200" dirty="0">
                 <a:ea typeface="ＭＳ Ｐゴシック" charset="0"/>
                 <a:cs typeface="ＭＳ Ｐゴシック" charset="0"/>
               </a:rPr>
               <a:t>  [a </a:t>
             </a:r>
             <a:r>
-              <a:rPr lang="en-US" dirty="0" err="1">
+              <a:rPr lang="en-US" sz="3200" dirty="0" err="1">
                 <a:ea typeface="ＭＳ Ｐゴシック" charset="0"/>
                 <a:cs typeface="ＭＳ Ｐゴシック" charset="0"/>
               </a:rPr>
               <a:t>owl:Restriction</a:t>
             </a:r>
             <a:r>
-              <a:rPr lang="en-US" dirty="0">
+              <a:rPr lang="en-US" sz="3200" dirty="0">
                 <a:ea typeface="ＭＳ Ｐゴシック" charset="0"/>
                 <a:cs typeface="ＭＳ Ｐゴシック" charset="0"/>
               </a:rPr>
@@ -46140,21 +46076,21 @@
               <a:buNone/>
             </a:pPr>
             <a:r>
-              <a:rPr lang="en-US" dirty="0">
+              <a:rPr lang="en-US" sz="3200" dirty="0">
                 <a:ea typeface="ＭＳ Ｐゴシック" charset="0"/>
                 <a:cs typeface="ＭＳ Ｐゴシック" charset="0"/>
               </a:rPr>
               <a:t>    </a:t>
             </a:r>
             <a:r>
-              <a:rPr lang="en-US" dirty="0" err="1">
+              <a:rPr lang="en-US" sz="3200" dirty="0" err="1">
                 <a:ea typeface="ＭＳ Ｐゴシック" charset="0"/>
                 <a:cs typeface="ＭＳ Ｐゴシック" charset="0"/>
               </a:rPr>
               <a:t>owl:allValuesFrom</a:t>
             </a:r>
             <a:r>
-              <a:rPr lang="en-US" dirty="0">
+              <a:rPr lang="en-US" sz="3200" dirty="0">
                 <a:ea typeface="ＭＳ Ｐゴシック" charset="0"/>
                 <a:cs typeface="ＭＳ Ｐゴシック" charset="0"/>
               </a:rPr>
@@ -46166,41 +46102,41 @@
               <a:buNone/>
             </a:pPr>
             <a:r>
-              <a:rPr lang="en-US" dirty="0">
+              <a:rPr lang="en-US" sz="3200" dirty="0">
                 <a:ea typeface="ＭＳ Ｐゴシック" charset="0"/>
                 <a:cs typeface="ＭＳ Ｐゴシック" charset="0"/>
               </a:rPr>
               <a:t>    </a:t>
             </a:r>
             <a:r>
-              <a:rPr lang="en-US" dirty="0" err="1">
+              <a:rPr lang="en-US" sz="3200" dirty="0" err="1">
                 <a:ea typeface="ＭＳ Ｐゴシック" charset="0"/>
                 <a:cs typeface="ＭＳ Ｐゴシック" charset="0"/>
               </a:rPr>
               <a:t>owl:onProperty</a:t>
             </a:r>
             <a:r>
-              <a:rPr lang="en-US" dirty="0">
+              <a:rPr lang="en-US" sz="3200" dirty="0">
                 <a:ea typeface="ＭＳ Ｐゴシック" charset="0"/>
                 <a:cs typeface="ＭＳ Ｐゴシック" charset="0"/>
               </a:rPr>
               <a:t> :</a:t>
             </a:r>
             <a:r>
-              <a:rPr lang="en-US" dirty="0" err="1">
+              <a:rPr lang="en-US" sz="3200" dirty="0" err="1">
                 <a:ea typeface="ＭＳ Ｐゴシック" charset="0"/>
                 <a:cs typeface="ＭＳ Ｐゴシック" charset="0"/>
               </a:rPr>
               <a:t>isPartOf</a:t>
             </a:r>
             <a:r>
-              <a:rPr lang="en-US" dirty="0">
+              <a:rPr lang="en-US" sz="3200" dirty="0">
                 <a:ea typeface="ＭＳ Ｐゴシック" charset="0"/>
                 <a:cs typeface="ＭＳ Ｐゴシック" charset="0"/>
               </a:rPr>
               <a:t>]</a:t>
             </a:r>
-            <a:endParaRPr lang="el-GR" dirty="0">
+            <a:endParaRPr lang="el-GR" sz="3200" dirty="0">
               <a:ea typeface="ＭＳ Ｐゴシック" charset="0"/>
               <a:cs typeface="ＭＳ Ｐゴシック" charset="0"/>
             </a:endParaRPr>
@@ -47563,7 +47499,7 @@
               <a:buNone/>
             </a:pPr>
             <a:r>
-              <a:rPr lang="en-US" i="1" dirty="0">
+              <a:rPr lang="en-US" sz="3200" i="1" dirty="0">
                 <a:ea typeface="ＭＳ Ｐゴシック" charset="0"/>
                 <a:cs typeface="ＭＳ Ｐゴシック" charset="0"/>
               </a:rPr>
@@ -47575,7 +47511,7 @@
               <a:buFont typeface="Wingdings" charset="0"/>
               <a:buNone/>
             </a:pPr>
-            <a:endParaRPr lang="en-US" dirty="0">
+            <a:endParaRPr lang="en-US" sz="3200" dirty="0">
               <a:ea typeface="ＭＳ Ｐゴシック" charset="0"/>
               <a:cs typeface="ＭＳ Ｐゴシック" charset="0"/>
             </a:endParaRPr>
@@ -47585,21 +47521,21 @@
               <a:buNone/>
             </a:pPr>
             <a:r>
-              <a:rPr lang="en-US" dirty="0">
+              <a:rPr lang="en-US" sz="3200" dirty="0">
                 <a:ea typeface="ＭＳ Ｐゴシック" charset="0"/>
                 <a:cs typeface="ＭＳ Ｐゴシック" charset="0"/>
               </a:rPr>
               <a:t>:lion </a:t>
             </a:r>
             <a:r>
-              <a:rPr lang="en-US" dirty="0" err="1">
+              <a:rPr lang="en-US" sz="3200" dirty="0" err="1">
                 <a:ea typeface="ＭＳ Ｐゴシック" charset="0"/>
                 <a:cs typeface="ＭＳ Ｐゴシック" charset="0"/>
               </a:rPr>
               <a:t>rdfs:subClassOf</a:t>
             </a:r>
             <a:r>
-              <a:rPr lang="en-US" dirty="0">
+              <a:rPr lang="en-US" sz="3200" dirty="0">
                 <a:ea typeface="ＭＳ Ｐゴシック" charset="0"/>
                 <a:cs typeface="ＭＳ Ｐゴシック" charset="0"/>
               </a:rPr>
@@ -47611,7 +47547,7 @@
               <a:buNone/>
             </a:pPr>
             <a:r>
-              <a:rPr lang="en-US" dirty="0">
+              <a:rPr lang="en-US" sz="3200" dirty="0">
                 <a:ea typeface="ＭＳ Ｐゴシック" charset="0"/>
                 <a:cs typeface="ＭＳ Ｐゴシック" charset="0"/>
               </a:rPr>
@@ -47623,7 +47559,7 @@
               <a:buNone/>
             </a:pPr>
             <a:r>
-              <a:rPr lang="en-US" dirty="0">
+              <a:rPr lang="en-US" sz="3200" dirty="0">
                 <a:ea typeface="ＭＳ Ｐゴシック" charset="0"/>
                 <a:cs typeface="ＭＳ Ｐゴシック" charset="0"/>
               </a:rPr>
@@ -47635,21 +47571,21 @@
               <a:buNone/>
             </a:pPr>
             <a:r>
-              <a:rPr lang="en-US" dirty="0">
+              <a:rPr lang="en-US" sz="3200" dirty="0">
                 <a:ea typeface="ＭＳ Ｐゴシック" charset="0"/>
                 <a:cs typeface="ＭＳ Ｐゴシック" charset="0"/>
               </a:rPr>
               <a:t>       </a:t>
             </a:r>
             <a:r>
-              <a:rPr lang="en-US" dirty="0" err="1">
+              <a:rPr lang="en-US" sz="3200" dirty="0" err="1">
                 <a:ea typeface="ＭＳ Ｐゴシック" charset="0"/>
                 <a:cs typeface="ＭＳ Ｐゴシック" charset="0"/>
               </a:rPr>
               <a:t>owl:onProperty</a:t>
             </a:r>
             <a:r>
-              <a:rPr lang="en-US" dirty="0">
+              <a:rPr lang="en-US" sz="3200" dirty="0">
                 <a:ea typeface="ＭＳ Ｐゴシック" charset="0"/>
                 <a:cs typeface="ＭＳ Ｐゴシック" charset="0"/>
               </a:rPr>
@@ -47661,41 +47597,41 @@
               <a:buNone/>
             </a:pPr>
             <a:r>
-              <a:rPr lang="en-US" dirty="0">
+              <a:rPr lang="en-US" sz="3200" dirty="0">
                 <a:ea typeface="ＭＳ Ｐゴシック" charset="0"/>
                 <a:cs typeface="ＭＳ Ｐゴシック" charset="0"/>
               </a:rPr>
               <a:t>       </a:t>
             </a:r>
             <a:r>
-              <a:rPr lang="en-US" dirty="0" err="1">
+              <a:rPr lang="en-US" sz="3200" dirty="0" err="1">
                 <a:ea typeface="ＭＳ Ｐゴシック" charset="0"/>
                 <a:cs typeface="ＭＳ Ｐゴシック" charset="0"/>
               </a:rPr>
               <a:t>owl:allValuesFrom</a:t>
             </a:r>
             <a:r>
-              <a:rPr lang="en-US" dirty="0">
+              <a:rPr lang="en-US" sz="3200" dirty="0">
                 <a:ea typeface="ＭＳ Ｐゴシック" charset="0"/>
                 <a:cs typeface="ＭＳ Ｐゴシック" charset="0"/>
               </a:rPr>
               <a:t> :</a:t>
             </a:r>
             <a:r>
-              <a:rPr lang="en-US" dirty="0" err="1">
+              <a:rPr lang="en-US" sz="3200" dirty="0" err="1">
                 <a:ea typeface="ＭＳ Ｐゴシック" charset="0"/>
                 <a:cs typeface="ＭＳ Ｐゴシック" charset="0"/>
               </a:rPr>
               <a:t>Herbavore</a:t>
             </a:r>
             <a:r>
-              <a:rPr lang="en-US" dirty="0">
+              <a:rPr lang="en-US" sz="3200" dirty="0">
                 <a:ea typeface="ＭＳ Ｐゴシック" charset="0"/>
                 <a:cs typeface="ＭＳ Ｐゴシック" charset="0"/>
               </a:rPr>
               <a:t>] . 	</a:t>
             </a:r>
-            <a:endParaRPr lang="el-GR" dirty="0">
+            <a:endParaRPr lang="el-GR" sz="3200" dirty="0">
               <a:ea typeface="ＭＳ Ｐゴシック" charset="0"/>
               <a:cs typeface="ＭＳ Ｐゴシック" charset="0"/>
             </a:endParaRPr>
@@ -47787,7 +47723,7 @@
                 <a:cs typeface="ＭＳ Ｐゴシック" charset="0"/>
                 <a:sym typeface="Symbol" charset="0"/>
               </a:rPr>
-              <a:t>#tasty plants are eaten both by herbivores &amp; carnivores </a:t>
+              <a:t>#tasty plants are eaten both by some herbivores &amp; some carnivores </a:t>
             </a:r>
           </a:p>
           <a:p>
@@ -48277,14 +48213,14 @@
           </a:ln>
           <a:extLst>
             <a:ext uri="{909E8E84-426E-40dd-AFC4-6F175D3DCCD1}">
-              <a14:hiddenFill xmlns:a14="http://schemas.microsoft.com/office/drawing/2010/main" xmlns="">
+              <a14:hiddenFill xmlns="" xmlns:a14="http://schemas.microsoft.com/office/drawing/2010/main">
                 <a:solidFill>
                   <a:srgbClr val="FFFFFF"/>
                 </a:solidFill>
               </a14:hiddenFill>
             </a:ext>
             <a:ext uri="{91240B29-F687-4f45-9708-019B960494DF}">
-              <a14:hiddenLine xmlns:a14="http://schemas.microsoft.com/office/drawing/2010/main" xmlns="" w="9525">
+              <a14:hiddenLine xmlns="" xmlns:a14="http://schemas.microsoft.com/office/drawing/2010/main" w="9525">
                 <a:solidFill>
                   <a:srgbClr val="000000"/>
                 </a:solidFill>
